--- a/manipulation.pptx
+++ b/manipulation.pptx
@@ -5,17 +5,23 @@
     <p:sldMasterId id="2147483876" r:id="rId1"/>
   </p:sldMasterIdLst>
   <p:notesMasterIdLst>
-    <p:notesMasterId r:id="rId10"/>
+    <p:notesMasterId r:id="rId16"/>
   </p:notesMasterIdLst>
   <p:sldIdLst>
     <p:sldId id="256" r:id="rId2"/>
     <p:sldId id="259" r:id="rId3"/>
-    <p:sldId id="260" r:id="rId4"/>
-    <p:sldId id="257" r:id="rId5"/>
-    <p:sldId id="263" r:id="rId6"/>
-    <p:sldId id="261" r:id="rId7"/>
-    <p:sldId id="262" r:id="rId8"/>
-    <p:sldId id="258" r:id="rId9"/>
+    <p:sldId id="265" r:id="rId4"/>
+    <p:sldId id="260" r:id="rId5"/>
+    <p:sldId id="257" r:id="rId6"/>
+    <p:sldId id="263" r:id="rId7"/>
+    <p:sldId id="261" r:id="rId8"/>
+    <p:sldId id="262" r:id="rId9"/>
+    <p:sldId id="267" r:id="rId10"/>
+    <p:sldId id="264" r:id="rId11"/>
+    <p:sldId id="266" r:id="rId12"/>
+    <p:sldId id="268" r:id="rId13"/>
+    <p:sldId id="269" r:id="rId14"/>
+    <p:sldId id="258" r:id="rId15"/>
   </p:sldIdLst>
   <p:sldSz cx="9144000" cy="6858000" type="screen4x3"/>
   <p:notesSz cx="6858000" cy="9144000"/>
@@ -865,6 +871,1500 @@
 </file>
 
 <file path=ppt/diagrams/colors2.xml><?xml version="1.0" encoding="utf-8"?>
+<dgm:colorsDef xmlns:dgm="http://schemas.openxmlformats.org/drawingml/2006/diagram" xmlns:a="http://schemas.openxmlformats.org/drawingml/2006/main" uniqueId="urn:microsoft.com/office/officeart/2005/8/colors/accent1_2">
+  <dgm:title val=""/>
+  <dgm:desc val=""/>
+  <dgm:catLst>
+    <dgm:cat type="accent1" pri="11200"/>
+  </dgm:catLst>
+  <dgm:styleLbl name="node0">
+    <dgm:fillClrLst meth="repeat">
+      <a:schemeClr val="accent1"/>
+    </dgm:fillClrLst>
+    <dgm:linClrLst meth="repeat">
+      <a:schemeClr val="lt1"/>
+    </dgm:linClrLst>
+    <dgm:effectClrLst/>
+    <dgm:txLinClrLst/>
+    <dgm:txFillClrLst/>
+    <dgm:txEffectClrLst/>
+  </dgm:styleLbl>
+  <dgm:styleLbl name="alignNode1">
+    <dgm:fillClrLst meth="repeat">
+      <a:schemeClr val="accent1"/>
+    </dgm:fillClrLst>
+    <dgm:linClrLst meth="repeat">
+      <a:schemeClr val="accent1"/>
+    </dgm:linClrLst>
+    <dgm:effectClrLst/>
+    <dgm:txLinClrLst/>
+    <dgm:txFillClrLst/>
+    <dgm:txEffectClrLst/>
+  </dgm:styleLbl>
+  <dgm:styleLbl name="node1">
+    <dgm:fillClrLst meth="repeat">
+      <a:schemeClr val="accent1"/>
+    </dgm:fillClrLst>
+    <dgm:linClrLst meth="repeat">
+      <a:schemeClr val="lt1"/>
+    </dgm:linClrLst>
+    <dgm:effectClrLst/>
+    <dgm:txLinClrLst/>
+    <dgm:txFillClrLst/>
+    <dgm:txEffectClrLst/>
+  </dgm:styleLbl>
+  <dgm:styleLbl name="lnNode1">
+    <dgm:fillClrLst meth="repeat">
+      <a:schemeClr val="accent1"/>
+    </dgm:fillClrLst>
+    <dgm:linClrLst meth="repeat">
+      <a:schemeClr val="lt1"/>
+    </dgm:linClrLst>
+    <dgm:effectClrLst/>
+    <dgm:txLinClrLst/>
+    <dgm:txFillClrLst/>
+    <dgm:txEffectClrLst/>
+  </dgm:styleLbl>
+  <dgm:styleLbl name="vennNode1">
+    <dgm:fillClrLst meth="repeat">
+      <a:schemeClr val="accent1">
+        <a:alpha val="50000"/>
+      </a:schemeClr>
+    </dgm:fillClrLst>
+    <dgm:linClrLst meth="repeat">
+      <a:schemeClr val="lt1"/>
+    </dgm:linClrLst>
+    <dgm:effectClrLst/>
+    <dgm:txLinClrLst/>
+    <dgm:txFillClrLst/>
+    <dgm:txEffectClrLst/>
+  </dgm:styleLbl>
+  <dgm:styleLbl name="node2">
+    <dgm:fillClrLst meth="repeat">
+      <a:schemeClr val="accent1"/>
+    </dgm:fillClrLst>
+    <dgm:linClrLst meth="repeat">
+      <a:schemeClr val="lt1"/>
+    </dgm:linClrLst>
+    <dgm:effectClrLst/>
+    <dgm:txLinClrLst/>
+    <dgm:txFillClrLst/>
+    <dgm:txEffectClrLst/>
+  </dgm:styleLbl>
+  <dgm:styleLbl name="node3">
+    <dgm:fillClrLst meth="repeat">
+      <a:schemeClr val="accent1"/>
+    </dgm:fillClrLst>
+    <dgm:linClrLst meth="repeat">
+      <a:schemeClr val="lt1"/>
+    </dgm:linClrLst>
+    <dgm:effectClrLst/>
+    <dgm:txLinClrLst/>
+    <dgm:txFillClrLst/>
+    <dgm:txEffectClrLst/>
+  </dgm:styleLbl>
+  <dgm:styleLbl name="node4">
+    <dgm:fillClrLst meth="repeat">
+      <a:schemeClr val="accent1"/>
+    </dgm:fillClrLst>
+    <dgm:linClrLst meth="repeat">
+      <a:schemeClr val="lt1"/>
+    </dgm:linClrLst>
+    <dgm:effectClrLst/>
+    <dgm:txLinClrLst/>
+    <dgm:txFillClrLst/>
+    <dgm:txEffectClrLst/>
+  </dgm:styleLbl>
+  <dgm:styleLbl name="fgImgPlace1">
+    <dgm:fillClrLst meth="repeat">
+      <a:schemeClr val="accent1">
+        <a:tint val="50000"/>
+      </a:schemeClr>
+    </dgm:fillClrLst>
+    <dgm:linClrLst meth="repeat">
+      <a:schemeClr val="lt1"/>
+    </dgm:linClrLst>
+    <dgm:effectClrLst/>
+    <dgm:txLinClrLst/>
+    <dgm:txFillClrLst meth="repeat">
+      <a:schemeClr val="lt1"/>
+    </dgm:txFillClrLst>
+    <dgm:txEffectClrLst/>
+  </dgm:styleLbl>
+  <dgm:styleLbl name="alignImgPlace1">
+    <dgm:fillClrLst meth="repeat">
+      <a:schemeClr val="accent1">
+        <a:tint val="50000"/>
+      </a:schemeClr>
+    </dgm:fillClrLst>
+    <dgm:linClrLst meth="repeat">
+      <a:schemeClr val="lt1"/>
+    </dgm:linClrLst>
+    <dgm:effectClrLst/>
+    <dgm:txLinClrLst/>
+    <dgm:txFillClrLst meth="repeat">
+      <a:schemeClr val="lt1"/>
+    </dgm:txFillClrLst>
+    <dgm:txEffectClrLst/>
+  </dgm:styleLbl>
+  <dgm:styleLbl name="bgImgPlace1">
+    <dgm:fillClrLst meth="repeat">
+      <a:schemeClr val="accent1">
+        <a:tint val="50000"/>
+      </a:schemeClr>
+    </dgm:fillClrLst>
+    <dgm:linClrLst meth="repeat">
+      <a:schemeClr val="lt1"/>
+    </dgm:linClrLst>
+    <dgm:effectClrLst/>
+    <dgm:txLinClrLst/>
+    <dgm:txFillClrLst meth="repeat">
+      <a:schemeClr val="lt1"/>
+    </dgm:txFillClrLst>
+    <dgm:txEffectClrLst/>
+  </dgm:styleLbl>
+  <dgm:styleLbl name="sibTrans2D1">
+    <dgm:fillClrLst meth="repeat">
+      <a:schemeClr val="accent1">
+        <a:tint val="60000"/>
+      </a:schemeClr>
+    </dgm:fillClrLst>
+    <dgm:linClrLst meth="repeat">
+      <a:schemeClr val="accent1">
+        <a:tint val="60000"/>
+      </a:schemeClr>
+    </dgm:linClrLst>
+    <dgm:effectClrLst/>
+    <dgm:txLinClrLst/>
+    <dgm:txFillClrLst/>
+    <dgm:txEffectClrLst/>
+  </dgm:styleLbl>
+  <dgm:styleLbl name="fgSibTrans2D1">
+    <dgm:fillClrLst meth="repeat">
+      <a:schemeClr val="accent1">
+        <a:tint val="60000"/>
+      </a:schemeClr>
+    </dgm:fillClrLst>
+    <dgm:linClrLst meth="repeat">
+      <a:schemeClr val="accent1">
+        <a:tint val="60000"/>
+      </a:schemeClr>
+    </dgm:linClrLst>
+    <dgm:effectClrLst/>
+    <dgm:txLinClrLst/>
+    <dgm:txFillClrLst/>
+    <dgm:txEffectClrLst/>
+  </dgm:styleLbl>
+  <dgm:styleLbl name="bgSibTrans2D1">
+    <dgm:fillClrLst meth="repeat">
+      <a:schemeClr val="accent1">
+        <a:tint val="60000"/>
+      </a:schemeClr>
+    </dgm:fillClrLst>
+    <dgm:linClrLst meth="repeat">
+      <a:schemeClr val="accent1">
+        <a:tint val="60000"/>
+      </a:schemeClr>
+    </dgm:linClrLst>
+    <dgm:effectClrLst/>
+    <dgm:txLinClrLst/>
+    <dgm:txFillClrLst/>
+    <dgm:txEffectClrLst/>
+  </dgm:styleLbl>
+  <dgm:styleLbl name="sibTrans1D1">
+    <dgm:fillClrLst meth="repeat">
+      <a:schemeClr val="accent1"/>
+    </dgm:fillClrLst>
+    <dgm:linClrLst meth="repeat">
+      <a:schemeClr val="accent1"/>
+    </dgm:linClrLst>
+    <dgm:effectClrLst/>
+    <dgm:txLinClrLst/>
+    <dgm:txFillClrLst meth="repeat">
+      <a:schemeClr val="tx1"/>
+    </dgm:txFillClrLst>
+    <dgm:txEffectClrLst/>
+  </dgm:styleLbl>
+  <dgm:styleLbl name="callout">
+    <dgm:fillClrLst meth="repeat">
+      <a:schemeClr val="accent1"/>
+    </dgm:fillClrLst>
+    <dgm:linClrLst meth="repeat">
+      <a:schemeClr val="accent1">
+        <a:tint val="50000"/>
+      </a:schemeClr>
+    </dgm:linClrLst>
+    <dgm:effectClrLst/>
+    <dgm:txLinClrLst/>
+    <dgm:txFillClrLst meth="repeat">
+      <a:schemeClr val="tx1"/>
+    </dgm:txFillClrLst>
+    <dgm:txEffectClrLst/>
+  </dgm:styleLbl>
+  <dgm:styleLbl name="asst0">
+    <dgm:fillClrLst meth="repeat">
+      <a:schemeClr val="accent1"/>
+    </dgm:fillClrLst>
+    <dgm:linClrLst meth="repeat">
+      <a:schemeClr val="lt1"/>
+    </dgm:linClrLst>
+    <dgm:effectClrLst/>
+    <dgm:txLinClrLst/>
+    <dgm:txFillClrLst/>
+    <dgm:txEffectClrLst/>
+  </dgm:styleLbl>
+  <dgm:styleLbl name="asst1">
+    <dgm:fillClrLst meth="repeat">
+      <a:schemeClr val="accent1"/>
+    </dgm:fillClrLst>
+    <dgm:linClrLst meth="repeat">
+      <a:schemeClr val="lt1"/>
+    </dgm:linClrLst>
+    <dgm:effectClrLst/>
+    <dgm:txLinClrLst/>
+    <dgm:txFillClrLst/>
+    <dgm:txEffectClrLst/>
+  </dgm:styleLbl>
+  <dgm:styleLbl name="asst2">
+    <dgm:fillClrLst meth="repeat">
+      <a:schemeClr val="accent1"/>
+    </dgm:fillClrLst>
+    <dgm:linClrLst meth="repeat">
+      <a:schemeClr val="lt1"/>
+    </dgm:linClrLst>
+    <dgm:effectClrLst/>
+    <dgm:txLinClrLst/>
+    <dgm:txFillClrLst/>
+    <dgm:txEffectClrLst/>
+  </dgm:styleLbl>
+  <dgm:styleLbl name="asst3">
+    <dgm:fillClrLst meth="repeat">
+      <a:schemeClr val="accent1"/>
+    </dgm:fillClrLst>
+    <dgm:linClrLst meth="repeat">
+      <a:schemeClr val="lt1"/>
+    </dgm:linClrLst>
+    <dgm:effectClrLst/>
+    <dgm:txLinClrLst/>
+    <dgm:txFillClrLst/>
+    <dgm:txEffectClrLst/>
+  </dgm:styleLbl>
+  <dgm:styleLbl name="asst4">
+    <dgm:fillClrLst meth="repeat">
+      <a:schemeClr val="accent1"/>
+    </dgm:fillClrLst>
+    <dgm:linClrLst meth="repeat">
+      <a:schemeClr val="lt1"/>
+    </dgm:linClrLst>
+    <dgm:effectClrLst/>
+    <dgm:txLinClrLst/>
+    <dgm:txFillClrLst/>
+    <dgm:txEffectClrLst/>
+  </dgm:styleLbl>
+  <dgm:styleLbl name="parChTrans2D1">
+    <dgm:fillClrLst meth="repeat">
+      <a:schemeClr val="accent1">
+        <a:tint val="60000"/>
+      </a:schemeClr>
+    </dgm:fillClrLst>
+    <dgm:linClrLst meth="repeat">
+      <a:schemeClr val="accent1">
+        <a:tint val="60000"/>
+      </a:schemeClr>
+    </dgm:linClrLst>
+    <dgm:effectClrLst/>
+    <dgm:txLinClrLst/>
+    <dgm:txFillClrLst meth="repeat">
+      <a:schemeClr val="lt1"/>
+    </dgm:txFillClrLst>
+    <dgm:txEffectClrLst/>
+  </dgm:styleLbl>
+  <dgm:styleLbl name="parChTrans2D2">
+    <dgm:fillClrLst meth="repeat">
+      <a:schemeClr val="accent1"/>
+    </dgm:fillClrLst>
+    <dgm:linClrLst meth="repeat">
+      <a:schemeClr val="accent1"/>
+    </dgm:linClrLst>
+    <dgm:effectClrLst/>
+    <dgm:txLinClrLst/>
+    <dgm:txFillClrLst meth="repeat">
+      <a:schemeClr val="lt1"/>
+    </dgm:txFillClrLst>
+    <dgm:txEffectClrLst/>
+  </dgm:styleLbl>
+  <dgm:styleLbl name="parChTrans2D3">
+    <dgm:fillClrLst meth="repeat">
+      <a:schemeClr val="accent1"/>
+    </dgm:fillClrLst>
+    <dgm:linClrLst meth="repeat">
+      <a:schemeClr val="accent1"/>
+    </dgm:linClrLst>
+    <dgm:effectClrLst/>
+    <dgm:txLinClrLst/>
+    <dgm:txFillClrLst meth="repeat">
+      <a:schemeClr val="lt1"/>
+    </dgm:txFillClrLst>
+    <dgm:txEffectClrLst/>
+  </dgm:styleLbl>
+  <dgm:styleLbl name="parChTrans2D4">
+    <dgm:fillClrLst meth="repeat">
+      <a:schemeClr val="accent1"/>
+    </dgm:fillClrLst>
+    <dgm:linClrLst meth="repeat">
+      <a:schemeClr val="accent1"/>
+    </dgm:linClrLst>
+    <dgm:effectClrLst/>
+    <dgm:txLinClrLst/>
+    <dgm:txFillClrLst meth="repeat">
+      <a:schemeClr val="lt1"/>
+    </dgm:txFillClrLst>
+    <dgm:txEffectClrLst/>
+  </dgm:styleLbl>
+  <dgm:styleLbl name="parChTrans1D1">
+    <dgm:fillClrLst meth="repeat">
+      <a:schemeClr val="accent1"/>
+    </dgm:fillClrLst>
+    <dgm:linClrLst meth="repeat">
+      <a:schemeClr val="accent1">
+        <a:shade val="60000"/>
+      </a:schemeClr>
+    </dgm:linClrLst>
+    <dgm:effectClrLst/>
+    <dgm:txLinClrLst/>
+    <dgm:txFillClrLst meth="repeat">
+      <a:schemeClr val="tx1"/>
+    </dgm:txFillClrLst>
+    <dgm:txEffectClrLst/>
+  </dgm:styleLbl>
+  <dgm:styleLbl name="parChTrans1D2">
+    <dgm:fillClrLst meth="repeat">
+      <a:schemeClr val="accent1"/>
+    </dgm:fillClrLst>
+    <dgm:linClrLst meth="repeat">
+      <a:schemeClr val="accent1">
+        <a:shade val="60000"/>
+      </a:schemeClr>
+    </dgm:linClrLst>
+    <dgm:effectClrLst/>
+    <dgm:txLinClrLst/>
+    <dgm:txFillClrLst meth="repeat">
+      <a:schemeClr val="tx1"/>
+    </dgm:txFillClrLst>
+    <dgm:txEffectClrLst/>
+  </dgm:styleLbl>
+  <dgm:styleLbl name="parChTrans1D3">
+    <dgm:fillClrLst meth="repeat">
+      <a:schemeClr val="accent1"/>
+    </dgm:fillClrLst>
+    <dgm:linClrLst meth="repeat">
+      <a:schemeClr val="accent1">
+        <a:shade val="80000"/>
+      </a:schemeClr>
+    </dgm:linClrLst>
+    <dgm:effectClrLst/>
+    <dgm:txLinClrLst/>
+    <dgm:txFillClrLst meth="repeat">
+      <a:schemeClr val="tx1"/>
+    </dgm:txFillClrLst>
+    <dgm:txEffectClrLst/>
+  </dgm:styleLbl>
+  <dgm:styleLbl name="parChTrans1D4">
+    <dgm:fillClrLst meth="repeat">
+      <a:schemeClr val="accent1"/>
+    </dgm:fillClrLst>
+    <dgm:linClrLst meth="repeat">
+      <a:schemeClr val="accent1">
+        <a:shade val="80000"/>
+      </a:schemeClr>
+    </dgm:linClrLst>
+    <dgm:effectClrLst/>
+    <dgm:txLinClrLst/>
+    <dgm:txFillClrLst meth="repeat">
+      <a:schemeClr val="tx1"/>
+    </dgm:txFillClrLst>
+    <dgm:txEffectClrLst/>
+  </dgm:styleLbl>
+  <dgm:styleLbl name="fgAcc1">
+    <dgm:fillClrLst meth="repeat">
+      <a:schemeClr val="lt1">
+        <a:alpha val="90000"/>
+      </a:schemeClr>
+    </dgm:fillClrLst>
+    <dgm:linClrLst meth="repeat">
+      <a:schemeClr val="accent1"/>
+    </dgm:linClrLst>
+    <dgm:effectClrLst/>
+    <dgm:txLinClrLst/>
+    <dgm:txFillClrLst meth="repeat">
+      <a:schemeClr val="dk1"/>
+    </dgm:txFillClrLst>
+    <dgm:txEffectClrLst/>
+  </dgm:styleLbl>
+  <dgm:styleLbl name="conFgAcc1">
+    <dgm:fillClrLst meth="repeat">
+      <a:schemeClr val="lt1">
+        <a:alpha val="90000"/>
+      </a:schemeClr>
+    </dgm:fillClrLst>
+    <dgm:linClrLst meth="repeat">
+      <a:schemeClr val="accent1"/>
+    </dgm:linClrLst>
+    <dgm:effectClrLst/>
+    <dgm:txLinClrLst/>
+    <dgm:txFillClrLst meth="repeat">
+      <a:schemeClr val="dk1"/>
+    </dgm:txFillClrLst>
+    <dgm:txEffectClrLst/>
+  </dgm:styleLbl>
+  <dgm:styleLbl name="alignAcc1">
+    <dgm:fillClrLst meth="repeat">
+      <a:schemeClr val="lt1">
+        <a:alpha val="90000"/>
+      </a:schemeClr>
+    </dgm:fillClrLst>
+    <dgm:linClrLst meth="repeat">
+      <a:schemeClr val="accent1"/>
+    </dgm:linClrLst>
+    <dgm:effectClrLst/>
+    <dgm:txLinClrLst/>
+    <dgm:txFillClrLst meth="repeat">
+      <a:schemeClr val="dk1"/>
+    </dgm:txFillClrLst>
+    <dgm:txEffectClrLst/>
+  </dgm:styleLbl>
+  <dgm:styleLbl name="trAlignAcc1">
+    <dgm:fillClrLst meth="repeat">
+      <a:schemeClr val="lt1">
+        <a:alpha val="40000"/>
+      </a:schemeClr>
+    </dgm:fillClrLst>
+    <dgm:linClrLst meth="repeat">
+      <a:schemeClr val="accent1"/>
+    </dgm:linClrLst>
+    <dgm:effectClrLst/>
+    <dgm:txLinClrLst/>
+    <dgm:txFillClrLst meth="repeat">
+      <a:schemeClr val="dk1"/>
+    </dgm:txFillClrLst>
+    <dgm:txEffectClrLst/>
+  </dgm:styleLbl>
+  <dgm:styleLbl name="bgAcc1">
+    <dgm:fillClrLst meth="repeat">
+      <a:schemeClr val="lt1">
+        <a:alpha val="90000"/>
+      </a:schemeClr>
+    </dgm:fillClrLst>
+    <dgm:linClrLst meth="repeat">
+      <a:schemeClr val="accent1"/>
+    </dgm:linClrLst>
+    <dgm:effectClrLst/>
+    <dgm:txLinClrLst/>
+    <dgm:txFillClrLst meth="repeat">
+      <a:schemeClr val="dk1"/>
+    </dgm:txFillClrLst>
+    <dgm:txEffectClrLst/>
+  </dgm:styleLbl>
+  <dgm:styleLbl name="solidFgAcc1">
+    <dgm:fillClrLst meth="repeat">
+      <a:schemeClr val="lt1"/>
+    </dgm:fillClrLst>
+    <dgm:linClrLst meth="repeat">
+      <a:schemeClr val="accent1"/>
+    </dgm:linClrLst>
+    <dgm:effectClrLst/>
+    <dgm:txLinClrLst/>
+    <dgm:txFillClrLst meth="repeat">
+      <a:schemeClr val="dk1"/>
+    </dgm:txFillClrLst>
+    <dgm:txEffectClrLst/>
+  </dgm:styleLbl>
+  <dgm:styleLbl name="solidAlignAcc1">
+    <dgm:fillClrLst meth="repeat">
+      <a:schemeClr val="lt1"/>
+    </dgm:fillClrLst>
+    <dgm:linClrLst meth="repeat">
+      <a:schemeClr val="accent1"/>
+    </dgm:linClrLst>
+    <dgm:effectClrLst/>
+    <dgm:txLinClrLst/>
+    <dgm:txFillClrLst meth="repeat">
+      <a:schemeClr val="dk1"/>
+    </dgm:txFillClrLst>
+    <dgm:txEffectClrLst/>
+  </dgm:styleLbl>
+  <dgm:styleLbl name="solidBgAcc1">
+    <dgm:fillClrLst meth="repeat">
+      <a:schemeClr val="lt1"/>
+    </dgm:fillClrLst>
+    <dgm:linClrLst meth="repeat">
+      <a:schemeClr val="accent1"/>
+    </dgm:linClrLst>
+    <dgm:effectClrLst/>
+    <dgm:txLinClrLst/>
+    <dgm:txFillClrLst meth="repeat">
+      <a:schemeClr val="dk1"/>
+    </dgm:txFillClrLst>
+    <dgm:txEffectClrLst/>
+  </dgm:styleLbl>
+  <dgm:styleLbl name="fgAccFollowNode1">
+    <dgm:fillClrLst meth="repeat">
+      <a:schemeClr val="accent1">
+        <a:alpha val="90000"/>
+        <a:tint val="40000"/>
+      </a:schemeClr>
+    </dgm:fillClrLst>
+    <dgm:linClrLst meth="repeat">
+      <a:schemeClr val="accent1">
+        <a:alpha val="90000"/>
+        <a:tint val="40000"/>
+      </a:schemeClr>
+    </dgm:linClrLst>
+    <dgm:effectClrLst/>
+    <dgm:txLinClrLst/>
+    <dgm:txFillClrLst meth="repeat">
+      <a:schemeClr val="dk1"/>
+    </dgm:txFillClrLst>
+    <dgm:txEffectClrLst/>
+  </dgm:styleLbl>
+  <dgm:styleLbl name="alignAccFollowNode1">
+    <dgm:fillClrLst meth="repeat">
+      <a:schemeClr val="accent1">
+        <a:alpha val="90000"/>
+        <a:tint val="40000"/>
+      </a:schemeClr>
+    </dgm:fillClrLst>
+    <dgm:linClrLst meth="repeat">
+      <a:schemeClr val="accent1">
+        <a:alpha val="90000"/>
+        <a:tint val="40000"/>
+      </a:schemeClr>
+    </dgm:linClrLst>
+    <dgm:effectClrLst/>
+    <dgm:txLinClrLst/>
+    <dgm:txFillClrLst meth="repeat">
+      <a:schemeClr val="dk1"/>
+    </dgm:txFillClrLst>
+    <dgm:txEffectClrLst/>
+  </dgm:styleLbl>
+  <dgm:styleLbl name="bgAccFollowNode1">
+    <dgm:fillClrLst meth="repeat">
+      <a:schemeClr val="accent1">
+        <a:alpha val="90000"/>
+        <a:tint val="40000"/>
+      </a:schemeClr>
+    </dgm:fillClrLst>
+    <dgm:linClrLst meth="repeat">
+      <a:schemeClr val="accent1">
+        <a:alpha val="90000"/>
+        <a:tint val="40000"/>
+      </a:schemeClr>
+    </dgm:linClrLst>
+    <dgm:effectClrLst/>
+    <dgm:txLinClrLst/>
+    <dgm:txFillClrLst meth="repeat">
+      <a:schemeClr val="dk1"/>
+    </dgm:txFillClrLst>
+    <dgm:txEffectClrLst/>
+  </dgm:styleLbl>
+  <dgm:styleLbl name="fgAcc0">
+    <dgm:fillClrLst meth="repeat">
+      <a:schemeClr val="lt1">
+        <a:alpha val="90000"/>
+      </a:schemeClr>
+    </dgm:fillClrLst>
+    <dgm:linClrLst meth="repeat">
+      <a:schemeClr val="accent1"/>
+    </dgm:linClrLst>
+    <dgm:effectClrLst/>
+    <dgm:txLinClrLst/>
+    <dgm:txFillClrLst meth="repeat">
+      <a:schemeClr val="dk1"/>
+    </dgm:txFillClrLst>
+    <dgm:txEffectClrLst/>
+  </dgm:styleLbl>
+  <dgm:styleLbl name="fgAcc2">
+    <dgm:fillClrLst meth="repeat">
+      <a:schemeClr val="lt1">
+        <a:alpha val="90000"/>
+      </a:schemeClr>
+    </dgm:fillClrLst>
+    <dgm:linClrLst meth="repeat">
+      <a:schemeClr val="accent1"/>
+    </dgm:linClrLst>
+    <dgm:effectClrLst/>
+    <dgm:txLinClrLst/>
+    <dgm:txFillClrLst meth="repeat">
+      <a:schemeClr val="dk1"/>
+    </dgm:txFillClrLst>
+    <dgm:txEffectClrLst/>
+  </dgm:styleLbl>
+  <dgm:styleLbl name="fgAcc3">
+    <dgm:fillClrLst meth="repeat">
+      <a:schemeClr val="lt1">
+        <a:alpha val="90000"/>
+      </a:schemeClr>
+    </dgm:fillClrLst>
+    <dgm:linClrLst meth="repeat">
+      <a:schemeClr val="accent1"/>
+    </dgm:linClrLst>
+    <dgm:effectClrLst/>
+    <dgm:txLinClrLst/>
+    <dgm:txFillClrLst meth="repeat">
+      <a:schemeClr val="dk1"/>
+    </dgm:txFillClrLst>
+    <dgm:txEffectClrLst/>
+  </dgm:styleLbl>
+  <dgm:styleLbl name="fgAcc4">
+    <dgm:fillClrLst meth="repeat">
+      <a:schemeClr val="lt1">
+        <a:alpha val="90000"/>
+      </a:schemeClr>
+    </dgm:fillClrLst>
+    <dgm:linClrLst meth="repeat">
+      <a:schemeClr val="accent1"/>
+    </dgm:linClrLst>
+    <dgm:effectClrLst/>
+    <dgm:txLinClrLst/>
+    <dgm:txFillClrLst meth="repeat">
+      <a:schemeClr val="dk1"/>
+    </dgm:txFillClrLst>
+    <dgm:txEffectClrLst/>
+  </dgm:styleLbl>
+  <dgm:styleLbl name="bgShp">
+    <dgm:fillClrLst meth="repeat">
+      <a:schemeClr val="accent1">
+        <a:tint val="40000"/>
+      </a:schemeClr>
+    </dgm:fillClrLst>
+    <dgm:linClrLst meth="repeat">
+      <a:schemeClr val="accent1"/>
+    </dgm:linClrLst>
+    <dgm:effectClrLst/>
+    <dgm:txLinClrLst/>
+    <dgm:txFillClrLst meth="repeat">
+      <a:schemeClr val="dk1"/>
+    </dgm:txFillClrLst>
+    <dgm:txEffectClrLst/>
+  </dgm:styleLbl>
+  <dgm:styleLbl name="dkBgShp">
+    <dgm:fillClrLst meth="repeat">
+      <a:schemeClr val="accent1">
+        <a:shade val="80000"/>
+      </a:schemeClr>
+    </dgm:fillClrLst>
+    <dgm:linClrLst meth="repeat">
+      <a:schemeClr val="accent1"/>
+    </dgm:linClrLst>
+    <dgm:effectClrLst/>
+    <dgm:txLinClrLst/>
+    <dgm:txFillClrLst meth="repeat">
+      <a:schemeClr val="lt1"/>
+    </dgm:txFillClrLst>
+    <dgm:txEffectClrLst/>
+  </dgm:styleLbl>
+  <dgm:styleLbl name="trBgShp">
+    <dgm:fillClrLst meth="repeat">
+      <a:schemeClr val="accent1">
+        <a:tint val="50000"/>
+        <a:alpha val="40000"/>
+      </a:schemeClr>
+    </dgm:fillClrLst>
+    <dgm:linClrLst meth="repeat">
+      <a:schemeClr val="accent1"/>
+    </dgm:linClrLst>
+    <dgm:effectClrLst/>
+    <dgm:txLinClrLst/>
+    <dgm:txFillClrLst meth="repeat">
+      <a:schemeClr val="lt1"/>
+    </dgm:txFillClrLst>
+    <dgm:txEffectClrLst/>
+  </dgm:styleLbl>
+  <dgm:styleLbl name="fgShp">
+    <dgm:fillClrLst meth="repeat">
+      <a:schemeClr val="accent1">
+        <a:tint val="60000"/>
+      </a:schemeClr>
+    </dgm:fillClrLst>
+    <dgm:linClrLst meth="repeat">
+      <a:schemeClr val="lt1"/>
+    </dgm:linClrLst>
+    <dgm:effectClrLst/>
+    <dgm:txLinClrLst/>
+    <dgm:txFillClrLst meth="repeat">
+      <a:schemeClr val="dk1"/>
+    </dgm:txFillClrLst>
+    <dgm:txEffectClrLst/>
+  </dgm:styleLbl>
+  <dgm:styleLbl name="revTx">
+    <dgm:fillClrLst meth="repeat">
+      <a:schemeClr val="lt1">
+        <a:alpha val="0"/>
+      </a:schemeClr>
+    </dgm:fillClrLst>
+    <dgm:linClrLst meth="repeat">
+      <a:schemeClr val="dk1">
+        <a:alpha val="0"/>
+      </a:schemeClr>
+    </dgm:linClrLst>
+    <dgm:effectClrLst/>
+    <dgm:txLinClrLst/>
+    <dgm:txFillClrLst meth="repeat">
+      <a:schemeClr val="tx1"/>
+    </dgm:txFillClrLst>
+    <dgm:txEffectClrLst/>
+  </dgm:styleLbl>
+</dgm:colorsDef>
+</file>
+
+<file path=ppt/diagrams/colors3.xml><?xml version="1.0" encoding="utf-8"?>
+<dgm:colorsDef xmlns:dgm="http://schemas.openxmlformats.org/drawingml/2006/diagram" xmlns:a="http://schemas.openxmlformats.org/drawingml/2006/main" uniqueId="urn:microsoft.com/office/officeart/2005/8/colors/accent1_2">
+  <dgm:title val=""/>
+  <dgm:desc val=""/>
+  <dgm:catLst>
+    <dgm:cat type="accent1" pri="11200"/>
+  </dgm:catLst>
+  <dgm:styleLbl name="node0">
+    <dgm:fillClrLst meth="repeat">
+      <a:schemeClr val="accent1"/>
+    </dgm:fillClrLst>
+    <dgm:linClrLst meth="repeat">
+      <a:schemeClr val="lt1"/>
+    </dgm:linClrLst>
+    <dgm:effectClrLst/>
+    <dgm:txLinClrLst/>
+    <dgm:txFillClrLst/>
+    <dgm:txEffectClrLst/>
+  </dgm:styleLbl>
+  <dgm:styleLbl name="alignNode1">
+    <dgm:fillClrLst meth="repeat">
+      <a:schemeClr val="accent1"/>
+    </dgm:fillClrLst>
+    <dgm:linClrLst meth="repeat">
+      <a:schemeClr val="accent1"/>
+    </dgm:linClrLst>
+    <dgm:effectClrLst/>
+    <dgm:txLinClrLst/>
+    <dgm:txFillClrLst/>
+    <dgm:txEffectClrLst/>
+  </dgm:styleLbl>
+  <dgm:styleLbl name="node1">
+    <dgm:fillClrLst meth="repeat">
+      <a:schemeClr val="accent1"/>
+    </dgm:fillClrLst>
+    <dgm:linClrLst meth="repeat">
+      <a:schemeClr val="lt1"/>
+    </dgm:linClrLst>
+    <dgm:effectClrLst/>
+    <dgm:txLinClrLst/>
+    <dgm:txFillClrLst/>
+    <dgm:txEffectClrLst/>
+  </dgm:styleLbl>
+  <dgm:styleLbl name="lnNode1">
+    <dgm:fillClrLst meth="repeat">
+      <a:schemeClr val="accent1"/>
+    </dgm:fillClrLst>
+    <dgm:linClrLst meth="repeat">
+      <a:schemeClr val="lt1"/>
+    </dgm:linClrLst>
+    <dgm:effectClrLst/>
+    <dgm:txLinClrLst/>
+    <dgm:txFillClrLst/>
+    <dgm:txEffectClrLst/>
+  </dgm:styleLbl>
+  <dgm:styleLbl name="vennNode1">
+    <dgm:fillClrLst meth="repeat">
+      <a:schemeClr val="accent1">
+        <a:alpha val="50000"/>
+      </a:schemeClr>
+    </dgm:fillClrLst>
+    <dgm:linClrLst meth="repeat">
+      <a:schemeClr val="lt1"/>
+    </dgm:linClrLst>
+    <dgm:effectClrLst/>
+    <dgm:txLinClrLst/>
+    <dgm:txFillClrLst/>
+    <dgm:txEffectClrLst/>
+  </dgm:styleLbl>
+  <dgm:styleLbl name="node2">
+    <dgm:fillClrLst meth="repeat">
+      <a:schemeClr val="accent1"/>
+    </dgm:fillClrLst>
+    <dgm:linClrLst meth="repeat">
+      <a:schemeClr val="lt1"/>
+    </dgm:linClrLst>
+    <dgm:effectClrLst/>
+    <dgm:txLinClrLst/>
+    <dgm:txFillClrLst/>
+    <dgm:txEffectClrLst/>
+  </dgm:styleLbl>
+  <dgm:styleLbl name="node3">
+    <dgm:fillClrLst meth="repeat">
+      <a:schemeClr val="accent1"/>
+    </dgm:fillClrLst>
+    <dgm:linClrLst meth="repeat">
+      <a:schemeClr val="lt1"/>
+    </dgm:linClrLst>
+    <dgm:effectClrLst/>
+    <dgm:txLinClrLst/>
+    <dgm:txFillClrLst/>
+    <dgm:txEffectClrLst/>
+  </dgm:styleLbl>
+  <dgm:styleLbl name="node4">
+    <dgm:fillClrLst meth="repeat">
+      <a:schemeClr val="accent1"/>
+    </dgm:fillClrLst>
+    <dgm:linClrLst meth="repeat">
+      <a:schemeClr val="lt1"/>
+    </dgm:linClrLst>
+    <dgm:effectClrLst/>
+    <dgm:txLinClrLst/>
+    <dgm:txFillClrLst/>
+    <dgm:txEffectClrLst/>
+  </dgm:styleLbl>
+  <dgm:styleLbl name="fgImgPlace1">
+    <dgm:fillClrLst meth="repeat">
+      <a:schemeClr val="accent1">
+        <a:tint val="50000"/>
+      </a:schemeClr>
+    </dgm:fillClrLst>
+    <dgm:linClrLst meth="repeat">
+      <a:schemeClr val="lt1"/>
+    </dgm:linClrLst>
+    <dgm:effectClrLst/>
+    <dgm:txLinClrLst/>
+    <dgm:txFillClrLst meth="repeat">
+      <a:schemeClr val="lt1"/>
+    </dgm:txFillClrLst>
+    <dgm:txEffectClrLst/>
+  </dgm:styleLbl>
+  <dgm:styleLbl name="alignImgPlace1">
+    <dgm:fillClrLst meth="repeat">
+      <a:schemeClr val="accent1">
+        <a:tint val="50000"/>
+      </a:schemeClr>
+    </dgm:fillClrLst>
+    <dgm:linClrLst meth="repeat">
+      <a:schemeClr val="lt1"/>
+    </dgm:linClrLst>
+    <dgm:effectClrLst/>
+    <dgm:txLinClrLst/>
+    <dgm:txFillClrLst meth="repeat">
+      <a:schemeClr val="lt1"/>
+    </dgm:txFillClrLst>
+    <dgm:txEffectClrLst/>
+  </dgm:styleLbl>
+  <dgm:styleLbl name="bgImgPlace1">
+    <dgm:fillClrLst meth="repeat">
+      <a:schemeClr val="accent1">
+        <a:tint val="50000"/>
+      </a:schemeClr>
+    </dgm:fillClrLst>
+    <dgm:linClrLst meth="repeat">
+      <a:schemeClr val="lt1"/>
+    </dgm:linClrLst>
+    <dgm:effectClrLst/>
+    <dgm:txLinClrLst/>
+    <dgm:txFillClrLst meth="repeat">
+      <a:schemeClr val="lt1"/>
+    </dgm:txFillClrLst>
+    <dgm:txEffectClrLst/>
+  </dgm:styleLbl>
+  <dgm:styleLbl name="sibTrans2D1">
+    <dgm:fillClrLst meth="repeat">
+      <a:schemeClr val="accent1">
+        <a:tint val="60000"/>
+      </a:schemeClr>
+    </dgm:fillClrLst>
+    <dgm:linClrLst meth="repeat">
+      <a:schemeClr val="accent1">
+        <a:tint val="60000"/>
+      </a:schemeClr>
+    </dgm:linClrLst>
+    <dgm:effectClrLst/>
+    <dgm:txLinClrLst/>
+    <dgm:txFillClrLst/>
+    <dgm:txEffectClrLst/>
+  </dgm:styleLbl>
+  <dgm:styleLbl name="fgSibTrans2D1">
+    <dgm:fillClrLst meth="repeat">
+      <a:schemeClr val="accent1">
+        <a:tint val="60000"/>
+      </a:schemeClr>
+    </dgm:fillClrLst>
+    <dgm:linClrLst meth="repeat">
+      <a:schemeClr val="accent1">
+        <a:tint val="60000"/>
+      </a:schemeClr>
+    </dgm:linClrLst>
+    <dgm:effectClrLst/>
+    <dgm:txLinClrLst/>
+    <dgm:txFillClrLst/>
+    <dgm:txEffectClrLst/>
+  </dgm:styleLbl>
+  <dgm:styleLbl name="bgSibTrans2D1">
+    <dgm:fillClrLst meth="repeat">
+      <a:schemeClr val="accent1">
+        <a:tint val="60000"/>
+      </a:schemeClr>
+    </dgm:fillClrLst>
+    <dgm:linClrLst meth="repeat">
+      <a:schemeClr val="accent1">
+        <a:tint val="60000"/>
+      </a:schemeClr>
+    </dgm:linClrLst>
+    <dgm:effectClrLst/>
+    <dgm:txLinClrLst/>
+    <dgm:txFillClrLst/>
+    <dgm:txEffectClrLst/>
+  </dgm:styleLbl>
+  <dgm:styleLbl name="sibTrans1D1">
+    <dgm:fillClrLst meth="repeat">
+      <a:schemeClr val="accent1"/>
+    </dgm:fillClrLst>
+    <dgm:linClrLst meth="repeat">
+      <a:schemeClr val="accent1"/>
+    </dgm:linClrLst>
+    <dgm:effectClrLst/>
+    <dgm:txLinClrLst/>
+    <dgm:txFillClrLst meth="repeat">
+      <a:schemeClr val="tx1"/>
+    </dgm:txFillClrLst>
+    <dgm:txEffectClrLst/>
+  </dgm:styleLbl>
+  <dgm:styleLbl name="callout">
+    <dgm:fillClrLst meth="repeat">
+      <a:schemeClr val="accent1"/>
+    </dgm:fillClrLst>
+    <dgm:linClrLst meth="repeat">
+      <a:schemeClr val="accent1">
+        <a:tint val="50000"/>
+      </a:schemeClr>
+    </dgm:linClrLst>
+    <dgm:effectClrLst/>
+    <dgm:txLinClrLst/>
+    <dgm:txFillClrLst meth="repeat">
+      <a:schemeClr val="tx1"/>
+    </dgm:txFillClrLst>
+    <dgm:txEffectClrLst/>
+  </dgm:styleLbl>
+  <dgm:styleLbl name="asst0">
+    <dgm:fillClrLst meth="repeat">
+      <a:schemeClr val="accent1"/>
+    </dgm:fillClrLst>
+    <dgm:linClrLst meth="repeat">
+      <a:schemeClr val="lt1"/>
+    </dgm:linClrLst>
+    <dgm:effectClrLst/>
+    <dgm:txLinClrLst/>
+    <dgm:txFillClrLst/>
+    <dgm:txEffectClrLst/>
+  </dgm:styleLbl>
+  <dgm:styleLbl name="asst1">
+    <dgm:fillClrLst meth="repeat">
+      <a:schemeClr val="accent1"/>
+    </dgm:fillClrLst>
+    <dgm:linClrLst meth="repeat">
+      <a:schemeClr val="lt1"/>
+    </dgm:linClrLst>
+    <dgm:effectClrLst/>
+    <dgm:txLinClrLst/>
+    <dgm:txFillClrLst/>
+    <dgm:txEffectClrLst/>
+  </dgm:styleLbl>
+  <dgm:styleLbl name="asst2">
+    <dgm:fillClrLst meth="repeat">
+      <a:schemeClr val="accent1"/>
+    </dgm:fillClrLst>
+    <dgm:linClrLst meth="repeat">
+      <a:schemeClr val="lt1"/>
+    </dgm:linClrLst>
+    <dgm:effectClrLst/>
+    <dgm:txLinClrLst/>
+    <dgm:txFillClrLst/>
+    <dgm:txEffectClrLst/>
+  </dgm:styleLbl>
+  <dgm:styleLbl name="asst3">
+    <dgm:fillClrLst meth="repeat">
+      <a:schemeClr val="accent1"/>
+    </dgm:fillClrLst>
+    <dgm:linClrLst meth="repeat">
+      <a:schemeClr val="lt1"/>
+    </dgm:linClrLst>
+    <dgm:effectClrLst/>
+    <dgm:txLinClrLst/>
+    <dgm:txFillClrLst/>
+    <dgm:txEffectClrLst/>
+  </dgm:styleLbl>
+  <dgm:styleLbl name="asst4">
+    <dgm:fillClrLst meth="repeat">
+      <a:schemeClr val="accent1"/>
+    </dgm:fillClrLst>
+    <dgm:linClrLst meth="repeat">
+      <a:schemeClr val="lt1"/>
+    </dgm:linClrLst>
+    <dgm:effectClrLst/>
+    <dgm:txLinClrLst/>
+    <dgm:txFillClrLst/>
+    <dgm:txEffectClrLst/>
+  </dgm:styleLbl>
+  <dgm:styleLbl name="parChTrans2D1">
+    <dgm:fillClrLst meth="repeat">
+      <a:schemeClr val="accent1">
+        <a:tint val="60000"/>
+      </a:schemeClr>
+    </dgm:fillClrLst>
+    <dgm:linClrLst meth="repeat">
+      <a:schemeClr val="accent1">
+        <a:tint val="60000"/>
+      </a:schemeClr>
+    </dgm:linClrLst>
+    <dgm:effectClrLst/>
+    <dgm:txLinClrLst/>
+    <dgm:txFillClrLst meth="repeat">
+      <a:schemeClr val="lt1"/>
+    </dgm:txFillClrLst>
+    <dgm:txEffectClrLst/>
+  </dgm:styleLbl>
+  <dgm:styleLbl name="parChTrans2D2">
+    <dgm:fillClrLst meth="repeat">
+      <a:schemeClr val="accent1"/>
+    </dgm:fillClrLst>
+    <dgm:linClrLst meth="repeat">
+      <a:schemeClr val="accent1"/>
+    </dgm:linClrLst>
+    <dgm:effectClrLst/>
+    <dgm:txLinClrLst/>
+    <dgm:txFillClrLst meth="repeat">
+      <a:schemeClr val="lt1"/>
+    </dgm:txFillClrLst>
+    <dgm:txEffectClrLst/>
+  </dgm:styleLbl>
+  <dgm:styleLbl name="parChTrans2D3">
+    <dgm:fillClrLst meth="repeat">
+      <a:schemeClr val="accent1"/>
+    </dgm:fillClrLst>
+    <dgm:linClrLst meth="repeat">
+      <a:schemeClr val="accent1"/>
+    </dgm:linClrLst>
+    <dgm:effectClrLst/>
+    <dgm:txLinClrLst/>
+    <dgm:txFillClrLst meth="repeat">
+      <a:schemeClr val="lt1"/>
+    </dgm:txFillClrLst>
+    <dgm:txEffectClrLst/>
+  </dgm:styleLbl>
+  <dgm:styleLbl name="parChTrans2D4">
+    <dgm:fillClrLst meth="repeat">
+      <a:schemeClr val="accent1"/>
+    </dgm:fillClrLst>
+    <dgm:linClrLst meth="repeat">
+      <a:schemeClr val="accent1"/>
+    </dgm:linClrLst>
+    <dgm:effectClrLst/>
+    <dgm:txLinClrLst/>
+    <dgm:txFillClrLst meth="repeat">
+      <a:schemeClr val="lt1"/>
+    </dgm:txFillClrLst>
+    <dgm:txEffectClrLst/>
+  </dgm:styleLbl>
+  <dgm:styleLbl name="parChTrans1D1">
+    <dgm:fillClrLst meth="repeat">
+      <a:schemeClr val="accent1"/>
+    </dgm:fillClrLst>
+    <dgm:linClrLst meth="repeat">
+      <a:schemeClr val="accent1">
+        <a:shade val="60000"/>
+      </a:schemeClr>
+    </dgm:linClrLst>
+    <dgm:effectClrLst/>
+    <dgm:txLinClrLst/>
+    <dgm:txFillClrLst meth="repeat">
+      <a:schemeClr val="tx1"/>
+    </dgm:txFillClrLst>
+    <dgm:txEffectClrLst/>
+  </dgm:styleLbl>
+  <dgm:styleLbl name="parChTrans1D2">
+    <dgm:fillClrLst meth="repeat">
+      <a:schemeClr val="accent1"/>
+    </dgm:fillClrLst>
+    <dgm:linClrLst meth="repeat">
+      <a:schemeClr val="accent1">
+        <a:shade val="60000"/>
+      </a:schemeClr>
+    </dgm:linClrLst>
+    <dgm:effectClrLst/>
+    <dgm:txLinClrLst/>
+    <dgm:txFillClrLst meth="repeat">
+      <a:schemeClr val="tx1"/>
+    </dgm:txFillClrLst>
+    <dgm:txEffectClrLst/>
+  </dgm:styleLbl>
+  <dgm:styleLbl name="parChTrans1D3">
+    <dgm:fillClrLst meth="repeat">
+      <a:schemeClr val="accent1"/>
+    </dgm:fillClrLst>
+    <dgm:linClrLst meth="repeat">
+      <a:schemeClr val="accent1">
+        <a:shade val="80000"/>
+      </a:schemeClr>
+    </dgm:linClrLst>
+    <dgm:effectClrLst/>
+    <dgm:txLinClrLst/>
+    <dgm:txFillClrLst meth="repeat">
+      <a:schemeClr val="tx1"/>
+    </dgm:txFillClrLst>
+    <dgm:txEffectClrLst/>
+  </dgm:styleLbl>
+  <dgm:styleLbl name="parChTrans1D4">
+    <dgm:fillClrLst meth="repeat">
+      <a:schemeClr val="accent1"/>
+    </dgm:fillClrLst>
+    <dgm:linClrLst meth="repeat">
+      <a:schemeClr val="accent1">
+        <a:shade val="80000"/>
+      </a:schemeClr>
+    </dgm:linClrLst>
+    <dgm:effectClrLst/>
+    <dgm:txLinClrLst/>
+    <dgm:txFillClrLst meth="repeat">
+      <a:schemeClr val="tx1"/>
+    </dgm:txFillClrLst>
+    <dgm:txEffectClrLst/>
+  </dgm:styleLbl>
+  <dgm:styleLbl name="fgAcc1">
+    <dgm:fillClrLst meth="repeat">
+      <a:schemeClr val="lt1">
+        <a:alpha val="90000"/>
+      </a:schemeClr>
+    </dgm:fillClrLst>
+    <dgm:linClrLst meth="repeat">
+      <a:schemeClr val="accent1"/>
+    </dgm:linClrLst>
+    <dgm:effectClrLst/>
+    <dgm:txLinClrLst/>
+    <dgm:txFillClrLst meth="repeat">
+      <a:schemeClr val="dk1"/>
+    </dgm:txFillClrLst>
+    <dgm:txEffectClrLst/>
+  </dgm:styleLbl>
+  <dgm:styleLbl name="conFgAcc1">
+    <dgm:fillClrLst meth="repeat">
+      <a:schemeClr val="lt1">
+        <a:alpha val="90000"/>
+      </a:schemeClr>
+    </dgm:fillClrLst>
+    <dgm:linClrLst meth="repeat">
+      <a:schemeClr val="accent1"/>
+    </dgm:linClrLst>
+    <dgm:effectClrLst/>
+    <dgm:txLinClrLst/>
+    <dgm:txFillClrLst meth="repeat">
+      <a:schemeClr val="dk1"/>
+    </dgm:txFillClrLst>
+    <dgm:txEffectClrLst/>
+  </dgm:styleLbl>
+  <dgm:styleLbl name="alignAcc1">
+    <dgm:fillClrLst meth="repeat">
+      <a:schemeClr val="lt1">
+        <a:alpha val="90000"/>
+      </a:schemeClr>
+    </dgm:fillClrLst>
+    <dgm:linClrLst meth="repeat">
+      <a:schemeClr val="accent1"/>
+    </dgm:linClrLst>
+    <dgm:effectClrLst/>
+    <dgm:txLinClrLst/>
+    <dgm:txFillClrLst meth="repeat">
+      <a:schemeClr val="dk1"/>
+    </dgm:txFillClrLst>
+    <dgm:txEffectClrLst/>
+  </dgm:styleLbl>
+  <dgm:styleLbl name="trAlignAcc1">
+    <dgm:fillClrLst meth="repeat">
+      <a:schemeClr val="lt1">
+        <a:alpha val="40000"/>
+      </a:schemeClr>
+    </dgm:fillClrLst>
+    <dgm:linClrLst meth="repeat">
+      <a:schemeClr val="accent1"/>
+    </dgm:linClrLst>
+    <dgm:effectClrLst/>
+    <dgm:txLinClrLst/>
+    <dgm:txFillClrLst meth="repeat">
+      <a:schemeClr val="dk1"/>
+    </dgm:txFillClrLst>
+    <dgm:txEffectClrLst/>
+  </dgm:styleLbl>
+  <dgm:styleLbl name="bgAcc1">
+    <dgm:fillClrLst meth="repeat">
+      <a:schemeClr val="lt1">
+        <a:alpha val="90000"/>
+      </a:schemeClr>
+    </dgm:fillClrLst>
+    <dgm:linClrLst meth="repeat">
+      <a:schemeClr val="accent1"/>
+    </dgm:linClrLst>
+    <dgm:effectClrLst/>
+    <dgm:txLinClrLst/>
+    <dgm:txFillClrLst meth="repeat">
+      <a:schemeClr val="dk1"/>
+    </dgm:txFillClrLst>
+    <dgm:txEffectClrLst/>
+  </dgm:styleLbl>
+  <dgm:styleLbl name="solidFgAcc1">
+    <dgm:fillClrLst meth="repeat">
+      <a:schemeClr val="lt1"/>
+    </dgm:fillClrLst>
+    <dgm:linClrLst meth="repeat">
+      <a:schemeClr val="accent1"/>
+    </dgm:linClrLst>
+    <dgm:effectClrLst/>
+    <dgm:txLinClrLst/>
+    <dgm:txFillClrLst meth="repeat">
+      <a:schemeClr val="dk1"/>
+    </dgm:txFillClrLst>
+    <dgm:txEffectClrLst/>
+  </dgm:styleLbl>
+  <dgm:styleLbl name="solidAlignAcc1">
+    <dgm:fillClrLst meth="repeat">
+      <a:schemeClr val="lt1"/>
+    </dgm:fillClrLst>
+    <dgm:linClrLst meth="repeat">
+      <a:schemeClr val="accent1"/>
+    </dgm:linClrLst>
+    <dgm:effectClrLst/>
+    <dgm:txLinClrLst/>
+    <dgm:txFillClrLst meth="repeat">
+      <a:schemeClr val="dk1"/>
+    </dgm:txFillClrLst>
+    <dgm:txEffectClrLst/>
+  </dgm:styleLbl>
+  <dgm:styleLbl name="solidBgAcc1">
+    <dgm:fillClrLst meth="repeat">
+      <a:schemeClr val="lt1"/>
+    </dgm:fillClrLst>
+    <dgm:linClrLst meth="repeat">
+      <a:schemeClr val="accent1"/>
+    </dgm:linClrLst>
+    <dgm:effectClrLst/>
+    <dgm:txLinClrLst/>
+    <dgm:txFillClrLst meth="repeat">
+      <a:schemeClr val="dk1"/>
+    </dgm:txFillClrLst>
+    <dgm:txEffectClrLst/>
+  </dgm:styleLbl>
+  <dgm:styleLbl name="fgAccFollowNode1">
+    <dgm:fillClrLst meth="repeat">
+      <a:schemeClr val="accent1">
+        <a:alpha val="90000"/>
+        <a:tint val="40000"/>
+      </a:schemeClr>
+    </dgm:fillClrLst>
+    <dgm:linClrLst meth="repeat">
+      <a:schemeClr val="accent1">
+        <a:alpha val="90000"/>
+        <a:tint val="40000"/>
+      </a:schemeClr>
+    </dgm:linClrLst>
+    <dgm:effectClrLst/>
+    <dgm:txLinClrLst/>
+    <dgm:txFillClrLst meth="repeat">
+      <a:schemeClr val="dk1"/>
+    </dgm:txFillClrLst>
+    <dgm:txEffectClrLst/>
+  </dgm:styleLbl>
+  <dgm:styleLbl name="alignAccFollowNode1">
+    <dgm:fillClrLst meth="repeat">
+      <a:schemeClr val="accent1">
+        <a:alpha val="90000"/>
+        <a:tint val="40000"/>
+      </a:schemeClr>
+    </dgm:fillClrLst>
+    <dgm:linClrLst meth="repeat">
+      <a:schemeClr val="accent1">
+        <a:alpha val="90000"/>
+        <a:tint val="40000"/>
+      </a:schemeClr>
+    </dgm:linClrLst>
+    <dgm:effectClrLst/>
+    <dgm:txLinClrLst/>
+    <dgm:txFillClrLst meth="repeat">
+      <a:schemeClr val="dk1"/>
+    </dgm:txFillClrLst>
+    <dgm:txEffectClrLst/>
+  </dgm:styleLbl>
+  <dgm:styleLbl name="bgAccFollowNode1">
+    <dgm:fillClrLst meth="repeat">
+      <a:schemeClr val="accent1">
+        <a:alpha val="90000"/>
+        <a:tint val="40000"/>
+      </a:schemeClr>
+    </dgm:fillClrLst>
+    <dgm:linClrLst meth="repeat">
+      <a:schemeClr val="accent1">
+        <a:alpha val="90000"/>
+        <a:tint val="40000"/>
+      </a:schemeClr>
+    </dgm:linClrLst>
+    <dgm:effectClrLst/>
+    <dgm:txLinClrLst/>
+    <dgm:txFillClrLst meth="repeat">
+      <a:schemeClr val="dk1"/>
+    </dgm:txFillClrLst>
+    <dgm:txEffectClrLst/>
+  </dgm:styleLbl>
+  <dgm:styleLbl name="fgAcc0">
+    <dgm:fillClrLst meth="repeat">
+      <a:schemeClr val="lt1">
+        <a:alpha val="90000"/>
+      </a:schemeClr>
+    </dgm:fillClrLst>
+    <dgm:linClrLst meth="repeat">
+      <a:schemeClr val="accent1"/>
+    </dgm:linClrLst>
+    <dgm:effectClrLst/>
+    <dgm:txLinClrLst/>
+    <dgm:txFillClrLst meth="repeat">
+      <a:schemeClr val="dk1"/>
+    </dgm:txFillClrLst>
+    <dgm:txEffectClrLst/>
+  </dgm:styleLbl>
+  <dgm:styleLbl name="fgAcc2">
+    <dgm:fillClrLst meth="repeat">
+      <a:schemeClr val="lt1">
+        <a:alpha val="90000"/>
+      </a:schemeClr>
+    </dgm:fillClrLst>
+    <dgm:linClrLst meth="repeat">
+      <a:schemeClr val="accent1"/>
+    </dgm:linClrLst>
+    <dgm:effectClrLst/>
+    <dgm:txLinClrLst/>
+    <dgm:txFillClrLst meth="repeat">
+      <a:schemeClr val="dk1"/>
+    </dgm:txFillClrLst>
+    <dgm:txEffectClrLst/>
+  </dgm:styleLbl>
+  <dgm:styleLbl name="fgAcc3">
+    <dgm:fillClrLst meth="repeat">
+      <a:schemeClr val="lt1">
+        <a:alpha val="90000"/>
+      </a:schemeClr>
+    </dgm:fillClrLst>
+    <dgm:linClrLst meth="repeat">
+      <a:schemeClr val="accent1"/>
+    </dgm:linClrLst>
+    <dgm:effectClrLst/>
+    <dgm:txLinClrLst/>
+    <dgm:txFillClrLst meth="repeat">
+      <a:schemeClr val="dk1"/>
+    </dgm:txFillClrLst>
+    <dgm:txEffectClrLst/>
+  </dgm:styleLbl>
+  <dgm:styleLbl name="fgAcc4">
+    <dgm:fillClrLst meth="repeat">
+      <a:schemeClr val="lt1">
+        <a:alpha val="90000"/>
+      </a:schemeClr>
+    </dgm:fillClrLst>
+    <dgm:linClrLst meth="repeat">
+      <a:schemeClr val="accent1"/>
+    </dgm:linClrLst>
+    <dgm:effectClrLst/>
+    <dgm:txLinClrLst/>
+    <dgm:txFillClrLst meth="repeat">
+      <a:schemeClr val="dk1"/>
+    </dgm:txFillClrLst>
+    <dgm:txEffectClrLst/>
+  </dgm:styleLbl>
+  <dgm:styleLbl name="bgShp">
+    <dgm:fillClrLst meth="repeat">
+      <a:schemeClr val="accent1">
+        <a:tint val="40000"/>
+      </a:schemeClr>
+    </dgm:fillClrLst>
+    <dgm:linClrLst meth="repeat">
+      <a:schemeClr val="accent1"/>
+    </dgm:linClrLst>
+    <dgm:effectClrLst/>
+    <dgm:txLinClrLst/>
+    <dgm:txFillClrLst meth="repeat">
+      <a:schemeClr val="dk1"/>
+    </dgm:txFillClrLst>
+    <dgm:txEffectClrLst/>
+  </dgm:styleLbl>
+  <dgm:styleLbl name="dkBgShp">
+    <dgm:fillClrLst meth="repeat">
+      <a:schemeClr val="accent1">
+        <a:shade val="80000"/>
+      </a:schemeClr>
+    </dgm:fillClrLst>
+    <dgm:linClrLst meth="repeat">
+      <a:schemeClr val="accent1"/>
+    </dgm:linClrLst>
+    <dgm:effectClrLst/>
+    <dgm:txLinClrLst/>
+    <dgm:txFillClrLst meth="repeat">
+      <a:schemeClr val="lt1"/>
+    </dgm:txFillClrLst>
+    <dgm:txEffectClrLst/>
+  </dgm:styleLbl>
+  <dgm:styleLbl name="trBgShp">
+    <dgm:fillClrLst meth="repeat">
+      <a:schemeClr val="accent1">
+        <a:tint val="50000"/>
+        <a:alpha val="40000"/>
+      </a:schemeClr>
+    </dgm:fillClrLst>
+    <dgm:linClrLst meth="repeat">
+      <a:schemeClr val="accent1"/>
+    </dgm:linClrLst>
+    <dgm:effectClrLst/>
+    <dgm:txLinClrLst/>
+    <dgm:txFillClrLst meth="repeat">
+      <a:schemeClr val="lt1"/>
+    </dgm:txFillClrLst>
+    <dgm:txEffectClrLst/>
+  </dgm:styleLbl>
+  <dgm:styleLbl name="fgShp">
+    <dgm:fillClrLst meth="repeat">
+      <a:schemeClr val="accent1">
+        <a:tint val="60000"/>
+      </a:schemeClr>
+    </dgm:fillClrLst>
+    <dgm:linClrLst meth="repeat">
+      <a:schemeClr val="lt1"/>
+    </dgm:linClrLst>
+    <dgm:effectClrLst/>
+    <dgm:txLinClrLst/>
+    <dgm:txFillClrLst meth="repeat">
+      <a:schemeClr val="dk1"/>
+    </dgm:txFillClrLst>
+    <dgm:txEffectClrLst/>
+  </dgm:styleLbl>
+  <dgm:styleLbl name="revTx">
+    <dgm:fillClrLst meth="repeat">
+      <a:schemeClr val="lt1">
+        <a:alpha val="0"/>
+      </a:schemeClr>
+    </dgm:fillClrLst>
+    <dgm:linClrLst meth="repeat">
+      <a:schemeClr val="dk1">
+        <a:alpha val="0"/>
+      </a:schemeClr>
+    </dgm:linClrLst>
+    <dgm:effectClrLst/>
+    <dgm:txLinClrLst/>
+    <dgm:txFillClrLst meth="repeat">
+      <a:schemeClr val="tx1"/>
+    </dgm:txFillClrLst>
+    <dgm:txEffectClrLst/>
+  </dgm:styleLbl>
+</dgm:colorsDef>
+</file>
+
+<file path=ppt/diagrams/colors4.xml><?xml version="1.0" encoding="utf-8"?>
 <dgm:colorsDef xmlns:dgm="http://schemas.openxmlformats.org/drawingml/2006/diagram" xmlns:a="http://schemas.openxmlformats.org/drawingml/2006/main" uniqueId="urn:microsoft.com/office/officeart/2005/8/colors/accent1_2">
   <dgm:title val=""/>
   <dgm:desc val=""/>
@@ -1933,6 +3433,13 @@
         </dgm:presLayoutVars>
       </dgm:prSet>
       <dgm:spPr/>
+      <dgm:t>
+        <a:bodyPr/>
+        <a:lstStyle/>
+        <a:p>
+          <a:endParaRPr lang="zh-CN" altLang="en-US"/>
+        </a:p>
+      </dgm:t>
     </dgm:pt>
     <dgm:pt modelId="{6BEB0F83-8C32-4104-81F5-3D68D9DDDBF9}" type="pres">
       <dgm:prSet presAssocID="{43AFE395-12CE-4B3F-B8EC-8C9CA119371A}" presName="hierRoot1" presStyleCnt="0"/>
@@ -1953,6 +3460,13 @@
         </dgm:presLayoutVars>
       </dgm:prSet>
       <dgm:spPr/>
+      <dgm:t>
+        <a:bodyPr/>
+        <a:lstStyle/>
+        <a:p>
+          <a:endParaRPr lang="zh-CN" altLang="en-US"/>
+        </a:p>
+      </dgm:t>
     </dgm:pt>
     <dgm:pt modelId="{4A099E9A-3F4D-4841-9F23-2590AA02D4B5}" type="pres">
       <dgm:prSet presAssocID="{43AFE395-12CE-4B3F-B8EC-8C9CA119371A}" presName="hierChild2" presStyleCnt="0"/>
@@ -1961,6 +3475,13 @@
     <dgm:pt modelId="{5612DF1F-05B2-464E-9709-FAD2B0BB70E8}" type="pres">
       <dgm:prSet presAssocID="{DBD0840C-C3B8-4951-8D91-1A10F3DEB607}" presName="Name10" presStyleLbl="parChTrans1D2" presStyleIdx="0" presStyleCnt="1"/>
       <dgm:spPr/>
+      <dgm:t>
+        <a:bodyPr/>
+        <a:lstStyle/>
+        <a:p>
+          <a:endParaRPr lang="zh-CN" altLang="en-US"/>
+        </a:p>
+      </dgm:t>
     </dgm:pt>
     <dgm:pt modelId="{2334A8B3-F9CC-4513-AA35-C9C0E5AE56FA}" type="pres">
       <dgm:prSet presAssocID="{4B47CC11-4E5B-441C-93AC-34114F3B6FFD}" presName="hierRoot2" presStyleCnt="0"/>
@@ -1981,6 +3502,13 @@
         </dgm:presLayoutVars>
       </dgm:prSet>
       <dgm:spPr/>
+      <dgm:t>
+        <a:bodyPr/>
+        <a:lstStyle/>
+        <a:p>
+          <a:endParaRPr lang="zh-CN" altLang="en-US"/>
+        </a:p>
+      </dgm:t>
     </dgm:pt>
     <dgm:pt modelId="{A9AB1EC4-5F7F-40D4-ADEE-12D86A8F53E6}" type="pres">
       <dgm:prSet presAssocID="{4B47CC11-4E5B-441C-93AC-34114F3B6FFD}" presName="hierChild3" presStyleCnt="0"/>
@@ -1989,6 +3517,13 @@
     <dgm:pt modelId="{AAAE2E46-A281-4876-81A1-5C628BA44B6F}" type="pres">
       <dgm:prSet presAssocID="{7F534282-B6A0-4ADA-B685-A04966383F71}" presName="Name17" presStyleLbl="parChTrans1D3" presStyleIdx="0" presStyleCnt="2"/>
       <dgm:spPr/>
+      <dgm:t>
+        <a:bodyPr/>
+        <a:lstStyle/>
+        <a:p>
+          <a:endParaRPr lang="zh-CN" altLang="en-US"/>
+        </a:p>
+      </dgm:t>
     </dgm:pt>
     <dgm:pt modelId="{BBF06AD9-E022-495D-861C-62A5FAF90925}" type="pres">
       <dgm:prSet presAssocID="{8F2E42D4-F944-4586-843F-DCED509542AD}" presName="hierRoot3" presStyleCnt="0"/>
@@ -2009,6 +3544,13 @@
         </dgm:presLayoutVars>
       </dgm:prSet>
       <dgm:spPr/>
+      <dgm:t>
+        <a:bodyPr/>
+        <a:lstStyle/>
+        <a:p>
+          <a:endParaRPr lang="zh-CN" altLang="en-US"/>
+        </a:p>
+      </dgm:t>
     </dgm:pt>
     <dgm:pt modelId="{2C2C1C84-8499-486A-82D1-911F12C74A57}" type="pres">
       <dgm:prSet presAssocID="{8F2E42D4-F944-4586-843F-DCED509542AD}" presName="hierChild4" presStyleCnt="0"/>
@@ -2017,6 +3559,13 @@
     <dgm:pt modelId="{3E23BCAB-CDC0-40C7-B465-87AD32356E84}" type="pres">
       <dgm:prSet presAssocID="{5EEDFC97-FBB0-4469-A4AF-A036C8BD1D75}" presName="Name23" presStyleLbl="parChTrans1D4" presStyleIdx="0" presStyleCnt="4"/>
       <dgm:spPr/>
+      <dgm:t>
+        <a:bodyPr/>
+        <a:lstStyle/>
+        <a:p>
+          <a:endParaRPr lang="zh-CN" altLang="en-US"/>
+        </a:p>
+      </dgm:t>
     </dgm:pt>
     <dgm:pt modelId="{5CE0AC17-92B2-4EF3-9C49-EA03FE57D397}" type="pres">
       <dgm:prSet presAssocID="{A910F588-6F97-48EF-8415-F169F97596D0}" presName="hierRoot4" presStyleCnt="0"/>
@@ -2037,6 +3586,13 @@
         </dgm:presLayoutVars>
       </dgm:prSet>
       <dgm:spPr/>
+      <dgm:t>
+        <a:bodyPr/>
+        <a:lstStyle/>
+        <a:p>
+          <a:endParaRPr lang="zh-CN" altLang="en-US"/>
+        </a:p>
+      </dgm:t>
     </dgm:pt>
     <dgm:pt modelId="{CDEE5DEA-7FDA-4A0A-8570-3279D3F2D84A}" type="pres">
       <dgm:prSet presAssocID="{A910F588-6F97-48EF-8415-F169F97596D0}" presName="hierChild5" presStyleCnt="0"/>
@@ -2045,6 +3601,13 @@
     <dgm:pt modelId="{25939682-0F75-4F9C-8051-F9CA987C3AA4}" type="pres">
       <dgm:prSet presAssocID="{D6D3A86B-216E-45D1-9CA5-C6649BB9A720}" presName="Name23" presStyleLbl="parChTrans1D4" presStyleIdx="1" presStyleCnt="4"/>
       <dgm:spPr/>
+      <dgm:t>
+        <a:bodyPr/>
+        <a:lstStyle/>
+        <a:p>
+          <a:endParaRPr lang="zh-CN" altLang="en-US"/>
+        </a:p>
+      </dgm:t>
     </dgm:pt>
     <dgm:pt modelId="{1592C1E5-27F0-4DF9-A63E-78A1E5B308BE}" type="pres">
       <dgm:prSet presAssocID="{7D93751C-BEC0-4D02-AA5D-93E28284933D}" presName="hierRoot4" presStyleCnt="0"/>
@@ -2065,6 +3628,13 @@
         </dgm:presLayoutVars>
       </dgm:prSet>
       <dgm:spPr/>
+      <dgm:t>
+        <a:bodyPr/>
+        <a:lstStyle/>
+        <a:p>
+          <a:endParaRPr lang="zh-CN" altLang="en-US"/>
+        </a:p>
+      </dgm:t>
     </dgm:pt>
     <dgm:pt modelId="{814AC7B6-C243-44DE-9B3A-C028556A9190}" type="pres">
       <dgm:prSet presAssocID="{7D93751C-BEC0-4D02-AA5D-93E28284933D}" presName="hierChild5" presStyleCnt="0"/>
@@ -2073,6 +3643,13 @@
     <dgm:pt modelId="{1C89CB98-DCC8-4A65-BC57-5D5C9DE44E4F}" type="pres">
       <dgm:prSet presAssocID="{DC6FBBE1-ADE0-4C1C-9725-18A84B2D4FA6}" presName="Name17" presStyleLbl="parChTrans1D3" presStyleIdx="1" presStyleCnt="2"/>
       <dgm:spPr/>
+      <dgm:t>
+        <a:bodyPr/>
+        <a:lstStyle/>
+        <a:p>
+          <a:endParaRPr lang="zh-CN" altLang="en-US"/>
+        </a:p>
+      </dgm:t>
     </dgm:pt>
     <dgm:pt modelId="{E2992AEB-F38F-49D4-A40A-7FC46E190D68}" type="pres">
       <dgm:prSet presAssocID="{254121B1-5060-48BD-95FD-8E0DBE8CA963}" presName="hierRoot3" presStyleCnt="0"/>
@@ -2093,6 +3670,13 @@
         </dgm:presLayoutVars>
       </dgm:prSet>
       <dgm:spPr/>
+      <dgm:t>
+        <a:bodyPr/>
+        <a:lstStyle/>
+        <a:p>
+          <a:endParaRPr lang="zh-CN" altLang="en-US"/>
+        </a:p>
+      </dgm:t>
     </dgm:pt>
     <dgm:pt modelId="{663553D5-E731-4664-AFDF-51EF534FE25D}" type="pres">
       <dgm:prSet presAssocID="{254121B1-5060-48BD-95FD-8E0DBE8CA963}" presName="hierChild4" presStyleCnt="0"/>
@@ -2101,6 +3685,13 @@
     <dgm:pt modelId="{6345F9EA-CE94-4B9D-9B16-CF8D85C3EC73}" type="pres">
       <dgm:prSet presAssocID="{42B8C1D5-BF53-4974-90E1-5CC80FCE6BB7}" presName="Name23" presStyleLbl="parChTrans1D4" presStyleIdx="2" presStyleCnt="4"/>
       <dgm:spPr/>
+      <dgm:t>
+        <a:bodyPr/>
+        <a:lstStyle/>
+        <a:p>
+          <a:endParaRPr lang="zh-CN" altLang="en-US"/>
+        </a:p>
+      </dgm:t>
     </dgm:pt>
     <dgm:pt modelId="{91A1BEFD-C19C-4525-94DA-BFBAD7D39E8B}" type="pres">
       <dgm:prSet presAssocID="{F64FF9CB-F56E-4213-BAA0-1304C1A5498B}" presName="hierRoot4" presStyleCnt="0"/>
@@ -2121,6 +3712,13 @@
         </dgm:presLayoutVars>
       </dgm:prSet>
       <dgm:spPr/>
+      <dgm:t>
+        <a:bodyPr/>
+        <a:lstStyle/>
+        <a:p>
+          <a:endParaRPr lang="zh-CN" altLang="en-US"/>
+        </a:p>
+      </dgm:t>
     </dgm:pt>
     <dgm:pt modelId="{5E12374C-D62C-45E8-B00E-D0835DD2CC43}" type="pres">
       <dgm:prSet presAssocID="{F64FF9CB-F56E-4213-BAA0-1304C1A5498B}" presName="hierChild5" presStyleCnt="0"/>
@@ -2129,6 +3727,13 @@
     <dgm:pt modelId="{611B346D-733E-4F46-9493-557545AFBEE6}" type="pres">
       <dgm:prSet presAssocID="{02E09558-0F86-4981-9913-19BFEC951D14}" presName="Name23" presStyleLbl="parChTrans1D4" presStyleIdx="3" presStyleCnt="4"/>
       <dgm:spPr/>
+      <dgm:t>
+        <a:bodyPr/>
+        <a:lstStyle/>
+        <a:p>
+          <a:endParaRPr lang="zh-CN" altLang="en-US"/>
+        </a:p>
+      </dgm:t>
     </dgm:pt>
     <dgm:pt modelId="{66588935-033B-455B-BF08-E788C52EB6D8}" type="pres">
       <dgm:prSet presAssocID="{4234DE3E-9318-4229-BAC8-D366E3A9FFD6}" presName="hierRoot4" presStyleCnt="0"/>
@@ -2143,12 +3748,19 @@
       <dgm:spPr/>
     </dgm:pt>
     <dgm:pt modelId="{052EA75A-61A4-4E1C-9B40-5125F5AAF34D}" type="pres">
-      <dgm:prSet presAssocID="{4234DE3E-9318-4229-BAC8-D366E3A9FFD6}" presName="text4" presStyleLbl="fgAcc4" presStyleIdx="3" presStyleCnt="4" custLinFactX="100000" custLinFactNeighborX="112789" custLinFactNeighborY="-1009">
+      <dgm:prSet presAssocID="{4234DE3E-9318-4229-BAC8-D366E3A9FFD6}" presName="text4" presStyleLbl="fgAcc4" presStyleIdx="3" presStyleCnt="4" custScaleX="198752" custLinFactX="100000" custLinFactNeighborX="112789" custLinFactNeighborY="-1009">
         <dgm:presLayoutVars>
           <dgm:chPref val="3"/>
         </dgm:presLayoutVars>
       </dgm:prSet>
       <dgm:spPr/>
+      <dgm:t>
+        <a:bodyPr/>
+        <a:lstStyle/>
+        <a:p>
+          <a:endParaRPr lang="zh-CN" altLang="en-US"/>
+        </a:p>
+      </dgm:t>
     </dgm:pt>
     <dgm:pt modelId="{ECE6FC3C-8B0D-456F-8FF8-79B1B462998D}" type="pres">
       <dgm:prSet presAssocID="{4234DE3E-9318-4229-BAC8-D366E3A9FFD6}" presName="hierChild5" presStyleCnt="0"/>
@@ -2156,30 +3768,30 @@
     </dgm:pt>
   </dgm:ptLst>
   <dgm:cxnLst>
-    <dgm:cxn modelId="{52B4F9A8-E7FA-4FD0-AC8E-8CB9F0040F59}" type="presOf" srcId="{02E09558-0F86-4981-9913-19BFEC951D14}" destId="{611B346D-733E-4F46-9493-557545AFBEE6}" srcOrd="0" destOrd="0" presId="urn:microsoft.com/office/officeart/2005/8/layout/hierarchy1"/>
+    <dgm:cxn modelId="{988B96DD-99F9-4BD9-BF36-23555E3930F8}" type="presOf" srcId="{DC6FBBE1-ADE0-4C1C-9725-18A84B2D4FA6}" destId="{1C89CB98-DCC8-4A65-BC57-5D5C9DE44E4F}" srcOrd="0" destOrd="0" presId="urn:microsoft.com/office/officeart/2005/8/layout/hierarchy1"/>
+    <dgm:cxn modelId="{8CB9BFA6-2353-4738-9108-309143276984}" type="presOf" srcId="{42B8C1D5-BF53-4974-90E1-5CC80FCE6BB7}" destId="{6345F9EA-CE94-4B9D-9B16-CF8D85C3EC73}" srcOrd="0" destOrd="0" presId="urn:microsoft.com/office/officeart/2005/8/layout/hierarchy1"/>
+    <dgm:cxn modelId="{94DFEE97-E3C8-45FD-A6E1-A3BADE7521D8}" srcId="{8F2E42D4-F944-4586-843F-DCED509542AD}" destId="{A910F588-6F97-48EF-8415-F169F97596D0}" srcOrd="0" destOrd="0" parTransId="{5EEDFC97-FBB0-4469-A4AF-A036C8BD1D75}" sibTransId="{4567688C-3270-4E10-8E21-0EC105CA3C6C}"/>
+    <dgm:cxn modelId="{6C52FF4E-296F-4B11-ACD6-7A7E75B80774}" type="presOf" srcId="{4B47CC11-4E5B-441C-93AC-34114F3B6FFD}" destId="{C42FD476-D692-4AD0-A3B4-8853C74C4114}" srcOrd="0" destOrd="0" presId="urn:microsoft.com/office/officeart/2005/8/layout/hierarchy1"/>
     <dgm:cxn modelId="{7609F3C1-547E-4A3E-996D-9007338D0286}" type="presOf" srcId="{4234DE3E-9318-4229-BAC8-D366E3A9FFD6}" destId="{052EA75A-61A4-4E1C-9B40-5125F5AAF34D}" srcOrd="0" destOrd="0" presId="urn:microsoft.com/office/officeart/2005/8/layout/hierarchy1"/>
-    <dgm:cxn modelId="{988B96DD-99F9-4BD9-BF36-23555E3930F8}" type="presOf" srcId="{DC6FBBE1-ADE0-4C1C-9725-18A84B2D4FA6}" destId="{1C89CB98-DCC8-4A65-BC57-5D5C9DE44E4F}" srcOrd="0" destOrd="0" presId="urn:microsoft.com/office/officeart/2005/8/layout/hierarchy1"/>
-    <dgm:cxn modelId="{28123454-F9FB-4DBF-ADDC-B69BB35ED42B}" type="presOf" srcId="{9EB8CBF4-BDBB-4EB1-B578-90C9C2A944C7}" destId="{4968D0F1-8C48-4D15-A761-F645D6AC924C}" srcOrd="0" destOrd="0" presId="urn:microsoft.com/office/officeart/2005/8/layout/hierarchy1"/>
-    <dgm:cxn modelId="{5B8ADDB1-DE34-4B49-AB0F-72609F5CA91A}" srcId="{9EB8CBF4-BDBB-4EB1-B578-90C9C2A944C7}" destId="{43AFE395-12CE-4B3F-B8EC-8C9CA119371A}" srcOrd="0" destOrd="0" parTransId="{4435DAC9-F2CA-4B95-BBBD-89EB5C885EDF}" sibTransId="{0CE8C6D2-66F6-484E-9798-29EE25D009D9}"/>
-    <dgm:cxn modelId="{8CB9BFA6-2353-4738-9108-309143276984}" type="presOf" srcId="{42B8C1D5-BF53-4974-90E1-5CC80FCE6BB7}" destId="{6345F9EA-CE94-4B9D-9B16-CF8D85C3EC73}" srcOrd="0" destOrd="0" presId="urn:microsoft.com/office/officeart/2005/8/layout/hierarchy1"/>
     <dgm:cxn modelId="{ED313F74-5E9A-4BB8-90AF-67764E42E89D}" type="presOf" srcId="{7F534282-B6A0-4ADA-B685-A04966383F71}" destId="{AAAE2E46-A281-4876-81A1-5C628BA44B6F}" srcOrd="0" destOrd="0" presId="urn:microsoft.com/office/officeart/2005/8/layout/hierarchy1"/>
-    <dgm:cxn modelId="{C0AD8313-782B-421F-AF25-3CB08B018C97}" type="presOf" srcId="{43AFE395-12CE-4B3F-B8EC-8C9CA119371A}" destId="{8CD5A77D-4B31-4969-B6B6-A393117DE22E}" srcOrd="0" destOrd="0" presId="urn:microsoft.com/office/officeart/2005/8/layout/hierarchy1"/>
-    <dgm:cxn modelId="{70DFAED6-9788-470B-BAAA-CCACA5490AFF}" type="presOf" srcId="{7D93751C-BEC0-4D02-AA5D-93E28284933D}" destId="{9D681FF1-248C-449D-AB0C-9320E94DB4DD}" srcOrd="0" destOrd="0" presId="urn:microsoft.com/office/officeart/2005/8/layout/hierarchy1"/>
-    <dgm:cxn modelId="{27B107A5-A1AE-4109-9796-45F4C9CBF5D6}" type="presOf" srcId="{254121B1-5060-48BD-95FD-8E0DBE8CA963}" destId="{A2131C46-EF19-4255-9F5B-026D44CD71D9}" srcOrd="0" destOrd="0" presId="urn:microsoft.com/office/officeart/2005/8/layout/hierarchy1"/>
-    <dgm:cxn modelId="{4E2F221A-F228-443B-A135-3F4CBF233273}" srcId="{F64FF9CB-F56E-4213-BAA0-1304C1A5498B}" destId="{4234DE3E-9318-4229-BAC8-D366E3A9FFD6}" srcOrd="0" destOrd="0" parTransId="{02E09558-0F86-4981-9913-19BFEC951D14}" sibTransId="{18F4A64D-D61E-41FD-B8AB-7207028D3B7A}"/>
-    <dgm:cxn modelId="{167A59E4-9823-4FD9-B705-614390272C14}" srcId="{254121B1-5060-48BD-95FD-8E0DBE8CA963}" destId="{F64FF9CB-F56E-4213-BAA0-1304C1A5498B}" srcOrd="0" destOrd="0" parTransId="{42B8C1D5-BF53-4974-90E1-5CC80FCE6BB7}" sibTransId="{CC7A4D8D-9532-430B-B27B-B19B4A47C6DA}"/>
-    <dgm:cxn modelId="{C2FDBB90-5645-4703-8420-BA514E0C9C1F}" type="presOf" srcId="{DBD0840C-C3B8-4951-8D91-1A10F3DEB607}" destId="{5612DF1F-05B2-464E-9709-FAD2B0BB70E8}" srcOrd="0" destOrd="0" presId="urn:microsoft.com/office/officeart/2005/8/layout/hierarchy1"/>
-    <dgm:cxn modelId="{94DFEE97-E3C8-45FD-A6E1-A3BADE7521D8}" srcId="{8F2E42D4-F944-4586-843F-DCED509542AD}" destId="{A910F588-6F97-48EF-8415-F169F97596D0}" srcOrd="0" destOrd="0" parTransId="{5EEDFC97-FBB0-4469-A4AF-A036C8BD1D75}" sibTransId="{4567688C-3270-4E10-8E21-0EC105CA3C6C}"/>
-    <dgm:cxn modelId="{3789F301-54C4-4AD7-9C97-E36ED5C3DBB1}" srcId="{A910F588-6F97-48EF-8415-F169F97596D0}" destId="{7D93751C-BEC0-4D02-AA5D-93E28284933D}" srcOrd="0" destOrd="0" parTransId="{D6D3A86B-216E-45D1-9CA5-C6649BB9A720}" sibTransId="{864321A1-5BCA-456D-92DF-F446242D64BF}"/>
-    <dgm:cxn modelId="{1B4FED60-8A20-4752-B25C-87DBD05FDA8A}" srcId="{43AFE395-12CE-4B3F-B8EC-8C9CA119371A}" destId="{4B47CC11-4E5B-441C-93AC-34114F3B6FFD}" srcOrd="0" destOrd="0" parTransId="{DBD0840C-C3B8-4951-8D91-1A10F3DEB607}" sibTransId="{D490FB56-34F9-48E7-96B3-D5E980BFC75C}"/>
-    <dgm:cxn modelId="{96D5BE64-5084-4FF5-975B-FD8EB33D5EAF}" type="presOf" srcId="{F64FF9CB-F56E-4213-BAA0-1304C1A5498B}" destId="{E4720B6F-D6B6-4F13-AD25-4768EE832C5A}" srcOrd="0" destOrd="0" presId="urn:microsoft.com/office/officeart/2005/8/layout/hierarchy1"/>
-    <dgm:cxn modelId="{2388C5C2-BE78-411A-889A-A92751685DA8}" srcId="{4B47CC11-4E5B-441C-93AC-34114F3B6FFD}" destId="{8F2E42D4-F944-4586-843F-DCED509542AD}" srcOrd="0" destOrd="0" parTransId="{7F534282-B6A0-4ADA-B685-A04966383F71}" sibTransId="{A6C80B69-D758-42F4-860A-15D93ADCDDE9}"/>
-    <dgm:cxn modelId="{7C5D5141-52A5-4C11-BDA7-3B6A96264907}" type="presOf" srcId="{A910F588-6F97-48EF-8415-F169F97596D0}" destId="{D8500654-318C-44C1-8E0B-AD0942C3864F}" srcOrd="0" destOrd="0" presId="urn:microsoft.com/office/officeart/2005/8/layout/hierarchy1"/>
-    <dgm:cxn modelId="{CAB89890-7BA7-4FD4-9F64-81511FF04376}" type="presOf" srcId="{5EEDFC97-FBB0-4469-A4AF-A036C8BD1D75}" destId="{3E23BCAB-CDC0-40C7-B465-87AD32356E84}" srcOrd="0" destOrd="0" presId="urn:microsoft.com/office/officeart/2005/8/layout/hierarchy1"/>
-    <dgm:cxn modelId="{5A4511A4-C823-469A-8328-4385E233A5A7}" type="presOf" srcId="{D6D3A86B-216E-45D1-9CA5-C6649BB9A720}" destId="{25939682-0F75-4F9C-8051-F9CA987C3AA4}" srcOrd="0" destOrd="0" presId="urn:microsoft.com/office/officeart/2005/8/layout/hierarchy1"/>
-    <dgm:cxn modelId="{6C52FF4E-296F-4B11-ACD6-7A7E75B80774}" type="presOf" srcId="{4B47CC11-4E5B-441C-93AC-34114F3B6FFD}" destId="{C42FD476-D692-4AD0-A3B4-8853C74C4114}" srcOrd="0" destOrd="0" presId="urn:microsoft.com/office/officeart/2005/8/layout/hierarchy1"/>
     <dgm:cxn modelId="{414E4BE3-3ECF-40F8-80B1-A8929A696D6E}" srcId="{4B47CC11-4E5B-441C-93AC-34114F3B6FFD}" destId="{254121B1-5060-48BD-95FD-8E0DBE8CA963}" srcOrd="1" destOrd="0" parTransId="{DC6FBBE1-ADE0-4C1C-9725-18A84B2D4FA6}" sibTransId="{08D12E33-4ED7-4D45-B378-AF88A7DDF50C}"/>
     <dgm:cxn modelId="{D3D4B6D9-0AD3-4152-BC0C-B81BA9172ADE}" type="presOf" srcId="{8F2E42D4-F944-4586-843F-DCED509542AD}" destId="{F99581A4-947A-4D54-B488-7FA23858DD90}" srcOrd="0" destOrd="0" presId="urn:microsoft.com/office/officeart/2005/8/layout/hierarchy1"/>
+    <dgm:cxn modelId="{27B107A5-A1AE-4109-9796-45F4C9CBF5D6}" type="presOf" srcId="{254121B1-5060-48BD-95FD-8E0DBE8CA963}" destId="{A2131C46-EF19-4255-9F5B-026D44CD71D9}" srcOrd="0" destOrd="0" presId="urn:microsoft.com/office/officeart/2005/8/layout/hierarchy1"/>
+    <dgm:cxn modelId="{28123454-F9FB-4DBF-ADDC-B69BB35ED42B}" type="presOf" srcId="{9EB8CBF4-BDBB-4EB1-B578-90C9C2A944C7}" destId="{4968D0F1-8C48-4D15-A761-F645D6AC924C}" srcOrd="0" destOrd="0" presId="urn:microsoft.com/office/officeart/2005/8/layout/hierarchy1"/>
+    <dgm:cxn modelId="{167A59E4-9823-4FD9-B705-614390272C14}" srcId="{254121B1-5060-48BD-95FD-8E0DBE8CA963}" destId="{F64FF9CB-F56E-4213-BAA0-1304C1A5498B}" srcOrd="0" destOrd="0" parTransId="{42B8C1D5-BF53-4974-90E1-5CC80FCE6BB7}" sibTransId="{CC7A4D8D-9532-430B-B27B-B19B4A47C6DA}"/>
+    <dgm:cxn modelId="{1B4FED60-8A20-4752-B25C-87DBD05FDA8A}" srcId="{43AFE395-12CE-4B3F-B8EC-8C9CA119371A}" destId="{4B47CC11-4E5B-441C-93AC-34114F3B6FFD}" srcOrd="0" destOrd="0" parTransId="{DBD0840C-C3B8-4951-8D91-1A10F3DEB607}" sibTransId="{D490FB56-34F9-48E7-96B3-D5E980BFC75C}"/>
+    <dgm:cxn modelId="{C2FDBB90-5645-4703-8420-BA514E0C9C1F}" type="presOf" srcId="{DBD0840C-C3B8-4951-8D91-1A10F3DEB607}" destId="{5612DF1F-05B2-464E-9709-FAD2B0BB70E8}" srcOrd="0" destOrd="0" presId="urn:microsoft.com/office/officeart/2005/8/layout/hierarchy1"/>
+    <dgm:cxn modelId="{CAB89890-7BA7-4FD4-9F64-81511FF04376}" type="presOf" srcId="{5EEDFC97-FBB0-4469-A4AF-A036C8BD1D75}" destId="{3E23BCAB-CDC0-40C7-B465-87AD32356E84}" srcOrd="0" destOrd="0" presId="urn:microsoft.com/office/officeart/2005/8/layout/hierarchy1"/>
+    <dgm:cxn modelId="{4E2F221A-F228-443B-A135-3F4CBF233273}" srcId="{F64FF9CB-F56E-4213-BAA0-1304C1A5498B}" destId="{4234DE3E-9318-4229-BAC8-D366E3A9FFD6}" srcOrd="0" destOrd="0" parTransId="{02E09558-0F86-4981-9913-19BFEC951D14}" sibTransId="{18F4A64D-D61E-41FD-B8AB-7207028D3B7A}"/>
+    <dgm:cxn modelId="{52B4F9A8-E7FA-4FD0-AC8E-8CB9F0040F59}" type="presOf" srcId="{02E09558-0F86-4981-9913-19BFEC951D14}" destId="{611B346D-733E-4F46-9493-557545AFBEE6}" srcOrd="0" destOrd="0" presId="urn:microsoft.com/office/officeart/2005/8/layout/hierarchy1"/>
+    <dgm:cxn modelId="{7C5D5141-52A5-4C11-BDA7-3B6A96264907}" type="presOf" srcId="{A910F588-6F97-48EF-8415-F169F97596D0}" destId="{D8500654-318C-44C1-8E0B-AD0942C3864F}" srcOrd="0" destOrd="0" presId="urn:microsoft.com/office/officeart/2005/8/layout/hierarchy1"/>
+    <dgm:cxn modelId="{3789F301-54C4-4AD7-9C97-E36ED5C3DBB1}" srcId="{A910F588-6F97-48EF-8415-F169F97596D0}" destId="{7D93751C-BEC0-4D02-AA5D-93E28284933D}" srcOrd="0" destOrd="0" parTransId="{D6D3A86B-216E-45D1-9CA5-C6649BB9A720}" sibTransId="{864321A1-5BCA-456D-92DF-F446242D64BF}"/>
+    <dgm:cxn modelId="{2388C5C2-BE78-411A-889A-A92751685DA8}" srcId="{4B47CC11-4E5B-441C-93AC-34114F3B6FFD}" destId="{8F2E42D4-F944-4586-843F-DCED509542AD}" srcOrd="0" destOrd="0" parTransId="{7F534282-B6A0-4ADA-B685-A04966383F71}" sibTransId="{A6C80B69-D758-42F4-860A-15D93ADCDDE9}"/>
+    <dgm:cxn modelId="{C0AD8313-782B-421F-AF25-3CB08B018C97}" type="presOf" srcId="{43AFE395-12CE-4B3F-B8EC-8C9CA119371A}" destId="{8CD5A77D-4B31-4969-B6B6-A393117DE22E}" srcOrd="0" destOrd="0" presId="urn:microsoft.com/office/officeart/2005/8/layout/hierarchy1"/>
+    <dgm:cxn modelId="{96D5BE64-5084-4FF5-975B-FD8EB33D5EAF}" type="presOf" srcId="{F64FF9CB-F56E-4213-BAA0-1304C1A5498B}" destId="{E4720B6F-D6B6-4F13-AD25-4768EE832C5A}" srcOrd="0" destOrd="0" presId="urn:microsoft.com/office/officeart/2005/8/layout/hierarchy1"/>
+    <dgm:cxn modelId="{70DFAED6-9788-470B-BAAA-CCACA5490AFF}" type="presOf" srcId="{7D93751C-BEC0-4D02-AA5D-93E28284933D}" destId="{9D681FF1-248C-449D-AB0C-9320E94DB4DD}" srcOrd="0" destOrd="0" presId="urn:microsoft.com/office/officeart/2005/8/layout/hierarchy1"/>
+    <dgm:cxn modelId="{5A4511A4-C823-469A-8328-4385E233A5A7}" type="presOf" srcId="{D6D3A86B-216E-45D1-9CA5-C6649BB9A720}" destId="{25939682-0F75-4F9C-8051-F9CA987C3AA4}" srcOrd="0" destOrd="0" presId="urn:microsoft.com/office/officeart/2005/8/layout/hierarchy1"/>
+    <dgm:cxn modelId="{5B8ADDB1-DE34-4B49-AB0F-72609F5CA91A}" srcId="{9EB8CBF4-BDBB-4EB1-B578-90C9C2A944C7}" destId="{43AFE395-12CE-4B3F-B8EC-8C9CA119371A}" srcOrd="0" destOrd="0" parTransId="{4435DAC9-F2CA-4B95-BBBD-89EB5C885EDF}" sibTransId="{0CE8C6D2-66F6-484E-9798-29EE25D009D9}"/>
     <dgm:cxn modelId="{B288511C-6EE9-46FA-9F54-E40FBE303C8F}" type="presParOf" srcId="{4968D0F1-8C48-4D15-A761-F645D6AC924C}" destId="{6BEB0F83-8C32-4104-81F5-3D68D9DDDBF9}" srcOrd="0" destOrd="0" presId="urn:microsoft.com/office/officeart/2005/8/layout/hierarchy1"/>
     <dgm:cxn modelId="{56CA7531-2057-4FDE-B54B-C96ED2AF2275}" type="presParOf" srcId="{6BEB0F83-8C32-4104-81F5-3D68D9DDDBF9}" destId="{C27A89CD-1090-4473-85D5-86FEC4578979}" srcOrd="0" destOrd="0" presId="urn:microsoft.com/office/officeart/2005/8/layout/hierarchy1"/>
     <dgm:cxn modelId="{9FD592CD-D4A2-4F8C-912B-C7E1FF453988}" type="presParOf" srcId="{C27A89CD-1090-4473-85D5-86FEC4578979}" destId="{DBB89176-C448-45B1-8957-596501AFED78}" srcOrd="0" destOrd="0" presId="urn:microsoft.com/office/officeart/2005/8/layout/hierarchy1"/>
@@ -2526,6 +4138,13 @@
         </dgm:presLayoutVars>
       </dgm:prSet>
       <dgm:spPr/>
+      <dgm:t>
+        <a:bodyPr/>
+        <a:lstStyle/>
+        <a:p>
+          <a:endParaRPr lang="zh-CN" altLang="en-US"/>
+        </a:p>
+      </dgm:t>
     </dgm:pt>
     <dgm:pt modelId="{9C4444C7-5B4F-41FF-AD0C-27FD68682037}" type="pres">
       <dgm:prSet presAssocID="{431FD47C-21DF-4147-B72D-8202BFC981E3}" presName="hierFlow" presStyleCnt="0"/>
@@ -2556,6 +4175,13 @@
         </dgm:presLayoutVars>
       </dgm:prSet>
       <dgm:spPr/>
+      <dgm:t>
+        <a:bodyPr/>
+        <a:lstStyle/>
+        <a:p>
+          <a:endParaRPr lang="zh-CN" altLang="en-US"/>
+        </a:p>
+      </dgm:t>
     </dgm:pt>
     <dgm:pt modelId="{F2C1D026-8E91-4BCC-97CD-19932536EB86}" type="pres">
       <dgm:prSet presAssocID="{308EED72-B955-4909-9596-962A7B9E4BF0}" presName="hierChild2" presStyleCnt="0"/>
@@ -2564,6 +4190,13 @@
     <dgm:pt modelId="{D363D8BE-A8D0-43D2-88C9-6119156624E5}" type="pres">
       <dgm:prSet presAssocID="{4A792B34-B29F-4432-A207-0612E50F6A45}" presName="Name19" presStyleLbl="parChTrans1D2" presStyleIdx="0" presStyleCnt="3"/>
       <dgm:spPr/>
+      <dgm:t>
+        <a:bodyPr/>
+        <a:lstStyle/>
+        <a:p>
+          <a:endParaRPr lang="zh-CN" altLang="en-US"/>
+        </a:p>
+      </dgm:t>
     </dgm:pt>
     <dgm:pt modelId="{E0F2D691-A57D-4814-AE50-E7A1A6A404E2}" type="pres">
       <dgm:prSet presAssocID="{54C69B59-D2E4-48E7-AE76-271AA9856726}" presName="Name21" presStyleCnt="0"/>
@@ -2572,6 +4205,13 @@
     <dgm:pt modelId="{04E8B994-334C-4654-B5A5-924B5F8579EA}" type="pres">
       <dgm:prSet presAssocID="{54C69B59-D2E4-48E7-AE76-271AA9856726}" presName="level2Shape" presStyleLbl="node2" presStyleIdx="0" presStyleCnt="3" custScaleY="88811" custLinFactNeighborX="-47185" custLinFactNeighborY="91343"/>
       <dgm:spPr/>
+      <dgm:t>
+        <a:bodyPr/>
+        <a:lstStyle/>
+        <a:p>
+          <a:endParaRPr lang="zh-CN" altLang="en-US"/>
+        </a:p>
+      </dgm:t>
     </dgm:pt>
     <dgm:pt modelId="{D782D8FB-A1FF-4F64-978D-7FFCBF05676B}" type="pres">
       <dgm:prSet presAssocID="{54C69B59-D2E4-48E7-AE76-271AA9856726}" presName="hierChild3" presStyleCnt="0"/>
@@ -2580,6 +4220,13 @@
     <dgm:pt modelId="{ACEF6C2C-FC93-48BA-A5EE-5CE669C46889}" type="pres">
       <dgm:prSet presAssocID="{E467250F-F059-407C-BAF8-17DBA3D55F2D}" presName="Name19" presStyleLbl="parChTrans1D2" presStyleIdx="1" presStyleCnt="3"/>
       <dgm:spPr/>
+      <dgm:t>
+        <a:bodyPr/>
+        <a:lstStyle/>
+        <a:p>
+          <a:endParaRPr lang="zh-CN" altLang="en-US"/>
+        </a:p>
+      </dgm:t>
     </dgm:pt>
     <dgm:pt modelId="{2B539161-19C9-4954-9FC5-9E713F2EDC12}" type="pres">
       <dgm:prSet presAssocID="{354ACCF7-210E-426B-B076-9F9FE5E8BFC2}" presName="Name21" presStyleCnt="0"/>
@@ -2603,6 +4250,13 @@
     <dgm:pt modelId="{BABD95CC-38EE-4FB4-AA2D-FB2FF04048CA}" type="pres">
       <dgm:prSet presAssocID="{A570B297-9267-4C0D-8C3A-D2A487833FC6}" presName="Name19" presStyleLbl="parChTrans1D2" presStyleIdx="2" presStyleCnt="3"/>
       <dgm:spPr/>
+      <dgm:t>
+        <a:bodyPr/>
+        <a:lstStyle/>
+        <a:p>
+          <a:endParaRPr lang="zh-CN" altLang="en-US"/>
+        </a:p>
+      </dgm:t>
     </dgm:pt>
     <dgm:pt modelId="{9F30872E-0164-4D99-9BB3-4F25844B8C2E}" type="pres">
       <dgm:prSet presAssocID="{5927FEF3-1F2F-4B70-B910-913B48F2DE1F}" presName="Name21" presStyleCnt="0"/>
@@ -2697,23 +4351,23 @@
     </dgm:pt>
   </dgm:ptLst>
   <dgm:cxnLst>
+    <dgm:cxn modelId="{D26AFD39-CECA-4C6E-964D-E1B52394D8BE}" srcId="{308EED72-B955-4909-9596-962A7B9E4BF0}" destId="{54C69B59-D2E4-48E7-AE76-271AA9856726}" srcOrd="0" destOrd="0" parTransId="{4A792B34-B29F-4432-A207-0612E50F6A45}" sibTransId="{ED2D5B36-4487-481A-A54B-FD574AFB3A72}"/>
+    <dgm:cxn modelId="{C6B597A3-6500-4845-B80B-80905B1DD80D}" srcId="{431FD47C-21DF-4147-B72D-8202BFC981E3}" destId="{5452653C-363F-45FC-AFF7-959B58673B08}" srcOrd="1" destOrd="0" parTransId="{BFBE3122-0BDD-46A3-8931-81D356E8B201}" sibTransId="{E9BA1F5D-8E7E-4CB7-B6E6-EC98941C7002}"/>
+    <dgm:cxn modelId="{21DCBC05-87D5-49A5-9DDC-45BDA0BA8BC0}" srcId="{308EED72-B955-4909-9596-962A7B9E4BF0}" destId="{5927FEF3-1F2F-4B70-B910-913B48F2DE1F}" srcOrd="2" destOrd="0" parTransId="{A570B297-9267-4C0D-8C3A-D2A487833FC6}" sibTransId="{A181990E-B622-4D39-908F-F91EC2A20A35}"/>
+    <dgm:cxn modelId="{8B7EBB05-08AB-4100-AFB0-57089314C208}" srcId="{308EED72-B955-4909-9596-962A7B9E4BF0}" destId="{354ACCF7-210E-426B-B076-9F9FE5E8BFC2}" srcOrd="1" destOrd="0" parTransId="{E467250F-F059-407C-BAF8-17DBA3D55F2D}" sibTransId="{25872F95-77A8-4E24-B804-00142A0ECFEC}"/>
+    <dgm:cxn modelId="{78B9CF00-2373-45BD-9F5E-A03736A0BA4D}" type="presOf" srcId="{98351B23-3F89-4F34-9A3B-208E3B1AD018}" destId="{846B3BA7-0096-42B1-AEF5-818B99AAF7F9}" srcOrd="1" destOrd="0" presId="urn:microsoft.com/office/officeart/2005/8/layout/hierarchy6"/>
+    <dgm:cxn modelId="{0DA9B849-5A12-41AB-9B91-D0A3E102D5C8}" type="presOf" srcId="{A570B297-9267-4C0D-8C3A-D2A487833FC6}" destId="{BABD95CC-38EE-4FB4-AA2D-FB2FF04048CA}" srcOrd="0" destOrd="0" presId="urn:microsoft.com/office/officeart/2005/8/layout/hierarchy6"/>
+    <dgm:cxn modelId="{BE3E4E9B-C478-4E3C-A193-A0C53474618C}" type="presOf" srcId="{308EED72-B955-4909-9596-962A7B9E4BF0}" destId="{04D248C9-0B06-4B9B-A1E1-6EE653403F61}" srcOrd="0" destOrd="0" presId="urn:microsoft.com/office/officeart/2005/8/layout/hierarchy6"/>
+    <dgm:cxn modelId="{1F6DCD9B-802C-4715-85D3-2E8E7000E77B}" type="presOf" srcId="{5452653C-363F-45FC-AFF7-959B58673B08}" destId="{D15C4938-1ED4-4239-B5D7-F45053C3E9A3}" srcOrd="1" destOrd="0" presId="urn:microsoft.com/office/officeart/2005/8/layout/hierarchy6"/>
+    <dgm:cxn modelId="{F8BF9C11-0CF2-48E0-BCBA-F53443122BB6}" srcId="{431FD47C-21DF-4147-B72D-8202BFC981E3}" destId="{98351B23-3F89-4F34-9A3B-208E3B1AD018}" srcOrd="2" destOrd="0" parTransId="{16306997-46A9-4F51-9E51-38774671F07E}" sibTransId="{AA125E8B-B902-4C48-B9FC-847F6BDD3DC6}"/>
+    <dgm:cxn modelId="{E5DED8DE-CC04-440F-81FC-51AFC3B15C98}" type="presOf" srcId="{5452653C-363F-45FC-AFF7-959B58673B08}" destId="{A6E666FF-E70B-4540-855A-AFBB537B9327}" srcOrd="0" destOrd="0" presId="urn:microsoft.com/office/officeart/2005/8/layout/hierarchy6"/>
+    <dgm:cxn modelId="{D3280BC1-56D2-4A2F-A551-E9987550A119}" type="presOf" srcId="{54C69B59-D2E4-48E7-AE76-271AA9856726}" destId="{04E8B994-334C-4654-B5A5-924B5F8579EA}" srcOrd="0" destOrd="0" presId="urn:microsoft.com/office/officeart/2005/8/layout/hierarchy6"/>
+    <dgm:cxn modelId="{46C306AC-76E2-424C-BA17-7D8056C26534}" type="presOf" srcId="{5927FEF3-1F2F-4B70-B910-913B48F2DE1F}" destId="{901F9022-E967-4255-9BBD-A4D9FD098E23}" srcOrd="0" destOrd="0" presId="urn:microsoft.com/office/officeart/2005/8/layout/hierarchy6"/>
     <dgm:cxn modelId="{7E13AB0E-9720-49A7-ACF1-F0F0D4A3BB7E}" type="presOf" srcId="{4A792B34-B29F-4432-A207-0612E50F6A45}" destId="{D363D8BE-A8D0-43D2-88C9-6119156624E5}" srcOrd="0" destOrd="0" presId="urn:microsoft.com/office/officeart/2005/8/layout/hierarchy6"/>
-    <dgm:cxn modelId="{F8BF9C11-0CF2-48E0-BCBA-F53443122BB6}" srcId="{431FD47C-21DF-4147-B72D-8202BFC981E3}" destId="{98351B23-3F89-4F34-9A3B-208E3B1AD018}" srcOrd="2" destOrd="0" parTransId="{16306997-46A9-4F51-9E51-38774671F07E}" sibTransId="{AA125E8B-B902-4C48-B9FC-847F6BDD3DC6}"/>
-    <dgm:cxn modelId="{21DCBC05-87D5-49A5-9DDC-45BDA0BA8BC0}" srcId="{308EED72-B955-4909-9596-962A7B9E4BF0}" destId="{5927FEF3-1F2F-4B70-B910-913B48F2DE1F}" srcOrd="2" destOrd="0" parTransId="{A570B297-9267-4C0D-8C3A-D2A487833FC6}" sibTransId="{A181990E-B622-4D39-908F-F91EC2A20A35}"/>
-    <dgm:cxn modelId="{E5DED8DE-CC04-440F-81FC-51AFC3B15C98}" type="presOf" srcId="{5452653C-363F-45FC-AFF7-959B58673B08}" destId="{A6E666FF-E70B-4540-855A-AFBB537B9327}" srcOrd="0" destOrd="0" presId="urn:microsoft.com/office/officeart/2005/8/layout/hierarchy6"/>
-    <dgm:cxn modelId="{46C306AC-76E2-424C-BA17-7D8056C26534}" type="presOf" srcId="{5927FEF3-1F2F-4B70-B910-913B48F2DE1F}" destId="{901F9022-E967-4255-9BBD-A4D9FD098E23}" srcOrd="0" destOrd="0" presId="urn:microsoft.com/office/officeart/2005/8/layout/hierarchy6"/>
-    <dgm:cxn modelId="{1F6DCD9B-802C-4715-85D3-2E8E7000E77B}" type="presOf" srcId="{5452653C-363F-45FC-AFF7-959B58673B08}" destId="{D15C4938-1ED4-4239-B5D7-F45053C3E9A3}" srcOrd="1" destOrd="0" presId="urn:microsoft.com/office/officeart/2005/8/layout/hierarchy6"/>
+    <dgm:cxn modelId="{9B2A9731-2485-48C8-8B42-97DF45B818D3}" type="presOf" srcId="{431FD47C-21DF-4147-B72D-8202BFC981E3}" destId="{65456A9F-7391-450D-B61E-5311232CFD7B}" srcOrd="0" destOrd="0" presId="urn:microsoft.com/office/officeart/2005/8/layout/hierarchy6"/>
+    <dgm:cxn modelId="{C5B7E2D7-4C4D-4332-9AF0-380AE87054A7}" srcId="{431FD47C-21DF-4147-B72D-8202BFC981E3}" destId="{308EED72-B955-4909-9596-962A7B9E4BF0}" srcOrd="0" destOrd="0" parTransId="{FCAFE860-7D0D-4B11-AE61-97609090E92E}" sibTransId="{11AD264B-7D7C-4B34-B6A0-73B2EB012A49}"/>
+    <dgm:cxn modelId="{A384BBB8-9D02-4E07-99A3-14D92000ABD4}" type="presOf" srcId="{354ACCF7-210E-426B-B076-9F9FE5E8BFC2}" destId="{A444287F-FB55-461E-8FFD-3E7B296DA7E0}" srcOrd="0" destOrd="0" presId="urn:microsoft.com/office/officeart/2005/8/layout/hierarchy6"/>
     <dgm:cxn modelId="{12DE6061-A9D2-49A5-9F95-5C935ABA2A82}" type="presOf" srcId="{98351B23-3F89-4F34-9A3B-208E3B1AD018}" destId="{1A05406C-8B0B-4968-990B-0DB4B544163E}" srcOrd="0" destOrd="0" presId="urn:microsoft.com/office/officeart/2005/8/layout/hierarchy6"/>
-    <dgm:cxn modelId="{9B2A9731-2485-48C8-8B42-97DF45B818D3}" type="presOf" srcId="{431FD47C-21DF-4147-B72D-8202BFC981E3}" destId="{65456A9F-7391-450D-B61E-5311232CFD7B}" srcOrd="0" destOrd="0" presId="urn:microsoft.com/office/officeart/2005/8/layout/hierarchy6"/>
-    <dgm:cxn modelId="{BE3E4E9B-C478-4E3C-A193-A0C53474618C}" type="presOf" srcId="{308EED72-B955-4909-9596-962A7B9E4BF0}" destId="{04D248C9-0B06-4B9B-A1E1-6EE653403F61}" srcOrd="0" destOrd="0" presId="urn:microsoft.com/office/officeart/2005/8/layout/hierarchy6"/>
-    <dgm:cxn modelId="{C5B7E2D7-4C4D-4332-9AF0-380AE87054A7}" srcId="{431FD47C-21DF-4147-B72D-8202BFC981E3}" destId="{308EED72-B955-4909-9596-962A7B9E4BF0}" srcOrd="0" destOrd="0" parTransId="{FCAFE860-7D0D-4B11-AE61-97609090E92E}" sibTransId="{11AD264B-7D7C-4B34-B6A0-73B2EB012A49}"/>
-    <dgm:cxn modelId="{C6B597A3-6500-4845-B80B-80905B1DD80D}" srcId="{431FD47C-21DF-4147-B72D-8202BFC981E3}" destId="{5452653C-363F-45FC-AFF7-959B58673B08}" srcOrd="1" destOrd="0" parTransId="{BFBE3122-0BDD-46A3-8931-81D356E8B201}" sibTransId="{E9BA1F5D-8E7E-4CB7-B6E6-EC98941C7002}"/>
-    <dgm:cxn modelId="{0DA9B849-5A12-41AB-9B91-D0A3E102D5C8}" type="presOf" srcId="{A570B297-9267-4C0D-8C3A-D2A487833FC6}" destId="{BABD95CC-38EE-4FB4-AA2D-FB2FF04048CA}" srcOrd="0" destOrd="0" presId="urn:microsoft.com/office/officeart/2005/8/layout/hierarchy6"/>
-    <dgm:cxn modelId="{D26AFD39-CECA-4C6E-964D-E1B52394D8BE}" srcId="{308EED72-B955-4909-9596-962A7B9E4BF0}" destId="{54C69B59-D2E4-48E7-AE76-271AA9856726}" srcOrd="0" destOrd="0" parTransId="{4A792B34-B29F-4432-A207-0612E50F6A45}" sibTransId="{ED2D5B36-4487-481A-A54B-FD574AFB3A72}"/>
-    <dgm:cxn modelId="{78B9CF00-2373-45BD-9F5E-A03736A0BA4D}" type="presOf" srcId="{98351B23-3F89-4F34-9A3B-208E3B1AD018}" destId="{846B3BA7-0096-42B1-AEF5-818B99AAF7F9}" srcOrd="1" destOrd="0" presId="urn:microsoft.com/office/officeart/2005/8/layout/hierarchy6"/>
-    <dgm:cxn modelId="{A384BBB8-9D02-4E07-99A3-14D92000ABD4}" type="presOf" srcId="{354ACCF7-210E-426B-B076-9F9FE5E8BFC2}" destId="{A444287F-FB55-461E-8FFD-3E7B296DA7E0}" srcOrd="0" destOrd="0" presId="urn:microsoft.com/office/officeart/2005/8/layout/hierarchy6"/>
-    <dgm:cxn modelId="{8B7EBB05-08AB-4100-AFB0-57089314C208}" srcId="{308EED72-B955-4909-9596-962A7B9E4BF0}" destId="{354ACCF7-210E-426B-B076-9F9FE5E8BFC2}" srcOrd="1" destOrd="0" parTransId="{E467250F-F059-407C-BAF8-17DBA3D55F2D}" sibTransId="{25872F95-77A8-4E24-B804-00142A0ECFEC}"/>
-    <dgm:cxn modelId="{D3280BC1-56D2-4A2F-A551-E9987550A119}" type="presOf" srcId="{54C69B59-D2E4-48E7-AE76-271AA9856726}" destId="{04E8B994-334C-4654-B5A5-924B5F8579EA}" srcOrd="0" destOrd="0" presId="urn:microsoft.com/office/officeart/2005/8/layout/hierarchy6"/>
     <dgm:cxn modelId="{E47F9A45-53A8-4BDF-A188-76F21D7ADFC1}" type="presOf" srcId="{E467250F-F059-407C-BAF8-17DBA3D55F2D}" destId="{ACEF6C2C-FC93-48BA-A5EE-5CE669C46889}" srcOrd="0" destOrd="0" presId="urn:microsoft.com/office/officeart/2005/8/layout/hierarchy6"/>
     <dgm:cxn modelId="{8F691FCA-E5CA-48B5-A233-077CC61993DB}" type="presParOf" srcId="{65456A9F-7391-450D-B61E-5311232CFD7B}" destId="{9C4444C7-5B4F-41FF-AD0C-27FD68682037}" srcOrd="0" destOrd="0" presId="urn:microsoft.com/office/officeart/2005/8/layout/hierarchy6"/>
     <dgm:cxn modelId="{5D28DBEE-56E6-4D57-A8F2-189951A76B27}" type="presParOf" srcId="{9C4444C7-5B4F-41FF-AD0C-27FD68682037}" destId="{17A9FB45-9CE1-46A0-806F-E44216830BB8}" srcOrd="0" destOrd="0" presId="urn:microsoft.com/office/officeart/2005/8/layout/hierarchy6"/>
@@ -2753,6 +4407,453 @@
 </dgm:dataModel>
 </file>
 
+<file path=ppt/diagrams/data3.xml><?xml version="1.0" encoding="utf-8"?>
+<dgm:dataModel xmlns:dgm="http://schemas.openxmlformats.org/drawingml/2006/diagram" xmlns:a="http://schemas.openxmlformats.org/drawingml/2006/main">
+  <dgm:ptLst>
+    <dgm:pt modelId="{5CE571E2-139B-4BC5-80BB-E99E6D4173E4}" type="doc">
+      <dgm:prSet loTypeId="urn:microsoft.com/office/officeart/2005/8/layout/process1" loCatId="process" qsTypeId="urn:microsoft.com/office/officeart/2005/8/quickstyle/simple1" qsCatId="simple" csTypeId="urn:microsoft.com/office/officeart/2005/8/colors/accent1_2" csCatId="accent1" phldr="1"/>
+      <dgm:spPr/>
+    </dgm:pt>
+    <dgm:pt modelId="{FA81762F-EFEC-4201-93A9-7DB2C0A80C72}">
+      <dgm:prSet phldrT="[文本]"/>
+      <dgm:spPr/>
+      <dgm:t>
+        <a:bodyPr/>
+        <a:lstStyle/>
+        <a:p>
+          <a:pPr algn="l"/>
+          <a:r>
+            <a:rPr lang="en-US" altLang="zh-CN" dirty="0" smtClean="0"/>
+            <a:t>Input (String) :</a:t>
+          </a:r>
+        </a:p>
+        <a:p>
+          <a:pPr algn="l"/>
+          <a:r>
+            <a:rPr lang="en-US" altLang="zh-CN" dirty="0" smtClean="0"/>
+            <a:t>Id</a:t>
+          </a:r>
+        </a:p>
+        <a:p>
+          <a:pPr algn="l"/>
+          <a:r>
+            <a:rPr lang="en-US" altLang="zh-CN" dirty="0" err="1" smtClean="0"/>
+            <a:t>TagName</a:t>
+          </a:r>
+          <a:endParaRPr lang="en-US" altLang="zh-CN" dirty="0" smtClean="0"/>
+        </a:p>
+        <a:p>
+          <a:pPr algn="l"/>
+          <a:r>
+            <a:rPr lang="en-US" altLang="zh-CN" dirty="0" err="1" smtClean="0"/>
+            <a:t>ClassName</a:t>
+          </a:r>
+          <a:endParaRPr lang="en-US" altLang="zh-CN" dirty="0" smtClean="0"/>
+        </a:p>
+      </dgm:t>
+    </dgm:pt>
+    <dgm:pt modelId="{DF42B353-4ED8-4612-9C37-1BADCD1F3652}" type="parTrans" cxnId="{928E5F7E-B9C0-4AD4-8564-CA1F54EEE3AF}">
+      <dgm:prSet/>
+      <dgm:spPr/>
+      <dgm:t>
+        <a:bodyPr/>
+        <a:lstStyle/>
+        <a:p>
+          <a:endParaRPr lang="zh-CN" altLang="en-US"/>
+        </a:p>
+      </dgm:t>
+    </dgm:pt>
+    <dgm:pt modelId="{6D5E8AF2-DC18-43E9-BC39-8804D50976E3}" type="sibTrans" cxnId="{928E5F7E-B9C0-4AD4-8564-CA1F54EEE3AF}">
+      <dgm:prSet/>
+      <dgm:spPr/>
+      <dgm:t>
+        <a:bodyPr/>
+        <a:lstStyle/>
+        <a:p>
+          <a:endParaRPr lang="zh-CN" altLang="en-US"/>
+        </a:p>
+      </dgm:t>
+    </dgm:pt>
+    <dgm:pt modelId="{781644AF-BE97-4438-A642-3C6E129C8C61}">
+      <dgm:prSet phldrT="[文本]"/>
+      <dgm:spPr/>
+      <dgm:t>
+        <a:bodyPr/>
+        <a:lstStyle/>
+        <a:p>
+          <a:pPr algn="l"/>
+          <a:r>
+            <a:rPr lang="en-US" altLang="zh-CN" dirty="0" smtClean="0"/>
+            <a:t>Output(Element -&gt;Object)</a:t>
+          </a:r>
+        </a:p>
+        <a:p>
+          <a:pPr algn="l"/>
+          <a:r>
+            <a:rPr lang="en-US" altLang="zh-CN" dirty="0" err="1" smtClean="0"/>
+            <a:t>HTMLElement</a:t>
+          </a:r>
+          <a:endParaRPr lang="en-US" altLang="zh-CN" dirty="0" smtClean="0"/>
+        </a:p>
+        <a:p>
+          <a:pPr algn="l"/>
+          <a:r>
+            <a:rPr lang="en-US" altLang="zh-CN" dirty="0" err="1" smtClean="0"/>
+            <a:t>HTMLCollection</a:t>
+          </a:r>
+          <a:endParaRPr lang="zh-CN" altLang="en-US" dirty="0"/>
+        </a:p>
+      </dgm:t>
+    </dgm:pt>
+    <dgm:pt modelId="{4A0423BA-9EF3-4D4B-928C-922DA5B81BBA}" type="parTrans" cxnId="{FA1DF1DE-9E3E-41A6-B4B4-90804361517D}">
+      <dgm:prSet/>
+      <dgm:spPr/>
+      <dgm:t>
+        <a:bodyPr/>
+        <a:lstStyle/>
+        <a:p>
+          <a:endParaRPr lang="zh-CN" altLang="en-US"/>
+        </a:p>
+      </dgm:t>
+    </dgm:pt>
+    <dgm:pt modelId="{A6134F86-939A-4347-AE9D-494B9D0AD316}" type="sibTrans" cxnId="{FA1DF1DE-9E3E-41A6-B4B4-90804361517D}">
+      <dgm:prSet/>
+      <dgm:spPr/>
+      <dgm:t>
+        <a:bodyPr/>
+        <a:lstStyle/>
+        <a:p>
+          <a:endParaRPr lang="zh-CN" altLang="en-US"/>
+        </a:p>
+      </dgm:t>
+    </dgm:pt>
+    <dgm:pt modelId="{CBD4E730-CA7F-41A4-B25F-50E4FFCDD5E7}" type="pres">
+      <dgm:prSet presAssocID="{5CE571E2-139B-4BC5-80BB-E99E6D4173E4}" presName="Name0" presStyleCnt="0">
+        <dgm:presLayoutVars>
+          <dgm:dir/>
+          <dgm:resizeHandles val="exact"/>
+        </dgm:presLayoutVars>
+      </dgm:prSet>
+      <dgm:spPr/>
+    </dgm:pt>
+    <dgm:pt modelId="{CCC8D5FE-3789-418C-947C-91C6B8D6C121}" type="pres">
+      <dgm:prSet presAssocID="{FA81762F-EFEC-4201-93A9-7DB2C0A80C72}" presName="node" presStyleLbl="node1" presStyleIdx="0" presStyleCnt="2">
+        <dgm:presLayoutVars>
+          <dgm:bulletEnabled val="1"/>
+        </dgm:presLayoutVars>
+      </dgm:prSet>
+      <dgm:spPr/>
+      <dgm:t>
+        <a:bodyPr/>
+        <a:lstStyle/>
+        <a:p>
+          <a:endParaRPr lang="zh-CN" altLang="en-US"/>
+        </a:p>
+      </dgm:t>
+    </dgm:pt>
+    <dgm:pt modelId="{A8C3466D-9FDB-492A-82D5-D2EB066D1CA3}" type="pres">
+      <dgm:prSet presAssocID="{6D5E8AF2-DC18-43E9-BC39-8804D50976E3}" presName="sibTrans" presStyleLbl="sibTrans2D1" presStyleIdx="0" presStyleCnt="1"/>
+      <dgm:spPr/>
+    </dgm:pt>
+    <dgm:pt modelId="{4EE3C5CB-14AD-4578-8581-606819B562D0}" type="pres">
+      <dgm:prSet presAssocID="{6D5E8AF2-DC18-43E9-BC39-8804D50976E3}" presName="connectorText" presStyleLbl="sibTrans2D1" presStyleIdx="0" presStyleCnt="1"/>
+      <dgm:spPr/>
+    </dgm:pt>
+    <dgm:pt modelId="{E50952FC-FE36-494B-AE43-799E1CB2A002}" type="pres">
+      <dgm:prSet presAssocID="{781644AF-BE97-4438-A642-3C6E129C8C61}" presName="node" presStyleLbl="node1" presStyleIdx="1" presStyleCnt="2" custScaleX="133342">
+        <dgm:presLayoutVars>
+          <dgm:bulletEnabled val="1"/>
+        </dgm:presLayoutVars>
+      </dgm:prSet>
+      <dgm:spPr/>
+      <dgm:t>
+        <a:bodyPr/>
+        <a:lstStyle/>
+        <a:p>
+          <a:endParaRPr lang="zh-CN" altLang="en-US"/>
+        </a:p>
+      </dgm:t>
+    </dgm:pt>
+  </dgm:ptLst>
+  <dgm:cxnLst>
+    <dgm:cxn modelId="{02CB2CF1-5EA5-4497-A4CD-D88C1E9B6D57}" type="presOf" srcId="{6D5E8AF2-DC18-43E9-BC39-8804D50976E3}" destId="{4EE3C5CB-14AD-4578-8581-606819B562D0}" srcOrd="1" destOrd="0" presId="urn:microsoft.com/office/officeart/2005/8/layout/process1"/>
+    <dgm:cxn modelId="{21A02F5F-CFB6-4245-AD54-650B5E41C133}" type="presOf" srcId="{6D5E8AF2-DC18-43E9-BC39-8804D50976E3}" destId="{A8C3466D-9FDB-492A-82D5-D2EB066D1CA3}" srcOrd="0" destOrd="0" presId="urn:microsoft.com/office/officeart/2005/8/layout/process1"/>
+    <dgm:cxn modelId="{928E5F7E-B9C0-4AD4-8564-CA1F54EEE3AF}" srcId="{5CE571E2-139B-4BC5-80BB-E99E6D4173E4}" destId="{FA81762F-EFEC-4201-93A9-7DB2C0A80C72}" srcOrd="0" destOrd="0" parTransId="{DF42B353-4ED8-4612-9C37-1BADCD1F3652}" sibTransId="{6D5E8AF2-DC18-43E9-BC39-8804D50976E3}"/>
+    <dgm:cxn modelId="{5AF9CDE0-4205-4353-A3AA-38DC3A2A059B}" type="presOf" srcId="{FA81762F-EFEC-4201-93A9-7DB2C0A80C72}" destId="{CCC8D5FE-3789-418C-947C-91C6B8D6C121}" srcOrd="0" destOrd="0" presId="urn:microsoft.com/office/officeart/2005/8/layout/process1"/>
+    <dgm:cxn modelId="{0349E4A4-FE9A-47FA-8926-C548B431D083}" type="presOf" srcId="{781644AF-BE97-4438-A642-3C6E129C8C61}" destId="{E50952FC-FE36-494B-AE43-799E1CB2A002}" srcOrd="0" destOrd="0" presId="urn:microsoft.com/office/officeart/2005/8/layout/process1"/>
+    <dgm:cxn modelId="{875E18B8-EDFC-477E-B04D-C48EFD7AA30A}" type="presOf" srcId="{5CE571E2-139B-4BC5-80BB-E99E6D4173E4}" destId="{CBD4E730-CA7F-41A4-B25F-50E4FFCDD5E7}" srcOrd="0" destOrd="0" presId="urn:microsoft.com/office/officeart/2005/8/layout/process1"/>
+    <dgm:cxn modelId="{FA1DF1DE-9E3E-41A6-B4B4-90804361517D}" srcId="{5CE571E2-139B-4BC5-80BB-E99E6D4173E4}" destId="{781644AF-BE97-4438-A642-3C6E129C8C61}" srcOrd="1" destOrd="0" parTransId="{4A0423BA-9EF3-4D4B-928C-922DA5B81BBA}" sibTransId="{A6134F86-939A-4347-AE9D-494B9D0AD316}"/>
+    <dgm:cxn modelId="{3900BF88-ECA0-429E-BA42-502BF5FCF7A7}" type="presParOf" srcId="{CBD4E730-CA7F-41A4-B25F-50E4FFCDD5E7}" destId="{CCC8D5FE-3789-418C-947C-91C6B8D6C121}" srcOrd="0" destOrd="0" presId="urn:microsoft.com/office/officeart/2005/8/layout/process1"/>
+    <dgm:cxn modelId="{5C0A50DD-465D-4C2B-BAAD-95C1BA1B9AB7}" type="presParOf" srcId="{CBD4E730-CA7F-41A4-B25F-50E4FFCDD5E7}" destId="{A8C3466D-9FDB-492A-82D5-D2EB066D1CA3}" srcOrd="1" destOrd="0" presId="urn:microsoft.com/office/officeart/2005/8/layout/process1"/>
+    <dgm:cxn modelId="{9D74583D-E14B-46BE-9C92-3EBBF2FFCDE9}" type="presParOf" srcId="{A8C3466D-9FDB-492A-82D5-D2EB066D1CA3}" destId="{4EE3C5CB-14AD-4578-8581-606819B562D0}" srcOrd="0" destOrd="0" presId="urn:microsoft.com/office/officeart/2005/8/layout/process1"/>
+    <dgm:cxn modelId="{0193B7E1-8109-4CFF-B8E6-8E8ECC6E7A09}" type="presParOf" srcId="{CBD4E730-CA7F-41A4-B25F-50E4FFCDD5E7}" destId="{E50952FC-FE36-494B-AE43-799E1CB2A002}" srcOrd="2" destOrd="0" presId="urn:microsoft.com/office/officeart/2005/8/layout/process1"/>
+  </dgm:cxnLst>
+  <dgm:bg/>
+  <dgm:whole/>
+  <dgm:extLst>
+    <a:ext uri="http://schemas.microsoft.com/office/drawing/2008/diagram">
+      <dsp:dataModelExt xmlns:dsp="http://schemas.microsoft.com/office/drawing/2008/diagram" relId="rId7" minVer="http://schemas.openxmlformats.org/drawingml/2006/diagram"/>
+    </a:ext>
+  </dgm:extLst>
+</dgm:dataModel>
+</file>
+
+<file path=ppt/diagrams/data4.xml><?xml version="1.0" encoding="utf-8"?>
+<dgm:dataModel xmlns:dgm="http://schemas.openxmlformats.org/drawingml/2006/diagram" xmlns:a="http://schemas.openxmlformats.org/drawingml/2006/main">
+  <dgm:ptLst>
+    <dgm:pt modelId="{4C80E244-57EB-414C-AA67-D645465BCF19}" type="doc">
+      <dgm:prSet loTypeId="urn:microsoft.com/office/officeart/2005/8/layout/rings+Icon" loCatId="officeonline" qsTypeId="urn:microsoft.com/office/officeart/2005/8/quickstyle/simple1" qsCatId="simple" csTypeId="urn:microsoft.com/office/officeart/2005/8/colors/accent1_2" csCatId="accent1" phldr="1"/>
+      <dgm:spPr/>
+    </dgm:pt>
+    <dgm:pt modelId="{9D8FAAC9-EB0E-429E-9E0A-8EF7D163A341}">
+      <dgm:prSet phldrT="[文本]"/>
+      <dgm:spPr>
+        <a:solidFill>
+          <a:schemeClr val="accent2">
+            <a:lumMod val="75000"/>
+            <a:alpha val="50000"/>
+          </a:schemeClr>
+        </a:solidFill>
+      </dgm:spPr>
+      <dgm:t>
+        <a:bodyPr/>
+        <a:lstStyle/>
+        <a:p>
+          <a:endParaRPr lang="zh-CN" altLang="en-US" dirty="0"/>
+        </a:p>
+      </dgm:t>
+    </dgm:pt>
+    <dgm:pt modelId="{8184192C-0991-4B1F-8199-6192D866A7A7}" type="parTrans" cxnId="{102F00C7-69F4-4034-AEB9-1715E68031EA}">
+      <dgm:prSet/>
+      <dgm:spPr/>
+      <dgm:t>
+        <a:bodyPr/>
+        <a:lstStyle/>
+        <a:p>
+          <a:endParaRPr lang="zh-CN" altLang="en-US"/>
+        </a:p>
+      </dgm:t>
+    </dgm:pt>
+    <dgm:pt modelId="{210F0275-FD3E-475C-A96F-E54C198A6DF6}" type="sibTrans" cxnId="{102F00C7-69F4-4034-AEB9-1715E68031EA}">
+      <dgm:prSet/>
+      <dgm:spPr/>
+      <dgm:t>
+        <a:bodyPr/>
+        <a:lstStyle/>
+        <a:p>
+          <a:endParaRPr lang="zh-CN" altLang="en-US"/>
+        </a:p>
+      </dgm:t>
+    </dgm:pt>
+    <dgm:pt modelId="{FE1E1DB4-1B7E-495A-9024-358CBC053966}">
+      <dgm:prSet phldrT="[文本]"/>
+      <dgm:spPr/>
+      <dgm:t>
+        <a:bodyPr/>
+        <a:lstStyle/>
+        <a:p>
+          <a:r>
+            <a:rPr lang="en-US" altLang="zh-CN" dirty="0" err="1" smtClean="0"/>
+            <a:t>HTMLCollection</a:t>
+          </a:r>
+          <a:endParaRPr lang="zh-CN" altLang="en-US" dirty="0"/>
+        </a:p>
+      </dgm:t>
+    </dgm:pt>
+    <dgm:pt modelId="{A974D679-F4A8-43A9-8780-5A4146521F24}" type="parTrans" cxnId="{B06282EA-87A9-47FC-AA9E-868017EA4DE1}">
+      <dgm:prSet/>
+      <dgm:spPr/>
+      <dgm:t>
+        <a:bodyPr/>
+        <a:lstStyle/>
+        <a:p>
+          <a:endParaRPr lang="zh-CN" altLang="en-US"/>
+        </a:p>
+      </dgm:t>
+    </dgm:pt>
+    <dgm:pt modelId="{673E1FE9-4755-4D4C-9593-1DBB36FB135E}" type="sibTrans" cxnId="{B06282EA-87A9-47FC-AA9E-868017EA4DE1}">
+      <dgm:prSet/>
+      <dgm:spPr/>
+      <dgm:t>
+        <a:bodyPr/>
+        <a:lstStyle/>
+        <a:p>
+          <a:endParaRPr lang="zh-CN" altLang="en-US"/>
+        </a:p>
+      </dgm:t>
+    </dgm:pt>
+    <dgm:pt modelId="{52F7C45A-4BE6-4B3E-A7E8-C377C1A6B492}">
+      <dgm:prSet phldrT="[文本]"/>
+      <dgm:spPr>
+        <a:solidFill>
+          <a:schemeClr val="tx2">
+            <a:alpha val="50000"/>
+          </a:schemeClr>
+        </a:solidFill>
+      </dgm:spPr>
+      <dgm:t>
+        <a:bodyPr/>
+        <a:lstStyle/>
+        <a:p>
+          <a:endParaRPr lang="zh-CN" altLang="en-US" dirty="0"/>
+        </a:p>
+      </dgm:t>
+    </dgm:pt>
+    <dgm:pt modelId="{C261DBF0-CFD9-491C-B58F-FFADC42B3360}" type="sibTrans" cxnId="{490EDE82-2C1F-4AAA-8282-7A4990535F50}">
+      <dgm:prSet/>
+      <dgm:spPr/>
+      <dgm:t>
+        <a:bodyPr/>
+        <a:lstStyle/>
+        <a:p>
+          <a:endParaRPr lang="zh-CN" altLang="en-US"/>
+        </a:p>
+      </dgm:t>
+    </dgm:pt>
+    <dgm:pt modelId="{EBFE23BB-D789-473E-8772-2FC55B093D5A}" type="parTrans" cxnId="{490EDE82-2C1F-4AAA-8282-7A4990535F50}">
+      <dgm:prSet/>
+      <dgm:spPr/>
+      <dgm:t>
+        <a:bodyPr/>
+        <a:lstStyle/>
+        <a:p>
+          <a:endParaRPr lang="zh-CN" altLang="en-US"/>
+        </a:p>
+      </dgm:t>
+    </dgm:pt>
+    <dgm:pt modelId="{A1BFB13F-4DC1-451F-8A20-078EF3353586}">
+      <dgm:prSet phldrT="[文本]"/>
+      <dgm:spPr>
+        <a:solidFill>
+          <a:schemeClr val="accent4">
+            <a:lumMod val="75000"/>
+            <a:alpha val="50000"/>
+          </a:schemeClr>
+        </a:solidFill>
+      </dgm:spPr>
+      <dgm:t>
+        <a:bodyPr/>
+        <a:lstStyle/>
+        <a:p>
+          <a:r>
+            <a:rPr lang="en-US" altLang="zh-CN" dirty="0" smtClean="0"/>
+            <a:t>element</a:t>
+          </a:r>
+          <a:endParaRPr lang="zh-CN" altLang="en-US" dirty="0"/>
+        </a:p>
+      </dgm:t>
+    </dgm:pt>
+    <dgm:pt modelId="{612F579B-21FB-4F80-A5A8-F27A9DC35489}" type="parTrans" cxnId="{70275711-E856-4014-AD8F-D9951D66F29E}">
+      <dgm:prSet/>
+      <dgm:spPr/>
+      <dgm:t>
+        <a:bodyPr/>
+        <a:lstStyle/>
+        <a:p>
+          <a:endParaRPr lang="zh-CN" altLang="en-US"/>
+        </a:p>
+      </dgm:t>
+    </dgm:pt>
+    <dgm:pt modelId="{5AEBE5C1-EEC1-4726-A5F9-3A5912BB5204}" type="sibTrans" cxnId="{70275711-E856-4014-AD8F-D9951D66F29E}">
+      <dgm:prSet/>
+      <dgm:spPr/>
+      <dgm:t>
+        <a:bodyPr/>
+        <a:lstStyle/>
+        <a:p>
+          <a:endParaRPr lang="zh-CN" altLang="en-US"/>
+        </a:p>
+      </dgm:t>
+    </dgm:pt>
+    <dgm:pt modelId="{1F8E8F38-204D-460D-BC31-88E455289862}" type="pres">
+      <dgm:prSet presAssocID="{4C80E244-57EB-414C-AA67-D645465BCF19}" presName="Name0" presStyleCnt="0">
+        <dgm:presLayoutVars>
+          <dgm:chMax val="7"/>
+          <dgm:dir/>
+          <dgm:resizeHandles val="exact"/>
+        </dgm:presLayoutVars>
+      </dgm:prSet>
+      <dgm:spPr/>
+    </dgm:pt>
+    <dgm:pt modelId="{81D08FBC-EF12-411A-B68D-41FA279F254D}" type="pres">
+      <dgm:prSet presAssocID="{4C80E244-57EB-414C-AA67-D645465BCF19}" presName="ellipse1" presStyleLbl="vennNode1" presStyleIdx="0" presStyleCnt="4" custScaleX="143606" custScaleY="143606" custLinFactNeighborX="19383" custLinFactNeighborY="26225">
+        <dgm:presLayoutVars>
+          <dgm:bulletEnabled val="1"/>
+        </dgm:presLayoutVars>
+      </dgm:prSet>
+      <dgm:spPr/>
+      <dgm:t>
+        <a:bodyPr/>
+        <a:lstStyle/>
+        <a:p>
+          <a:endParaRPr lang="zh-CN" altLang="en-US"/>
+        </a:p>
+      </dgm:t>
+    </dgm:pt>
+    <dgm:pt modelId="{330065FC-D52F-44F0-A3CA-661156F3B934}" type="pres">
+      <dgm:prSet presAssocID="{4C80E244-57EB-414C-AA67-D645465BCF19}" presName="ellipse2" presStyleLbl="vennNode1" presStyleIdx="1" presStyleCnt="4" custScaleX="94215" custScaleY="96531" custLinFactNeighborX="91015" custLinFactNeighborY="-38511">
+        <dgm:presLayoutVars>
+          <dgm:bulletEnabled val="1"/>
+        </dgm:presLayoutVars>
+      </dgm:prSet>
+      <dgm:spPr/>
+      <dgm:t>
+        <a:bodyPr/>
+        <a:lstStyle/>
+        <a:p>
+          <a:endParaRPr lang="zh-CN" altLang="en-US"/>
+        </a:p>
+      </dgm:t>
+    </dgm:pt>
+    <dgm:pt modelId="{63FDA054-3AA1-4301-8ACB-2C1501CD958B}" type="pres">
+      <dgm:prSet presAssocID="{4C80E244-57EB-414C-AA67-D645465BCF19}" presName="ellipse3" presStyleLbl="vennNode1" presStyleIdx="2" presStyleCnt="4" custScaleX="60963" custScaleY="62464" custLinFactNeighborX="31586" custLinFactNeighborY="36648">
+        <dgm:presLayoutVars>
+          <dgm:bulletEnabled val="1"/>
+        </dgm:presLayoutVars>
+      </dgm:prSet>
+      <dgm:spPr/>
+    </dgm:pt>
+    <dgm:pt modelId="{88FE8CBF-5FE3-4379-A4DA-9F872F996F13}" type="pres">
+      <dgm:prSet presAssocID="{4C80E244-57EB-414C-AA67-D645465BCF19}" presName="ellipse4" presStyleLbl="vennNode1" presStyleIdx="3" presStyleCnt="4" custScaleX="95690" custScaleY="95690" custLinFactX="-34830" custLinFactNeighborX="-100000" custLinFactNeighborY="-22264">
+        <dgm:presLayoutVars>
+          <dgm:bulletEnabled val="1"/>
+        </dgm:presLayoutVars>
+      </dgm:prSet>
+      <dgm:spPr/>
+      <dgm:t>
+        <a:bodyPr/>
+        <a:lstStyle/>
+        <a:p>
+          <a:endParaRPr lang="zh-CN" altLang="en-US"/>
+        </a:p>
+      </dgm:t>
+    </dgm:pt>
+  </dgm:ptLst>
+  <dgm:cxnLst>
+    <dgm:cxn modelId="{F0B2077E-42F0-4C07-9A57-BD8381CC9C47}" type="presOf" srcId="{52F7C45A-4BE6-4B3E-A7E8-C377C1A6B492}" destId="{330065FC-D52F-44F0-A3CA-661156F3B934}" srcOrd="0" destOrd="0" presId="urn:microsoft.com/office/officeart/2005/8/layout/rings+Icon"/>
+    <dgm:cxn modelId="{9325ED4F-80EE-40E4-ABEE-105AC3EB3F6A}" type="presOf" srcId="{FE1E1DB4-1B7E-495A-9024-358CBC053966}" destId="{88FE8CBF-5FE3-4379-A4DA-9F872F996F13}" srcOrd="0" destOrd="0" presId="urn:microsoft.com/office/officeart/2005/8/layout/rings+Icon"/>
+    <dgm:cxn modelId="{794F236E-9A81-4097-89C3-8901186CFB8E}" type="presOf" srcId="{9D8FAAC9-EB0E-429E-9E0A-8EF7D163A341}" destId="{81D08FBC-EF12-411A-B68D-41FA279F254D}" srcOrd="0" destOrd="0" presId="urn:microsoft.com/office/officeart/2005/8/layout/rings+Icon"/>
+    <dgm:cxn modelId="{102F00C7-69F4-4034-AEB9-1715E68031EA}" srcId="{4C80E244-57EB-414C-AA67-D645465BCF19}" destId="{9D8FAAC9-EB0E-429E-9E0A-8EF7D163A341}" srcOrd="0" destOrd="0" parTransId="{8184192C-0991-4B1F-8199-6192D866A7A7}" sibTransId="{210F0275-FD3E-475C-A96F-E54C198A6DF6}"/>
+    <dgm:cxn modelId="{70275711-E856-4014-AD8F-D9951D66F29E}" srcId="{4C80E244-57EB-414C-AA67-D645465BCF19}" destId="{A1BFB13F-4DC1-451F-8A20-078EF3353586}" srcOrd="2" destOrd="0" parTransId="{612F579B-21FB-4F80-A5A8-F27A9DC35489}" sibTransId="{5AEBE5C1-EEC1-4726-A5F9-3A5912BB5204}"/>
+    <dgm:cxn modelId="{B06282EA-87A9-47FC-AA9E-868017EA4DE1}" srcId="{4C80E244-57EB-414C-AA67-D645465BCF19}" destId="{FE1E1DB4-1B7E-495A-9024-358CBC053966}" srcOrd="3" destOrd="0" parTransId="{A974D679-F4A8-43A9-8780-5A4146521F24}" sibTransId="{673E1FE9-4755-4D4C-9593-1DBB36FB135E}"/>
+    <dgm:cxn modelId="{1A0C9AC7-8055-4178-9DA1-B0AABCD54E3B}" type="presOf" srcId="{A1BFB13F-4DC1-451F-8A20-078EF3353586}" destId="{63FDA054-3AA1-4301-8ACB-2C1501CD958B}" srcOrd="0" destOrd="0" presId="urn:microsoft.com/office/officeart/2005/8/layout/rings+Icon"/>
+    <dgm:cxn modelId="{B2215502-4A9E-43A5-8720-DEF36BB9D08D}" type="presOf" srcId="{4C80E244-57EB-414C-AA67-D645465BCF19}" destId="{1F8E8F38-204D-460D-BC31-88E455289862}" srcOrd="0" destOrd="0" presId="urn:microsoft.com/office/officeart/2005/8/layout/rings+Icon"/>
+    <dgm:cxn modelId="{490EDE82-2C1F-4AAA-8282-7A4990535F50}" srcId="{4C80E244-57EB-414C-AA67-D645465BCF19}" destId="{52F7C45A-4BE6-4B3E-A7E8-C377C1A6B492}" srcOrd="1" destOrd="0" parTransId="{EBFE23BB-D789-473E-8772-2FC55B093D5A}" sibTransId="{C261DBF0-CFD9-491C-B58F-FFADC42B3360}"/>
+    <dgm:cxn modelId="{7ACCE5FF-7420-4857-9734-2FE1351D4D47}" type="presParOf" srcId="{1F8E8F38-204D-460D-BC31-88E455289862}" destId="{81D08FBC-EF12-411A-B68D-41FA279F254D}" srcOrd="0" destOrd="0" presId="urn:microsoft.com/office/officeart/2005/8/layout/rings+Icon"/>
+    <dgm:cxn modelId="{899C46E2-B5D3-4396-9BFA-5197A1AF8D78}" type="presParOf" srcId="{1F8E8F38-204D-460D-BC31-88E455289862}" destId="{330065FC-D52F-44F0-A3CA-661156F3B934}" srcOrd="1" destOrd="0" presId="urn:microsoft.com/office/officeart/2005/8/layout/rings+Icon"/>
+    <dgm:cxn modelId="{3748BFC1-FC1E-429B-8282-0890C31C7CFB}" type="presParOf" srcId="{1F8E8F38-204D-460D-BC31-88E455289862}" destId="{63FDA054-3AA1-4301-8ACB-2C1501CD958B}" srcOrd="2" destOrd="0" presId="urn:microsoft.com/office/officeart/2005/8/layout/rings+Icon"/>
+    <dgm:cxn modelId="{2BD1F3C2-BA8C-42B5-AB02-3AD1FAF3152F}" type="presParOf" srcId="{1F8E8F38-204D-460D-BC31-88E455289862}" destId="{88FE8CBF-5FE3-4379-A4DA-9F872F996F13}" srcOrd="3" destOrd="0" presId="urn:microsoft.com/office/officeart/2005/8/layout/rings+Icon"/>
+  </dgm:cxnLst>
+  <dgm:bg/>
+  <dgm:whole/>
+  <dgm:extLst>
+    <a:ext uri="http://schemas.microsoft.com/office/drawing/2008/diagram">
+      <dsp:dataModelExt xmlns:dsp="http://schemas.microsoft.com/office/drawing/2008/diagram" relId="rId6" minVer="http://schemas.openxmlformats.org/drawingml/2006/diagram"/>
+    </a:ext>
+  </dgm:extLst>
+</dgm:dataModel>
+</file>
+
 <file path=ppt/diagrams/drawing1.xml><?xml version="1.0" encoding="utf-8"?>
 <dsp:drawing xmlns:dgm="http://schemas.openxmlformats.org/drawingml/2006/diagram" xmlns:dsp="http://schemas.microsoft.com/office/drawing/2008/diagram" xmlns:a="http://schemas.openxmlformats.org/drawingml/2006/main">
   <dsp:spTree>
@@ -2768,8 +4869,8 @@
       </dsp:nvSpPr>
       <dsp:spPr>
         <a:xfrm>
-          <a:off x="6826986" y="4333204"/>
-          <a:ext cx="973353" cy="318476"/>
+          <a:off x="6751717" y="4333204"/>
+          <a:ext cx="427606" cy="318476"/>
         </a:xfrm>
         <a:custGeom>
           <a:avLst/>
@@ -2786,10 +4887,10 @@
                 <a:pt x="0" y="201962"/>
               </a:lnTo>
               <a:lnTo>
-                <a:pt x="973353" y="201962"/>
+                <a:pt x="427606" y="201962"/>
               </a:lnTo>
               <a:lnTo>
-                <a:pt x="973353" y="318476"/>
+                <a:pt x="427606" y="318476"/>
               </a:lnTo>
             </a:path>
           </a:pathLst>
@@ -2829,7 +4930,7 @@
       </dsp:nvSpPr>
       <dsp:spPr>
         <a:xfrm>
-          <a:off x="5819533" y="3179267"/>
+          <a:off x="5744265" y="3179267"/>
           <a:ext cx="1007452" cy="355278"/>
         </a:xfrm>
         <a:custGeom>
@@ -2890,8 +4991,8 @@
       </dsp:nvSpPr>
       <dsp:spPr>
         <a:xfrm>
-          <a:off x="4324791" y="1944220"/>
-          <a:ext cx="1494741" cy="436390"/>
+          <a:off x="4122879" y="1944220"/>
+          <a:ext cx="1621385" cy="436390"/>
         </a:xfrm>
         <a:custGeom>
           <a:avLst/>
@@ -2908,10 +5009,10 @@
                 <a:pt x="0" y="319876"/>
               </a:lnTo>
               <a:lnTo>
-                <a:pt x="1494741" y="319876"/>
+                <a:pt x="1621385" y="319876"/>
               </a:lnTo>
               <a:lnTo>
-                <a:pt x="1494741" y="436390"/>
+                <a:pt x="1621385" y="436390"/>
               </a:lnTo>
             </a:path>
           </a:pathLst>
@@ -2952,7 +5053,7 @@
       <dsp:spPr>
         <a:xfrm>
           <a:off x="771256" y="4279773"/>
-          <a:ext cx="1050623" cy="381918"/>
+          <a:ext cx="722067" cy="381918"/>
         </a:xfrm>
         <a:custGeom>
           <a:avLst/>
@@ -2963,10 +5064,10 @@
           <a:pathLst>
             <a:path>
               <a:moveTo>
-                <a:pt x="1050623" y="0"/>
+                <a:pt x="722067" y="0"/>
               </a:moveTo>
               <a:lnTo>
-                <a:pt x="1050623" y="265404"/>
+                <a:pt x="722067" y="265404"/>
               </a:lnTo>
               <a:lnTo>
                 <a:pt x="0" y="265404"/>
@@ -3012,7 +5113,7 @@
       </dsp:nvSpPr>
       <dsp:spPr>
         <a:xfrm>
-          <a:off x="1821880" y="3174923"/>
+          <a:off x="1493323" y="3174923"/>
           <a:ext cx="1147211" cy="306193"/>
         </a:xfrm>
         <a:custGeom>
@@ -3073,8 +5174,8 @@
       </dsp:nvSpPr>
       <dsp:spPr>
         <a:xfrm>
-          <a:off x="2969091" y="1944220"/>
-          <a:ext cx="1355700" cy="432045"/>
+          <a:off x="2640535" y="1944220"/>
+          <a:ext cx="1482343" cy="432045"/>
         </a:xfrm>
         <a:custGeom>
           <a:avLst/>
@@ -3085,10 +5186,10 @@
           <a:pathLst>
             <a:path>
               <a:moveTo>
-                <a:pt x="1355700" y="0"/>
+                <a:pt x="1482343" y="0"/>
               </a:moveTo>
               <a:lnTo>
-                <a:pt x="1355700" y="315531"/>
+                <a:pt x="1482343" y="315531"/>
               </a:lnTo>
               <a:lnTo>
                 <a:pt x="0" y="315531"/>
@@ -3134,7 +5235,7 @@
       </dsp:nvSpPr>
       <dsp:spPr>
         <a:xfrm>
-          <a:off x="4278983" y="875356"/>
+          <a:off x="4077071" y="875356"/>
           <a:ext cx="91440" cy="270205"/>
         </a:xfrm>
         <a:custGeom>
@@ -3195,7 +5296,7 @@
       </dsp:nvSpPr>
       <dsp:spPr>
         <a:xfrm>
-          <a:off x="3604578" y="76699"/>
+          <a:off x="3402666" y="76699"/>
           <a:ext cx="1440249" cy="798657"/>
         </a:xfrm>
         <a:prstGeom prst="roundRect">
@@ -3246,7 +5347,7 @@
       </dsp:nvSpPr>
       <dsp:spPr>
         <a:xfrm>
-          <a:off x="3744326" y="209459"/>
+          <a:off x="3542414" y="209459"/>
           <a:ext cx="1440249" cy="798657"/>
         </a:xfrm>
         <a:prstGeom prst="roundRect">
@@ -3289,12 +5390,12 @@
         <a:fontRef idx="minor"/>
       </dsp:style>
       <dsp:txBody>
-        <a:bodyPr spcFirstLastPara="0" vert="horz" wrap="square" lIns="64770" tIns="64770" rIns="64770" bIns="64770" numCol="1" spcCol="1270" anchor="ctr" anchorCtr="0">
+        <a:bodyPr spcFirstLastPara="0" vert="horz" wrap="square" lIns="80010" tIns="80010" rIns="80010" bIns="80010" numCol="1" spcCol="1270" anchor="ctr" anchorCtr="0">
           <a:noAutofit/>
         </a:bodyPr>
         <a:lstStyle/>
         <a:p>
-          <a:pPr lvl="0" algn="ctr" defTabSz="755650">
+          <a:pPr lvl="0" algn="ctr" defTabSz="933450">
             <a:lnSpc>
               <a:spcPct val="90000"/>
             </a:lnSpc>
@@ -3306,14 +5407,14 @@
             </a:spcAft>
           </a:pPr>
           <a:r>
-            <a:rPr lang="en-US" altLang="zh-CN" sz="1700" kern="1200" dirty="0" smtClean="0"/>
+            <a:rPr lang="en-US" altLang="zh-CN" sz="2100" kern="1200" dirty="0" smtClean="0"/>
             <a:t>Document</a:t>
           </a:r>
-          <a:endParaRPr lang="zh-CN" altLang="en-US" sz="1700" kern="1200" dirty="0"/>
+          <a:endParaRPr lang="zh-CN" altLang="en-US" sz="2100" kern="1200" dirty="0"/>
         </a:p>
       </dsp:txBody>
       <dsp:txXfrm>
-        <a:off x="3767718" y="232851"/>
+        <a:off x="3565806" y="232851"/>
         <a:ext cx="1393465" cy="751873"/>
       </dsp:txXfrm>
     </dsp:sp>
@@ -3324,7 +5425,7 @@
       </dsp:nvSpPr>
       <dsp:spPr>
         <a:xfrm>
-          <a:off x="3388727" y="1145562"/>
+          <a:off x="3186815" y="1145562"/>
           <a:ext cx="1872128" cy="798657"/>
         </a:xfrm>
         <a:prstGeom prst="roundRect">
@@ -3375,7 +5476,7 @@
       </dsp:nvSpPr>
       <dsp:spPr>
         <a:xfrm>
-          <a:off x="3528475" y="1278322"/>
+          <a:off x="3326562" y="1278322"/>
           <a:ext cx="1872128" cy="798657"/>
         </a:xfrm>
         <a:prstGeom prst="roundRect">
@@ -3418,12 +5519,12 @@
         <a:fontRef idx="minor"/>
       </dsp:style>
       <dsp:txBody>
-        <a:bodyPr spcFirstLastPara="0" vert="horz" wrap="square" lIns="64770" tIns="64770" rIns="64770" bIns="64770" numCol="1" spcCol="1270" anchor="ctr" anchorCtr="0">
+        <a:bodyPr spcFirstLastPara="0" vert="horz" wrap="square" lIns="80010" tIns="80010" rIns="80010" bIns="80010" numCol="1" spcCol="1270" anchor="ctr" anchorCtr="0">
           <a:noAutofit/>
         </a:bodyPr>
         <a:lstStyle/>
         <a:p>
-          <a:pPr lvl="0" algn="ctr" defTabSz="755650">
+          <a:pPr lvl="0" algn="ctr" defTabSz="933450">
             <a:lnSpc>
               <a:spcPct val="90000"/>
             </a:lnSpc>
@@ -3435,14 +5536,14 @@
             </a:spcAft>
           </a:pPr>
           <a:r>
-            <a:rPr lang="en-US" altLang="zh-CN" sz="1700" kern="1200" dirty="0" smtClean="0"/>
+            <a:rPr lang="en-US" altLang="zh-CN" sz="2100" kern="1200" dirty="0" smtClean="0"/>
             <a:t>Element (html)</a:t>
           </a:r>
-          <a:endParaRPr lang="zh-CN" altLang="en-US" sz="1700" kern="1200" dirty="0"/>
+          <a:endParaRPr lang="zh-CN" altLang="en-US" sz="2100" kern="1200" dirty="0"/>
         </a:p>
       </dsp:txBody>
       <dsp:txXfrm>
-        <a:off x="3551867" y="1301714"/>
+        <a:off x="3349954" y="1301714"/>
         <a:ext cx="1825344" cy="751873"/>
       </dsp:txXfrm>
     </dsp:sp>
@@ -3453,7 +5554,7 @@
       </dsp:nvSpPr>
       <dsp:spPr>
         <a:xfrm>
-          <a:off x="2164510" y="2376265"/>
+          <a:off x="1835954" y="2376265"/>
           <a:ext cx="1609162" cy="798657"/>
         </a:xfrm>
         <a:prstGeom prst="roundRect">
@@ -3504,7 +5605,7 @@
       </dsp:nvSpPr>
       <dsp:spPr>
         <a:xfrm>
-          <a:off x="2304258" y="2509026"/>
+          <a:off x="1975701" y="2509026"/>
           <a:ext cx="1609162" cy="798657"/>
         </a:xfrm>
         <a:prstGeom prst="roundRect">
@@ -3547,12 +5648,12 @@
         <a:fontRef idx="minor"/>
       </dsp:style>
       <dsp:txBody>
-        <a:bodyPr spcFirstLastPara="0" vert="horz" wrap="square" lIns="64770" tIns="64770" rIns="64770" bIns="64770" numCol="1" spcCol="1270" anchor="ctr" anchorCtr="0">
+        <a:bodyPr spcFirstLastPara="0" vert="horz" wrap="square" lIns="80010" tIns="80010" rIns="80010" bIns="80010" numCol="1" spcCol="1270" anchor="ctr" anchorCtr="0">
           <a:noAutofit/>
         </a:bodyPr>
         <a:lstStyle/>
         <a:p>
-          <a:pPr lvl="0" algn="ctr" defTabSz="755650">
+          <a:pPr lvl="0" algn="ctr" defTabSz="933450">
             <a:lnSpc>
               <a:spcPct val="90000"/>
             </a:lnSpc>
@@ -3564,14 +5665,14 @@
             </a:spcAft>
           </a:pPr>
           <a:r>
-            <a:rPr lang="en-US" altLang="zh-CN" sz="1700" kern="1200" dirty="0" smtClean="0"/>
+            <a:rPr lang="en-US" altLang="zh-CN" sz="2100" kern="1200" dirty="0" smtClean="0"/>
             <a:t>Element (head)</a:t>
           </a:r>
-          <a:endParaRPr lang="zh-CN" altLang="en-US" sz="1700" kern="1200" dirty="0"/>
+          <a:endParaRPr lang="zh-CN" altLang="en-US" sz="2100" kern="1200" dirty="0"/>
         </a:p>
       </dsp:txBody>
       <dsp:txXfrm>
-        <a:off x="2327650" y="2532418"/>
+        <a:off x="1999093" y="2532418"/>
         <a:ext cx="1562378" cy="751873"/>
       </dsp:txXfrm>
     </dsp:sp>
@@ -3582,7 +5683,7 @@
       </dsp:nvSpPr>
       <dsp:spPr>
         <a:xfrm>
-          <a:off x="760338" y="3481116"/>
+          <a:off x="431782" y="3481116"/>
           <a:ext cx="2123082" cy="798657"/>
         </a:xfrm>
         <a:prstGeom prst="roundRect">
@@ -3633,7 +5734,7 @@
       </dsp:nvSpPr>
       <dsp:spPr>
         <a:xfrm>
-          <a:off x="900086" y="3613876"/>
+          <a:off x="571530" y="3613876"/>
           <a:ext cx="2123082" cy="798657"/>
         </a:xfrm>
         <a:prstGeom prst="roundRect">
@@ -3676,12 +5777,12 @@
         <a:fontRef idx="minor"/>
       </dsp:style>
       <dsp:txBody>
-        <a:bodyPr spcFirstLastPara="0" vert="horz" wrap="square" lIns="64770" tIns="64770" rIns="64770" bIns="64770" numCol="1" spcCol="1270" anchor="ctr" anchorCtr="0">
+        <a:bodyPr spcFirstLastPara="0" vert="horz" wrap="square" lIns="80010" tIns="80010" rIns="80010" bIns="80010" numCol="1" spcCol="1270" anchor="ctr" anchorCtr="0">
           <a:noAutofit/>
         </a:bodyPr>
         <a:lstStyle/>
         <a:p>
-          <a:pPr lvl="0" algn="ctr" defTabSz="755650">
+          <a:pPr lvl="0" algn="ctr" defTabSz="933450">
             <a:lnSpc>
               <a:spcPct val="90000"/>
             </a:lnSpc>
@@ -3693,14 +5794,14 @@
             </a:spcAft>
           </a:pPr>
           <a:r>
-            <a:rPr lang="en-US" altLang="zh-CN" sz="1700" kern="1200" dirty="0" smtClean="0"/>
+            <a:rPr lang="en-US" altLang="zh-CN" sz="2100" kern="1200" dirty="0" smtClean="0"/>
             <a:t>Element (title)</a:t>
           </a:r>
-          <a:endParaRPr lang="zh-CN" altLang="en-US" sz="1700" kern="1200" dirty="0"/>
+          <a:endParaRPr lang="zh-CN" altLang="en-US" sz="2100" kern="1200" dirty="0"/>
         </a:p>
       </dsp:txBody>
       <dsp:txXfrm>
-        <a:off x="923478" y="3637268"/>
+        <a:off x="594922" y="3637268"/>
         <a:ext cx="2076298" cy="751873"/>
       </dsp:txXfrm>
     </dsp:sp>
@@ -3805,12 +5906,12 @@
         <a:fontRef idx="minor"/>
       </dsp:style>
       <dsp:txBody>
-        <a:bodyPr spcFirstLastPara="0" vert="horz" wrap="square" lIns="64770" tIns="64770" rIns="64770" bIns="64770" numCol="1" spcCol="1270" anchor="ctr" anchorCtr="0">
+        <a:bodyPr spcFirstLastPara="0" vert="horz" wrap="square" lIns="80010" tIns="80010" rIns="80010" bIns="80010" numCol="1" spcCol="1270" anchor="ctr" anchorCtr="0">
           <a:noAutofit/>
         </a:bodyPr>
         <a:lstStyle/>
         <a:p>
-          <a:pPr lvl="0" algn="ctr" defTabSz="755650">
+          <a:pPr lvl="0" algn="ctr" defTabSz="933450">
             <a:lnSpc>
               <a:spcPct val="90000"/>
             </a:lnSpc>
@@ -3822,10 +5923,10 @@
             </a:spcAft>
           </a:pPr>
           <a:r>
-            <a:rPr lang="en-US" altLang="zh-CN" sz="1700" kern="1200" dirty="0" smtClean="0"/>
+            <a:rPr lang="en-US" altLang="zh-CN" sz="2100" kern="1200" dirty="0" smtClean="0"/>
             <a:t>Text (Document) </a:t>
           </a:r>
-          <a:endParaRPr lang="zh-CN" altLang="en-US" sz="1700" kern="1200" dirty="0"/>
+          <a:endParaRPr lang="zh-CN" altLang="en-US" sz="2100" kern="1200" dirty="0"/>
         </a:p>
       </dsp:txBody>
       <dsp:txXfrm>
@@ -3840,7 +5941,7 @@
       </dsp:nvSpPr>
       <dsp:spPr>
         <a:xfrm>
-          <a:off x="5010059" y="2380610"/>
+          <a:off x="4934791" y="2380610"/>
           <a:ext cx="1618947" cy="798657"/>
         </a:xfrm>
         <a:prstGeom prst="roundRect">
@@ -3891,7 +5992,7 @@
       </dsp:nvSpPr>
       <dsp:spPr>
         <a:xfrm>
-          <a:off x="5149807" y="2513370"/>
+          <a:off x="5074538" y="2513370"/>
           <a:ext cx="1618947" cy="798657"/>
         </a:xfrm>
         <a:prstGeom prst="roundRect">
@@ -3934,12 +6035,12 @@
         <a:fontRef idx="minor"/>
       </dsp:style>
       <dsp:txBody>
-        <a:bodyPr spcFirstLastPara="0" vert="horz" wrap="square" lIns="64770" tIns="64770" rIns="64770" bIns="64770" numCol="1" spcCol="1270" anchor="ctr" anchorCtr="0">
+        <a:bodyPr spcFirstLastPara="0" vert="horz" wrap="square" lIns="80010" tIns="80010" rIns="80010" bIns="80010" numCol="1" spcCol="1270" anchor="ctr" anchorCtr="0">
           <a:noAutofit/>
         </a:bodyPr>
         <a:lstStyle/>
         <a:p>
-          <a:pPr lvl="0" algn="l" defTabSz="755650">
+          <a:pPr lvl="0" algn="l" defTabSz="933450">
             <a:lnSpc>
               <a:spcPct val="90000"/>
             </a:lnSpc>
@@ -3951,14 +6052,14 @@
             </a:spcAft>
           </a:pPr>
           <a:r>
-            <a:rPr lang="en-US" altLang="zh-CN" sz="1700" kern="1200" dirty="0" smtClean="0"/>
+            <a:rPr lang="en-US" altLang="zh-CN" sz="2100" kern="1200" dirty="0" smtClean="0"/>
             <a:t>Element (body)</a:t>
           </a:r>
-          <a:endParaRPr lang="zh-CN" altLang="en-US" sz="1700" kern="1200" dirty="0"/>
+          <a:endParaRPr lang="zh-CN" altLang="en-US" sz="2100" kern="1200" dirty="0"/>
         </a:p>
       </dsp:txBody>
       <dsp:txXfrm>
-        <a:off x="5173199" y="2536762"/>
+        <a:off x="5097930" y="2536762"/>
         <a:ext cx="1572163" cy="751873"/>
       </dsp:txXfrm>
     </dsp:sp>
@@ -3969,7 +6070,7 @@
       </dsp:nvSpPr>
       <dsp:spPr>
         <a:xfrm>
-          <a:off x="5980931" y="3534546"/>
+          <a:off x="5905662" y="3534546"/>
           <a:ext cx="1692109" cy="798657"/>
         </a:xfrm>
         <a:prstGeom prst="roundRect">
@@ -4020,7 +6121,7 @@
       </dsp:nvSpPr>
       <dsp:spPr>
         <a:xfrm>
-          <a:off x="6120679" y="3667306"/>
+          <a:off x="6045410" y="3667306"/>
           <a:ext cx="1692109" cy="798657"/>
         </a:xfrm>
         <a:prstGeom prst="roundRect">
@@ -4063,12 +6164,12 @@
         <a:fontRef idx="minor"/>
       </dsp:style>
       <dsp:txBody>
-        <a:bodyPr spcFirstLastPara="0" vert="horz" wrap="square" lIns="64770" tIns="64770" rIns="64770" bIns="64770" numCol="1" spcCol="1270" anchor="ctr" anchorCtr="0">
+        <a:bodyPr spcFirstLastPara="0" vert="horz" wrap="square" lIns="80010" tIns="80010" rIns="80010" bIns="80010" numCol="1" spcCol="1270" anchor="ctr" anchorCtr="0">
           <a:noAutofit/>
         </a:bodyPr>
         <a:lstStyle/>
         <a:p>
-          <a:pPr lvl="0" algn="ctr" defTabSz="755650">
+          <a:pPr lvl="0" algn="ctr" defTabSz="933450">
             <a:lnSpc>
               <a:spcPct val="90000"/>
             </a:lnSpc>
@@ -4080,14 +6181,14 @@
             </a:spcAft>
           </a:pPr>
           <a:r>
-            <a:rPr lang="en-US" altLang="zh-CN" sz="1700" kern="1200" dirty="0" smtClean="0"/>
+            <a:rPr lang="en-US" altLang="zh-CN" sz="2100" kern="1200" dirty="0" smtClean="0"/>
             <a:t>Element (p)</a:t>
           </a:r>
-          <a:endParaRPr lang="zh-CN" altLang="en-US" sz="1700" kern="1200" dirty="0"/>
+          <a:endParaRPr lang="zh-CN" altLang="en-US" sz="2100" kern="1200" dirty="0"/>
         </a:p>
       </dsp:txBody>
       <dsp:txXfrm>
-        <a:off x="6144071" y="3690698"/>
+        <a:off x="6068802" y="3690698"/>
         <a:ext cx="1645325" cy="751873"/>
       </dsp:txXfrm>
     </dsp:sp>
@@ -4098,8 +6199,8 @@
       </dsp:nvSpPr>
       <dsp:spPr>
         <a:xfrm>
-          <a:off x="7171476" y="4651680"/>
-          <a:ext cx="1257728" cy="798657"/>
+          <a:off x="5929444" y="4651680"/>
+          <a:ext cx="2499759" cy="798657"/>
         </a:xfrm>
         <a:prstGeom prst="roundRect">
           <a:avLst>
@@ -4149,8 +6250,8 @@
       </dsp:nvSpPr>
       <dsp:spPr>
         <a:xfrm>
-          <a:off x="7311223" y="4784441"/>
-          <a:ext cx="1257728" cy="798657"/>
+          <a:off x="6069192" y="4784441"/>
+          <a:ext cx="2499759" cy="798657"/>
         </a:xfrm>
         <a:prstGeom prst="roundRect">
           <a:avLst>
@@ -4192,12 +6293,12 @@
         <a:fontRef idx="minor"/>
       </dsp:style>
       <dsp:txBody>
-        <a:bodyPr spcFirstLastPara="0" vert="horz" wrap="square" lIns="64770" tIns="64770" rIns="64770" bIns="64770" numCol="1" spcCol="1270" anchor="ctr" anchorCtr="0">
+        <a:bodyPr spcFirstLastPara="0" vert="horz" wrap="square" lIns="80010" tIns="80010" rIns="80010" bIns="80010" numCol="1" spcCol="1270" anchor="ctr" anchorCtr="0">
           <a:noAutofit/>
         </a:bodyPr>
         <a:lstStyle/>
         <a:p>
-          <a:pPr lvl="0" algn="ctr" defTabSz="755650">
+          <a:pPr lvl="0" algn="ctr" defTabSz="933450">
             <a:lnSpc>
               <a:spcPct val="90000"/>
             </a:lnSpc>
@@ -4209,15 +6310,15 @@
             </a:spcAft>
           </a:pPr>
           <a:r>
-            <a:rPr lang="en-US" altLang="zh-CN" sz="1700" kern="1200" dirty="0" smtClean="0"/>
+            <a:rPr lang="en-US" altLang="zh-CN" sz="2100" kern="1200" dirty="0" smtClean="0"/>
             <a:t>Text (Hello World)</a:t>
           </a:r>
-          <a:endParaRPr lang="zh-CN" altLang="en-US" sz="1700" kern="1200" dirty="0"/>
+          <a:endParaRPr lang="zh-CN" altLang="en-US" sz="2100" kern="1200" dirty="0"/>
         </a:p>
       </dsp:txBody>
       <dsp:txXfrm>
-        <a:off x="7334615" y="4807833"/>
-        <a:ext cx="1210944" cy="751873"/>
+        <a:off x="6092584" y="4807833"/>
+        <a:ext cx="2452975" cy="751873"/>
       </dsp:txXfrm>
     </dsp:sp>
   </dsp:spTree>
@@ -4865,6 +6966,638 @@
       <dsp:txXfrm>
         <a:off x="6536353" y="3787904"/>
         <a:ext cx="1499229" cy="865680"/>
+      </dsp:txXfrm>
+    </dsp:sp>
+  </dsp:spTree>
+</dsp:drawing>
+</file>
+
+<file path=ppt/diagrams/drawing3.xml><?xml version="1.0" encoding="utf-8"?>
+<dsp:drawing xmlns:dgm="http://schemas.openxmlformats.org/drawingml/2006/diagram" xmlns:dsp="http://schemas.microsoft.com/office/drawing/2008/diagram" xmlns:a="http://schemas.openxmlformats.org/drawingml/2006/main">
+  <dsp:spTree>
+    <dsp:nvGrpSpPr>
+      <dsp:cNvPr id="0" name=""/>
+      <dsp:cNvGrpSpPr/>
+    </dsp:nvGrpSpPr>
+    <dsp:grpSpPr/>
+    <dsp:sp modelId="{CCC8D5FE-3789-418C-947C-91C6B8D6C121}">
+      <dsp:nvSpPr>
+        <dsp:cNvPr id="0" name=""/>
+        <dsp:cNvSpPr/>
+      </dsp:nvSpPr>
+      <dsp:spPr>
+        <a:xfrm>
+          <a:off x="1327" y="671192"/>
+          <a:ext cx="2975850" cy="1785510"/>
+        </a:xfrm>
+        <a:prstGeom prst="roundRect">
+          <a:avLst>
+            <a:gd name="adj" fmla="val 10000"/>
+          </a:avLst>
+        </a:prstGeom>
+        <a:solidFill>
+          <a:schemeClr val="accent1">
+            <a:hueOff val="0"/>
+            <a:satOff val="0"/>
+            <a:lumOff val="0"/>
+            <a:alphaOff val="0"/>
+          </a:schemeClr>
+        </a:solidFill>
+        <a:ln w="19050" cap="flat" cmpd="sng" algn="ctr">
+          <a:solidFill>
+            <a:schemeClr val="lt1">
+              <a:hueOff val="0"/>
+              <a:satOff val="0"/>
+              <a:lumOff val="0"/>
+              <a:alphaOff val="0"/>
+            </a:schemeClr>
+          </a:solidFill>
+          <a:prstDash val="solid"/>
+        </a:ln>
+        <a:effectLst/>
+      </dsp:spPr>
+      <dsp:style>
+        <a:lnRef idx="2">
+          <a:scrgbClr r="0" g="0" b="0"/>
+        </a:lnRef>
+        <a:fillRef idx="1">
+          <a:scrgbClr r="0" g="0" b="0"/>
+        </a:fillRef>
+        <a:effectRef idx="0">
+          <a:scrgbClr r="0" g="0" b="0"/>
+        </a:effectRef>
+        <a:fontRef idx="minor">
+          <a:schemeClr val="lt1"/>
+        </a:fontRef>
+      </dsp:style>
+      <dsp:txBody>
+        <a:bodyPr spcFirstLastPara="0" vert="horz" wrap="square" lIns="83820" tIns="83820" rIns="83820" bIns="83820" numCol="1" spcCol="1270" anchor="ctr" anchorCtr="0">
+          <a:noAutofit/>
+        </a:bodyPr>
+        <a:lstStyle/>
+        <a:p>
+          <a:pPr lvl="0" algn="l" defTabSz="977900">
+            <a:lnSpc>
+              <a:spcPct val="90000"/>
+            </a:lnSpc>
+            <a:spcBef>
+              <a:spcPct val="0"/>
+            </a:spcBef>
+            <a:spcAft>
+              <a:spcPct val="35000"/>
+            </a:spcAft>
+          </a:pPr>
+          <a:r>
+            <a:rPr lang="en-US" altLang="zh-CN" sz="2200" kern="1200" dirty="0" smtClean="0"/>
+            <a:t>Input (String) :</a:t>
+          </a:r>
+        </a:p>
+        <a:p>
+          <a:pPr lvl="0" algn="l" defTabSz="977900">
+            <a:lnSpc>
+              <a:spcPct val="90000"/>
+            </a:lnSpc>
+            <a:spcBef>
+              <a:spcPct val="0"/>
+            </a:spcBef>
+            <a:spcAft>
+              <a:spcPct val="35000"/>
+            </a:spcAft>
+          </a:pPr>
+          <a:r>
+            <a:rPr lang="en-US" altLang="zh-CN" sz="2200" kern="1200" dirty="0" smtClean="0"/>
+            <a:t>Id</a:t>
+          </a:r>
+        </a:p>
+        <a:p>
+          <a:pPr lvl="0" algn="l" defTabSz="977900">
+            <a:lnSpc>
+              <a:spcPct val="90000"/>
+            </a:lnSpc>
+            <a:spcBef>
+              <a:spcPct val="0"/>
+            </a:spcBef>
+            <a:spcAft>
+              <a:spcPct val="35000"/>
+            </a:spcAft>
+          </a:pPr>
+          <a:r>
+            <a:rPr lang="en-US" altLang="zh-CN" sz="2200" kern="1200" dirty="0" err="1" smtClean="0"/>
+            <a:t>TagName</a:t>
+          </a:r>
+          <a:endParaRPr lang="en-US" altLang="zh-CN" sz="2200" kern="1200" dirty="0" smtClean="0"/>
+        </a:p>
+        <a:p>
+          <a:pPr lvl="0" algn="l" defTabSz="977900">
+            <a:lnSpc>
+              <a:spcPct val="90000"/>
+            </a:lnSpc>
+            <a:spcBef>
+              <a:spcPct val="0"/>
+            </a:spcBef>
+            <a:spcAft>
+              <a:spcPct val="35000"/>
+            </a:spcAft>
+          </a:pPr>
+          <a:r>
+            <a:rPr lang="en-US" altLang="zh-CN" sz="2200" kern="1200" dirty="0" err="1" smtClean="0"/>
+            <a:t>ClassName</a:t>
+          </a:r>
+          <a:endParaRPr lang="en-US" altLang="zh-CN" sz="2200" kern="1200" dirty="0" smtClean="0"/>
+        </a:p>
+      </dsp:txBody>
+      <dsp:txXfrm>
+        <a:off x="53623" y="723488"/>
+        <a:ext cx="2871258" cy="1680918"/>
+      </dsp:txXfrm>
+    </dsp:sp>
+    <dsp:sp modelId="{A8C3466D-9FDB-492A-82D5-D2EB066D1CA3}">
+      <dsp:nvSpPr>
+        <dsp:cNvPr id="0" name=""/>
+        <dsp:cNvSpPr/>
+      </dsp:nvSpPr>
+      <dsp:spPr>
+        <a:xfrm>
+          <a:off x="3274763" y="1194942"/>
+          <a:ext cx="630880" cy="738010"/>
+        </a:xfrm>
+        <a:prstGeom prst="rightArrow">
+          <a:avLst>
+            <a:gd name="adj1" fmla="val 60000"/>
+            <a:gd name="adj2" fmla="val 50000"/>
+          </a:avLst>
+        </a:prstGeom>
+        <a:solidFill>
+          <a:schemeClr val="accent1">
+            <a:tint val="60000"/>
+            <a:hueOff val="0"/>
+            <a:satOff val="0"/>
+            <a:lumOff val="0"/>
+            <a:alphaOff val="0"/>
+          </a:schemeClr>
+        </a:solidFill>
+        <a:ln>
+          <a:noFill/>
+        </a:ln>
+        <a:effectLst/>
+      </dsp:spPr>
+      <dsp:style>
+        <a:lnRef idx="0">
+          <a:scrgbClr r="0" g="0" b="0"/>
+        </a:lnRef>
+        <a:fillRef idx="1">
+          <a:scrgbClr r="0" g="0" b="0"/>
+        </a:fillRef>
+        <a:effectRef idx="0">
+          <a:scrgbClr r="0" g="0" b="0"/>
+        </a:effectRef>
+        <a:fontRef idx="minor">
+          <a:schemeClr val="lt1"/>
+        </a:fontRef>
+      </dsp:style>
+      <dsp:txBody>
+        <a:bodyPr spcFirstLastPara="0" vert="horz" wrap="square" lIns="0" tIns="0" rIns="0" bIns="0" numCol="1" spcCol="1270" anchor="ctr" anchorCtr="0">
+          <a:noAutofit/>
+        </a:bodyPr>
+        <a:lstStyle/>
+        <a:p>
+          <a:pPr lvl="0" algn="ctr" defTabSz="800100">
+            <a:lnSpc>
+              <a:spcPct val="90000"/>
+            </a:lnSpc>
+            <a:spcBef>
+              <a:spcPct val="0"/>
+            </a:spcBef>
+            <a:spcAft>
+              <a:spcPct val="35000"/>
+            </a:spcAft>
+          </a:pPr>
+          <a:endParaRPr lang="zh-CN" altLang="en-US" sz="1800" kern="1200"/>
+        </a:p>
+      </dsp:txBody>
+      <dsp:txXfrm>
+        <a:off x="3274763" y="1342544"/>
+        <a:ext cx="441616" cy="442806"/>
+      </dsp:txXfrm>
+    </dsp:sp>
+    <dsp:sp modelId="{E50952FC-FE36-494B-AE43-799E1CB2A002}">
+      <dsp:nvSpPr>
+        <dsp:cNvPr id="0" name=""/>
+        <dsp:cNvSpPr/>
+      </dsp:nvSpPr>
+      <dsp:spPr>
+        <a:xfrm>
+          <a:off x="4167518" y="671192"/>
+          <a:ext cx="3968058" cy="1785510"/>
+        </a:xfrm>
+        <a:prstGeom prst="roundRect">
+          <a:avLst>
+            <a:gd name="adj" fmla="val 10000"/>
+          </a:avLst>
+        </a:prstGeom>
+        <a:solidFill>
+          <a:schemeClr val="accent1">
+            <a:hueOff val="0"/>
+            <a:satOff val="0"/>
+            <a:lumOff val="0"/>
+            <a:alphaOff val="0"/>
+          </a:schemeClr>
+        </a:solidFill>
+        <a:ln w="19050" cap="flat" cmpd="sng" algn="ctr">
+          <a:solidFill>
+            <a:schemeClr val="lt1">
+              <a:hueOff val="0"/>
+              <a:satOff val="0"/>
+              <a:lumOff val="0"/>
+              <a:alphaOff val="0"/>
+            </a:schemeClr>
+          </a:solidFill>
+          <a:prstDash val="solid"/>
+        </a:ln>
+        <a:effectLst/>
+      </dsp:spPr>
+      <dsp:style>
+        <a:lnRef idx="2">
+          <a:scrgbClr r="0" g="0" b="0"/>
+        </a:lnRef>
+        <a:fillRef idx="1">
+          <a:scrgbClr r="0" g="0" b="0"/>
+        </a:fillRef>
+        <a:effectRef idx="0">
+          <a:scrgbClr r="0" g="0" b="0"/>
+        </a:effectRef>
+        <a:fontRef idx="minor">
+          <a:schemeClr val="lt1"/>
+        </a:fontRef>
+      </dsp:style>
+      <dsp:txBody>
+        <a:bodyPr spcFirstLastPara="0" vert="horz" wrap="square" lIns="83820" tIns="83820" rIns="83820" bIns="83820" numCol="1" spcCol="1270" anchor="ctr" anchorCtr="0">
+          <a:noAutofit/>
+        </a:bodyPr>
+        <a:lstStyle/>
+        <a:p>
+          <a:pPr lvl="0" algn="l" defTabSz="977900">
+            <a:lnSpc>
+              <a:spcPct val="90000"/>
+            </a:lnSpc>
+            <a:spcBef>
+              <a:spcPct val="0"/>
+            </a:spcBef>
+            <a:spcAft>
+              <a:spcPct val="35000"/>
+            </a:spcAft>
+          </a:pPr>
+          <a:r>
+            <a:rPr lang="en-US" altLang="zh-CN" sz="2200" kern="1200" dirty="0" smtClean="0"/>
+            <a:t>Output(Element -&gt;Object)</a:t>
+          </a:r>
+        </a:p>
+        <a:p>
+          <a:pPr lvl="0" algn="l" defTabSz="977900">
+            <a:lnSpc>
+              <a:spcPct val="90000"/>
+            </a:lnSpc>
+            <a:spcBef>
+              <a:spcPct val="0"/>
+            </a:spcBef>
+            <a:spcAft>
+              <a:spcPct val="35000"/>
+            </a:spcAft>
+          </a:pPr>
+          <a:r>
+            <a:rPr lang="en-US" altLang="zh-CN" sz="2200" kern="1200" dirty="0" err="1" smtClean="0"/>
+            <a:t>HTMLElement</a:t>
+          </a:r>
+          <a:endParaRPr lang="en-US" altLang="zh-CN" sz="2200" kern="1200" dirty="0" smtClean="0"/>
+        </a:p>
+        <a:p>
+          <a:pPr lvl="0" algn="l" defTabSz="977900">
+            <a:lnSpc>
+              <a:spcPct val="90000"/>
+            </a:lnSpc>
+            <a:spcBef>
+              <a:spcPct val="0"/>
+            </a:spcBef>
+            <a:spcAft>
+              <a:spcPct val="35000"/>
+            </a:spcAft>
+          </a:pPr>
+          <a:r>
+            <a:rPr lang="en-US" altLang="zh-CN" sz="2200" kern="1200" dirty="0" err="1" smtClean="0"/>
+            <a:t>HTMLCollection</a:t>
+          </a:r>
+          <a:endParaRPr lang="zh-CN" altLang="en-US" sz="2200" kern="1200" dirty="0"/>
+        </a:p>
+      </dsp:txBody>
+      <dsp:txXfrm>
+        <a:off x="4219814" y="723488"/>
+        <a:ext cx="3863466" cy="1680918"/>
+      </dsp:txXfrm>
+    </dsp:sp>
+  </dsp:spTree>
+</dsp:drawing>
+</file>
+
+<file path=ppt/diagrams/drawing4.xml><?xml version="1.0" encoding="utf-8"?>
+<dsp:drawing xmlns:dgm="http://schemas.openxmlformats.org/drawingml/2006/diagram" xmlns:dsp="http://schemas.microsoft.com/office/drawing/2008/diagram" xmlns:a="http://schemas.openxmlformats.org/drawingml/2006/main">
+  <dsp:spTree>
+    <dsp:nvGrpSpPr>
+      <dsp:cNvPr id="0" name=""/>
+      <dsp:cNvGrpSpPr/>
+    </dsp:nvGrpSpPr>
+    <dsp:grpSpPr/>
+    <dsp:sp modelId="{81D08FBC-EF12-411A-B68D-41FA279F254D}">
+      <dsp:nvSpPr>
+        <dsp:cNvPr id="0" name=""/>
+        <dsp:cNvSpPr/>
+      </dsp:nvSpPr>
+      <dsp:spPr>
+        <a:xfrm>
+          <a:off x="319366" y="744360"/>
+          <a:ext cx="4797874" cy="4798461"/>
+        </a:xfrm>
+        <a:prstGeom prst="ellipse">
+          <a:avLst/>
+        </a:prstGeom>
+        <a:solidFill>
+          <a:schemeClr val="accent2">
+            <a:lumMod val="75000"/>
+            <a:alpha val="50000"/>
+          </a:schemeClr>
+        </a:solidFill>
+        <a:ln w="19050" cap="flat" cmpd="sng" algn="ctr">
+          <a:solidFill>
+            <a:schemeClr val="lt1">
+              <a:hueOff val="0"/>
+              <a:satOff val="0"/>
+              <a:lumOff val="0"/>
+              <a:alphaOff val="0"/>
+            </a:schemeClr>
+          </a:solidFill>
+          <a:prstDash val="solid"/>
+        </a:ln>
+        <a:effectLst/>
+      </dsp:spPr>
+      <dsp:style>
+        <a:lnRef idx="2">
+          <a:scrgbClr r="0" g="0" b="0"/>
+        </a:lnRef>
+        <a:fillRef idx="1">
+          <a:scrgbClr r="0" g="0" b="0"/>
+        </a:fillRef>
+        <a:effectRef idx="0">
+          <a:scrgbClr r="0" g="0" b="0"/>
+        </a:effectRef>
+        <a:fontRef idx="minor">
+          <a:schemeClr val="tx1"/>
+        </a:fontRef>
+      </dsp:style>
+      <dsp:txBody>
+        <a:bodyPr spcFirstLastPara="0" vert="horz" wrap="square" lIns="83820" tIns="83820" rIns="83820" bIns="83820" numCol="1" spcCol="1270" anchor="ctr" anchorCtr="0">
+          <a:noAutofit/>
+        </a:bodyPr>
+        <a:lstStyle/>
+        <a:p>
+          <a:pPr lvl="0" algn="ctr" defTabSz="977900">
+            <a:lnSpc>
+              <a:spcPct val="90000"/>
+            </a:lnSpc>
+            <a:spcBef>
+              <a:spcPct val="0"/>
+            </a:spcBef>
+            <a:spcAft>
+              <a:spcPct val="35000"/>
+            </a:spcAft>
+          </a:pPr>
+          <a:endParaRPr lang="zh-CN" altLang="en-US" sz="2200" kern="1200" dirty="0"/>
+        </a:p>
+      </dsp:txBody>
+      <dsp:txXfrm>
+        <a:off x="1021998" y="1447078"/>
+        <a:ext cx="3392610" cy="3393025"/>
+      </dsp:txXfrm>
+    </dsp:sp>
+    <dsp:sp modelId="{330065FC-D52F-44F0-A3CA-661156F3B934}">
+      <dsp:nvSpPr>
+        <dsp:cNvPr id="0" name=""/>
+        <dsp:cNvSpPr/>
+      </dsp:nvSpPr>
+      <dsp:spPr>
+        <a:xfrm>
+          <a:off x="5256598" y="1596284"/>
+          <a:ext cx="3147721" cy="3225493"/>
+        </a:xfrm>
+        <a:prstGeom prst="ellipse">
+          <a:avLst/>
+        </a:prstGeom>
+        <a:solidFill>
+          <a:schemeClr val="tx2">
+            <a:alpha val="50000"/>
+          </a:schemeClr>
+        </a:solidFill>
+        <a:ln w="19050" cap="flat" cmpd="sng" algn="ctr">
+          <a:solidFill>
+            <a:schemeClr val="lt1">
+              <a:hueOff val="0"/>
+              <a:satOff val="0"/>
+              <a:lumOff val="0"/>
+              <a:alphaOff val="0"/>
+            </a:schemeClr>
+          </a:solidFill>
+          <a:prstDash val="solid"/>
+        </a:ln>
+        <a:effectLst/>
+      </dsp:spPr>
+      <dsp:style>
+        <a:lnRef idx="2">
+          <a:scrgbClr r="0" g="0" b="0"/>
+        </a:lnRef>
+        <a:fillRef idx="1">
+          <a:scrgbClr r="0" g="0" b="0"/>
+        </a:fillRef>
+        <a:effectRef idx="0">
+          <a:scrgbClr r="0" g="0" b="0"/>
+        </a:effectRef>
+        <a:fontRef idx="minor">
+          <a:schemeClr val="tx1"/>
+        </a:fontRef>
+      </dsp:style>
+      <dsp:txBody>
+        <a:bodyPr spcFirstLastPara="0" vert="horz" wrap="square" lIns="83820" tIns="83820" rIns="83820" bIns="83820" numCol="1" spcCol="1270" anchor="ctr" anchorCtr="0">
+          <a:noAutofit/>
+        </a:bodyPr>
+        <a:lstStyle/>
+        <a:p>
+          <a:pPr lvl="0" algn="ctr" defTabSz="977900">
+            <a:lnSpc>
+              <a:spcPct val="90000"/>
+            </a:lnSpc>
+            <a:spcBef>
+              <a:spcPct val="0"/>
+            </a:spcBef>
+            <a:spcAft>
+              <a:spcPct val="35000"/>
+            </a:spcAft>
+          </a:pPr>
+          <a:endParaRPr lang="zh-CN" altLang="en-US" sz="2200" kern="1200" dirty="0"/>
+        </a:p>
+      </dsp:txBody>
+      <dsp:txXfrm>
+        <a:off x="5717571" y="2068647"/>
+        <a:ext cx="2225775" cy="2280767"/>
+      </dsp:txXfrm>
+    </dsp:sp>
+    <dsp:sp modelId="{63FDA054-3AA1-4301-8ACB-2C1501CD958B}">
+      <dsp:nvSpPr>
+        <dsp:cNvPr id="0" name=""/>
+        <dsp:cNvSpPr/>
+      </dsp:nvSpPr>
+      <dsp:spPr>
+        <a:xfrm>
+          <a:off x="5544632" y="2448277"/>
+          <a:ext cx="2036772" cy="2087176"/>
+        </a:xfrm>
+        <a:prstGeom prst="ellipse">
+          <a:avLst/>
+        </a:prstGeom>
+        <a:solidFill>
+          <a:schemeClr val="accent4">
+            <a:lumMod val="75000"/>
+            <a:alpha val="50000"/>
+          </a:schemeClr>
+        </a:solidFill>
+        <a:ln w="19050" cap="flat" cmpd="sng" algn="ctr">
+          <a:solidFill>
+            <a:schemeClr val="lt1">
+              <a:hueOff val="0"/>
+              <a:satOff val="0"/>
+              <a:lumOff val="0"/>
+              <a:alphaOff val="0"/>
+            </a:schemeClr>
+          </a:solidFill>
+          <a:prstDash val="solid"/>
+        </a:ln>
+        <a:effectLst/>
+      </dsp:spPr>
+      <dsp:style>
+        <a:lnRef idx="2">
+          <a:scrgbClr r="0" g="0" b="0"/>
+        </a:lnRef>
+        <a:fillRef idx="1">
+          <a:scrgbClr r="0" g="0" b="0"/>
+        </a:fillRef>
+        <a:effectRef idx="0">
+          <a:scrgbClr r="0" g="0" b="0"/>
+        </a:effectRef>
+        <a:fontRef idx="minor">
+          <a:schemeClr val="tx1"/>
+        </a:fontRef>
+      </dsp:style>
+      <dsp:txBody>
+        <a:bodyPr spcFirstLastPara="0" vert="horz" wrap="square" lIns="83820" tIns="83820" rIns="83820" bIns="83820" numCol="1" spcCol="1270" anchor="ctr" anchorCtr="0">
+          <a:noAutofit/>
+        </a:bodyPr>
+        <a:lstStyle/>
+        <a:p>
+          <a:pPr lvl="0" algn="ctr" defTabSz="977900">
+            <a:lnSpc>
+              <a:spcPct val="90000"/>
+            </a:lnSpc>
+            <a:spcBef>
+              <a:spcPct val="0"/>
+            </a:spcBef>
+            <a:spcAft>
+              <a:spcPct val="35000"/>
+            </a:spcAft>
+          </a:pPr>
+          <a:r>
+            <a:rPr lang="en-US" altLang="zh-CN" sz="2200" kern="1200" dirty="0" smtClean="0"/>
+            <a:t>element</a:t>
+          </a:r>
+          <a:endParaRPr lang="zh-CN" altLang="en-US" sz="2200" kern="1200" dirty="0"/>
+        </a:p>
+      </dsp:txBody>
+      <dsp:txXfrm>
+        <a:off x="5842910" y="2753937"/>
+        <a:ext cx="1440216" cy="1475856"/>
+      </dsp:txXfrm>
+    </dsp:sp>
+    <dsp:sp modelId="{88FE8CBF-5FE3-4379-A4DA-9F872F996F13}">
+      <dsp:nvSpPr>
+        <dsp:cNvPr id="0" name=""/>
+        <dsp:cNvSpPr/>
+      </dsp:nvSpPr>
+      <dsp:spPr>
+        <a:xfrm>
+          <a:off x="1123494" y="2153213"/>
+          <a:ext cx="3197001" cy="3197392"/>
+        </a:xfrm>
+        <a:prstGeom prst="ellipse">
+          <a:avLst/>
+        </a:prstGeom>
+        <a:solidFill>
+          <a:schemeClr val="accent1">
+            <a:alpha val="50000"/>
+            <a:hueOff val="0"/>
+            <a:satOff val="0"/>
+            <a:lumOff val="0"/>
+            <a:alphaOff val="0"/>
+          </a:schemeClr>
+        </a:solidFill>
+        <a:ln w="19050" cap="flat" cmpd="sng" algn="ctr">
+          <a:solidFill>
+            <a:schemeClr val="lt1">
+              <a:hueOff val="0"/>
+              <a:satOff val="0"/>
+              <a:lumOff val="0"/>
+              <a:alphaOff val="0"/>
+            </a:schemeClr>
+          </a:solidFill>
+          <a:prstDash val="solid"/>
+        </a:ln>
+        <a:effectLst/>
+      </dsp:spPr>
+      <dsp:style>
+        <a:lnRef idx="2">
+          <a:scrgbClr r="0" g="0" b="0"/>
+        </a:lnRef>
+        <a:fillRef idx="1">
+          <a:scrgbClr r="0" g="0" b="0"/>
+        </a:fillRef>
+        <a:effectRef idx="0">
+          <a:scrgbClr r="0" g="0" b="0"/>
+        </a:effectRef>
+        <a:fontRef idx="minor">
+          <a:schemeClr val="tx1"/>
+        </a:fontRef>
+      </dsp:style>
+      <dsp:txBody>
+        <a:bodyPr spcFirstLastPara="0" vert="horz" wrap="square" lIns="83820" tIns="83820" rIns="83820" bIns="83820" numCol="1" spcCol="1270" anchor="ctr" anchorCtr="0">
+          <a:noAutofit/>
+        </a:bodyPr>
+        <a:lstStyle/>
+        <a:p>
+          <a:pPr lvl="0" algn="ctr" defTabSz="977900">
+            <a:lnSpc>
+              <a:spcPct val="90000"/>
+            </a:lnSpc>
+            <a:spcBef>
+              <a:spcPct val="0"/>
+            </a:spcBef>
+            <a:spcAft>
+              <a:spcPct val="35000"/>
+            </a:spcAft>
+          </a:pPr>
+          <a:r>
+            <a:rPr lang="en-US" altLang="zh-CN" sz="2200" kern="1200" dirty="0" err="1" smtClean="0"/>
+            <a:t>HTMLCollection</a:t>
+          </a:r>
+          <a:endParaRPr lang="zh-CN" altLang="en-US" sz="2200" kern="1200" dirty="0"/>
+        </a:p>
+      </dsp:txBody>
+      <dsp:txXfrm>
+        <a:off x="1591684" y="2621460"/>
+        <a:ext cx="2260621" cy="2260898"/>
       </dsp:txXfrm>
     </dsp:sp>
   </dsp:spTree>
@@ -5945,6 +8678,749 @@
 </dgm:layoutDef>
 </file>
 
+<file path=ppt/diagrams/layout3.xml><?xml version="1.0" encoding="utf-8"?>
+<dgm:layoutDef xmlns:dgm="http://schemas.openxmlformats.org/drawingml/2006/diagram" xmlns:a="http://schemas.openxmlformats.org/drawingml/2006/main" uniqueId="urn:microsoft.com/office/officeart/2005/8/layout/process1">
+  <dgm:title val=""/>
+  <dgm:desc val=""/>
+  <dgm:catLst>
+    <dgm:cat type="process" pri="1000"/>
+    <dgm:cat type="convert" pri="15000"/>
+  </dgm:catLst>
+  <dgm:sampData useDef="1">
+    <dgm:dataModel>
+      <dgm:ptLst/>
+      <dgm:bg/>
+      <dgm:whole/>
+    </dgm:dataModel>
+  </dgm:sampData>
+  <dgm:styleData>
+    <dgm:dataModel>
+      <dgm:ptLst>
+        <dgm:pt modelId="0" type="doc"/>
+        <dgm:pt modelId="1"/>
+        <dgm:pt modelId="2"/>
+      </dgm:ptLst>
+      <dgm:cxnLst>
+        <dgm:cxn modelId="3" srcId="0" destId="1" srcOrd="0" destOrd="0"/>
+        <dgm:cxn modelId="4" srcId="0" destId="2" srcOrd="1" destOrd="0"/>
+      </dgm:cxnLst>
+      <dgm:bg/>
+      <dgm:whole/>
+    </dgm:dataModel>
+  </dgm:styleData>
+  <dgm:clrData>
+    <dgm:dataModel>
+      <dgm:ptLst>
+        <dgm:pt modelId="0" type="doc"/>
+        <dgm:pt modelId="1"/>
+        <dgm:pt modelId="2"/>
+        <dgm:pt modelId="3"/>
+        <dgm:pt modelId="4"/>
+      </dgm:ptLst>
+      <dgm:cxnLst>
+        <dgm:cxn modelId="5" srcId="0" destId="1" srcOrd="0" destOrd="0"/>
+        <dgm:cxn modelId="6" srcId="0" destId="2" srcOrd="1" destOrd="0"/>
+        <dgm:cxn modelId="7" srcId="0" destId="3" srcOrd="2" destOrd="0"/>
+        <dgm:cxn modelId="8" srcId="0" destId="4" srcOrd="3" destOrd="0"/>
+      </dgm:cxnLst>
+      <dgm:bg/>
+      <dgm:whole/>
+    </dgm:dataModel>
+  </dgm:clrData>
+  <dgm:layoutNode name="Name0">
+    <dgm:varLst>
+      <dgm:dir/>
+      <dgm:resizeHandles val="exact"/>
+    </dgm:varLst>
+    <dgm:choose name="Name1">
+      <dgm:if name="Name2" func="var" arg="dir" op="equ" val="norm">
+        <dgm:alg type="lin"/>
+      </dgm:if>
+      <dgm:else name="Name3">
+        <dgm:alg type="lin">
+          <dgm:param type="linDir" val="fromR"/>
+        </dgm:alg>
+      </dgm:else>
+    </dgm:choose>
+    <dgm:shape xmlns:r="http://schemas.openxmlformats.org/officeDocument/2006/relationships" r:blip="">
+      <dgm:adjLst/>
+    </dgm:shape>
+    <dgm:presOf/>
+    <dgm:constrLst>
+      <dgm:constr type="w" for="ch" ptType="node" refType="w"/>
+      <dgm:constr type="h" for="ch" ptType="node" op="equ"/>
+      <dgm:constr type="primFontSz" for="ch" ptType="node" op="equ" val="65"/>
+      <dgm:constr type="w" for="ch" ptType="sibTrans" refType="w" refFor="ch" refPtType="node" op="equ" fact="0.4"/>
+      <dgm:constr type="h" for="ch" ptType="sibTrans" op="equ"/>
+      <dgm:constr type="primFontSz" for="des" forName="connectorText" op="equ" val="55"/>
+      <dgm:constr type="primFontSz" for="des" forName="connectorText" refType="primFontSz" refFor="ch" refPtType="node" op="lte" fact="0.8"/>
+    </dgm:constrLst>
+    <dgm:ruleLst/>
+    <dgm:forEach name="nodesForEach" axis="ch" ptType="node">
+      <dgm:layoutNode name="node">
+        <dgm:varLst>
+          <dgm:bulletEnabled val="1"/>
+        </dgm:varLst>
+        <dgm:alg type="tx"/>
+        <dgm:shape xmlns:r="http://schemas.openxmlformats.org/officeDocument/2006/relationships" type="roundRect" r:blip="">
+          <dgm:adjLst>
+            <dgm:adj idx="1" val="0.1"/>
+          </dgm:adjLst>
+        </dgm:shape>
+        <dgm:presOf axis="desOrSelf" ptType="node"/>
+        <dgm:constrLst>
+          <dgm:constr type="h" refType="w" fact="0.6"/>
+          <dgm:constr type="tMarg" refType="primFontSz" fact="0.3"/>
+          <dgm:constr type="bMarg" refType="primFontSz" fact="0.3"/>
+          <dgm:constr type="lMarg" refType="primFontSz" fact="0.3"/>
+          <dgm:constr type="rMarg" refType="primFontSz" fact="0.3"/>
+        </dgm:constrLst>
+        <dgm:ruleLst>
+          <dgm:rule type="primFontSz" val="18" fact="NaN" max="NaN"/>
+          <dgm:rule type="h" val="NaN" fact="1.5" max="NaN"/>
+          <dgm:rule type="primFontSz" val="5" fact="NaN" max="NaN"/>
+          <dgm:rule type="h" val="INF" fact="NaN" max="NaN"/>
+        </dgm:ruleLst>
+      </dgm:layoutNode>
+      <dgm:forEach name="sibTransForEach" axis="followSib" ptType="sibTrans" cnt="1">
+        <dgm:layoutNode name="sibTrans">
+          <dgm:alg type="conn">
+            <dgm:param type="begPts" val="auto"/>
+            <dgm:param type="endPts" val="auto"/>
+          </dgm:alg>
+          <dgm:shape xmlns:r="http://schemas.openxmlformats.org/officeDocument/2006/relationships" type="conn" r:blip="">
+            <dgm:adjLst/>
+          </dgm:shape>
+          <dgm:presOf axis="self"/>
+          <dgm:constrLst>
+            <dgm:constr type="h" refType="w" fact="0.62"/>
+            <dgm:constr type="connDist"/>
+            <dgm:constr type="begPad" refType="connDist" fact="0.25"/>
+            <dgm:constr type="endPad" refType="connDist" fact="0.22"/>
+          </dgm:constrLst>
+          <dgm:ruleLst/>
+          <dgm:layoutNode name="connectorText">
+            <dgm:alg type="tx">
+              <dgm:param type="autoTxRot" val="grav"/>
+            </dgm:alg>
+            <dgm:shape xmlns:r="http://schemas.openxmlformats.org/officeDocument/2006/relationships" type="conn" r:blip="" hideGeom="1">
+              <dgm:adjLst/>
+            </dgm:shape>
+            <dgm:presOf axis="self"/>
+            <dgm:constrLst>
+              <dgm:constr type="lMarg"/>
+              <dgm:constr type="rMarg"/>
+              <dgm:constr type="tMarg"/>
+              <dgm:constr type="bMarg"/>
+            </dgm:constrLst>
+            <dgm:ruleLst>
+              <dgm:rule type="primFontSz" val="5" fact="NaN" max="NaN"/>
+            </dgm:ruleLst>
+          </dgm:layoutNode>
+        </dgm:layoutNode>
+      </dgm:forEach>
+    </dgm:forEach>
+  </dgm:layoutNode>
+</dgm:layoutDef>
+</file>
+
+<file path=ppt/diagrams/layout4.xml><?xml version="1.0" encoding="utf-8"?>
+<dgm:layoutDef xmlns:dgm="http://schemas.openxmlformats.org/drawingml/2006/diagram" xmlns:a="http://schemas.openxmlformats.org/drawingml/2006/main" uniqueId="urn:microsoft.com/office/officeart/2005/8/layout/rings+Icon">
+  <dgm:title val="互连圆环"/>
+  <dgm:desc val="用于显示重叠或互相关联的想法或概念。前七行的 1 级文本对应一个圆环。不使用的文本不出现，但是在切换版式后仍然可用。 "/>
+  <dgm:catLst>
+    <dgm:cat type="relationship" pri="32000"/>
+    <dgm:cat type="officeonline" pri="6000"/>
+  </dgm:catLst>
+  <dgm:sampData useDef="1">
+    <dgm:dataModel>
+      <dgm:ptLst/>
+      <dgm:bg/>
+      <dgm:whole/>
+    </dgm:dataModel>
+  </dgm:sampData>
+  <dgm:styleData>
+    <dgm:dataModel>
+      <dgm:ptLst>
+        <dgm:pt modelId="0" type="doc"/>
+        <dgm:pt modelId="10"/>
+        <dgm:pt modelId="20"/>
+      </dgm:ptLst>
+      <dgm:cxnLst>
+        <dgm:cxn modelId="30" srcId="0" destId="10" srcOrd="0" destOrd="0"/>
+        <dgm:cxn modelId="40" srcId="0" destId="20" srcOrd="1" destOrd="0"/>
+      </dgm:cxnLst>
+      <dgm:bg/>
+      <dgm:whole/>
+    </dgm:dataModel>
+  </dgm:styleData>
+  <dgm:clrData>
+    <dgm:dataModel>
+      <dgm:ptLst>
+        <dgm:pt modelId="0" type="doc"/>
+        <dgm:pt modelId="10"/>
+        <dgm:pt modelId="20"/>
+        <dgm:pt modelId="30"/>
+        <dgm:pt modelId="40"/>
+      </dgm:ptLst>
+      <dgm:cxnLst>
+        <dgm:cxn modelId="50" srcId="0" destId="10" srcOrd="0" destOrd="0"/>
+        <dgm:cxn modelId="60" srcId="0" destId="20" srcOrd="1" destOrd="0"/>
+        <dgm:cxn modelId="70" srcId="0" destId="30" srcOrd="2" destOrd="0"/>
+        <dgm:cxn modelId="80" srcId="0" destId="40" srcOrd="2" destOrd="0"/>
+      </dgm:cxnLst>
+      <dgm:bg/>
+      <dgm:whole/>
+    </dgm:dataModel>
+  </dgm:clrData>
+  <dgm:layoutNode name="Name0">
+    <dgm:varLst>
+      <dgm:chMax val="7"/>
+      <dgm:dir/>
+      <dgm:resizeHandles val="exact"/>
+    </dgm:varLst>
+    <dgm:choose name="Name1">
+      <dgm:if name="Name2" axis="ch" ptType="node" func="cnt" op="lt" val="1">
+        <dgm:alg type="composite"/>
+        <dgm:shape xmlns:r="http://schemas.openxmlformats.org/officeDocument/2006/relationships" r:blip="">
+          <dgm:adjLst/>
+        </dgm:shape>
+        <dgm:presOf/>
+        <dgm:constrLst/>
+        <dgm:ruleLst/>
+      </dgm:if>
+      <dgm:if name="Name3" axis="ch" ptType="node" func="cnt" op="equ" val="1">
+        <dgm:alg type="composite">
+          <dgm:param type="ar" val="1"/>
+        </dgm:alg>
+        <dgm:shape xmlns:r="http://schemas.openxmlformats.org/officeDocument/2006/relationships" r:blip="">
+          <dgm:adjLst/>
+        </dgm:shape>
+        <dgm:presOf/>
+        <dgm:constrLst>
+          <dgm:constr type="primFontSz" for="des" ptType="node" op="equ" val="65"/>
+          <dgm:constr type="l" for="ch" forName="ellipse1" refType="w" fact="0"/>
+          <dgm:constr type="t" for="ch" forName="ellipse1" refType="h" fact="0"/>
+          <dgm:constr type="w" for="ch" forName="ellipse1" refType="w"/>
+          <dgm:constr type="h" for="ch" forName="ellipse1" refType="h"/>
+        </dgm:constrLst>
+      </dgm:if>
+      <dgm:if name="Name4" axis="ch" ptType="node" func="cnt" op="equ" val="2">
+        <dgm:alg type="composite">
+          <dgm:param type="ar" val="0.9086"/>
+        </dgm:alg>
+        <dgm:shape xmlns:r="http://schemas.openxmlformats.org/officeDocument/2006/relationships" r:blip="">
+          <dgm:adjLst/>
+        </dgm:shape>
+        <dgm:presOf/>
+        <dgm:constrLst>
+          <dgm:constr type="primFontSz" for="des" ptType="node" op="equ" val="65"/>
+          <dgm:constr type="l" for="ch" forName="ellipse1" refType="w" fact="0"/>
+          <dgm:constr type="t" for="ch" forName="ellipse1" refType="h" fact="0"/>
+          <dgm:constr type="w" for="ch" forName="ellipse1" refType="w" fact="0.6602"/>
+          <dgm:constr type="h" for="ch" forName="ellipse1" refType="h" fact="0.5999"/>
+          <dgm:constr type="l" for="ch" forName="ellipse2" refType="w" fact="0.3398"/>
+          <dgm:constr type="t" for="ch" forName="ellipse2" refType="h" fact="0.4001"/>
+          <dgm:constr type="w" for="ch" forName="ellipse2" refType="w" fact="0.6602"/>
+          <dgm:constr type="h" for="ch" forName="ellipse2" refType="h" fact="0.5999"/>
+        </dgm:constrLst>
+      </dgm:if>
+      <dgm:if name="Name5" axis="ch" ptType="node" func="cnt" op="equ" val="3">
+        <dgm:alg type="composite">
+          <dgm:param type="ar" val="1.2171"/>
+        </dgm:alg>
+        <dgm:shape xmlns:r="http://schemas.openxmlformats.org/officeDocument/2006/relationships" r:blip="">
+          <dgm:adjLst/>
+        </dgm:shape>
+        <dgm:presOf/>
+        <dgm:constrLst>
+          <dgm:constr type="primFontSz" for="des" ptType="node" op="equ" val="65"/>
+          <dgm:constr type="l" for="ch" forName="ellipse1" refType="w" fact="0"/>
+          <dgm:constr type="t" for="ch" forName="ellipse1" refType="h" fact="0"/>
+          <dgm:constr type="w" for="ch" forName="ellipse1" refType="w" fact="0.4929"/>
+          <dgm:constr type="h" for="ch" forName="ellipse1" refType="h" fact="0.5999"/>
+          <dgm:constr type="l" for="ch" forName="ellipse2" refType="w" fact="0.2537"/>
+          <dgm:constr type="t" for="ch" forName="ellipse2" refType="h" fact="0.4001"/>
+          <dgm:constr type="w" for="ch" forName="ellipse2" refType="w" fact="0.4929"/>
+          <dgm:constr type="h" for="ch" forName="ellipse2" refType="h" fact="0.5999"/>
+          <dgm:constr type="l" for="ch" forName="ellipse3" refType="w" fact="0.5071"/>
+          <dgm:constr type="t" for="ch" forName="ellipse3" refType="h" fact="0"/>
+          <dgm:constr type="w" for="ch" forName="ellipse3" refType="w" fact="0.4929"/>
+          <dgm:constr type="h" for="ch" forName="ellipse3" refType="h" fact="0.5999"/>
+        </dgm:constrLst>
+      </dgm:if>
+      <dgm:if name="Name6" axis="ch" ptType="node" func="cnt" op="equ" val="4">
+        <dgm:alg type="composite">
+          <dgm:param type="ar" val="1.5255"/>
+        </dgm:alg>
+        <dgm:shape xmlns:r="http://schemas.openxmlformats.org/officeDocument/2006/relationships" r:blip="">
+          <dgm:adjLst/>
+        </dgm:shape>
+        <dgm:presOf/>
+        <dgm:constrLst>
+          <dgm:constr type="primFontSz" for="des" ptType="node" op="equ" val="65"/>
+          <dgm:constr type="l" for="ch" forName="ellipse1" refType="w" fact="0"/>
+          <dgm:constr type="t" for="ch" forName="ellipse1" refType="h" fact="0"/>
+          <dgm:constr type="w" for="ch" forName="ellipse1" refType="w" fact="0.3932"/>
+          <dgm:constr type="h" for="ch" forName="ellipse1" refType="h" fact="0.5999"/>
+          <dgm:constr type="l" for="ch" forName="ellipse2" refType="w" fact="0.2023"/>
+          <dgm:constr type="t" for="ch" forName="ellipse2" refType="h" fact="0.4001"/>
+          <dgm:constr type="w" for="ch" forName="ellipse2" refType="w" fact="0.3932"/>
+          <dgm:constr type="h" for="ch" forName="ellipse2" refType="h" fact="0.5999"/>
+          <dgm:constr type="l" for="ch" forName="ellipse3" refType="w" fact="0.4045"/>
+          <dgm:constr type="t" for="ch" forName="ellipse3" refType="h" fact="0"/>
+          <dgm:constr type="w" for="ch" forName="ellipse3" refType="w" fact="0.3932"/>
+          <dgm:constr type="h" for="ch" forName="ellipse3" refType="h" fact="0.5999"/>
+          <dgm:constr type="l" for="ch" forName="ellipse4" refType="w" fact="0.6068"/>
+          <dgm:constr type="t" for="ch" forName="ellipse4" refType="h" fact="0.4001"/>
+          <dgm:constr type="w" for="ch" forName="ellipse4" refType="w" fact="0.3932"/>
+          <dgm:constr type="h" for="ch" forName="ellipse4" refType="h" fact="0.5999"/>
+        </dgm:constrLst>
+      </dgm:if>
+      <dgm:if name="Name7" axis="ch" ptType="node" func="cnt" op="equ" val="5">
+        <dgm:alg type="composite">
+          <dgm:param type="ar" val="1.834"/>
+        </dgm:alg>
+        <dgm:shape xmlns:r="http://schemas.openxmlformats.org/officeDocument/2006/relationships" r:blip="">
+          <dgm:adjLst/>
+        </dgm:shape>
+        <dgm:presOf/>
+        <dgm:constrLst>
+          <dgm:constr type="primFontSz" for="des" ptType="node" op="equ" val="65"/>
+          <dgm:constr type="l" for="ch" forName="ellipse1" refType="w" fact="0"/>
+          <dgm:constr type="t" for="ch" forName="ellipse1" refType="h" fact="0"/>
+          <dgm:constr type="w" for="ch" forName="ellipse1" refType="w" fact="0.3271"/>
+          <dgm:constr type="h" for="ch" forName="ellipse1" refType="h" fact="0.5999"/>
+          <dgm:constr type="l" for="ch" forName="ellipse2" refType="w" fact="0.1682"/>
+          <dgm:constr type="t" for="ch" forName="ellipse2" refType="h" fact="0.4001"/>
+          <dgm:constr type="w" for="ch" forName="ellipse2" refType="w" fact="0.3271"/>
+          <dgm:constr type="h" for="ch" forName="ellipse2" refType="h" fact="0.5999"/>
+          <dgm:constr type="l" for="ch" forName="ellipse3" refType="w" fact="0.3365"/>
+          <dgm:constr type="t" for="ch" forName="ellipse3" refType="h" fact="0"/>
+          <dgm:constr type="w" for="ch" forName="ellipse3" refType="w" fact="0.3271"/>
+          <dgm:constr type="h" for="ch" forName="ellipse3" refType="h" fact="0.5999"/>
+          <dgm:constr type="l" for="ch" forName="ellipse4" refType="w" fact="0.5047"/>
+          <dgm:constr type="t" for="ch" forName="ellipse4" refType="h" fact="0.4001"/>
+          <dgm:constr type="w" for="ch" forName="ellipse4" refType="w" fact="0.3271"/>
+          <dgm:constr type="h" for="ch" forName="ellipse4" refType="h" fact="0.5999"/>
+          <dgm:constr type="l" for="ch" forName="ellipse5" refType="w" fact="0.6729"/>
+          <dgm:constr type="t" for="ch" forName="ellipse5" refType="h" fact="0"/>
+          <dgm:constr type="w" for="ch" forName="ellipse5" refType="w" fact="0.3271"/>
+          <dgm:constr type="h" for="ch" forName="ellipse5" refType="h" fact="0.5999"/>
+        </dgm:constrLst>
+      </dgm:if>
+      <dgm:if name="Name8" axis="ch" ptType="node" func="cnt" op="equ" val="6">
+        <dgm:alg type="composite">
+          <dgm:param type="ar" val="2.1873"/>
+        </dgm:alg>
+        <dgm:shape xmlns:r="http://schemas.openxmlformats.org/officeDocument/2006/relationships" r:blip="">
+          <dgm:adjLst/>
+        </dgm:shape>
+        <dgm:presOf/>
+        <dgm:constrLst>
+          <dgm:constr type="primFontSz" for="des" ptType="node" op="equ" val="65"/>
+          <dgm:constr type="l" for="ch" forName="ellipse1" refType="w" fact="0"/>
+          <dgm:constr type="t" for="ch" forName="ellipse1" refType="h" fact="0"/>
+          <dgm:constr type="w" for="ch" forName="ellipse1" refType="w" fact="0.278"/>
+          <dgm:constr type="h" for="ch" forName="ellipse1" refType="h" fact="0.6081"/>
+          <dgm:constr type="l" for="ch" forName="ellipse2" refType="w" fact="0.1444"/>
+          <dgm:constr type="t" for="ch" forName="ellipse2" refType="h" fact="0.3919"/>
+          <dgm:constr type="w" for="ch" forName="ellipse2" refType="w" fact="0.278"/>
+          <dgm:constr type="h" for="ch" forName="ellipse2" refType="h" fact="0.6081"/>
+          <dgm:constr type="l" for="ch" forName="ellipse3" refType="w" fact="0.2888"/>
+          <dgm:constr type="t" for="ch" forName="ellipse3" refType="h" fact="0"/>
+          <dgm:constr type="w" for="ch" forName="ellipse3" refType="w" fact="0.278"/>
+          <dgm:constr type="h" for="ch" forName="ellipse3" refType="h" fact="0.6081"/>
+          <dgm:constr type="l" for="ch" forName="ellipse4" refType="w" fact="0.4332"/>
+          <dgm:constr type="t" for="ch" forName="ellipse4" refType="h" fact="0.3919"/>
+          <dgm:constr type="w" for="ch" forName="ellipse4" refType="w" fact="0.278"/>
+          <dgm:constr type="h" for="ch" forName="ellipse4" refType="h" fact="0.6081"/>
+          <dgm:constr type="l" for="ch" forName="ellipse5" refType="w" fact="0.5776"/>
+          <dgm:constr type="t" for="ch" forName="ellipse5" refType="h" fact="0"/>
+          <dgm:constr type="w" for="ch" forName="ellipse5" refType="w" fact="0.278"/>
+          <dgm:constr type="h" for="ch" forName="ellipse5" refType="h" fact="0.6081"/>
+          <dgm:constr type="l" for="ch" forName="ellipse6" refType="w" fact="0.722"/>
+          <dgm:constr type="t" for="ch" forName="ellipse6" refType="h" fact="0.3919"/>
+          <dgm:constr type="w" for="ch" forName="ellipse6" refType="w" fact="0.278"/>
+          <dgm:constr type="h" for="ch" forName="ellipse6" refType="h" fact="0.6081"/>
+        </dgm:constrLst>
+      </dgm:if>
+      <dgm:else name="Name9">
+        <dgm:alg type="composite">
+          <dgm:param type="ar" val="2.3466"/>
+        </dgm:alg>
+        <dgm:shape xmlns:r="http://schemas.openxmlformats.org/officeDocument/2006/relationships" r:blip="">
+          <dgm:adjLst/>
+        </dgm:shape>
+        <dgm:presOf/>
+        <dgm:constrLst>
+          <dgm:constr type="primFontSz" for="des" ptType="node" op="equ" val="65"/>
+          <dgm:constr type="l" for="ch" forName="ellipse1" refType="w" fact="0"/>
+          <dgm:constr type="t" for="ch" forName="ellipse1" refType="h" fact="0"/>
+          <dgm:constr type="w" for="ch" forName="ellipse1" refType="w" fact="0.2455"/>
+          <dgm:constr type="h" for="ch" forName="ellipse1" refType="h" fact="0.5761"/>
+          <dgm:constr type="l" for="ch" forName="ellipse2" refType="w" fact="0.1257"/>
+          <dgm:constr type="t" for="ch" forName="ellipse2" refType="h" fact="0.4239"/>
+          <dgm:constr type="w" for="ch" forName="ellipse2" refType="w" fact="0.2455"/>
+          <dgm:constr type="h" for="ch" forName="ellipse2" refType="h" fact="0.5761"/>
+          <dgm:constr type="l" for="ch" forName="ellipse3" refType="w" fact="0.2515"/>
+          <dgm:constr type="t" for="ch" forName="ellipse3" refType="h" fact="0"/>
+          <dgm:constr type="w" for="ch" forName="ellipse3" refType="w" fact="0.2455"/>
+          <dgm:constr type="h" for="ch" forName="ellipse3" refType="h" fact="0.5761"/>
+          <dgm:constr type="l" for="ch" forName="ellipse4" refType="w" fact="0.3772"/>
+          <dgm:constr type="t" for="ch" forName="ellipse4" refType="h" fact="0.4239"/>
+          <dgm:constr type="w" for="ch" forName="ellipse4" refType="w" fact="0.2455"/>
+          <dgm:constr type="h" for="ch" forName="ellipse4" refType="h" fact="0.5761"/>
+          <dgm:constr type="l" for="ch" forName="ellipse5" refType="w" fact="0.503"/>
+          <dgm:constr type="t" for="ch" forName="ellipse5" refType="h" fact="0"/>
+          <dgm:constr type="w" for="ch" forName="ellipse5" refType="w" fact="0.2455"/>
+          <dgm:constr type="h" for="ch" forName="ellipse5" refType="h" fact="0.5761"/>
+          <dgm:constr type="l" for="ch" forName="ellipse6" refType="w" fact="0.6287"/>
+          <dgm:constr type="t" for="ch" forName="ellipse6" refType="h" fact="0.4239"/>
+          <dgm:constr type="w" for="ch" forName="ellipse6" refType="w" fact="0.2455"/>
+          <dgm:constr type="h" for="ch" forName="ellipse6" refType="h" fact="0.5761"/>
+          <dgm:constr type="l" for="ch" forName="ellipse7" refType="w" fact="0.7545"/>
+          <dgm:constr type="t" for="ch" forName="ellipse7" refType="h" fact="0"/>
+          <dgm:constr type="w" for="ch" forName="ellipse7" refType="w" fact="0.2455"/>
+          <dgm:constr type="h" for="ch" forName="ellipse7" refType="h" fact="0.5761"/>
+        </dgm:constrLst>
+      </dgm:else>
+    </dgm:choose>
+    <dgm:choose name="Name10">
+      <dgm:if name="Name11" axis="ch" ptType="node" func="cnt" op="gte" val="1">
+        <dgm:layoutNode name="ellipse1" styleLbl="vennNode1">
+          <dgm:varLst>
+            <dgm:bulletEnabled val="1"/>
+          </dgm:varLst>
+          <dgm:alg type="tx"/>
+          <dgm:shape xmlns:r="http://schemas.openxmlformats.org/officeDocument/2006/relationships" type="ellipse" r:blip="">
+            <dgm:adjLst/>
+          </dgm:shape>
+          <dgm:choose name="Name12">
+            <dgm:if name="Name13" func="var" arg="dir" op="equ" val="norm">
+              <dgm:presOf axis="ch desOrSelf" ptType="node node" st="1 1" cnt="1 0"/>
+            </dgm:if>
+            <dgm:else name="Name14">
+              <dgm:choose name="Name15">
+                <dgm:if name="Name16" axis="ch" ptType="node" func="cnt" op="equ" val="1">
+                  <dgm:presOf axis="ch desOrSelf" ptType="node node" st="1 1" cnt="1 0"/>
+                </dgm:if>
+                <dgm:if name="Name17" axis="ch" ptType="node" func="cnt" op="equ" val="2">
+                  <dgm:presOf axis="ch desOrSelf" ptType="node node" st="2 1" cnt="1 0"/>
+                </dgm:if>
+                <dgm:if name="Name18" axis="ch" ptType="node" func="cnt" op="equ" val="3">
+                  <dgm:presOf axis="ch desOrSelf" ptType="node node" st="3 1" cnt="1 0"/>
+                </dgm:if>
+                <dgm:if name="Name19" axis="ch" ptType="node" func="cnt" op="equ" val="4">
+                  <dgm:presOf axis="ch desOrSelf" ptType="node node" st="4 1" cnt="1 0"/>
+                </dgm:if>
+                <dgm:if name="Name20" axis="ch" ptType="node" func="cnt" op="equ" val="5">
+                  <dgm:presOf axis="ch desOrSelf" ptType="node node" st="5 1" cnt="1 0"/>
+                </dgm:if>
+                <dgm:if name="Name21" axis="ch" ptType="node" func="cnt" op="equ" val="6">
+                  <dgm:presOf axis="ch desOrSelf" ptType="node node" st="6 1" cnt="1 0"/>
+                </dgm:if>
+                <dgm:if name="Name22" axis="ch" ptType="node" func="cnt" op="gte" val="7">
+                  <dgm:presOf axis="ch desOrSelf" ptType="node node" st="7 1" cnt="1 0"/>
+                </dgm:if>
+                <dgm:else name="Name23"/>
+              </dgm:choose>
+            </dgm:else>
+          </dgm:choose>
+          <dgm:constrLst>
+            <dgm:constr type="lMarg" refType="primFontSz" fact="0.3"/>
+            <dgm:constr type="rMarg" refType="primFontSz" fact="0.3"/>
+            <dgm:constr type="tMarg" refType="primFontSz" fact="0.3"/>
+            <dgm:constr type="bMarg" refType="primFontSz" fact="0.3"/>
+          </dgm:constrLst>
+          <dgm:ruleLst>
+            <dgm:rule type="primFontSz" val="5" fact="NaN" max="NaN"/>
+          </dgm:ruleLst>
+        </dgm:layoutNode>
+      </dgm:if>
+      <dgm:else name="Name24"/>
+    </dgm:choose>
+    <dgm:choose name="Name25">
+      <dgm:if name="Name26" axis="ch" ptType="node" func="cnt" op="gte" val="2">
+        <dgm:layoutNode name="ellipse2" styleLbl="vennNode1">
+          <dgm:varLst>
+            <dgm:bulletEnabled val="1"/>
+          </dgm:varLst>
+          <dgm:alg type="tx"/>
+          <dgm:choose name="Name27">
+            <dgm:if name="Name28" func="var" arg="dir" op="equ" val="norm">
+              <dgm:shape xmlns:r="http://schemas.openxmlformats.org/officeDocument/2006/relationships" type="ellipse" r:blip="">
+                <dgm:adjLst/>
+              </dgm:shape>
+              <dgm:presOf axis="ch desOrSelf" ptType="node node" st="2 1" cnt="1 0"/>
+            </dgm:if>
+            <dgm:else name="Name29">
+              <dgm:shape xmlns:r="http://schemas.openxmlformats.org/officeDocument/2006/relationships" type="ellipse" r:blip="" zOrderOff="-2">
+                <dgm:adjLst/>
+              </dgm:shape>
+              <dgm:choose name="Name30">
+                <dgm:if name="Name31" axis="ch" ptType="node" func="cnt" op="equ" val="2">
+                  <dgm:presOf axis="ch desOrSelf" ptType="node node" st="1 1" cnt="1 0"/>
+                </dgm:if>
+                <dgm:if name="Name32" axis="ch" ptType="node" func="cnt" op="equ" val="3">
+                  <dgm:presOf axis="ch desOrSelf" ptType="node node" st="2 1" cnt="1 0"/>
+                </dgm:if>
+                <dgm:if name="Name33" axis="ch" ptType="node" func="cnt" op="equ" val="4">
+                  <dgm:presOf axis="ch desOrSelf" ptType="node node" st="3 1" cnt="1 0"/>
+                </dgm:if>
+                <dgm:if name="Name34" axis="ch" ptType="node" func="cnt" op="equ" val="5">
+                  <dgm:presOf axis="ch desOrSelf" ptType="node node" st="4 1" cnt="1 0"/>
+                </dgm:if>
+                <dgm:if name="Name35" axis="ch" ptType="node" func="cnt" op="equ" val="6">
+                  <dgm:presOf axis="ch desOrSelf" ptType="node node" st="5 1" cnt="1 0"/>
+                </dgm:if>
+                <dgm:if name="Name36" axis="ch" ptType="node" func="cnt" op="gte" val="7">
+                  <dgm:presOf axis="ch desOrSelf" ptType="node node" st="6 1" cnt="1 0"/>
+                </dgm:if>
+                <dgm:else name="Name37"/>
+              </dgm:choose>
+            </dgm:else>
+          </dgm:choose>
+          <dgm:constrLst>
+            <dgm:constr type="lMarg" refType="primFontSz" fact="0.3"/>
+            <dgm:constr type="rMarg" refType="primFontSz" fact="0.3"/>
+            <dgm:constr type="tMarg" refType="primFontSz" fact="0.3"/>
+            <dgm:constr type="bMarg" refType="primFontSz" fact="0.3"/>
+          </dgm:constrLst>
+          <dgm:ruleLst>
+            <dgm:rule type="primFontSz" val="5" fact="NaN" max="NaN"/>
+          </dgm:ruleLst>
+        </dgm:layoutNode>
+      </dgm:if>
+      <dgm:else name="Name38"/>
+    </dgm:choose>
+    <dgm:choose name="Name39">
+      <dgm:if name="Name40" axis="ch" ptType="node" func="cnt" op="gte" val="3">
+        <dgm:layoutNode name="ellipse3" styleLbl="vennNode1">
+          <dgm:varLst>
+            <dgm:bulletEnabled val="1"/>
+          </dgm:varLst>
+          <dgm:alg type="tx"/>
+          <dgm:shape xmlns:r="http://schemas.openxmlformats.org/officeDocument/2006/relationships" type="ellipse" r:blip="">
+            <dgm:adjLst/>
+          </dgm:shape>
+          <dgm:choose name="Name41">
+            <dgm:if name="Name42" func="var" arg="dir" op="equ" val="norm">
+              <dgm:shape xmlns:r="http://schemas.openxmlformats.org/officeDocument/2006/relationships" type="ellipse" r:blip="">
+                <dgm:adjLst/>
+              </dgm:shape>
+              <dgm:presOf axis="ch desOrSelf" ptType="node node" st="3 1" cnt="1 0"/>
+            </dgm:if>
+            <dgm:else name="Name43">
+              <dgm:shape xmlns:r="http://schemas.openxmlformats.org/officeDocument/2006/relationships" type="ellipse" r:blip="" zOrderOff="-4">
+                <dgm:adjLst/>
+              </dgm:shape>
+              <dgm:choose name="Name44">
+                <dgm:if name="Name45" axis="ch" ptType="node" func="cnt" op="equ" val="3">
+                  <dgm:presOf axis="ch desOrSelf" ptType="node node" st="1 1" cnt="1 0"/>
+                </dgm:if>
+                <dgm:if name="Name46" axis="ch" ptType="node" func="cnt" op="equ" val="4">
+                  <dgm:presOf axis="ch desOrSelf" ptType="node node" st="2 1" cnt="1 0"/>
+                </dgm:if>
+                <dgm:if name="Name47" axis="ch" ptType="node" func="cnt" op="equ" val="5">
+                  <dgm:presOf axis="ch desOrSelf" ptType="node node" st="3 1" cnt="1 0"/>
+                </dgm:if>
+                <dgm:if name="Name48" axis="ch" ptType="node" func="cnt" op="equ" val="6">
+                  <dgm:presOf axis="ch desOrSelf" ptType="node node" st="4 1" cnt="1 0"/>
+                </dgm:if>
+                <dgm:if name="Name49" axis="ch" ptType="node" func="cnt" op="gte" val="7">
+                  <dgm:presOf axis="ch desOrSelf" ptType="node node" st="5 1" cnt="1 0"/>
+                </dgm:if>
+                <dgm:else name="Name50"/>
+              </dgm:choose>
+            </dgm:else>
+          </dgm:choose>
+          <dgm:constrLst>
+            <dgm:constr type="lMarg" refType="primFontSz" fact="0.3"/>
+            <dgm:constr type="rMarg" refType="primFontSz" fact="0.3"/>
+            <dgm:constr type="tMarg" refType="primFontSz" fact="0.3"/>
+            <dgm:constr type="bMarg" refType="primFontSz" fact="0.3"/>
+          </dgm:constrLst>
+          <dgm:ruleLst>
+            <dgm:rule type="primFontSz" val="5" fact="NaN" max="NaN"/>
+          </dgm:ruleLst>
+        </dgm:layoutNode>
+      </dgm:if>
+      <dgm:else name="Name51"/>
+    </dgm:choose>
+    <dgm:choose name="Name52">
+      <dgm:if name="Name53" axis="ch" ptType="node" func="cnt" op="gte" val="4">
+        <dgm:layoutNode name="ellipse4" styleLbl="vennNode1">
+          <dgm:varLst>
+            <dgm:bulletEnabled val="1"/>
+          </dgm:varLst>
+          <dgm:alg type="tx"/>
+          <dgm:choose name="Name54">
+            <dgm:if name="Name55" func="var" arg="dir" op="equ" val="norm">
+              <dgm:shape xmlns:r="http://schemas.openxmlformats.org/officeDocument/2006/relationships" type="ellipse" r:blip="">
+                <dgm:adjLst/>
+              </dgm:shape>
+              <dgm:presOf axis="ch desOrSelf" ptType="node node" st="4 1" cnt="1 0"/>
+            </dgm:if>
+            <dgm:else name="Name56">
+              <dgm:shape xmlns:r="http://schemas.openxmlformats.org/officeDocument/2006/relationships" type="ellipse" r:blip="" zOrderOff="-6">
+                <dgm:adjLst/>
+              </dgm:shape>
+              <dgm:choose name="Name57">
+                <dgm:if name="Name58" axis="ch" ptType="node" func="cnt" op="equ" val="4">
+                  <dgm:presOf axis="ch desOrSelf" ptType="node node" st="1 1" cnt="1 0"/>
+                </dgm:if>
+                <dgm:if name="Name59" axis="ch" ptType="node" func="cnt" op="equ" val="5">
+                  <dgm:presOf axis="ch desOrSelf" ptType="node node" st="2 1" cnt="1 0"/>
+                </dgm:if>
+                <dgm:if name="Name60" axis="ch" ptType="node" func="cnt" op="equ" val="6">
+                  <dgm:presOf axis="ch desOrSelf" ptType="node node" st="3 1" cnt="1 0"/>
+                </dgm:if>
+                <dgm:if name="Name61" axis="ch" ptType="node" func="cnt" op="gte" val="7">
+                  <dgm:presOf axis="ch desOrSelf" ptType="node node" st="4 1" cnt="1 0"/>
+                </dgm:if>
+                <dgm:else name="Name62"/>
+              </dgm:choose>
+            </dgm:else>
+          </dgm:choose>
+          <dgm:constrLst>
+            <dgm:constr type="lMarg" refType="primFontSz" fact="0.3"/>
+            <dgm:constr type="rMarg" refType="primFontSz" fact="0.3"/>
+            <dgm:constr type="tMarg" refType="primFontSz" fact="0.3"/>
+            <dgm:constr type="bMarg" refType="primFontSz" fact="0.3"/>
+          </dgm:constrLst>
+          <dgm:ruleLst>
+            <dgm:rule type="primFontSz" val="5" fact="NaN" max="NaN"/>
+          </dgm:ruleLst>
+        </dgm:layoutNode>
+      </dgm:if>
+      <dgm:else name="Name63"/>
+    </dgm:choose>
+    <dgm:choose name="Name64">
+      <dgm:if name="Name65" axis="ch" ptType="node" func="cnt" op="gte" val="5">
+        <dgm:layoutNode name="ellipse5" styleLbl="vennNode1">
+          <dgm:varLst>
+            <dgm:bulletEnabled val="1"/>
+          </dgm:varLst>
+          <dgm:alg type="tx"/>
+          <dgm:choose name="Name66">
+            <dgm:if name="Name67" func="var" arg="dir" op="equ" val="norm">
+              <dgm:shape xmlns:r="http://schemas.openxmlformats.org/officeDocument/2006/relationships" type="ellipse" r:blip="">
+                <dgm:adjLst/>
+              </dgm:shape>
+              <dgm:presOf axis="ch desOrSelf" ptType="node node" st="5 1" cnt="1 0"/>
+            </dgm:if>
+            <dgm:else name="Name68">
+              <dgm:shape xmlns:r="http://schemas.openxmlformats.org/officeDocument/2006/relationships" type="ellipse" r:blip="" zOrderOff="-8">
+                <dgm:adjLst/>
+              </dgm:shape>
+              <dgm:choose name="Name69">
+                <dgm:if name="Name70" axis="ch" ptType="node" func="cnt" op="equ" val="5">
+                  <dgm:presOf axis="ch desOrSelf" ptType="node node" st="1 1" cnt="1 0"/>
+                </dgm:if>
+                <dgm:if name="Name71" axis="ch" ptType="node" func="cnt" op="equ" val="6">
+                  <dgm:presOf axis="ch desOrSelf" ptType="node node" st="2 1" cnt="1 0"/>
+                </dgm:if>
+                <dgm:if name="Name72" axis="ch" ptType="node" func="cnt" op="gte" val="7">
+                  <dgm:presOf axis="ch desOrSelf" ptType="node node" st="3 1" cnt="1 0"/>
+                </dgm:if>
+                <dgm:else name="Name73"/>
+              </dgm:choose>
+            </dgm:else>
+          </dgm:choose>
+          <dgm:constrLst>
+            <dgm:constr type="lMarg" refType="primFontSz" fact="0.3"/>
+            <dgm:constr type="rMarg" refType="primFontSz" fact="0.3"/>
+            <dgm:constr type="tMarg" refType="primFontSz" fact="0.3"/>
+            <dgm:constr type="bMarg" refType="primFontSz" fact="0.3"/>
+          </dgm:constrLst>
+          <dgm:ruleLst>
+            <dgm:rule type="primFontSz" val="5" fact="NaN" max="NaN"/>
+          </dgm:ruleLst>
+        </dgm:layoutNode>
+      </dgm:if>
+      <dgm:else name="Name74"/>
+    </dgm:choose>
+    <dgm:choose name="Name75">
+      <dgm:if name="Name76" axis="ch" ptType="node" func="cnt" op="gte" val="6">
+        <dgm:layoutNode name="ellipse6" styleLbl="vennNode1">
+          <dgm:varLst>
+            <dgm:bulletEnabled val="1"/>
+          </dgm:varLst>
+          <dgm:alg type="tx"/>
+          <dgm:choose name="Name77">
+            <dgm:if name="Name78" func="var" arg="dir" op="equ" val="norm">
+              <dgm:shape xmlns:r="http://schemas.openxmlformats.org/officeDocument/2006/relationships" type="ellipse" r:blip="">
+                <dgm:adjLst/>
+              </dgm:shape>
+              <dgm:presOf axis="ch desOrSelf" ptType="node node" st="6 1" cnt="1 0"/>
+            </dgm:if>
+            <dgm:else name="Name79">
+              <dgm:shape xmlns:r="http://schemas.openxmlformats.org/officeDocument/2006/relationships" type="ellipse" r:blip="" zOrderOff="-10">
+                <dgm:adjLst/>
+              </dgm:shape>
+              <dgm:choose name="Name80">
+                <dgm:if name="Name81" axis="ch" ptType="node" func="cnt" op="equ" val="6">
+                  <dgm:presOf axis="ch desOrSelf" ptType="node node" st="1 1" cnt="1 0"/>
+                </dgm:if>
+                <dgm:if name="Name82" axis="ch" ptType="node" func="cnt" op="gte" val="7">
+                  <dgm:presOf axis="ch desOrSelf" ptType="node node" st="2 1" cnt="1 0"/>
+                </dgm:if>
+                <dgm:else name="Name83"/>
+              </dgm:choose>
+            </dgm:else>
+          </dgm:choose>
+          <dgm:constrLst>
+            <dgm:constr type="lMarg" refType="primFontSz" fact="0.3"/>
+            <dgm:constr type="rMarg" refType="primFontSz" fact="0.3"/>
+            <dgm:constr type="tMarg" refType="primFontSz" fact="0.3"/>
+            <dgm:constr type="bMarg" refType="primFontSz" fact="0.3"/>
+          </dgm:constrLst>
+          <dgm:ruleLst>
+            <dgm:rule type="primFontSz" val="5" fact="NaN" max="NaN"/>
+          </dgm:ruleLst>
+        </dgm:layoutNode>
+      </dgm:if>
+      <dgm:else name="Name84"/>
+    </dgm:choose>
+    <dgm:choose name="Name85">
+      <dgm:if name="Name86" axis="ch" ptType="node" func="cnt" op="gte" val="7">
+        <dgm:layoutNode name="ellipse7" styleLbl="vennNode1">
+          <dgm:varLst>
+            <dgm:bulletEnabled val="1"/>
+          </dgm:varLst>
+          <dgm:alg type="tx"/>
+          <dgm:choose name="Name87">
+            <dgm:if name="Name88" func="var" arg="dir" op="equ" val="norm">
+              <dgm:shape xmlns:r="http://schemas.openxmlformats.org/officeDocument/2006/relationships" type="ellipse" r:blip="">
+                <dgm:adjLst/>
+              </dgm:shape>
+              <dgm:presOf axis="ch desOrSelf" ptType="node node" st="7 1" cnt="1 0"/>
+            </dgm:if>
+            <dgm:else name="Name89">
+              <dgm:shape xmlns:r="http://schemas.openxmlformats.org/officeDocument/2006/relationships" type="ellipse" r:blip="" zOrderOff="-12">
+                <dgm:adjLst/>
+              </dgm:shape>
+              <dgm:presOf axis="ch desOrSelf" ptType="node node" st="1 1" cnt="1 0"/>
+            </dgm:else>
+          </dgm:choose>
+          <dgm:constrLst>
+            <dgm:constr type="lMarg" refType="primFontSz" fact="0.3"/>
+            <dgm:constr type="rMarg" refType="primFontSz" fact="0.3"/>
+            <dgm:constr type="tMarg" refType="primFontSz" fact="0.3"/>
+            <dgm:constr type="bMarg" refType="primFontSz" fact="0.3"/>
+          </dgm:constrLst>
+          <dgm:ruleLst>
+            <dgm:rule type="primFontSz" val="5" fact="NaN" max="NaN"/>
+          </dgm:ruleLst>
+        </dgm:layoutNode>
+      </dgm:if>
+      <dgm:else name="Name90"/>
+    </dgm:choose>
+  </dgm:layoutNode>
+</dgm:layoutDef>
+</file>
+
 <file path=ppt/diagrams/quickStyle1.xml><?xml version="1.0" encoding="utf-8"?>
 <dgm:styleDef xmlns:dgm="http://schemas.openxmlformats.org/drawingml/2006/diagram" xmlns:a="http://schemas.openxmlformats.org/drawingml/2006/main" uniqueId="urn:microsoft.com/office/officeart/2005/8/quickstyle/simple1">
   <dgm:title val=""/>
@@ -6980,6 +10456,2074 @@
 </file>
 
 <file path=ppt/diagrams/quickStyle2.xml><?xml version="1.0" encoding="utf-8"?>
+<dgm:styleDef xmlns:dgm="http://schemas.openxmlformats.org/drawingml/2006/diagram" xmlns:a="http://schemas.openxmlformats.org/drawingml/2006/main" uniqueId="urn:microsoft.com/office/officeart/2005/8/quickstyle/simple1">
+  <dgm:title val=""/>
+  <dgm:desc val=""/>
+  <dgm:catLst>
+    <dgm:cat type="simple" pri="10100"/>
+  </dgm:catLst>
+  <dgm:scene3d>
+    <a:camera prst="orthographicFront"/>
+    <a:lightRig rig="threePt" dir="t"/>
+  </dgm:scene3d>
+  <dgm:styleLbl name="node0">
+    <dgm:scene3d>
+      <a:camera prst="orthographicFront"/>
+      <a:lightRig rig="threePt" dir="t"/>
+    </dgm:scene3d>
+    <dgm:sp3d/>
+    <dgm:txPr/>
+    <dgm:style>
+      <a:lnRef idx="2">
+        <a:scrgbClr r="0" g="0" b="0"/>
+      </a:lnRef>
+      <a:fillRef idx="1">
+        <a:scrgbClr r="0" g="0" b="0"/>
+      </a:fillRef>
+      <a:effectRef idx="0">
+        <a:scrgbClr r="0" g="0" b="0"/>
+      </a:effectRef>
+      <a:fontRef idx="minor">
+        <a:schemeClr val="lt1"/>
+      </a:fontRef>
+    </dgm:style>
+  </dgm:styleLbl>
+  <dgm:styleLbl name="lnNode1">
+    <dgm:scene3d>
+      <a:camera prst="orthographicFront"/>
+      <a:lightRig rig="threePt" dir="t"/>
+    </dgm:scene3d>
+    <dgm:sp3d/>
+    <dgm:txPr/>
+    <dgm:style>
+      <a:lnRef idx="2">
+        <a:scrgbClr r="0" g="0" b="0"/>
+      </a:lnRef>
+      <a:fillRef idx="1">
+        <a:scrgbClr r="0" g="0" b="0"/>
+      </a:fillRef>
+      <a:effectRef idx="0">
+        <a:scrgbClr r="0" g="0" b="0"/>
+      </a:effectRef>
+      <a:fontRef idx="minor">
+        <a:schemeClr val="lt1"/>
+      </a:fontRef>
+    </dgm:style>
+  </dgm:styleLbl>
+  <dgm:styleLbl name="vennNode1">
+    <dgm:scene3d>
+      <a:camera prst="orthographicFront"/>
+      <a:lightRig rig="threePt" dir="t"/>
+    </dgm:scene3d>
+    <dgm:sp3d/>
+    <dgm:txPr/>
+    <dgm:style>
+      <a:lnRef idx="2">
+        <a:scrgbClr r="0" g="0" b="0"/>
+      </a:lnRef>
+      <a:fillRef idx="1">
+        <a:scrgbClr r="0" g="0" b="0"/>
+      </a:fillRef>
+      <a:effectRef idx="0">
+        <a:scrgbClr r="0" g="0" b="0"/>
+      </a:effectRef>
+      <a:fontRef idx="minor">
+        <a:schemeClr val="tx1"/>
+      </a:fontRef>
+    </dgm:style>
+  </dgm:styleLbl>
+  <dgm:styleLbl name="alignNode1">
+    <dgm:scene3d>
+      <a:camera prst="orthographicFront"/>
+      <a:lightRig rig="threePt" dir="t"/>
+    </dgm:scene3d>
+    <dgm:sp3d/>
+    <dgm:txPr/>
+    <dgm:style>
+      <a:lnRef idx="2">
+        <a:scrgbClr r="0" g="0" b="0"/>
+      </a:lnRef>
+      <a:fillRef idx="1">
+        <a:scrgbClr r="0" g="0" b="0"/>
+      </a:fillRef>
+      <a:effectRef idx="0">
+        <a:scrgbClr r="0" g="0" b="0"/>
+      </a:effectRef>
+      <a:fontRef idx="minor">
+        <a:schemeClr val="lt1"/>
+      </a:fontRef>
+    </dgm:style>
+  </dgm:styleLbl>
+  <dgm:styleLbl name="node1">
+    <dgm:scene3d>
+      <a:camera prst="orthographicFront"/>
+      <a:lightRig rig="threePt" dir="t"/>
+    </dgm:scene3d>
+    <dgm:sp3d/>
+    <dgm:txPr/>
+    <dgm:style>
+      <a:lnRef idx="2">
+        <a:scrgbClr r="0" g="0" b="0"/>
+      </a:lnRef>
+      <a:fillRef idx="1">
+        <a:scrgbClr r="0" g="0" b="0"/>
+      </a:fillRef>
+      <a:effectRef idx="0">
+        <a:scrgbClr r="0" g="0" b="0"/>
+      </a:effectRef>
+      <a:fontRef idx="minor">
+        <a:schemeClr val="lt1"/>
+      </a:fontRef>
+    </dgm:style>
+  </dgm:styleLbl>
+  <dgm:styleLbl name="node2">
+    <dgm:scene3d>
+      <a:camera prst="orthographicFront"/>
+      <a:lightRig rig="threePt" dir="t"/>
+    </dgm:scene3d>
+    <dgm:sp3d/>
+    <dgm:txPr/>
+    <dgm:style>
+      <a:lnRef idx="2">
+        <a:scrgbClr r="0" g="0" b="0"/>
+      </a:lnRef>
+      <a:fillRef idx="1">
+        <a:scrgbClr r="0" g="0" b="0"/>
+      </a:fillRef>
+      <a:effectRef idx="0">
+        <a:scrgbClr r="0" g="0" b="0"/>
+      </a:effectRef>
+      <a:fontRef idx="minor">
+        <a:schemeClr val="lt1"/>
+      </a:fontRef>
+    </dgm:style>
+  </dgm:styleLbl>
+  <dgm:styleLbl name="node3">
+    <dgm:scene3d>
+      <a:camera prst="orthographicFront"/>
+      <a:lightRig rig="threePt" dir="t"/>
+    </dgm:scene3d>
+    <dgm:sp3d/>
+    <dgm:txPr/>
+    <dgm:style>
+      <a:lnRef idx="2">
+        <a:scrgbClr r="0" g="0" b="0"/>
+      </a:lnRef>
+      <a:fillRef idx="1">
+        <a:scrgbClr r="0" g="0" b="0"/>
+      </a:fillRef>
+      <a:effectRef idx="0">
+        <a:scrgbClr r="0" g="0" b="0"/>
+      </a:effectRef>
+      <a:fontRef idx="minor">
+        <a:schemeClr val="lt1"/>
+      </a:fontRef>
+    </dgm:style>
+  </dgm:styleLbl>
+  <dgm:styleLbl name="node4">
+    <dgm:scene3d>
+      <a:camera prst="orthographicFront"/>
+      <a:lightRig rig="threePt" dir="t"/>
+    </dgm:scene3d>
+    <dgm:sp3d/>
+    <dgm:txPr/>
+    <dgm:style>
+      <a:lnRef idx="2">
+        <a:scrgbClr r="0" g="0" b="0"/>
+      </a:lnRef>
+      <a:fillRef idx="1">
+        <a:scrgbClr r="0" g="0" b="0"/>
+      </a:fillRef>
+      <a:effectRef idx="0">
+        <a:scrgbClr r="0" g="0" b="0"/>
+      </a:effectRef>
+      <a:fontRef idx="minor">
+        <a:schemeClr val="lt1"/>
+      </a:fontRef>
+    </dgm:style>
+  </dgm:styleLbl>
+  <dgm:styleLbl name="fgImgPlace1">
+    <dgm:scene3d>
+      <a:camera prst="orthographicFront"/>
+      <a:lightRig rig="threePt" dir="t"/>
+    </dgm:scene3d>
+    <dgm:sp3d/>
+    <dgm:txPr/>
+    <dgm:style>
+      <a:lnRef idx="2">
+        <a:scrgbClr r="0" g="0" b="0"/>
+      </a:lnRef>
+      <a:fillRef idx="1">
+        <a:scrgbClr r="0" g="0" b="0"/>
+      </a:fillRef>
+      <a:effectRef idx="0">
+        <a:scrgbClr r="0" g="0" b="0"/>
+      </a:effectRef>
+      <a:fontRef idx="minor"/>
+    </dgm:style>
+  </dgm:styleLbl>
+  <dgm:styleLbl name="alignImgPlace1">
+    <dgm:scene3d>
+      <a:camera prst="orthographicFront"/>
+      <a:lightRig rig="threePt" dir="t"/>
+    </dgm:scene3d>
+    <dgm:sp3d/>
+    <dgm:txPr/>
+    <dgm:style>
+      <a:lnRef idx="2">
+        <a:scrgbClr r="0" g="0" b="0"/>
+      </a:lnRef>
+      <a:fillRef idx="1">
+        <a:scrgbClr r="0" g="0" b="0"/>
+      </a:fillRef>
+      <a:effectRef idx="0">
+        <a:scrgbClr r="0" g="0" b="0"/>
+      </a:effectRef>
+      <a:fontRef idx="minor"/>
+    </dgm:style>
+  </dgm:styleLbl>
+  <dgm:styleLbl name="bgImgPlace1">
+    <dgm:scene3d>
+      <a:camera prst="orthographicFront"/>
+      <a:lightRig rig="threePt" dir="t"/>
+    </dgm:scene3d>
+    <dgm:sp3d/>
+    <dgm:txPr/>
+    <dgm:style>
+      <a:lnRef idx="2">
+        <a:scrgbClr r="0" g="0" b="0"/>
+      </a:lnRef>
+      <a:fillRef idx="1">
+        <a:scrgbClr r="0" g="0" b="0"/>
+      </a:fillRef>
+      <a:effectRef idx="0">
+        <a:scrgbClr r="0" g="0" b="0"/>
+      </a:effectRef>
+      <a:fontRef idx="minor"/>
+    </dgm:style>
+  </dgm:styleLbl>
+  <dgm:styleLbl name="sibTrans2D1">
+    <dgm:scene3d>
+      <a:camera prst="orthographicFront"/>
+      <a:lightRig rig="threePt" dir="t"/>
+    </dgm:scene3d>
+    <dgm:sp3d/>
+    <dgm:txPr/>
+    <dgm:style>
+      <a:lnRef idx="0">
+        <a:scrgbClr r="0" g="0" b="0"/>
+      </a:lnRef>
+      <a:fillRef idx="1">
+        <a:scrgbClr r="0" g="0" b="0"/>
+      </a:fillRef>
+      <a:effectRef idx="0">
+        <a:scrgbClr r="0" g="0" b="0"/>
+      </a:effectRef>
+      <a:fontRef idx="minor">
+        <a:schemeClr val="lt1"/>
+      </a:fontRef>
+    </dgm:style>
+  </dgm:styleLbl>
+  <dgm:styleLbl name="fgSibTrans2D1">
+    <dgm:scene3d>
+      <a:camera prst="orthographicFront"/>
+      <a:lightRig rig="threePt" dir="t"/>
+    </dgm:scene3d>
+    <dgm:sp3d/>
+    <dgm:txPr/>
+    <dgm:style>
+      <a:lnRef idx="0">
+        <a:scrgbClr r="0" g="0" b="0"/>
+      </a:lnRef>
+      <a:fillRef idx="1">
+        <a:scrgbClr r="0" g="0" b="0"/>
+      </a:fillRef>
+      <a:effectRef idx="0">
+        <a:scrgbClr r="0" g="0" b="0"/>
+      </a:effectRef>
+      <a:fontRef idx="minor">
+        <a:schemeClr val="lt1"/>
+      </a:fontRef>
+    </dgm:style>
+  </dgm:styleLbl>
+  <dgm:styleLbl name="bgSibTrans2D1">
+    <dgm:scene3d>
+      <a:camera prst="orthographicFront"/>
+      <a:lightRig rig="threePt" dir="t"/>
+    </dgm:scene3d>
+    <dgm:sp3d/>
+    <dgm:txPr/>
+    <dgm:style>
+      <a:lnRef idx="0">
+        <a:scrgbClr r="0" g="0" b="0"/>
+      </a:lnRef>
+      <a:fillRef idx="1">
+        <a:scrgbClr r="0" g="0" b="0"/>
+      </a:fillRef>
+      <a:effectRef idx="0">
+        <a:scrgbClr r="0" g="0" b="0"/>
+      </a:effectRef>
+      <a:fontRef idx="minor">
+        <a:schemeClr val="lt1"/>
+      </a:fontRef>
+    </dgm:style>
+  </dgm:styleLbl>
+  <dgm:styleLbl name="sibTrans1D1">
+    <dgm:scene3d>
+      <a:camera prst="orthographicFront"/>
+      <a:lightRig rig="threePt" dir="t"/>
+    </dgm:scene3d>
+    <dgm:sp3d/>
+    <dgm:txPr/>
+    <dgm:style>
+      <a:lnRef idx="1">
+        <a:scrgbClr r="0" g="0" b="0"/>
+      </a:lnRef>
+      <a:fillRef idx="0">
+        <a:scrgbClr r="0" g="0" b="0"/>
+      </a:fillRef>
+      <a:effectRef idx="0">
+        <a:scrgbClr r="0" g="0" b="0"/>
+      </a:effectRef>
+      <a:fontRef idx="minor"/>
+    </dgm:style>
+  </dgm:styleLbl>
+  <dgm:styleLbl name="callout">
+    <dgm:scene3d>
+      <a:camera prst="orthographicFront"/>
+      <a:lightRig rig="threePt" dir="t"/>
+    </dgm:scene3d>
+    <dgm:sp3d/>
+    <dgm:txPr/>
+    <dgm:style>
+      <a:lnRef idx="2">
+        <a:scrgbClr r="0" g="0" b="0"/>
+      </a:lnRef>
+      <a:fillRef idx="1">
+        <a:scrgbClr r="0" g="0" b="0"/>
+      </a:fillRef>
+      <a:effectRef idx="0">
+        <a:scrgbClr r="0" g="0" b="0"/>
+      </a:effectRef>
+      <a:fontRef idx="minor"/>
+    </dgm:style>
+  </dgm:styleLbl>
+  <dgm:styleLbl name="asst0">
+    <dgm:scene3d>
+      <a:camera prst="orthographicFront"/>
+      <a:lightRig rig="threePt" dir="t"/>
+    </dgm:scene3d>
+    <dgm:sp3d/>
+    <dgm:txPr/>
+    <dgm:style>
+      <a:lnRef idx="2">
+        <a:scrgbClr r="0" g="0" b="0"/>
+      </a:lnRef>
+      <a:fillRef idx="1">
+        <a:scrgbClr r="0" g="0" b="0"/>
+      </a:fillRef>
+      <a:effectRef idx="0">
+        <a:scrgbClr r="0" g="0" b="0"/>
+      </a:effectRef>
+      <a:fontRef idx="minor">
+        <a:schemeClr val="lt1"/>
+      </a:fontRef>
+    </dgm:style>
+  </dgm:styleLbl>
+  <dgm:styleLbl name="asst1">
+    <dgm:scene3d>
+      <a:camera prst="orthographicFront"/>
+      <a:lightRig rig="threePt" dir="t"/>
+    </dgm:scene3d>
+    <dgm:sp3d/>
+    <dgm:txPr/>
+    <dgm:style>
+      <a:lnRef idx="2">
+        <a:scrgbClr r="0" g="0" b="0"/>
+      </a:lnRef>
+      <a:fillRef idx="1">
+        <a:scrgbClr r="0" g="0" b="0"/>
+      </a:fillRef>
+      <a:effectRef idx="0">
+        <a:scrgbClr r="0" g="0" b="0"/>
+      </a:effectRef>
+      <a:fontRef idx="minor">
+        <a:schemeClr val="lt1"/>
+      </a:fontRef>
+    </dgm:style>
+  </dgm:styleLbl>
+  <dgm:styleLbl name="asst2">
+    <dgm:scene3d>
+      <a:camera prst="orthographicFront"/>
+      <a:lightRig rig="threePt" dir="t"/>
+    </dgm:scene3d>
+    <dgm:sp3d/>
+    <dgm:txPr/>
+    <dgm:style>
+      <a:lnRef idx="2">
+        <a:scrgbClr r="0" g="0" b="0"/>
+      </a:lnRef>
+      <a:fillRef idx="1">
+        <a:scrgbClr r="0" g="0" b="0"/>
+      </a:fillRef>
+      <a:effectRef idx="0">
+        <a:scrgbClr r="0" g="0" b="0"/>
+      </a:effectRef>
+      <a:fontRef idx="minor">
+        <a:schemeClr val="lt1"/>
+      </a:fontRef>
+    </dgm:style>
+  </dgm:styleLbl>
+  <dgm:styleLbl name="asst3">
+    <dgm:scene3d>
+      <a:camera prst="orthographicFront"/>
+      <a:lightRig rig="threePt" dir="t"/>
+    </dgm:scene3d>
+    <dgm:sp3d/>
+    <dgm:txPr/>
+    <dgm:style>
+      <a:lnRef idx="2">
+        <a:scrgbClr r="0" g="0" b="0"/>
+      </a:lnRef>
+      <a:fillRef idx="1">
+        <a:scrgbClr r="0" g="0" b="0"/>
+      </a:fillRef>
+      <a:effectRef idx="0">
+        <a:scrgbClr r="0" g="0" b="0"/>
+      </a:effectRef>
+      <a:fontRef idx="minor">
+        <a:schemeClr val="lt1"/>
+      </a:fontRef>
+    </dgm:style>
+  </dgm:styleLbl>
+  <dgm:styleLbl name="asst4">
+    <dgm:scene3d>
+      <a:camera prst="orthographicFront"/>
+      <a:lightRig rig="threePt" dir="t"/>
+    </dgm:scene3d>
+    <dgm:sp3d/>
+    <dgm:txPr/>
+    <dgm:style>
+      <a:lnRef idx="2">
+        <a:scrgbClr r="0" g="0" b="0"/>
+      </a:lnRef>
+      <a:fillRef idx="1">
+        <a:scrgbClr r="0" g="0" b="0"/>
+      </a:fillRef>
+      <a:effectRef idx="0">
+        <a:scrgbClr r="0" g="0" b="0"/>
+      </a:effectRef>
+      <a:fontRef idx="minor">
+        <a:schemeClr val="lt1"/>
+      </a:fontRef>
+    </dgm:style>
+  </dgm:styleLbl>
+  <dgm:styleLbl name="parChTrans2D1">
+    <dgm:scene3d>
+      <a:camera prst="orthographicFront"/>
+      <a:lightRig rig="threePt" dir="t"/>
+    </dgm:scene3d>
+    <dgm:sp3d/>
+    <dgm:txPr/>
+    <dgm:style>
+      <a:lnRef idx="2">
+        <a:scrgbClr r="0" g="0" b="0"/>
+      </a:lnRef>
+      <a:fillRef idx="1">
+        <a:scrgbClr r="0" g="0" b="0"/>
+      </a:fillRef>
+      <a:effectRef idx="0">
+        <a:scrgbClr r="0" g="0" b="0"/>
+      </a:effectRef>
+      <a:fontRef idx="minor">
+        <a:schemeClr val="lt1"/>
+      </a:fontRef>
+    </dgm:style>
+  </dgm:styleLbl>
+  <dgm:styleLbl name="parChTrans2D2">
+    <dgm:scene3d>
+      <a:camera prst="orthographicFront"/>
+      <a:lightRig rig="threePt" dir="t"/>
+    </dgm:scene3d>
+    <dgm:sp3d/>
+    <dgm:txPr/>
+    <dgm:style>
+      <a:lnRef idx="2">
+        <a:scrgbClr r="0" g="0" b="0"/>
+      </a:lnRef>
+      <a:fillRef idx="1">
+        <a:scrgbClr r="0" g="0" b="0"/>
+      </a:fillRef>
+      <a:effectRef idx="0">
+        <a:scrgbClr r="0" g="0" b="0"/>
+      </a:effectRef>
+      <a:fontRef idx="minor">
+        <a:schemeClr val="lt1"/>
+      </a:fontRef>
+    </dgm:style>
+  </dgm:styleLbl>
+  <dgm:styleLbl name="parChTrans2D3">
+    <dgm:scene3d>
+      <a:camera prst="orthographicFront"/>
+      <a:lightRig rig="threePt" dir="t"/>
+    </dgm:scene3d>
+    <dgm:sp3d/>
+    <dgm:txPr/>
+    <dgm:style>
+      <a:lnRef idx="2">
+        <a:scrgbClr r="0" g="0" b="0"/>
+      </a:lnRef>
+      <a:fillRef idx="1">
+        <a:scrgbClr r="0" g="0" b="0"/>
+      </a:fillRef>
+      <a:effectRef idx="0">
+        <a:scrgbClr r="0" g="0" b="0"/>
+      </a:effectRef>
+      <a:fontRef idx="minor">
+        <a:schemeClr val="lt1"/>
+      </a:fontRef>
+    </dgm:style>
+  </dgm:styleLbl>
+  <dgm:styleLbl name="parChTrans2D4">
+    <dgm:scene3d>
+      <a:camera prst="orthographicFront"/>
+      <a:lightRig rig="threePt" dir="t"/>
+    </dgm:scene3d>
+    <dgm:sp3d/>
+    <dgm:txPr/>
+    <dgm:style>
+      <a:lnRef idx="2">
+        <a:scrgbClr r="0" g="0" b="0"/>
+      </a:lnRef>
+      <a:fillRef idx="1">
+        <a:scrgbClr r="0" g="0" b="0"/>
+      </a:fillRef>
+      <a:effectRef idx="0">
+        <a:scrgbClr r="0" g="0" b="0"/>
+      </a:effectRef>
+      <a:fontRef idx="minor">
+        <a:schemeClr val="lt1"/>
+      </a:fontRef>
+    </dgm:style>
+  </dgm:styleLbl>
+  <dgm:styleLbl name="parChTrans1D1">
+    <dgm:scene3d>
+      <a:camera prst="orthographicFront"/>
+      <a:lightRig rig="threePt" dir="t"/>
+    </dgm:scene3d>
+    <dgm:sp3d/>
+    <dgm:txPr/>
+    <dgm:style>
+      <a:lnRef idx="2">
+        <a:scrgbClr r="0" g="0" b="0"/>
+      </a:lnRef>
+      <a:fillRef idx="0">
+        <a:scrgbClr r="0" g="0" b="0"/>
+      </a:fillRef>
+      <a:effectRef idx="0">
+        <a:scrgbClr r="0" g="0" b="0"/>
+      </a:effectRef>
+      <a:fontRef idx="minor"/>
+    </dgm:style>
+  </dgm:styleLbl>
+  <dgm:styleLbl name="parChTrans1D2">
+    <dgm:scene3d>
+      <a:camera prst="orthographicFront"/>
+      <a:lightRig rig="threePt" dir="t"/>
+    </dgm:scene3d>
+    <dgm:sp3d/>
+    <dgm:txPr/>
+    <dgm:style>
+      <a:lnRef idx="2">
+        <a:scrgbClr r="0" g="0" b="0"/>
+      </a:lnRef>
+      <a:fillRef idx="0">
+        <a:scrgbClr r="0" g="0" b="0"/>
+      </a:fillRef>
+      <a:effectRef idx="0">
+        <a:scrgbClr r="0" g="0" b="0"/>
+      </a:effectRef>
+      <a:fontRef idx="minor"/>
+    </dgm:style>
+  </dgm:styleLbl>
+  <dgm:styleLbl name="parChTrans1D3">
+    <dgm:scene3d>
+      <a:camera prst="orthographicFront"/>
+      <a:lightRig rig="threePt" dir="t"/>
+    </dgm:scene3d>
+    <dgm:sp3d/>
+    <dgm:txPr/>
+    <dgm:style>
+      <a:lnRef idx="2">
+        <a:scrgbClr r="0" g="0" b="0"/>
+      </a:lnRef>
+      <a:fillRef idx="0">
+        <a:scrgbClr r="0" g="0" b="0"/>
+      </a:fillRef>
+      <a:effectRef idx="0">
+        <a:scrgbClr r="0" g="0" b="0"/>
+      </a:effectRef>
+      <a:fontRef idx="minor"/>
+    </dgm:style>
+  </dgm:styleLbl>
+  <dgm:styleLbl name="parChTrans1D4">
+    <dgm:scene3d>
+      <a:camera prst="orthographicFront"/>
+      <a:lightRig rig="threePt" dir="t"/>
+    </dgm:scene3d>
+    <dgm:sp3d/>
+    <dgm:txPr/>
+    <dgm:style>
+      <a:lnRef idx="2">
+        <a:scrgbClr r="0" g="0" b="0"/>
+      </a:lnRef>
+      <a:fillRef idx="0">
+        <a:scrgbClr r="0" g="0" b="0"/>
+      </a:fillRef>
+      <a:effectRef idx="0">
+        <a:scrgbClr r="0" g="0" b="0"/>
+      </a:effectRef>
+      <a:fontRef idx="minor"/>
+    </dgm:style>
+  </dgm:styleLbl>
+  <dgm:styleLbl name="fgAcc1">
+    <dgm:scene3d>
+      <a:camera prst="orthographicFront"/>
+      <a:lightRig rig="threePt" dir="t"/>
+    </dgm:scene3d>
+    <dgm:sp3d/>
+    <dgm:txPr/>
+    <dgm:style>
+      <a:lnRef idx="2">
+        <a:scrgbClr r="0" g="0" b="0"/>
+      </a:lnRef>
+      <a:fillRef idx="1">
+        <a:scrgbClr r="0" g="0" b="0"/>
+      </a:fillRef>
+      <a:effectRef idx="0">
+        <a:scrgbClr r="0" g="0" b="0"/>
+      </a:effectRef>
+      <a:fontRef idx="minor"/>
+    </dgm:style>
+  </dgm:styleLbl>
+  <dgm:styleLbl name="conFgAcc1">
+    <dgm:scene3d>
+      <a:camera prst="orthographicFront"/>
+      <a:lightRig rig="threePt" dir="t"/>
+    </dgm:scene3d>
+    <dgm:sp3d/>
+    <dgm:txPr/>
+    <dgm:style>
+      <a:lnRef idx="2">
+        <a:scrgbClr r="0" g="0" b="0"/>
+      </a:lnRef>
+      <a:fillRef idx="1">
+        <a:scrgbClr r="0" g="0" b="0"/>
+      </a:fillRef>
+      <a:effectRef idx="0">
+        <a:scrgbClr r="0" g="0" b="0"/>
+      </a:effectRef>
+      <a:fontRef idx="minor"/>
+    </dgm:style>
+  </dgm:styleLbl>
+  <dgm:styleLbl name="alignAcc1">
+    <dgm:scene3d>
+      <a:camera prst="orthographicFront"/>
+      <a:lightRig rig="threePt" dir="t"/>
+    </dgm:scene3d>
+    <dgm:sp3d/>
+    <dgm:txPr/>
+    <dgm:style>
+      <a:lnRef idx="2">
+        <a:scrgbClr r="0" g="0" b="0"/>
+      </a:lnRef>
+      <a:fillRef idx="1">
+        <a:scrgbClr r="0" g="0" b="0"/>
+      </a:fillRef>
+      <a:effectRef idx="0">
+        <a:scrgbClr r="0" g="0" b="0"/>
+      </a:effectRef>
+      <a:fontRef idx="minor"/>
+    </dgm:style>
+  </dgm:styleLbl>
+  <dgm:styleLbl name="trAlignAcc1">
+    <dgm:scene3d>
+      <a:camera prst="orthographicFront"/>
+      <a:lightRig rig="threePt" dir="t"/>
+    </dgm:scene3d>
+    <dgm:sp3d/>
+    <dgm:txPr/>
+    <dgm:style>
+      <a:lnRef idx="1">
+        <a:scrgbClr r="0" g="0" b="0"/>
+      </a:lnRef>
+      <a:fillRef idx="1">
+        <a:scrgbClr r="0" g="0" b="0"/>
+      </a:fillRef>
+      <a:effectRef idx="0">
+        <a:scrgbClr r="0" g="0" b="0"/>
+      </a:effectRef>
+      <a:fontRef idx="minor"/>
+    </dgm:style>
+  </dgm:styleLbl>
+  <dgm:styleLbl name="bgAcc1">
+    <dgm:scene3d>
+      <a:camera prst="orthographicFront"/>
+      <a:lightRig rig="threePt" dir="t"/>
+    </dgm:scene3d>
+    <dgm:sp3d/>
+    <dgm:txPr/>
+    <dgm:style>
+      <a:lnRef idx="2">
+        <a:scrgbClr r="0" g="0" b="0"/>
+      </a:lnRef>
+      <a:fillRef idx="1">
+        <a:scrgbClr r="0" g="0" b="0"/>
+      </a:fillRef>
+      <a:effectRef idx="0">
+        <a:scrgbClr r="0" g="0" b="0"/>
+      </a:effectRef>
+      <a:fontRef idx="minor"/>
+    </dgm:style>
+  </dgm:styleLbl>
+  <dgm:styleLbl name="solidFgAcc1">
+    <dgm:scene3d>
+      <a:camera prst="orthographicFront"/>
+      <a:lightRig rig="threePt" dir="t"/>
+    </dgm:scene3d>
+    <dgm:sp3d/>
+    <dgm:txPr/>
+    <dgm:style>
+      <a:lnRef idx="2">
+        <a:scrgbClr r="0" g="0" b="0"/>
+      </a:lnRef>
+      <a:fillRef idx="1">
+        <a:scrgbClr r="0" g="0" b="0"/>
+      </a:fillRef>
+      <a:effectRef idx="0">
+        <a:scrgbClr r="0" g="0" b="0"/>
+      </a:effectRef>
+      <a:fontRef idx="minor"/>
+    </dgm:style>
+  </dgm:styleLbl>
+  <dgm:styleLbl name="solidAlignAcc1">
+    <dgm:scene3d>
+      <a:camera prst="orthographicFront"/>
+      <a:lightRig rig="threePt" dir="t"/>
+    </dgm:scene3d>
+    <dgm:sp3d/>
+    <dgm:txPr/>
+    <dgm:style>
+      <a:lnRef idx="2">
+        <a:scrgbClr r="0" g="0" b="0"/>
+      </a:lnRef>
+      <a:fillRef idx="1">
+        <a:scrgbClr r="0" g="0" b="0"/>
+      </a:fillRef>
+      <a:effectRef idx="0">
+        <a:scrgbClr r="0" g="0" b="0"/>
+      </a:effectRef>
+      <a:fontRef idx="minor"/>
+    </dgm:style>
+  </dgm:styleLbl>
+  <dgm:styleLbl name="solidBgAcc1">
+    <dgm:scene3d>
+      <a:camera prst="orthographicFront"/>
+      <a:lightRig rig="threePt" dir="t"/>
+    </dgm:scene3d>
+    <dgm:sp3d/>
+    <dgm:txPr/>
+    <dgm:style>
+      <a:lnRef idx="2">
+        <a:scrgbClr r="0" g="0" b="0"/>
+      </a:lnRef>
+      <a:fillRef idx="1">
+        <a:scrgbClr r="0" g="0" b="0"/>
+      </a:fillRef>
+      <a:effectRef idx="0">
+        <a:scrgbClr r="0" g="0" b="0"/>
+      </a:effectRef>
+      <a:fontRef idx="minor"/>
+    </dgm:style>
+  </dgm:styleLbl>
+  <dgm:styleLbl name="fgAccFollowNode1">
+    <dgm:scene3d>
+      <a:camera prst="orthographicFront"/>
+      <a:lightRig rig="threePt" dir="t"/>
+    </dgm:scene3d>
+    <dgm:sp3d/>
+    <dgm:txPr/>
+    <dgm:style>
+      <a:lnRef idx="2">
+        <a:scrgbClr r="0" g="0" b="0"/>
+      </a:lnRef>
+      <a:fillRef idx="1">
+        <a:scrgbClr r="0" g="0" b="0"/>
+      </a:fillRef>
+      <a:effectRef idx="0">
+        <a:scrgbClr r="0" g="0" b="0"/>
+      </a:effectRef>
+      <a:fontRef idx="minor"/>
+    </dgm:style>
+  </dgm:styleLbl>
+  <dgm:styleLbl name="alignAccFollowNode1">
+    <dgm:scene3d>
+      <a:camera prst="orthographicFront"/>
+      <a:lightRig rig="threePt" dir="t"/>
+    </dgm:scene3d>
+    <dgm:sp3d/>
+    <dgm:txPr/>
+    <dgm:style>
+      <a:lnRef idx="2">
+        <a:scrgbClr r="0" g="0" b="0"/>
+      </a:lnRef>
+      <a:fillRef idx="1">
+        <a:scrgbClr r="0" g="0" b="0"/>
+      </a:fillRef>
+      <a:effectRef idx="0">
+        <a:scrgbClr r="0" g="0" b="0"/>
+      </a:effectRef>
+      <a:fontRef idx="minor"/>
+    </dgm:style>
+  </dgm:styleLbl>
+  <dgm:styleLbl name="bgAccFollowNode1">
+    <dgm:scene3d>
+      <a:camera prst="orthographicFront"/>
+      <a:lightRig rig="threePt" dir="t"/>
+    </dgm:scene3d>
+    <dgm:sp3d/>
+    <dgm:txPr/>
+    <dgm:style>
+      <a:lnRef idx="2">
+        <a:scrgbClr r="0" g="0" b="0"/>
+      </a:lnRef>
+      <a:fillRef idx="1">
+        <a:scrgbClr r="0" g="0" b="0"/>
+      </a:fillRef>
+      <a:effectRef idx="0">
+        <a:scrgbClr r="0" g="0" b="0"/>
+      </a:effectRef>
+      <a:fontRef idx="minor"/>
+    </dgm:style>
+  </dgm:styleLbl>
+  <dgm:styleLbl name="fgAcc0">
+    <dgm:scene3d>
+      <a:camera prst="orthographicFront"/>
+      <a:lightRig rig="threePt" dir="t"/>
+    </dgm:scene3d>
+    <dgm:sp3d/>
+    <dgm:txPr/>
+    <dgm:style>
+      <a:lnRef idx="2">
+        <a:scrgbClr r="0" g="0" b="0"/>
+      </a:lnRef>
+      <a:fillRef idx="1">
+        <a:scrgbClr r="0" g="0" b="0"/>
+      </a:fillRef>
+      <a:effectRef idx="0">
+        <a:scrgbClr r="0" g="0" b="0"/>
+      </a:effectRef>
+      <a:fontRef idx="minor"/>
+    </dgm:style>
+  </dgm:styleLbl>
+  <dgm:styleLbl name="fgAcc2">
+    <dgm:scene3d>
+      <a:camera prst="orthographicFront"/>
+      <a:lightRig rig="threePt" dir="t"/>
+    </dgm:scene3d>
+    <dgm:sp3d/>
+    <dgm:txPr/>
+    <dgm:style>
+      <a:lnRef idx="2">
+        <a:scrgbClr r="0" g="0" b="0"/>
+      </a:lnRef>
+      <a:fillRef idx="1">
+        <a:scrgbClr r="0" g="0" b="0"/>
+      </a:fillRef>
+      <a:effectRef idx="0">
+        <a:scrgbClr r="0" g="0" b="0"/>
+      </a:effectRef>
+      <a:fontRef idx="minor"/>
+    </dgm:style>
+  </dgm:styleLbl>
+  <dgm:styleLbl name="fgAcc3">
+    <dgm:scene3d>
+      <a:camera prst="orthographicFront"/>
+      <a:lightRig rig="threePt" dir="t"/>
+    </dgm:scene3d>
+    <dgm:sp3d/>
+    <dgm:txPr/>
+    <dgm:style>
+      <a:lnRef idx="2">
+        <a:scrgbClr r="0" g="0" b="0"/>
+      </a:lnRef>
+      <a:fillRef idx="1">
+        <a:scrgbClr r="0" g="0" b="0"/>
+      </a:fillRef>
+      <a:effectRef idx="0">
+        <a:scrgbClr r="0" g="0" b="0"/>
+      </a:effectRef>
+      <a:fontRef idx="minor"/>
+    </dgm:style>
+  </dgm:styleLbl>
+  <dgm:styleLbl name="fgAcc4">
+    <dgm:scene3d>
+      <a:camera prst="orthographicFront"/>
+      <a:lightRig rig="threePt" dir="t"/>
+    </dgm:scene3d>
+    <dgm:sp3d/>
+    <dgm:txPr/>
+    <dgm:style>
+      <a:lnRef idx="2">
+        <a:scrgbClr r="0" g="0" b="0"/>
+      </a:lnRef>
+      <a:fillRef idx="1">
+        <a:scrgbClr r="0" g="0" b="0"/>
+      </a:fillRef>
+      <a:effectRef idx="0">
+        <a:scrgbClr r="0" g="0" b="0"/>
+      </a:effectRef>
+      <a:fontRef idx="minor"/>
+    </dgm:style>
+  </dgm:styleLbl>
+  <dgm:styleLbl name="bgShp">
+    <dgm:scene3d>
+      <a:camera prst="orthographicFront"/>
+      <a:lightRig rig="threePt" dir="t"/>
+    </dgm:scene3d>
+    <dgm:sp3d/>
+    <dgm:txPr/>
+    <dgm:style>
+      <a:lnRef idx="0">
+        <a:scrgbClr r="0" g="0" b="0"/>
+      </a:lnRef>
+      <a:fillRef idx="1">
+        <a:scrgbClr r="0" g="0" b="0"/>
+      </a:fillRef>
+      <a:effectRef idx="0">
+        <a:scrgbClr r="0" g="0" b="0"/>
+      </a:effectRef>
+      <a:fontRef idx="minor"/>
+    </dgm:style>
+  </dgm:styleLbl>
+  <dgm:styleLbl name="dkBgShp">
+    <dgm:scene3d>
+      <a:camera prst="orthographicFront"/>
+      <a:lightRig rig="threePt" dir="t"/>
+    </dgm:scene3d>
+    <dgm:sp3d/>
+    <dgm:txPr/>
+    <dgm:style>
+      <a:lnRef idx="0">
+        <a:scrgbClr r="0" g="0" b="0"/>
+      </a:lnRef>
+      <a:fillRef idx="1">
+        <a:scrgbClr r="0" g="0" b="0"/>
+      </a:fillRef>
+      <a:effectRef idx="0">
+        <a:scrgbClr r="0" g="0" b="0"/>
+      </a:effectRef>
+      <a:fontRef idx="minor"/>
+    </dgm:style>
+  </dgm:styleLbl>
+  <dgm:styleLbl name="trBgShp">
+    <dgm:scene3d>
+      <a:camera prst="orthographicFront"/>
+      <a:lightRig rig="threePt" dir="t"/>
+    </dgm:scene3d>
+    <dgm:sp3d/>
+    <dgm:txPr/>
+    <dgm:style>
+      <a:lnRef idx="0">
+        <a:scrgbClr r="0" g="0" b="0"/>
+      </a:lnRef>
+      <a:fillRef idx="1">
+        <a:scrgbClr r="0" g="0" b="0"/>
+      </a:fillRef>
+      <a:effectRef idx="0">
+        <a:scrgbClr r="0" g="0" b="0"/>
+      </a:effectRef>
+      <a:fontRef idx="minor"/>
+    </dgm:style>
+  </dgm:styleLbl>
+  <dgm:styleLbl name="fgShp">
+    <dgm:scene3d>
+      <a:camera prst="orthographicFront"/>
+      <a:lightRig rig="threePt" dir="t"/>
+    </dgm:scene3d>
+    <dgm:sp3d/>
+    <dgm:txPr/>
+    <dgm:style>
+      <a:lnRef idx="2">
+        <a:scrgbClr r="0" g="0" b="0"/>
+      </a:lnRef>
+      <a:fillRef idx="1">
+        <a:scrgbClr r="0" g="0" b="0"/>
+      </a:fillRef>
+      <a:effectRef idx="0">
+        <a:scrgbClr r="0" g="0" b="0"/>
+      </a:effectRef>
+      <a:fontRef idx="minor"/>
+    </dgm:style>
+  </dgm:styleLbl>
+  <dgm:styleLbl name="revTx">
+    <dgm:scene3d>
+      <a:camera prst="orthographicFront"/>
+      <a:lightRig rig="threePt" dir="t"/>
+    </dgm:scene3d>
+    <dgm:sp3d/>
+    <dgm:txPr/>
+    <dgm:style>
+      <a:lnRef idx="0">
+        <a:scrgbClr r="0" g="0" b="0"/>
+      </a:lnRef>
+      <a:fillRef idx="0">
+        <a:scrgbClr r="0" g="0" b="0"/>
+      </a:fillRef>
+      <a:effectRef idx="0">
+        <a:scrgbClr r="0" g="0" b="0"/>
+      </a:effectRef>
+      <a:fontRef idx="minor"/>
+    </dgm:style>
+  </dgm:styleLbl>
+</dgm:styleDef>
+</file>
+
+<file path=ppt/diagrams/quickStyle3.xml><?xml version="1.0" encoding="utf-8"?>
+<dgm:styleDef xmlns:dgm="http://schemas.openxmlformats.org/drawingml/2006/diagram" xmlns:a="http://schemas.openxmlformats.org/drawingml/2006/main" uniqueId="urn:microsoft.com/office/officeart/2005/8/quickstyle/simple1">
+  <dgm:title val=""/>
+  <dgm:desc val=""/>
+  <dgm:catLst>
+    <dgm:cat type="simple" pri="10100"/>
+  </dgm:catLst>
+  <dgm:scene3d>
+    <a:camera prst="orthographicFront"/>
+    <a:lightRig rig="threePt" dir="t"/>
+  </dgm:scene3d>
+  <dgm:styleLbl name="node0">
+    <dgm:scene3d>
+      <a:camera prst="orthographicFront"/>
+      <a:lightRig rig="threePt" dir="t"/>
+    </dgm:scene3d>
+    <dgm:sp3d/>
+    <dgm:txPr/>
+    <dgm:style>
+      <a:lnRef idx="2">
+        <a:scrgbClr r="0" g="0" b="0"/>
+      </a:lnRef>
+      <a:fillRef idx="1">
+        <a:scrgbClr r="0" g="0" b="0"/>
+      </a:fillRef>
+      <a:effectRef idx="0">
+        <a:scrgbClr r="0" g="0" b="0"/>
+      </a:effectRef>
+      <a:fontRef idx="minor">
+        <a:schemeClr val="lt1"/>
+      </a:fontRef>
+    </dgm:style>
+  </dgm:styleLbl>
+  <dgm:styleLbl name="lnNode1">
+    <dgm:scene3d>
+      <a:camera prst="orthographicFront"/>
+      <a:lightRig rig="threePt" dir="t"/>
+    </dgm:scene3d>
+    <dgm:sp3d/>
+    <dgm:txPr/>
+    <dgm:style>
+      <a:lnRef idx="2">
+        <a:scrgbClr r="0" g="0" b="0"/>
+      </a:lnRef>
+      <a:fillRef idx="1">
+        <a:scrgbClr r="0" g="0" b="0"/>
+      </a:fillRef>
+      <a:effectRef idx="0">
+        <a:scrgbClr r="0" g="0" b="0"/>
+      </a:effectRef>
+      <a:fontRef idx="minor">
+        <a:schemeClr val="lt1"/>
+      </a:fontRef>
+    </dgm:style>
+  </dgm:styleLbl>
+  <dgm:styleLbl name="vennNode1">
+    <dgm:scene3d>
+      <a:camera prst="orthographicFront"/>
+      <a:lightRig rig="threePt" dir="t"/>
+    </dgm:scene3d>
+    <dgm:sp3d/>
+    <dgm:txPr/>
+    <dgm:style>
+      <a:lnRef idx="2">
+        <a:scrgbClr r="0" g="0" b="0"/>
+      </a:lnRef>
+      <a:fillRef idx="1">
+        <a:scrgbClr r="0" g="0" b="0"/>
+      </a:fillRef>
+      <a:effectRef idx="0">
+        <a:scrgbClr r="0" g="0" b="0"/>
+      </a:effectRef>
+      <a:fontRef idx="minor">
+        <a:schemeClr val="tx1"/>
+      </a:fontRef>
+    </dgm:style>
+  </dgm:styleLbl>
+  <dgm:styleLbl name="alignNode1">
+    <dgm:scene3d>
+      <a:camera prst="orthographicFront"/>
+      <a:lightRig rig="threePt" dir="t"/>
+    </dgm:scene3d>
+    <dgm:sp3d/>
+    <dgm:txPr/>
+    <dgm:style>
+      <a:lnRef idx="2">
+        <a:scrgbClr r="0" g="0" b="0"/>
+      </a:lnRef>
+      <a:fillRef idx="1">
+        <a:scrgbClr r="0" g="0" b="0"/>
+      </a:fillRef>
+      <a:effectRef idx="0">
+        <a:scrgbClr r="0" g="0" b="0"/>
+      </a:effectRef>
+      <a:fontRef idx="minor">
+        <a:schemeClr val="lt1"/>
+      </a:fontRef>
+    </dgm:style>
+  </dgm:styleLbl>
+  <dgm:styleLbl name="node1">
+    <dgm:scene3d>
+      <a:camera prst="orthographicFront"/>
+      <a:lightRig rig="threePt" dir="t"/>
+    </dgm:scene3d>
+    <dgm:sp3d/>
+    <dgm:txPr/>
+    <dgm:style>
+      <a:lnRef idx="2">
+        <a:scrgbClr r="0" g="0" b="0"/>
+      </a:lnRef>
+      <a:fillRef idx="1">
+        <a:scrgbClr r="0" g="0" b="0"/>
+      </a:fillRef>
+      <a:effectRef idx="0">
+        <a:scrgbClr r="0" g="0" b="0"/>
+      </a:effectRef>
+      <a:fontRef idx="minor">
+        <a:schemeClr val="lt1"/>
+      </a:fontRef>
+    </dgm:style>
+  </dgm:styleLbl>
+  <dgm:styleLbl name="node2">
+    <dgm:scene3d>
+      <a:camera prst="orthographicFront"/>
+      <a:lightRig rig="threePt" dir="t"/>
+    </dgm:scene3d>
+    <dgm:sp3d/>
+    <dgm:txPr/>
+    <dgm:style>
+      <a:lnRef idx="2">
+        <a:scrgbClr r="0" g="0" b="0"/>
+      </a:lnRef>
+      <a:fillRef idx="1">
+        <a:scrgbClr r="0" g="0" b="0"/>
+      </a:fillRef>
+      <a:effectRef idx="0">
+        <a:scrgbClr r="0" g="0" b="0"/>
+      </a:effectRef>
+      <a:fontRef idx="minor">
+        <a:schemeClr val="lt1"/>
+      </a:fontRef>
+    </dgm:style>
+  </dgm:styleLbl>
+  <dgm:styleLbl name="node3">
+    <dgm:scene3d>
+      <a:camera prst="orthographicFront"/>
+      <a:lightRig rig="threePt" dir="t"/>
+    </dgm:scene3d>
+    <dgm:sp3d/>
+    <dgm:txPr/>
+    <dgm:style>
+      <a:lnRef idx="2">
+        <a:scrgbClr r="0" g="0" b="0"/>
+      </a:lnRef>
+      <a:fillRef idx="1">
+        <a:scrgbClr r="0" g="0" b="0"/>
+      </a:fillRef>
+      <a:effectRef idx="0">
+        <a:scrgbClr r="0" g="0" b="0"/>
+      </a:effectRef>
+      <a:fontRef idx="minor">
+        <a:schemeClr val="lt1"/>
+      </a:fontRef>
+    </dgm:style>
+  </dgm:styleLbl>
+  <dgm:styleLbl name="node4">
+    <dgm:scene3d>
+      <a:camera prst="orthographicFront"/>
+      <a:lightRig rig="threePt" dir="t"/>
+    </dgm:scene3d>
+    <dgm:sp3d/>
+    <dgm:txPr/>
+    <dgm:style>
+      <a:lnRef idx="2">
+        <a:scrgbClr r="0" g="0" b="0"/>
+      </a:lnRef>
+      <a:fillRef idx="1">
+        <a:scrgbClr r="0" g="0" b="0"/>
+      </a:fillRef>
+      <a:effectRef idx="0">
+        <a:scrgbClr r="0" g="0" b="0"/>
+      </a:effectRef>
+      <a:fontRef idx="minor">
+        <a:schemeClr val="lt1"/>
+      </a:fontRef>
+    </dgm:style>
+  </dgm:styleLbl>
+  <dgm:styleLbl name="fgImgPlace1">
+    <dgm:scene3d>
+      <a:camera prst="orthographicFront"/>
+      <a:lightRig rig="threePt" dir="t"/>
+    </dgm:scene3d>
+    <dgm:sp3d/>
+    <dgm:txPr/>
+    <dgm:style>
+      <a:lnRef idx="2">
+        <a:scrgbClr r="0" g="0" b="0"/>
+      </a:lnRef>
+      <a:fillRef idx="1">
+        <a:scrgbClr r="0" g="0" b="0"/>
+      </a:fillRef>
+      <a:effectRef idx="0">
+        <a:scrgbClr r="0" g="0" b="0"/>
+      </a:effectRef>
+      <a:fontRef idx="minor"/>
+    </dgm:style>
+  </dgm:styleLbl>
+  <dgm:styleLbl name="alignImgPlace1">
+    <dgm:scene3d>
+      <a:camera prst="orthographicFront"/>
+      <a:lightRig rig="threePt" dir="t"/>
+    </dgm:scene3d>
+    <dgm:sp3d/>
+    <dgm:txPr/>
+    <dgm:style>
+      <a:lnRef idx="2">
+        <a:scrgbClr r="0" g="0" b="0"/>
+      </a:lnRef>
+      <a:fillRef idx="1">
+        <a:scrgbClr r="0" g="0" b="0"/>
+      </a:fillRef>
+      <a:effectRef idx="0">
+        <a:scrgbClr r="0" g="0" b="0"/>
+      </a:effectRef>
+      <a:fontRef idx="minor"/>
+    </dgm:style>
+  </dgm:styleLbl>
+  <dgm:styleLbl name="bgImgPlace1">
+    <dgm:scene3d>
+      <a:camera prst="orthographicFront"/>
+      <a:lightRig rig="threePt" dir="t"/>
+    </dgm:scene3d>
+    <dgm:sp3d/>
+    <dgm:txPr/>
+    <dgm:style>
+      <a:lnRef idx="2">
+        <a:scrgbClr r="0" g="0" b="0"/>
+      </a:lnRef>
+      <a:fillRef idx="1">
+        <a:scrgbClr r="0" g="0" b="0"/>
+      </a:fillRef>
+      <a:effectRef idx="0">
+        <a:scrgbClr r="0" g="0" b="0"/>
+      </a:effectRef>
+      <a:fontRef idx="minor"/>
+    </dgm:style>
+  </dgm:styleLbl>
+  <dgm:styleLbl name="sibTrans2D1">
+    <dgm:scene3d>
+      <a:camera prst="orthographicFront"/>
+      <a:lightRig rig="threePt" dir="t"/>
+    </dgm:scene3d>
+    <dgm:sp3d/>
+    <dgm:txPr/>
+    <dgm:style>
+      <a:lnRef idx="0">
+        <a:scrgbClr r="0" g="0" b="0"/>
+      </a:lnRef>
+      <a:fillRef idx="1">
+        <a:scrgbClr r="0" g="0" b="0"/>
+      </a:fillRef>
+      <a:effectRef idx="0">
+        <a:scrgbClr r="0" g="0" b="0"/>
+      </a:effectRef>
+      <a:fontRef idx="minor">
+        <a:schemeClr val="lt1"/>
+      </a:fontRef>
+    </dgm:style>
+  </dgm:styleLbl>
+  <dgm:styleLbl name="fgSibTrans2D1">
+    <dgm:scene3d>
+      <a:camera prst="orthographicFront"/>
+      <a:lightRig rig="threePt" dir="t"/>
+    </dgm:scene3d>
+    <dgm:sp3d/>
+    <dgm:txPr/>
+    <dgm:style>
+      <a:lnRef idx="0">
+        <a:scrgbClr r="0" g="0" b="0"/>
+      </a:lnRef>
+      <a:fillRef idx="1">
+        <a:scrgbClr r="0" g="0" b="0"/>
+      </a:fillRef>
+      <a:effectRef idx="0">
+        <a:scrgbClr r="0" g="0" b="0"/>
+      </a:effectRef>
+      <a:fontRef idx="minor">
+        <a:schemeClr val="lt1"/>
+      </a:fontRef>
+    </dgm:style>
+  </dgm:styleLbl>
+  <dgm:styleLbl name="bgSibTrans2D1">
+    <dgm:scene3d>
+      <a:camera prst="orthographicFront"/>
+      <a:lightRig rig="threePt" dir="t"/>
+    </dgm:scene3d>
+    <dgm:sp3d/>
+    <dgm:txPr/>
+    <dgm:style>
+      <a:lnRef idx="0">
+        <a:scrgbClr r="0" g="0" b="0"/>
+      </a:lnRef>
+      <a:fillRef idx="1">
+        <a:scrgbClr r="0" g="0" b="0"/>
+      </a:fillRef>
+      <a:effectRef idx="0">
+        <a:scrgbClr r="0" g="0" b="0"/>
+      </a:effectRef>
+      <a:fontRef idx="minor">
+        <a:schemeClr val="lt1"/>
+      </a:fontRef>
+    </dgm:style>
+  </dgm:styleLbl>
+  <dgm:styleLbl name="sibTrans1D1">
+    <dgm:scene3d>
+      <a:camera prst="orthographicFront"/>
+      <a:lightRig rig="threePt" dir="t"/>
+    </dgm:scene3d>
+    <dgm:sp3d/>
+    <dgm:txPr/>
+    <dgm:style>
+      <a:lnRef idx="1">
+        <a:scrgbClr r="0" g="0" b="0"/>
+      </a:lnRef>
+      <a:fillRef idx="0">
+        <a:scrgbClr r="0" g="0" b="0"/>
+      </a:fillRef>
+      <a:effectRef idx="0">
+        <a:scrgbClr r="0" g="0" b="0"/>
+      </a:effectRef>
+      <a:fontRef idx="minor"/>
+    </dgm:style>
+  </dgm:styleLbl>
+  <dgm:styleLbl name="callout">
+    <dgm:scene3d>
+      <a:camera prst="orthographicFront"/>
+      <a:lightRig rig="threePt" dir="t"/>
+    </dgm:scene3d>
+    <dgm:sp3d/>
+    <dgm:txPr/>
+    <dgm:style>
+      <a:lnRef idx="2">
+        <a:scrgbClr r="0" g="0" b="0"/>
+      </a:lnRef>
+      <a:fillRef idx="1">
+        <a:scrgbClr r="0" g="0" b="0"/>
+      </a:fillRef>
+      <a:effectRef idx="0">
+        <a:scrgbClr r="0" g="0" b="0"/>
+      </a:effectRef>
+      <a:fontRef idx="minor"/>
+    </dgm:style>
+  </dgm:styleLbl>
+  <dgm:styleLbl name="asst0">
+    <dgm:scene3d>
+      <a:camera prst="orthographicFront"/>
+      <a:lightRig rig="threePt" dir="t"/>
+    </dgm:scene3d>
+    <dgm:sp3d/>
+    <dgm:txPr/>
+    <dgm:style>
+      <a:lnRef idx="2">
+        <a:scrgbClr r="0" g="0" b="0"/>
+      </a:lnRef>
+      <a:fillRef idx="1">
+        <a:scrgbClr r="0" g="0" b="0"/>
+      </a:fillRef>
+      <a:effectRef idx="0">
+        <a:scrgbClr r="0" g="0" b="0"/>
+      </a:effectRef>
+      <a:fontRef idx="minor">
+        <a:schemeClr val="lt1"/>
+      </a:fontRef>
+    </dgm:style>
+  </dgm:styleLbl>
+  <dgm:styleLbl name="asst1">
+    <dgm:scene3d>
+      <a:camera prst="orthographicFront"/>
+      <a:lightRig rig="threePt" dir="t"/>
+    </dgm:scene3d>
+    <dgm:sp3d/>
+    <dgm:txPr/>
+    <dgm:style>
+      <a:lnRef idx="2">
+        <a:scrgbClr r="0" g="0" b="0"/>
+      </a:lnRef>
+      <a:fillRef idx="1">
+        <a:scrgbClr r="0" g="0" b="0"/>
+      </a:fillRef>
+      <a:effectRef idx="0">
+        <a:scrgbClr r="0" g="0" b="0"/>
+      </a:effectRef>
+      <a:fontRef idx="minor">
+        <a:schemeClr val="lt1"/>
+      </a:fontRef>
+    </dgm:style>
+  </dgm:styleLbl>
+  <dgm:styleLbl name="asst2">
+    <dgm:scene3d>
+      <a:camera prst="orthographicFront"/>
+      <a:lightRig rig="threePt" dir="t"/>
+    </dgm:scene3d>
+    <dgm:sp3d/>
+    <dgm:txPr/>
+    <dgm:style>
+      <a:lnRef idx="2">
+        <a:scrgbClr r="0" g="0" b="0"/>
+      </a:lnRef>
+      <a:fillRef idx="1">
+        <a:scrgbClr r="0" g="0" b="0"/>
+      </a:fillRef>
+      <a:effectRef idx="0">
+        <a:scrgbClr r="0" g="0" b="0"/>
+      </a:effectRef>
+      <a:fontRef idx="minor">
+        <a:schemeClr val="lt1"/>
+      </a:fontRef>
+    </dgm:style>
+  </dgm:styleLbl>
+  <dgm:styleLbl name="asst3">
+    <dgm:scene3d>
+      <a:camera prst="orthographicFront"/>
+      <a:lightRig rig="threePt" dir="t"/>
+    </dgm:scene3d>
+    <dgm:sp3d/>
+    <dgm:txPr/>
+    <dgm:style>
+      <a:lnRef idx="2">
+        <a:scrgbClr r="0" g="0" b="0"/>
+      </a:lnRef>
+      <a:fillRef idx="1">
+        <a:scrgbClr r="0" g="0" b="0"/>
+      </a:fillRef>
+      <a:effectRef idx="0">
+        <a:scrgbClr r="0" g="0" b="0"/>
+      </a:effectRef>
+      <a:fontRef idx="minor">
+        <a:schemeClr val="lt1"/>
+      </a:fontRef>
+    </dgm:style>
+  </dgm:styleLbl>
+  <dgm:styleLbl name="asst4">
+    <dgm:scene3d>
+      <a:camera prst="orthographicFront"/>
+      <a:lightRig rig="threePt" dir="t"/>
+    </dgm:scene3d>
+    <dgm:sp3d/>
+    <dgm:txPr/>
+    <dgm:style>
+      <a:lnRef idx="2">
+        <a:scrgbClr r="0" g="0" b="0"/>
+      </a:lnRef>
+      <a:fillRef idx="1">
+        <a:scrgbClr r="0" g="0" b="0"/>
+      </a:fillRef>
+      <a:effectRef idx="0">
+        <a:scrgbClr r="0" g="0" b="0"/>
+      </a:effectRef>
+      <a:fontRef idx="minor">
+        <a:schemeClr val="lt1"/>
+      </a:fontRef>
+    </dgm:style>
+  </dgm:styleLbl>
+  <dgm:styleLbl name="parChTrans2D1">
+    <dgm:scene3d>
+      <a:camera prst="orthographicFront"/>
+      <a:lightRig rig="threePt" dir="t"/>
+    </dgm:scene3d>
+    <dgm:sp3d/>
+    <dgm:txPr/>
+    <dgm:style>
+      <a:lnRef idx="2">
+        <a:scrgbClr r="0" g="0" b="0"/>
+      </a:lnRef>
+      <a:fillRef idx="1">
+        <a:scrgbClr r="0" g="0" b="0"/>
+      </a:fillRef>
+      <a:effectRef idx="0">
+        <a:scrgbClr r="0" g="0" b="0"/>
+      </a:effectRef>
+      <a:fontRef idx="minor">
+        <a:schemeClr val="lt1"/>
+      </a:fontRef>
+    </dgm:style>
+  </dgm:styleLbl>
+  <dgm:styleLbl name="parChTrans2D2">
+    <dgm:scene3d>
+      <a:camera prst="orthographicFront"/>
+      <a:lightRig rig="threePt" dir="t"/>
+    </dgm:scene3d>
+    <dgm:sp3d/>
+    <dgm:txPr/>
+    <dgm:style>
+      <a:lnRef idx="2">
+        <a:scrgbClr r="0" g="0" b="0"/>
+      </a:lnRef>
+      <a:fillRef idx="1">
+        <a:scrgbClr r="0" g="0" b="0"/>
+      </a:fillRef>
+      <a:effectRef idx="0">
+        <a:scrgbClr r="0" g="0" b="0"/>
+      </a:effectRef>
+      <a:fontRef idx="minor">
+        <a:schemeClr val="lt1"/>
+      </a:fontRef>
+    </dgm:style>
+  </dgm:styleLbl>
+  <dgm:styleLbl name="parChTrans2D3">
+    <dgm:scene3d>
+      <a:camera prst="orthographicFront"/>
+      <a:lightRig rig="threePt" dir="t"/>
+    </dgm:scene3d>
+    <dgm:sp3d/>
+    <dgm:txPr/>
+    <dgm:style>
+      <a:lnRef idx="2">
+        <a:scrgbClr r="0" g="0" b="0"/>
+      </a:lnRef>
+      <a:fillRef idx="1">
+        <a:scrgbClr r="0" g="0" b="0"/>
+      </a:fillRef>
+      <a:effectRef idx="0">
+        <a:scrgbClr r="0" g="0" b="0"/>
+      </a:effectRef>
+      <a:fontRef idx="minor">
+        <a:schemeClr val="lt1"/>
+      </a:fontRef>
+    </dgm:style>
+  </dgm:styleLbl>
+  <dgm:styleLbl name="parChTrans2D4">
+    <dgm:scene3d>
+      <a:camera prst="orthographicFront"/>
+      <a:lightRig rig="threePt" dir="t"/>
+    </dgm:scene3d>
+    <dgm:sp3d/>
+    <dgm:txPr/>
+    <dgm:style>
+      <a:lnRef idx="2">
+        <a:scrgbClr r="0" g="0" b="0"/>
+      </a:lnRef>
+      <a:fillRef idx="1">
+        <a:scrgbClr r="0" g="0" b="0"/>
+      </a:fillRef>
+      <a:effectRef idx="0">
+        <a:scrgbClr r="0" g="0" b="0"/>
+      </a:effectRef>
+      <a:fontRef idx="minor">
+        <a:schemeClr val="lt1"/>
+      </a:fontRef>
+    </dgm:style>
+  </dgm:styleLbl>
+  <dgm:styleLbl name="parChTrans1D1">
+    <dgm:scene3d>
+      <a:camera prst="orthographicFront"/>
+      <a:lightRig rig="threePt" dir="t"/>
+    </dgm:scene3d>
+    <dgm:sp3d/>
+    <dgm:txPr/>
+    <dgm:style>
+      <a:lnRef idx="2">
+        <a:scrgbClr r="0" g="0" b="0"/>
+      </a:lnRef>
+      <a:fillRef idx="0">
+        <a:scrgbClr r="0" g="0" b="0"/>
+      </a:fillRef>
+      <a:effectRef idx="0">
+        <a:scrgbClr r="0" g="0" b="0"/>
+      </a:effectRef>
+      <a:fontRef idx="minor"/>
+    </dgm:style>
+  </dgm:styleLbl>
+  <dgm:styleLbl name="parChTrans1D2">
+    <dgm:scene3d>
+      <a:camera prst="orthographicFront"/>
+      <a:lightRig rig="threePt" dir="t"/>
+    </dgm:scene3d>
+    <dgm:sp3d/>
+    <dgm:txPr/>
+    <dgm:style>
+      <a:lnRef idx="2">
+        <a:scrgbClr r="0" g="0" b="0"/>
+      </a:lnRef>
+      <a:fillRef idx="0">
+        <a:scrgbClr r="0" g="0" b="0"/>
+      </a:fillRef>
+      <a:effectRef idx="0">
+        <a:scrgbClr r="0" g="0" b="0"/>
+      </a:effectRef>
+      <a:fontRef idx="minor"/>
+    </dgm:style>
+  </dgm:styleLbl>
+  <dgm:styleLbl name="parChTrans1D3">
+    <dgm:scene3d>
+      <a:camera prst="orthographicFront"/>
+      <a:lightRig rig="threePt" dir="t"/>
+    </dgm:scene3d>
+    <dgm:sp3d/>
+    <dgm:txPr/>
+    <dgm:style>
+      <a:lnRef idx="2">
+        <a:scrgbClr r="0" g="0" b="0"/>
+      </a:lnRef>
+      <a:fillRef idx="0">
+        <a:scrgbClr r="0" g="0" b="0"/>
+      </a:fillRef>
+      <a:effectRef idx="0">
+        <a:scrgbClr r="0" g="0" b="0"/>
+      </a:effectRef>
+      <a:fontRef idx="minor"/>
+    </dgm:style>
+  </dgm:styleLbl>
+  <dgm:styleLbl name="parChTrans1D4">
+    <dgm:scene3d>
+      <a:camera prst="orthographicFront"/>
+      <a:lightRig rig="threePt" dir="t"/>
+    </dgm:scene3d>
+    <dgm:sp3d/>
+    <dgm:txPr/>
+    <dgm:style>
+      <a:lnRef idx="2">
+        <a:scrgbClr r="0" g="0" b="0"/>
+      </a:lnRef>
+      <a:fillRef idx="0">
+        <a:scrgbClr r="0" g="0" b="0"/>
+      </a:fillRef>
+      <a:effectRef idx="0">
+        <a:scrgbClr r="0" g="0" b="0"/>
+      </a:effectRef>
+      <a:fontRef idx="minor"/>
+    </dgm:style>
+  </dgm:styleLbl>
+  <dgm:styleLbl name="fgAcc1">
+    <dgm:scene3d>
+      <a:camera prst="orthographicFront"/>
+      <a:lightRig rig="threePt" dir="t"/>
+    </dgm:scene3d>
+    <dgm:sp3d/>
+    <dgm:txPr/>
+    <dgm:style>
+      <a:lnRef idx="2">
+        <a:scrgbClr r="0" g="0" b="0"/>
+      </a:lnRef>
+      <a:fillRef idx="1">
+        <a:scrgbClr r="0" g="0" b="0"/>
+      </a:fillRef>
+      <a:effectRef idx="0">
+        <a:scrgbClr r="0" g="0" b="0"/>
+      </a:effectRef>
+      <a:fontRef idx="minor"/>
+    </dgm:style>
+  </dgm:styleLbl>
+  <dgm:styleLbl name="conFgAcc1">
+    <dgm:scene3d>
+      <a:camera prst="orthographicFront"/>
+      <a:lightRig rig="threePt" dir="t"/>
+    </dgm:scene3d>
+    <dgm:sp3d/>
+    <dgm:txPr/>
+    <dgm:style>
+      <a:lnRef idx="2">
+        <a:scrgbClr r="0" g="0" b="0"/>
+      </a:lnRef>
+      <a:fillRef idx="1">
+        <a:scrgbClr r="0" g="0" b="0"/>
+      </a:fillRef>
+      <a:effectRef idx="0">
+        <a:scrgbClr r="0" g="0" b="0"/>
+      </a:effectRef>
+      <a:fontRef idx="minor"/>
+    </dgm:style>
+  </dgm:styleLbl>
+  <dgm:styleLbl name="alignAcc1">
+    <dgm:scene3d>
+      <a:camera prst="orthographicFront"/>
+      <a:lightRig rig="threePt" dir="t"/>
+    </dgm:scene3d>
+    <dgm:sp3d/>
+    <dgm:txPr/>
+    <dgm:style>
+      <a:lnRef idx="2">
+        <a:scrgbClr r="0" g="0" b="0"/>
+      </a:lnRef>
+      <a:fillRef idx="1">
+        <a:scrgbClr r="0" g="0" b="0"/>
+      </a:fillRef>
+      <a:effectRef idx="0">
+        <a:scrgbClr r="0" g="0" b="0"/>
+      </a:effectRef>
+      <a:fontRef idx="minor"/>
+    </dgm:style>
+  </dgm:styleLbl>
+  <dgm:styleLbl name="trAlignAcc1">
+    <dgm:scene3d>
+      <a:camera prst="orthographicFront"/>
+      <a:lightRig rig="threePt" dir="t"/>
+    </dgm:scene3d>
+    <dgm:sp3d/>
+    <dgm:txPr/>
+    <dgm:style>
+      <a:lnRef idx="1">
+        <a:scrgbClr r="0" g="0" b="0"/>
+      </a:lnRef>
+      <a:fillRef idx="1">
+        <a:scrgbClr r="0" g="0" b="0"/>
+      </a:fillRef>
+      <a:effectRef idx="0">
+        <a:scrgbClr r="0" g="0" b="0"/>
+      </a:effectRef>
+      <a:fontRef idx="minor"/>
+    </dgm:style>
+  </dgm:styleLbl>
+  <dgm:styleLbl name="bgAcc1">
+    <dgm:scene3d>
+      <a:camera prst="orthographicFront"/>
+      <a:lightRig rig="threePt" dir="t"/>
+    </dgm:scene3d>
+    <dgm:sp3d/>
+    <dgm:txPr/>
+    <dgm:style>
+      <a:lnRef idx="2">
+        <a:scrgbClr r="0" g="0" b="0"/>
+      </a:lnRef>
+      <a:fillRef idx="1">
+        <a:scrgbClr r="0" g="0" b="0"/>
+      </a:fillRef>
+      <a:effectRef idx="0">
+        <a:scrgbClr r="0" g="0" b="0"/>
+      </a:effectRef>
+      <a:fontRef idx="minor"/>
+    </dgm:style>
+  </dgm:styleLbl>
+  <dgm:styleLbl name="solidFgAcc1">
+    <dgm:scene3d>
+      <a:camera prst="orthographicFront"/>
+      <a:lightRig rig="threePt" dir="t"/>
+    </dgm:scene3d>
+    <dgm:sp3d/>
+    <dgm:txPr/>
+    <dgm:style>
+      <a:lnRef idx="2">
+        <a:scrgbClr r="0" g="0" b="0"/>
+      </a:lnRef>
+      <a:fillRef idx="1">
+        <a:scrgbClr r="0" g="0" b="0"/>
+      </a:fillRef>
+      <a:effectRef idx="0">
+        <a:scrgbClr r="0" g="0" b="0"/>
+      </a:effectRef>
+      <a:fontRef idx="minor"/>
+    </dgm:style>
+  </dgm:styleLbl>
+  <dgm:styleLbl name="solidAlignAcc1">
+    <dgm:scene3d>
+      <a:camera prst="orthographicFront"/>
+      <a:lightRig rig="threePt" dir="t"/>
+    </dgm:scene3d>
+    <dgm:sp3d/>
+    <dgm:txPr/>
+    <dgm:style>
+      <a:lnRef idx="2">
+        <a:scrgbClr r="0" g="0" b="0"/>
+      </a:lnRef>
+      <a:fillRef idx="1">
+        <a:scrgbClr r="0" g="0" b="0"/>
+      </a:fillRef>
+      <a:effectRef idx="0">
+        <a:scrgbClr r="0" g="0" b="0"/>
+      </a:effectRef>
+      <a:fontRef idx="minor"/>
+    </dgm:style>
+  </dgm:styleLbl>
+  <dgm:styleLbl name="solidBgAcc1">
+    <dgm:scene3d>
+      <a:camera prst="orthographicFront"/>
+      <a:lightRig rig="threePt" dir="t"/>
+    </dgm:scene3d>
+    <dgm:sp3d/>
+    <dgm:txPr/>
+    <dgm:style>
+      <a:lnRef idx="2">
+        <a:scrgbClr r="0" g="0" b="0"/>
+      </a:lnRef>
+      <a:fillRef idx="1">
+        <a:scrgbClr r="0" g="0" b="0"/>
+      </a:fillRef>
+      <a:effectRef idx="0">
+        <a:scrgbClr r="0" g="0" b="0"/>
+      </a:effectRef>
+      <a:fontRef idx="minor"/>
+    </dgm:style>
+  </dgm:styleLbl>
+  <dgm:styleLbl name="fgAccFollowNode1">
+    <dgm:scene3d>
+      <a:camera prst="orthographicFront"/>
+      <a:lightRig rig="threePt" dir="t"/>
+    </dgm:scene3d>
+    <dgm:sp3d/>
+    <dgm:txPr/>
+    <dgm:style>
+      <a:lnRef idx="2">
+        <a:scrgbClr r="0" g="0" b="0"/>
+      </a:lnRef>
+      <a:fillRef idx="1">
+        <a:scrgbClr r="0" g="0" b="0"/>
+      </a:fillRef>
+      <a:effectRef idx="0">
+        <a:scrgbClr r="0" g="0" b="0"/>
+      </a:effectRef>
+      <a:fontRef idx="minor"/>
+    </dgm:style>
+  </dgm:styleLbl>
+  <dgm:styleLbl name="alignAccFollowNode1">
+    <dgm:scene3d>
+      <a:camera prst="orthographicFront"/>
+      <a:lightRig rig="threePt" dir="t"/>
+    </dgm:scene3d>
+    <dgm:sp3d/>
+    <dgm:txPr/>
+    <dgm:style>
+      <a:lnRef idx="2">
+        <a:scrgbClr r="0" g="0" b="0"/>
+      </a:lnRef>
+      <a:fillRef idx="1">
+        <a:scrgbClr r="0" g="0" b="0"/>
+      </a:fillRef>
+      <a:effectRef idx="0">
+        <a:scrgbClr r="0" g="0" b="0"/>
+      </a:effectRef>
+      <a:fontRef idx="minor"/>
+    </dgm:style>
+  </dgm:styleLbl>
+  <dgm:styleLbl name="bgAccFollowNode1">
+    <dgm:scene3d>
+      <a:camera prst="orthographicFront"/>
+      <a:lightRig rig="threePt" dir="t"/>
+    </dgm:scene3d>
+    <dgm:sp3d/>
+    <dgm:txPr/>
+    <dgm:style>
+      <a:lnRef idx="2">
+        <a:scrgbClr r="0" g="0" b="0"/>
+      </a:lnRef>
+      <a:fillRef idx="1">
+        <a:scrgbClr r="0" g="0" b="0"/>
+      </a:fillRef>
+      <a:effectRef idx="0">
+        <a:scrgbClr r="0" g="0" b="0"/>
+      </a:effectRef>
+      <a:fontRef idx="minor"/>
+    </dgm:style>
+  </dgm:styleLbl>
+  <dgm:styleLbl name="fgAcc0">
+    <dgm:scene3d>
+      <a:camera prst="orthographicFront"/>
+      <a:lightRig rig="threePt" dir="t"/>
+    </dgm:scene3d>
+    <dgm:sp3d/>
+    <dgm:txPr/>
+    <dgm:style>
+      <a:lnRef idx="2">
+        <a:scrgbClr r="0" g="0" b="0"/>
+      </a:lnRef>
+      <a:fillRef idx="1">
+        <a:scrgbClr r="0" g="0" b="0"/>
+      </a:fillRef>
+      <a:effectRef idx="0">
+        <a:scrgbClr r="0" g="0" b="0"/>
+      </a:effectRef>
+      <a:fontRef idx="minor"/>
+    </dgm:style>
+  </dgm:styleLbl>
+  <dgm:styleLbl name="fgAcc2">
+    <dgm:scene3d>
+      <a:camera prst="orthographicFront"/>
+      <a:lightRig rig="threePt" dir="t"/>
+    </dgm:scene3d>
+    <dgm:sp3d/>
+    <dgm:txPr/>
+    <dgm:style>
+      <a:lnRef idx="2">
+        <a:scrgbClr r="0" g="0" b="0"/>
+      </a:lnRef>
+      <a:fillRef idx="1">
+        <a:scrgbClr r="0" g="0" b="0"/>
+      </a:fillRef>
+      <a:effectRef idx="0">
+        <a:scrgbClr r="0" g="0" b="0"/>
+      </a:effectRef>
+      <a:fontRef idx="minor"/>
+    </dgm:style>
+  </dgm:styleLbl>
+  <dgm:styleLbl name="fgAcc3">
+    <dgm:scene3d>
+      <a:camera prst="orthographicFront"/>
+      <a:lightRig rig="threePt" dir="t"/>
+    </dgm:scene3d>
+    <dgm:sp3d/>
+    <dgm:txPr/>
+    <dgm:style>
+      <a:lnRef idx="2">
+        <a:scrgbClr r="0" g="0" b="0"/>
+      </a:lnRef>
+      <a:fillRef idx="1">
+        <a:scrgbClr r="0" g="0" b="0"/>
+      </a:fillRef>
+      <a:effectRef idx="0">
+        <a:scrgbClr r="0" g="0" b="0"/>
+      </a:effectRef>
+      <a:fontRef idx="minor"/>
+    </dgm:style>
+  </dgm:styleLbl>
+  <dgm:styleLbl name="fgAcc4">
+    <dgm:scene3d>
+      <a:camera prst="orthographicFront"/>
+      <a:lightRig rig="threePt" dir="t"/>
+    </dgm:scene3d>
+    <dgm:sp3d/>
+    <dgm:txPr/>
+    <dgm:style>
+      <a:lnRef idx="2">
+        <a:scrgbClr r="0" g="0" b="0"/>
+      </a:lnRef>
+      <a:fillRef idx="1">
+        <a:scrgbClr r="0" g="0" b="0"/>
+      </a:fillRef>
+      <a:effectRef idx="0">
+        <a:scrgbClr r="0" g="0" b="0"/>
+      </a:effectRef>
+      <a:fontRef idx="minor"/>
+    </dgm:style>
+  </dgm:styleLbl>
+  <dgm:styleLbl name="bgShp">
+    <dgm:scene3d>
+      <a:camera prst="orthographicFront"/>
+      <a:lightRig rig="threePt" dir="t"/>
+    </dgm:scene3d>
+    <dgm:sp3d/>
+    <dgm:txPr/>
+    <dgm:style>
+      <a:lnRef idx="0">
+        <a:scrgbClr r="0" g="0" b="0"/>
+      </a:lnRef>
+      <a:fillRef idx="1">
+        <a:scrgbClr r="0" g="0" b="0"/>
+      </a:fillRef>
+      <a:effectRef idx="0">
+        <a:scrgbClr r="0" g="0" b="0"/>
+      </a:effectRef>
+      <a:fontRef idx="minor"/>
+    </dgm:style>
+  </dgm:styleLbl>
+  <dgm:styleLbl name="dkBgShp">
+    <dgm:scene3d>
+      <a:camera prst="orthographicFront"/>
+      <a:lightRig rig="threePt" dir="t"/>
+    </dgm:scene3d>
+    <dgm:sp3d/>
+    <dgm:txPr/>
+    <dgm:style>
+      <a:lnRef idx="0">
+        <a:scrgbClr r="0" g="0" b="0"/>
+      </a:lnRef>
+      <a:fillRef idx="1">
+        <a:scrgbClr r="0" g="0" b="0"/>
+      </a:fillRef>
+      <a:effectRef idx="0">
+        <a:scrgbClr r="0" g="0" b="0"/>
+      </a:effectRef>
+      <a:fontRef idx="minor"/>
+    </dgm:style>
+  </dgm:styleLbl>
+  <dgm:styleLbl name="trBgShp">
+    <dgm:scene3d>
+      <a:camera prst="orthographicFront"/>
+      <a:lightRig rig="threePt" dir="t"/>
+    </dgm:scene3d>
+    <dgm:sp3d/>
+    <dgm:txPr/>
+    <dgm:style>
+      <a:lnRef idx="0">
+        <a:scrgbClr r="0" g="0" b="0"/>
+      </a:lnRef>
+      <a:fillRef idx="1">
+        <a:scrgbClr r="0" g="0" b="0"/>
+      </a:fillRef>
+      <a:effectRef idx="0">
+        <a:scrgbClr r="0" g="0" b="0"/>
+      </a:effectRef>
+      <a:fontRef idx="minor"/>
+    </dgm:style>
+  </dgm:styleLbl>
+  <dgm:styleLbl name="fgShp">
+    <dgm:scene3d>
+      <a:camera prst="orthographicFront"/>
+      <a:lightRig rig="threePt" dir="t"/>
+    </dgm:scene3d>
+    <dgm:sp3d/>
+    <dgm:txPr/>
+    <dgm:style>
+      <a:lnRef idx="2">
+        <a:scrgbClr r="0" g="0" b="0"/>
+      </a:lnRef>
+      <a:fillRef idx="1">
+        <a:scrgbClr r="0" g="0" b="0"/>
+      </a:fillRef>
+      <a:effectRef idx="0">
+        <a:scrgbClr r="0" g="0" b="0"/>
+      </a:effectRef>
+      <a:fontRef idx="minor"/>
+    </dgm:style>
+  </dgm:styleLbl>
+  <dgm:styleLbl name="revTx">
+    <dgm:scene3d>
+      <a:camera prst="orthographicFront"/>
+      <a:lightRig rig="threePt" dir="t"/>
+    </dgm:scene3d>
+    <dgm:sp3d/>
+    <dgm:txPr/>
+    <dgm:style>
+      <a:lnRef idx="0">
+        <a:scrgbClr r="0" g="0" b="0"/>
+      </a:lnRef>
+      <a:fillRef idx="0">
+        <a:scrgbClr r="0" g="0" b="0"/>
+      </a:fillRef>
+      <a:effectRef idx="0">
+        <a:scrgbClr r="0" g="0" b="0"/>
+      </a:effectRef>
+      <a:fontRef idx="minor"/>
+    </dgm:style>
+  </dgm:styleLbl>
+</dgm:styleDef>
+</file>
+
+<file path=ppt/diagrams/quickStyle4.xml><?xml version="1.0" encoding="utf-8"?>
 <dgm:styleDef xmlns:dgm="http://schemas.openxmlformats.org/drawingml/2006/diagram" xmlns:a="http://schemas.openxmlformats.org/drawingml/2006/main" uniqueId="urn:microsoft.com/office/officeart/2005/8/quickstyle/simple1">
   <dgm:title val=""/>
   <dgm:desc val=""/>
@@ -8095,7 +13639,7 @@
           <a:p>
             <a:fld id="{5A06C713-31A1-4FFE-B62B-D9AF1053C39B}" type="datetimeFigureOut">
               <a:rPr lang="zh-CN" altLang="en-US" smtClean="0"/>
-              <a:t>2015/9/22</a:t>
+              <a:t>2015/9/23</a:t>
             </a:fld>
             <a:endParaRPr lang="zh-CN" altLang="en-US"/>
           </a:p>
@@ -8520,7 +14064,7 @@
           <a:p>
             <a:fld id="{C2605BAB-26FE-4D91-BC75-A3931684AB90}" type="slidenum">
               <a:rPr lang="zh-CN" altLang="en-US" smtClean="0"/>
-              <a:t>4</a:t>
+              <a:t>5</a:t>
             </a:fld>
             <a:endParaRPr lang="zh-CN" altLang="en-US"/>
           </a:p>
@@ -8530,6 +14074,110 @@
     <p:extLst>
       <p:ext uri="{BB962C8B-B14F-4D97-AF65-F5344CB8AC3E}">
         <p14:creationId xmlns:p14="http://schemas.microsoft.com/office/powerpoint/2010/main" val="941622807"/>
+      </p:ext>
+    </p:extLst>
+  </p:cSld>
+  <p:clrMapOvr>
+    <a:masterClrMapping/>
+  </p:clrMapOvr>
+</p:notes>
+</file>
+
+<file path=ppt/notesSlides/notesSlide3.xml><?xml version="1.0" encoding="utf-8"?>
+<p:notes xmlns:a="http://schemas.openxmlformats.org/drawingml/2006/main" xmlns:r="http://schemas.openxmlformats.org/officeDocument/2006/relationships" xmlns:p="http://schemas.openxmlformats.org/presentationml/2006/main">
+  <p:cSld>
+    <p:spTree>
+      <p:nvGrpSpPr>
+        <p:cNvPr id="1" name=""/>
+        <p:cNvGrpSpPr/>
+        <p:nvPr/>
+      </p:nvGrpSpPr>
+      <p:grpSpPr>
+        <a:xfrm>
+          <a:off x="0" y="0"/>
+          <a:ext cx="0" cy="0"/>
+          <a:chOff x="0" y="0"/>
+          <a:chExt cx="0" cy="0"/>
+        </a:xfrm>
+      </p:grpSpPr>
+      <p:sp>
+        <p:nvSpPr>
+          <p:cNvPr id="2" name="幻灯片图像占位符 1"/>
+          <p:cNvSpPr>
+            <a:spLocks noGrp="1" noRot="1" noChangeAspect="1"/>
+          </p:cNvSpPr>
+          <p:nvPr>
+            <p:ph type="sldImg"/>
+          </p:nvPr>
+        </p:nvSpPr>
+        <p:spPr/>
+      </p:sp>
+      <p:sp>
+        <p:nvSpPr>
+          <p:cNvPr id="3" name="备注占位符 2"/>
+          <p:cNvSpPr>
+            <a:spLocks noGrp="1"/>
+          </p:cNvSpPr>
+          <p:nvPr>
+            <p:ph type="body" idx="1"/>
+          </p:nvPr>
+        </p:nvSpPr>
+        <p:spPr/>
+        <p:txBody>
+          <a:bodyPr/>
+          <a:lstStyle/>
+          <a:p>
+            <a:r>
+              <a:rPr lang="en-US" altLang="zh-CN" dirty="0" err="1" smtClean="0"/>
+              <a:t>HTMLCollection</a:t>
+            </a:r>
+            <a:r>
+              <a:rPr lang="en-US" altLang="zh-CN" dirty="0" smtClean="0"/>
+              <a:t> </a:t>
+            </a:r>
+            <a:r>
+              <a:rPr lang="zh-CN" altLang="en-US" dirty="0" smtClean="0"/>
+              <a:t>是一个</a:t>
+            </a:r>
+            <a:r>
+              <a:rPr lang="en-US" altLang="zh-CN" dirty="0" smtClean="0"/>
+              <a:t>live</a:t>
+            </a:r>
+            <a:r>
+              <a:rPr lang="zh-CN" altLang="en-US" dirty="0" smtClean="0"/>
+              <a:t>集合</a:t>
+            </a:r>
+            <a:endParaRPr lang="zh-CN" altLang="en-US" dirty="0"/>
+          </a:p>
+        </p:txBody>
+      </p:sp>
+      <p:sp>
+        <p:nvSpPr>
+          <p:cNvPr id="4" name="灯片编号占位符 3"/>
+          <p:cNvSpPr>
+            <a:spLocks noGrp="1"/>
+          </p:cNvSpPr>
+          <p:nvPr>
+            <p:ph type="sldNum" sz="quarter" idx="10"/>
+          </p:nvPr>
+        </p:nvSpPr>
+        <p:spPr/>
+        <p:txBody>
+          <a:bodyPr/>
+          <a:lstStyle/>
+          <a:p>
+            <a:fld id="{C2605BAB-26FE-4D91-BC75-A3931684AB90}" type="slidenum">
+              <a:rPr lang="zh-CN" altLang="en-US" smtClean="0"/>
+              <a:t>10</a:t>
+            </a:fld>
+            <a:endParaRPr lang="zh-CN" altLang="en-US"/>
+          </a:p>
+        </p:txBody>
+      </p:sp>
+    </p:spTree>
+    <p:extLst>
+      <p:ext uri="{BB962C8B-B14F-4D97-AF65-F5344CB8AC3E}">
+        <p14:creationId xmlns:p14="http://schemas.microsoft.com/office/powerpoint/2010/main" val="4144552210"/>
       </p:ext>
     </p:extLst>
   </p:cSld>
@@ -9197,7 +14845,7 @@
           <a:p>
             <a:fld id="{0E7912FD-16D0-4754-B569-C79EBCED03E8}" type="datetimeFigureOut">
               <a:rPr lang="zh-CN" altLang="en-US" smtClean="0"/>
-              <a:t>2015/9/22</a:t>
+              <a:t>2015/9/23</a:t>
             </a:fld>
             <a:endParaRPr lang="zh-CN" altLang="en-US"/>
           </a:p>
@@ -9380,7 +15028,7 @@
           <a:p>
             <a:fld id="{0E7912FD-16D0-4754-B569-C79EBCED03E8}" type="datetimeFigureOut">
               <a:rPr lang="zh-CN" altLang="en-US" smtClean="0"/>
-              <a:t>2015/9/22</a:t>
+              <a:t>2015/9/23</a:t>
             </a:fld>
             <a:endParaRPr lang="zh-CN" altLang="en-US"/>
           </a:p>
@@ -9555,7 +15203,7 @@
           <a:p>
             <a:fld id="{0E7912FD-16D0-4754-B569-C79EBCED03E8}" type="datetimeFigureOut">
               <a:rPr lang="zh-CN" altLang="en-US" smtClean="0"/>
-              <a:t>2015/9/22</a:t>
+              <a:t>2015/9/23</a:t>
             </a:fld>
             <a:endParaRPr lang="zh-CN" altLang="en-US"/>
           </a:p>
@@ -9720,7 +15368,7 @@
           <a:p>
             <a:fld id="{0E7912FD-16D0-4754-B569-C79EBCED03E8}" type="datetimeFigureOut">
               <a:rPr lang="zh-CN" altLang="en-US" smtClean="0"/>
-              <a:t>2015/9/22</a:t>
+              <a:t>2015/9/23</a:t>
             </a:fld>
             <a:endParaRPr lang="zh-CN" altLang="en-US"/>
           </a:p>
@@ -9941,7 +15589,7 @@
           <a:p>
             <a:fld id="{0E7912FD-16D0-4754-B569-C79EBCED03E8}" type="datetimeFigureOut">
               <a:rPr lang="zh-CN" altLang="en-US" smtClean="0"/>
-              <a:t>2015/9/22</a:t>
+              <a:t>2015/9/23</a:t>
             </a:fld>
             <a:endParaRPr lang="zh-CN" altLang="en-US"/>
           </a:p>
@@ -10200,7 +15848,7 @@
           <a:p>
             <a:fld id="{0E7912FD-16D0-4754-B569-C79EBCED03E8}" type="datetimeFigureOut">
               <a:rPr lang="zh-CN" altLang="en-US" smtClean="0"/>
-              <a:t>2015/9/22</a:t>
+              <a:t>2015/9/23</a:t>
             </a:fld>
             <a:endParaRPr lang="zh-CN" altLang="en-US"/>
           </a:p>
@@ -10604,7 +16252,7 @@
           <a:p>
             <a:fld id="{0E7912FD-16D0-4754-B569-C79EBCED03E8}" type="datetimeFigureOut">
               <a:rPr lang="zh-CN" altLang="en-US" smtClean="0"/>
-              <a:t>2015/9/22</a:t>
+              <a:t>2015/9/23</a:t>
             </a:fld>
             <a:endParaRPr lang="zh-CN" altLang="en-US"/>
           </a:p>
@@ -10735,7 +16383,7 @@
           <a:p>
             <a:fld id="{0E7912FD-16D0-4754-B569-C79EBCED03E8}" type="datetimeFigureOut">
               <a:rPr lang="zh-CN" altLang="en-US" smtClean="0"/>
-              <a:t>2015/9/22</a:t>
+              <a:t>2015/9/23</a:t>
             </a:fld>
             <a:endParaRPr lang="zh-CN" altLang="en-US"/>
           </a:p>
@@ -10835,7 +16483,7 @@
           <a:p>
             <a:fld id="{0E7912FD-16D0-4754-B569-C79EBCED03E8}" type="datetimeFigureOut">
               <a:rPr lang="zh-CN" altLang="en-US" smtClean="0"/>
-              <a:t>2015/9/22</a:t>
+              <a:t>2015/9/23</a:t>
             </a:fld>
             <a:endParaRPr lang="zh-CN" altLang="en-US"/>
           </a:p>
@@ -11080,7 +16728,7 @@
           <a:p>
             <a:fld id="{0E7912FD-16D0-4754-B569-C79EBCED03E8}" type="datetimeFigureOut">
               <a:rPr lang="zh-CN" altLang="en-US" smtClean="0"/>
-              <a:t>2015/9/22</a:t>
+              <a:t>2015/9/23</a:t>
             </a:fld>
             <a:endParaRPr lang="zh-CN" altLang="en-US"/>
           </a:p>
@@ -11324,7 +16972,7 @@
           <a:p>
             <a:fld id="{0E7912FD-16D0-4754-B569-C79EBCED03E8}" type="datetimeFigureOut">
               <a:rPr lang="zh-CN" altLang="en-US" smtClean="0"/>
-              <a:t>2015/9/22</a:t>
+              <a:t>2015/9/23</a:t>
             </a:fld>
             <a:endParaRPr lang="zh-CN" altLang="en-US"/>
           </a:p>
@@ -12148,7 +17796,7 @@
           <a:p>
             <a:fld id="{0E7912FD-16D0-4754-B569-C79EBCED03E8}" type="datetimeFigureOut">
               <a:rPr lang="zh-CN" altLang="en-US" smtClean="0"/>
-              <a:t>2015/9/22</a:t>
+              <a:t>2015/9/23</a:t>
             </a:fld>
             <a:endParaRPr lang="zh-CN" altLang="en-US"/>
           </a:p>
@@ -12613,6 +18261,1741 @@
 </p:sld>
 </file>
 
+<file path=ppt/slides/slide10.xml><?xml version="1.0" encoding="utf-8"?>
+<p:sld xmlns:a="http://schemas.openxmlformats.org/drawingml/2006/main" xmlns:r="http://schemas.openxmlformats.org/officeDocument/2006/relationships" xmlns:p="http://schemas.openxmlformats.org/presentationml/2006/main">
+  <p:cSld>
+    <p:spTree>
+      <p:nvGrpSpPr>
+        <p:cNvPr id="1" name=""/>
+        <p:cNvGrpSpPr/>
+        <p:nvPr/>
+      </p:nvGrpSpPr>
+      <p:grpSpPr>
+        <a:xfrm>
+          <a:off x="0" y="0"/>
+          <a:ext cx="0" cy="0"/>
+          <a:chOff x="0" y="0"/>
+          <a:chExt cx="0" cy="0"/>
+        </a:xfrm>
+      </p:grpSpPr>
+      <p:sp>
+        <p:nvSpPr>
+          <p:cNvPr id="2" name="标题 1"/>
+          <p:cNvSpPr>
+            <a:spLocks noGrp="1"/>
+          </p:cNvSpPr>
+          <p:nvPr>
+            <p:ph type="title"/>
+          </p:nvPr>
+        </p:nvSpPr>
+        <p:spPr>
+          <a:xfrm>
+            <a:off x="467544" y="692696"/>
+            <a:ext cx="8229600" cy="1066800"/>
+          </a:xfrm>
+        </p:spPr>
+        <p:txBody>
+          <a:bodyPr/>
+          <a:lstStyle/>
+          <a:p>
+            <a:r>
+              <a:rPr lang="en-US" altLang="zh-CN" dirty="0" smtClean="0">
+                <a:latin typeface="Adobe 黑体 Std R" pitchFamily="34" charset="-122"/>
+                <a:ea typeface="Adobe 黑体 Std R" pitchFamily="34" charset="-122"/>
+              </a:rPr>
+              <a:t>DOM</a:t>
+            </a:r>
+            <a:r>
+              <a:rPr lang="zh-CN" altLang="en-US" dirty="0" smtClean="0">
+                <a:latin typeface="Adobe 黑体 Std R" pitchFamily="34" charset="-122"/>
+                <a:ea typeface="Adobe 黑体 Std R" pitchFamily="34" charset="-122"/>
+              </a:rPr>
+              <a:t>操作</a:t>
+            </a:r>
+            <a:r>
+              <a:rPr lang="en-US" altLang="zh-CN" dirty="0" smtClean="0">
+                <a:latin typeface="Adobe 黑体 Std R" pitchFamily="34" charset="-122"/>
+                <a:ea typeface="Adobe 黑体 Std R" pitchFamily="34" charset="-122"/>
+              </a:rPr>
+              <a:t>-</a:t>
+            </a:r>
+            <a:r>
+              <a:rPr lang="zh-CN" altLang="en-US" dirty="0" smtClean="0">
+                <a:latin typeface="Adobe 黑体 Std R" pitchFamily="34" charset="-122"/>
+                <a:ea typeface="Adobe 黑体 Std R" pitchFamily="34" charset="-122"/>
+              </a:rPr>
+              <a:t>查</a:t>
+            </a:r>
+            <a:endParaRPr lang="zh-CN" altLang="en-US" dirty="0">
+              <a:latin typeface="Adobe 黑体 Std R" pitchFamily="34" charset="-122"/>
+              <a:ea typeface="Adobe 黑体 Std R" pitchFamily="34" charset="-122"/>
+            </a:endParaRPr>
+          </a:p>
+        </p:txBody>
+      </p:sp>
+      <p:sp>
+        <p:nvSpPr>
+          <p:cNvPr id="3" name="内容占位符 2"/>
+          <p:cNvSpPr>
+            <a:spLocks noGrp="1"/>
+          </p:cNvSpPr>
+          <p:nvPr>
+            <p:ph idx="1"/>
+          </p:nvPr>
+        </p:nvSpPr>
+        <p:spPr>
+          <a:xfrm>
+            <a:off x="395536" y="1700808"/>
+            <a:ext cx="8229600" cy="2088232"/>
+          </a:xfrm>
+        </p:spPr>
+        <p:txBody>
+          <a:bodyPr/>
+          <a:lstStyle/>
+          <a:p>
+            <a:r>
+              <a:rPr lang="en-US" altLang="zh-CN" dirty="0" err="1" smtClean="0"/>
+              <a:t>document.getElementById</a:t>
+            </a:r>
+            <a:r>
+              <a:rPr lang="en-US" altLang="zh-CN" dirty="0" smtClean="0"/>
+              <a:t>()</a:t>
+            </a:r>
+          </a:p>
+          <a:p>
+            <a:r>
+              <a:rPr lang="en-US" altLang="zh-CN" dirty="0" err="1" smtClean="0"/>
+              <a:t>document.getElement</a:t>
+            </a:r>
+            <a:r>
+              <a:rPr lang="en-US" altLang="zh-CN" dirty="0" err="1" smtClean="0">
+                <a:effectLst>
+                  <a:outerShdw blurRad="38100" dist="38100" dir="2700000" algn="tl">
+                    <a:srgbClr val="000000">
+                      <a:alpha val="43137"/>
+                    </a:srgbClr>
+                  </a:outerShdw>
+                </a:effectLst>
+              </a:rPr>
+              <a:t>s</a:t>
+            </a:r>
+            <a:r>
+              <a:rPr lang="en-US" altLang="zh-CN" dirty="0" err="1" smtClean="0"/>
+              <a:t>ByTagName</a:t>
+            </a:r>
+            <a:r>
+              <a:rPr lang="en-US" altLang="zh-CN" dirty="0" smtClean="0"/>
+              <a:t>()</a:t>
+            </a:r>
+          </a:p>
+          <a:p>
+            <a:r>
+              <a:rPr lang="en-US" altLang="zh-CN" dirty="0" err="1" smtClean="0"/>
+              <a:t>document.getElementsByClassName</a:t>
+            </a:r>
+            <a:r>
+              <a:rPr lang="en-US" altLang="zh-CN" dirty="0" smtClean="0"/>
+              <a:t>()</a:t>
+            </a:r>
+          </a:p>
+          <a:p>
+            <a:endParaRPr lang="en-US" altLang="zh-CN" dirty="0"/>
+          </a:p>
+        </p:txBody>
+      </p:sp>
+      <p:graphicFrame>
+        <p:nvGraphicFramePr>
+          <p:cNvPr id="5" name="图示 4"/>
+          <p:cNvGraphicFramePr/>
+          <p:nvPr>
+            <p:extLst>
+              <p:ext uri="{D42A27DB-BD31-4B8C-83A1-F6EECF244321}">
+                <p14:modId xmlns:p14="http://schemas.microsoft.com/office/powerpoint/2010/main" val="3226508389"/>
+              </p:ext>
+            </p:extLst>
+          </p:nvPr>
+        </p:nvGraphicFramePr>
+        <p:xfrm>
+          <a:off x="611560" y="3284984"/>
+          <a:ext cx="8136904" cy="3127896"/>
+        </p:xfrm>
+        <a:graphic>
+          <a:graphicData uri="http://schemas.openxmlformats.org/drawingml/2006/diagram">
+            <dgm:relIds xmlns:dgm="http://schemas.openxmlformats.org/drawingml/2006/diagram" xmlns:r="http://schemas.openxmlformats.org/officeDocument/2006/relationships" r:dm="rId3" r:lo="rId4" r:qs="rId5" r:cs="rId6"/>
+          </a:graphicData>
+        </a:graphic>
+      </p:graphicFrame>
+    </p:spTree>
+    <p:extLst>
+      <p:ext uri="{BB962C8B-B14F-4D97-AF65-F5344CB8AC3E}">
+        <p14:creationId xmlns:p14="http://schemas.microsoft.com/office/powerpoint/2010/main" val="274786164"/>
+      </p:ext>
+    </p:extLst>
+  </p:cSld>
+  <p:clrMapOvr>
+    <a:masterClrMapping/>
+  </p:clrMapOvr>
+  <p:timing>
+    <p:tnLst>
+      <p:par>
+        <p:cTn id="1" dur="indefinite" restart="never" nodeType="tmRoot">
+          <p:childTnLst>
+            <p:seq concurrent="1" nextAc="seek">
+              <p:cTn id="2" dur="indefinite" nodeType="mainSeq">
+                <p:childTnLst>
+                  <p:par>
+                    <p:cTn id="3" fill="hold">
+                      <p:stCondLst>
+                        <p:cond delay="indefinite"/>
+                      </p:stCondLst>
+                      <p:childTnLst>
+                        <p:par>
+                          <p:cTn id="4" fill="hold">
+                            <p:stCondLst>
+                              <p:cond delay="0"/>
+                            </p:stCondLst>
+                            <p:childTnLst>
+                              <p:par>
+                                <p:cTn id="5" presetID="10" presetClass="entr" presetSubtype="0" fill="hold" grpId="0" nodeType="clickEffect">
+                                  <p:stCondLst>
+                                    <p:cond delay="0"/>
+                                  </p:stCondLst>
+                                  <p:childTnLst>
+                                    <p:set>
+                                      <p:cBhvr>
+                                        <p:cTn id="6" dur="1" fill="hold">
+                                          <p:stCondLst>
+                                            <p:cond delay="0"/>
+                                          </p:stCondLst>
+                                        </p:cTn>
+                                        <p:tgtEl>
+                                          <p:spTgt spid="5"/>
+                                        </p:tgtEl>
+                                        <p:attrNameLst>
+                                          <p:attrName>style.visibility</p:attrName>
+                                        </p:attrNameLst>
+                                      </p:cBhvr>
+                                      <p:to>
+                                        <p:strVal val="visible"/>
+                                      </p:to>
+                                    </p:set>
+                                    <p:animEffect transition="in" filter="fade">
+                                      <p:cBhvr>
+                                        <p:cTn id="7" dur="500"/>
+                                        <p:tgtEl>
+                                          <p:spTgt spid="5"/>
+                                        </p:tgtEl>
+                                      </p:cBhvr>
+                                    </p:animEffect>
+                                  </p:childTnLst>
+                                </p:cTn>
+                              </p:par>
+                            </p:childTnLst>
+                          </p:cTn>
+                        </p:par>
+                      </p:childTnLst>
+                    </p:cTn>
+                  </p:par>
+                </p:childTnLst>
+              </p:cTn>
+              <p:prevCondLst>
+                <p:cond evt="onPrev" delay="0">
+                  <p:tgtEl>
+                    <p:sldTgt/>
+                  </p:tgtEl>
+                </p:cond>
+              </p:prevCondLst>
+              <p:nextCondLst>
+                <p:cond evt="onNext" delay="0">
+                  <p:tgtEl>
+                    <p:sldTgt/>
+                  </p:tgtEl>
+                </p:cond>
+              </p:nextCondLst>
+            </p:seq>
+          </p:childTnLst>
+        </p:cTn>
+      </p:par>
+    </p:tnLst>
+    <p:bldLst>
+      <p:bldGraphic spid="5" grpId="0">
+        <p:bldAsOne/>
+      </p:bldGraphic>
+    </p:bldLst>
+  </p:timing>
+</p:sld>
+</file>
+
+<file path=ppt/slides/slide11.xml><?xml version="1.0" encoding="utf-8"?>
+<p:sld xmlns:a="http://schemas.openxmlformats.org/drawingml/2006/main" xmlns:r="http://schemas.openxmlformats.org/officeDocument/2006/relationships" xmlns:p="http://schemas.openxmlformats.org/presentationml/2006/main">
+  <p:cSld>
+    <p:spTree>
+      <p:nvGrpSpPr>
+        <p:cNvPr id="1" name=""/>
+        <p:cNvGrpSpPr/>
+        <p:nvPr/>
+      </p:nvGrpSpPr>
+      <p:grpSpPr>
+        <a:xfrm>
+          <a:off x="0" y="0"/>
+          <a:ext cx="0" cy="0"/>
+          <a:chOff x="0" y="0"/>
+          <a:chExt cx="0" cy="0"/>
+        </a:xfrm>
+      </p:grpSpPr>
+      <p:sp>
+        <p:nvSpPr>
+          <p:cNvPr id="2" name="标题 1"/>
+          <p:cNvSpPr>
+            <a:spLocks noGrp="1"/>
+          </p:cNvSpPr>
+          <p:nvPr>
+            <p:ph type="title"/>
+          </p:nvPr>
+        </p:nvSpPr>
+        <p:spPr>
+          <a:xfrm>
+            <a:off x="467544" y="836712"/>
+            <a:ext cx="8229600" cy="1066800"/>
+          </a:xfrm>
+        </p:spPr>
+        <p:txBody>
+          <a:bodyPr/>
+          <a:lstStyle/>
+          <a:p>
+            <a:r>
+              <a:rPr lang="en-US" altLang="zh-CN" dirty="0">
+                <a:latin typeface="Adobe 黑体 Std R" pitchFamily="34" charset="-122"/>
+                <a:ea typeface="Adobe 黑体 Std R" pitchFamily="34" charset="-122"/>
+              </a:rPr>
+              <a:t>DOM</a:t>
+            </a:r>
+            <a:r>
+              <a:rPr lang="zh-CN" altLang="en-US" dirty="0">
+                <a:latin typeface="Adobe 黑体 Std R" pitchFamily="34" charset="-122"/>
+                <a:ea typeface="Adobe 黑体 Std R" pitchFamily="34" charset="-122"/>
+              </a:rPr>
+              <a:t>操作</a:t>
+            </a:r>
+            <a:r>
+              <a:rPr lang="en-US" altLang="zh-CN" dirty="0">
+                <a:latin typeface="Adobe 黑体 Std R" pitchFamily="34" charset="-122"/>
+                <a:ea typeface="Adobe 黑体 Std R" pitchFamily="34" charset="-122"/>
+              </a:rPr>
+              <a:t>-</a:t>
+            </a:r>
+            <a:r>
+              <a:rPr lang="zh-CN" altLang="en-US" dirty="0">
+                <a:latin typeface="Adobe 黑体 Std R" pitchFamily="34" charset="-122"/>
+                <a:ea typeface="Adobe 黑体 Std R" pitchFamily="34" charset="-122"/>
+              </a:rPr>
+              <a:t>查</a:t>
+            </a:r>
+            <a:endParaRPr lang="zh-CN" altLang="en-US" dirty="0"/>
+          </a:p>
+        </p:txBody>
+      </p:sp>
+      <p:sp>
+        <p:nvSpPr>
+          <p:cNvPr id="3" name="内容占位符 2"/>
+          <p:cNvSpPr>
+            <a:spLocks noGrp="1"/>
+          </p:cNvSpPr>
+          <p:nvPr>
+            <p:ph idx="1"/>
+          </p:nvPr>
+        </p:nvSpPr>
+        <p:spPr>
+          <a:xfrm>
+            <a:off x="457200" y="1844824"/>
+            <a:ext cx="8229600" cy="1584176"/>
+          </a:xfrm>
+        </p:spPr>
+        <p:txBody>
+          <a:bodyPr>
+            <a:normAutofit fontScale="92500" lnSpcReduction="10000"/>
+          </a:bodyPr>
+          <a:lstStyle/>
+          <a:p>
+            <a:r>
+              <a:rPr lang="en-US" altLang="zh-CN" dirty="0" err="1" smtClean="0"/>
+              <a:t>HTMLCollection</a:t>
+            </a:r>
+            <a:r>
+              <a:rPr lang="zh-CN" altLang="en-US" dirty="0" smtClean="0"/>
+              <a:t>是一个动态集合，每次访问</a:t>
+            </a:r>
+            <a:r>
+              <a:rPr lang="en-US" altLang="zh-CN" dirty="0" err="1" smtClean="0"/>
+              <a:t>HTMLCollection</a:t>
+            </a:r>
+            <a:r>
+              <a:rPr lang="zh-CN" altLang="en-US" dirty="0" smtClean="0"/>
+              <a:t>的时候浏览器都会进行一次基于文档的查询。</a:t>
+            </a:r>
+            <a:endParaRPr lang="en-US" altLang="zh-CN" dirty="0" smtClean="0"/>
+          </a:p>
+          <a:p>
+            <a:r>
+              <a:rPr lang="en-US" altLang="zh-CN" dirty="0" err="1" smtClean="0"/>
+              <a:t>HTMLCollection</a:t>
+            </a:r>
+            <a:r>
+              <a:rPr lang="zh-CN" altLang="en-US" dirty="0" smtClean="0"/>
+              <a:t>内的主体是</a:t>
+            </a:r>
+            <a:r>
+              <a:rPr lang="en-US" altLang="zh-CN" dirty="0" smtClean="0"/>
+              <a:t>element</a:t>
+            </a:r>
+            <a:endParaRPr lang="zh-CN" altLang="en-US" dirty="0"/>
+          </a:p>
+        </p:txBody>
+      </p:sp>
+      <p:sp>
+        <p:nvSpPr>
+          <p:cNvPr id="5" name="矩形 4"/>
+          <p:cNvSpPr/>
+          <p:nvPr/>
+        </p:nvSpPr>
+        <p:spPr>
+          <a:xfrm>
+            <a:off x="611560" y="3573016"/>
+            <a:ext cx="8280920" cy="2736304"/>
+          </a:xfrm>
+          <a:prstGeom prst="rect">
+            <a:avLst/>
+          </a:prstGeom>
+          <a:solidFill>
+            <a:schemeClr val="accent2">
+              <a:lumMod val="75000"/>
+            </a:schemeClr>
+          </a:solidFill>
+        </p:spPr>
+        <p:style>
+          <a:lnRef idx="3">
+            <a:schemeClr val="lt1"/>
+          </a:lnRef>
+          <a:fillRef idx="1">
+            <a:schemeClr val="accent6"/>
+          </a:fillRef>
+          <a:effectRef idx="1">
+            <a:schemeClr val="accent6"/>
+          </a:effectRef>
+          <a:fontRef idx="minor">
+            <a:schemeClr val="lt1"/>
+          </a:fontRef>
+        </p:style>
+        <p:txBody>
+          <a:bodyPr rtlCol="0" anchor="ctr"/>
+          <a:lstStyle/>
+          <a:p>
+            <a:r>
+              <a:rPr lang="en-US" altLang="zh-CN" sz="2100" dirty="0" err="1">
+                <a:latin typeface="Consolas" pitchFamily="49" charset="0"/>
+                <a:cs typeface="Consolas" pitchFamily="49" charset="0"/>
+              </a:rPr>
+              <a:t>var</a:t>
+            </a:r>
+            <a:r>
+              <a:rPr lang="en-US" altLang="zh-CN" sz="2100" dirty="0">
+                <a:latin typeface="Consolas" pitchFamily="49" charset="0"/>
+                <a:cs typeface="Consolas" pitchFamily="49" charset="0"/>
+              </a:rPr>
+              <a:t> </a:t>
+            </a:r>
+            <a:r>
+              <a:rPr lang="en-US" altLang="zh-CN" sz="2100" dirty="0" err="1">
+                <a:latin typeface="Consolas" pitchFamily="49" charset="0"/>
+                <a:cs typeface="Consolas" pitchFamily="49" charset="0"/>
+              </a:rPr>
+              <a:t>divs</a:t>
+            </a:r>
+            <a:r>
+              <a:rPr lang="en-US" altLang="zh-CN" sz="2100" dirty="0">
+                <a:latin typeface="Consolas" pitchFamily="49" charset="0"/>
+                <a:cs typeface="Consolas" pitchFamily="49" charset="0"/>
+              </a:rPr>
+              <a:t> = </a:t>
+            </a:r>
+            <a:r>
+              <a:rPr lang="en-US" altLang="zh-CN" sz="2100" dirty="0" err="1">
+                <a:latin typeface="Consolas" pitchFamily="49" charset="0"/>
+                <a:cs typeface="Consolas" pitchFamily="49" charset="0"/>
+              </a:rPr>
+              <a:t>document.getElementsByTagName</a:t>
+            </a:r>
+            <a:r>
+              <a:rPr lang="en-US" altLang="zh-CN" sz="2100" dirty="0">
+                <a:latin typeface="Consolas" pitchFamily="49" charset="0"/>
+                <a:cs typeface="Consolas" pitchFamily="49" charset="0"/>
+              </a:rPr>
+              <a:t>("div"),</a:t>
+            </a:r>
+          </a:p>
+          <a:p>
+            <a:r>
+              <a:rPr lang="en-US" altLang="zh-CN" sz="2100" dirty="0">
+                <a:latin typeface="Consolas" pitchFamily="49" charset="0"/>
+                <a:cs typeface="Consolas" pitchFamily="49" charset="0"/>
+              </a:rPr>
+              <a:t>    </a:t>
+            </a:r>
+            <a:r>
+              <a:rPr lang="en-US" altLang="zh-CN" sz="2100" dirty="0" err="1">
+                <a:latin typeface="Consolas" pitchFamily="49" charset="0"/>
+                <a:cs typeface="Consolas" pitchFamily="49" charset="0"/>
+              </a:rPr>
+              <a:t>i</a:t>
+            </a:r>
+            <a:r>
+              <a:rPr lang="en-US" altLang="zh-CN" sz="2100" dirty="0">
+                <a:latin typeface="Consolas" pitchFamily="49" charset="0"/>
+                <a:cs typeface="Consolas" pitchFamily="49" charset="0"/>
+              </a:rPr>
+              <a:t>,</a:t>
+            </a:r>
+          </a:p>
+          <a:p>
+            <a:r>
+              <a:rPr lang="en-US" altLang="zh-CN" sz="2100" dirty="0">
+                <a:latin typeface="Consolas" pitchFamily="49" charset="0"/>
+                <a:cs typeface="Consolas" pitchFamily="49" charset="0"/>
+              </a:rPr>
+              <a:t>    div;</a:t>
+            </a:r>
+          </a:p>
+          <a:p>
+            <a:r>
+              <a:rPr lang="en-US" altLang="zh-CN" sz="2100" dirty="0">
+                <a:latin typeface="Consolas" pitchFamily="49" charset="0"/>
+                <a:cs typeface="Consolas" pitchFamily="49" charset="0"/>
+              </a:rPr>
+              <a:t>for (</a:t>
+            </a:r>
+            <a:r>
+              <a:rPr lang="en-US" altLang="zh-CN" sz="2100" dirty="0" err="1">
+                <a:latin typeface="Consolas" pitchFamily="49" charset="0"/>
+                <a:cs typeface="Consolas" pitchFamily="49" charset="0"/>
+              </a:rPr>
+              <a:t>i</a:t>
+            </a:r>
+            <a:r>
+              <a:rPr lang="en-US" altLang="zh-CN" sz="2100" dirty="0">
+                <a:latin typeface="Consolas" pitchFamily="49" charset="0"/>
+                <a:cs typeface="Consolas" pitchFamily="49" charset="0"/>
+              </a:rPr>
+              <a:t> = 0; </a:t>
+            </a:r>
+            <a:r>
+              <a:rPr lang="en-US" altLang="zh-CN" sz="2100" dirty="0" err="1">
+                <a:latin typeface="Consolas" pitchFamily="49" charset="0"/>
+                <a:cs typeface="Consolas" pitchFamily="49" charset="0"/>
+              </a:rPr>
+              <a:t>i</a:t>
+            </a:r>
+            <a:r>
+              <a:rPr lang="en-US" altLang="zh-CN" sz="2100" dirty="0">
+                <a:latin typeface="Consolas" pitchFamily="49" charset="0"/>
+                <a:cs typeface="Consolas" pitchFamily="49" charset="0"/>
+              </a:rPr>
+              <a:t> &lt; </a:t>
+            </a:r>
+            <a:r>
+              <a:rPr lang="en-US" altLang="zh-CN" sz="2100" dirty="0" err="1">
+                <a:latin typeface="Consolas" pitchFamily="49" charset="0"/>
+                <a:cs typeface="Consolas" pitchFamily="49" charset="0"/>
+              </a:rPr>
+              <a:t>divs.length</a:t>
+            </a:r>
+            <a:r>
+              <a:rPr lang="en-US" altLang="zh-CN" sz="2100" dirty="0">
+                <a:latin typeface="Consolas" pitchFamily="49" charset="0"/>
+                <a:cs typeface="Consolas" pitchFamily="49" charset="0"/>
+              </a:rPr>
+              <a:t>; </a:t>
+            </a:r>
+            <a:r>
+              <a:rPr lang="en-US" altLang="zh-CN" sz="2100" dirty="0" err="1">
+                <a:latin typeface="Consolas" pitchFamily="49" charset="0"/>
+                <a:cs typeface="Consolas" pitchFamily="49" charset="0"/>
+              </a:rPr>
+              <a:t>i</a:t>
+            </a:r>
+            <a:r>
+              <a:rPr lang="en-US" altLang="zh-CN" sz="2100" dirty="0">
+                <a:latin typeface="Consolas" pitchFamily="49" charset="0"/>
+                <a:cs typeface="Consolas" pitchFamily="49" charset="0"/>
+              </a:rPr>
+              <a:t>++) {</a:t>
+            </a:r>
+          </a:p>
+          <a:p>
+            <a:r>
+              <a:rPr lang="en-US" altLang="zh-CN" sz="2100" dirty="0">
+                <a:latin typeface="Consolas" pitchFamily="49" charset="0"/>
+                <a:cs typeface="Consolas" pitchFamily="49" charset="0"/>
+              </a:rPr>
+              <a:t>   div = </a:t>
+            </a:r>
+            <a:r>
+              <a:rPr lang="en-US" altLang="zh-CN" sz="2100" dirty="0" err="1">
+                <a:latin typeface="Consolas" pitchFamily="49" charset="0"/>
+                <a:cs typeface="Consolas" pitchFamily="49" charset="0"/>
+              </a:rPr>
+              <a:t>document.createElement</a:t>
+            </a:r>
+            <a:r>
+              <a:rPr lang="en-US" altLang="zh-CN" sz="2100" dirty="0">
+                <a:latin typeface="Consolas" pitchFamily="49" charset="0"/>
+                <a:cs typeface="Consolas" pitchFamily="49" charset="0"/>
+              </a:rPr>
+              <a:t>("div");</a:t>
+            </a:r>
+          </a:p>
+          <a:p>
+            <a:r>
+              <a:rPr lang="en-US" altLang="zh-CN" sz="2100" dirty="0">
+                <a:latin typeface="Consolas" pitchFamily="49" charset="0"/>
+                <a:cs typeface="Consolas" pitchFamily="49" charset="0"/>
+              </a:rPr>
+              <a:t>   </a:t>
+            </a:r>
+            <a:r>
+              <a:rPr lang="en-US" altLang="zh-CN" sz="2100" dirty="0" err="1">
+                <a:latin typeface="Consolas" pitchFamily="49" charset="0"/>
+                <a:cs typeface="Consolas" pitchFamily="49" charset="0"/>
+              </a:rPr>
+              <a:t>document.body.appendChild</a:t>
+            </a:r>
+            <a:r>
+              <a:rPr lang="en-US" altLang="zh-CN" sz="2100" dirty="0">
+                <a:latin typeface="Consolas" pitchFamily="49" charset="0"/>
+                <a:cs typeface="Consolas" pitchFamily="49" charset="0"/>
+              </a:rPr>
+              <a:t>(div);</a:t>
+            </a:r>
+          </a:p>
+          <a:p>
+            <a:r>
+              <a:rPr lang="en-US" altLang="zh-CN" sz="2100" dirty="0">
+                <a:latin typeface="Consolas" pitchFamily="49" charset="0"/>
+                <a:cs typeface="Consolas" pitchFamily="49" charset="0"/>
+              </a:rPr>
+              <a:t>   console.log(</a:t>
+            </a:r>
+            <a:r>
+              <a:rPr lang="en-US" altLang="zh-CN" sz="2100" dirty="0" err="1">
+                <a:latin typeface="Consolas" pitchFamily="49" charset="0"/>
+                <a:cs typeface="Consolas" pitchFamily="49" charset="0"/>
+              </a:rPr>
+              <a:t>i</a:t>
+            </a:r>
+            <a:r>
+              <a:rPr lang="en-US" altLang="zh-CN" sz="2100" dirty="0">
+                <a:latin typeface="Consolas" pitchFamily="49" charset="0"/>
+                <a:cs typeface="Consolas" pitchFamily="49" charset="0"/>
+              </a:rPr>
+              <a:t>);</a:t>
+            </a:r>
+          </a:p>
+          <a:p>
+            <a:r>
+              <a:rPr lang="en-US" altLang="zh-CN" sz="2100" dirty="0">
+                <a:latin typeface="Consolas" pitchFamily="49" charset="0"/>
+                <a:cs typeface="Consolas" pitchFamily="49" charset="0"/>
+              </a:rPr>
+              <a:t>}</a:t>
+            </a:r>
+            <a:endParaRPr lang="zh-CN" altLang="en-US" sz="2100" dirty="0">
+              <a:latin typeface="Consolas" pitchFamily="49" charset="0"/>
+              <a:cs typeface="Consolas" pitchFamily="49" charset="0"/>
+            </a:endParaRPr>
+          </a:p>
+        </p:txBody>
+      </p:sp>
+    </p:spTree>
+    <p:extLst>
+      <p:ext uri="{BB962C8B-B14F-4D97-AF65-F5344CB8AC3E}">
+        <p14:creationId xmlns:p14="http://schemas.microsoft.com/office/powerpoint/2010/main" val="1553101439"/>
+      </p:ext>
+    </p:extLst>
+  </p:cSld>
+  <p:clrMapOvr>
+    <a:masterClrMapping/>
+  </p:clrMapOvr>
+  <p:timing>
+    <p:tnLst>
+      <p:par>
+        <p:cTn id="1" dur="indefinite" restart="never" nodeType="tmRoot">
+          <p:childTnLst>
+            <p:seq concurrent="1" nextAc="seek">
+              <p:cTn id="2" dur="indefinite" nodeType="mainSeq">
+                <p:childTnLst>
+                  <p:par>
+                    <p:cTn id="3" fill="hold">
+                      <p:stCondLst>
+                        <p:cond delay="indefinite"/>
+                      </p:stCondLst>
+                      <p:childTnLst>
+                        <p:par>
+                          <p:cTn id="4" fill="hold">
+                            <p:stCondLst>
+                              <p:cond delay="0"/>
+                            </p:stCondLst>
+                            <p:childTnLst>
+                              <p:par>
+                                <p:cTn id="5" presetID="10" presetClass="entr" presetSubtype="0" fill="hold" grpId="0" nodeType="clickEffect">
+                                  <p:stCondLst>
+                                    <p:cond delay="0"/>
+                                  </p:stCondLst>
+                                  <p:childTnLst>
+                                    <p:set>
+                                      <p:cBhvr>
+                                        <p:cTn id="6" dur="1" fill="hold">
+                                          <p:stCondLst>
+                                            <p:cond delay="0"/>
+                                          </p:stCondLst>
+                                        </p:cTn>
+                                        <p:tgtEl>
+                                          <p:spTgt spid="3">
+                                            <p:txEl>
+                                              <p:pRg st="0" end="0"/>
+                                            </p:txEl>
+                                          </p:spTgt>
+                                        </p:tgtEl>
+                                        <p:attrNameLst>
+                                          <p:attrName>style.visibility</p:attrName>
+                                        </p:attrNameLst>
+                                      </p:cBhvr>
+                                      <p:to>
+                                        <p:strVal val="visible"/>
+                                      </p:to>
+                                    </p:set>
+                                    <p:animEffect transition="in" filter="fade">
+                                      <p:cBhvr>
+                                        <p:cTn id="7" dur="500"/>
+                                        <p:tgtEl>
+                                          <p:spTgt spid="3">
+                                            <p:txEl>
+                                              <p:pRg st="0" end="0"/>
+                                            </p:txEl>
+                                          </p:spTgt>
+                                        </p:tgtEl>
+                                      </p:cBhvr>
+                                    </p:animEffect>
+                                  </p:childTnLst>
+                                </p:cTn>
+                              </p:par>
+                            </p:childTnLst>
+                          </p:cTn>
+                        </p:par>
+                      </p:childTnLst>
+                    </p:cTn>
+                  </p:par>
+                  <p:par>
+                    <p:cTn id="8" fill="hold">
+                      <p:stCondLst>
+                        <p:cond delay="indefinite"/>
+                      </p:stCondLst>
+                      <p:childTnLst>
+                        <p:par>
+                          <p:cTn id="9" fill="hold">
+                            <p:stCondLst>
+                              <p:cond delay="0"/>
+                            </p:stCondLst>
+                            <p:childTnLst>
+                              <p:par>
+                                <p:cTn id="10" presetID="10" presetClass="entr" presetSubtype="0" fill="hold" grpId="0" nodeType="clickEffect">
+                                  <p:stCondLst>
+                                    <p:cond delay="0"/>
+                                  </p:stCondLst>
+                                  <p:childTnLst>
+                                    <p:set>
+                                      <p:cBhvr>
+                                        <p:cTn id="11" dur="1" fill="hold">
+                                          <p:stCondLst>
+                                            <p:cond delay="0"/>
+                                          </p:stCondLst>
+                                        </p:cTn>
+                                        <p:tgtEl>
+                                          <p:spTgt spid="3">
+                                            <p:txEl>
+                                              <p:pRg st="1" end="1"/>
+                                            </p:txEl>
+                                          </p:spTgt>
+                                        </p:tgtEl>
+                                        <p:attrNameLst>
+                                          <p:attrName>style.visibility</p:attrName>
+                                        </p:attrNameLst>
+                                      </p:cBhvr>
+                                      <p:to>
+                                        <p:strVal val="visible"/>
+                                      </p:to>
+                                    </p:set>
+                                    <p:animEffect transition="in" filter="fade">
+                                      <p:cBhvr>
+                                        <p:cTn id="12" dur="500"/>
+                                        <p:tgtEl>
+                                          <p:spTgt spid="3">
+                                            <p:txEl>
+                                              <p:pRg st="1" end="1"/>
+                                            </p:txEl>
+                                          </p:spTgt>
+                                        </p:tgtEl>
+                                      </p:cBhvr>
+                                    </p:animEffect>
+                                  </p:childTnLst>
+                                </p:cTn>
+                              </p:par>
+                            </p:childTnLst>
+                          </p:cTn>
+                        </p:par>
+                      </p:childTnLst>
+                    </p:cTn>
+                  </p:par>
+                  <p:par>
+                    <p:cTn id="13" fill="hold">
+                      <p:stCondLst>
+                        <p:cond delay="indefinite"/>
+                      </p:stCondLst>
+                      <p:childTnLst>
+                        <p:par>
+                          <p:cTn id="14" fill="hold">
+                            <p:stCondLst>
+                              <p:cond delay="0"/>
+                            </p:stCondLst>
+                            <p:childTnLst>
+                              <p:par>
+                                <p:cTn id="15" presetID="10" presetClass="entr" presetSubtype="0" fill="hold" grpId="0" nodeType="clickEffect">
+                                  <p:stCondLst>
+                                    <p:cond delay="0"/>
+                                  </p:stCondLst>
+                                  <p:childTnLst>
+                                    <p:set>
+                                      <p:cBhvr>
+                                        <p:cTn id="16" dur="1" fill="hold">
+                                          <p:stCondLst>
+                                            <p:cond delay="0"/>
+                                          </p:stCondLst>
+                                        </p:cTn>
+                                        <p:tgtEl>
+                                          <p:spTgt spid="5"/>
+                                        </p:tgtEl>
+                                        <p:attrNameLst>
+                                          <p:attrName>style.visibility</p:attrName>
+                                        </p:attrNameLst>
+                                      </p:cBhvr>
+                                      <p:to>
+                                        <p:strVal val="visible"/>
+                                      </p:to>
+                                    </p:set>
+                                    <p:animEffect transition="in" filter="fade">
+                                      <p:cBhvr>
+                                        <p:cTn id="17" dur="500"/>
+                                        <p:tgtEl>
+                                          <p:spTgt spid="5"/>
+                                        </p:tgtEl>
+                                      </p:cBhvr>
+                                    </p:animEffect>
+                                  </p:childTnLst>
+                                </p:cTn>
+                              </p:par>
+                            </p:childTnLst>
+                          </p:cTn>
+                        </p:par>
+                      </p:childTnLst>
+                    </p:cTn>
+                  </p:par>
+                </p:childTnLst>
+              </p:cTn>
+              <p:prevCondLst>
+                <p:cond evt="onPrev" delay="0">
+                  <p:tgtEl>
+                    <p:sldTgt/>
+                  </p:tgtEl>
+                </p:cond>
+              </p:prevCondLst>
+              <p:nextCondLst>
+                <p:cond evt="onNext" delay="0">
+                  <p:tgtEl>
+                    <p:sldTgt/>
+                  </p:tgtEl>
+                </p:cond>
+              </p:nextCondLst>
+            </p:seq>
+          </p:childTnLst>
+        </p:cTn>
+      </p:par>
+    </p:tnLst>
+    <p:bldLst>
+      <p:bldP spid="3" grpId="0" uiExpand="1" build="p"/>
+      <p:bldP spid="5" grpId="0" animBg="1"/>
+    </p:bldLst>
+  </p:timing>
+</p:sld>
+</file>
+
+<file path=ppt/slides/slide12.xml><?xml version="1.0" encoding="utf-8"?>
+<p:sld xmlns:a="http://schemas.openxmlformats.org/drawingml/2006/main" xmlns:r="http://schemas.openxmlformats.org/officeDocument/2006/relationships" xmlns:p="http://schemas.openxmlformats.org/presentationml/2006/main">
+  <p:cSld>
+    <p:spTree>
+      <p:nvGrpSpPr>
+        <p:cNvPr id="1" name=""/>
+        <p:cNvGrpSpPr/>
+        <p:nvPr/>
+      </p:nvGrpSpPr>
+      <p:grpSpPr>
+        <a:xfrm>
+          <a:off x="0" y="0"/>
+          <a:ext cx="0" cy="0"/>
+          <a:chOff x="0" y="0"/>
+          <a:chExt cx="0" cy="0"/>
+        </a:xfrm>
+      </p:grpSpPr>
+      <p:sp>
+        <p:nvSpPr>
+          <p:cNvPr id="2" name="标题 1"/>
+          <p:cNvSpPr>
+            <a:spLocks noGrp="1"/>
+          </p:cNvSpPr>
+          <p:nvPr>
+            <p:ph type="title"/>
+          </p:nvPr>
+        </p:nvSpPr>
+        <p:spPr>
+          <a:xfrm>
+            <a:off x="467544" y="692696"/>
+            <a:ext cx="8229600" cy="1066800"/>
+          </a:xfrm>
+        </p:spPr>
+        <p:txBody>
+          <a:bodyPr/>
+          <a:lstStyle/>
+          <a:p>
+            <a:r>
+              <a:rPr lang="en-US" altLang="zh-CN" dirty="0" smtClean="0">
+                <a:latin typeface="Adobe 黑体 Std R" pitchFamily="34" charset="-122"/>
+                <a:ea typeface="Adobe 黑体 Std R" pitchFamily="34" charset="-122"/>
+              </a:rPr>
+              <a:t>DOM</a:t>
+            </a:r>
+            <a:r>
+              <a:rPr lang="zh-CN" altLang="en-US" dirty="0" smtClean="0">
+                <a:latin typeface="Adobe 黑体 Std R" pitchFamily="34" charset="-122"/>
+                <a:ea typeface="Adobe 黑体 Std R" pitchFamily="34" charset="-122"/>
+              </a:rPr>
+              <a:t>操作</a:t>
+            </a:r>
+            <a:r>
+              <a:rPr lang="en-US" altLang="zh-CN" dirty="0" smtClean="0">
+                <a:latin typeface="Adobe 黑体 Std R" pitchFamily="34" charset="-122"/>
+                <a:ea typeface="Adobe 黑体 Std R" pitchFamily="34" charset="-122"/>
+              </a:rPr>
+              <a:t>-</a:t>
+            </a:r>
+            <a:r>
+              <a:rPr lang="zh-CN" altLang="en-US" dirty="0" smtClean="0">
+                <a:latin typeface="Adobe 黑体 Std R" pitchFamily="34" charset="-122"/>
+                <a:ea typeface="Adobe 黑体 Std R" pitchFamily="34" charset="-122"/>
+              </a:rPr>
+              <a:t>查</a:t>
+            </a:r>
+            <a:endParaRPr lang="zh-CN" altLang="en-US" dirty="0">
+              <a:latin typeface="Adobe 黑体 Std R" pitchFamily="34" charset="-122"/>
+              <a:ea typeface="Adobe 黑体 Std R" pitchFamily="34" charset="-122"/>
+            </a:endParaRPr>
+          </a:p>
+        </p:txBody>
+      </p:sp>
+      <p:sp>
+        <p:nvSpPr>
+          <p:cNvPr id="3" name="内容占位符 2"/>
+          <p:cNvSpPr>
+            <a:spLocks noGrp="1"/>
+          </p:cNvSpPr>
+          <p:nvPr>
+            <p:ph idx="1"/>
+          </p:nvPr>
+        </p:nvSpPr>
+        <p:spPr>
+          <a:xfrm>
+            <a:off x="457200" y="1628800"/>
+            <a:ext cx="8229600" cy="2088232"/>
+          </a:xfrm>
+        </p:spPr>
+        <p:txBody>
+          <a:bodyPr/>
+          <a:lstStyle/>
+          <a:p>
+            <a:r>
+              <a:rPr lang="zh-CN" altLang="en-US" dirty="0"/>
+              <a:t>说</a:t>
+            </a:r>
+            <a:r>
+              <a:rPr lang="zh-CN" altLang="en-US" dirty="0" smtClean="0"/>
+              <a:t>到</a:t>
+            </a:r>
+            <a:r>
+              <a:rPr lang="en-US" altLang="zh-CN" dirty="0" err="1" smtClean="0"/>
+              <a:t>HTMLCollection</a:t>
+            </a:r>
+            <a:r>
+              <a:rPr lang="zh-CN" altLang="en-US" dirty="0" smtClean="0"/>
+              <a:t>不能不提到</a:t>
+            </a:r>
+            <a:r>
+              <a:rPr lang="en-US" altLang="zh-CN" dirty="0" err="1" smtClean="0"/>
+              <a:t>NodeList</a:t>
+            </a:r>
+            <a:endParaRPr lang="en-US" altLang="zh-CN" dirty="0" smtClean="0"/>
+          </a:p>
+          <a:p>
+            <a:r>
+              <a:rPr lang="zh-CN" altLang="en-US" dirty="0"/>
+              <a:t>两</a:t>
+            </a:r>
+            <a:r>
+              <a:rPr lang="zh-CN" altLang="en-US" dirty="0" smtClean="0"/>
+              <a:t>者最大区别是一个是</a:t>
+            </a:r>
+            <a:r>
+              <a:rPr lang="en-US" altLang="zh-CN" dirty="0" smtClean="0"/>
+              <a:t>element</a:t>
+            </a:r>
+            <a:r>
+              <a:rPr lang="zh-CN" altLang="en-US" dirty="0" smtClean="0"/>
+              <a:t>的集合，一个是</a:t>
+            </a:r>
+            <a:r>
+              <a:rPr lang="en-US" altLang="zh-CN" dirty="0" smtClean="0"/>
+              <a:t>node</a:t>
+            </a:r>
+            <a:r>
+              <a:rPr lang="zh-CN" altLang="en-US" dirty="0" smtClean="0"/>
+              <a:t>的集合。</a:t>
+            </a:r>
+            <a:endParaRPr lang="en-US" altLang="zh-CN" dirty="0" smtClean="0"/>
+          </a:p>
+          <a:p>
+            <a:r>
+              <a:rPr lang="en-US" altLang="zh-CN" dirty="0" smtClean="0"/>
+              <a:t>Element</a:t>
+            </a:r>
+            <a:r>
+              <a:rPr lang="zh-CN" altLang="en-US" dirty="0" smtClean="0"/>
+              <a:t>是</a:t>
+            </a:r>
+            <a:r>
+              <a:rPr lang="en-US" altLang="zh-CN" dirty="0" smtClean="0"/>
+              <a:t>Node</a:t>
+            </a:r>
+            <a:r>
+              <a:rPr lang="zh-CN" altLang="en-US" dirty="0" smtClean="0"/>
+              <a:t>的子集。</a:t>
+            </a:r>
+            <a:endParaRPr lang="en-US" altLang="zh-CN" dirty="0" smtClean="0"/>
+          </a:p>
+        </p:txBody>
+      </p:sp>
+    </p:spTree>
+    <p:extLst>
+      <p:ext uri="{BB962C8B-B14F-4D97-AF65-F5344CB8AC3E}">
+        <p14:creationId xmlns:p14="http://schemas.microsoft.com/office/powerpoint/2010/main" val="872569991"/>
+      </p:ext>
+    </p:extLst>
+  </p:cSld>
+  <p:clrMapOvr>
+    <a:masterClrMapping/>
+  </p:clrMapOvr>
+  <p:timing>
+    <p:tnLst>
+      <p:par>
+        <p:cTn id="1" dur="indefinite" restart="never" nodeType="tmRoot"/>
+      </p:par>
+    </p:tnLst>
+  </p:timing>
+</p:sld>
+</file>
+
+<file path=ppt/slides/slide13.xml><?xml version="1.0" encoding="utf-8"?>
+<p:sld xmlns:a="http://schemas.openxmlformats.org/drawingml/2006/main" xmlns:r="http://schemas.openxmlformats.org/officeDocument/2006/relationships" xmlns:p="http://schemas.openxmlformats.org/presentationml/2006/main">
+  <p:cSld>
+    <p:spTree>
+      <p:nvGrpSpPr>
+        <p:cNvPr id="1" name=""/>
+        <p:cNvGrpSpPr/>
+        <p:nvPr/>
+      </p:nvGrpSpPr>
+      <p:grpSpPr>
+        <a:xfrm>
+          <a:off x="0" y="0"/>
+          <a:ext cx="0" cy="0"/>
+          <a:chOff x="0" y="0"/>
+          <a:chExt cx="0" cy="0"/>
+        </a:xfrm>
+      </p:grpSpPr>
+      <p:graphicFrame>
+        <p:nvGraphicFramePr>
+          <p:cNvPr id="4" name="图示 3"/>
+          <p:cNvGraphicFramePr/>
+          <p:nvPr>
+            <p:extLst>
+              <p:ext uri="{D42A27DB-BD31-4B8C-83A1-F6EECF244321}">
+                <p14:modId xmlns:p14="http://schemas.microsoft.com/office/powerpoint/2010/main" val="862163664"/>
+              </p:ext>
+            </p:extLst>
+          </p:nvPr>
+        </p:nvGraphicFramePr>
+        <p:xfrm>
+          <a:off x="323528" y="404664"/>
+          <a:ext cx="8496944" cy="5976664"/>
+        </p:xfrm>
+        <a:graphic>
+          <a:graphicData uri="http://schemas.openxmlformats.org/drawingml/2006/diagram">
+            <dgm:relIds xmlns:dgm="http://schemas.openxmlformats.org/drawingml/2006/diagram" xmlns:r="http://schemas.openxmlformats.org/officeDocument/2006/relationships" r:dm="rId2" r:lo="rId3" r:qs="rId4" r:cs="rId5"/>
+          </a:graphicData>
+        </a:graphic>
+      </p:graphicFrame>
+      <p:sp>
+        <p:nvSpPr>
+          <p:cNvPr id="5" name="TextBox 4"/>
+          <p:cNvSpPr txBox="1"/>
+          <p:nvPr/>
+        </p:nvSpPr>
+        <p:spPr>
+          <a:xfrm>
+            <a:off x="2339752" y="1744534"/>
+            <a:ext cx="1426994" cy="461665"/>
+          </a:xfrm>
+          <a:prstGeom prst="rect">
+            <a:avLst/>
+          </a:prstGeom>
+          <a:noFill/>
+        </p:spPr>
+        <p:txBody>
+          <a:bodyPr wrap="none" rtlCol="0">
+            <a:spAutoFit/>
+          </a:bodyPr>
+          <a:lstStyle/>
+          <a:p>
+            <a:r>
+              <a:rPr lang="en-US" altLang="zh-CN" sz="2400" dirty="0" err="1" smtClean="0"/>
+              <a:t>NodeList</a:t>
+            </a:r>
+            <a:endParaRPr lang="zh-CN" altLang="en-US" sz="2400" dirty="0"/>
+          </a:p>
+        </p:txBody>
+      </p:sp>
+      <p:sp>
+        <p:nvSpPr>
+          <p:cNvPr id="6" name="TextBox 5"/>
+          <p:cNvSpPr txBox="1"/>
+          <p:nvPr/>
+        </p:nvSpPr>
+        <p:spPr>
+          <a:xfrm>
+            <a:off x="6458996" y="2220833"/>
+            <a:ext cx="857927" cy="461665"/>
+          </a:xfrm>
+          <a:prstGeom prst="rect">
+            <a:avLst/>
+          </a:prstGeom>
+          <a:noFill/>
+        </p:spPr>
+        <p:txBody>
+          <a:bodyPr wrap="none" rtlCol="0">
+            <a:spAutoFit/>
+          </a:bodyPr>
+          <a:lstStyle/>
+          <a:p>
+            <a:r>
+              <a:rPr lang="en-US" altLang="zh-CN" sz="2400" dirty="0" smtClean="0"/>
+              <a:t>node</a:t>
+            </a:r>
+            <a:endParaRPr lang="zh-CN" altLang="en-US" sz="2000" dirty="0"/>
+          </a:p>
+        </p:txBody>
+      </p:sp>
+      <p:sp>
+        <p:nvSpPr>
+          <p:cNvPr id="7" name="TextBox 6"/>
+          <p:cNvSpPr txBox="1"/>
+          <p:nvPr/>
+        </p:nvSpPr>
+        <p:spPr>
+          <a:xfrm>
+            <a:off x="7670798" y="2924944"/>
+            <a:ext cx="1149674" cy="369332"/>
+          </a:xfrm>
+          <a:prstGeom prst="rect">
+            <a:avLst/>
+          </a:prstGeom>
+          <a:noFill/>
+        </p:spPr>
+        <p:txBody>
+          <a:bodyPr wrap="none" rtlCol="0">
+            <a:spAutoFit/>
+          </a:bodyPr>
+          <a:lstStyle/>
+          <a:p>
+            <a:r>
+              <a:rPr lang="en-US" altLang="zh-CN" dirty="0" smtClean="0"/>
+              <a:t>comment</a:t>
+            </a:r>
+            <a:endParaRPr lang="zh-CN" altLang="en-US" dirty="0"/>
+          </a:p>
+        </p:txBody>
+      </p:sp>
+      <p:sp>
+        <p:nvSpPr>
+          <p:cNvPr id="10" name="TextBox 9"/>
+          <p:cNvSpPr txBox="1"/>
+          <p:nvPr/>
+        </p:nvSpPr>
+        <p:spPr>
+          <a:xfrm>
+            <a:off x="7892752" y="3430949"/>
+            <a:ext cx="574196" cy="369332"/>
+          </a:xfrm>
+          <a:prstGeom prst="rect">
+            <a:avLst/>
+          </a:prstGeom>
+          <a:noFill/>
+        </p:spPr>
+        <p:txBody>
+          <a:bodyPr wrap="none" rtlCol="0">
+            <a:spAutoFit/>
+          </a:bodyPr>
+          <a:lstStyle/>
+          <a:p>
+            <a:r>
+              <a:rPr lang="en-US" altLang="zh-CN" dirty="0" smtClean="0"/>
+              <a:t>text</a:t>
+            </a:r>
+            <a:endParaRPr lang="zh-CN" altLang="en-US" dirty="0"/>
+          </a:p>
+        </p:txBody>
+      </p:sp>
+    </p:spTree>
+    <p:extLst>
+      <p:ext uri="{BB962C8B-B14F-4D97-AF65-F5344CB8AC3E}">
+        <p14:creationId xmlns:p14="http://schemas.microsoft.com/office/powerpoint/2010/main" val="473802528"/>
+      </p:ext>
+    </p:extLst>
+  </p:cSld>
+  <p:clrMapOvr>
+    <a:masterClrMapping/>
+  </p:clrMapOvr>
+  <p:timing>
+    <p:tnLst>
+      <p:par>
+        <p:cTn id="1" dur="indefinite" restart="never" nodeType="tmRoot"/>
+      </p:par>
+    </p:tnLst>
+  </p:timing>
+</p:sld>
+</file>
+
+<file path=ppt/slides/slide14.xml><?xml version="1.0" encoding="utf-8"?>
+<p:sld xmlns:a="http://schemas.openxmlformats.org/drawingml/2006/main" xmlns:r="http://schemas.openxmlformats.org/officeDocument/2006/relationships" xmlns:p="http://schemas.openxmlformats.org/presentationml/2006/main">
+  <p:cSld>
+    <p:spTree>
+      <p:nvGrpSpPr>
+        <p:cNvPr id="1" name=""/>
+        <p:cNvGrpSpPr/>
+        <p:nvPr/>
+      </p:nvGrpSpPr>
+      <p:grpSpPr>
+        <a:xfrm>
+          <a:off x="0" y="0"/>
+          <a:ext cx="0" cy="0"/>
+          <a:chOff x="0" y="0"/>
+          <a:chExt cx="0" cy="0"/>
+        </a:xfrm>
+      </p:grpSpPr>
+      <p:sp>
+        <p:nvSpPr>
+          <p:cNvPr id="2" name="标题 1"/>
+          <p:cNvSpPr>
+            <a:spLocks noGrp="1"/>
+          </p:cNvSpPr>
+          <p:nvPr>
+            <p:ph type="title"/>
+          </p:nvPr>
+        </p:nvSpPr>
+        <p:spPr>
+          <a:xfrm>
+            <a:off x="467544" y="836712"/>
+            <a:ext cx="8229600" cy="1066800"/>
+          </a:xfrm>
+        </p:spPr>
+        <p:txBody>
+          <a:bodyPr/>
+          <a:lstStyle/>
+          <a:p>
+            <a:r>
+              <a:rPr lang="en-US" altLang="zh-CN" dirty="0" smtClean="0">
+                <a:latin typeface="Adobe 黑体 Std R" pitchFamily="34" charset="-122"/>
+                <a:ea typeface="Adobe 黑体 Std R" pitchFamily="34" charset="-122"/>
+              </a:rPr>
+              <a:t>DOM </a:t>
+            </a:r>
+            <a:r>
+              <a:rPr lang="zh-CN" altLang="en-US" dirty="0" smtClean="0">
+                <a:latin typeface="Adobe 黑体 Std R" pitchFamily="34" charset="-122"/>
+                <a:ea typeface="Adobe 黑体 Std R" pitchFamily="34" charset="-122"/>
+              </a:rPr>
+              <a:t>节点插入</a:t>
+            </a:r>
+            <a:endParaRPr lang="zh-CN" altLang="en-US" dirty="0">
+              <a:latin typeface="Adobe 黑体 Std R" pitchFamily="34" charset="-122"/>
+              <a:ea typeface="Adobe 黑体 Std R" pitchFamily="34" charset="-122"/>
+            </a:endParaRPr>
+          </a:p>
+        </p:txBody>
+      </p:sp>
+      <p:sp>
+        <p:nvSpPr>
+          <p:cNvPr id="3" name="内容占位符 2"/>
+          <p:cNvSpPr>
+            <a:spLocks noGrp="1"/>
+          </p:cNvSpPr>
+          <p:nvPr>
+            <p:ph idx="1"/>
+          </p:nvPr>
+        </p:nvSpPr>
+        <p:spPr>
+          <a:xfrm>
+            <a:off x="431929" y="4149080"/>
+            <a:ext cx="8229600" cy="2304256"/>
+          </a:xfrm>
+        </p:spPr>
+        <p:txBody>
+          <a:bodyPr>
+            <a:normAutofit/>
+          </a:bodyPr>
+          <a:lstStyle/>
+          <a:p>
+            <a:pPr marL="109728" indent="0">
+              <a:buNone/>
+            </a:pPr>
+            <a:r>
+              <a:rPr lang="zh-CN" altLang="en-US" dirty="0" smtClean="0">
+                <a:solidFill>
+                  <a:schemeClr val="accent1">
+                    <a:lumMod val="75000"/>
+                  </a:schemeClr>
+                </a:solidFill>
+                <a:latin typeface="Adobe 黑体 Std R" pitchFamily="34" charset="-122"/>
+                <a:ea typeface="Adobe 黑体 Std R" pitchFamily="34" charset="-122"/>
+              </a:rPr>
+              <a:t>功能基本实现，但性能低下；</a:t>
+            </a:r>
+            <a:endParaRPr lang="en-US" altLang="zh-CN" dirty="0" smtClean="0">
+              <a:solidFill>
+                <a:schemeClr val="accent1">
+                  <a:lumMod val="75000"/>
+                </a:schemeClr>
+              </a:solidFill>
+              <a:latin typeface="Adobe 黑体 Std R" pitchFamily="34" charset="-122"/>
+              <a:ea typeface="Adobe 黑体 Std R" pitchFamily="34" charset="-122"/>
+            </a:endParaRPr>
+          </a:p>
+          <a:p>
+            <a:pPr marL="109728" indent="0">
+              <a:buNone/>
+            </a:pPr>
+            <a:r>
+              <a:rPr lang="zh-CN" altLang="en-US" dirty="0" smtClean="0">
+                <a:solidFill>
+                  <a:schemeClr val="accent1">
+                    <a:lumMod val="75000"/>
+                  </a:schemeClr>
+                </a:solidFill>
+                <a:latin typeface="Adobe 黑体 Std R" pitchFamily="34" charset="-122"/>
+                <a:ea typeface="Adobe 黑体 Std R" pitchFamily="34" charset="-122"/>
+              </a:rPr>
+              <a:t>在低版本</a:t>
+            </a:r>
+            <a:r>
+              <a:rPr lang="en-US" altLang="zh-CN" dirty="0" smtClean="0">
+                <a:solidFill>
+                  <a:schemeClr val="accent1">
+                    <a:lumMod val="75000"/>
+                  </a:schemeClr>
+                </a:solidFill>
+                <a:latin typeface="Adobe 黑体 Std R" pitchFamily="34" charset="-122"/>
+                <a:ea typeface="Adobe 黑体 Std R" pitchFamily="34" charset="-122"/>
+              </a:rPr>
+              <a:t>IE</a:t>
+            </a:r>
+            <a:r>
+              <a:rPr lang="zh-CN" altLang="en-US" dirty="0" smtClean="0">
+                <a:solidFill>
+                  <a:schemeClr val="accent1">
+                    <a:lumMod val="75000"/>
+                  </a:schemeClr>
+                </a:solidFill>
+                <a:latin typeface="Adobe 黑体 Std R" pitchFamily="34" charset="-122"/>
+                <a:ea typeface="Adobe 黑体 Std R" pitchFamily="34" charset="-122"/>
+              </a:rPr>
+              <a:t>下，缺少优化机制，每次</a:t>
+            </a:r>
+            <a:r>
+              <a:rPr lang="en-US" altLang="zh-CN" dirty="0" err="1" smtClean="0">
+                <a:solidFill>
+                  <a:schemeClr val="accent1">
+                    <a:lumMod val="75000"/>
+                  </a:schemeClr>
+                </a:solidFill>
+                <a:latin typeface="Adobe 黑体 Std R" pitchFamily="34" charset="-122"/>
+                <a:ea typeface="Adobe 黑体 Std R" pitchFamily="34" charset="-122"/>
+              </a:rPr>
+              <a:t>appendChild</a:t>
+            </a:r>
+            <a:r>
+              <a:rPr lang="zh-CN" altLang="en-US" dirty="0" smtClean="0">
+                <a:solidFill>
+                  <a:schemeClr val="accent1">
+                    <a:lumMod val="75000"/>
+                  </a:schemeClr>
+                </a:solidFill>
+                <a:latin typeface="Adobe 黑体 Std R" pitchFamily="34" charset="-122"/>
+                <a:ea typeface="Adobe 黑体 Std R" pitchFamily="34" charset="-122"/>
+              </a:rPr>
+              <a:t>都会造成回流和渲染。</a:t>
+            </a:r>
+            <a:endParaRPr lang="zh-CN" altLang="en-US" dirty="0">
+              <a:solidFill>
+                <a:schemeClr val="accent1">
+                  <a:lumMod val="75000"/>
+                </a:schemeClr>
+              </a:solidFill>
+              <a:latin typeface="Adobe 黑体 Std R" pitchFamily="34" charset="-122"/>
+              <a:ea typeface="Adobe 黑体 Std R" pitchFamily="34" charset="-122"/>
+            </a:endParaRPr>
+          </a:p>
+        </p:txBody>
+      </p:sp>
+      <p:sp>
+        <p:nvSpPr>
+          <p:cNvPr id="4" name="矩形 3"/>
+          <p:cNvSpPr/>
+          <p:nvPr/>
+        </p:nvSpPr>
+        <p:spPr>
+          <a:xfrm>
+            <a:off x="467544" y="1782801"/>
+            <a:ext cx="8280920" cy="2160240"/>
+          </a:xfrm>
+          <a:prstGeom prst="rect">
+            <a:avLst/>
+          </a:prstGeom>
+          <a:solidFill>
+            <a:schemeClr val="accent2">
+              <a:lumMod val="75000"/>
+            </a:schemeClr>
+          </a:solidFill>
+        </p:spPr>
+        <p:style>
+          <a:lnRef idx="3">
+            <a:schemeClr val="lt1"/>
+          </a:lnRef>
+          <a:fillRef idx="1">
+            <a:schemeClr val="accent6"/>
+          </a:fillRef>
+          <a:effectRef idx="1">
+            <a:schemeClr val="accent6"/>
+          </a:effectRef>
+          <a:fontRef idx="minor">
+            <a:schemeClr val="lt1"/>
+          </a:fontRef>
+        </p:style>
+        <p:txBody>
+          <a:bodyPr rtlCol="0" anchor="ctr"/>
+          <a:lstStyle/>
+          <a:p>
+            <a:r>
+              <a:rPr lang="en-US" altLang="zh-CN" sz="2100" dirty="0" err="1" smtClean="0">
+                <a:latin typeface="Consolas" pitchFamily="49" charset="0"/>
+                <a:cs typeface="Consolas" pitchFamily="49" charset="0"/>
+              </a:rPr>
+              <a:t>var</a:t>
+            </a:r>
+            <a:r>
+              <a:rPr lang="en-US" altLang="zh-CN" sz="2100" dirty="0" smtClean="0">
+                <a:latin typeface="Consolas" pitchFamily="49" charset="0"/>
+                <a:cs typeface="Consolas" pitchFamily="49" charset="0"/>
+              </a:rPr>
+              <a:t> nodes = </a:t>
+            </a:r>
+            <a:r>
+              <a:rPr lang="en-US" altLang="zh-CN" sz="2100" dirty="0" err="1" smtClean="0">
+                <a:latin typeface="Consolas" pitchFamily="49" charset="0"/>
+                <a:cs typeface="Consolas" pitchFamily="49" charset="0"/>
+              </a:rPr>
+              <a:t>div.childNodes</a:t>
+            </a:r>
+            <a:r>
+              <a:rPr lang="en-US" altLang="zh-CN" sz="2100" dirty="0" smtClean="0">
+                <a:latin typeface="Consolas" pitchFamily="49" charset="0"/>
+                <a:cs typeface="Consolas" pitchFamily="49" charset="0"/>
+              </a:rPr>
+              <a:t>; </a:t>
+            </a:r>
+          </a:p>
+          <a:p>
+            <a:r>
+              <a:rPr lang="en-US" altLang="zh-CN" sz="2100" dirty="0" smtClean="0">
+                <a:latin typeface="Consolas" pitchFamily="49" charset="0"/>
+                <a:cs typeface="Consolas" pitchFamily="49" charset="0"/>
+              </a:rPr>
+              <a:t>for (</a:t>
+            </a:r>
+            <a:r>
+              <a:rPr lang="en-US" altLang="zh-CN" sz="2100" dirty="0" err="1" smtClean="0">
+                <a:latin typeface="Consolas" pitchFamily="49" charset="0"/>
+                <a:cs typeface="Consolas" pitchFamily="49" charset="0"/>
+              </a:rPr>
+              <a:t>var</a:t>
+            </a:r>
+            <a:r>
+              <a:rPr lang="en-US" altLang="zh-CN" sz="2100" dirty="0" smtClean="0">
+                <a:latin typeface="Consolas" pitchFamily="49" charset="0"/>
+                <a:cs typeface="Consolas" pitchFamily="49" charset="0"/>
+              </a:rPr>
+              <a:t> </a:t>
+            </a:r>
+            <a:r>
+              <a:rPr lang="en-US" altLang="zh-CN" sz="2100" dirty="0" err="1" smtClean="0">
+                <a:latin typeface="Consolas" pitchFamily="49" charset="0"/>
+                <a:cs typeface="Consolas" pitchFamily="49" charset="0"/>
+              </a:rPr>
+              <a:t>i</a:t>
+            </a:r>
+            <a:r>
+              <a:rPr lang="en-US" altLang="zh-CN" sz="2100" dirty="0" smtClean="0">
+                <a:latin typeface="Consolas" pitchFamily="49" charset="0"/>
+                <a:cs typeface="Consolas" pitchFamily="49" charset="0"/>
+              </a:rPr>
+              <a:t>=0, length=</a:t>
+            </a:r>
+            <a:r>
+              <a:rPr lang="en-US" altLang="zh-CN" sz="2100" dirty="0" err="1" smtClean="0">
+                <a:latin typeface="Consolas" pitchFamily="49" charset="0"/>
+                <a:cs typeface="Consolas" pitchFamily="49" charset="0"/>
+              </a:rPr>
+              <a:t>nodes.length</a:t>
+            </a:r>
+            <a:r>
+              <a:rPr lang="en-US" altLang="zh-CN" sz="2100" dirty="0" smtClean="0">
+                <a:latin typeface="Consolas" pitchFamily="49" charset="0"/>
+                <a:cs typeface="Consolas" pitchFamily="49" charset="0"/>
+              </a:rPr>
+              <a:t>; </a:t>
+            </a:r>
+            <a:r>
+              <a:rPr lang="en-US" altLang="zh-CN" sz="2100" dirty="0" err="1" smtClean="0">
+                <a:latin typeface="Consolas" pitchFamily="49" charset="0"/>
+                <a:cs typeface="Consolas" pitchFamily="49" charset="0"/>
+              </a:rPr>
+              <a:t>i</a:t>
+            </a:r>
+            <a:r>
+              <a:rPr lang="en-US" altLang="zh-CN" sz="2100" dirty="0" smtClean="0">
+                <a:latin typeface="Consolas" pitchFamily="49" charset="0"/>
+                <a:cs typeface="Consolas" pitchFamily="49" charset="0"/>
+              </a:rPr>
+              <a:t>&lt;length; </a:t>
+            </a:r>
+            <a:r>
+              <a:rPr lang="en-US" altLang="zh-CN" sz="2100" dirty="0" err="1" smtClean="0">
+                <a:latin typeface="Consolas" pitchFamily="49" charset="0"/>
+                <a:cs typeface="Consolas" pitchFamily="49" charset="0"/>
+              </a:rPr>
+              <a:t>i</a:t>
+            </a:r>
+            <a:r>
+              <a:rPr lang="en-US" altLang="zh-CN" sz="2100" dirty="0" smtClean="0">
+                <a:latin typeface="Consolas" pitchFamily="49" charset="0"/>
+                <a:cs typeface="Consolas" pitchFamily="49" charset="0"/>
+              </a:rPr>
+              <a:t>+=1) { </a:t>
+            </a:r>
+          </a:p>
+          <a:p>
+            <a:r>
+              <a:rPr lang="en-US" altLang="zh-CN" sz="2100" dirty="0" smtClean="0">
+                <a:latin typeface="Consolas" pitchFamily="49" charset="0"/>
+                <a:cs typeface="Consolas" pitchFamily="49" charset="0"/>
+              </a:rPr>
+              <a:t>    </a:t>
+            </a:r>
+            <a:r>
+              <a:rPr lang="en-US" altLang="zh-CN" sz="2100" dirty="0" smtClean="0">
+                <a:latin typeface="Adobe 黑体 Std R" pitchFamily="34" charset="-122"/>
+                <a:ea typeface="Adobe 黑体 Std R" pitchFamily="34" charset="-122"/>
+                <a:cs typeface="Consolas" pitchFamily="49" charset="0"/>
+              </a:rPr>
+              <a:t>// </a:t>
+            </a:r>
+            <a:r>
+              <a:rPr lang="zh-CN" altLang="en-US" sz="2100" dirty="0">
+                <a:latin typeface="Adobe 黑体 Std R" pitchFamily="34" charset="-122"/>
+                <a:ea typeface="Adobe 黑体 Std R" pitchFamily="34" charset="-122"/>
+                <a:cs typeface="Consolas" pitchFamily="49" charset="0"/>
+              </a:rPr>
+              <a:t>容器</a:t>
+            </a:r>
+            <a:r>
+              <a:rPr lang="en-US" altLang="zh-CN" sz="2100" dirty="0">
+                <a:latin typeface="Adobe 黑体 Std R" pitchFamily="34" charset="-122"/>
+                <a:ea typeface="Adobe 黑体 Std R" pitchFamily="34" charset="-122"/>
+                <a:cs typeface="Consolas" pitchFamily="49" charset="0"/>
+              </a:rPr>
+              <a:t>container</a:t>
+            </a:r>
+            <a:r>
+              <a:rPr lang="zh-CN" altLang="en-US" sz="2100" dirty="0">
+                <a:latin typeface="Adobe 黑体 Std R" pitchFamily="34" charset="-122"/>
+                <a:ea typeface="Adobe 黑体 Std R" pitchFamily="34" charset="-122"/>
+                <a:cs typeface="Consolas" pitchFamily="49" charset="0"/>
+              </a:rPr>
+              <a:t>加载克隆的节点 </a:t>
+            </a:r>
+            <a:r>
+              <a:rPr lang="en-US" altLang="zh-CN" sz="2100" dirty="0">
+                <a:latin typeface="Adobe 黑体 Std R" pitchFamily="34" charset="-122"/>
+                <a:ea typeface="Adobe 黑体 Std R" pitchFamily="34" charset="-122"/>
+                <a:cs typeface="Consolas" pitchFamily="49" charset="0"/>
+              </a:rPr>
+              <a:t>- </a:t>
+            </a:r>
+            <a:r>
+              <a:rPr lang="zh-CN" altLang="en-US" sz="2100" dirty="0">
+                <a:latin typeface="Adobe 黑体 Std R" pitchFamily="34" charset="-122"/>
+                <a:ea typeface="Adobe 黑体 Std R" pitchFamily="34" charset="-122"/>
+                <a:cs typeface="Consolas" pitchFamily="49" charset="0"/>
+              </a:rPr>
+              <a:t>克隆的作用是保证</a:t>
+            </a:r>
+            <a:r>
+              <a:rPr lang="en-US" altLang="zh-CN" sz="2100" dirty="0">
+                <a:latin typeface="Adobe 黑体 Std R" pitchFamily="34" charset="-122"/>
+                <a:ea typeface="Adobe 黑体 Std R" pitchFamily="34" charset="-122"/>
+                <a:cs typeface="Consolas" pitchFamily="49" charset="0"/>
+              </a:rPr>
+              <a:t>nodes</a:t>
+            </a:r>
+            <a:r>
+              <a:rPr lang="zh-CN" altLang="en-US" sz="2100" dirty="0">
+                <a:latin typeface="Adobe 黑体 Std R" pitchFamily="34" charset="-122"/>
+                <a:ea typeface="Adobe 黑体 Std R" pitchFamily="34" charset="-122"/>
+                <a:cs typeface="Consolas" pitchFamily="49" charset="0"/>
+              </a:rPr>
+              <a:t>的完整</a:t>
+            </a:r>
+            <a:r>
+              <a:rPr lang="zh-CN" altLang="en-US" sz="2100" dirty="0" smtClean="0">
+                <a:latin typeface="Adobe 黑体 Std R" pitchFamily="34" charset="-122"/>
+                <a:ea typeface="Adobe 黑体 Std R" pitchFamily="34" charset="-122"/>
+                <a:cs typeface="Consolas" pitchFamily="49" charset="0"/>
+              </a:rPr>
+              <a:t>   </a:t>
+            </a:r>
+            <a:endParaRPr lang="en-US" altLang="zh-CN" sz="2100" dirty="0">
+              <a:latin typeface="Adobe 黑体 Std R" pitchFamily="34" charset="-122"/>
+              <a:ea typeface="Adobe 黑体 Std R" pitchFamily="34" charset="-122"/>
+              <a:cs typeface="Consolas" pitchFamily="49" charset="0"/>
+            </a:endParaRPr>
+          </a:p>
+          <a:p>
+            <a:r>
+              <a:rPr lang="en-US" altLang="zh-CN" sz="2100" dirty="0" smtClean="0">
+                <a:latin typeface="Consolas" pitchFamily="49" charset="0"/>
+                <a:cs typeface="Consolas" pitchFamily="49" charset="0"/>
+              </a:rPr>
+              <a:t>    </a:t>
+            </a:r>
+            <a:r>
+              <a:rPr lang="en-US" altLang="zh-CN" sz="2100" dirty="0" err="1" smtClean="0">
+                <a:latin typeface="Consolas" pitchFamily="49" charset="0"/>
+                <a:cs typeface="Consolas" pitchFamily="49" charset="0"/>
+              </a:rPr>
+              <a:t>container.appendChild</a:t>
+            </a:r>
+            <a:r>
+              <a:rPr lang="en-US" altLang="zh-CN" sz="2100" dirty="0" smtClean="0">
+                <a:latin typeface="Consolas" pitchFamily="49" charset="0"/>
+                <a:cs typeface="Consolas" pitchFamily="49" charset="0"/>
+              </a:rPr>
+              <a:t>(nodes[</a:t>
+            </a:r>
+            <a:r>
+              <a:rPr lang="en-US" altLang="zh-CN" sz="2100" dirty="0" err="1" smtClean="0">
+                <a:latin typeface="Consolas" pitchFamily="49" charset="0"/>
+                <a:cs typeface="Consolas" pitchFamily="49" charset="0"/>
+              </a:rPr>
+              <a:t>i</a:t>
+            </a:r>
+            <a:r>
+              <a:rPr lang="en-US" altLang="zh-CN" sz="2100" dirty="0" smtClean="0">
+                <a:latin typeface="Consolas" pitchFamily="49" charset="0"/>
+                <a:cs typeface="Consolas" pitchFamily="49" charset="0"/>
+              </a:rPr>
+              <a:t>].</a:t>
+            </a:r>
+            <a:r>
+              <a:rPr lang="en-US" altLang="zh-CN" sz="2100" dirty="0" err="1" smtClean="0">
+                <a:latin typeface="Consolas" pitchFamily="49" charset="0"/>
+                <a:cs typeface="Consolas" pitchFamily="49" charset="0"/>
+              </a:rPr>
+              <a:t>cloneNode</a:t>
+            </a:r>
+            <a:r>
+              <a:rPr lang="en-US" altLang="zh-CN" sz="2100" dirty="0" smtClean="0">
+                <a:latin typeface="Consolas" pitchFamily="49" charset="0"/>
+                <a:cs typeface="Consolas" pitchFamily="49" charset="0"/>
+              </a:rPr>
+              <a:t>(true)); </a:t>
+            </a:r>
+          </a:p>
+          <a:p>
+            <a:r>
+              <a:rPr lang="en-US" altLang="zh-CN" sz="2100" dirty="0" smtClean="0">
+                <a:latin typeface="Consolas" pitchFamily="49" charset="0"/>
+                <a:cs typeface="Consolas" pitchFamily="49" charset="0"/>
+              </a:rPr>
+              <a:t>}</a:t>
+            </a:r>
+            <a:endParaRPr lang="zh-CN" altLang="en-US" sz="2100" dirty="0">
+              <a:latin typeface="Consolas" pitchFamily="49" charset="0"/>
+              <a:cs typeface="Consolas" pitchFamily="49" charset="0"/>
+            </a:endParaRPr>
+          </a:p>
+        </p:txBody>
+      </p:sp>
+    </p:spTree>
+    <p:extLst>
+      <p:ext uri="{BB962C8B-B14F-4D97-AF65-F5344CB8AC3E}">
+        <p14:creationId xmlns:p14="http://schemas.microsoft.com/office/powerpoint/2010/main" val="1433173383"/>
+      </p:ext>
+    </p:extLst>
+  </p:cSld>
+  <p:clrMapOvr>
+    <a:masterClrMapping/>
+  </p:clrMapOvr>
+  <p:timing>
+    <p:tnLst>
+      <p:par>
+        <p:cTn id="1" dur="indefinite" restart="never" nodeType="tmRoot"/>
+      </p:par>
+    </p:tnLst>
+  </p:timing>
+</p:sld>
+</file>
+
 <file path=ppt/slides/slide2.xml><?xml version="1.0" encoding="utf-8"?>
 <p:sld xmlns:a="http://schemas.openxmlformats.org/drawingml/2006/main" xmlns:r="http://schemas.openxmlformats.org/officeDocument/2006/relationships" xmlns:p="http://schemas.openxmlformats.org/presentationml/2006/main">
   <p:cSld>
@@ -13286,6 +20669,283 @@
           <a:chExt cx="0" cy="0"/>
         </a:xfrm>
       </p:grpSpPr>
+      <p:sp>
+        <p:nvSpPr>
+          <p:cNvPr id="2" name="标题 1"/>
+          <p:cNvSpPr>
+            <a:spLocks noGrp="1"/>
+          </p:cNvSpPr>
+          <p:nvPr>
+            <p:ph type="title"/>
+          </p:nvPr>
+        </p:nvSpPr>
+        <p:spPr>
+          <a:xfrm>
+            <a:off x="467544" y="620688"/>
+            <a:ext cx="8229600" cy="1066800"/>
+          </a:xfrm>
+        </p:spPr>
+        <p:txBody>
+          <a:bodyPr/>
+          <a:lstStyle/>
+          <a:p>
+            <a:r>
+              <a:rPr lang="zh-CN" altLang="en-US" dirty="0" smtClean="0">
+                <a:latin typeface="Adobe 黑体 Std R" pitchFamily="34" charset="-122"/>
+                <a:ea typeface="Adobe 黑体 Std R" pitchFamily="34" charset="-122"/>
+              </a:rPr>
+              <a:t>舌尖上的</a:t>
+            </a:r>
+            <a:r>
+              <a:rPr lang="en-US" altLang="zh-CN" dirty="0" smtClean="0">
+                <a:latin typeface="Adobe 黑体 Std R" pitchFamily="34" charset="-122"/>
+                <a:ea typeface="Adobe 黑体 Std R" pitchFamily="34" charset="-122"/>
+              </a:rPr>
+              <a:t>DOM</a:t>
+            </a:r>
+            <a:endParaRPr lang="zh-CN" altLang="en-US" dirty="0">
+              <a:latin typeface="Adobe 黑体 Std R" pitchFamily="34" charset="-122"/>
+              <a:ea typeface="Adobe 黑体 Std R" pitchFamily="34" charset="-122"/>
+            </a:endParaRPr>
+          </a:p>
+        </p:txBody>
+      </p:sp>
+      <p:pic>
+        <p:nvPicPr>
+          <p:cNvPr id="4" name="内容占位符 3"/>
+          <p:cNvPicPr>
+            <a:picLocks noGrp="1" noChangeAspect="1"/>
+          </p:cNvPicPr>
+          <p:nvPr>
+            <p:ph idx="1"/>
+          </p:nvPr>
+        </p:nvPicPr>
+        <p:blipFill>
+          <a:blip r:embed="rId2">
+            <a:extLst>
+              <a:ext uri="{28A0092B-C50C-407E-A947-70E740481C1C}">
+                <a14:useLocalDpi xmlns:a14="http://schemas.microsoft.com/office/drawing/2010/main" val="0"/>
+              </a:ext>
+            </a:extLst>
+          </a:blip>
+          <a:stretch>
+            <a:fillRect/>
+          </a:stretch>
+        </p:blipFill>
+        <p:spPr>
+          <a:xfrm>
+            <a:off x="907738" y="1714176"/>
+            <a:ext cx="7264662" cy="4859662"/>
+          </a:xfrm>
+        </p:spPr>
+      </p:pic>
+      <p:sp>
+        <p:nvSpPr>
+          <p:cNvPr id="6" name="TextBox 5"/>
+          <p:cNvSpPr txBox="1"/>
+          <p:nvPr/>
+        </p:nvSpPr>
+        <p:spPr>
+          <a:xfrm>
+            <a:off x="7861440" y="5526524"/>
+            <a:ext cx="1252266" cy="369332"/>
+          </a:xfrm>
+          <a:prstGeom prst="rect">
+            <a:avLst/>
+          </a:prstGeom>
+          <a:noFill/>
+        </p:spPr>
+        <p:txBody>
+          <a:bodyPr wrap="none" rtlCol="0">
+            <a:spAutoFit/>
+          </a:bodyPr>
+          <a:lstStyle/>
+          <a:p>
+            <a:r>
+              <a:rPr lang="en-US" altLang="zh-CN" dirty="0" smtClean="0"/>
+              <a:t>document</a:t>
+            </a:r>
+            <a:endParaRPr lang="zh-CN" altLang="en-US" dirty="0"/>
+          </a:p>
+        </p:txBody>
+      </p:sp>
+      <p:cxnSp>
+        <p:nvCxnSpPr>
+          <p:cNvPr id="8" name="直接箭头连接符 7"/>
+          <p:cNvCxnSpPr/>
+          <p:nvPr/>
+        </p:nvCxnSpPr>
+        <p:spPr>
+          <a:xfrm>
+            <a:off x="7357384" y="5154310"/>
+            <a:ext cx="1008112" cy="513348"/>
+          </a:xfrm>
+          <a:prstGeom prst="straightConnector1">
+            <a:avLst/>
+          </a:prstGeom>
+          <a:ln>
+            <a:tailEnd type="arrow"/>
+          </a:ln>
+        </p:spPr>
+        <p:style>
+          <a:lnRef idx="3">
+            <a:schemeClr val="accent1"/>
+          </a:lnRef>
+          <a:fillRef idx="0">
+            <a:schemeClr val="accent1"/>
+          </a:fillRef>
+          <a:effectRef idx="2">
+            <a:schemeClr val="accent1"/>
+          </a:effectRef>
+          <a:fontRef idx="minor">
+            <a:schemeClr val="tx1"/>
+          </a:fontRef>
+        </p:style>
+      </p:cxnSp>
+      <p:sp>
+        <p:nvSpPr>
+          <p:cNvPr id="10" name="椭圆 9"/>
+          <p:cNvSpPr/>
+          <p:nvPr/>
+        </p:nvSpPr>
+        <p:spPr>
+          <a:xfrm>
+            <a:off x="1763688" y="2564904"/>
+            <a:ext cx="5760640" cy="3024336"/>
+          </a:xfrm>
+          <a:prstGeom prst="ellipse">
+            <a:avLst/>
+          </a:prstGeom>
+          <a:noFill/>
+          <a:ln w="28575">
+            <a:solidFill>
+              <a:schemeClr val="tx2"/>
+            </a:solidFill>
+          </a:ln>
+        </p:spPr>
+        <p:style>
+          <a:lnRef idx="2">
+            <a:schemeClr val="accent6"/>
+          </a:lnRef>
+          <a:fillRef idx="1">
+            <a:schemeClr val="lt1"/>
+          </a:fillRef>
+          <a:effectRef idx="0">
+            <a:schemeClr val="accent6"/>
+          </a:effectRef>
+          <a:fontRef idx="minor">
+            <a:schemeClr val="dk1"/>
+          </a:fontRef>
+        </p:style>
+        <p:txBody>
+          <a:bodyPr rtlCol="0" anchor="ctr"/>
+          <a:lstStyle/>
+          <a:p>
+            <a:pPr algn="ctr"/>
+            <a:endParaRPr lang="zh-CN" altLang="en-US"/>
+          </a:p>
+        </p:txBody>
+      </p:sp>
+      <p:cxnSp>
+        <p:nvCxnSpPr>
+          <p:cNvPr id="12" name="直接箭头连接符 11"/>
+          <p:cNvCxnSpPr/>
+          <p:nvPr/>
+        </p:nvCxnSpPr>
+        <p:spPr>
+          <a:xfrm flipV="1">
+            <a:off x="4283968" y="1484784"/>
+            <a:ext cx="1512168" cy="2088232"/>
+          </a:xfrm>
+          <a:prstGeom prst="straightConnector1">
+            <a:avLst/>
+          </a:prstGeom>
+          <a:ln>
+            <a:tailEnd type="arrow"/>
+          </a:ln>
+        </p:spPr>
+        <p:style>
+          <a:lnRef idx="3">
+            <a:schemeClr val="accent1"/>
+          </a:lnRef>
+          <a:fillRef idx="0">
+            <a:schemeClr val="accent1"/>
+          </a:fillRef>
+          <a:effectRef idx="2">
+            <a:schemeClr val="accent1"/>
+          </a:effectRef>
+          <a:fontRef idx="minor">
+            <a:schemeClr val="tx1"/>
+          </a:fontRef>
+        </p:style>
+      </p:cxnSp>
+      <p:sp>
+        <p:nvSpPr>
+          <p:cNvPr id="13" name="TextBox 12"/>
+          <p:cNvSpPr txBox="1"/>
+          <p:nvPr/>
+        </p:nvSpPr>
+        <p:spPr>
+          <a:xfrm>
+            <a:off x="5796136" y="1268760"/>
+            <a:ext cx="688009" cy="369332"/>
+          </a:xfrm>
+          <a:prstGeom prst="rect">
+            <a:avLst/>
+          </a:prstGeom>
+          <a:noFill/>
+        </p:spPr>
+        <p:txBody>
+          <a:bodyPr wrap="none" rtlCol="0">
+            <a:spAutoFit/>
+          </a:bodyPr>
+          <a:lstStyle/>
+          <a:p>
+            <a:r>
+              <a:rPr lang="en-US" altLang="zh-CN" dirty="0" smtClean="0"/>
+              <a:t>node</a:t>
+            </a:r>
+            <a:endParaRPr lang="zh-CN" altLang="en-US" dirty="0"/>
+          </a:p>
+        </p:txBody>
+      </p:sp>
+    </p:spTree>
+    <p:extLst>
+      <p:ext uri="{BB962C8B-B14F-4D97-AF65-F5344CB8AC3E}">
+        <p14:creationId xmlns:p14="http://schemas.microsoft.com/office/powerpoint/2010/main" val="2322611707"/>
+      </p:ext>
+    </p:extLst>
+  </p:cSld>
+  <p:clrMapOvr>
+    <a:masterClrMapping/>
+  </p:clrMapOvr>
+  <p:timing>
+    <p:tnLst>
+      <p:par>
+        <p:cTn id="1" dur="indefinite" restart="never" nodeType="tmRoot"/>
+      </p:par>
+    </p:tnLst>
+  </p:timing>
+</p:sld>
+</file>
+
+<file path=ppt/slides/slide4.xml><?xml version="1.0" encoding="utf-8"?>
+<p:sld xmlns:a="http://schemas.openxmlformats.org/drawingml/2006/main" xmlns:r="http://schemas.openxmlformats.org/officeDocument/2006/relationships" xmlns:p="http://schemas.openxmlformats.org/presentationml/2006/main">
+  <p:cSld>
+    <p:spTree>
+      <p:nvGrpSpPr>
+        <p:cNvPr id="1" name=""/>
+        <p:cNvGrpSpPr/>
+        <p:nvPr/>
+      </p:nvGrpSpPr>
+      <p:grpSpPr>
+        <a:xfrm>
+          <a:off x="0" y="0"/>
+          <a:ext cx="0" cy="0"/>
+          <a:chOff x="0" y="0"/>
+          <a:chExt cx="0" cy="0"/>
+        </a:xfrm>
+      </p:grpSpPr>
       <p:graphicFrame>
         <p:nvGraphicFramePr>
           <p:cNvPr id="4" name="内容占位符 3"/>
@@ -13296,7 +20956,7 @@
             <p:ph idx="1"/>
             <p:extLst>
               <p:ext uri="{D42A27DB-BD31-4B8C-83A1-F6EECF244321}">
-                <p14:modId xmlns:p14="http://schemas.microsoft.com/office/powerpoint/2010/main" val="1613409384"/>
+                <p14:modId xmlns:p14="http://schemas.microsoft.com/office/powerpoint/2010/main" val="3006857907"/>
               </p:ext>
             </p:extLst>
           </p:nvPr>
@@ -13483,7 +21143,7 @@
 </p:sld>
 </file>
 
-<file path=ppt/slides/slide4.xml><?xml version="1.0" encoding="utf-8"?>
+<file path=ppt/slides/slide5.xml><?xml version="1.0" encoding="utf-8"?>
 <p:sld xmlns:a="http://schemas.openxmlformats.org/drawingml/2006/main" xmlns:r="http://schemas.openxmlformats.org/officeDocument/2006/relationships" xmlns:p="http://schemas.openxmlformats.org/presentationml/2006/main">
   <p:cSld>
     <p:spTree>
@@ -17326,7 +24986,7 @@
 </p:sld>
 </file>
 
-<file path=ppt/slides/slide5.xml><?xml version="1.0" encoding="utf-8"?>
+<file path=ppt/slides/slide6.xml><?xml version="1.0" encoding="utf-8"?>
 <p:sld xmlns:a="http://schemas.openxmlformats.org/drawingml/2006/main" xmlns:r="http://schemas.openxmlformats.org/officeDocument/2006/relationships" xmlns:p="http://schemas.openxmlformats.org/presentationml/2006/main">
   <p:cSld>
     <p:spTree>
@@ -18008,7 +25668,7 @@
 </p:sld>
 </file>
 
-<file path=ppt/slides/slide6.xml><?xml version="1.0" encoding="utf-8"?>
+<file path=ppt/slides/slide7.xml><?xml version="1.0" encoding="utf-8"?>
 <p:sld xmlns:a="http://schemas.openxmlformats.org/drawingml/2006/main" xmlns:r="http://schemas.openxmlformats.org/officeDocument/2006/relationships" xmlns:p="http://schemas.openxmlformats.org/presentationml/2006/main">
   <p:cSld>
     <p:spTree>
@@ -18445,92 +26105,304 @@
   <p:timing>
     <p:tnLst>
       <p:par>
-        <p:cTn id="1" dur="indefinite" restart="never" nodeType="tmRoot"/>
+        <p:cTn id="1" dur="indefinite" restart="never" nodeType="tmRoot">
+          <p:childTnLst>
+            <p:seq concurrent="1" nextAc="seek">
+              <p:cTn id="2" dur="indefinite" nodeType="mainSeq">
+                <p:childTnLst>
+                  <p:par>
+                    <p:cTn id="3" fill="hold">
+                      <p:stCondLst>
+                        <p:cond delay="indefinite"/>
+                      </p:stCondLst>
+                      <p:childTnLst>
+                        <p:par>
+                          <p:cTn id="4" fill="hold">
+                            <p:stCondLst>
+                              <p:cond delay="0"/>
+                            </p:stCondLst>
+                            <p:childTnLst>
+                              <p:par>
+                                <p:cTn id="5" presetID="10" presetClass="entr" presetSubtype="0" fill="hold" grpId="0" nodeType="clickEffect">
+                                  <p:stCondLst>
+                                    <p:cond delay="0"/>
+                                  </p:stCondLst>
+                                  <p:childTnLst>
+                                    <p:set>
+                                      <p:cBhvr>
+                                        <p:cTn id="6" dur="1" fill="hold">
+                                          <p:stCondLst>
+                                            <p:cond delay="0"/>
+                                          </p:stCondLst>
+                                        </p:cTn>
+                                        <p:tgtEl>
+                                          <p:spTgt spid="7"/>
+                                        </p:tgtEl>
+                                        <p:attrNameLst>
+                                          <p:attrName>style.visibility</p:attrName>
+                                        </p:attrNameLst>
+                                      </p:cBhvr>
+                                      <p:to>
+                                        <p:strVal val="visible"/>
+                                      </p:to>
+                                    </p:set>
+                                    <p:animEffect transition="in" filter="fade">
+                                      <p:cBhvr>
+                                        <p:cTn id="7" dur="500"/>
+                                        <p:tgtEl>
+                                          <p:spTgt spid="7"/>
+                                        </p:tgtEl>
+                                      </p:cBhvr>
+                                    </p:animEffect>
+                                  </p:childTnLst>
+                                </p:cTn>
+                              </p:par>
+                              <p:par>
+                                <p:cTn id="8" presetID="10" presetClass="entr" presetSubtype="0" fill="hold" grpId="0" nodeType="withEffect">
+                                  <p:stCondLst>
+                                    <p:cond delay="0"/>
+                                  </p:stCondLst>
+                                  <p:childTnLst>
+                                    <p:set>
+                                      <p:cBhvr>
+                                        <p:cTn id="9" dur="1" fill="hold">
+                                          <p:stCondLst>
+                                            <p:cond delay="0"/>
+                                          </p:stCondLst>
+                                        </p:cTn>
+                                        <p:tgtEl>
+                                          <p:spTgt spid="9"/>
+                                        </p:tgtEl>
+                                        <p:attrNameLst>
+                                          <p:attrName>style.visibility</p:attrName>
+                                        </p:attrNameLst>
+                                      </p:cBhvr>
+                                      <p:to>
+                                        <p:strVal val="visible"/>
+                                      </p:to>
+                                    </p:set>
+                                    <p:animEffect transition="in" filter="fade">
+                                      <p:cBhvr>
+                                        <p:cTn id="10" dur="500"/>
+                                        <p:tgtEl>
+                                          <p:spTgt spid="9"/>
+                                        </p:tgtEl>
+                                      </p:cBhvr>
+                                    </p:animEffect>
+                                  </p:childTnLst>
+                                </p:cTn>
+                              </p:par>
+                            </p:childTnLst>
+                          </p:cTn>
+                        </p:par>
+                      </p:childTnLst>
+                    </p:cTn>
+                  </p:par>
+                  <p:par>
+                    <p:cTn id="11" fill="hold">
+                      <p:stCondLst>
+                        <p:cond delay="indefinite"/>
+                      </p:stCondLst>
+                      <p:childTnLst>
+                        <p:par>
+                          <p:cTn id="12" fill="hold">
+                            <p:stCondLst>
+                              <p:cond delay="0"/>
+                            </p:stCondLst>
+                            <p:childTnLst>
+                              <p:par>
+                                <p:cTn id="13" presetID="10" presetClass="entr" presetSubtype="0" fill="hold" grpId="0" nodeType="clickEffect">
+                                  <p:stCondLst>
+                                    <p:cond delay="0"/>
+                                  </p:stCondLst>
+                                  <p:childTnLst>
+                                    <p:set>
+                                      <p:cBhvr>
+                                        <p:cTn id="14" dur="1" fill="hold">
+                                          <p:stCondLst>
+                                            <p:cond delay="0"/>
+                                          </p:stCondLst>
+                                        </p:cTn>
+                                        <p:tgtEl>
+                                          <p:spTgt spid="45"/>
+                                        </p:tgtEl>
+                                        <p:attrNameLst>
+                                          <p:attrName>style.visibility</p:attrName>
+                                        </p:attrNameLst>
+                                      </p:cBhvr>
+                                      <p:to>
+                                        <p:strVal val="visible"/>
+                                      </p:to>
+                                    </p:set>
+                                    <p:animEffect transition="in" filter="fade">
+                                      <p:cBhvr>
+                                        <p:cTn id="15" dur="500"/>
+                                        <p:tgtEl>
+                                          <p:spTgt spid="45"/>
+                                        </p:tgtEl>
+                                      </p:cBhvr>
+                                    </p:animEffect>
+                                  </p:childTnLst>
+                                </p:cTn>
+                              </p:par>
+                              <p:par>
+                                <p:cTn id="16" presetID="10" presetClass="entr" presetSubtype="0" fill="hold" grpId="0" nodeType="withEffect">
+                                  <p:stCondLst>
+                                    <p:cond delay="0"/>
+                                  </p:stCondLst>
+                                  <p:childTnLst>
+                                    <p:set>
+                                      <p:cBhvr>
+                                        <p:cTn id="17" dur="1" fill="hold">
+                                          <p:stCondLst>
+                                            <p:cond delay="0"/>
+                                          </p:stCondLst>
+                                        </p:cTn>
+                                        <p:tgtEl>
+                                          <p:spTgt spid="46"/>
+                                        </p:tgtEl>
+                                        <p:attrNameLst>
+                                          <p:attrName>style.visibility</p:attrName>
+                                        </p:attrNameLst>
+                                      </p:cBhvr>
+                                      <p:to>
+                                        <p:strVal val="visible"/>
+                                      </p:to>
+                                    </p:set>
+                                    <p:animEffect transition="in" filter="fade">
+                                      <p:cBhvr>
+                                        <p:cTn id="18" dur="500"/>
+                                        <p:tgtEl>
+                                          <p:spTgt spid="46"/>
+                                        </p:tgtEl>
+                                      </p:cBhvr>
+                                    </p:animEffect>
+                                  </p:childTnLst>
+                                </p:cTn>
+                              </p:par>
+                            </p:childTnLst>
+                          </p:cTn>
+                        </p:par>
+                      </p:childTnLst>
+                    </p:cTn>
+                  </p:par>
+                  <p:par>
+                    <p:cTn id="19" fill="hold">
+                      <p:stCondLst>
+                        <p:cond delay="indefinite"/>
+                      </p:stCondLst>
+                      <p:childTnLst>
+                        <p:par>
+                          <p:cTn id="20" fill="hold">
+                            <p:stCondLst>
+                              <p:cond delay="0"/>
+                            </p:stCondLst>
+                            <p:childTnLst>
+                              <p:par>
+                                <p:cTn id="21" presetID="10" presetClass="entr" presetSubtype="0" fill="hold" grpId="0" nodeType="clickEffect">
+                                  <p:stCondLst>
+                                    <p:cond delay="0"/>
+                                  </p:stCondLst>
+                                  <p:childTnLst>
+                                    <p:set>
+                                      <p:cBhvr>
+                                        <p:cTn id="22" dur="1" fill="hold">
+                                          <p:stCondLst>
+                                            <p:cond delay="0"/>
+                                          </p:stCondLst>
+                                        </p:cTn>
+                                        <p:tgtEl>
+                                          <p:spTgt spid="48"/>
+                                        </p:tgtEl>
+                                        <p:attrNameLst>
+                                          <p:attrName>style.visibility</p:attrName>
+                                        </p:attrNameLst>
+                                      </p:cBhvr>
+                                      <p:to>
+                                        <p:strVal val="visible"/>
+                                      </p:to>
+                                    </p:set>
+                                    <p:animEffect transition="in" filter="fade">
+                                      <p:cBhvr>
+                                        <p:cTn id="23" dur="500"/>
+                                        <p:tgtEl>
+                                          <p:spTgt spid="48"/>
+                                        </p:tgtEl>
+                                      </p:cBhvr>
+                                    </p:animEffect>
+                                  </p:childTnLst>
+                                </p:cTn>
+                              </p:par>
+                              <p:par>
+                                <p:cTn id="24" presetID="10" presetClass="entr" presetSubtype="0" fill="hold" grpId="0" nodeType="withEffect">
+                                  <p:stCondLst>
+                                    <p:cond delay="0"/>
+                                  </p:stCondLst>
+                                  <p:childTnLst>
+                                    <p:set>
+                                      <p:cBhvr>
+                                        <p:cTn id="25" dur="1" fill="hold">
+                                          <p:stCondLst>
+                                            <p:cond delay="0"/>
+                                          </p:stCondLst>
+                                        </p:cTn>
+                                        <p:tgtEl>
+                                          <p:spTgt spid="47"/>
+                                        </p:tgtEl>
+                                        <p:attrNameLst>
+                                          <p:attrName>style.visibility</p:attrName>
+                                        </p:attrNameLst>
+                                      </p:cBhvr>
+                                      <p:to>
+                                        <p:strVal val="visible"/>
+                                      </p:to>
+                                    </p:set>
+                                    <p:animEffect transition="in" filter="fade">
+                                      <p:cBhvr>
+                                        <p:cTn id="26" dur="500"/>
+                                        <p:tgtEl>
+                                          <p:spTgt spid="47"/>
+                                        </p:tgtEl>
+                                      </p:cBhvr>
+                                    </p:animEffect>
+                                  </p:childTnLst>
+                                </p:cTn>
+                              </p:par>
+                            </p:childTnLst>
+                          </p:cTn>
+                        </p:par>
+                      </p:childTnLst>
+                    </p:cTn>
+                  </p:par>
+                </p:childTnLst>
+              </p:cTn>
+              <p:prevCondLst>
+                <p:cond evt="onPrev" delay="0">
+                  <p:tgtEl>
+                    <p:sldTgt/>
+                  </p:tgtEl>
+                </p:cond>
+              </p:prevCondLst>
+              <p:nextCondLst>
+                <p:cond evt="onNext" delay="0">
+                  <p:tgtEl>
+                    <p:sldTgt/>
+                  </p:tgtEl>
+                </p:cond>
+              </p:nextCondLst>
+            </p:seq>
+          </p:childTnLst>
+        </p:cTn>
       </p:par>
     </p:tnLst>
-  </p:timing>
-</p:sld>
-</file>
-
-<file path=ppt/slides/slide7.xml><?xml version="1.0" encoding="utf-8"?>
-<p:sld xmlns:a="http://schemas.openxmlformats.org/drawingml/2006/main" xmlns:r="http://schemas.openxmlformats.org/officeDocument/2006/relationships" xmlns:p="http://schemas.openxmlformats.org/presentationml/2006/main">
-  <p:cSld>
-    <p:spTree>
-      <p:nvGrpSpPr>
-        <p:cNvPr id="1" name=""/>
-        <p:cNvGrpSpPr/>
-        <p:nvPr/>
-      </p:nvGrpSpPr>
-      <p:grpSpPr>
-        <a:xfrm>
-          <a:off x="0" y="0"/>
-          <a:ext cx="0" cy="0"/>
-          <a:chOff x="0" y="0"/>
-          <a:chExt cx="0" cy="0"/>
-        </a:xfrm>
-      </p:grpSpPr>
-      <p:sp>
-        <p:nvSpPr>
-          <p:cNvPr id="2" name="标题 1"/>
-          <p:cNvSpPr>
-            <a:spLocks noGrp="1"/>
-          </p:cNvSpPr>
-          <p:nvPr>
-            <p:ph type="title"/>
-          </p:nvPr>
-        </p:nvSpPr>
-        <p:spPr/>
-        <p:txBody>
-          <a:bodyPr/>
-          <a:lstStyle/>
-          <a:p>
-            <a:r>
-              <a:rPr lang="en-US" altLang="zh-CN" dirty="0" smtClean="0"/>
-              <a:t>DOM</a:t>
-            </a:r>
-            <a:r>
-              <a:rPr lang="zh-CN" altLang="en-US" dirty="0" smtClean="0"/>
-              <a:t>基本操作</a:t>
-            </a:r>
-            <a:endParaRPr lang="zh-CN" altLang="en-US" dirty="0"/>
-          </a:p>
-        </p:txBody>
-      </p:sp>
-      <p:sp>
-        <p:nvSpPr>
-          <p:cNvPr id="3" name="内容占位符 2"/>
-          <p:cNvSpPr>
-            <a:spLocks noGrp="1"/>
-          </p:cNvSpPr>
-          <p:nvPr>
-            <p:ph idx="1"/>
-          </p:nvPr>
-        </p:nvSpPr>
-        <p:spPr/>
-        <p:txBody>
-          <a:bodyPr/>
-          <a:lstStyle/>
-          <a:p>
-            <a:endParaRPr lang="zh-CN" altLang="en-US"/>
-          </a:p>
-        </p:txBody>
-      </p:sp>
-    </p:spTree>
-    <p:extLst>
-      <p:ext uri="{BB962C8B-B14F-4D97-AF65-F5344CB8AC3E}">
-        <p14:creationId xmlns:p14="http://schemas.microsoft.com/office/powerpoint/2010/main" val="1166603436"/>
-      </p:ext>
-    </p:extLst>
-  </p:cSld>
-  <p:clrMapOvr>
-    <a:masterClrMapping/>
-  </p:clrMapOvr>
-  <p:timing>
-    <p:tnLst>
-      <p:par>
-        <p:cTn id="1" dur="indefinite" restart="never" nodeType="tmRoot"/>
-      </p:par>
-    </p:tnLst>
+    <p:bldLst>
+      <p:bldP spid="7" grpId="0"/>
+      <p:bldP spid="9" grpId="0"/>
+      <p:bldP spid="45" grpId="0"/>
+      <p:bldP spid="46" grpId="0"/>
+      <p:bldP spid="47" grpId="0"/>
+      <p:bldP spid="48" grpId="0"/>
+    </p:bldLst>
   </p:timing>
 </p:sld>
 </file>
@@ -18564,7 +26436,7 @@
         </p:nvSpPr>
         <p:spPr>
           <a:xfrm>
-            <a:off x="467544" y="836712"/>
+            <a:off x="467544" y="980728"/>
             <a:ext cx="8229600" cy="1066800"/>
           </a:xfrm>
         </p:spPr>
@@ -18577,14 +26449,251 @@
                 <a:latin typeface="Adobe 黑体 Std R" pitchFamily="34" charset="-122"/>
                 <a:ea typeface="Adobe 黑体 Std R" pitchFamily="34" charset="-122"/>
               </a:rPr>
-              <a:t>DOM </a:t>
+              <a:t>DOM</a:t>
             </a:r>
             <a:r>
               <a:rPr lang="zh-CN" altLang="en-US" dirty="0" smtClean="0">
                 <a:latin typeface="Adobe 黑体 Std R" pitchFamily="34" charset="-122"/>
                 <a:ea typeface="Adobe 黑体 Std R" pitchFamily="34" charset="-122"/>
               </a:rPr>
-              <a:t>节点插入</a:t>
+              <a:t>基本操作</a:t>
+            </a:r>
+            <a:endParaRPr lang="zh-CN" altLang="en-US" dirty="0">
+              <a:latin typeface="Adobe 黑体 Std R" pitchFamily="34" charset="-122"/>
+              <a:ea typeface="Adobe 黑体 Std R" pitchFamily="34" charset="-122"/>
+            </a:endParaRPr>
+          </a:p>
+        </p:txBody>
+      </p:sp>
+      <p:sp>
+        <p:nvSpPr>
+          <p:cNvPr id="3" name="内容占位符 2"/>
+          <p:cNvSpPr>
+            <a:spLocks noGrp="1"/>
+          </p:cNvSpPr>
+          <p:nvPr>
+            <p:ph idx="1"/>
+          </p:nvPr>
+        </p:nvSpPr>
+        <p:spPr/>
+        <p:txBody>
+          <a:bodyPr/>
+          <a:lstStyle/>
+          <a:p>
+            <a:r>
+              <a:rPr lang="zh-CN" altLang="en-US" dirty="0" smtClean="0">
+                <a:latin typeface="Adobe 黑体 Std R" pitchFamily="34" charset="-122"/>
+                <a:ea typeface="Adobe 黑体 Std R" pitchFamily="34" charset="-122"/>
+              </a:rPr>
+              <a:t>增 </a:t>
+            </a:r>
+            <a:endParaRPr lang="en-US" altLang="zh-CN" dirty="0" smtClean="0">
+              <a:latin typeface="Adobe 黑体 Std R" pitchFamily="34" charset="-122"/>
+              <a:ea typeface="Adobe 黑体 Std R" pitchFamily="34" charset="-122"/>
+            </a:endParaRPr>
+          </a:p>
+          <a:p>
+            <a:pPr lvl="1"/>
+            <a:r>
+              <a:rPr lang="zh-CN" altLang="en-US" dirty="0">
+                <a:latin typeface="Adobe 黑体 Std R" pitchFamily="34" charset="-122"/>
+                <a:ea typeface="Adobe 黑体 Std R" pitchFamily="34" charset="-122"/>
+              </a:rPr>
+              <a:t>节</a:t>
+            </a:r>
+            <a:r>
+              <a:rPr lang="zh-CN" altLang="en-US" dirty="0" smtClean="0">
+                <a:latin typeface="Adobe 黑体 Std R" pitchFamily="34" charset="-122"/>
+                <a:ea typeface="Adobe 黑体 Std R" pitchFamily="34" charset="-122"/>
+              </a:rPr>
+              <a:t>点插入</a:t>
+            </a:r>
+            <a:endParaRPr lang="en-US" altLang="zh-CN" dirty="0" smtClean="0">
+              <a:latin typeface="Adobe 黑体 Std R" pitchFamily="34" charset="-122"/>
+              <a:ea typeface="Adobe 黑体 Std R" pitchFamily="34" charset="-122"/>
+            </a:endParaRPr>
+          </a:p>
+          <a:p>
+            <a:r>
+              <a:rPr lang="zh-CN" altLang="en-US" dirty="0" smtClean="0">
+                <a:latin typeface="Adobe 黑体 Std R" pitchFamily="34" charset="-122"/>
+                <a:ea typeface="Adobe 黑体 Std R" pitchFamily="34" charset="-122"/>
+              </a:rPr>
+              <a:t>删</a:t>
+            </a:r>
+            <a:endParaRPr lang="en-US" altLang="zh-CN" dirty="0" smtClean="0">
+              <a:latin typeface="Adobe 黑体 Std R" pitchFamily="34" charset="-122"/>
+              <a:ea typeface="Adobe 黑体 Std R" pitchFamily="34" charset="-122"/>
+            </a:endParaRPr>
+          </a:p>
+          <a:p>
+            <a:pPr lvl="1"/>
+            <a:r>
+              <a:rPr lang="zh-CN" altLang="en-US" dirty="0">
+                <a:latin typeface="Adobe 黑体 Std R" pitchFamily="34" charset="-122"/>
+                <a:ea typeface="Adobe 黑体 Std R" pitchFamily="34" charset="-122"/>
+              </a:rPr>
+              <a:t>删</a:t>
+            </a:r>
+            <a:r>
+              <a:rPr lang="zh-CN" altLang="en-US" dirty="0" smtClean="0">
+                <a:latin typeface="Adobe 黑体 Std R" pitchFamily="34" charset="-122"/>
+                <a:ea typeface="Adobe 黑体 Std R" pitchFamily="34" charset="-122"/>
+              </a:rPr>
+              <a:t>除页面元素</a:t>
+            </a:r>
+            <a:endParaRPr lang="en-US" altLang="zh-CN" dirty="0" smtClean="0">
+              <a:latin typeface="Adobe 黑体 Std R" pitchFamily="34" charset="-122"/>
+              <a:ea typeface="Adobe 黑体 Std R" pitchFamily="34" charset="-122"/>
+            </a:endParaRPr>
+          </a:p>
+          <a:p>
+            <a:r>
+              <a:rPr lang="zh-CN" altLang="en-US" dirty="0" smtClean="0">
+                <a:latin typeface="Adobe 黑体 Std R" pitchFamily="34" charset="-122"/>
+                <a:ea typeface="Adobe 黑体 Std R" pitchFamily="34" charset="-122"/>
+              </a:rPr>
+              <a:t>查 </a:t>
+            </a:r>
+            <a:endParaRPr lang="en-US" altLang="zh-CN" dirty="0">
+              <a:latin typeface="Adobe 黑体 Std R" pitchFamily="34" charset="-122"/>
+              <a:ea typeface="Adobe 黑体 Std R" pitchFamily="34" charset="-122"/>
+            </a:endParaRPr>
+          </a:p>
+          <a:p>
+            <a:pPr lvl="1"/>
+            <a:r>
+              <a:rPr lang="zh-CN" altLang="en-US" dirty="0" smtClean="0">
+                <a:latin typeface="Adobe 黑体 Std R" pitchFamily="34" charset="-122"/>
+                <a:ea typeface="Adobe 黑体 Std R" pitchFamily="34" charset="-122"/>
+              </a:rPr>
+              <a:t>获取页面元素</a:t>
+            </a:r>
+            <a:endParaRPr lang="en-US" altLang="zh-CN" dirty="0" smtClean="0">
+              <a:latin typeface="Adobe 黑体 Std R" pitchFamily="34" charset="-122"/>
+              <a:ea typeface="Adobe 黑体 Std R" pitchFamily="34" charset="-122"/>
+            </a:endParaRPr>
+          </a:p>
+          <a:p>
+            <a:r>
+              <a:rPr lang="zh-CN" altLang="en-US" dirty="0" smtClean="0">
+                <a:latin typeface="Adobe 黑体 Std R" pitchFamily="34" charset="-122"/>
+                <a:ea typeface="Adobe 黑体 Std R" pitchFamily="34" charset="-122"/>
+              </a:rPr>
+              <a:t>改</a:t>
+            </a:r>
+            <a:endParaRPr lang="en-US" altLang="zh-CN" dirty="0" smtClean="0">
+              <a:latin typeface="Adobe 黑体 Std R" pitchFamily="34" charset="-122"/>
+              <a:ea typeface="Adobe 黑体 Std R" pitchFamily="34" charset="-122"/>
+            </a:endParaRPr>
+          </a:p>
+          <a:p>
+            <a:pPr lvl="1"/>
+            <a:r>
+              <a:rPr lang="zh-CN" altLang="en-US" dirty="0">
+                <a:latin typeface="Adobe 黑体 Std R" pitchFamily="34" charset="-122"/>
+                <a:ea typeface="Adobe 黑体 Std R" pitchFamily="34" charset="-122"/>
+              </a:rPr>
+              <a:t>修</a:t>
+            </a:r>
+            <a:r>
+              <a:rPr lang="zh-CN" altLang="en-US" dirty="0" smtClean="0">
+                <a:latin typeface="Adobe 黑体 Std R" pitchFamily="34" charset="-122"/>
+                <a:ea typeface="Adobe 黑体 Std R" pitchFamily="34" charset="-122"/>
+              </a:rPr>
+              <a:t>改、替换页面元素</a:t>
+            </a:r>
+            <a:endParaRPr lang="zh-CN" altLang="en-US" dirty="0">
+              <a:latin typeface="Adobe 黑体 Std R" pitchFamily="34" charset="-122"/>
+              <a:ea typeface="Adobe 黑体 Std R" pitchFamily="34" charset="-122"/>
+            </a:endParaRPr>
+          </a:p>
+        </p:txBody>
+      </p:sp>
+    </p:spTree>
+    <p:extLst>
+      <p:ext uri="{BB962C8B-B14F-4D97-AF65-F5344CB8AC3E}">
+        <p14:creationId xmlns:p14="http://schemas.microsoft.com/office/powerpoint/2010/main" val="1166603436"/>
+      </p:ext>
+    </p:extLst>
+  </p:cSld>
+  <p:clrMapOvr>
+    <a:masterClrMapping/>
+  </p:clrMapOvr>
+  <p:timing>
+    <p:tnLst>
+      <p:par>
+        <p:cTn id="1" dur="indefinite" restart="never" nodeType="tmRoot"/>
+      </p:par>
+    </p:tnLst>
+  </p:timing>
+</p:sld>
+</file>
+
+<file path=ppt/slides/slide9.xml><?xml version="1.0" encoding="utf-8"?>
+<p:sld xmlns:a="http://schemas.openxmlformats.org/drawingml/2006/main" xmlns:r="http://schemas.openxmlformats.org/officeDocument/2006/relationships" xmlns:p="http://schemas.openxmlformats.org/presentationml/2006/main">
+  <p:cSld>
+    <p:spTree>
+      <p:nvGrpSpPr>
+        <p:cNvPr id="1" name=""/>
+        <p:cNvGrpSpPr/>
+        <p:nvPr/>
+      </p:nvGrpSpPr>
+      <p:grpSpPr>
+        <a:xfrm>
+          <a:off x="0" y="0"/>
+          <a:ext cx="0" cy="0"/>
+          <a:chOff x="0" y="0"/>
+          <a:chExt cx="0" cy="0"/>
+        </a:xfrm>
+      </p:grpSpPr>
+      <p:sp>
+        <p:nvSpPr>
+          <p:cNvPr id="2" name="标题 1"/>
+          <p:cNvSpPr>
+            <a:spLocks noGrp="1"/>
+          </p:cNvSpPr>
+          <p:nvPr>
+            <p:ph type="title"/>
+          </p:nvPr>
+        </p:nvSpPr>
+        <p:spPr>
+          <a:xfrm>
+            <a:off x="395536" y="908720"/>
+            <a:ext cx="8229600" cy="1066800"/>
+          </a:xfrm>
+        </p:spPr>
+        <p:txBody>
+          <a:bodyPr/>
+          <a:lstStyle/>
+          <a:p>
+            <a:r>
+              <a:rPr lang="en-US" altLang="zh-CN" dirty="0" smtClean="0">
+                <a:latin typeface="Adobe 黑体 Std R" pitchFamily="34" charset="-122"/>
+                <a:ea typeface="Adobe 黑体 Std R" pitchFamily="34" charset="-122"/>
+              </a:rPr>
+              <a:t>DOM</a:t>
+            </a:r>
+            <a:r>
+              <a:rPr lang="zh-CN" altLang="en-US" dirty="0" smtClean="0">
+                <a:latin typeface="Adobe 黑体 Std R" pitchFamily="34" charset="-122"/>
+                <a:ea typeface="Adobe 黑体 Std R" pitchFamily="34" charset="-122"/>
+              </a:rPr>
+              <a:t>操作</a:t>
+            </a:r>
+            <a:r>
+              <a:rPr lang="en-US" altLang="zh-CN" dirty="0" smtClean="0">
+                <a:latin typeface="Adobe 黑体 Std R" pitchFamily="34" charset="-122"/>
+                <a:ea typeface="Adobe 黑体 Std R" pitchFamily="34" charset="-122"/>
+              </a:rPr>
+              <a:t>-</a:t>
+            </a:r>
+            <a:r>
+              <a:rPr lang="zh-CN" altLang="en-US" dirty="0" smtClean="0">
+                <a:latin typeface="Adobe 黑体 Std R" pitchFamily="34" charset="-122"/>
+                <a:ea typeface="Adobe 黑体 Std R" pitchFamily="34" charset="-122"/>
+              </a:rPr>
+              <a:t>增</a:t>
             </a:r>
             <a:endParaRPr lang="zh-CN" altLang="en-US" dirty="0">
               <a:latin typeface="Adobe 黑体 Std R" pitchFamily="34" charset="-122"/>
@@ -18605,414 +26714,26 @@
         </p:nvSpPr>
         <p:spPr>
           <a:xfrm>
-            <a:off x="467544" y="3861048"/>
-            <a:ext cx="8229600" cy="2668928"/>
+            <a:off x="467544" y="1988840"/>
+            <a:ext cx="8229600" cy="4325112"/>
           </a:xfrm>
         </p:spPr>
         <p:txBody>
-          <a:bodyPr>
-            <a:normAutofit/>
-          </a:bodyPr>
+          <a:bodyPr/>
           <a:lstStyle/>
           <a:p>
-            <a:pPr marL="109728" indent="0">
-              <a:buNone/>
-            </a:pPr>
-            <a:r>
-              <a:rPr lang="zh-CN" altLang="en-US" dirty="0" smtClean="0">
-                <a:solidFill>
-                  <a:schemeClr val="accent1">
-                    <a:lumMod val="75000"/>
-                  </a:schemeClr>
-                </a:solidFill>
-                <a:latin typeface="Adobe 黑体 Std R" pitchFamily="34" charset="-122"/>
-                <a:ea typeface="Adobe 黑体 Std R" pitchFamily="34" charset="-122"/>
-              </a:rPr>
-              <a:t>功能基本实现，但性能低下；</a:t>
-            </a:r>
-            <a:endParaRPr lang="en-US" altLang="zh-CN" dirty="0" smtClean="0">
-              <a:solidFill>
-                <a:schemeClr val="accent1">
-                  <a:lumMod val="75000"/>
-                </a:schemeClr>
-              </a:solidFill>
-              <a:latin typeface="Adobe 黑体 Std R" pitchFamily="34" charset="-122"/>
-              <a:ea typeface="Adobe 黑体 Std R" pitchFamily="34" charset="-122"/>
-            </a:endParaRPr>
-          </a:p>
-          <a:p>
-            <a:pPr marL="109728" indent="0">
-              <a:buNone/>
-            </a:pPr>
-            <a:r>
-              <a:rPr lang="zh-CN" altLang="en-US" dirty="0" smtClean="0">
-                <a:solidFill>
-                  <a:schemeClr val="accent1">
-                    <a:lumMod val="75000"/>
-                  </a:schemeClr>
-                </a:solidFill>
-                <a:latin typeface="Adobe 黑体 Std R" pitchFamily="34" charset="-122"/>
-                <a:ea typeface="Adobe 黑体 Std R" pitchFamily="34" charset="-122"/>
-              </a:rPr>
-              <a:t>在低版本</a:t>
-            </a:r>
-            <a:r>
-              <a:rPr lang="en-US" altLang="zh-CN" dirty="0" smtClean="0">
-                <a:solidFill>
-                  <a:schemeClr val="accent1">
-                    <a:lumMod val="75000"/>
-                  </a:schemeClr>
-                </a:solidFill>
-                <a:latin typeface="Adobe 黑体 Std R" pitchFamily="34" charset="-122"/>
-                <a:ea typeface="Adobe 黑体 Std R" pitchFamily="34" charset="-122"/>
-              </a:rPr>
-              <a:t>IE</a:t>
-            </a:r>
-            <a:r>
-              <a:rPr lang="zh-CN" altLang="en-US" dirty="0" smtClean="0">
-                <a:solidFill>
-                  <a:schemeClr val="accent1">
-                    <a:lumMod val="75000"/>
-                  </a:schemeClr>
-                </a:solidFill>
-                <a:latin typeface="Adobe 黑体 Std R" pitchFamily="34" charset="-122"/>
-                <a:ea typeface="Adobe 黑体 Std R" pitchFamily="34" charset="-122"/>
-              </a:rPr>
-              <a:t>下，缺少优化机制，每次</a:t>
-            </a:r>
-            <a:r>
-              <a:rPr lang="en-US" altLang="zh-CN" dirty="0" err="1" smtClean="0">
-                <a:solidFill>
-                  <a:schemeClr val="accent1">
-                    <a:lumMod val="75000"/>
-                  </a:schemeClr>
-                </a:solidFill>
-                <a:latin typeface="Adobe 黑体 Std R" pitchFamily="34" charset="-122"/>
-                <a:ea typeface="Adobe 黑体 Std R" pitchFamily="34" charset="-122"/>
-              </a:rPr>
-              <a:t>appendChild</a:t>
-            </a:r>
-            <a:r>
-              <a:rPr lang="zh-CN" altLang="en-US" dirty="0" smtClean="0">
-                <a:solidFill>
-                  <a:schemeClr val="accent1">
-                    <a:lumMod val="75000"/>
-                  </a:schemeClr>
-                </a:solidFill>
-                <a:latin typeface="Adobe 黑体 Std R" pitchFamily="34" charset="-122"/>
-                <a:ea typeface="Adobe 黑体 Std R" pitchFamily="34" charset="-122"/>
-              </a:rPr>
-              <a:t>都会造成回流和渲染。</a:t>
-            </a:r>
-            <a:endParaRPr lang="zh-CN" altLang="en-US" dirty="0">
-              <a:solidFill>
-                <a:schemeClr val="accent1">
-                  <a:lumMod val="75000"/>
-                </a:schemeClr>
-              </a:solidFill>
-              <a:latin typeface="Adobe 黑体 Std R" pitchFamily="34" charset="-122"/>
-              <a:ea typeface="Adobe 黑体 Std R" pitchFamily="34" charset="-122"/>
-            </a:endParaRPr>
-          </a:p>
-        </p:txBody>
-      </p:sp>
-      <p:sp>
-        <p:nvSpPr>
-          <p:cNvPr id="4" name="矩形 3"/>
-          <p:cNvSpPr/>
-          <p:nvPr/>
-        </p:nvSpPr>
-        <p:spPr>
-          <a:xfrm>
-            <a:off x="467544" y="1772816"/>
-            <a:ext cx="8280920" cy="1872208"/>
-          </a:xfrm>
-          <a:prstGeom prst="rect">
-            <a:avLst/>
-          </a:prstGeom>
-        </p:spPr>
-        <p:style>
-          <a:lnRef idx="3">
-            <a:schemeClr val="lt1"/>
-          </a:lnRef>
-          <a:fillRef idx="1">
-            <a:schemeClr val="accent6"/>
-          </a:fillRef>
-          <a:effectRef idx="1">
-            <a:schemeClr val="accent6"/>
-          </a:effectRef>
-          <a:fontRef idx="minor">
-            <a:schemeClr val="lt1"/>
-          </a:fontRef>
-        </p:style>
-        <p:txBody>
-          <a:bodyPr rtlCol="0" anchor="ctr"/>
-          <a:lstStyle/>
-          <a:p>
-            <a:r>
-              <a:rPr lang="en-US" altLang="zh-CN" sz="1600" dirty="0" err="1" smtClean="0">
-                <a:latin typeface="Consolas" pitchFamily="49" charset="0"/>
-                <a:cs typeface="Consolas" pitchFamily="49" charset="0"/>
-              </a:rPr>
-              <a:t>var</a:t>
-            </a:r>
-            <a:r>
-              <a:rPr lang="en-US" altLang="zh-CN" sz="1600" dirty="0" smtClean="0">
-                <a:latin typeface="Consolas" pitchFamily="49" charset="0"/>
-                <a:cs typeface="Consolas" pitchFamily="49" charset="0"/>
-              </a:rPr>
-              <a:t> nodes = </a:t>
-            </a:r>
-            <a:r>
-              <a:rPr lang="en-US" altLang="zh-CN" sz="1600" dirty="0" err="1" smtClean="0">
-                <a:latin typeface="Consolas" pitchFamily="49" charset="0"/>
-                <a:cs typeface="Consolas" pitchFamily="49" charset="0"/>
-              </a:rPr>
-              <a:t>div.childNodes</a:t>
-            </a:r>
-            <a:r>
-              <a:rPr lang="en-US" altLang="zh-CN" sz="1600" dirty="0" smtClean="0">
-                <a:latin typeface="Consolas" pitchFamily="49" charset="0"/>
-                <a:cs typeface="Consolas" pitchFamily="49" charset="0"/>
-              </a:rPr>
-              <a:t>; </a:t>
-            </a:r>
-          </a:p>
-          <a:p>
-            <a:r>
-              <a:rPr lang="en-US" altLang="zh-CN" sz="1600" dirty="0" smtClean="0">
-                <a:latin typeface="Consolas" pitchFamily="49" charset="0"/>
-                <a:cs typeface="Consolas" pitchFamily="49" charset="0"/>
-              </a:rPr>
-              <a:t>for (</a:t>
-            </a:r>
-            <a:r>
-              <a:rPr lang="en-US" altLang="zh-CN" sz="1600" dirty="0" err="1" smtClean="0">
-                <a:latin typeface="Consolas" pitchFamily="49" charset="0"/>
-                <a:cs typeface="Consolas" pitchFamily="49" charset="0"/>
-              </a:rPr>
-              <a:t>var</a:t>
-            </a:r>
-            <a:r>
-              <a:rPr lang="en-US" altLang="zh-CN" sz="1600" dirty="0" smtClean="0">
-                <a:latin typeface="Consolas" pitchFamily="49" charset="0"/>
-                <a:cs typeface="Consolas" pitchFamily="49" charset="0"/>
-              </a:rPr>
-              <a:t> </a:t>
-            </a:r>
-            <a:r>
-              <a:rPr lang="en-US" altLang="zh-CN" sz="1600" dirty="0" err="1" smtClean="0">
-                <a:latin typeface="Consolas" pitchFamily="49" charset="0"/>
-                <a:cs typeface="Consolas" pitchFamily="49" charset="0"/>
-              </a:rPr>
-              <a:t>i</a:t>
-            </a:r>
-            <a:r>
-              <a:rPr lang="en-US" altLang="zh-CN" sz="1600" dirty="0" smtClean="0">
-                <a:latin typeface="Consolas" pitchFamily="49" charset="0"/>
-                <a:cs typeface="Consolas" pitchFamily="49" charset="0"/>
-              </a:rPr>
-              <a:t>=0, length=</a:t>
-            </a:r>
-            <a:r>
-              <a:rPr lang="en-US" altLang="zh-CN" sz="1600" dirty="0" err="1" smtClean="0">
-                <a:latin typeface="Consolas" pitchFamily="49" charset="0"/>
-                <a:cs typeface="Consolas" pitchFamily="49" charset="0"/>
-              </a:rPr>
-              <a:t>nodes.length</a:t>
-            </a:r>
-            <a:r>
-              <a:rPr lang="en-US" altLang="zh-CN" sz="1600" dirty="0" smtClean="0">
-                <a:latin typeface="Consolas" pitchFamily="49" charset="0"/>
-                <a:cs typeface="Consolas" pitchFamily="49" charset="0"/>
-              </a:rPr>
-              <a:t>; </a:t>
-            </a:r>
-            <a:r>
-              <a:rPr lang="en-US" altLang="zh-CN" sz="1600" dirty="0" err="1" smtClean="0">
-                <a:latin typeface="Consolas" pitchFamily="49" charset="0"/>
-                <a:cs typeface="Consolas" pitchFamily="49" charset="0"/>
-              </a:rPr>
-              <a:t>i</a:t>
-            </a:r>
-            <a:r>
-              <a:rPr lang="en-US" altLang="zh-CN" sz="1600" dirty="0" smtClean="0">
-                <a:latin typeface="Consolas" pitchFamily="49" charset="0"/>
-                <a:cs typeface="Consolas" pitchFamily="49" charset="0"/>
-              </a:rPr>
-              <a:t>&lt;length; </a:t>
-            </a:r>
-            <a:r>
-              <a:rPr lang="en-US" altLang="zh-CN" sz="1600" dirty="0" err="1" smtClean="0">
-                <a:latin typeface="Consolas" pitchFamily="49" charset="0"/>
-                <a:cs typeface="Consolas" pitchFamily="49" charset="0"/>
-              </a:rPr>
-              <a:t>i</a:t>
-            </a:r>
-            <a:r>
-              <a:rPr lang="en-US" altLang="zh-CN" sz="1600" dirty="0" smtClean="0">
-                <a:latin typeface="Consolas" pitchFamily="49" charset="0"/>
-                <a:cs typeface="Consolas" pitchFamily="49" charset="0"/>
-              </a:rPr>
-              <a:t>+=1) { </a:t>
-            </a:r>
-          </a:p>
-          <a:p>
-            <a:r>
-              <a:rPr lang="en-US" altLang="zh-CN" sz="1600" dirty="0" smtClean="0">
-                <a:latin typeface="Consolas" pitchFamily="49" charset="0"/>
-                <a:cs typeface="Consolas" pitchFamily="49" charset="0"/>
-              </a:rPr>
-              <a:t>    </a:t>
-            </a:r>
-            <a:r>
-              <a:rPr lang="en-US" altLang="zh-CN" sz="1600" dirty="0" smtClean="0">
-                <a:latin typeface="Adobe 黑体 Std R" pitchFamily="34" charset="-122"/>
-                <a:ea typeface="Adobe 黑体 Std R" pitchFamily="34" charset="-122"/>
-                <a:cs typeface="Consolas" pitchFamily="49" charset="0"/>
-              </a:rPr>
-              <a:t>// </a:t>
-            </a:r>
-            <a:r>
-              <a:rPr lang="zh-CN" altLang="en-US" sz="1600" dirty="0">
-                <a:latin typeface="Adobe 黑体 Std R" pitchFamily="34" charset="-122"/>
-                <a:ea typeface="Adobe 黑体 Std R" pitchFamily="34" charset="-122"/>
-                <a:cs typeface="Consolas" pitchFamily="49" charset="0"/>
-              </a:rPr>
-              <a:t>容器</a:t>
-            </a:r>
-            <a:r>
-              <a:rPr lang="en-US" altLang="zh-CN" sz="1600" dirty="0">
-                <a:latin typeface="Adobe 黑体 Std R" pitchFamily="34" charset="-122"/>
-                <a:ea typeface="Adobe 黑体 Std R" pitchFamily="34" charset="-122"/>
-                <a:cs typeface="Consolas" pitchFamily="49" charset="0"/>
-              </a:rPr>
-              <a:t>container</a:t>
-            </a:r>
-            <a:r>
-              <a:rPr lang="zh-CN" altLang="en-US" sz="1600" dirty="0">
-                <a:latin typeface="Adobe 黑体 Std R" pitchFamily="34" charset="-122"/>
-                <a:ea typeface="Adobe 黑体 Std R" pitchFamily="34" charset="-122"/>
-                <a:cs typeface="Consolas" pitchFamily="49" charset="0"/>
-              </a:rPr>
-              <a:t>加载克隆的节点 </a:t>
-            </a:r>
-            <a:r>
-              <a:rPr lang="en-US" altLang="zh-CN" sz="1600" dirty="0">
-                <a:latin typeface="Adobe 黑体 Std R" pitchFamily="34" charset="-122"/>
-                <a:ea typeface="Adobe 黑体 Std R" pitchFamily="34" charset="-122"/>
-                <a:cs typeface="Consolas" pitchFamily="49" charset="0"/>
-              </a:rPr>
-              <a:t>- </a:t>
-            </a:r>
-            <a:r>
-              <a:rPr lang="zh-CN" altLang="en-US" sz="1600" dirty="0">
-                <a:latin typeface="Adobe 黑体 Std R" pitchFamily="34" charset="-122"/>
-                <a:ea typeface="Adobe 黑体 Std R" pitchFamily="34" charset="-122"/>
-                <a:cs typeface="Consolas" pitchFamily="49" charset="0"/>
-              </a:rPr>
-              <a:t>克隆的作用是保证</a:t>
-            </a:r>
-            <a:r>
-              <a:rPr lang="en-US" altLang="zh-CN" sz="1600" dirty="0">
-                <a:latin typeface="Adobe 黑体 Std R" pitchFamily="34" charset="-122"/>
-                <a:ea typeface="Adobe 黑体 Std R" pitchFamily="34" charset="-122"/>
-                <a:cs typeface="Consolas" pitchFamily="49" charset="0"/>
-              </a:rPr>
-              <a:t>nodes</a:t>
-            </a:r>
-            <a:r>
-              <a:rPr lang="zh-CN" altLang="en-US" sz="1600" dirty="0">
-                <a:latin typeface="Adobe 黑体 Std R" pitchFamily="34" charset="-122"/>
-                <a:ea typeface="Adobe 黑体 Std R" pitchFamily="34" charset="-122"/>
-                <a:cs typeface="Consolas" pitchFamily="49" charset="0"/>
-              </a:rPr>
-              <a:t>的完整</a:t>
-            </a:r>
-            <a:r>
-              <a:rPr lang="zh-CN" altLang="en-US" sz="1600" dirty="0" smtClean="0">
-                <a:latin typeface="Adobe 黑体 Std R" pitchFamily="34" charset="-122"/>
-                <a:ea typeface="Adobe 黑体 Std R" pitchFamily="34" charset="-122"/>
-                <a:cs typeface="Consolas" pitchFamily="49" charset="0"/>
-              </a:rPr>
-              <a:t>   </a:t>
-            </a:r>
-            <a:endParaRPr lang="en-US" altLang="zh-CN" sz="1600" dirty="0">
-              <a:latin typeface="Adobe 黑体 Std R" pitchFamily="34" charset="-122"/>
-              <a:ea typeface="Adobe 黑体 Std R" pitchFamily="34" charset="-122"/>
-              <a:cs typeface="Consolas" pitchFamily="49" charset="0"/>
-            </a:endParaRPr>
-          </a:p>
-          <a:p>
-            <a:r>
-              <a:rPr lang="en-US" altLang="zh-CN" sz="1600" dirty="0" smtClean="0">
-                <a:latin typeface="Consolas" pitchFamily="49" charset="0"/>
-                <a:cs typeface="Consolas" pitchFamily="49" charset="0"/>
-              </a:rPr>
-              <a:t>    </a:t>
-            </a:r>
-            <a:r>
-              <a:rPr lang="en-US" altLang="zh-CN" sz="1600" dirty="0" err="1" smtClean="0">
-                <a:latin typeface="Consolas" pitchFamily="49" charset="0"/>
-                <a:cs typeface="Consolas" pitchFamily="49" charset="0"/>
-              </a:rPr>
-              <a:t>container.appendChild</a:t>
-            </a:r>
-            <a:r>
-              <a:rPr lang="en-US" altLang="zh-CN" sz="1600" dirty="0" smtClean="0">
-                <a:latin typeface="Consolas" pitchFamily="49" charset="0"/>
-                <a:cs typeface="Consolas" pitchFamily="49" charset="0"/>
-              </a:rPr>
-              <a:t>(nodes[</a:t>
-            </a:r>
-            <a:r>
-              <a:rPr lang="en-US" altLang="zh-CN" sz="1600" dirty="0" err="1" smtClean="0">
-                <a:latin typeface="Consolas" pitchFamily="49" charset="0"/>
-                <a:cs typeface="Consolas" pitchFamily="49" charset="0"/>
-              </a:rPr>
-              <a:t>i</a:t>
-            </a:r>
-            <a:r>
-              <a:rPr lang="en-US" altLang="zh-CN" sz="1600" dirty="0" smtClean="0">
-                <a:latin typeface="Consolas" pitchFamily="49" charset="0"/>
-                <a:cs typeface="Consolas" pitchFamily="49" charset="0"/>
-              </a:rPr>
-              <a:t>].</a:t>
-            </a:r>
-            <a:r>
-              <a:rPr lang="en-US" altLang="zh-CN" sz="1600" dirty="0" err="1" smtClean="0">
-                <a:latin typeface="Consolas" pitchFamily="49" charset="0"/>
-                <a:cs typeface="Consolas" pitchFamily="49" charset="0"/>
-              </a:rPr>
-              <a:t>cloneNode</a:t>
-            </a:r>
-            <a:r>
-              <a:rPr lang="en-US" altLang="zh-CN" sz="1600" dirty="0" smtClean="0">
-                <a:latin typeface="Consolas" pitchFamily="49" charset="0"/>
-                <a:cs typeface="Consolas" pitchFamily="49" charset="0"/>
-              </a:rPr>
-              <a:t>(true)); </a:t>
-            </a:r>
-          </a:p>
-          <a:p>
-            <a:r>
-              <a:rPr lang="en-US" altLang="zh-CN" sz="1600" dirty="0" smtClean="0">
-                <a:latin typeface="Consolas" pitchFamily="49" charset="0"/>
-                <a:cs typeface="Consolas" pitchFamily="49" charset="0"/>
-              </a:rPr>
-              <a:t>}</a:t>
-            </a:r>
-            <a:endParaRPr lang="zh-CN" altLang="en-US" sz="1600" dirty="0">
-              <a:latin typeface="Consolas" pitchFamily="49" charset="0"/>
-              <a:cs typeface="Consolas" pitchFamily="49" charset="0"/>
-            </a:endParaRPr>
+            <a:r>
+              <a:rPr lang="en-US" altLang="zh-CN" dirty="0" smtClean="0"/>
+              <a:t>Element</a:t>
+            </a:r>
+            <a:endParaRPr lang="zh-CN" altLang="en-US" dirty="0"/>
           </a:p>
         </p:txBody>
       </p:sp>
     </p:spTree>
     <p:extLst>
       <p:ext uri="{BB962C8B-B14F-4D97-AF65-F5344CB8AC3E}">
-        <p14:creationId xmlns:p14="http://schemas.microsoft.com/office/powerpoint/2010/main" val="1433173383"/>
+        <p14:creationId xmlns:p14="http://schemas.microsoft.com/office/powerpoint/2010/main" val="1842063416"/>
       </p:ext>
     </p:extLst>
   </p:cSld>

--- a/manipulation.pptx
+++ b/manipulation.pptx
@@ -5,7 +5,7 @@
     <p:sldMasterId id="2147483876" r:id="rId1"/>
   </p:sldMasterIdLst>
   <p:notesMasterIdLst>
-    <p:notesMasterId r:id="rId16"/>
+    <p:notesMasterId r:id="rId19"/>
   </p:notesMasterIdLst>
   <p:sldIdLst>
     <p:sldId id="256" r:id="rId2"/>
@@ -17,11 +17,14 @@
     <p:sldId id="261" r:id="rId8"/>
     <p:sldId id="262" r:id="rId9"/>
     <p:sldId id="267" r:id="rId10"/>
-    <p:sldId id="264" r:id="rId11"/>
-    <p:sldId id="266" r:id="rId12"/>
-    <p:sldId id="268" r:id="rId13"/>
-    <p:sldId id="269" r:id="rId14"/>
-    <p:sldId id="258" r:id="rId15"/>
+    <p:sldId id="270" r:id="rId11"/>
+    <p:sldId id="264" r:id="rId12"/>
+    <p:sldId id="266" r:id="rId13"/>
+    <p:sldId id="268" r:id="rId14"/>
+    <p:sldId id="269" r:id="rId15"/>
+    <p:sldId id="258" r:id="rId16"/>
+    <p:sldId id="271" r:id="rId17"/>
+    <p:sldId id="272" r:id="rId18"/>
   </p:sldIdLst>
   <p:sldSz cx="9144000" cy="6858000" type="screen4x3"/>
   <p:notesSz cx="6858000" cy="9144000"/>
@@ -4351,24 +4354,24 @@
     </dgm:pt>
   </dgm:ptLst>
   <dgm:cxnLst>
+    <dgm:cxn modelId="{0DA9B849-5A12-41AB-9B91-D0A3E102D5C8}" type="presOf" srcId="{A570B297-9267-4C0D-8C3A-D2A487833FC6}" destId="{BABD95CC-38EE-4FB4-AA2D-FB2FF04048CA}" srcOrd="0" destOrd="0" presId="urn:microsoft.com/office/officeart/2005/8/layout/hierarchy6"/>
+    <dgm:cxn modelId="{8B7EBB05-08AB-4100-AFB0-57089314C208}" srcId="{308EED72-B955-4909-9596-962A7B9E4BF0}" destId="{354ACCF7-210E-426B-B076-9F9FE5E8BFC2}" srcOrd="1" destOrd="0" parTransId="{E467250F-F059-407C-BAF8-17DBA3D55F2D}" sibTransId="{25872F95-77A8-4E24-B804-00142A0ECFEC}"/>
+    <dgm:cxn modelId="{46C306AC-76E2-424C-BA17-7D8056C26534}" type="presOf" srcId="{5927FEF3-1F2F-4B70-B910-913B48F2DE1F}" destId="{901F9022-E967-4255-9BBD-A4D9FD098E23}" srcOrd="0" destOrd="0" presId="urn:microsoft.com/office/officeart/2005/8/layout/hierarchy6"/>
+    <dgm:cxn modelId="{BE3E4E9B-C478-4E3C-A193-A0C53474618C}" type="presOf" srcId="{308EED72-B955-4909-9596-962A7B9E4BF0}" destId="{04D248C9-0B06-4B9B-A1E1-6EE653403F61}" srcOrd="0" destOrd="0" presId="urn:microsoft.com/office/officeart/2005/8/layout/hierarchy6"/>
+    <dgm:cxn modelId="{9B2A9731-2485-48C8-8B42-97DF45B818D3}" type="presOf" srcId="{431FD47C-21DF-4147-B72D-8202BFC981E3}" destId="{65456A9F-7391-450D-B61E-5311232CFD7B}" srcOrd="0" destOrd="0" presId="urn:microsoft.com/office/officeart/2005/8/layout/hierarchy6"/>
+    <dgm:cxn modelId="{C6B597A3-6500-4845-B80B-80905B1DD80D}" srcId="{431FD47C-21DF-4147-B72D-8202BFC981E3}" destId="{5452653C-363F-45FC-AFF7-959B58673B08}" srcOrd="1" destOrd="0" parTransId="{BFBE3122-0BDD-46A3-8931-81D356E8B201}" sibTransId="{E9BA1F5D-8E7E-4CB7-B6E6-EC98941C7002}"/>
+    <dgm:cxn modelId="{C5B7E2D7-4C4D-4332-9AF0-380AE87054A7}" srcId="{431FD47C-21DF-4147-B72D-8202BFC981E3}" destId="{308EED72-B955-4909-9596-962A7B9E4BF0}" srcOrd="0" destOrd="0" parTransId="{FCAFE860-7D0D-4B11-AE61-97609090E92E}" sibTransId="{11AD264B-7D7C-4B34-B6A0-73B2EB012A49}"/>
+    <dgm:cxn modelId="{D3280BC1-56D2-4A2F-A551-E9987550A119}" type="presOf" srcId="{54C69B59-D2E4-48E7-AE76-271AA9856726}" destId="{04E8B994-334C-4654-B5A5-924B5F8579EA}" srcOrd="0" destOrd="0" presId="urn:microsoft.com/office/officeart/2005/8/layout/hierarchy6"/>
+    <dgm:cxn modelId="{12DE6061-A9D2-49A5-9F95-5C935ABA2A82}" type="presOf" srcId="{98351B23-3F89-4F34-9A3B-208E3B1AD018}" destId="{1A05406C-8B0B-4968-990B-0DB4B544163E}" srcOrd="0" destOrd="0" presId="urn:microsoft.com/office/officeart/2005/8/layout/hierarchy6"/>
+    <dgm:cxn modelId="{F8BF9C11-0CF2-48E0-BCBA-F53443122BB6}" srcId="{431FD47C-21DF-4147-B72D-8202BFC981E3}" destId="{98351B23-3F89-4F34-9A3B-208E3B1AD018}" srcOrd="2" destOrd="0" parTransId="{16306997-46A9-4F51-9E51-38774671F07E}" sibTransId="{AA125E8B-B902-4C48-B9FC-847F6BDD3DC6}"/>
+    <dgm:cxn modelId="{A384BBB8-9D02-4E07-99A3-14D92000ABD4}" type="presOf" srcId="{354ACCF7-210E-426B-B076-9F9FE5E8BFC2}" destId="{A444287F-FB55-461E-8FFD-3E7B296DA7E0}" srcOrd="0" destOrd="0" presId="urn:microsoft.com/office/officeart/2005/8/layout/hierarchy6"/>
+    <dgm:cxn modelId="{E5DED8DE-CC04-440F-81FC-51AFC3B15C98}" type="presOf" srcId="{5452653C-363F-45FC-AFF7-959B58673B08}" destId="{A6E666FF-E70B-4540-855A-AFBB537B9327}" srcOrd="0" destOrd="0" presId="urn:microsoft.com/office/officeart/2005/8/layout/hierarchy6"/>
     <dgm:cxn modelId="{D26AFD39-CECA-4C6E-964D-E1B52394D8BE}" srcId="{308EED72-B955-4909-9596-962A7B9E4BF0}" destId="{54C69B59-D2E4-48E7-AE76-271AA9856726}" srcOrd="0" destOrd="0" parTransId="{4A792B34-B29F-4432-A207-0612E50F6A45}" sibTransId="{ED2D5B36-4487-481A-A54B-FD574AFB3A72}"/>
-    <dgm:cxn modelId="{C6B597A3-6500-4845-B80B-80905B1DD80D}" srcId="{431FD47C-21DF-4147-B72D-8202BFC981E3}" destId="{5452653C-363F-45FC-AFF7-959B58673B08}" srcOrd="1" destOrd="0" parTransId="{BFBE3122-0BDD-46A3-8931-81D356E8B201}" sibTransId="{E9BA1F5D-8E7E-4CB7-B6E6-EC98941C7002}"/>
     <dgm:cxn modelId="{21DCBC05-87D5-49A5-9DDC-45BDA0BA8BC0}" srcId="{308EED72-B955-4909-9596-962A7B9E4BF0}" destId="{5927FEF3-1F2F-4B70-B910-913B48F2DE1F}" srcOrd="2" destOrd="0" parTransId="{A570B297-9267-4C0D-8C3A-D2A487833FC6}" sibTransId="{A181990E-B622-4D39-908F-F91EC2A20A35}"/>
-    <dgm:cxn modelId="{8B7EBB05-08AB-4100-AFB0-57089314C208}" srcId="{308EED72-B955-4909-9596-962A7B9E4BF0}" destId="{354ACCF7-210E-426B-B076-9F9FE5E8BFC2}" srcOrd="1" destOrd="0" parTransId="{E467250F-F059-407C-BAF8-17DBA3D55F2D}" sibTransId="{25872F95-77A8-4E24-B804-00142A0ECFEC}"/>
+    <dgm:cxn modelId="{7E13AB0E-9720-49A7-ACF1-F0F0D4A3BB7E}" type="presOf" srcId="{4A792B34-B29F-4432-A207-0612E50F6A45}" destId="{D363D8BE-A8D0-43D2-88C9-6119156624E5}" srcOrd="0" destOrd="0" presId="urn:microsoft.com/office/officeart/2005/8/layout/hierarchy6"/>
+    <dgm:cxn modelId="{E47F9A45-53A8-4BDF-A188-76F21D7ADFC1}" type="presOf" srcId="{E467250F-F059-407C-BAF8-17DBA3D55F2D}" destId="{ACEF6C2C-FC93-48BA-A5EE-5CE669C46889}" srcOrd="0" destOrd="0" presId="urn:microsoft.com/office/officeart/2005/8/layout/hierarchy6"/>
+    <dgm:cxn modelId="{1F6DCD9B-802C-4715-85D3-2E8E7000E77B}" type="presOf" srcId="{5452653C-363F-45FC-AFF7-959B58673B08}" destId="{D15C4938-1ED4-4239-B5D7-F45053C3E9A3}" srcOrd="1" destOrd="0" presId="urn:microsoft.com/office/officeart/2005/8/layout/hierarchy6"/>
     <dgm:cxn modelId="{78B9CF00-2373-45BD-9F5E-A03736A0BA4D}" type="presOf" srcId="{98351B23-3F89-4F34-9A3B-208E3B1AD018}" destId="{846B3BA7-0096-42B1-AEF5-818B99AAF7F9}" srcOrd="1" destOrd="0" presId="urn:microsoft.com/office/officeart/2005/8/layout/hierarchy6"/>
-    <dgm:cxn modelId="{0DA9B849-5A12-41AB-9B91-D0A3E102D5C8}" type="presOf" srcId="{A570B297-9267-4C0D-8C3A-D2A487833FC6}" destId="{BABD95CC-38EE-4FB4-AA2D-FB2FF04048CA}" srcOrd="0" destOrd="0" presId="urn:microsoft.com/office/officeart/2005/8/layout/hierarchy6"/>
-    <dgm:cxn modelId="{BE3E4E9B-C478-4E3C-A193-A0C53474618C}" type="presOf" srcId="{308EED72-B955-4909-9596-962A7B9E4BF0}" destId="{04D248C9-0B06-4B9B-A1E1-6EE653403F61}" srcOrd="0" destOrd="0" presId="urn:microsoft.com/office/officeart/2005/8/layout/hierarchy6"/>
-    <dgm:cxn modelId="{1F6DCD9B-802C-4715-85D3-2E8E7000E77B}" type="presOf" srcId="{5452653C-363F-45FC-AFF7-959B58673B08}" destId="{D15C4938-1ED4-4239-B5D7-F45053C3E9A3}" srcOrd="1" destOrd="0" presId="urn:microsoft.com/office/officeart/2005/8/layout/hierarchy6"/>
-    <dgm:cxn modelId="{F8BF9C11-0CF2-48E0-BCBA-F53443122BB6}" srcId="{431FD47C-21DF-4147-B72D-8202BFC981E3}" destId="{98351B23-3F89-4F34-9A3B-208E3B1AD018}" srcOrd="2" destOrd="0" parTransId="{16306997-46A9-4F51-9E51-38774671F07E}" sibTransId="{AA125E8B-B902-4C48-B9FC-847F6BDD3DC6}"/>
-    <dgm:cxn modelId="{E5DED8DE-CC04-440F-81FC-51AFC3B15C98}" type="presOf" srcId="{5452653C-363F-45FC-AFF7-959B58673B08}" destId="{A6E666FF-E70B-4540-855A-AFBB537B9327}" srcOrd="0" destOrd="0" presId="urn:microsoft.com/office/officeart/2005/8/layout/hierarchy6"/>
-    <dgm:cxn modelId="{D3280BC1-56D2-4A2F-A551-E9987550A119}" type="presOf" srcId="{54C69B59-D2E4-48E7-AE76-271AA9856726}" destId="{04E8B994-334C-4654-B5A5-924B5F8579EA}" srcOrd="0" destOrd="0" presId="urn:microsoft.com/office/officeart/2005/8/layout/hierarchy6"/>
-    <dgm:cxn modelId="{46C306AC-76E2-424C-BA17-7D8056C26534}" type="presOf" srcId="{5927FEF3-1F2F-4B70-B910-913B48F2DE1F}" destId="{901F9022-E967-4255-9BBD-A4D9FD098E23}" srcOrd="0" destOrd="0" presId="urn:microsoft.com/office/officeart/2005/8/layout/hierarchy6"/>
-    <dgm:cxn modelId="{7E13AB0E-9720-49A7-ACF1-F0F0D4A3BB7E}" type="presOf" srcId="{4A792B34-B29F-4432-A207-0612E50F6A45}" destId="{D363D8BE-A8D0-43D2-88C9-6119156624E5}" srcOrd="0" destOrd="0" presId="urn:microsoft.com/office/officeart/2005/8/layout/hierarchy6"/>
-    <dgm:cxn modelId="{9B2A9731-2485-48C8-8B42-97DF45B818D3}" type="presOf" srcId="{431FD47C-21DF-4147-B72D-8202BFC981E3}" destId="{65456A9F-7391-450D-B61E-5311232CFD7B}" srcOrd="0" destOrd="0" presId="urn:microsoft.com/office/officeart/2005/8/layout/hierarchy6"/>
-    <dgm:cxn modelId="{C5B7E2D7-4C4D-4332-9AF0-380AE87054A7}" srcId="{431FD47C-21DF-4147-B72D-8202BFC981E3}" destId="{308EED72-B955-4909-9596-962A7B9E4BF0}" srcOrd="0" destOrd="0" parTransId="{FCAFE860-7D0D-4B11-AE61-97609090E92E}" sibTransId="{11AD264B-7D7C-4B34-B6A0-73B2EB012A49}"/>
-    <dgm:cxn modelId="{A384BBB8-9D02-4E07-99A3-14D92000ABD4}" type="presOf" srcId="{354ACCF7-210E-426B-B076-9F9FE5E8BFC2}" destId="{A444287F-FB55-461E-8FFD-3E7B296DA7E0}" srcOrd="0" destOrd="0" presId="urn:microsoft.com/office/officeart/2005/8/layout/hierarchy6"/>
-    <dgm:cxn modelId="{12DE6061-A9D2-49A5-9F95-5C935ABA2A82}" type="presOf" srcId="{98351B23-3F89-4F34-9A3B-208E3B1AD018}" destId="{1A05406C-8B0B-4968-990B-0DB4B544163E}" srcOrd="0" destOrd="0" presId="urn:microsoft.com/office/officeart/2005/8/layout/hierarchy6"/>
-    <dgm:cxn modelId="{E47F9A45-53A8-4BDF-A188-76F21D7ADFC1}" type="presOf" srcId="{E467250F-F059-407C-BAF8-17DBA3D55F2D}" destId="{ACEF6C2C-FC93-48BA-A5EE-5CE669C46889}" srcOrd="0" destOrd="0" presId="urn:microsoft.com/office/officeart/2005/8/layout/hierarchy6"/>
     <dgm:cxn modelId="{8F691FCA-E5CA-48B5-A233-077CC61993DB}" type="presParOf" srcId="{65456A9F-7391-450D-B61E-5311232CFD7B}" destId="{9C4444C7-5B4F-41FF-AD0C-27FD68682037}" srcOrd="0" destOrd="0" presId="urn:microsoft.com/office/officeart/2005/8/layout/hierarchy6"/>
     <dgm:cxn modelId="{5D28DBEE-56E6-4D57-A8F2-189951A76B27}" type="presParOf" srcId="{9C4444C7-5B4F-41FF-AD0C-27FD68682037}" destId="{17A9FB45-9CE1-46A0-806F-E44216830BB8}" srcOrd="0" destOrd="0" presId="urn:microsoft.com/office/officeart/2005/8/layout/hierarchy6"/>
     <dgm:cxn modelId="{07F69FDE-60E4-456E-8611-961D8439BD01}" type="presParOf" srcId="{9C4444C7-5B4F-41FF-AD0C-27FD68682037}" destId="{ADE0DA0C-44B5-40E7-A862-3E09E03BB0EB}" srcOrd="1" destOrd="0" presId="urn:microsoft.com/office/officeart/2005/8/layout/hierarchy6"/>
@@ -4554,10 +4557,24 @@
     <dgm:pt modelId="{A8C3466D-9FDB-492A-82D5-D2EB066D1CA3}" type="pres">
       <dgm:prSet presAssocID="{6D5E8AF2-DC18-43E9-BC39-8804D50976E3}" presName="sibTrans" presStyleLbl="sibTrans2D1" presStyleIdx="0" presStyleCnt="1"/>
       <dgm:spPr/>
+      <dgm:t>
+        <a:bodyPr/>
+        <a:lstStyle/>
+        <a:p>
+          <a:endParaRPr lang="zh-CN" altLang="en-US"/>
+        </a:p>
+      </dgm:t>
     </dgm:pt>
     <dgm:pt modelId="{4EE3C5CB-14AD-4578-8581-606819B562D0}" type="pres">
       <dgm:prSet presAssocID="{6D5E8AF2-DC18-43E9-BC39-8804D50976E3}" presName="connectorText" presStyleLbl="sibTrans2D1" presStyleIdx="0" presStyleCnt="1"/>
       <dgm:spPr/>
+      <dgm:t>
+        <a:bodyPr/>
+        <a:lstStyle/>
+        <a:p>
+          <a:endParaRPr lang="zh-CN" altLang="en-US"/>
+        </a:p>
+      </dgm:t>
     </dgm:pt>
     <dgm:pt modelId="{E50952FC-FE36-494B-AE43-799E1CB2A002}" type="pres">
       <dgm:prSet presAssocID="{781644AF-BE97-4438-A642-3C6E129C8C61}" presName="node" presStyleLbl="node1" presStyleIdx="1" presStyleCnt="2" custScaleX="133342">
@@ -4576,13 +4593,13 @@
     </dgm:pt>
   </dgm:ptLst>
   <dgm:cxnLst>
+    <dgm:cxn modelId="{0349E4A4-FE9A-47FA-8926-C548B431D083}" type="presOf" srcId="{781644AF-BE97-4438-A642-3C6E129C8C61}" destId="{E50952FC-FE36-494B-AE43-799E1CB2A002}" srcOrd="0" destOrd="0" presId="urn:microsoft.com/office/officeart/2005/8/layout/process1"/>
+    <dgm:cxn modelId="{5AF9CDE0-4205-4353-A3AA-38DC3A2A059B}" type="presOf" srcId="{FA81762F-EFEC-4201-93A9-7DB2C0A80C72}" destId="{CCC8D5FE-3789-418C-947C-91C6B8D6C121}" srcOrd="0" destOrd="0" presId="urn:microsoft.com/office/officeart/2005/8/layout/process1"/>
+    <dgm:cxn modelId="{875E18B8-EDFC-477E-B04D-C48EFD7AA30A}" type="presOf" srcId="{5CE571E2-139B-4BC5-80BB-E99E6D4173E4}" destId="{CBD4E730-CA7F-41A4-B25F-50E4FFCDD5E7}" srcOrd="0" destOrd="0" presId="urn:microsoft.com/office/officeart/2005/8/layout/process1"/>
+    <dgm:cxn modelId="{FA1DF1DE-9E3E-41A6-B4B4-90804361517D}" srcId="{5CE571E2-139B-4BC5-80BB-E99E6D4173E4}" destId="{781644AF-BE97-4438-A642-3C6E129C8C61}" srcOrd="1" destOrd="0" parTransId="{4A0423BA-9EF3-4D4B-928C-922DA5B81BBA}" sibTransId="{A6134F86-939A-4347-AE9D-494B9D0AD316}"/>
+    <dgm:cxn modelId="{928E5F7E-B9C0-4AD4-8564-CA1F54EEE3AF}" srcId="{5CE571E2-139B-4BC5-80BB-E99E6D4173E4}" destId="{FA81762F-EFEC-4201-93A9-7DB2C0A80C72}" srcOrd="0" destOrd="0" parTransId="{DF42B353-4ED8-4612-9C37-1BADCD1F3652}" sibTransId="{6D5E8AF2-DC18-43E9-BC39-8804D50976E3}"/>
     <dgm:cxn modelId="{02CB2CF1-5EA5-4497-A4CD-D88C1E9B6D57}" type="presOf" srcId="{6D5E8AF2-DC18-43E9-BC39-8804D50976E3}" destId="{4EE3C5CB-14AD-4578-8581-606819B562D0}" srcOrd="1" destOrd="0" presId="urn:microsoft.com/office/officeart/2005/8/layout/process1"/>
     <dgm:cxn modelId="{21A02F5F-CFB6-4245-AD54-650B5E41C133}" type="presOf" srcId="{6D5E8AF2-DC18-43E9-BC39-8804D50976E3}" destId="{A8C3466D-9FDB-492A-82D5-D2EB066D1CA3}" srcOrd="0" destOrd="0" presId="urn:microsoft.com/office/officeart/2005/8/layout/process1"/>
-    <dgm:cxn modelId="{928E5F7E-B9C0-4AD4-8564-CA1F54EEE3AF}" srcId="{5CE571E2-139B-4BC5-80BB-E99E6D4173E4}" destId="{FA81762F-EFEC-4201-93A9-7DB2C0A80C72}" srcOrd="0" destOrd="0" parTransId="{DF42B353-4ED8-4612-9C37-1BADCD1F3652}" sibTransId="{6D5E8AF2-DC18-43E9-BC39-8804D50976E3}"/>
-    <dgm:cxn modelId="{5AF9CDE0-4205-4353-A3AA-38DC3A2A059B}" type="presOf" srcId="{FA81762F-EFEC-4201-93A9-7DB2C0A80C72}" destId="{CCC8D5FE-3789-418C-947C-91C6B8D6C121}" srcOrd="0" destOrd="0" presId="urn:microsoft.com/office/officeart/2005/8/layout/process1"/>
-    <dgm:cxn modelId="{0349E4A4-FE9A-47FA-8926-C548B431D083}" type="presOf" srcId="{781644AF-BE97-4438-A642-3C6E129C8C61}" destId="{E50952FC-FE36-494B-AE43-799E1CB2A002}" srcOrd="0" destOrd="0" presId="urn:microsoft.com/office/officeart/2005/8/layout/process1"/>
-    <dgm:cxn modelId="{875E18B8-EDFC-477E-B04D-C48EFD7AA30A}" type="presOf" srcId="{5CE571E2-139B-4BC5-80BB-E99E6D4173E4}" destId="{CBD4E730-CA7F-41A4-B25F-50E4FFCDD5E7}" srcOrd="0" destOrd="0" presId="urn:microsoft.com/office/officeart/2005/8/layout/process1"/>
-    <dgm:cxn modelId="{FA1DF1DE-9E3E-41A6-B4B4-90804361517D}" srcId="{5CE571E2-139B-4BC5-80BB-E99E6D4173E4}" destId="{781644AF-BE97-4438-A642-3C6E129C8C61}" srcOrd="1" destOrd="0" parTransId="{4A0423BA-9EF3-4D4B-928C-922DA5B81BBA}" sibTransId="{A6134F86-939A-4347-AE9D-494B9D0AD316}"/>
     <dgm:cxn modelId="{3900BF88-ECA0-429E-BA42-502BF5FCF7A7}" type="presParOf" srcId="{CBD4E730-CA7F-41A4-B25F-50E4FFCDD5E7}" destId="{CCC8D5FE-3789-418C-947C-91C6B8D6C121}" srcOrd="0" destOrd="0" presId="urn:microsoft.com/office/officeart/2005/8/layout/process1"/>
     <dgm:cxn modelId="{5C0A50DD-465D-4C2B-BAAD-95C1BA1B9AB7}" type="presParOf" srcId="{CBD4E730-CA7F-41A4-B25F-50E4FFCDD5E7}" destId="{A8C3466D-9FDB-492A-82D5-D2EB066D1CA3}" srcOrd="1" destOrd="0" presId="urn:microsoft.com/office/officeart/2005/8/layout/process1"/>
     <dgm:cxn modelId="{9D74583D-E14B-46BE-9C92-3EBBF2FFCDE9}" type="presParOf" srcId="{A8C3466D-9FDB-492A-82D5-D2EB066D1CA3}" destId="{4EE3C5CB-14AD-4578-8581-606819B562D0}" srcOrd="0" destOrd="0" presId="urn:microsoft.com/office/officeart/2005/8/layout/process1"/>
@@ -4776,7 +4793,7 @@
       <dgm:spPr/>
     </dgm:pt>
     <dgm:pt modelId="{81D08FBC-EF12-411A-B68D-41FA279F254D}" type="pres">
-      <dgm:prSet presAssocID="{4C80E244-57EB-414C-AA67-D645465BCF19}" presName="ellipse1" presStyleLbl="vennNode1" presStyleIdx="0" presStyleCnt="4" custScaleX="143606" custScaleY="143606" custLinFactNeighborX="19383" custLinFactNeighborY="26225">
+      <dgm:prSet presAssocID="{4C80E244-57EB-414C-AA67-D645465BCF19}" presName="ellipse1" presStyleLbl="vennNode1" presStyleIdx="0" presStyleCnt="4" custScaleX="152334" custScaleY="152334" custLinFactNeighborX="19383" custLinFactNeighborY="26225">
         <dgm:presLayoutVars>
           <dgm:bulletEnabled val="1"/>
         </dgm:presLayoutVars>
@@ -4812,6 +4829,13 @@
         </dgm:presLayoutVars>
       </dgm:prSet>
       <dgm:spPr/>
+      <dgm:t>
+        <a:bodyPr/>
+        <a:lstStyle/>
+        <a:p>
+          <a:endParaRPr lang="zh-CN" altLang="en-US"/>
+        </a:p>
+      </dgm:t>
     </dgm:pt>
     <dgm:pt modelId="{88FE8CBF-5FE3-4379-A4DA-9F872F996F13}" type="pres">
       <dgm:prSet presAssocID="{4C80E244-57EB-414C-AA67-D645465BCF19}" presName="ellipse4" presStyleLbl="vennNode1" presStyleIdx="3" presStyleCnt="4" custScaleX="95690" custScaleY="95690" custLinFactX="-34830" custLinFactNeighborX="-100000" custLinFactNeighborY="-22264">
@@ -7313,8 +7337,8 @@
       </dsp:nvSpPr>
       <dsp:spPr>
         <a:xfrm>
-          <a:off x="319366" y="744360"/>
-          <a:ext cx="4797874" cy="4798461"/>
+          <a:off x="246465" y="671451"/>
+          <a:ext cx="5089476" cy="5090099"/>
         </a:xfrm>
         <a:prstGeom prst="ellipse">
           <a:avLst/>
@@ -7373,8 +7397,8 @@
         </a:p>
       </dsp:txBody>
       <dsp:txXfrm>
-        <a:off x="1021998" y="1447078"/>
-        <a:ext cx="3392610" cy="3393025"/>
+        <a:off x="991802" y="1416879"/>
+        <a:ext cx="3598802" cy="3599243"/>
       </dsp:txXfrm>
     </dsp:sp>
     <dsp:sp modelId="{330065FC-D52F-44F0-A3CA-661156F3B934}">
@@ -7384,7 +7408,7 @@
       </dsp:nvSpPr>
       <dsp:spPr>
         <a:xfrm>
-          <a:off x="5256598" y="1596284"/>
+          <a:off x="5329498" y="1669193"/>
           <a:ext cx="3147721" cy="3225493"/>
         </a:xfrm>
         <a:prstGeom prst="ellipse">
@@ -7443,7 +7467,7 @@
         </a:p>
       </dsp:txBody>
       <dsp:txXfrm>
-        <a:off x="5717571" y="2068647"/>
+        <a:off x="5790471" y="2141556"/>
         <a:ext cx="2225775" cy="2280767"/>
       </dsp:txXfrm>
     </dsp:sp>
@@ -7454,7 +7478,7 @@
       </dsp:nvSpPr>
       <dsp:spPr>
         <a:xfrm>
-          <a:off x="5544632" y="2448277"/>
+          <a:off x="5617533" y="2521187"/>
           <a:ext cx="2036772" cy="2087176"/>
         </a:xfrm>
         <a:prstGeom prst="ellipse">
@@ -7518,7 +7542,7 @@
         </a:p>
       </dsp:txBody>
       <dsp:txXfrm>
-        <a:off x="5842910" y="2753937"/>
+        <a:off x="5915811" y="2826847"/>
         <a:ext cx="1440216" cy="1475856"/>
       </dsp:txXfrm>
     </dsp:sp>
@@ -7529,7 +7553,7 @@
       </dsp:nvSpPr>
       <dsp:spPr>
         <a:xfrm>
-          <a:off x="1123494" y="2153213"/>
+          <a:off x="1196394" y="2226122"/>
           <a:ext cx="3197001" cy="3197392"/>
         </a:xfrm>
         <a:prstGeom prst="ellipse">
@@ -7596,7 +7620,7 @@
         </a:p>
       </dsp:txBody>
       <dsp:txXfrm>
-        <a:off x="1591684" y="2621460"/>
+        <a:off x="1664584" y="2694369"/>
         <a:ext cx="2260621" cy="2260898"/>
       </dsp:txXfrm>
     </dsp:sp>
@@ -14168,7 +14192,7 @@
           <a:p>
             <a:fld id="{C2605BAB-26FE-4D91-BC75-A3931684AB90}" type="slidenum">
               <a:rPr lang="zh-CN" altLang="en-US" smtClean="0"/>
-              <a:t>10</a:t>
+              <a:t>11</a:t>
             </a:fld>
             <a:endParaRPr lang="zh-CN" altLang="en-US"/>
           </a:p>
@@ -14178,6 +14202,90 @@
     <p:extLst>
       <p:ext uri="{BB962C8B-B14F-4D97-AF65-F5344CB8AC3E}">
         <p14:creationId xmlns:p14="http://schemas.microsoft.com/office/powerpoint/2010/main" val="4144552210"/>
+      </p:ext>
+    </p:extLst>
+  </p:cSld>
+  <p:clrMapOvr>
+    <a:masterClrMapping/>
+  </p:clrMapOvr>
+</p:notes>
+</file>
+
+<file path=ppt/notesSlides/notesSlide4.xml><?xml version="1.0" encoding="utf-8"?>
+<p:notes xmlns:a="http://schemas.openxmlformats.org/drawingml/2006/main" xmlns:r="http://schemas.openxmlformats.org/officeDocument/2006/relationships" xmlns:p="http://schemas.openxmlformats.org/presentationml/2006/main">
+  <p:cSld>
+    <p:spTree>
+      <p:nvGrpSpPr>
+        <p:cNvPr id="1" name=""/>
+        <p:cNvGrpSpPr/>
+        <p:nvPr/>
+      </p:nvGrpSpPr>
+      <p:grpSpPr>
+        <a:xfrm>
+          <a:off x="0" y="0"/>
+          <a:ext cx="0" cy="0"/>
+          <a:chOff x="0" y="0"/>
+          <a:chExt cx="0" cy="0"/>
+        </a:xfrm>
+      </p:grpSpPr>
+      <p:sp>
+        <p:nvSpPr>
+          <p:cNvPr id="2" name="幻灯片图像占位符 1"/>
+          <p:cNvSpPr>
+            <a:spLocks noGrp="1" noRot="1" noChangeAspect="1"/>
+          </p:cNvSpPr>
+          <p:nvPr>
+            <p:ph type="sldImg"/>
+          </p:nvPr>
+        </p:nvSpPr>
+        <p:spPr/>
+      </p:sp>
+      <p:sp>
+        <p:nvSpPr>
+          <p:cNvPr id="3" name="备注占位符 2"/>
+          <p:cNvSpPr>
+            <a:spLocks noGrp="1"/>
+          </p:cNvSpPr>
+          <p:nvPr>
+            <p:ph type="body" idx="1"/>
+          </p:nvPr>
+        </p:nvSpPr>
+        <p:spPr/>
+        <p:txBody>
+          <a:bodyPr/>
+          <a:lstStyle/>
+          <a:p>
+            <a:endParaRPr lang="zh-CN" altLang="en-US" dirty="0"/>
+          </a:p>
+        </p:txBody>
+      </p:sp>
+      <p:sp>
+        <p:nvSpPr>
+          <p:cNvPr id="4" name="灯片编号占位符 3"/>
+          <p:cNvSpPr>
+            <a:spLocks noGrp="1"/>
+          </p:cNvSpPr>
+          <p:nvPr>
+            <p:ph type="sldNum" sz="quarter" idx="10"/>
+          </p:nvPr>
+        </p:nvSpPr>
+        <p:spPr/>
+        <p:txBody>
+          <a:bodyPr/>
+          <a:lstStyle/>
+          <a:p>
+            <a:fld id="{C2605BAB-26FE-4D91-BC75-A3931684AB90}" type="slidenum">
+              <a:rPr lang="zh-CN" altLang="en-US" smtClean="0"/>
+              <a:t>13</a:t>
+            </a:fld>
+            <a:endParaRPr lang="zh-CN" altLang="en-US"/>
+          </a:p>
+        </p:txBody>
+      </p:sp>
+    </p:spTree>
+    <p:extLst>
+      <p:ext uri="{BB962C8B-B14F-4D97-AF65-F5344CB8AC3E}">
+        <p14:creationId xmlns:p14="http://schemas.microsoft.com/office/powerpoint/2010/main" val="2199245974"/>
       </p:ext>
     </p:extLst>
   </p:cSld>
@@ -18290,6 +18398,134 @@
         </p:nvSpPr>
         <p:spPr>
           <a:xfrm>
+            <a:off x="395536" y="764704"/>
+            <a:ext cx="8229600" cy="1066800"/>
+          </a:xfrm>
+        </p:spPr>
+        <p:txBody>
+          <a:bodyPr/>
+          <a:lstStyle/>
+          <a:p>
+            <a:r>
+              <a:rPr lang="en-US" altLang="zh-CN" dirty="0">
+                <a:latin typeface="Adobe 黑体 Std R" pitchFamily="34" charset="-122"/>
+                <a:ea typeface="Adobe 黑体 Std R" pitchFamily="34" charset="-122"/>
+              </a:rPr>
+              <a:t>DOM </a:t>
+            </a:r>
+            <a:r>
+              <a:rPr lang="zh-CN" altLang="en-US" dirty="0">
+                <a:latin typeface="Adobe 黑体 Std R" pitchFamily="34" charset="-122"/>
+                <a:ea typeface="Adobe 黑体 Std R" pitchFamily="34" charset="-122"/>
+              </a:rPr>
+              <a:t>节点插入</a:t>
+            </a:r>
+            <a:endParaRPr lang="zh-CN" altLang="en-US" dirty="0"/>
+          </a:p>
+        </p:txBody>
+      </p:sp>
+      <p:sp>
+        <p:nvSpPr>
+          <p:cNvPr id="3" name="内容占位符 2"/>
+          <p:cNvSpPr>
+            <a:spLocks noGrp="1"/>
+          </p:cNvSpPr>
+          <p:nvPr>
+            <p:ph idx="1"/>
+          </p:nvPr>
+        </p:nvSpPr>
+        <p:spPr>
+          <a:xfrm>
+            <a:off x="457200" y="1844824"/>
+            <a:ext cx="8229600" cy="4729712"/>
+          </a:xfrm>
+        </p:spPr>
+        <p:txBody>
+          <a:bodyPr/>
+          <a:lstStyle/>
+          <a:p>
+            <a:r>
+              <a:rPr lang="zh-CN" altLang="en-US" dirty="0" smtClean="0"/>
+              <a:t>创建节点</a:t>
+            </a:r>
+            <a:endParaRPr lang="en-US" altLang="zh-CN" dirty="0" smtClean="0"/>
+          </a:p>
+          <a:p>
+            <a:r>
+              <a:rPr lang="zh-CN" altLang="en-US" dirty="0" smtClean="0"/>
+              <a:t>添加子节点 </a:t>
+            </a:r>
+            <a:endParaRPr lang="en-US" altLang="zh-CN" dirty="0" smtClean="0"/>
+          </a:p>
+          <a:p>
+            <a:r>
+              <a:rPr lang="zh-CN" altLang="en-US" dirty="0"/>
+              <a:t>删</a:t>
+            </a:r>
+            <a:r>
+              <a:rPr lang="zh-CN" altLang="en-US" dirty="0" smtClean="0"/>
+              <a:t>除子节点</a:t>
+            </a:r>
+            <a:endParaRPr lang="en-US" altLang="zh-CN" dirty="0" smtClean="0"/>
+          </a:p>
+          <a:p>
+            <a:r>
+              <a:rPr lang="zh-CN" altLang="en-US" dirty="0"/>
+              <a:t>添</a:t>
+            </a:r>
+            <a:r>
+              <a:rPr lang="zh-CN" altLang="en-US" dirty="0" smtClean="0"/>
+              <a:t>加兄弟节点</a:t>
+            </a:r>
+            <a:endParaRPr lang="en-US" altLang="zh-CN" dirty="0" smtClean="0"/>
+          </a:p>
+          <a:p>
+            <a:endParaRPr lang="zh-CN" altLang="en-US" dirty="0"/>
+          </a:p>
+        </p:txBody>
+      </p:sp>
+    </p:spTree>
+    <p:extLst>
+      <p:ext uri="{BB962C8B-B14F-4D97-AF65-F5344CB8AC3E}">
+        <p14:creationId xmlns:p14="http://schemas.microsoft.com/office/powerpoint/2010/main" val="1415025508"/>
+      </p:ext>
+    </p:extLst>
+  </p:cSld>
+  <p:clrMapOvr>
+    <a:masterClrMapping/>
+  </p:clrMapOvr>
+</p:sld>
+</file>
+
+<file path=ppt/slides/slide11.xml><?xml version="1.0" encoding="utf-8"?>
+<p:sld xmlns:a="http://schemas.openxmlformats.org/drawingml/2006/main" xmlns:r="http://schemas.openxmlformats.org/officeDocument/2006/relationships" xmlns:p="http://schemas.openxmlformats.org/presentationml/2006/main">
+  <p:cSld>
+    <p:spTree>
+      <p:nvGrpSpPr>
+        <p:cNvPr id="1" name=""/>
+        <p:cNvGrpSpPr/>
+        <p:nvPr/>
+      </p:nvGrpSpPr>
+      <p:grpSpPr>
+        <a:xfrm>
+          <a:off x="0" y="0"/>
+          <a:ext cx="0" cy="0"/>
+          <a:chOff x="0" y="0"/>
+          <a:chExt cx="0" cy="0"/>
+        </a:xfrm>
+      </p:grpSpPr>
+      <p:sp>
+        <p:nvSpPr>
+          <p:cNvPr id="2" name="标题 1"/>
+          <p:cNvSpPr>
+            <a:spLocks noGrp="1"/>
+          </p:cNvSpPr>
+          <p:nvPr>
+            <p:ph type="title"/>
+          </p:nvPr>
+        </p:nvSpPr>
+        <p:spPr>
+          <a:xfrm>
             <a:off x="467544" y="692696"/>
             <a:ext cx="8229600" cy="1066800"/>
           </a:xfrm>
@@ -18526,7 +18762,7 @@
 </p:sld>
 </file>
 
-<file path=ppt/slides/slide11.xml><?xml version="1.0" encoding="utf-8"?>
+<file path=ppt/slides/slide12.xml><?xml version="1.0" encoding="utf-8"?>
 <p:sld xmlns:a="http://schemas.openxmlformats.org/drawingml/2006/main" xmlns:r="http://schemas.openxmlformats.org/officeDocument/2006/relationships" xmlns:p="http://schemas.openxmlformats.org/presentationml/2006/main">
   <p:cSld>
     <p:spTree>
@@ -19136,7 +19372,7 @@
 </p:sld>
 </file>
 
-<file path=ppt/slides/slide12.xml><?xml version="1.0" encoding="utf-8"?>
+<file path=ppt/slides/slide13.xml><?xml version="1.0" encoding="utf-8"?>
 <p:sld xmlns:a="http://schemas.openxmlformats.org/drawingml/2006/main" xmlns:r="http://schemas.openxmlformats.org/officeDocument/2006/relationships" xmlns:p="http://schemas.openxmlformats.org/presentationml/2006/main">
   <p:cSld>
     <p:spTree>
@@ -19298,6 +19534,138 @@
           </a:p>
         </p:txBody>
       </p:sp>
+      <p:sp>
+        <p:nvSpPr>
+          <p:cNvPr id="4" name="矩形 3"/>
+          <p:cNvSpPr/>
+          <p:nvPr/>
+        </p:nvSpPr>
+        <p:spPr>
+          <a:xfrm>
+            <a:off x="467544" y="3933056"/>
+            <a:ext cx="8280920" cy="1512168"/>
+          </a:xfrm>
+          <a:prstGeom prst="rect">
+            <a:avLst/>
+          </a:prstGeom>
+          <a:solidFill>
+            <a:schemeClr val="accent2">
+              <a:lumMod val="75000"/>
+            </a:schemeClr>
+          </a:solidFill>
+        </p:spPr>
+        <p:style>
+          <a:lnRef idx="3">
+            <a:schemeClr val="lt1"/>
+          </a:lnRef>
+          <a:fillRef idx="1">
+            <a:schemeClr val="accent6"/>
+          </a:fillRef>
+          <a:effectRef idx="1">
+            <a:schemeClr val="accent6"/>
+          </a:effectRef>
+          <a:fontRef idx="minor">
+            <a:schemeClr val="lt1"/>
+          </a:fontRef>
+        </p:style>
+        <p:txBody>
+          <a:bodyPr rtlCol="0" anchor="ctr"/>
+          <a:lstStyle/>
+          <a:p>
+            <a:endParaRPr lang="en-US" altLang="zh-CN" sz="2100" dirty="0" smtClean="0">
+              <a:latin typeface="Consolas" pitchFamily="49" charset="0"/>
+              <a:cs typeface="Consolas" pitchFamily="49" charset="0"/>
+            </a:endParaRPr>
+          </a:p>
+          <a:p>
+            <a:r>
+              <a:rPr lang="en-US" altLang="zh-CN" sz="2100" dirty="0" err="1" smtClean="0">
+                <a:latin typeface="Consolas" pitchFamily="49" charset="0"/>
+                <a:cs typeface="Consolas" pitchFamily="49" charset="0"/>
+              </a:rPr>
+              <a:t>document.childNodes</a:t>
+            </a:r>
+            <a:r>
+              <a:rPr lang="en-US" altLang="zh-CN" sz="2100" dirty="0" smtClean="0">
+                <a:latin typeface="Consolas" pitchFamily="49" charset="0"/>
+                <a:cs typeface="Consolas" pitchFamily="49" charset="0"/>
+              </a:rPr>
+              <a:t> //</a:t>
+            </a:r>
+            <a:r>
+              <a:rPr lang="zh-CN" altLang="en-US" sz="2100" dirty="0" smtClean="0">
+                <a:latin typeface="Consolas" pitchFamily="49" charset="0"/>
+                <a:cs typeface="Consolas" pitchFamily="49" charset="0"/>
+              </a:rPr>
+              <a:t>返回</a:t>
+            </a:r>
+            <a:r>
+              <a:rPr lang="en-US" altLang="zh-CN" sz="2100" dirty="0" err="1" smtClean="0">
+                <a:latin typeface="Consolas" pitchFamily="49" charset="0"/>
+                <a:cs typeface="Consolas" pitchFamily="49" charset="0"/>
+              </a:rPr>
+              <a:t>NodeList</a:t>
+            </a:r>
+            <a:r>
+              <a:rPr lang="en-US" altLang="zh-CN" sz="2100" dirty="0" smtClean="0">
+                <a:latin typeface="Consolas" pitchFamily="49" charset="0"/>
+                <a:cs typeface="Consolas" pitchFamily="49" charset="0"/>
+              </a:rPr>
+              <a:t/>
+            </a:r>
+            <a:br>
+              <a:rPr lang="en-US" altLang="zh-CN" sz="2100" dirty="0" smtClean="0">
+                <a:latin typeface="Consolas" pitchFamily="49" charset="0"/>
+                <a:cs typeface="Consolas" pitchFamily="49" charset="0"/>
+              </a:rPr>
+            </a:br>
+            <a:r>
+              <a:rPr lang="en-US" altLang="zh-CN" sz="2100" dirty="0" err="1" smtClean="0">
+                <a:latin typeface="Consolas" pitchFamily="49" charset="0"/>
+                <a:cs typeface="Consolas" pitchFamily="49" charset="0"/>
+              </a:rPr>
+              <a:t>document.children</a:t>
+            </a:r>
+            <a:r>
+              <a:rPr lang="en-US" altLang="zh-CN" sz="2100" dirty="0" smtClean="0">
+                <a:latin typeface="Consolas" pitchFamily="49" charset="0"/>
+                <a:cs typeface="Consolas" pitchFamily="49" charset="0"/>
+              </a:rPr>
+              <a:t> //</a:t>
+            </a:r>
+            <a:r>
+              <a:rPr lang="zh-CN" altLang="en-US" sz="2100" dirty="0" smtClean="0">
+                <a:latin typeface="Consolas" pitchFamily="49" charset="0"/>
+                <a:cs typeface="Consolas" pitchFamily="49" charset="0"/>
+              </a:rPr>
+              <a:t>返回</a:t>
+            </a:r>
+            <a:r>
+              <a:rPr lang="en-US" altLang="zh-CN" sz="2100" dirty="0" err="1" smtClean="0">
+                <a:latin typeface="Consolas" pitchFamily="49" charset="0"/>
+                <a:cs typeface="Consolas" pitchFamily="49" charset="0"/>
+              </a:rPr>
+              <a:t>HTMLCollection</a:t>
+            </a:r>
+            <a:endParaRPr lang="en-US" altLang="zh-CN" sz="2100" dirty="0" smtClean="0">
+              <a:latin typeface="Consolas" pitchFamily="49" charset="0"/>
+              <a:cs typeface="Consolas" pitchFamily="49" charset="0"/>
+            </a:endParaRPr>
+          </a:p>
+          <a:p>
+            <a:endParaRPr lang="en-US" altLang="zh-CN" sz="2100" dirty="0" smtClean="0">
+              <a:latin typeface="Consolas" pitchFamily="49" charset="0"/>
+              <a:cs typeface="Consolas" pitchFamily="49" charset="0"/>
+            </a:endParaRPr>
+          </a:p>
+          <a:p>
+            <a:endParaRPr lang="zh-CN" altLang="en-US" sz="2100" dirty="0">
+              <a:latin typeface="Consolas" pitchFamily="49" charset="0"/>
+              <a:cs typeface="Consolas" pitchFamily="49" charset="0"/>
+            </a:endParaRPr>
+          </a:p>
+        </p:txBody>
+      </p:sp>
     </p:spTree>
     <p:extLst>
       <p:ext uri="{BB962C8B-B14F-4D97-AF65-F5344CB8AC3E}">
@@ -19311,14 +19679,93 @@
   <p:timing>
     <p:tnLst>
       <p:par>
-        <p:cTn id="1" dur="indefinite" restart="never" nodeType="tmRoot"/>
+        <p:cTn id="1" dur="indefinite" restart="never" nodeType="tmRoot">
+          <p:childTnLst>
+            <p:seq concurrent="1" nextAc="seek">
+              <p:cTn id="2" dur="indefinite" nodeType="mainSeq">
+                <p:childTnLst>
+                  <p:par>
+                    <p:cTn id="3" fill="hold">
+                      <p:stCondLst>
+                        <p:cond delay="indefinite"/>
+                      </p:stCondLst>
+                      <p:childTnLst>
+                        <p:par>
+                          <p:cTn id="4" fill="hold">
+                            <p:stCondLst>
+                              <p:cond delay="0"/>
+                            </p:stCondLst>
+                            <p:childTnLst>
+                              <p:par>
+                                <p:cTn id="5" presetID="10" presetClass="entr" presetSubtype="0" fill="hold" grpId="0" nodeType="clickEffect">
+                                  <p:stCondLst>
+                                    <p:cond delay="0"/>
+                                  </p:stCondLst>
+                                  <p:childTnLst>
+                                    <p:set>
+                                      <p:cBhvr>
+                                        <p:cTn id="6" dur="1" fill="hold">
+                                          <p:stCondLst>
+                                            <p:cond delay="0"/>
+                                          </p:stCondLst>
+                                        </p:cTn>
+                                        <p:tgtEl>
+                                          <p:spTgt spid="4"/>
+                                        </p:tgtEl>
+                                        <p:attrNameLst>
+                                          <p:attrName>style.visibility</p:attrName>
+                                        </p:attrNameLst>
+                                      </p:cBhvr>
+                                      <p:to>
+                                        <p:strVal val="visible"/>
+                                      </p:to>
+                                    </p:set>
+                                    <p:animEffect transition="in" filter="fade">
+                                      <p:cBhvr>
+                                        <p:cTn id="7" dur="500"/>
+                                        <p:tgtEl>
+                                          <p:spTgt spid="4"/>
+                                        </p:tgtEl>
+                                      </p:cBhvr>
+                                    </p:animEffect>
+                                  </p:childTnLst>
+                                </p:cTn>
+                              </p:par>
+                            </p:childTnLst>
+                          </p:cTn>
+                        </p:par>
+                      </p:childTnLst>
+                    </p:cTn>
+                  </p:par>
+                </p:childTnLst>
+              </p:cTn>
+              <p:prevCondLst>
+                <p:cond evt="onPrev" delay="0">
+                  <p:tgtEl>
+                    <p:sldTgt/>
+                  </p:tgtEl>
+                </p:cond>
+              </p:prevCondLst>
+              <p:nextCondLst>
+                <p:cond evt="onNext" delay="0">
+                  <p:tgtEl>
+                    <p:sldTgt/>
+                  </p:tgtEl>
+                </p:cond>
+              </p:nextCondLst>
+            </p:seq>
+          </p:childTnLst>
+        </p:cTn>
       </p:par>
     </p:tnLst>
+    <p:bldLst>
+      <p:bldP spid="4" grpId="0" animBg="1"/>
+    </p:bldLst>
   </p:timing>
 </p:sld>
 </file>
 
-<file path=ppt/slides/slide13.xml><?xml version="1.0" encoding="utf-8"?>
+<file path=ppt/slides/slide14.xml><?xml version="1.0" encoding="utf-8"?>
 <p:sld xmlns:a="http://schemas.openxmlformats.org/drawingml/2006/main" xmlns:r="http://schemas.openxmlformats.org/officeDocument/2006/relationships" xmlns:p="http://schemas.openxmlformats.org/presentationml/2006/main">
   <p:cSld>
     <p:spTree>
@@ -19342,7 +19789,7 @@
           <p:nvPr>
             <p:extLst>
               <p:ext uri="{D42A27DB-BD31-4B8C-83A1-F6EECF244321}">
-                <p14:modId xmlns:p14="http://schemas.microsoft.com/office/powerpoint/2010/main" val="862163664"/>
+                <p14:modId xmlns:p14="http://schemas.microsoft.com/office/powerpoint/2010/main" val="2230711737"/>
               </p:ext>
             </p:extLst>
           </p:nvPr>
@@ -19395,7 +19842,7 @@
         </p:nvSpPr>
         <p:spPr>
           <a:xfrm>
-            <a:off x="6458996" y="2220833"/>
+            <a:off x="6660232" y="2278118"/>
             <a:ext cx="857927" cy="461665"/>
           </a:xfrm>
           <a:prstGeom prst="rect">
@@ -19477,6 +19924,126 @@
           </a:p>
         </p:txBody>
       </p:sp>
+      <p:cxnSp>
+        <p:nvCxnSpPr>
+          <p:cNvPr id="3" name="直接连接符 2"/>
+          <p:cNvCxnSpPr/>
+          <p:nvPr/>
+        </p:nvCxnSpPr>
+        <p:spPr>
+          <a:xfrm flipH="1">
+            <a:off x="4355976" y="3109610"/>
+            <a:ext cx="2103020" cy="1327502"/>
+          </a:xfrm>
+          <a:prstGeom prst="line">
+            <a:avLst/>
+          </a:prstGeom>
+        </p:spPr>
+        <p:style>
+          <a:lnRef idx="3">
+            <a:schemeClr val="accent1"/>
+          </a:lnRef>
+          <a:fillRef idx="0">
+            <a:schemeClr val="accent1"/>
+          </a:fillRef>
+          <a:effectRef idx="2">
+            <a:schemeClr val="accent1"/>
+          </a:effectRef>
+          <a:fontRef idx="minor">
+            <a:schemeClr val="tx1"/>
+          </a:fontRef>
+        </p:style>
+      </p:cxnSp>
+      <p:cxnSp>
+        <p:nvCxnSpPr>
+          <p:cNvPr id="9" name="直接连接符 8"/>
+          <p:cNvCxnSpPr/>
+          <p:nvPr/>
+        </p:nvCxnSpPr>
+        <p:spPr>
+          <a:xfrm>
+            <a:off x="4355976" y="4437112"/>
+            <a:ext cx="2232248" cy="504056"/>
+          </a:xfrm>
+          <a:prstGeom prst="line">
+            <a:avLst/>
+          </a:prstGeom>
+        </p:spPr>
+        <p:style>
+          <a:lnRef idx="3">
+            <a:schemeClr val="accent1"/>
+          </a:lnRef>
+          <a:fillRef idx="0">
+            <a:schemeClr val="accent1"/>
+          </a:fillRef>
+          <a:effectRef idx="2">
+            <a:schemeClr val="accent1"/>
+          </a:effectRef>
+          <a:fontRef idx="minor">
+            <a:schemeClr val="tx1"/>
+          </a:fontRef>
+        </p:style>
+      </p:cxnSp>
+      <p:cxnSp>
+        <p:nvCxnSpPr>
+          <p:cNvPr id="12" name="直接连接符 11"/>
+          <p:cNvCxnSpPr/>
+          <p:nvPr/>
+        </p:nvCxnSpPr>
+        <p:spPr>
+          <a:xfrm flipH="1">
+            <a:off x="4788024" y="2206199"/>
+            <a:ext cx="1872208" cy="0"/>
+          </a:xfrm>
+          <a:prstGeom prst="line">
+            <a:avLst/>
+          </a:prstGeom>
+        </p:spPr>
+        <p:style>
+          <a:lnRef idx="3">
+            <a:schemeClr val="accent1"/>
+          </a:lnRef>
+          <a:fillRef idx="0">
+            <a:schemeClr val="accent1"/>
+          </a:fillRef>
+          <a:effectRef idx="2">
+            <a:schemeClr val="accent1"/>
+          </a:effectRef>
+          <a:fontRef idx="minor">
+            <a:schemeClr val="tx1"/>
+          </a:fontRef>
+        </p:style>
+      </p:cxnSp>
+      <p:cxnSp>
+        <p:nvCxnSpPr>
+          <p:cNvPr id="14" name="直接连接符 13"/>
+          <p:cNvCxnSpPr/>
+          <p:nvPr/>
+        </p:nvCxnSpPr>
+        <p:spPr>
+          <a:xfrm>
+            <a:off x="4788024" y="2206199"/>
+            <a:ext cx="1152128" cy="2410933"/>
+          </a:xfrm>
+          <a:prstGeom prst="line">
+            <a:avLst/>
+          </a:prstGeom>
+        </p:spPr>
+        <p:style>
+          <a:lnRef idx="3">
+            <a:schemeClr val="accent1"/>
+          </a:lnRef>
+          <a:fillRef idx="0">
+            <a:schemeClr val="accent1"/>
+          </a:fillRef>
+          <a:effectRef idx="2">
+            <a:schemeClr val="accent1"/>
+          </a:effectRef>
+          <a:fontRef idx="minor">
+            <a:schemeClr val="tx1"/>
+          </a:fontRef>
+        </p:style>
+      </p:cxnSp>
     </p:spTree>
     <p:extLst>
       <p:ext uri="{BB962C8B-B14F-4D97-AF65-F5344CB8AC3E}">
@@ -19497,7 +20064,7 @@
 </p:sld>
 </file>
 
-<file path=ppt/slides/slide14.xml><?xml version="1.0" encoding="utf-8"?>
+<file path=ppt/slides/slide15.xml><?xml version="1.0" encoding="utf-8"?>
 <p:sld xmlns:a="http://schemas.openxmlformats.org/drawingml/2006/main" xmlns:r="http://schemas.openxmlformats.org/officeDocument/2006/relationships" xmlns:p="http://schemas.openxmlformats.org/presentationml/2006/main">
   <p:cSld>
     <p:spTree>
@@ -19993,6 +20560,617 @@
       </p:par>
     </p:tnLst>
   </p:timing>
+</p:sld>
+</file>
+
+<file path=ppt/slides/slide16.xml><?xml version="1.0" encoding="utf-8"?>
+<p:sld xmlns:a="http://schemas.openxmlformats.org/drawingml/2006/main" xmlns:r="http://schemas.openxmlformats.org/officeDocument/2006/relationships" xmlns:p="http://schemas.openxmlformats.org/presentationml/2006/main">
+  <p:cSld>
+    <p:spTree>
+      <p:nvGrpSpPr>
+        <p:cNvPr id="1" name=""/>
+        <p:cNvGrpSpPr/>
+        <p:nvPr/>
+      </p:nvGrpSpPr>
+      <p:grpSpPr>
+        <a:xfrm>
+          <a:off x="0" y="0"/>
+          <a:ext cx="0" cy="0"/>
+          <a:chOff x="0" y="0"/>
+          <a:chExt cx="0" cy="0"/>
+        </a:xfrm>
+      </p:grpSpPr>
+      <p:sp>
+        <p:nvSpPr>
+          <p:cNvPr id="2" name="标题 1"/>
+          <p:cNvSpPr>
+            <a:spLocks noGrp="1"/>
+          </p:cNvSpPr>
+          <p:nvPr>
+            <p:ph type="title"/>
+          </p:nvPr>
+        </p:nvSpPr>
+        <p:spPr>
+          <a:xfrm>
+            <a:off x="395536" y="764704"/>
+            <a:ext cx="8229600" cy="1066800"/>
+          </a:xfrm>
+        </p:spPr>
+        <p:txBody>
+          <a:bodyPr/>
+          <a:lstStyle/>
+          <a:p>
+            <a:r>
+              <a:rPr lang="en-US" altLang="zh-CN" dirty="0" smtClean="0">
+                <a:latin typeface="Adobe 黑体 Std R" pitchFamily="34" charset="-122"/>
+                <a:ea typeface="Adobe 黑体 Std R" pitchFamily="34" charset="-122"/>
+              </a:rPr>
+              <a:t>DOM</a:t>
+            </a:r>
+            <a:r>
+              <a:rPr lang="zh-CN" altLang="en-US" dirty="0" smtClean="0">
+                <a:latin typeface="Adobe 黑体 Std R" pitchFamily="34" charset="-122"/>
+                <a:ea typeface="Adobe 黑体 Std R" pitchFamily="34" charset="-122"/>
+              </a:rPr>
+              <a:t>操作</a:t>
+            </a:r>
+            <a:r>
+              <a:rPr lang="en-US" altLang="zh-CN" dirty="0" smtClean="0">
+                <a:latin typeface="Adobe 黑体 Std R" pitchFamily="34" charset="-122"/>
+                <a:ea typeface="Adobe 黑体 Std R" pitchFamily="34" charset="-122"/>
+              </a:rPr>
+              <a:t>-</a:t>
+            </a:r>
+            <a:r>
+              <a:rPr lang="zh-CN" altLang="en-US" dirty="0" smtClean="0">
+                <a:latin typeface="Adobe 黑体 Std R" pitchFamily="34" charset="-122"/>
+                <a:ea typeface="Adobe 黑体 Std R" pitchFamily="34" charset="-122"/>
+              </a:rPr>
+              <a:t>查</a:t>
+            </a:r>
+            <a:endParaRPr lang="zh-CN" altLang="en-US" dirty="0">
+              <a:latin typeface="Adobe 黑体 Std R" pitchFamily="34" charset="-122"/>
+              <a:ea typeface="Adobe 黑体 Std R" pitchFamily="34" charset="-122"/>
+            </a:endParaRPr>
+          </a:p>
+        </p:txBody>
+      </p:sp>
+      <p:sp>
+        <p:nvSpPr>
+          <p:cNvPr id="3" name="内容占位符 2"/>
+          <p:cNvSpPr>
+            <a:spLocks noGrp="1"/>
+          </p:cNvSpPr>
+          <p:nvPr>
+            <p:ph idx="1"/>
+          </p:nvPr>
+        </p:nvSpPr>
+        <p:spPr>
+          <a:xfrm>
+            <a:off x="395536" y="1988840"/>
+            <a:ext cx="8229600" cy="4325112"/>
+          </a:xfrm>
+        </p:spPr>
+        <p:txBody>
+          <a:bodyPr/>
+          <a:lstStyle/>
+          <a:p>
+            <a:r>
+              <a:rPr lang="en-US" altLang="zh-CN" dirty="0" err="1" smtClean="0"/>
+              <a:t>document.querySelector</a:t>
+            </a:r>
+            <a:r>
+              <a:rPr lang="en-US" altLang="zh-CN" dirty="0" smtClean="0"/>
+              <a:t>()</a:t>
+            </a:r>
+          </a:p>
+          <a:p>
+            <a:r>
+              <a:rPr lang="en-US" altLang="zh-CN" dirty="0" err="1" smtClean="0"/>
+              <a:t>document.querySelectorAll</a:t>
+            </a:r>
+            <a:r>
+              <a:rPr lang="en-US" altLang="zh-CN" dirty="0" smtClean="0"/>
+              <a:t>()</a:t>
+            </a:r>
+            <a:endParaRPr lang="zh-CN" altLang="en-US" dirty="0"/>
+          </a:p>
+        </p:txBody>
+      </p:sp>
+    </p:spTree>
+    <p:extLst>
+      <p:ext uri="{BB962C8B-B14F-4D97-AF65-F5344CB8AC3E}">
+        <p14:creationId xmlns:p14="http://schemas.microsoft.com/office/powerpoint/2010/main" val="2397180435"/>
+      </p:ext>
+    </p:extLst>
+  </p:cSld>
+  <p:clrMapOvr>
+    <a:masterClrMapping/>
+  </p:clrMapOvr>
+</p:sld>
+</file>
+
+<file path=ppt/slides/slide17.xml><?xml version="1.0" encoding="utf-8"?>
+<p:sld xmlns:a="http://schemas.openxmlformats.org/drawingml/2006/main" xmlns:r="http://schemas.openxmlformats.org/officeDocument/2006/relationships" xmlns:p="http://schemas.openxmlformats.org/presentationml/2006/main">
+  <p:cSld>
+    <p:spTree>
+      <p:nvGrpSpPr>
+        <p:cNvPr id="1" name=""/>
+        <p:cNvGrpSpPr/>
+        <p:nvPr/>
+      </p:nvGrpSpPr>
+      <p:grpSpPr>
+        <a:xfrm>
+          <a:off x="0" y="0"/>
+          <a:ext cx="0" cy="0"/>
+          <a:chOff x="0" y="0"/>
+          <a:chExt cx="0" cy="0"/>
+        </a:xfrm>
+      </p:grpSpPr>
+      <p:sp>
+        <p:nvSpPr>
+          <p:cNvPr id="2" name="标题 1"/>
+          <p:cNvSpPr>
+            <a:spLocks noGrp="1"/>
+          </p:cNvSpPr>
+          <p:nvPr>
+            <p:ph type="title"/>
+          </p:nvPr>
+        </p:nvSpPr>
+        <p:spPr>
+          <a:xfrm>
+            <a:off x="467544" y="836712"/>
+            <a:ext cx="8229600" cy="1066800"/>
+          </a:xfrm>
+        </p:spPr>
+        <p:txBody>
+          <a:bodyPr/>
+          <a:lstStyle/>
+          <a:p>
+            <a:r>
+              <a:rPr lang="en-US" altLang="zh-CN" dirty="0" smtClean="0">
+                <a:latin typeface="Adobe 黑体 Std R" pitchFamily="34" charset="-122"/>
+                <a:ea typeface="Adobe 黑体 Std R" pitchFamily="34" charset="-122"/>
+              </a:rPr>
+              <a:t>DOM</a:t>
+            </a:r>
+            <a:r>
+              <a:rPr lang="zh-CN" altLang="en-US" dirty="0" smtClean="0">
+                <a:latin typeface="Adobe 黑体 Std R" pitchFamily="34" charset="-122"/>
+                <a:ea typeface="Adobe 黑体 Std R" pitchFamily="34" charset="-122"/>
+              </a:rPr>
+              <a:t>操作</a:t>
+            </a:r>
+            <a:r>
+              <a:rPr lang="en-US" altLang="zh-CN" dirty="0" smtClean="0">
+                <a:latin typeface="Adobe 黑体 Std R" pitchFamily="34" charset="-122"/>
+                <a:ea typeface="Adobe 黑体 Std R" pitchFamily="34" charset="-122"/>
+              </a:rPr>
+              <a:t>-</a:t>
+            </a:r>
+            <a:r>
+              <a:rPr lang="zh-CN" altLang="en-US" dirty="0" smtClean="0">
+                <a:latin typeface="Adobe 黑体 Std R" pitchFamily="34" charset="-122"/>
+                <a:ea typeface="Adobe 黑体 Std R" pitchFamily="34" charset="-122"/>
+              </a:rPr>
+              <a:t>改</a:t>
+            </a:r>
+            <a:endParaRPr lang="zh-CN" altLang="en-US" dirty="0">
+              <a:latin typeface="Adobe 黑体 Std R" pitchFamily="34" charset="-122"/>
+              <a:ea typeface="Adobe 黑体 Std R" pitchFamily="34" charset="-122"/>
+            </a:endParaRPr>
+          </a:p>
+        </p:txBody>
+      </p:sp>
+      <p:sp>
+        <p:nvSpPr>
+          <p:cNvPr id="3" name="内容占位符 2"/>
+          <p:cNvSpPr>
+            <a:spLocks noGrp="1"/>
+          </p:cNvSpPr>
+          <p:nvPr>
+            <p:ph idx="1"/>
+          </p:nvPr>
+        </p:nvSpPr>
+        <p:spPr>
+          <a:xfrm>
+            <a:off x="457200" y="1700808"/>
+            <a:ext cx="8229600" cy="4873728"/>
+          </a:xfrm>
+        </p:spPr>
+        <p:txBody>
+          <a:bodyPr/>
+          <a:lstStyle/>
+          <a:p>
+            <a:r>
+              <a:rPr lang="en-US" altLang="zh-CN" dirty="0" err="1" smtClean="0"/>
+              <a:t>innerHTML</a:t>
+            </a:r>
+            <a:r>
+              <a:rPr lang="en-US" altLang="zh-CN" dirty="0" smtClean="0"/>
+              <a:t> </a:t>
+            </a:r>
+            <a:r>
+              <a:rPr lang="zh-CN" altLang="en-US" dirty="0" smtClean="0"/>
+              <a:t>属性</a:t>
+            </a:r>
+            <a:endParaRPr lang="en-US" altLang="zh-CN" dirty="0" smtClean="0"/>
+          </a:p>
+          <a:p>
+            <a:pPr lvl="1"/>
+            <a:r>
+              <a:rPr lang="zh-CN" altLang="en-US" dirty="0">
+                <a:latin typeface="Adobe 黑体 Std R" pitchFamily="34" charset="-122"/>
+                <a:ea typeface="Adobe 黑体 Std R" pitchFamily="34" charset="-122"/>
+              </a:rPr>
+              <a:t>写模</a:t>
+            </a:r>
+            <a:r>
+              <a:rPr lang="zh-CN" altLang="en-US" dirty="0" smtClean="0">
+                <a:latin typeface="Adobe 黑体 Std R" pitchFamily="34" charset="-122"/>
+                <a:ea typeface="Adobe 黑体 Std R" pitchFamily="34" charset="-122"/>
+              </a:rPr>
+              <a:t>式下根据指定的值创建新的</a:t>
+            </a:r>
+            <a:r>
+              <a:rPr lang="en-US" altLang="zh-CN" dirty="0" smtClean="0">
+                <a:latin typeface="Adobe 黑体 Std R" pitchFamily="34" charset="-122"/>
+                <a:ea typeface="Adobe 黑体 Std R" pitchFamily="34" charset="-122"/>
+              </a:rPr>
+              <a:t>DOM</a:t>
+            </a:r>
+            <a:r>
+              <a:rPr lang="zh-CN" altLang="en-US" dirty="0" smtClean="0">
+                <a:latin typeface="Adobe 黑体 Std R" pitchFamily="34" charset="-122"/>
+                <a:ea typeface="Adobe 黑体 Std R" pitchFamily="34" charset="-122"/>
+              </a:rPr>
+              <a:t>树，然后用</a:t>
+            </a:r>
+            <a:r>
+              <a:rPr lang="en-US" altLang="zh-CN" dirty="0" smtClean="0">
+                <a:latin typeface="Adobe 黑体 Std R" pitchFamily="34" charset="-122"/>
+                <a:ea typeface="Adobe 黑体 Std R" pitchFamily="34" charset="-122"/>
+              </a:rPr>
+              <a:t>DOM</a:t>
+            </a:r>
+            <a:r>
+              <a:rPr lang="zh-CN" altLang="en-US" dirty="0" smtClean="0">
+                <a:latin typeface="Adobe 黑体 Std R" pitchFamily="34" charset="-122"/>
+                <a:ea typeface="Adobe 黑体 Std R" pitchFamily="34" charset="-122"/>
+              </a:rPr>
+              <a:t>树完全替换元素之前的所有子节点。</a:t>
+            </a:r>
+            <a:endParaRPr lang="en-US" altLang="zh-CN" dirty="0" smtClean="0">
+              <a:latin typeface="Adobe 黑体 Std R" pitchFamily="34" charset="-122"/>
+              <a:ea typeface="Adobe 黑体 Std R" pitchFamily="34" charset="-122"/>
+            </a:endParaRPr>
+          </a:p>
+          <a:p>
+            <a:r>
+              <a:rPr lang="en-US" altLang="zh-CN" dirty="0" err="1" smtClean="0">
+                <a:ea typeface="Adobe 黑体 Std R" pitchFamily="34" charset="-122"/>
+              </a:rPr>
+              <a:t>outerHTML</a:t>
+            </a:r>
+            <a:r>
+              <a:rPr lang="en-US" altLang="zh-CN" dirty="0" smtClean="0">
+                <a:ea typeface="Adobe 黑体 Std R" pitchFamily="34" charset="-122"/>
+              </a:rPr>
+              <a:t> </a:t>
+            </a:r>
+            <a:r>
+              <a:rPr lang="zh-CN" altLang="en-US" dirty="0" smtClean="0">
+                <a:latin typeface="Adobe 黑体 Std R" pitchFamily="34" charset="-122"/>
+                <a:ea typeface="Adobe 黑体 Std R" pitchFamily="34" charset="-122"/>
+              </a:rPr>
+              <a:t>属性</a:t>
+            </a:r>
+            <a:endParaRPr lang="en-US" altLang="zh-CN" dirty="0" smtClean="0">
+              <a:latin typeface="Adobe 黑体 Std R" pitchFamily="34" charset="-122"/>
+              <a:ea typeface="Adobe 黑体 Std R" pitchFamily="34" charset="-122"/>
+            </a:endParaRPr>
+          </a:p>
+          <a:p>
+            <a:endParaRPr lang="en-US" altLang="zh-CN" dirty="0" smtClean="0">
+              <a:latin typeface="Adobe 黑体 Std R" pitchFamily="34" charset="-122"/>
+              <a:ea typeface="Adobe 黑体 Std R" pitchFamily="34" charset="-122"/>
+            </a:endParaRPr>
+          </a:p>
+          <a:p>
+            <a:endParaRPr lang="en-US" altLang="zh-CN" dirty="0">
+              <a:latin typeface="Adobe 黑体 Std R" pitchFamily="34" charset="-122"/>
+              <a:ea typeface="Adobe 黑体 Std R" pitchFamily="34" charset="-122"/>
+            </a:endParaRPr>
+          </a:p>
+          <a:p>
+            <a:endParaRPr lang="en-US" altLang="zh-CN" dirty="0" smtClean="0">
+              <a:latin typeface="Adobe 黑体 Std R" pitchFamily="34" charset="-122"/>
+              <a:ea typeface="Adobe 黑体 Std R" pitchFamily="34" charset="-122"/>
+            </a:endParaRPr>
+          </a:p>
+          <a:p>
+            <a:endParaRPr lang="en-US" altLang="zh-CN" dirty="0" smtClean="0">
+              <a:latin typeface="Adobe 黑体 Std R" pitchFamily="34" charset="-122"/>
+              <a:ea typeface="Adobe 黑体 Std R" pitchFamily="34" charset="-122"/>
+            </a:endParaRPr>
+          </a:p>
+          <a:p>
+            <a:r>
+              <a:rPr lang="en-US" altLang="zh-CN" dirty="0" err="1" smtClean="0">
+                <a:ea typeface="Adobe 黑体 Std R" pitchFamily="34" charset="-122"/>
+              </a:rPr>
+              <a:t>innerText</a:t>
+            </a:r>
+            <a:r>
+              <a:rPr lang="en-US" altLang="zh-CN" dirty="0" smtClean="0">
+                <a:ea typeface="Adobe 黑体 Std R" pitchFamily="34" charset="-122"/>
+              </a:rPr>
+              <a:t> </a:t>
+            </a:r>
+            <a:r>
+              <a:rPr lang="zh-CN" altLang="en-US" dirty="0" smtClean="0">
+                <a:latin typeface="Adobe 黑体 Std R" pitchFamily="34" charset="-122"/>
+                <a:ea typeface="Adobe 黑体 Std R" pitchFamily="34" charset="-122"/>
+              </a:rPr>
+              <a:t>属性</a:t>
+            </a:r>
+            <a:endParaRPr lang="en-US" altLang="zh-CN" dirty="0" smtClean="0">
+              <a:latin typeface="Adobe 黑体 Std R" pitchFamily="34" charset="-122"/>
+              <a:ea typeface="Adobe 黑体 Std R" pitchFamily="34" charset="-122"/>
+            </a:endParaRPr>
+          </a:p>
+          <a:p>
+            <a:r>
+              <a:rPr lang="en-US" altLang="zh-CN" dirty="0" err="1" smtClean="0">
+                <a:ea typeface="Adobe 黑体 Std R" pitchFamily="34" charset="-122"/>
+              </a:rPr>
+              <a:t>insertAdjacentHTML</a:t>
+            </a:r>
+            <a:r>
+              <a:rPr lang="en-US" altLang="zh-CN" dirty="0" smtClean="0">
+                <a:latin typeface="Adobe 黑体 Std R" pitchFamily="34" charset="-122"/>
+                <a:ea typeface="Adobe 黑体 Std R" pitchFamily="34" charset="-122"/>
+              </a:rPr>
+              <a:t>() </a:t>
+            </a:r>
+            <a:r>
+              <a:rPr lang="zh-CN" altLang="en-US" dirty="0" smtClean="0">
+                <a:latin typeface="Adobe 黑体 Std R" pitchFamily="34" charset="-122"/>
+                <a:ea typeface="Adobe 黑体 Std R" pitchFamily="34" charset="-122"/>
+              </a:rPr>
+              <a:t>方法</a:t>
+            </a:r>
+            <a:endParaRPr lang="en-US" altLang="zh-CN" dirty="0" smtClean="0">
+              <a:latin typeface="Adobe 黑体 Std R" pitchFamily="34" charset="-122"/>
+              <a:ea typeface="Adobe 黑体 Std R" pitchFamily="34" charset="-122"/>
+            </a:endParaRPr>
+          </a:p>
+          <a:p>
+            <a:endParaRPr lang="en-US" altLang="zh-CN" dirty="0" smtClean="0">
+              <a:latin typeface="Adobe 黑体 Std R" pitchFamily="34" charset="-122"/>
+              <a:ea typeface="Adobe 黑体 Std R" pitchFamily="34" charset="-122"/>
+            </a:endParaRPr>
+          </a:p>
+          <a:p>
+            <a:endParaRPr lang="en-US" altLang="zh-CN" dirty="0" smtClean="0">
+              <a:latin typeface="Adobe 黑体 Std R" pitchFamily="34" charset="-122"/>
+              <a:ea typeface="Adobe 黑体 Std R" pitchFamily="34" charset="-122"/>
+            </a:endParaRPr>
+          </a:p>
+        </p:txBody>
+      </p:sp>
+      <p:sp>
+        <p:nvSpPr>
+          <p:cNvPr id="4" name="矩形 3"/>
+          <p:cNvSpPr/>
+          <p:nvPr/>
+        </p:nvSpPr>
+        <p:spPr>
+          <a:xfrm>
+            <a:off x="471829" y="3501008"/>
+            <a:ext cx="8280920" cy="1656184"/>
+          </a:xfrm>
+          <a:prstGeom prst="rect">
+            <a:avLst/>
+          </a:prstGeom>
+          <a:solidFill>
+            <a:schemeClr val="accent2">
+              <a:lumMod val="75000"/>
+            </a:schemeClr>
+          </a:solidFill>
+        </p:spPr>
+        <p:style>
+          <a:lnRef idx="3">
+            <a:schemeClr val="lt1"/>
+          </a:lnRef>
+          <a:fillRef idx="1">
+            <a:schemeClr val="accent6"/>
+          </a:fillRef>
+          <a:effectRef idx="1">
+            <a:schemeClr val="accent6"/>
+          </a:effectRef>
+          <a:fontRef idx="minor">
+            <a:schemeClr val="lt1"/>
+          </a:fontRef>
+        </p:style>
+        <p:txBody>
+          <a:bodyPr rtlCol="0" anchor="ctr"/>
+          <a:lstStyle/>
+          <a:p>
+            <a:r>
+              <a:rPr lang="en-US" altLang="zh-CN" sz="2100" dirty="0" err="1" smtClean="0">
+                <a:latin typeface="Consolas" pitchFamily="49" charset="0"/>
+                <a:cs typeface="Consolas" pitchFamily="49" charset="0"/>
+              </a:rPr>
+              <a:t>div.outerHTML</a:t>
+            </a:r>
+            <a:r>
+              <a:rPr lang="en-US" altLang="zh-CN" sz="2100" dirty="0" smtClean="0">
+                <a:latin typeface="Consolas" pitchFamily="49" charset="0"/>
+                <a:cs typeface="Consolas" pitchFamily="49" charset="0"/>
+              </a:rPr>
+              <a:t> = “&lt;p&gt;Hello World!&lt;/p&gt;”;</a:t>
+            </a:r>
+          </a:p>
+          <a:p>
+            <a:r>
+              <a:rPr lang="en-US" altLang="zh-CN" sz="2100" dirty="0" smtClean="0">
+                <a:latin typeface="Consolas" pitchFamily="49" charset="0"/>
+                <a:cs typeface="Consolas" pitchFamily="49" charset="0"/>
+              </a:rPr>
+              <a:t> </a:t>
+            </a:r>
+          </a:p>
+          <a:p>
+            <a:r>
+              <a:rPr lang="en-US" altLang="zh-CN" sz="2100" dirty="0" err="1" smtClean="0">
+                <a:latin typeface="Consolas" pitchFamily="49" charset="0"/>
+                <a:cs typeface="Consolas" pitchFamily="49" charset="0"/>
+              </a:rPr>
+              <a:t>Var</a:t>
+            </a:r>
+            <a:r>
+              <a:rPr lang="en-US" altLang="zh-CN" sz="2100" dirty="0" smtClean="0">
+                <a:latin typeface="Consolas" pitchFamily="49" charset="0"/>
+                <a:cs typeface="Consolas" pitchFamily="49" charset="0"/>
+              </a:rPr>
+              <a:t> p = </a:t>
+            </a:r>
+            <a:r>
+              <a:rPr lang="en-US" altLang="zh-CN" sz="2100" dirty="0" err="1" smtClean="0">
+                <a:latin typeface="Consolas" pitchFamily="49" charset="0"/>
+                <a:cs typeface="Consolas" pitchFamily="49" charset="0"/>
+              </a:rPr>
+              <a:t>document.createElement</a:t>
+            </a:r>
+            <a:r>
+              <a:rPr lang="en-US" altLang="zh-CN" sz="2100" dirty="0" smtClean="0">
+                <a:latin typeface="Consolas" pitchFamily="49" charset="0"/>
+                <a:cs typeface="Consolas" pitchFamily="49" charset="0"/>
+              </a:rPr>
+              <a:t>(‘p’);</a:t>
+            </a:r>
+          </a:p>
+          <a:p>
+            <a:r>
+              <a:rPr lang="en-US" altLang="zh-CN" sz="2100" dirty="0" err="1" smtClean="0">
+                <a:latin typeface="Consolas" pitchFamily="49" charset="0"/>
+                <a:cs typeface="Consolas" pitchFamily="49" charset="0"/>
+              </a:rPr>
+              <a:t>p.appendChild</a:t>
+            </a:r>
+            <a:r>
+              <a:rPr lang="en-US" altLang="zh-CN" sz="2100" dirty="0" smtClean="0">
+                <a:latin typeface="Consolas" pitchFamily="49" charset="0"/>
+                <a:cs typeface="Consolas" pitchFamily="49" charset="0"/>
+              </a:rPr>
+              <a:t>(</a:t>
+            </a:r>
+            <a:r>
+              <a:rPr lang="en-US" altLang="zh-CN" sz="2100" dirty="0" err="1" smtClean="0">
+                <a:latin typeface="Consolas" pitchFamily="49" charset="0"/>
+                <a:cs typeface="Consolas" pitchFamily="49" charset="0"/>
+              </a:rPr>
+              <a:t>document.createTextNode</a:t>
+            </a:r>
+            <a:r>
+              <a:rPr lang="en-US" altLang="zh-CN" sz="2100" dirty="0" smtClean="0">
+                <a:latin typeface="Consolas" pitchFamily="49" charset="0"/>
+                <a:cs typeface="Consolas" pitchFamily="49" charset="0"/>
+              </a:rPr>
+              <a:t>(‘Hello World’));</a:t>
+            </a:r>
+          </a:p>
+          <a:p>
+            <a:r>
+              <a:rPr lang="en-US" altLang="zh-CN" sz="2100" dirty="0" err="1" smtClean="0">
+                <a:latin typeface="Consolas" pitchFamily="49" charset="0"/>
+                <a:cs typeface="Consolas" pitchFamily="49" charset="0"/>
+              </a:rPr>
+              <a:t>div.parentNode.replaceChild</a:t>
+            </a:r>
+            <a:r>
+              <a:rPr lang="en-US" altLang="zh-CN" sz="2100" dirty="0" smtClean="0">
+                <a:latin typeface="Consolas" pitchFamily="49" charset="0"/>
+                <a:cs typeface="Consolas" pitchFamily="49" charset="0"/>
+              </a:rPr>
+              <a:t>(</a:t>
+            </a:r>
+            <a:r>
+              <a:rPr lang="en-US" altLang="zh-CN" sz="2100" dirty="0" err="1" smtClean="0">
+                <a:latin typeface="Consolas" pitchFamily="49" charset="0"/>
+                <a:cs typeface="Consolas" pitchFamily="49" charset="0"/>
+              </a:rPr>
+              <a:t>p,div</a:t>
+            </a:r>
+            <a:r>
+              <a:rPr lang="en-US" altLang="zh-CN" sz="2100" dirty="0" smtClean="0">
+                <a:latin typeface="Consolas" pitchFamily="49" charset="0"/>
+                <a:cs typeface="Consolas" pitchFamily="49" charset="0"/>
+              </a:rPr>
+              <a:t>);</a:t>
+            </a:r>
+            <a:endParaRPr lang="zh-CN" altLang="en-US" sz="2100" dirty="0">
+              <a:latin typeface="Consolas" pitchFamily="49" charset="0"/>
+              <a:cs typeface="Consolas" pitchFamily="49" charset="0"/>
+            </a:endParaRPr>
+          </a:p>
+        </p:txBody>
+      </p:sp>
+      <p:sp>
+        <p:nvSpPr>
+          <p:cNvPr id="5" name="等于号 4"/>
+          <p:cNvSpPr/>
+          <p:nvPr/>
+        </p:nvSpPr>
+        <p:spPr>
+          <a:xfrm>
+            <a:off x="2649448" y="3790784"/>
+            <a:ext cx="504056" cy="360040"/>
+          </a:xfrm>
+          <a:prstGeom prst="mathEqual">
+            <a:avLst/>
+          </a:prstGeom>
+        </p:spPr>
+        <p:style>
+          <a:lnRef idx="2">
+            <a:schemeClr val="accent1">
+              <a:shade val="50000"/>
+            </a:schemeClr>
+          </a:lnRef>
+          <a:fillRef idx="1">
+            <a:schemeClr val="accent1"/>
+          </a:fillRef>
+          <a:effectRef idx="0">
+            <a:schemeClr val="accent1"/>
+          </a:effectRef>
+          <a:fontRef idx="minor">
+            <a:schemeClr val="lt1"/>
+          </a:fontRef>
+        </p:style>
+        <p:txBody>
+          <a:bodyPr rtlCol="0" anchor="ctr"/>
+          <a:lstStyle/>
+          <a:p>
+            <a:pPr algn="ctr"/>
+            <a:endParaRPr lang="zh-CN" altLang="en-US">
+              <a:solidFill>
+                <a:schemeClr val="tx1"/>
+              </a:solidFill>
+            </a:endParaRPr>
+          </a:p>
+        </p:txBody>
+      </p:sp>
+    </p:spTree>
+    <p:extLst>
+      <p:ext uri="{BB962C8B-B14F-4D97-AF65-F5344CB8AC3E}">
+        <p14:creationId xmlns:p14="http://schemas.microsoft.com/office/powerpoint/2010/main" val="3352913499"/>
+      </p:ext>
+    </p:extLst>
+  </p:cSld>
+  <p:clrMapOvr>
+    <a:masterClrMapping/>
+  </p:clrMapOvr>
 </p:sld>
 </file>
 
@@ -26723,9 +27901,29 @@
           <a:lstStyle/>
           <a:p>
             <a:r>
+              <a:rPr lang="en-US" altLang="zh-CN" dirty="0" err="1" smtClean="0"/>
+              <a:t>document.createElement</a:t>
+            </a:r>
+            <a:r>
               <a:rPr lang="en-US" altLang="zh-CN" dirty="0" smtClean="0"/>
-              <a:t>Element</a:t>
-            </a:r>
+              <a:t>()</a:t>
+            </a:r>
+          </a:p>
+          <a:p>
+            <a:r>
+              <a:rPr lang="en-US" altLang="zh-CN" dirty="0" err="1"/>
+              <a:t>d</a:t>
+            </a:r>
+            <a:r>
+              <a:rPr lang="en-US" altLang="zh-CN" dirty="0" err="1" smtClean="0"/>
+              <a:t>ocument.createTextNode</a:t>
+            </a:r>
+            <a:r>
+              <a:rPr lang="en-US" altLang="zh-CN" dirty="0" smtClean="0"/>
+              <a:t>()</a:t>
+            </a:r>
+          </a:p>
+          <a:p>
             <a:endParaRPr lang="zh-CN" altLang="en-US" dirty="0"/>
           </a:p>
         </p:txBody>

--- a/manipulation.pptx
+++ b/manipulation.pptx
@@ -5,7 +5,7 @@
     <p:sldMasterId id="2147483876" r:id="rId1"/>
   </p:sldMasterIdLst>
   <p:notesMasterIdLst>
-    <p:notesMasterId r:id="rId19"/>
+    <p:notesMasterId r:id="rId21"/>
   </p:notesMasterIdLst>
   <p:sldIdLst>
     <p:sldId id="256" r:id="rId2"/>
@@ -23,8 +23,10 @@
     <p:sldId id="268" r:id="rId14"/>
     <p:sldId id="269" r:id="rId15"/>
     <p:sldId id="258" r:id="rId16"/>
-    <p:sldId id="271" r:id="rId17"/>
-    <p:sldId id="272" r:id="rId18"/>
+    <p:sldId id="273" r:id="rId17"/>
+    <p:sldId id="271" r:id="rId18"/>
+    <p:sldId id="272" r:id="rId19"/>
+    <p:sldId id="274" r:id="rId20"/>
   </p:sldIdLst>
   <p:sldSz cx="9144000" cy="6858000" type="screen4x3"/>
   <p:notesSz cx="6858000" cy="9144000"/>
@@ -2368,6 +2370,1500 @@
 </file>
 
 <file path=ppt/diagrams/colors4.xml><?xml version="1.0" encoding="utf-8"?>
+<dgm:colorsDef xmlns:dgm="http://schemas.openxmlformats.org/drawingml/2006/diagram" xmlns:a="http://schemas.openxmlformats.org/drawingml/2006/main" uniqueId="urn:microsoft.com/office/officeart/2005/8/colors/accent1_2">
+  <dgm:title val=""/>
+  <dgm:desc val=""/>
+  <dgm:catLst>
+    <dgm:cat type="accent1" pri="11200"/>
+  </dgm:catLst>
+  <dgm:styleLbl name="node0">
+    <dgm:fillClrLst meth="repeat">
+      <a:schemeClr val="accent1"/>
+    </dgm:fillClrLst>
+    <dgm:linClrLst meth="repeat">
+      <a:schemeClr val="lt1"/>
+    </dgm:linClrLst>
+    <dgm:effectClrLst/>
+    <dgm:txLinClrLst/>
+    <dgm:txFillClrLst/>
+    <dgm:txEffectClrLst/>
+  </dgm:styleLbl>
+  <dgm:styleLbl name="alignNode1">
+    <dgm:fillClrLst meth="repeat">
+      <a:schemeClr val="accent1"/>
+    </dgm:fillClrLst>
+    <dgm:linClrLst meth="repeat">
+      <a:schemeClr val="accent1"/>
+    </dgm:linClrLst>
+    <dgm:effectClrLst/>
+    <dgm:txLinClrLst/>
+    <dgm:txFillClrLst/>
+    <dgm:txEffectClrLst/>
+  </dgm:styleLbl>
+  <dgm:styleLbl name="node1">
+    <dgm:fillClrLst meth="repeat">
+      <a:schemeClr val="accent1"/>
+    </dgm:fillClrLst>
+    <dgm:linClrLst meth="repeat">
+      <a:schemeClr val="lt1"/>
+    </dgm:linClrLst>
+    <dgm:effectClrLst/>
+    <dgm:txLinClrLst/>
+    <dgm:txFillClrLst/>
+    <dgm:txEffectClrLst/>
+  </dgm:styleLbl>
+  <dgm:styleLbl name="lnNode1">
+    <dgm:fillClrLst meth="repeat">
+      <a:schemeClr val="accent1"/>
+    </dgm:fillClrLst>
+    <dgm:linClrLst meth="repeat">
+      <a:schemeClr val="lt1"/>
+    </dgm:linClrLst>
+    <dgm:effectClrLst/>
+    <dgm:txLinClrLst/>
+    <dgm:txFillClrLst/>
+    <dgm:txEffectClrLst/>
+  </dgm:styleLbl>
+  <dgm:styleLbl name="vennNode1">
+    <dgm:fillClrLst meth="repeat">
+      <a:schemeClr val="accent1">
+        <a:alpha val="50000"/>
+      </a:schemeClr>
+    </dgm:fillClrLst>
+    <dgm:linClrLst meth="repeat">
+      <a:schemeClr val="lt1"/>
+    </dgm:linClrLst>
+    <dgm:effectClrLst/>
+    <dgm:txLinClrLst/>
+    <dgm:txFillClrLst/>
+    <dgm:txEffectClrLst/>
+  </dgm:styleLbl>
+  <dgm:styleLbl name="node2">
+    <dgm:fillClrLst meth="repeat">
+      <a:schemeClr val="accent1"/>
+    </dgm:fillClrLst>
+    <dgm:linClrLst meth="repeat">
+      <a:schemeClr val="lt1"/>
+    </dgm:linClrLst>
+    <dgm:effectClrLst/>
+    <dgm:txLinClrLst/>
+    <dgm:txFillClrLst/>
+    <dgm:txEffectClrLst/>
+  </dgm:styleLbl>
+  <dgm:styleLbl name="node3">
+    <dgm:fillClrLst meth="repeat">
+      <a:schemeClr val="accent1"/>
+    </dgm:fillClrLst>
+    <dgm:linClrLst meth="repeat">
+      <a:schemeClr val="lt1"/>
+    </dgm:linClrLst>
+    <dgm:effectClrLst/>
+    <dgm:txLinClrLst/>
+    <dgm:txFillClrLst/>
+    <dgm:txEffectClrLst/>
+  </dgm:styleLbl>
+  <dgm:styleLbl name="node4">
+    <dgm:fillClrLst meth="repeat">
+      <a:schemeClr val="accent1"/>
+    </dgm:fillClrLst>
+    <dgm:linClrLst meth="repeat">
+      <a:schemeClr val="lt1"/>
+    </dgm:linClrLst>
+    <dgm:effectClrLst/>
+    <dgm:txLinClrLst/>
+    <dgm:txFillClrLst/>
+    <dgm:txEffectClrLst/>
+  </dgm:styleLbl>
+  <dgm:styleLbl name="fgImgPlace1">
+    <dgm:fillClrLst meth="repeat">
+      <a:schemeClr val="accent1">
+        <a:tint val="50000"/>
+      </a:schemeClr>
+    </dgm:fillClrLst>
+    <dgm:linClrLst meth="repeat">
+      <a:schemeClr val="lt1"/>
+    </dgm:linClrLst>
+    <dgm:effectClrLst/>
+    <dgm:txLinClrLst/>
+    <dgm:txFillClrLst meth="repeat">
+      <a:schemeClr val="lt1"/>
+    </dgm:txFillClrLst>
+    <dgm:txEffectClrLst/>
+  </dgm:styleLbl>
+  <dgm:styleLbl name="alignImgPlace1">
+    <dgm:fillClrLst meth="repeat">
+      <a:schemeClr val="accent1">
+        <a:tint val="50000"/>
+      </a:schemeClr>
+    </dgm:fillClrLst>
+    <dgm:linClrLst meth="repeat">
+      <a:schemeClr val="lt1"/>
+    </dgm:linClrLst>
+    <dgm:effectClrLst/>
+    <dgm:txLinClrLst/>
+    <dgm:txFillClrLst meth="repeat">
+      <a:schemeClr val="lt1"/>
+    </dgm:txFillClrLst>
+    <dgm:txEffectClrLst/>
+  </dgm:styleLbl>
+  <dgm:styleLbl name="bgImgPlace1">
+    <dgm:fillClrLst meth="repeat">
+      <a:schemeClr val="accent1">
+        <a:tint val="50000"/>
+      </a:schemeClr>
+    </dgm:fillClrLst>
+    <dgm:linClrLst meth="repeat">
+      <a:schemeClr val="lt1"/>
+    </dgm:linClrLst>
+    <dgm:effectClrLst/>
+    <dgm:txLinClrLst/>
+    <dgm:txFillClrLst meth="repeat">
+      <a:schemeClr val="lt1"/>
+    </dgm:txFillClrLst>
+    <dgm:txEffectClrLst/>
+  </dgm:styleLbl>
+  <dgm:styleLbl name="sibTrans2D1">
+    <dgm:fillClrLst meth="repeat">
+      <a:schemeClr val="accent1">
+        <a:tint val="60000"/>
+      </a:schemeClr>
+    </dgm:fillClrLst>
+    <dgm:linClrLst meth="repeat">
+      <a:schemeClr val="accent1">
+        <a:tint val="60000"/>
+      </a:schemeClr>
+    </dgm:linClrLst>
+    <dgm:effectClrLst/>
+    <dgm:txLinClrLst/>
+    <dgm:txFillClrLst/>
+    <dgm:txEffectClrLst/>
+  </dgm:styleLbl>
+  <dgm:styleLbl name="fgSibTrans2D1">
+    <dgm:fillClrLst meth="repeat">
+      <a:schemeClr val="accent1">
+        <a:tint val="60000"/>
+      </a:schemeClr>
+    </dgm:fillClrLst>
+    <dgm:linClrLst meth="repeat">
+      <a:schemeClr val="accent1">
+        <a:tint val="60000"/>
+      </a:schemeClr>
+    </dgm:linClrLst>
+    <dgm:effectClrLst/>
+    <dgm:txLinClrLst/>
+    <dgm:txFillClrLst/>
+    <dgm:txEffectClrLst/>
+  </dgm:styleLbl>
+  <dgm:styleLbl name="bgSibTrans2D1">
+    <dgm:fillClrLst meth="repeat">
+      <a:schemeClr val="accent1">
+        <a:tint val="60000"/>
+      </a:schemeClr>
+    </dgm:fillClrLst>
+    <dgm:linClrLst meth="repeat">
+      <a:schemeClr val="accent1">
+        <a:tint val="60000"/>
+      </a:schemeClr>
+    </dgm:linClrLst>
+    <dgm:effectClrLst/>
+    <dgm:txLinClrLst/>
+    <dgm:txFillClrLst/>
+    <dgm:txEffectClrLst/>
+  </dgm:styleLbl>
+  <dgm:styleLbl name="sibTrans1D1">
+    <dgm:fillClrLst meth="repeat">
+      <a:schemeClr val="accent1"/>
+    </dgm:fillClrLst>
+    <dgm:linClrLst meth="repeat">
+      <a:schemeClr val="accent1"/>
+    </dgm:linClrLst>
+    <dgm:effectClrLst/>
+    <dgm:txLinClrLst/>
+    <dgm:txFillClrLst meth="repeat">
+      <a:schemeClr val="tx1"/>
+    </dgm:txFillClrLst>
+    <dgm:txEffectClrLst/>
+  </dgm:styleLbl>
+  <dgm:styleLbl name="callout">
+    <dgm:fillClrLst meth="repeat">
+      <a:schemeClr val="accent1"/>
+    </dgm:fillClrLst>
+    <dgm:linClrLst meth="repeat">
+      <a:schemeClr val="accent1">
+        <a:tint val="50000"/>
+      </a:schemeClr>
+    </dgm:linClrLst>
+    <dgm:effectClrLst/>
+    <dgm:txLinClrLst/>
+    <dgm:txFillClrLst meth="repeat">
+      <a:schemeClr val="tx1"/>
+    </dgm:txFillClrLst>
+    <dgm:txEffectClrLst/>
+  </dgm:styleLbl>
+  <dgm:styleLbl name="asst0">
+    <dgm:fillClrLst meth="repeat">
+      <a:schemeClr val="accent1"/>
+    </dgm:fillClrLst>
+    <dgm:linClrLst meth="repeat">
+      <a:schemeClr val="lt1"/>
+    </dgm:linClrLst>
+    <dgm:effectClrLst/>
+    <dgm:txLinClrLst/>
+    <dgm:txFillClrLst/>
+    <dgm:txEffectClrLst/>
+  </dgm:styleLbl>
+  <dgm:styleLbl name="asst1">
+    <dgm:fillClrLst meth="repeat">
+      <a:schemeClr val="accent1"/>
+    </dgm:fillClrLst>
+    <dgm:linClrLst meth="repeat">
+      <a:schemeClr val="lt1"/>
+    </dgm:linClrLst>
+    <dgm:effectClrLst/>
+    <dgm:txLinClrLst/>
+    <dgm:txFillClrLst/>
+    <dgm:txEffectClrLst/>
+  </dgm:styleLbl>
+  <dgm:styleLbl name="asst2">
+    <dgm:fillClrLst meth="repeat">
+      <a:schemeClr val="accent1"/>
+    </dgm:fillClrLst>
+    <dgm:linClrLst meth="repeat">
+      <a:schemeClr val="lt1"/>
+    </dgm:linClrLst>
+    <dgm:effectClrLst/>
+    <dgm:txLinClrLst/>
+    <dgm:txFillClrLst/>
+    <dgm:txEffectClrLst/>
+  </dgm:styleLbl>
+  <dgm:styleLbl name="asst3">
+    <dgm:fillClrLst meth="repeat">
+      <a:schemeClr val="accent1"/>
+    </dgm:fillClrLst>
+    <dgm:linClrLst meth="repeat">
+      <a:schemeClr val="lt1"/>
+    </dgm:linClrLst>
+    <dgm:effectClrLst/>
+    <dgm:txLinClrLst/>
+    <dgm:txFillClrLst/>
+    <dgm:txEffectClrLst/>
+  </dgm:styleLbl>
+  <dgm:styleLbl name="asst4">
+    <dgm:fillClrLst meth="repeat">
+      <a:schemeClr val="accent1"/>
+    </dgm:fillClrLst>
+    <dgm:linClrLst meth="repeat">
+      <a:schemeClr val="lt1"/>
+    </dgm:linClrLst>
+    <dgm:effectClrLst/>
+    <dgm:txLinClrLst/>
+    <dgm:txFillClrLst/>
+    <dgm:txEffectClrLst/>
+  </dgm:styleLbl>
+  <dgm:styleLbl name="parChTrans2D1">
+    <dgm:fillClrLst meth="repeat">
+      <a:schemeClr val="accent1">
+        <a:tint val="60000"/>
+      </a:schemeClr>
+    </dgm:fillClrLst>
+    <dgm:linClrLst meth="repeat">
+      <a:schemeClr val="accent1">
+        <a:tint val="60000"/>
+      </a:schemeClr>
+    </dgm:linClrLst>
+    <dgm:effectClrLst/>
+    <dgm:txLinClrLst/>
+    <dgm:txFillClrLst meth="repeat">
+      <a:schemeClr val="lt1"/>
+    </dgm:txFillClrLst>
+    <dgm:txEffectClrLst/>
+  </dgm:styleLbl>
+  <dgm:styleLbl name="parChTrans2D2">
+    <dgm:fillClrLst meth="repeat">
+      <a:schemeClr val="accent1"/>
+    </dgm:fillClrLst>
+    <dgm:linClrLst meth="repeat">
+      <a:schemeClr val="accent1"/>
+    </dgm:linClrLst>
+    <dgm:effectClrLst/>
+    <dgm:txLinClrLst/>
+    <dgm:txFillClrLst meth="repeat">
+      <a:schemeClr val="lt1"/>
+    </dgm:txFillClrLst>
+    <dgm:txEffectClrLst/>
+  </dgm:styleLbl>
+  <dgm:styleLbl name="parChTrans2D3">
+    <dgm:fillClrLst meth="repeat">
+      <a:schemeClr val="accent1"/>
+    </dgm:fillClrLst>
+    <dgm:linClrLst meth="repeat">
+      <a:schemeClr val="accent1"/>
+    </dgm:linClrLst>
+    <dgm:effectClrLst/>
+    <dgm:txLinClrLst/>
+    <dgm:txFillClrLst meth="repeat">
+      <a:schemeClr val="lt1"/>
+    </dgm:txFillClrLst>
+    <dgm:txEffectClrLst/>
+  </dgm:styleLbl>
+  <dgm:styleLbl name="parChTrans2D4">
+    <dgm:fillClrLst meth="repeat">
+      <a:schemeClr val="accent1"/>
+    </dgm:fillClrLst>
+    <dgm:linClrLst meth="repeat">
+      <a:schemeClr val="accent1"/>
+    </dgm:linClrLst>
+    <dgm:effectClrLst/>
+    <dgm:txLinClrLst/>
+    <dgm:txFillClrLst meth="repeat">
+      <a:schemeClr val="lt1"/>
+    </dgm:txFillClrLst>
+    <dgm:txEffectClrLst/>
+  </dgm:styleLbl>
+  <dgm:styleLbl name="parChTrans1D1">
+    <dgm:fillClrLst meth="repeat">
+      <a:schemeClr val="accent1"/>
+    </dgm:fillClrLst>
+    <dgm:linClrLst meth="repeat">
+      <a:schemeClr val="accent1">
+        <a:shade val="60000"/>
+      </a:schemeClr>
+    </dgm:linClrLst>
+    <dgm:effectClrLst/>
+    <dgm:txLinClrLst/>
+    <dgm:txFillClrLst meth="repeat">
+      <a:schemeClr val="tx1"/>
+    </dgm:txFillClrLst>
+    <dgm:txEffectClrLst/>
+  </dgm:styleLbl>
+  <dgm:styleLbl name="parChTrans1D2">
+    <dgm:fillClrLst meth="repeat">
+      <a:schemeClr val="accent1"/>
+    </dgm:fillClrLst>
+    <dgm:linClrLst meth="repeat">
+      <a:schemeClr val="accent1">
+        <a:shade val="60000"/>
+      </a:schemeClr>
+    </dgm:linClrLst>
+    <dgm:effectClrLst/>
+    <dgm:txLinClrLst/>
+    <dgm:txFillClrLst meth="repeat">
+      <a:schemeClr val="tx1"/>
+    </dgm:txFillClrLst>
+    <dgm:txEffectClrLst/>
+  </dgm:styleLbl>
+  <dgm:styleLbl name="parChTrans1D3">
+    <dgm:fillClrLst meth="repeat">
+      <a:schemeClr val="accent1"/>
+    </dgm:fillClrLst>
+    <dgm:linClrLst meth="repeat">
+      <a:schemeClr val="accent1">
+        <a:shade val="80000"/>
+      </a:schemeClr>
+    </dgm:linClrLst>
+    <dgm:effectClrLst/>
+    <dgm:txLinClrLst/>
+    <dgm:txFillClrLst meth="repeat">
+      <a:schemeClr val="tx1"/>
+    </dgm:txFillClrLst>
+    <dgm:txEffectClrLst/>
+  </dgm:styleLbl>
+  <dgm:styleLbl name="parChTrans1D4">
+    <dgm:fillClrLst meth="repeat">
+      <a:schemeClr val="accent1"/>
+    </dgm:fillClrLst>
+    <dgm:linClrLst meth="repeat">
+      <a:schemeClr val="accent1">
+        <a:shade val="80000"/>
+      </a:schemeClr>
+    </dgm:linClrLst>
+    <dgm:effectClrLst/>
+    <dgm:txLinClrLst/>
+    <dgm:txFillClrLst meth="repeat">
+      <a:schemeClr val="tx1"/>
+    </dgm:txFillClrLst>
+    <dgm:txEffectClrLst/>
+  </dgm:styleLbl>
+  <dgm:styleLbl name="fgAcc1">
+    <dgm:fillClrLst meth="repeat">
+      <a:schemeClr val="lt1">
+        <a:alpha val="90000"/>
+      </a:schemeClr>
+    </dgm:fillClrLst>
+    <dgm:linClrLst meth="repeat">
+      <a:schemeClr val="accent1"/>
+    </dgm:linClrLst>
+    <dgm:effectClrLst/>
+    <dgm:txLinClrLst/>
+    <dgm:txFillClrLst meth="repeat">
+      <a:schemeClr val="dk1"/>
+    </dgm:txFillClrLst>
+    <dgm:txEffectClrLst/>
+  </dgm:styleLbl>
+  <dgm:styleLbl name="conFgAcc1">
+    <dgm:fillClrLst meth="repeat">
+      <a:schemeClr val="lt1">
+        <a:alpha val="90000"/>
+      </a:schemeClr>
+    </dgm:fillClrLst>
+    <dgm:linClrLst meth="repeat">
+      <a:schemeClr val="accent1"/>
+    </dgm:linClrLst>
+    <dgm:effectClrLst/>
+    <dgm:txLinClrLst/>
+    <dgm:txFillClrLst meth="repeat">
+      <a:schemeClr val="dk1"/>
+    </dgm:txFillClrLst>
+    <dgm:txEffectClrLst/>
+  </dgm:styleLbl>
+  <dgm:styleLbl name="alignAcc1">
+    <dgm:fillClrLst meth="repeat">
+      <a:schemeClr val="lt1">
+        <a:alpha val="90000"/>
+      </a:schemeClr>
+    </dgm:fillClrLst>
+    <dgm:linClrLst meth="repeat">
+      <a:schemeClr val="accent1"/>
+    </dgm:linClrLst>
+    <dgm:effectClrLst/>
+    <dgm:txLinClrLst/>
+    <dgm:txFillClrLst meth="repeat">
+      <a:schemeClr val="dk1"/>
+    </dgm:txFillClrLst>
+    <dgm:txEffectClrLst/>
+  </dgm:styleLbl>
+  <dgm:styleLbl name="trAlignAcc1">
+    <dgm:fillClrLst meth="repeat">
+      <a:schemeClr val="lt1">
+        <a:alpha val="40000"/>
+      </a:schemeClr>
+    </dgm:fillClrLst>
+    <dgm:linClrLst meth="repeat">
+      <a:schemeClr val="accent1"/>
+    </dgm:linClrLst>
+    <dgm:effectClrLst/>
+    <dgm:txLinClrLst/>
+    <dgm:txFillClrLst meth="repeat">
+      <a:schemeClr val="dk1"/>
+    </dgm:txFillClrLst>
+    <dgm:txEffectClrLst/>
+  </dgm:styleLbl>
+  <dgm:styleLbl name="bgAcc1">
+    <dgm:fillClrLst meth="repeat">
+      <a:schemeClr val="lt1">
+        <a:alpha val="90000"/>
+      </a:schemeClr>
+    </dgm:fillClrLst>
+    <dgm:linClrLst meth="repeat">
+      <a:schemeClr val="accent1"/>
+    </dgm:linClrLst>
+    <dgm:effectClrLst/>
+    <dgm:txLinClrLst/>
+    <dgm:txFillClrLst meth="repeat">
+      <a:schemeClr val="dk1"/>
+    </dgm:txFillClrLst>
+    <dgm:txEffectClrLst/>
+  </dgm:styleLbl>
+  <dgm:styleLbl name="solidFgAcc1">
+    <dgm:fillClrLst meth="repeat">
+      <a:schemeClr val="lt1"/>
+    </dgm:fillClrLst>
+    <dgm:linClrLst meth="repeat">
+      <a:schemeClr val="accent1"/>
+    </dgm:linClrLst>
+    <dgm:effectClrLst/>
+    <dgm:txLinClrLst/>
+    <dgm:txFillClrLst meth="repeat">
+      <a:schemeClr val="dk1"/>
+    </dgm:txFillClrLst>
+    <dgm:txEffectClrLst/>
+  </dgm:styleLbl>
+  <dgm:styleLbl name="solidAlignAcc1">
+    <dgm:fillClrLst meth="repeat">
+      <a:schemeClr val="lt1"/>
+    </dgm:fillClrLst>
+    <dgm:linClrLst meth="repeat">
+      <a:schemeClr val="accent1"/>
+    </dgm:linClrLst>
+    <dgm:effectClrLst/>
+    <dgm:txLinClrLst/>
+    <dgm:txFillClrLst meth="repeat">
+      <a:schemeClr val="dk1"/>
+    </dgm:txFillClrLst>
+    <dgm:txEffectClrLst/>
+  </dgm:styleLbl>
+  <dgm:styleLbl name="solidBgAcc1">
+    <dgm:fillClrLst meth="repeat">
+      <a:schemeClr val="lt1"/>
+    </dgm:fillClrLst>
+    <dgm:linClrLst meth="repeat">
+      <a:schemeClr val="accent1"/>
+    </dgm:linClrLst>
+    <dgm:effectClrLst/>
+    <dgm:txLinClrLst/>
+    <dgm:txFillClrLst meth="repeat">
+      <a:schemeClr val="dk1"/>
+    </dgm:txFillClrLst>
+    <dgm:txEffectClrLst/>
+  </dgm:styleLbl>
+  <dgm:styleLbl name="fgAccFollowNode1">
+    <dgm:fillClrLst meth="repeat">
+      <a:schemeClr val="accent1">
+        <a:alpha val="90000"/>
+        <a:tint val="40000"/>
+      </a:schemeClr>
+    </dgm:fillClrLst>
+    <dgm:linClrLst meth="repeat">
+      <a:schemeClr val="accent1">
+        <a:alpha val="90000"/>
+        <a:tint val="40000"/>
+      </a:schemeClr>
+    </dgm:linClrLst>
+    <dgm:effectClrLst/>
+    <dgm:txLinClrLst/>
+    <dgm:txFillClrLst meth="repeat">
+      <a:schemeClr val="dk1"/>
+    </dgm:txFillClrLst>
+    <dgm:txEffectClrLst/>
+  </dgm:styleLbl>
+  <dgm:styleLbl name="alignAccFollowNode1">
+    <dgm:fillClrLst meth="repeat">
+      <a:schemeClr val="accent1">
+        <a:alpha val="90000"/>
+        <a:tint val="40000"/>
+      </a:schemeClr>
+    </dgm:fillClrLst>
+    <dgm:linClrLst meth="repeat">
+      <a:schemeClr val="accent1">
+        <a:alpha val="90000"/>
+        <a:tint val="40000"/>
+      </a:schemeClr>
+    </dgm:linClrLst>
+    <dgm:effectClrLst/>
+    <dgm:txLinClrLst/>
+    <dgm:txFillClrLst meth="repeat">
+      <a:schemeClr val="dk1"/>
+    </dgm:txFillClrLst>
+    <dgm:txEffectClrLst/>
+  </dgm:styleLbl>
+  <dgm:styleLbl name="bgAccFollowNode1">
+    <dgm:fillClrLst meth="repeat">
+      <a:schemeClr val="accent1">
+        <a:alpha val="90000"/>
+        <a:tint val="40000"/>
+      </a:schemeClr>
+    </dgm:fillClrLst>
+    <dgm:linClrLst meth="repeat">
+      <a:schemeClr val="accent1">
+        <a:alpha val="90000"/>
+        <a:tint val="40000"/>
+      </a:schemeClr>
+    </dgm:linClrLst>
+    <dgm:effectClrLst/>
+    <dgm:txLinClrLst/>
+    <dgm:txFillClrLst meth="repeat">
+      <a:schemeClr val="dk1"/>
+    </dgm:txFillClrLst>
+    <dgm:txEffectClrLst/>
+  </dgm:styleLbl>
+  <dgm:styleLbl name="fgAcc0">
+    <dgm:fillClrLst meth="repeat">
+      <a:schemeClr val="lt1">
+        <a:alpha val="90000"/>
+      </a:schemeClr>
+    </dgm:fillClrLst>
+    <dgm:linClrLst meth="repeat">
+      <a:schemeClr val="accent1"/>
+    </dgm:linClrLst>
+    <dgm:effectClrLst/>
+    <dgm:txLinClrLst/>
+    <dgm:txFillClrLst meth="repeat">
+      <a:schemeClr val="dk1"/>
+    </dgm:txFillClrLst>
+    <dgm:txEffectClrLst/>
+  </dgm:styleLbl>
+  <dgm:styleLbl name="fgAcc2">
+    <dgm:fillClrLst meth="repeat">
+      <a:schemeClr val="lt1">
+        <a:alpha val="90000"/>
+      </a:schemeClr>
+    </dgm:fillClrLst>
+    <dgm:linClrLst meth="repeat">
+      <a:schemeClr val="accent1"/>
+    </dgm:linClrLst>
+    <dgm:effectClrLst/>
+    <dgm:txLinClrLst/>
+    <dgm:txFillClrLst meth="repeat">
+      <a:schemeClr val="dk1"/>
+    </dgm:txFillClrLst>
+    <dgm:txEffectClrLst/>
+  </dgm:styleLbl>
+  <dgm:styleLbl name="fgAcc3">
+    <dgm:fillClrLst meth="repeat">
+      <a:schemeClr val="lt1">
+        <a:alpha val="90000"/>
+      </a:schemeClr>
+    </dgm:fillClrLst>
+    <dgm:linClrLst meth="repeat">
+      <a:schemeClr val="accent1"/>
+    </dgm:linClrLst>
+    <dgm:effectClrLst/>
+    <dgm:txLinClrLst/>
+    <dgm:txFillClrLst meth="repeat">
+      <a:schemeClr val="dk1"/>
+    </dgm:txFillClrLst>
+    <dgm:txEffectClrLst/>
+  </dgm:styleLbl>
+  <dgm:styleLbl name="fgAcc4">
+    <dgm:fillClrLst meth="repeat">
+      <a:schemeClr val="lt1">
+        <a:alpha val="90000"/>
+      </a:schemeClr>
+    </dgm:fillClrLst>
+    <dgm:linClrLst meth="repeat">
+      <a:schemeClr val="accent1"/>
+    </dgm:linClrLst>
+    <dgm:effectClrLst/>
+    <dgm:txLinClrLst/>
+    <dgm:txFillClrLst meth="repeat">
+      <a:schemeClr val="dk1"/>
+    </dgm:txFillClrLst>
+    <dgm:txEffectClrLst/>
+  </dgm:styleLbl>
+  <dgm:styleLbl name="bgShp">
+    <dgm:fillClrLst meth="repeat">
+      <a:schemeClr val="accent1">
+        <a:tint val="40000"/>
+      </a:schemeClr>
+    </dgm:fillClrLst>
+    <dgm:linClrLst meth="repeat">
+      <a:schemeClr val="accent1"/>
+    </dgm:linClrLst>
+    <dgm:effectClrLst/>
+    <dgm:txLinClrLst/>
+    <dgm:txFillClrLst meth="repeat">
+      <a:schemeClr val="dk1"/>
+    </dgm:txFillClrLst>
+    <dgm:txEffectClrLst/>
+  </dgm:styleLbl>
+  <dgm:styleLbl name="dkBgShp">
+    <dgm:fillClrLst meth="repeat">
+      <a:schemeClr val="accent1">
+        <a:shade val="80000"/>
+      </a:schemeClr>
+    </dgm:fillClrLst>
+    <dgm:linClrLst meth="repeat">
+      <a:schemeClr val="accent1"/>
+    </dgm:linClrLst>
+    <dgm:effectClrLst/>
+    <dgm:txLinClrLst/>
+    <dgm:txFillClrLst meth="repeat">
+      <a:schemeClr val="lt1"/>
+    </dgm:txFillClrLst>
+    <dgm:txEffectClrLst/>
+  </dgm:styleLbl>
+  <dgm:styleLbl name="trBgShp">
+    <dgm:fillClrLst meth="repeat">
+      <a:schemeClr val="accent1">
+        <a:tint val="50000"/>
+        <a:alpha val="40000"/>
+      </a:schemeClr>
+    </dgm:fillClrLst>
+    <dgm:linClrLst meth="repeat">
+      <a:schemeClr val="accent1"/>
+    </dgm:linClrLst>
+    <dgm:effectClrLst/>
+    <dgm:txLinClrLst/>
+    <dgm:txFillClrLst meth="repeat">
+      <a:schemeClr val="lt1"/>
+    </dgm:txFillClrLst>
+    <dgm:txEffectClrLst/>
+  </dgm:styleLbl>
+  <dgm:styleLbl name="fgShp">
+    <dgm:fillClrLst meth="repeat">
+      <a:schemeClr val="accent1">
+        <a:tint val="60000"/>
+      </a:schemeClr>
+    </dgm:fillClrLst>
+    <dgm:linClrLst meth="repeat">
+      <a:schemeClr val="lt1"/>
+    </dgm:linClrLst>
+    <dgm:effectClrLst/>
+    <dgm:txLinClrLst/>
+    <dgm:txFillClrLst meth="repeat">
+      <a:schemeClr val="dk1"/>
+    </dgm:txFillClrLst>
+    <dgm:txEffectClrLst/>
+  </dgm:styleLbl>
+  <dgm:styleLbl name="revTx">
+    <dgm:fillClrLst meth="repeat">
+      <a:schemeClr val="lt1">
+        <a:alpha val="0"/>
+      </a:schemeClr>
+    </dgm:fillClrLst>
+    <dgm:linClrLst meth="repeat">
+      <a:schemeClr val="dk1">
+        <a:alpha val="0"/>
+      </a:schemeClr>
+    </dgm:linClrLst>
+    <dgm:effectClrLst/>
+    <dgm:txLinClrLst/>
+    <dgm:txFillClrLst meth="repeat">
+      <a:schemeClr val="tx1"/>
+    </dgm:txFillClrLst>
+    <dgm:txEffectClrLst/>
+  </dgm:styleLbl>
+</dgm:colorsDef>
+</file>
+
+<file path=ppt/diagrams/colors5.xml><?xml version="1.0" encoding="utf-8"?>
+<dgm:colorsDef xmlns:dgm="http://schemas.openxmlformats.org/drawingml/2006/diagram" xmlns:a="http://schemas.openxmlformats.org/drawingml/2006/main" uniqueId="urn:microsoft.com/office/officeart/2005/8/colors/accent1_2">
+  <dgm:title val=""/>
+  <dgm:desc val=""/>
+  <dgm:catLst>
+    <dgm:cat type="accent1" pri="11200"/>
+  </dgm:catLst>
+  <dgm:styleLbl name="node0">
+    <dgm:fillClrLst meth="repeat">
+      <a:schemeClr val="accent1"/>
+    </dgm:fillClrLst>
+    <dgm:linClrLst meth="repeat">
+      <a:schemeClr val="lt1"/>
+    </dgm:linClrLst>
+    <dgm:effectClrLst/>
+    <dgm:txLinClrLst/>
+    <dgm:txFillClrLst/>
+    <dgm:txEffectClrLst/>
+  </dgm:styleLbl>
+  <dgm:styleLbl name="alignNode1">
+    <dgm:fillClrLst meth="repeat">
+      <a:schemeClr val="accent1"/>
+    </dgm:fillClrLst>
+    <dgm:linClrLst meth="repeat">
+      <a:schemeClr val="accent1"/>
+    </dgm:linClrLst>
+    <dgm:effectClrLst/>
+    <dgm:txLinClrLst/>
+    <dgm:txFillClrLst/>
+    <dgm:txEffectClrLst/>
+  </dgm:styleLbl>
+  <dgm:styleLbl name="node1">
+    <dgm:fillClrLst meth="repeat">
+      <a:schemeClr val="accent1"/>
+    </dgm:fillClrLst>
+    <dgm:linClrLst meth="repeat">
+      <a:schemeClr val="lt1"/>
+    </dgm:linClrLst>
+    <dgm:effectClrLst/>
+    <dgm:txLinClrLst/>
+    <dgm:txFillClrLst/>
+    <dgm:txEffectClrLst/>
+  </dgm:styleLbl>
+  <dgm:styleLbl name="lnNode1">
+    <dgm:fillClrLst meth="repeat">
+      <a:schemeClr val="accent1"/>
+    </dgm:fillClrLst>
+    <dgm:linClrLst meth="repeat">
+      <a:schemeClr val="lt1"/>
+    </dgm:linClrLst>
+    <dgm:effectClrLst/>
+    <dgm:txLinClrLst/>
+    <dgm:txFillClrLst/>
+    <dgm:txEffectClrLst/>
+  </dgm:styleLbl>
+  <dgm:styleLbl name="vennNode1">
+    <dgm:fillClrLst meth="repeat">
+      <a:schemeClr val="accent1">
+        <a:alpha val="50000"/>
+      </a:schemeClr>
+    </dgm:fillClrLst>
+    <dgm:linClrLst meth="repeat">
+      <a:schemeClr val="lt1"/>
+    </dgm:linClrLst>
+    <dgm:effectClrLst/>
+    <dgm:txLinClrLst/>
+    <dgm:txFillClrLst/>
+    <dgm:txEffectClrLst/>
+  </dgm:styleLbl>
+  <dgm:styleLbl name="node2">
+    <dgm:fillClrLst meth="repeat">
+      <a:schemeClr val="accent1"/>
+    </dgm:fillClrLst>
+    <dgm:linClrLst meth="repeat">
+      <a:schemeClr val="lt1"/>
+    </dgm:linClrLst>
+    <dgm:effectClrLst/>
+    <dgm:txLinClrLst/>
+    <dgm:txFillClrLst/>
+    <dgm:txEffectClrLst/>
+  </dgm:styleLbl>
+  <dgm:styleLbl name="node3">
+    <dgm:fillClrLst meth="repeat">
+      <a:schemeClr val="accent1"/>
+    </dgm:fillClrLst>
+    <dgm:linClrLst meth="repeat">
+      <a:schemeClr val="lt1"/>
+    </dgm:linClrLst>
+    <dgm:effectClrLst/>
+    <dgm:txLinClrLst/>
+    <dgm:txFillClrLst/>
+    <dgm:txEffectClrLst/>
+  </dgm:styleLbl>
+  <dgm:styleLbl name="node4">
+    <dgm:fillClrLst meth="repeat">
+      <a:schemeClr val="accent1"/>
+    </dgm:fillClrLst>
+    <dgm:linClrLst meth="repeat">
+      <a:schemeClr val="lt1"/>
+    </dgm:linClrLst>
+    <dgm:effectClrLst/>
+    <dgm:txLinClrLst/>
+    <dgm:txFillClrLst/>
+    <dgm:txEffectClrLst/>
+  </dgm:styleLbl>
+  <dgm:styleLbl name="fgImgPlace1">
+    <dgm:fillClrLst meth="repeat">
+      <a:schemeClr val="accent1">
+        <a:tint val="50000"/>
+      </a:schemeClr>
+    </dgm:fillClrLst>
+    <dgm:linClrLst meth="repeat">
+      <a:schemeClr val="lt1"/>
+    </dgm:linClrLst>
+    <dgm:effectClrLst/>
+    <dgm:txLinClrLst/>
+    <dgm:txFillClrLst meth="repeat">
+      <a:schemeClr val="lt1"/>
+    </dgm:txFillClrLst>
+    <dgm:txEffectClrLst/>
+  </dgm:styleLbl>
+  <dgm:styleLbl name="alignImgPlace1">
+    <dgm:fillClrLst meth="repeat">
+      <a:schemeClr val="accent1">
+        <a:tint val="50000"/>
+      </a:schemeClr>
+    </dgm:fillClrLst>
+    <dgm:linClrLst meth="repeat">
+      <a:schemeClr val="lt1"/>
+    </dgm:linClrLst>
+    <dgm:effectClrLst/>
+    <dgm:txLinClrLst/>
+    <dgm:txFillClrLst meth="repeat">
+      <a:schemeClr val="lt1"/>
+    </dgm:txFillClrLst>
+    <dgm:txEffectClrLst/>
+  </dgm:styleLbl>
+  <dgm:styleLbl name="bgImgPlace1">
+    <dgm:fillClrLst meth="repeat">
+      <a:schemeClr val="accent1">
+        <a:tint val="50000"/>
+      </a:schemeClr>
+    </dgm:fillClrLst>
+    <dgm:linClrLst meth="repeat">
+      <a:schemeClr val="lt1"/>
+    </dgm:linClrLst>
+    <dgm:effectClrLst/>
+    <dgm:txLinClrLst/>
+    <dgm:txFillClrLst meth="repeat">
+      <a:schemeClr val="lt1"/>
+    </dgm:txFillClrLst>
+    <dgm:txEffectClrLst/>
+  </dgm:styleLbl>
+  <dgm:styleLbl name="sibTrans2D1">
+    <dgm:fillClrLst meth="repeat">
+      <a:schemeClr val="accent1">
+        <a:tint val="60000"/>
+      </a:schemeClr>
+    </dgm:fillClrLst>
+    <dgm:linClrLst meth="repeat">
+      <a:schemeClr val="accent1">
+        <a:tint val="60000"/>
+      </a:schemeClr>
+    </dgm:linClrLst>
+    <dgm:effectClrLst/>
+    <dgm:txLinClrLst/>
+    <dgm:txFillClrLst/>
+    <dgm:txEffectClrLst/>
+  </dgm:styleLbl>
+  <dgm:styleLbl name="fgSibTrans2D1">
+    <dgm:fillClrLst meth="repeat">
+      <a:schemeClr val="accent1">
+        <a:tint val="60000"/>
+      </a:schemeClr>
+    </dgm:fillClrLst>
+    <dgm:linClrLst meth="repeat">
+      <a:schemeClr val="accent1">
+        <a:tint val="60000"/>
+      </a:schemeClr>
+    </dgm:linClrLst>
+    <dgm:effectClrLst/>
+    <dgm:txLinClrLst/>
+    <dgm:txFillClrLst/>
+    <dgm:txEffectClrLst/>
+  </dgm:styleLbl>
+  <dgm:styleLbl name="bgSibTrans2D1">
+    <dgm:fillClrLst meth="repeat">
+      <a:schemeClr val="accent1">
+        <a:tint val="60000"/>
+      </a:schemeClr>
+    </dgm:fillClrLst>
+    <dgm:linClrLst meth="repeat">
+      <a:schemeClr val="accent1">
+        <a:tint val="60000"/>
+      </a:schemeClr>
+    </dgm:linClrLst>
+    <dgm:effectClrLst/>
+    <dgm:txLinClrLst/>
+    <dgm:txFillClrLst/>
+    <dgm:txEffectClrLst/>
+  </dgm:styleLbl>
+  <dgm:styleLbl name="sibTrans1D1">
+    <dgm:fillClrLst meth="repeat">
+      <a:schemeClr val="accent1"/>
+    </dgm:fillClrLst>
+    <dgm:linClrLst meth="repeat">
+      <a:schemeClr val="accent1"/>
+    </dgm:linClrLst>
+    <dgm:effectClrLst/>
+    <dgm:txLinClrLst/>
+    <dgm:txFillClrLst meth="repeat">
+      <a:schemeClr val="tx1"/>
+    </dgm:txFillClrLst>
+    <dgm:txEffectClrLst/>
+  </dgm:styleLbl>
+  <dgm:styleLbl name="callout">
+    <dgm:fillClrLst meth="repeat">
+      <a:schemeClr val="accent1"/>
+    </dgm:fillClrLst>
+    <dgm:linClrLst meth="repeat">
+      <a:schemeClr val="accent1">
+        <a:tint val="50000"/>
+      </a:schemeClr>
+    </dgm:linClrLst>
+    <dgm:effectClrLst/>
+    <dgm:txLinClrLst/>
+    <dgm:txFillClrLst meth="repeat">
+      <a:schemeClr val="tx1"/>
+    </dgm:txFillClrLst>
+    <dgm:txEffectClrLst/>
+  </dgm:styleLbl>
+  <dgm:styleLbl name="asst0">
+    <dgm:fillClrLst meth="repeat">
+      <a:schemeClr val="accent1"/>
+    </dgm:fillClrLst>
+    <dgm:linClrLst meth="repeat">
+      <a:schemeClr val="lt1"/>
+    </dgm:linClrLst>
+    <dgm:effectClrLst/>
+    <dgm:txLinClrLst/>
+    <dgm:txFillClrLst/>
+    <dgm:txEffectClrLst/>
+  </dgm:styleLbl>
+  <dgm:styleLbl name="asst1">
+    <dgm:fillClrLst meth="repeat">
+      <a:schemeClr val="accent1"/>
+    </dgm:fillClrLst>
+    <dgm:linClrLst meth="repeat">
+      <a:schemeClr val="lt1"/>
+    </dgm:linClrLst>
+    <dgm:effectClrLst/>
+    <dgm:txLinClrLst/>
+    <dgm:txFillClrLst/>
+    <dgm:txEffectClrLst/>
+  </dgm:styleLbl>
+  <dgm:styleLbl name="asst2">
+    <dgm:fillClrLst meth="repeat">
+      <a:schemeClr val="accent1"/>
+    </dgm:fillClrLst>
+    <dgm:linClrLst meth="repeat">
+      <a:schemeClr val="lt1"/>
+    </dgm:linClrLst>
+    <dgm:effectClrLst/>
+    <dgm:txLinClrLst/>
+    <dgm:txFillClrLst/>
+    <dgm:txEffectClrLst/>
+  </dgm:styleLbl>
+  <dgm:styleLbl name="asst3">
+    <dgm:fillClrLst meth="repeat">
+      <a:schemeClr val="accent1"/>
+    </dgm:fillClrLst>
+    <dgm:linClrLst meth="repeat">
+      <a:schemeClr val="lt1"/>
+    </dgm:linClrLst>
+    <dgm:effectClrLst/>
+    <dgm:txLinClrLst/>
+    <dgm:txFillClrLst/>
+    <dgm:txEffectClrLst/>
+  </dgm:styleLbl>
+  <dgm:styleLbl name="asst4">
+    <dgm:fillClrLst meth="repeat">
+      <a:schemeClr val="accent1"/>
+    </dgm:fillClrLst>
+    <dgm:linClrLst meth="repeat">
+      <a:schemeClr val="lt1"/>
+    </dgm:linClrLst>
+    <dgm:effectClrLst/>
+    <dgm:txLinClrLst/>
+    <dgm:txFillClrLst/>
+    <dgm:txEffectClrLst/>
+  </dgm:styleLbl>
+  <dgm:styleLbl name="parChTrans2D1">
+    <dgm:fillClrLst meth="repeat">
+      <a:schemeClr val="accent1">
+        <a:tint val="60000"/>
+      </a:schemeClr>
+    </dgm:fillClrLst>
+    <dgm:linClrLst meth="repeat">
+      <a:schemeClr val="accent1">
+        <a:tint val="60000"/>
+      </a:schemeClr>
+    </dgm:linClrLst>
+    <dgm:effectClrLst/>
+    <dgm:txLinClrLst/>
+    <dgm:txFillClrLst meth="repeat">
+      <a:schemeClr val="lt1"/>
+    </dgm:txFillClrLst>
+    <dgm:txEffectClrLst/>
+  </dgm:styleLbl>
+  <dgm:styleLbl name="parChTrans2D2">
+    <dgm:fillClrLst meth="repeat">
+      <a:schemeClr val="accent1"/>
+    </dgm:fillClrLst>
+    <dgm:linClrLst meth="repeat">
+      <a:schemeClr val="accent1"/>
+    </dgm:linClrLst>
+    <dgm:effectClrLst/>
+    <dgm:txLinClrLst/>
+    <dgm:txFillClrLst meth="repeat">
+      <a:schemeClr val="lt1"/>
+    </dgm:txFillClrLst>
+    <dgm:txEffectClrLst/>
+  </dgm:styleLbl>
+  <dgm:styleLbl name="parChTrans2D3">
+    <dgm:fillClrLst meth="repeat">
+      <a:schemeClr val="accent1"/>
+    </dgm:fillClrLst>
+    <dgm:linClrLst meth="repeat">
+      <a:schemeClr val="accent1"/>
+    </dgm:linClrLst>
+    <dgm:effectClrLst/>
+    <dgm:txLinClrLst/>
+    <dgm:txFillClrLst meth="repeat">
+      <a:schemeClr val="lt1"/>
+    </dgm:txFillClrLst>
+    <dgm:txEffectClrLst/>
+  </dgm:styleLbl>
+  <dgm:styleLbl name="parChTrans2D4">
+    <dgm:fillClrLst meth="repeat">
+      <a:schemeClr val="accent1"/>
+    </dgm:fillClrLst>
+    <dgm:linClrLst meth="repeat">
+      <a:schemeClr val="accent1"/>
+    </dgm:linClrLst>
+    <dgm:effectClrLst/>
+    <dgm:txLinClrLst/>
+    <dgm:txFillClrLst meth="repeat">
+      <a:schemeClr val="lt1"/>
+    </dgm:txFillClrLst>
+    <dgm:txEffectClrLst/>
+  </dgm:styleLbl>
+  <dgm:styleLbl name="parChTrans1D1">
+    <dgm:fillClrLst meth="repeat">
+      <a:schemeClr val="accent1"/>
+    </dgm:fillClrLst>
+    <dgm:linClrLst meth="repeat">
+      <a:schemeClr val="accent1">
+        <a:shade val="60000"/>
+      </a:schemeClr>
+    </dgm:linClrLst>
+    <dgm:effectClrLst/>
+    <dgm:txLinClrLst/>
+    <dgm:txFillClrLst meth="repeat">
+      <a:schemeClr val="tx1"/>
+    </dgm:txFillClrLst>
+    <dgm:txEffectClrLst/>
+  </dgm:styleLbl>
+  <dgm:styleLbl name="parChTrans1D2">
+    <dgm:fillClrLst meth="repeat">
+      <a:schemeClr val="accent1"/>
+    </dgm:fillClrLst>
+    <dgm:linClrLst meth="repeat">
+      <a:schemeClr val="accent1">
+        <a:shade val="60000"/>
+      </a:schemeClr>
+    </dgm:linClrLst>
+    <dgm:effectClrLst/>
+    <dgm:txLinClrLst/>
+    <dgm:txFillClrLst meth="repeat">
+      <a:schemeClr val="tx1"/>
+    </dgm:txFillClrLst>
+    <dgm:txEffectClrLst/>
+  </dgm:styleLbl>
+  <dgm:styleLbl name="parChTrans1D3">
+    <dgm:fillClrLst meth="repeat">
+      <a:schemeClr val="accent1"/>
+    </dgm:fillClrLst>
+    <dgm:linClrLst meth="repeat">
+      <a:schemeClr val="accent1">
+        <a:shade val="80000"/>
+      </a:schemeClr>
+    </dgm:linClrLst>
+    <dgm:effectClrLst/>
+    <dgm:txLinClrLst/>
+    <dgm:txFillClrLst meth="repeat">
+      <a:schemeClr val="tx1"/>
+    </dgm:txFillClrLst>
+    <dgm:txEffectClrLst/>
+  </dgm:styleLbl>
+  <dgm:styleLbl name="parChTrans1D4">
+    <dgm:fillClrLst meth="repeat">
+      <a:schemeClr val="accent1"/>
+    </dgm:fillClrLst>
+    <dgm:linClrLst meth="repeat">
+      <a:schemeClr val="accent1">
+        <a:shade val="80000"/>
+      </a:schemeClr>
+    </dgm:linClrLst>
+    <dgm:effectClrLst/>
+    <dgm:txLinClrLst/>
+    <dgm:txFillClrLst meth="repeat">
+      <a:schemeClr val="tx1"/>
+    </dgm:txFillClrLst>
+    <dgm:txEffectClrLst/>
+  </dgm:styleLbl>
+  <dgm:styleLbl name="fgAcc1">
+    <dgm:fillClrLst meth="repeat">
+      <a:schemeClr val="lt1">
+        <a:alpha val="90000"/>
+      </a:schemeClr>
+    </dgm:fillClrLst>
+    <dgm:linClrLst meth="repeat">
+      <a:schemeClr val="accent1"/>
+    </dgm:linClrLst>
+    <dgm:effectClrLst/>
+    <dgm:txLinClrLst/>
+    <dgm:txFillClrLst meth="repeat">
+      <a:schemeClr val="dk1"/>
+    </dgm:txFillClrLst>
+    <dgm:txEffectClrLst/>
+  </dgm:styleLbl>
+  <dgm:styleLbl name="conFgAcc1">
+    <dgm:fillClrLst meth="repeat">
+      <a:schemeClr val="lt1">
+        <a:alpha val="90000"/>
+      </a:schemeClr>
+    </dgm:fillClrLst>
+    <dgm:linClrLst meth="repeat">
+      <a:schemeClr val="accent1"/>
+    </dgm:linClrLst>
+    <dgm:effectClrLst/>
+    <dgm:txLinClrLst/>
+    <dgm:txFillClrLst meth="repeat">
+      <a:schemeClr val="dk1"/>
+    </dgm:txFillClrLst>
+    <dgm:txEffectClrLst/>
+  </dgm:styleLbl>
+  <dgm:styleLbl name="alignAcc1">
+    <dgm:fillClrLst meth="repeat">
+      <a:schemeClr val="lt1">
+        <a:alpha val="90000"/>
+      </a:schemeClr>
+    </dgm:fillClrLst>
+    <dgm:linClrLst meth="repeat">
+      <a:schemeClr val="accent1"/>
+    </dgm:linClrLst>
+    <dgm:effectClrLst/>
+    <dgm:txLinClrLst/>
+    <dgm:txFillClrLst meth="repeat">
+      <a:schemeClr val="dk1"/>
+    </dgm:txFillClrLst>
+    <dgm:txEffectClrLst/>
+  </dgm:styleLbl>
+  <dgm:styleLbl name="trAlignAcc1">
+    <dgm:fillClrLst meth="repeat">
+      <a:schemeClr val="lt1">
+        <a:alpha val="40000"/>
+      </a:schemeClr>
+    </dgm:fillClrLst>
+    <dgm:linClrLst meth="repeat">
+      <a:schemeClr val="accent1"/>
+    </dgm:linClrLst>
+    <dgm:effectClrLst/>
+    <dgm:txLinClrLst/>
+    <dgm:txFillClrLst meth="repeat">
+      <a:schemeClr val="dk1"/>
+    </dgm:txFillClrLst>
+    <dgm:txEffectClrLst/>
+  </dgm:styleLbl>
+  <dgm:styleLbl name="bgAcc1">
+    <dgm:fillClrLst meth="repeat">
+      <a:schemeClr val="lt1">
+        <a:alpha val="90000"/>
+      </a:schemeClr>
+    </dgm:fillClrLst>
+    <dgm:linClrLst meth="repeat">
+      <a:schemeClr val="accent1"/>
+    </dgm:linClrLst>
+    <dgm:effectClrLst/>
+    <dgm:txLinClrLst/>
+    <dgm:txFillClrLst meth="repeat">
+      <a:schemeClr val="dk1"/>
+    </dgm:txFillClrLst>
+    <dgm:txEffectClrLst/>
+  </dgm:styleLbl>
+  <dgm:styleLbl name="solidFgAcc1">
+    <dgm:fillClrLst meth="repeat">
+      <a:schemeClr val="lt1"/>
+    </dgm:fillClrLst>
+    <dgm:linClrLst meth="repeat">
+      <a:schemeClr val="accent1"/>
+    </dgm:linClrLst>
+    <dgm:effectClrLst/>
+    <dgm:txLinClrLst/>
+    <dgm:txFillClrLst meth="repeat">
+      <a:schemeClr val="dk1"/>
+    </dgm:txFillClrLst>
+    <dgm:txEffectClrLst/>
+  </dgm:styleLbl>
+  <dgm:styleLbl name="solidAlignAcc1">
+    <dgm:fillClrLst meth="repeat">
+      <a:schemeClr val="lt1"/>
+    </dgm:fillClrLst>
+    <dgm:linClrLst meth="repeat">
+      <a:schemeClr val="accent1"/>
+    </dgm:linClrLst>
+    <dgm:effectClrLst/>
+    <dgm:txLinClrLst/>
+    <dgm:txFillClrLst meth="repeat">
+      <a:schemeClr val="dk1"/>
+    </dgm:txFillClrLst>
+    <dgm:txEffectClrLst/>
+  </dgm:styleLbl>
+  <dgm:styleLbl name="solidBgAcc1">
+    <dgm:fillClrLst meth="repeat">
+      <a:schemeClr val="lt1"/>
+    </dgm:fillClrLst>
+    <dgm:linClrLst meth="repeat">
+      <a:schemeClr val="accent1"/>
+    </dgm:linClrLst>
+    <dgm:effectClrLst/>
+    <dgm:txLinClrLst/>
+    <dgm:txFillClrLst meth="repeat">
+      <a:schemeClr val="dk1"/>
+    </dgm:txFillClrLst>
+    <dgm:txEffectClrLst/>
+  </dgm:styleLbl>
+  <dgm:styleLbl name="fgAccFollowNode1">
+    <dgm:fillClrLst meth="repeat">
+      <a:schemeClr val="accent1">
+        <a:alpha val="90000"/>
+        <a:tint val="40000"/>
+      </a:schemeClr>
+    </dgm:fillClrLst>
+    <dgm:linClrLst meth="repeat">
+      <a:schemeClr val="accent1">
+        <a:alpha val="90000"/>
+        <a:tint val="40000"/>
+      </a:schemeClr>
+    </dgm:linClrLst>
+    <dgm:effectClrLst/>
+    <dgm:txLinClrLst/>
+    <dgm:txFillClrLst meth="repeat">
+      <a:schemeClr val="dk1"/>
+    </dgm:txFillClrLst>
+    <dgm:txEffectClrLst/>
+  </dgm:styleLbl>
+  <dgm:styleLbl name="alignAccFollowNode1">
+    <dgm:fillClrLst meth="repeat">
+      <a:schemeClr val="accent1">
+        <a:alpha val="90000"/>
+        <a:tint val="40000"/>
+      </a:schemeClr>
+    </dgm:fillClrLst>
+    <dgm:linClrLst meth="repeat">
+      <a:schemeClr val="accent1">
+        <a:alpha val="90000"/>
+        <a:tint val="40000"/>
+      </a:schemeClr>
+    </dgm:linClrLst>
+    <dgm:effectClrLst/>
+    <dgm:txLinClrLst/>
+    <dgm:txFillClrLst meth="repeat">
+      <a:schemeClr val="dk1"/>
+    </dgm:txFillClrLst>
+    <dgm:txEffectClrLst/>
+  </dgm:styleLbl>
+  <dgm:styleLbl name="bgAccFollowNode1">
+    <dgm:fillClrLst meth="repeat">
+      <a:schemeClr val="accent1">
+        <a:alpha val="90000"/>
+        <a:tint val="40000"/>
+      </a:schemeClr>
+    </dgm:fillClrLst>
+    <dgm:linClrLst meth="repeat">
+      <a:schemeClr val="accent1">
+        <a:alpha val="90000"/>
+        <a:tint val="40000"/>
+      </a:schemeClr>
+    </dgm:linClrLst>
+    <dgm:effectClrLst/>
+    <dgm:txLinClrLst/>
+    <dgm:txFillClrLst meth="repeat">
+      <a:schemeClr val="dk1"/>
+    </dgm:txFillClrLst>
+    <dgm:txEffectClrLst/>
+  </dgm:styleLbl>
+  <dgm:styleLbl name="fgAcc0">
+    <dgm:fillClrLst meth="repeat">
+      <a:schemeClr val="lt1">
+        <a:alpha val="90000"/>
+      </a:schemeClr>
+    </dgm:fillClrLst>
+    <dgm:linClrLst meth="repeat">
+      <a:schemeClr val="accent1"/>
+    </dgm:linClrLst>
+    <dgm:effectClrLst/>
+    <dgm:txLinClrLst/>
+    <dgm:txFillClrLst meth="repeat">
+      <a:schemeClr val="dk1"/>
+    </dgm:txFillClrLst>
+    <dgm:txEffectClrLst/>
+  </dgm:styleLbl>
+  <dgm:styleLbl name="fgAcc2">
+    <dgm:fillClrLst meth="repeat">
+      <a:schemeClr val="lt1">
+        <a:alpha val="90000"/>
+      </a:schemeClr>
+    </dgm:fillClrLst>
+    <dgm:linClrLst meth="repeat">
+      <a:schemeClr val="accent1"/>
+    </dgm:linClrLst>
+    <dgm:effectClrLst/>
+    <dgm:txLinClrLst/>
+    <dgm:txFillClrLst meth="repeat">
+      <a:schemeClr val="dk1"/>
+    </dgm:txFillClrLst>
+    <dgm:txEffectClrLst/>
+  </dgm:styleLbl>
+  <dgm:styleLbl name="fgAcc3">
+    <dgm:fillClrLst meth="repeat">
+      <a:schemeClr val="lt1">
+        <a:alpha val="90000"/>
+      </a:schemeClr>
+    </dgm:fillClrLst>
+    <dgm:linClrLst meth="repeat">
+      <a:schemeClr val="accent1"/>
+    </dgm:linClrLst>
+    <dgm:effectClrLst/>
+    <dgm:txLinClrLst/>
+    <dgm:txFillClrLst meth="repeat">
+      <a:schemeClr val="dk1"/>
+    </dgm:txFillClrLst>
+    <dgm:txEffectClrLst/>
+  </dgm:styleLbl>
+  <dgm:styleLbl name="fgAcc4">
+    <dgm:fillClrLst meth="repeat">
+      <a:schemeClr val="lt1">
+        <a:alpha val="90000"/>
+      </a:schemeClr>
+    </dgm:fillClrLst>
+    <dgm:linClrLst meth="repeat">
+      <a:schemeClr val="accent1"/>
+    </dgm:linClrLst>
+    <dgm:effectClrLst/>
+    <dgm:txLinClrLst/>
+    <dgm:txFillClrLst meth="repeat">
+      <a:schemeClr val="dk1"/>
+    </dgm:txFillClrLst>
+    <dgm:txEffectClrLst/>
+  </dgm:styleLbl>
+  <dgm:styleLbl name="bgShp">
+    <dgm:fillClrLst meth="repeat">
+      <a:schemeClr val="accent1">
+        <a:tint val="40000"/>
+      </a:schemeClr>
+    </dgm:fillClrLst>
+    <dgm:linClrLst meth="repeat">
+      <a:schemeClr val="accent1"/>
+    </dgm:linClrLst>
+    <dgm:effectClrLst/>
+    <dgm:txLinClrLst/>
+    <dgm:txFillClrLst meth="repeat">
+      <a:schemeClr val="dk1"/>
+    </dgm:txFillClrLst>
+    <dgm:txEffectClrLst/>
+  </dgm:styleLbl>
+  <dgm:styleLbl name="dkBgShp">
+    <dgm:fillClrLst meth="repeat">
+      <a:schemeClr val="accent1">
+        <a:shade val="80000"/>
+      </a:schemeClr>
+    </dgm:fillClrLst>
+    <dgm:linClrLst meth="repeat">
+      <a:schemeClr val="accent1"/>
+    </dgm:linClrLst>
+    <dgm:effectClrLst/>
+    <dgm:txLinClrLst/>
+    <dgm:txFillClrLst meth="repeat">
+      <a:schemeClr val="lt1"/>
+    </dgm:txFillClrLst>
+    <dgm:txEffectClrLst/>
+  </dgm:styleLbl>
+  <dgm:styleLbl name="trBgShp">
+    <dgm:fillClrLst meth="repeat">
+      <a:schemeClr val="accent1">
+        <a:tint val="50000"/>
+        <a:alpha val="40000"/>
+      </a:schemeClr>
+    </dgm:fillClrLst>
+    <dgm:linClrLst meth="repeat">
+      <a:schemeClr val="accent1"/>
+    </dgm:linClrLst>
+    <dgm:effectClrLst/>
+    <dgm:txLinClrLst/>
+    <dgm:txFillClrLst meth="repeat">
+      <a:schemeClr val="lt1"/>
+    </dgm:txFillClrLst>
+    <dgm:txEffectClrLst/>
+  </dgm:styleLbl>
+  <dgm:styleLbl name="fgShp">
+    <dgm:fillClrLst meth="repeat">
+      <a:schemeClr val="accent1">
+        <a:tint val="60000"/>
+      </a:schemeClr>
+    </dgm:fillClrLst>
+    <dgm:linClrLst meth="repeat">
+      <a:schemeClr val="lt1"/>
+    </dgm:linClrLst>
+    <dgm:effectClrLst/>
+    <dgm:txLinClrLst/>
+    <dgm:txFillClrLst meth="repeat">
+      <a:schemeClr val="dk1"/>
+    </dgm:txFillClrLst>
+    <dgm:txEffectClrLst/>
+  </dgm:styleLbl>
+  <dgm:styleLbl name="revTx">
+    <dgm:fillClrLst meth="repeat">
+      <a:schemeClr val="lt1">
+        <a:alpha val="0"/>
+      </a:schemeClr>
+    </dgm:fillClrLst>
+    <dgm:linClrLst meth="repeat">
+      <a:schemeClr val="dk1">
+        <a:alpha val="0"/>
+      </a:schemeClr>
+    </dgm:linClrLst>
+    <dgm:effectClrLst/>
+    <dgm:txLinClrLst/>
+    <dgm:txFillClrLst meth="repeat">
+      <a:schemeClr val="tx1"/>
+    </dgm:txFillClrLst>
+    <dgm:txEffectClrLst/>
+  </dgm:styleLbl>
+</dgm:colorsDef>
+</file>
+
+<file path=ppt/diagrams/colors6.xml><?xml version="1.0" encoding="utf-8"?>
 <dgm:colorsDef xmlns:dgm="http://schemas.openxmlformats.org/drawingml/2006/diagram" xmlns:a="http://schemas.openxmlformats.org/drawingml/2006/main" uniqueId="urn:microsoft.com/office/officeart/2005/8/colors/accent1_2">
   <dgm:title val=""/>
   <dgm:desc val=""/>
@@ -4354,24 +5850,24 @@
     </dgm:pt>
   </dgm:ptLst>
   <dgm:cxnLst>
+    <dgm:cxn modelId="{D26AFD39-CECA-4C6E-964D-E1B52394D8BE}" srcId="{308EED72-B955-4909-9596-962A7B9E4BF0}" destId="{54C69B59-D2E4-48E7-AE76-271AA9856726}" srcOrd="0" destOrd="0" parTransId="{4A792B34-B29F-4432-A207-0612E50F6A45}" sibTransId="{ED2D5B36-4487-481A-A54B-FD574AFB3A72}"/>
+    <dgm:cxn modelId="{C6B597A3-6500-4845-B80B-80905B1DD80D}" srcId="{431FD47C-21DF-4147-B72D-8202BFC981E3}" destId="{5452653C-363F-45FC-AFF7-959B58673B08}" srcOrd="1" destOrd="0" parTransId="{BFBE3122-0BDD-46A3-8931-81D356E8B201}" sibTransId="{E9BA1F5D-8E7E-4CB7-B6E6-EC98941C7002}"/>
+    <dgm:cxn modelId="{21DCBC05-87D5-49A5-9DDC-45BDA0BA8BC0}" srcId="{308EED72-B955-4909-9596-962A7B9E4BF0}" destId="{5927FEF3-1F2F-4B70-B910-913B48F2DE1F}" srcOrd="2" destOrd="0" parTransId="{A570B297-9267-4C0D-8C3A-D2A487833FC6}" sibTransId="{A181990E-B622-4D39-908F-F91EC2A20A35}"/>
+    <dgm:cxn modelId="{8B7EBB05-08AB-4100-AFB0-57089314C208}" srcId="{308EED72-B955-4909-9596-962A7B9E4BF0}" destId="{354ACCF7-210E-426B-B076-9F9FE5E8BFC2}" srcOrd="1" destOrd="0" parTransId="{E467250F-F059-407C-BAF8-17DBA3D55F2D}" sibTransId="{25872F95-77A8-4E24-B804-00142A0ECFEC}"/>
+    <dgm:cxn modelId="{78B9CF00-2373-45BD-9F5E-A03736A0BA4D}" type="presOf" srcId="{98351B23-3F89-4F34-9A3B-208E3B1AD018}" destId="{846B3BA7-0096-42B1-AEF5-818B99AAF7F9}" srcOrd="1" destOrd="0" presId="urn:microsoft.com/office/officeart/2005/8/layout/hierarchy6"/>
     <dgm:cxn modelId="{0DA9B849-5A12-41AB-9B91-D0A3E102D5C8}" type="presOf" srcId="{A570B297-9267-4C0D-8C3A-D2A487833FC6}" destId="{BABD95CC-38EE-4FB4-AA2D-FB2FF04048CA}" srcOrd="0" destOrd="0" presId="urn:microsoft.com/office/officeart/2005/8/layout/hierarchy6"/>
-    <dgm:cxn modelId="{8B7EBB05-08AB-4100-AFB0-57089314C208}" srcId="{308EED72-B955-4909-9596-962A7B9E4BF0}" destId="{354ACCF7-210E-426B-B076-9F9FE5E8BFC2}" srcOrd="1" destOrd="0" parTransId="{E467250F-F059-407C-BAF8-17DBA3D55F2D}" sibTransId="{25872F95-77A8-4E24-B804-00142A0ECFEC}"/>
+    <dgm:cxn modelId="{BE3E4E9B-C478-4E3C-A193-A0C53474618C}" type="presOf" srcId="{308EED72-B955-4909-9596-962A7B9E4BF0}" destId="{04D248C9-0B06-4B9B-A1E1-6EE653403F61}" srcOrd="0" destOrd="0" presId="urn:microsoft.com/office/officeart/2005/8/layout/hierarchy6"/>
+    <dgm:cxn modelId="{1F6DCD9B-802C-4715-85D3-2E8E7000E77B}" type="presOf" srcId="{5452653C-363F-45FC-AFF7-959B58673B08}" destId="{D15C4938-1ED4-4239-B5D7-F45053C3E9A3}" srcOrd="1" destOrd="0" presId="urn:microsoft.com/office/officeart/2005/8/layout/hierarchy6"/>
+    <dgm:cxn modelId="{F8BF9C11-0CF2-48E0-BCBA-F53443122BB6}" srcId="{431FD47C-21DF-4147-B72D-8202BFC981E3}" destId="{98351B23-3F89-4F34-9A3B-208E3B1AD018}" srcOrd="2" destOrd="0" parTransId="{16306997-46A9-4F51-9E51-38774671F07E}" sibTransId="{AA125E8B-B902-4C48-B9FC-847F6BDD3DC6}"/>
+    <dgm:cxn modelId="{E5DED8DE-CC04-440F-81FC-51AFC3B15C98}" type="presOf" srcId="{5452653C-363F-45FC-AFF7-959B58673B08}" destId="{A6E666FF-E70B-4540-855A-AFBB537B9327}" srcOrd="0" destOrd="0" presId="urn:microsoft.com/office/officeart/2005/8/layout/hierarchy6"/>
+    <dgm:cxn modelId="{D3280BC1-56D2-4A2F-A551-E9987550A119}" type="presOf" srcId="{54C69B59-D2E4-48E7-AE76-271AA9856726}" destId="{04E8B994-334C-4654-B5A5-924B5F8579EA}" srcOrd="0" destOrd="0" presId="urn:microsoft.com/office/officeart/2005/8/layout/hierarchy6"/>
     <dgm:cxn modelId="{46C306AC-76E2-424C-BA17-7D8056C26534}" type="presOf" srcId="{5927FEF3-1F2F-4B70-B910-913B48F2DE1F}" destId="{901F9022-E967-4255-9BBD-A4D9FD098E23}" srcOrd="0" destOrd="0" presId="urn:microsoft.com/office/officeart/2005/8/layout/hierarchy6"/>
-    <dgm:cxn modelId="{BE3E4E9B-C478-4E3C-A193-A0C53474618C}" type="presOf" srcId="{308EED72-B955-4909-9596-962A7B9E4BF0}" destId="{04D248C9-0B06-4B9B-A1E1-6EE653403F61}" srcOrd="0" destOrd="0" presId="urn:microsoft.com/office/officeart/2005/8/layout/hierarchy6"/>
+    <dgm:cxn modelId="{7E13AB0E-9720-49A7-ACF1-F0F0D4A3BB7E}" type="presOf" srcId="{4A792B34-B29F-4432-A207-0612E50F6A45}" destId="{D363D8BE-A8D0-43D2-88C9-6119156624E5}" srcOrd="0" destOrd="0" presId="urn:microsoft.com/office/officeart/2005/8/layout/hierarchy6"/>
     <dgm:cxn modelId="{9B2A9731-2485-48C8-8B42-97DF45B818D3}" type="presOf" srcId="{431FD47C-21DF-4147-B72D-8202BFC981E3}" destId="{65456A9F-7391-450D-B61E-5311232CFD7B}" srcOrd="0" destOrd="0" presId="urn:microsoft.com/office/officeart/2005/8/layout/hierarchy6"/>
-    <dgm:cxn modelId="{C6B597A3-6500-4845-B80B-80905B1DD80D}" srcId="{431FD47C-21DF-4147-B72D-8202BFC981E3}" destId="{5452653C-363F-45FC-AFF7-959B58673B08}" srcOrd="1" destOrd="0" parTransId="{BFBE3122-0BDD-46A3-8931-81D356E8B201}" sibTransId="{E9BA1F5D-8E7E-4CB7-B6E6-EC98941C7002}"/>
     <dgm:cxn modelId="{C5B7E2D7-4C4D-4332-9AF0-380AE87054A7}" srcId="{431FD47C-21DF-4147-B72D-8202BFC981E3}" destId="{308EED72-B955-4909-9596-962A7B9E4BF0}" srcOrd="0" destOrd="0" parTransId="{FCAFE860-7D0D-4B11-AE61-97609090E92E}" sibTransId="{11AD264B-7D7C-4B34-B6A0-73B2EB012A49}"/>
-    <dgm:cxn modelId="{D3280BC1-56D2-4A2F-A551-E9987550A119}" type="presOf" srcId="{54C69B59-D2E4-48E7-AE76-271AA9856726}" destId="{04E8B994-334C-4654-B5A5-924B5F8579EA}" srcOrd="0" destOrd="0" presId="urn:microsoft.com/office/officeart/2005/8/layout/hierarchy6"/>
+    <dgm:cxn modelId="{A384BBB8-9D02-4E07-99A3-14D92000ABD4}" type="presOf" srcId="{354ACCF7-210E-426B-B076-9F9FE5E8BFC2}" destId="{A444287F-FB55-461E-8FFD-3E7B296DA7E0}" srcOrd="0" destOrd="0" presId="urn:microsoft.com/office/officeart/2005/8/layout/hierarchy6"/>
     <dgm:cxn modelId="{12DE6061-A9D2-49A5-9F95-5C935ABA2A82}" type="presOf" srcId="{98351B23-3F89-4F34-9A3B-208E3B1AD018}" destId="{1A05406C-8B0B-4968-990B-0DB4B544163E}" srcOrd="0" destOrd="0" presId="urn:microsoft.com/office/officeart/2005/8/layout/hierarchy6"/>
-    <dgm:cxn modelId="{F8BF9C11-0CF2-48E0-BCBA-F53443122BB6}" srcId="{431FD47C-21DF-4147-B72D-8202BFC981E3}" destId="{98351B23-3F89-4F34-9A3B-208E3B1AD018}" srcOrd="2" destOrd="0" parTransId="{16306997-46A9-4F51-9E51-38774671F07E}" sibTransId="{AA125E8B-B902-4C48-B9FC-847F6BDD3DC6}"/>
-    <dgm:cxn modelId="{A384BBB8-9D02-4E07-99A3-14D92000ABD4}" type="presOf" srcId="{354ACCF7-210E-426B-B076-9F9FE5E8BFC2}" destId="{A444287F-FB55-461E-8FFD-3E7B296DA7E0}" srcOrd="0" destOrd="0" presId="urn:microsoft.com/office/officeart/2005/8/layout/hierarchy6"/>
-    <dgm:cxn modelId="{E5DED8DE-CC04-440F-81FC-51AFC3B15C98}" type="presOf" srcId="{5452653C-363F-45FC-AFF7-959B58673B08}" destId="{A6E666FF-E70B-4540-855A-AFBB537B9327}" srcOrd="0" destOrd="0" presId="urn:microsoft.com/office/officeart/2005/8/layout/hierarchy6"/>
-    <dgm:cxn modelId="{D26AFD39-CECA-4C6E-964D-E1B52394D8BE}" srcId="{308EED72-B955-4909-9596-962A7B9E4BF0}" destId="{54C69B59-D2E4-48E7-AE76-271AA9856726}" srcOrd="0" destOrd="0" parTransId="{4A792B34-B29F-4432-A207-0612E50F6A45}" sibTransId="{ED2D5B36-4487-481A-A54B-FD574AFB3A72}"/>
-    <dgm:cxn modelId="{21DCBC05-87D5-49A5-9DDC-45BDA0BA8BC0}" srcId="{308EED72-B955-4909-9596-962A7B9E4BF0}" destId="{5927FEF3-1F2F-4B70-B910-913B48F2DE1F}" srcOrd="2" destOrd="0" parTransId="{A570B297-9267-4C0D-8C3A-D2A487833FC6}" sibTransId="{A181990E-B622-4D39-908F-F91EC2A20A35}"/>
-    <dgm:cxn modelId="{7E13AB0E-9720-49A7-ACF1-F0F0D4A3BB7E}" type="presOf" srcId="{4A792B34-B29F-4432-A207-0612E50F6A45}" destId="{D363D8BE-A8D0-43D2-88C9-6119156624E5}" srcOrd="0" destOrd="0" presId="urn:microsoft.com/office/officeart/2005/8/layout/hierarchy6"/>
     <dgm:cxn modelId="{E47F9A45-53A8-4BDF-A188-76F21D7ADFC1}" type="presOf" srcId="{E467250F-F059-407C-BAF8-17DBA3D55F2D}" destId="{ACEF6C2C-FC93-48BA-A5EE-5CE669C46889}" srcOrd="0" destOrd="0" presId="urn:microsoft.com/office/officeart/2005/8/layout/hierarchy6"/>
-    <dgm:cxn modelId="{1F6DCD9B-802C-4715-85D3-2E8E7000E77B}" type="presOf" srcId="{5452653C-363F-45FC-AFF7-959B58673B08}" destId="{D15C4938-1ED4-4239-B5D7-F45053C3E9A3}" srcOrd="1" destOrd="0" presId="urn:microsoft.com/office/officeart/2005/8/layout/hierarchy6"/>
-    <dgm:cxn modelId="{78B9CF00-2373-45BD-9F5E-A03736A0BA4D}" type="presOf" srcId="{98351B23-3F89-4F34-9A3B-208E3B1AD018}" destId="{846B3BA7-0096-42B1-AEF5-818B99AAF7F9}" srcOrd="1" destOrd="0" presId="urn:microsoft.com/office/officeart/2005/8/layout/hierarchy6"/>
     <dgm:cxn modelId="{8F691FCA-E5CA-48B5-A233-077CC61993DB}" type="presParOf" srcId="{65456A9F-7391-450D-B61E-5311232CFD7B}" destId="{9C4444C7-5B4F-41FF-AD0C-27FD68682037}" srcOrd="0" destOrd="0" presId="urn:microsoft.com/office/officeart/2005/8/layout/hierarchy6"/>
     <dgm:cxn modelId="{5D28DBEE-56E6-4D57-A8F2-189951A76B27}" type="presParOf" srcId="{9C4444C7-5B4F-41FF-AD0C-27FD68682037}" destId="{17A9FB45-9CE1-46A0-806F-E44216830BB8}" srcOrd="0" destOrd="0" presId="urn:microsoft.com/office/officeart/2005/8/layout/hierarchy6"/>
     <dgm:cxn modelId="{07F69FDE-60E4-456E-8611-961D8439BD01}" type="presParOf" srcId="{9C4444C7-5B4F-41FF-AD0C-27FD68682037}" destId="{ADE0DA0C-44B5-40E7-A862-3E09E03BB0EB}" srcOrd="1" destOrd="0" presId="urn:microsoft.com/office/officeart/2005/8/layout/hierarchy6"/>
@@ -4427,6 +5923,238 @@
           <a:pPr algn="l"/>
           <a:r>
             <a:rPr lang="en-US" altLang="zh-CN" dirty="0" smtClean="0"/>
+            <a:t>Input (String) </a:t>
+          </a:r>
+          <a:r>
+            <a:rPr lang="en-US" altLang="zh-CN" dirty="0" smtClean="0"/>
+            <a:t>:</a:t>
+          </a:r>
+          <a:endParaRPr lang="en-US" altLang="zh-CN" dirty="0" smtClean="0"/>
+        </a:p>
+        <a:p>
+          <a:pPr algn="l"/>
+          <a:r>
+            <a:rPr lang="en-US" altLang="zh-CN" dirty="0" err="1" smtClean="0"/>
+            <a:t>TagName</a:t>
+          </a:r>
+          <a:endParaRPr lang="en-US" altLang="zh-CN" dirty="0" smtClean="0"/>
+        </a:p>
+        <a:p>
+          <a:pPr algn="l"/>
+          <a:r>
+            <a:rPr lang="en-US" altLang="zh-CN" dirty="0" smtClean="0"/>
+            <a:t>Text </a:t>
+          </a:r>
+          <a:endParaRPr lang="en-US" altLang="zh-CN" dirty="0" smtClean="0"/>
+        </a:p>
+        <a:p>
+          <a:pPr algn="l"/>
+          <a:r>
+            <a:rPr lang="en-US" altLang="zh-CN" dirty="0" smtClean="0"/>
+            <a:t>No </a:t>
+          </a:r>
+          <a:r>
+            <a:rPr lang="en-US" altLang="zh-CN" dirty="0" err="1" smtClean="0"/>
+            <a:t>arg</a:t>
+          </a:r>
+          <a:endParaRPr lang="en-US" altLang="zh-CN" dirty="0" smtClean="0"/>
+        </a:p>
+      </dgm:t>
+    </dgm:pt>
+    <dgm:pt modelId="{DF42B353-4ED8-4612-9C37-1BADCD1F3652}" type="parTrans" cxnId="{928E5F7E-B9C0-4AD4-8564-CA1F54EEE3AF}">
+      <dgm:prSet/>
+      <dgm:spPr/>
+      <dgm:t>
+        <a:bodyPr/>
+        <a:lstStyle/>
+        <a:p>
+          <a:endParaRPr lang="zh-CN" altLang="en-US"/>
+        </a:p>
+      </dgm:t>
+    </dgm:pt>
+    <dgm:pt modelId="{6D5E8AF2-DC18-43E9-BC39-8804D50976E3}" type="sibTrans" cxnId="{928E5F7E-B9C0-4AD4-8564-CA1F54EEE3AF}">
+      <dgm:prSet/>
+      <dgm:spPr/>
+      <dgm:t>
+        <a:bodyPr/>
+        <a:lstStyle/>
+        <a:p>
+          <a:endParaRPr lang="zh-CN" altLang="en-US"/>
+        </a:p>
+      </dgm:t>
+    </dgm:pt>
+    <dgm:pt modelId="{781644AF-BE97-4438-A642-3C6E129C8C61}">
+      <dgm:prSet phldrT="[文本]"/>
+      <dgm:spPr/>
+      <dgm:t>
+        <a:bodyPr/>
+        <a:lstStyle/>
+        <a:p>
+          <a:pPr algn="l"/>
+          <a:r>
+            <a:rPr lang="en-US" altLang="zh-CN" dirty="0" smtClean="0"/>
+            <a:t>Output(Node </a:t>
+          </a:r>
+          <a:r>
+            <a:rPr lang="en-US" altLang="zh-CN" dirty="0" smtClean="0"/>
+            <a:t>-&gt;Object</a:t>
+          </a:r>
+          <a:r>
+            <a:rPr lang="en-US" altLang="zh-CN" dirty="0" smtClean="0"/>
+            <a:t>)</a:t>
+          </a:r>
+          <a:endParaRPr lang="en-US" altLang="zh-CN" dirty="0" smtClean="0"/>
+        </a:p>
+        <a:p>
+          <a:pPr algn="l"/>
+          <a:r>
+            <a:rPr lang="en-US" altLang="zh-CN" dirty="0" err="1" smtClean="0"/>
+            <a:t>HTMLElement</a:t>
+          </a:r>
+          <a:endParaRPr lang="en-US" altLang="zh-CN" dirty="0" smtClean="0"/>
+        </a:p>
+        <a:p>
+          <a:pPr algn="l"/>
+          <a:r>
+            <a:rPr lang="en-US" altLang="zh-CN" dirty="0" err="1" smtClean="0"/>
+            <a:t>HTMLText</a:t>
+          </a:r>
+          <a:endParaRPr lang="en-US" altLang="zh-CN" dirty="0" smtClean="0"/>
+        </a:p>
+        <a:p>
+          <a:pPr algn="l"/>
+          <a:r>
+            <a:rPr lang="en-US" altLang="zh-CN" dirty="0" smtClean="0"/>
+            <a:t>document-fragment</a:t>
+          </a:r>
+          <a:endParaRPr lang="zh-CN" altLang="en-US" dirty="0"/>
+        </a:p>
+      </dgm:t>
+    </dgm:pt>
+    <dgm:pt modelId="{4A0423BA-9EF3-4D4B-928C-922DA5B81BBA}" type="parTrans" cxnId="{FA1DF1DE-9E3E-41A6-B4B4-90804361517D}">
+      <dgm:prSet/>
+      <dgm:spPr/>
+      <dgm:t>
+        <a:bodyPr/>
+        <a:lstStyle/>
+        <a:p>
+          <a:endParaRPr lang="zh-CN" altLang="en-US"/>
+        </a:p>
+      </dgm:t>
+    </dgm:pt>
+    <dgm:pt modelId="{A6134F86-939A-4347-AE9D-494B9D0AD316}" type="sibTrans" cxnId="{FA1DF1DE-9E3E-41A6-B4B4-90804361517D}">
+      <dgm:prSet/>
+      <dgm:spPr/>
+      <dgm:t>
+        <a:bodyPr/>
+        <a:lstStyle/>
+        <a:p>
+          <a:endParaRPr lang="zh-CN" altLang="en-US"/>
+        </a:p>
+      </dgm:t>
+    </dgm:pt>
+    <dgm:pt modelId="{CBD4E730-CA7F-41A4-B25F-50E4FFCDD5E7}" type="pres">
+      <dgm:prSet presAssocID="{5CE571E2-139B-4BC5-80BB-E99E6D4173E4}" presName="Name0" presStyleCnt="0">
+        <dgm:presLayoutVars>
+          <dgm:dir/>
+          <dgm:resizeHandles val="exact"/>
+        </dgm:presLayoutVars>
+      </dgm:prSet>
+      <dgm:spPr/>
+    </dgm:pt>
+    <dgm:pt modelId="{CCC8D5FE-3789-418C-947C-91C6B8D6C121}" type="pres">
+      <dgm:prSet presAssocID="{FA81762F-EFEC-4201-93A9-7DB2C0A80C72}" presName="node" presStyleLbl="node1" presStyleIdx="0" presStyleCnt="2">
+        <dgm:presLayoutVars>
+          <dgm:bulletEnabled val="1"/>
+        </dgm:presLayoutVars>
+      </dgm:prSet>
+      <dgm:spPr/>
+      <dgm:t>
+        <a:bodyPr/>
+        <a:lstStyle/>
+        <a:p>
+          <a:endParaRPr lang="zh-CN" altLang="en-US"/>
+        </a:p>
+      </dgm:t>
+    </dgm:pt>
+    <dgm:pt modelId="{A8C3466D-9FDB-492A-82D5-D2EB066D1CA3}" type="pres">
+      <dgm:prSet presAssocID="{6D5E8AF2-DC18-43E9-BC39-8804D50976E3}" presName="sibTrans" presStyleLbl="sibTrans2D1" presStyleIdx="0" presStyleCnt="1" custScaleX="133801"/>
+      <dgm:spPr/>
+      <dgm:t>
+        <a:bodyPr/>
+        <a:lstStyle/>
+        <a:p>
+          <a:endParaRPr lang="zh-CN" altLang="en-US"/>
+        </a:p>
+      </dgm:t>
+    </dgm:pt>
+    <dgm:pt modelId="{4EE3C5CB-14AD-4578-8581-606819B562D0}" type="pres">
+      <dgm:prSet presAssocID="{6D5E8AF2-DC18-43E9-BC39-8804D50976E3}" presName="connectorText" presStyleLbl="sibTrans2D1" presStyleIdx="0" presStyleCnt="1"/>
+      <dgm:spPr/>
+      <dgm:t>
+        <a:bodyPr/>
+        <a:lstStyle/>
+        <a:p>
+          <a:endParaRPr lang="zh-CN" altLang="en-US"/>
+        </a:p>
+      </dgm:t>
+    </dgm:pt>
+    <dgm:pt modelId="{E50952FC-FE36-494B-AE43-799E1CB2A002}" type="pres">
+      <dgm:prSet presAssocID="{781644AF-BE97-4438-A642-3C6E129C8C61}" presName="node" presStyleLbl="node1" presStyleIdx="1" presStyleCnt="2" custScaleX="133342" custLinFactNeighborX="112">
+        <dgm:presLayoutVars>
+          <dgm:bulletEnabled val="1"/>
+        </dgm:presLayoutVars>
+      </dgm:prSet>
+      <dgm:spPr/>
+      <dgm:t>
+        <a:bodyPr/>
+        <a:lstStyle/>
+        <a:p>
+          <a:endParaRPr lang="zh-CN" altLang="en-US"/>
+        </a:p>
+      </dgm:t>
+    </dgm:pt>
+  </dgm:ptLst>
+  <dgm:cxnLst>
+    <dgm:cxn modelId="{51825CC2-673E-49C7-8B39-781F8204F8D3}" type="presOf" srcId="{FA81762F-EFEC-4201-93A9-7DB2C0A80C72}" destId="{CCC8D5FE-3789-418C-947C-91C6B8D6C121}" srcOrd="0" destOrd="0" presId="urn:microsoft.com/office/officeart/2005/8/layout/process1"/>
+    <dgm:cxn modelId="{2259B573-0611-4346-8FFC-3BC39FA8EA67}" type="presOf" srcId="{6D5E8AF2-DC18-43E9-BC39-8804D50976E3}" destId="{A8C3466D-9FDB-492A-82D5-D2EB066D1CA3}" srcOrd="0" destOrd="0" presId="urn:microsoft.com/office/officeart/2005/8/layout/process1"/>
+    <dgm:cxn modelId="{F904377E-2D22-4158-837F-3C21BB8EE273}" type="presOf" srcId="{781644AF-BE97-4438-A642-3C6E129C8C61}" destId="{E50952FC-FE36-494B-AE43-799E1CB2A002}" srcOrd="0" destOrd="0" presId="urn:microsoft.com/office/officeart/2005/8/layout/process1"/>
+    <dgm:cxn modelId="{FA1DF1DE-9E3E-41A6-B4B4-90804361517D}" srcId="{5CE571E2-139B-4BC5-80BB-E99E6D4173E4}" destId="{781644AF-BE97-4438-A642-3C6E129C8C61}" srcOrd="1" destOrd="0" parTransId="{4A0423BA-9EF3-4D4B-928C-922DA5B81BBA}" sibTransId="{A6134F86-939A-4347-AE9D-494B9D0AD316}"/>
+    <dgm:cxn modelId="{F8FA1F69-D93F-4B4A-B61D-C030D6A7D5C4}" type="presOf" srcId="{5CE571E2-139B-4BC5-80BB-E99E6D4173E4}" destId="{CBD4E730-CA7F-41A4-B25F-50E4FFCDD5E7}" srcOrd="0" destOrd="0" presId="urn:microsoft.com/office/officeart/2005/8/layout/process1"/>
+    <dgm:cxn modelId="{928E5F7E-B9C0-4AD4-8564-CA1F54EEE3AF}" srcId="{5CE571E2-139B-4BC5-80BB-E99E6D4173E4}" destId="{FA81762F-EFEC-4201-93A9-7DB2C0A80C72}" srcOrd="0" destOrd="0" parTransId="{DF42B353-4ED8-4612-9C37-1BADCD1F3652}" sibTransId="{6D5E8AF2-DC18-43E9-BC39-8804D50976E3}"/>
+    <dgm:cxn modelId="{843D26FA-663D-40FA-B89E-6C9BB471A7B6}" type="presOf" srcId="{6D5E8AF2-DC18-43E9-BC39-8804D50976E3}" destId="{4EE3C5CB-14AD-4578-8581-606819B562D0}" srcOrd="1" destOrd="0" presId="urn:microsoft.com/office/officeart/2005/8/layout/process1"/>
+    <dgm:cxn modelId="{C2667C4C-7BCA-4AC2-9B17-01300B2B3506}" type="presParOf" srcId="{CBD4E730-CA7F-41A4-B25F-50E4FFCDD5E7}" destId="{CCC8D5FE-3789-418C-947C-91C6B8D6C121}" srcOrd="0" destOrd="0" presId="urn:microsoft.com/office/officeart/2005/8/layout/process1"/>
+    <dgm:cxn modelId="{449E1FB6-CE17-4960-B3DF-40A36E379707}" type="presParOf" srcId="{CBD4E730-CA7F-41A4-B25F-50E4FFCDD5E7}" destId="{A8C3466D-9FDB-492A-82D5-D2EB066D1CA3}" srcOrd="1" destOrd="0" presId="urn:microsoft.com/office/officeart/2005/8/layout/process1"/>
+    <dgm:cxn modelId="{3CAA9042-204F-433F-A7AB-B32856099CA5}" type="presParOf" srcId="{A8C3466D-9FDB-492A-82D5-D2EB066D1CA3}" destId="{4EE3C5CB-14AD-4578-8581-606819B562D0}" srcOrd="0" destOrd="0" presId="urn:microsoft.com/office/officeart/2005/8/layout/process1"/>
+    <dgm:cxn modelId="{24433566-60B8-4266-B7F2-DE12A435B943}" type="presParOf" srcId="{CBD4E730-CA7F-41A4-B25F-50E4FFCDD5E7}" destId="{E50952FC-FE36-494B-AE43-799E1CB2A002}" srcOrd="2" destOrd="0" presId="urn:microsoft.com/office/officeart/2005/8/layout/process1"/>
+  </dgm:cxnLst>
+  <dgm:bg/>
+  <dgm:whole/>
+  <dgm:extLst>
+    <a:ext uri="http://schemas.microsoft.com/office/drawing/2008/diagram">
+      <dsp:dataModelExt xmlns:dsp="http://schemas.microsoft.com/office/drawing/2008/diagram" relId="rId6" minVer="http://schemas.openxmlformats.org/drawingml/2006/diagram"/>
+    </a:ext>
+  </dgm:extLst>
+</dgm:dataModel>
+</file>
+
+<file path=ppt/diagrams/data4.xml><?xml version="1.0" encoding="utf-8"?>
+<dgm:dataModel xmlns:dgm="http://schemas.openxmlformats.org/drawingml/2006/diagram" xmlns:a="http://schemas.openxmlformats.org/drawingml/2006/main">
+  <dgm:ptLst>
+    <dgm:pt modelId="{5CE571E2-139B-4BC5-80BB-E99E6D4173E4}" type="doc">
+      <dgm:prSet loTypeId="urn:microsoft.com/office/officeart/2005/8/layout/process1" loCatId="process" qsTypeId="urn:microsoft.com/office/officeart/2005/8/quickstyle/simple1" qsCatId="simple" csTypeId="urn:microsoft.com/office/officeart/2005/8/colors/accent1_2" csCatId="accent1" phldr="1"/>
+      <dgm:spPr/>
+    </dgm:pt>
+    <dgm:pt modelId="{FA81762F-EFEC-4201-93A9-7DB2C0A80C72}">
+      <dgm:prSet phldrT="[文本]"/>
+      <dgm:spPr/>
+      <dgm:t>
+        <a:bodyPr/>
+        <a:lstStyle/>
+        <a:p>
+          <a:pPr algn="l"/>
+          <a:r>
+            <a:rPr lang="en-US" altLang="zh-CN" dirty="0" smtClean="0"/>
             <a:t>Input (String) :</a:t>
           </a:r>
         </a:p>
@@ -4440,15 +6168,14 @@
         <a:p>
           <a:pPr algn="l"/>
           <a:r>
-            <a:rPr lang="en-US" altLang="zh-CN" dirty="0" err="1" smtClean="0"/>
+            <a:rPr lang="en-US" altLang="zh-CN" smtClean="0"/>
             <a:t>TagName</a:t>
           </a:r>
-          <a:endParaRPr lang="en-US" altLang="zh-CN" dirty="0" smtClean="0"/>
         </a:p>
         <a:p>
           <a:pPr algn="l"/>
           <a:r>
-            <a:rPr lang="en-US" altLang="zh-CN" dirty="0" err="1" smtClean="0"/>
+            <a:rPr lang="en-US" altLang="zh-CN" smtClean="0"/>
             <a:t>ClassName</a:t>
           </a:r>
           <a:endParaRPr lang="en-US" altLang="zh-CN" dirty="0" smtClean="0"/>
@@ -4486,8 +6213,12 @@
         <a:p>
           <a:pPr algn="l"/>
           <a:r>
+            <a:rPr lang="en-US" altLang="zh-CN" smtClean="0"/>
+            <a:t>Output(Element </a:t>
+          </a:r>
+          <a:r>
             <a:rPr lang="en-US" altLang="zh-CN" dirty="0" smtClean="0"/>
-            <a:t>Output(Element -&gt;Object)</a:t>
+            <a:t>-&gt;Object)</a:t>
           </a:r>
         </a:p>
         <a:p>
@@ -4615,7 +6346,7 @@
 </dgm:dataModel>
 </file>
 
-<file path=ppt/diagrams/data4.xml><?xml version="1.0" encoding="utf-8"?>
+<file path=ppt/diagrams/data5.xml><?xml version="1.0" encoding="utf-8"?>
 <dgm:dataModel xmlns:dgm="http://schemas.openxmlformats.org/drawingml/2006/diagram" xmlns:a="http://schemas.openxmlformats.org/drawingml/2006/main">
   <dgm:ptLst>
     <dgm:pt modelId="{4C80E244-57EB-414C-AA67-D645465BCF19}" type="doc">
@@ -4867,6 +6598,218 @@
     <dgm:cxn modelId="{899C46E2-B5D3-4396-9BFA-5197A1AF8D78}" type="presParOf" srcId="{1F8E8F38-204D-460D-BC31-88E455289862}" destId="{330065FC-D52F-44F0-A3CA-661156F3B934}" srcOrd="1" destOrd="0" presId="urn:microsoft.com/office/officeart/2005/8/layout/rings+Icon"/>
     <dgm:cxn modelId="{3748BFC1-FC1E-429B-8282-0890C31C7CFB}" type="presParOf" srcId="{1F8E8F38-204D-460D-BC31-88E455289862}" destId="{63FDA054-3AA1-4301-8ACB-2C1501CD958B}" srcOrd="2" destOrd="0" presId="urn:microsoft.com/office/officeart/2005/8/layout/rings+Icon"/>
     <dgm:cxn modelId="{2BD1F3C2-BA8C-42B5-AB02-3AD1FAF3152F}" type="presParOf" srcId="{1F8E8F38-204D-460D-BC31-88E455289862}" destId="{88FE8CBF-5FE3-4379-A4DA-9F872F996F13}" srcOrd="3" destOrd="0" presId="urn:microsoft.com/office/officeart/2005/8/layout/rings+Icon"/>
+  </dgm:cxnLst>
+  <dgm:bg/>
+  <dgm:whole/>
+  <dgm:extLst>
+    <a:ext uri="http://schemas.microsoft.com/office/drawing/2008/diagram">
+      <dsp:dataModelExt xmlns:dsp="http://schemas.microsoft.com/office/drawing/2008/diagram" relId="rId6" minVer="http://schemas.openxmlformats.org/drawingml/2006/diagram"/>
+    </a:ext>
+  </dgm:extLst>
+</dgm:dataModel>
+</file>
+
+<file path=ppt/diagrams/data6.xml><?xml version="1.0" encoding="utf-8"?>
+<dgm:dataModel xmlns:dgm="http://schemas.openxmlformats.org/drawingml/2006/diagram" xmlns:a="http://schemas.openxmlformats.org/drawingml/2006/main">
+  <dgm:ptLst>
+    <dgm:pt modelId="{5CE571E2-139B-4BC5-80BB-E99E6D4173E4}" type="doc">
+      <dgm:prSet loTypeId="urn:microsoft.com/office/officeart/2005/8/layout/process1" loCatId="process" qsTypeId="urn:microsoft.com/office/officeart/2005/8/quickstyle/simple1" qsCatId="simple" csTypeId="urn:microsoft.com/office/officeart/2005/8/colors/accent1_2" csCatId="accent1" phldr="1"/>
+      <dgm:spPr/>
+    </dgm:pt>
+    <dgm:pt modelId="{FA81762F-EFEC-4201-93A9-7DB2C0A80C72}">
+      <dgm:prSet phldrT="[文本]"/>
+      <dgm:spPr/>
+      <dgm:t>
+        <a:bodyPr/>
+        <a:lstStyle/>
+        <a:p>
+          <a:pPr algn="l"/>
+          <a:r>
+            <a:rPr lang="en-US" altLang="zh-CN" dirty="0" smtClean="0"/>
+            <a:t>Input </a:t>
+          </a:r>
+          <a:r>
+            <a:rPr lang="en-US" altLang="zh-CN" dirty="0" smtClean="0"/>
+            <a:t>(Selector) :</a:t>
+          </a:r>
+        </a:p>
+        <a:p>
+          <a:pPr algn="l"/>
+          <a:r>
+            <a:rPr lang="en-US" altLang="zh-CN" dirty="0" smtClean="0"/>
+            <a:t>#id</a:t>
+          </a:r>
+        </a:p>
+        <a:p>
+          <a:pPr algn="l"/>
+          <a:r>
+            <a:rPr lang="en-US" altLang="zh-CN" dirty="0" smtClean="0"/>
+            <a:t>.class</a:t>
+          </a:r>
+        </a:p>
+        <a:p>
+          <a:pPr algn="l"/>
+          <a:r>
+            <a:rPr lang="en-US" altLang="zh-CN" dirty="0" smtClean="0"/>
+            <a:t>tag</a:t>
+          </a:r>
+          <a:endParaRPr lang="en-US" altLang="zh-CN" dirty="0" smtClean="0"/>
+        </a:p>
+      </dgm:t>
+    </dgm:pt>
+    <dgm:pt modelId="{DF42B353-4ED8-4612-9C37-1BADCD1F3652}" type="parTrans" cxnId="{928E5F7E-B9C0-4AD4-8564-CA1F54EEE3AF}">
+      <dgm:prSet/>
+      <dgm:spPr/>
+      <dgm:t>
+        <a:bodyPr/>
+        <a:lstStyle/>
+        <a:p>
+          <a:endParaRPr lang="zh-CN" altLang="en-US"/>
+        </a:p>
+      </dgm:t>
+    </dgm:pt>
+    <dgm:pt modelId="{6D5E8AF2-DC18-43E9-BC39-8804D50976E3}" type="sibTrans" cxnId="{928E5F7E-B9C0-4AD4-8564-CA1F54EEE3AF}">
+      <dgm:prSet/>
+      <dgm:spPr/>
+      <dgm:t>
+        <a:bodyPr/>
+        <a:lstStyle/>
+        <a:p>
+          <a:endParaRPr lang="zh-CN" altLang="en-US"/>
+        </a:p>
+      </dgm:t>
+    </dgm:pt>
+    <dgm:pt modelId="{781644AF-BE97-4438-A642-3C6E129C8C61}">
+      <dgm:prSet phldrT="[文本]"/>
+      <dgm:spPr/>
+      <dgm:t>
+        <a:bodyPr/>
+        <a:lstStyle/>
+        <a:p>
+          <a:pPr algn="l"/>
+          <a:r>
+            <a:rPr lang="en-US" altLang="zh-CN" dirty="0" smtClean="0"/>
+            <a:t>Output(Node </a:t>
+          </a:r>
+          <a:r>
+            <a:rPr lang="en-US" altLang="zh-CN" dirty="0" smtClean="0"/>
+            <a:t>-&gt;Object)</a:t>
+          </a:r>
+        </a:p>
+        <a:p>
+          <a:pPr algn="l"/>
+          <a:r>
+            <a:rPr lang="en-US" altLang="zh-CN" dirty="0" smtClean="0"/>
+            <a:t>Node</a:t>
+          </a:r>
+          <a:endParaRPr lang="en-US" altLang="zh-CN" dirty="0" smtClean="0"/>
+        </a:p>
+        <a:p>
+          <a:pPr algn="l"/>
+          <a:r>
+            <a:rPr lang="en-US" altLang="zh-CN" dirty="0" err="1" smtClean="0"/>
+            <a:t>NodeList</a:t>
+          </a:r>
+          <a:endParaRPr lang="zh-CN" altLang="en-US" dirty="0"/>
+        </a:p>
+      </dgm:t>
+    </dgm:pt>
+    <dgm:pt modelId="{4A0423BA-9EF3-4D4B-928C-922DA5B81BBA}" type="parTrans" cxnId="{FA1DF1DE-9E3E-41A6-B4B4-90804361517D}">
+      <dgm:prSet/>
+      <dgm:spPr/>
+      <dgm:t>
+        <a:bodyPr/>
+        <a:lstStyle/>
+        <a:p>
+          <a:endParaRPr lang="zh-CN" altLang="en-US"/>
+        </a:p>
+      </dgm:t>
+    </dgm:pt>
+    <dgm:pt modelId="{A6134F86-939A-4347-AE9D-494B9D0AD316}" type="sibTrans" cxnId="{FA1DF1DE-9E3E-41A6-B4B4-90804361517D}">
+      <dgm:prSet/>
+      <dgm:spPr/>
+      <dgm:t>
+        <a:bodyPr/>
+        <a:lstStyle/>
+        <a:p>
+          <a:endParaRPr lang="zh-CN" altLang="en-US"/>
+        </a:p>
+      </dgm:t>
+    </dgm:pt>
+    <dgm:pt modelId="{CBD4E730-CA7F-41A4-B25F-50E4FFCDD5E7}" type="pres">
+      <dgm:prSet presAssocID="{5CE571E2-139B-4BC5-80BB-E99E6D4173E4}" presName="Name0" presStyleCnt="0">
+        <dgm:presLayoutVars>
+          <dgm:dir/>
+          <dgm:resizeHandles val="exact"/>
+        </dgm:presLayoutVars>
+      </dgm:prSet>
+      <dgm:spPr/>
+    </dgm:pt>
+    <dgm:pt modelId="{CCC8D5FE-3789-418C-947C-91C6B8D6C121}" type="pres">
+      <dgm:prSet presAssocID="{FA81762F-EFEC-4201-93A9-7DB2C0A80C72}" presName="node" presStyleLbl="node1" presStyleIdx="0" presStyleCnt="2">
+        <dgm:presLayoutVars>
+          <dgm:bulletEnabled val="1"/>
+        </dgm:presLayoutVars>
+      </dgm:prSet>
+      <dgm:spPr/>
+      <dgm:t>
+        <a:bodyPr/>
+        <a:lstStyle/>
+        <a:p>
+          <a:endParaRPr lang="zh-CN" altLang="en-US"/>
+        </a:p>
+      </dgm:t>
+    </dgm:pt>
+    <dgm:pt modelId="{A8C3466D-9FDB-492A-82D5-D2EB066D1CA3}" type="pres">
+      <dgm:prSet presAssocID="{6D5E8AF2-DC18-43E9-BC39-8804D50976E3}" presName="sibTrans" presStyleLbl="sibTrans2D1" presStyleIdx="0" presStyleCnt="1"/>
+      <dgm:spPr/>
+      <dgm:t>
+        <a:bodyPr/>
+        <a:lstStyle/>
+        <a:p>
+          <a:endParaRPr lang="zh-CN" altLang="en-US"/>
+        </a:p>
+      </dgm:t>
+    </dgm:pt>
+    <dgm:pt modelId="{4EE3C5CB-14AD-4578-8581-606819B562D0}" type="pres">
+      <dgm:prSet presAssocID="{6D5E8AF2-DC18-43E9-BC39-8804D50976E3}" presName="connectorText" presStyleLbl="sibTrans2D1" presStyleIdx="0" presStyleCnt="1"/>
+      <dgm:spPr/>
+      <dgm:t>
+        <a:bodyPr/>
+        <a:lstStyle/>
+        <a:p>
+          <a:endParaRPr lang="zh-CN" altLang="en-US"/>
+        </a:p>
+      </dgm:t>
+    </dgm:pt>
+    <dgm:pt modelId="{E50952FC-FE36-494B-AE43-799E1CB2A002}" type="pres">
+      <dgm:prSet presAssocID="{781644AF-BE97-4438-A642-3C6E129C8C61}" presName="node" presStyleLbl="node1" presStyleIdx="1" presStyleCnt="2" custScaleX="133342">
+        <dgm:presLayoutVars>
+          <dgm:bulletEnabled val="1"/>
+        </dgm:presLayoutVars>
+      </dgm:prSet>
+      <dgm:spPr/>
+      <dgm:t>
+        <a:bodyPr/>
+        <a:lstStyle/>
+        <a:p>
+          <a:endParaRPr lang="zh-CN" altLang="en-US"/>
+        </a:p>
+      </dgm:t>
+    </dgm:pt>
+  </dgm:ptLst>
+  <dgm:cxnLst>
+    <dgm:cxn modelId="{928E5F7E-B9C0-4AD4-8564-CA1F54EEE3AF}" srcId="{5CE571E2-139B-4BC5-80BB-E99E6D4173E4}" destId="{FA81762F-EFEC-4201-93A9-7DB2C0A80C72}" srcOrd="0" destOrd="0" parTransId="{DF42B353-4ED8-4612-9C37-1BADCD1F3652}" sibTransId="{6D5E8AF2-DC18-43E9-BC39-8804D50976E3}"/>
+    <dgm:cxn modelId="{7585FA36-E819-407B-999E-D2CC479E1C76}" type="presOf" srcId="{FA81762F-EFEC-4201-93A9-7DB2C0A80C72}" destId="{CCC8D5FE-3789-418C-947C-91C6B8D6C121}" srcOrd="0" destOrd="0" presId="urn:microsoft.com/office/officeart/2005/8/layout/process1"/>
+    <dgm:cxn modelId="{0FDCF47D-C484-42AF-8E2D-36FEDFA627A2}" type="presOf" srcId="{5CE571E2-139B-4BC5-80BB-E99E6D4173E4}" destId="{CBD4E730-CA7F-41A4-B25F-50E4FFCDD5E7}" srcOrd="0" destOrd="0" presId="urn:microsoft.com/office/officeart/2005/8/layout/process1"/>
+    <dgm:cxn modelId="{FA1DF1DE-9E3E-41A6-B4B4-90804361517D}" srcId="{5CE571E2-139B-4BC5-80BB-E99E6D4173E4}" destId="{781644AF-BE97-4438-A642-3C6E129C8C61}" srcOrd="1" destOrd="0" parTransId="{4A0423BA-9EF3-4D4B-928C-922DA5B81BBA}" sibTransId="{A6134F86-939A-4347-AE9D-494B9D0AD316}"/>
+    <dgm:cxn modelId="{1E2705B7-5590-4768-8DB3-EF72406826F9}" type="presOf" srcId="{6D5E8AF2-DC18-43E9-BC39-8804D50976E3}" destId="{A8C3466D-9FDB-492A-82D5-D2EB066D1CA3}" srcOrd="0" destOrd="0" presId="urn:microsoft.com/office/officeart/2005/8/layout/process1"/>
+    <dgm:cxn modelId="{BDB3D0E8-176B-44FC-A736-804577614FF6}" type="presOf" srcId="{6D5E8AF2-DC18-43E9-BC39-8804D50976E3}" destId="{4EE3C5CB-14AD-4578-8581-606819B562D0}" srcOrd="1" destOrd="0" presId="urn:microsoft.com/office/officeart/2005/8/layout/process1"/>
+    <dgm:cxn modelId="{E8448EC1-8C5B-48B9-B8AB-E9A43E2DB736}" type="presOf" srcId="{781644AF-BE97-4438-A642-3C6E129C8C61}" destId="{E50952FC-FE36-494B-AE43-799E1CB2A002}" srcOrd="0" destOrd="0" presId="urn:microsoft.com/office/officeart/2005/8/layout/process1"/>
+    <dgm:cxn modelId="{5EAA66D2-FA58-49CE-9BEC-2390C7FF72E0}" type="presParOf" srcId="{CBD4E730-CA7F-41A4-B25F-50E4FFCDD5E7}" destId="{CCC8D5FE-3789-418C-947C-91C6B8D6C121}" srcOrd="0" destOrd="0" presId="urn:microsoft.com/office/officeart/2005/8/layout/process1"/>
+    <dgm:cxn modelId="{B40654D2-2196-44CD-9DC0-199D6774D9CE}" type="presParOf" srcId="{CBD4E730-CA7F-41A4-B25F-50E4FFCDD5E7}" destId="{A8C3466D-9FDB-492A-82D5-D2EB066D1CA3}" srcOrd="1" destOrd="0" presId="urn:microsoft.com/office/officeart/2005/8/layout/process1"/>
+    <dgm:cxn modelId="{C6279540-17B2-43E0-9FBA-92673A8DF4AE}" type="presParOf" srcId="{A8C3466D-9FDB-492A-82D5-D2EB066D1CA3}" destId="{4EE3C5CB-14AD-4578-8581-606819B562D0}" srcOrd="0" destOrd="0" presId="urn:microsoft.com/office/officeart/2005/8/layout/process1"/>
+    <dgm:cxn modelId="{5743E723-F840-4175-AFBB-EC7D5FCF3EE0}" type="presParOf" srcId="{CBD4E730-CA7F-41A4-B25F-50E4FFCDD5E7}" destId="{E50952FC-FE36-494B-AE43-799E1CB2A002}" srcOrd="2" destOrd="0" presId="urn:microsoft.com/office/officeart/2005/8/layout/process1"/>
   </dgm:cxnLst>
   <dgm:bg/>
   <dgm:whole/>
@@ -7055,6 +8998,369 @@
         </a:fontRef>
       </dsp:style>
       <dsp:txBody>
+        <a:bodyPr spcFirstLastPara="0" vert="horz" wrap="square" lIns="80010" tIns="80010" rIns="80010" bIns="80010" numCol="1" spcCol="1270" anchor="ctr" anchorCtr="0">
+          <a:noAutofit/>
+        </a:bodyPr>
+        <a:lstStyle/>
+        <a:p>
+          <a:pPr lvl="0" algn="l" defTabSz="933450">
+            <a:lnSpc>
+              <a:spcPct val="90000"/>
+            </a:lnSpc>
+            <a:spcBef>
+              <a:spcPct val="0"/>
+            </a:spcBef>
+            <a:spcAft>
+              <a:spcPct val="35000"/>
+            </a:spcAft>
+          </a:pPr>
+          <a:r>
+            <a:rPr lang="en-US" altLang="zh-CN" sz="2100" kern="1200" dirty="0" smtClean="0"/>
+            <a:t>Input (String) </a:t>
+          </a:r>
+          <a:r>
+            <a:rPr lang="en-US" altLang="zh-CN" sz="2100" kern="1200" dirty="0" smtClean="0"/>
+            <a:t>:</a:t>
+          </a:r>
+          <a:endParaRPr lang="en-US" altLang="zh-CN" sz="2100" kern="1200" dirty="0" smtClean="0"/>
+        </a:p>
+        <a:p>
+          <a:pPr lvl="0" algn="l" defTabSz="933450">
+            <a:lnSpc>
+              <a:spcPct val="90000"/>
+            </a:lnSpc>
+            <a:spcBef>
+              <a:spcPct val="0"/>
+            </a:spcBef>
+            <a:spcAft>
+              <a:spcPct val="35000"/>
+            </a:spcAft>
+          </a:pPr>
+          <a:r>
+            <a:rPr lang="en-US" altLang="zh-CN" sz="2100" kern="1200" dirty="0" err="1" smtClean="0"/>
+            <a:t>TagName</a:t>
+          </a:r>
+          <a:endParaRPr lang="en-US" altLang="zh-CN" sz="2100" kern="1200" dirty="0" smtClean="0"/>
+        </a:p>
+        <a:p>
+          <a:pPr lvl="0" algn="l" defTabSz="933450">
+            <a:lnSpc>
+              <a:spcPct val="90000"/>
+            </a:lnSpc>
+            <a:spcBef>
+              <a:spcPct val="0"/>
+            </a:spcBef>
+            <a:spcAft>
+              <a:spcPct val="35000"/>
+            </a:spcAft>
+          </a:pPr>
+          <a:r>
+            <a:rPr lang="en-US" altLang="zh-CN" sz="2100" kern="1200" dirty="0" smtClean="0"/>
+            <a:t>Text </a:t>
+          </a:r>
+          <a:endParaRPr lang="en-US" altLang="zh-CN" sz="2100" kern="1200" dirty="0" smtClean="0"/>
+        </a:p>
+        <a:p>
+          <a:pPr lvl="0" algn="l" defTabSz="933450">
+            <a:lnSpc>
+              <a:spcPct val="90000"/>
+            </a:lnSpc>
+            <a:spcBef>
+              <a:spcPct val="0"/>
+            </a:spcBef>
+            <a:spcAft>
+              <a:spcPct val="35000"/>
+            </a:spcAft>
+          </a:pPr>
+          <a:r>
+            <a:rPr lang="en-US" altLang="zh-CN" sz="2100" kern="1200" dirty="0" smtClean="0"/>
+            <a:t>No </a:t>
+          </a:r>
+          <a:r>
+            <a:rPr lang="en-US" altLang="zh-CN" sz="2100" kern="1200" dirty="0" err="1" smtClean="0"/>
+            <a:t>arg</a:t>
+          </a:r>
+          <a:endParaRPr lang="en-US" altLang="zh-CN" sz="2100" kern="1200" dirty="0" smtClean="0"/>
+        </a:p>
+      </dsp:txBody>
+      <dsp:txXfrm>
+        <a:off x="53623" y="723488"/>
+        <a:ext cx="2871258" cy="1680918"/>
+      </dsp:txXfrm>
+    </dsp:sp>
+    <dsp:sp modelId="{A8C3466D-9FDB-492A-82D5-D2EB066D1CA3}">
+      <dsp:nvSpPr>
+        <dsp:cNvPr id="0" name=""/>
+        <dsp:cNvSpPr/>
+      </dsp:nvSpPr>
+      <dsp:spPr>
+        <a:xfrm>
+          <a:off x="3168300" y="1194942"/>
+          <a:ext cx="844830" cy="738010"/>
+        </a:xfrm>
+        <a:prstGeom prst="rightArrow">
+          <a:avLst>
+            <a:gd name="adj1" fmla="val 60000"/>
+            <a:gd name="adj2" fmla="val 50000"/>
+          </a:avLst>
+        </a:prstGeom>
+        <a:solidFill>
+          <a:schemeClr val="accent1">
+            <a:tint val="60000"/>
+            <a:hueOff val="0"/>
+            <a:satOff val="0"/>
+            <a:lumOff val="0"/>
+            <a:alphaOff val="0"/>
+          </a:schemeClr>
+        </a:solidFill>
+        <a:ln>
+          <a:noFill/>
+        </a:ln>
+        <a:effectLst/>
+      </dsp:spPr>
+      <dsp:style>
+        <a:lnRef idx="0">
+          <a:scrgbClr r="0" g="0" b="0"/>
+        </a:lnRef>
+        <a:fillRef idx="1">
+          <a:scrgbClr r="0" g="0" b="0"/>
+        </a:fillRef>
+        <a:effectRef idx="0">
+          <a:scrgbClr r="0" g="0" b="0"/>
+        </a:effectRef>
+        <a:fontRef idx="minor">
+          <a:schemeClr val="lt1"/>
+        </a:fontRef>
+      </dsp:style>
+      <dsp:txBody>
+        <a:bodyPr spcFirstLastPara="0" vert="horz" wrap="square" lIns="0" tIns="0" rIns="0" bIns="0" numCol="1" spcCol="1270" anchor="ctr" anchorCtr="0">
+          <a:noAutofit/>
+        </a:bodyPr>
+        <a:lstStyle/>
+        <a:p>
+          <a:pPr lvl="0" algn="ctr" defTabSz="755650">
+            <a:lnSpc>
+              <a:spcPct val="90000"/>
+            </a:lnSpc>
+            <a:spcBef>
+              <a:spcPct val="0"/>
+            </a:spcBef>
+            <a:spcAft>
+              <a:spcPct val="35000"/>
+            </a:spcAft>
+          </a:pPr>
+          <a:endParaRPr lang="zh-CN" altLang="en-US" sz="1700" kern="1200"/>
+        </a:p>
+      </dsp:txBody>
+      <dsp:txXfrm>
+        <a:off x="3168300" y="1342544"/>
+        <a:ext cx="623427" cy="442806"/>
+      </dsp:txXfrm>
+    </dsp:sp>
+    <dsp:sp modelId="{E50952FC-FE36-494B-AE43-799E1CB2A002}">
+      <dsp:nvSpPr>
+        <dsp:cNvPr id="0" name=""/>
+        <dsp:cNvSpPr/>
+      </dsp:nvSpPr>
+      <dsp:spPr>
+        <a:xfrm>
+          <a:off x="4168514" y="671192"/>
+          <a:ext cx="3968058" cy="1785510"/>
+        </a:xfrm>
+        <a:prstGeom prst="roundRect">
+          <a:avLst>
+            <a:gd name="adj" fmla="val 10000"/>
+          </a:avLst>
+        </a:prstGeom>
+        <a:solidFill>
+          <a:schemeClr val="accent1">
+            <a:hueOff val="0"/>
+            <a:satOff val="0"/>
+            <a:lumOff val="0"/>
+            <a:alphaOff val="0"/>
+          </a:schemeClr>
+        </a:solidFill>
+        <a:ln w="19050" cap="flat" cmpd="sng" algn="ctr">
+          <a:solidFill>
+            <a:schemeClr val="lt1">
+              <a:hueOff val="0"/>
+              <a:satOff val="0"/>
+              <a:lumOff val="0"/>
+              <a:alphaOff val="0"/>
+            </a:schemeClr>
+          </a:solidFill>
+          <a:prstDash val="solid"/>
+        </a:ln>
+        <a:effectLst/>
+      </dsp:spPr>
+      <dsp:style>
+        <a:lnRef idx="2">
+          <a:scrgbClr r="0" g="0" b="0"/>
+        </a:lnRef>
+        <a:fillRef idx="1">
+          <a:scrgbClr r="0" g="0" b="0"/>
+        </a:fillRef>
+        <a:effectRef idx="0">
+          <a:scrgbClr r="0" g="0" b="0"/>
+        </a:effectRef>
+        <a:fontRef idx="minor">
+          <a:schemeClr val="lt1"/>
+        </a:fontRef>
+      </dsp:style>
+      <dsp:txBody>
+        <a:bodyPr spcFirstLastPara="0" vert="horz" wrap="square" lIns="80010" tIns="80010" rIns="80010" bIns="80010" numCol="1" spcCol="1270" anchor="ctr" anchorCtr="0">
+          <a:noAutofit/>
+        </a:bodyPr>
+        <a:lstStyle/>
+        <a:p>
+          <a:pPr lvl="0" algn="l" defTabSz="933450">
+            <a:lnSpc>
+              <a:spcPct val="90000"/>
+            </a:lnSpc>
+            <a:spcBef>
+              <a:spcPct val="0"/>
+            </a:spcBef>
+            <a:spcAft>
+              <a:spcPct val="35000"/>
+            </a:spcAft>
+          </a:pPr>
+          <a:r>
+            <a:rPr lang="en-US" altLang="zh-CN" sz="2100" kern="1200" dirty="0" smtClean="0"/>
+            <a:t>Output(Node </a:t>
+          </a:r>
+          <a:r>
+            <a:rPr lang="en-US" altLang="zh-CN" sz="2100" kern="1200" dirty="0" smtClean="0"/>
+            <a:t>-&gt;Object</a:t>
+          </a:r>
+          <a:r>
+            <a:rPr lang="en-US" altLang="zh-CN" sz="2100" kern="1200" dirty="0" smtClean="0"/>
+            <a:t>)</a:t>
+          </a:r>
+          <a:endParaRPr lang="en-US" altLang="zh-CN" sz="2100" kern="1200" dirty="0" smtClean="0"/>
+        </a:p>
+        <a:p>
+          <a:pPr lvl="0" algn="l" defTabSz="933450">
+            <a:lnSpc>
+              <a:spcPct val="90000"/>
+            </a:lnSpc>
+            <a:spcBef>
+              <a:spcPct val="0"/>
+            </a:spcBef>
+            <a:spcAft>
+              <a:spcPct val="35000"/>
+            </a:spcAft>
+          </a:pPr>
+          <a:r>
+            <a:rPr lang="en-US" altLang="zh-CN" sz="2100" kern="1200" dirty="0" err="1" smtClean="0"/>
+            <a:t>HTMLElement</a:t>
+          </a:r>
+          <a:endParaRPr lang="en-US" altLang="zh-CN" sz="2100" kern="1200" dirty="0" smtClean="0"/>
+        </a:p>
+        <a:p>
+          <a:pPr lvl="0" algn="l" defTabSz="933450">
+            <a:lnSpc>
+              <a:spcPct val="90000"/>
+            </a:lnSpc>
+            <a:spcBef>
+              <a:spcPct val="0"/>
+            </a:spcBef>
+            <a:spcAft>
+              <a:spcPct val="35000"/>
+            </a:spcAft>
+          </a:pPr>
+          <a:r>
+            <a:rPr lang="en-US" altLang="zh-CN" sz="2100" kern="1200" dirty="0" err="1" smtClean="0"/>
+            <a:t>HTMLText</a:t>
+          </a:r>
+          <a:endParaRPr lang="en-US" altLang="zh-CN" sz="2100" kern="1200" dirty="0" smtClean="0"/>
+        </a:p>
+        <a:p>
+          <a:pPr lvl="0" algn="l" defTabSz="933450">
+            <a:lnSpc>
+              <a:spcPct val="90000"/>
+            </a:lnSpc>
+            <a:spcBef>
+              <a:spcPct val="0"/>
+            </a:spcBef>
+            <a:spcAft>
+              <a:spcPct val="35000"/>
+            </a:spcAft>
+          </a:pPr>
+          <a:r>
+            <a:rPr lang="en-US" altLang="zh-CN" sz="2100" kern="1200" dirty="0" smtClean="0"/>
+            <a:t>document-fragment</a:t>
+          </a:r>
+          <a:endParaRPr lang="zh-CN" altLang="en-US" sz="2100" kern="1200" dirty="0"/>
+        </a:p>
+      </dsp:txBody>
+      <dsp:txXfrm>
+        <a:off x="4220810" y="723488"/>
+        <a:ext cx="3863466" cy="1680918"/>
+      </dsp:txXfrm>
+    </dsp:sp>
+  </dsp:spTree>
+</dsp:drawing>
+</file>
+
+<file path=ppt/diagrams/drawing4.xml><?xml version="1.0" encoding="utf-8"?>
+<dsp:drawing xmlns:dgm="http://schemas.openxmlformats.org/drawingml/2006/diagram" xmlns:dsp="http://schemas.microsoft.com/office/drawing/2008/diagram" xmlns:a="http://schemas.openxmlformats.org/drawingml/2006/main">
+  <dsp:spTree>
+    <dsp:nvGrpSpPr>
+      <dsp:cNvPr id="0" name=""/>
+      <dsp:cNvGrpSpPr/>
+    </dsp:nvGrpSpPr>
+    <dsp:grpSpPr/>
+    <dsp:sp modelId="{CCC8D5FE-3789-418C-947C-91C6B8D6C121}">
+      <dsp:nvSpPr>
+        <dsp:cNvPr id="0" name=""/>
+        <dsp:cNvSpPr/>
+      </dsp:nvSpPr>
+      <dsp:spPr>
+        <a:xfrm>
+          <a:off x="1327" y="671192"/>
+          <a:ext cx="2975850" cy="1785510"/>
+        </a:xfrm>
+        <a:prstGeom prst="roundRect">
+          <a:avLst>
+            <a:gd name="adj" fmla="val 10000"/>
+          </a:avLst>
+        </a:prstGeom>
+        <a:solidFill>
+          <a:schemeClr val="accent1">
+            <a:hueOff val="0"/>
+            <a:satOff val="0"/>
+            <a:lumOff val="0"/>
+            <a:alphaOff val="0"/>
+          </a:schemeClr>
+        </a:solidFill>
+        <a:ln w="19050" cap="flat" cmpd="sng" algn="ctr">
+          <a:solidFill>
+            <a:schemeClr val="lt1">
+              <a:hueOff val="0"/>
+              <a:satOff val="0"/>
+              <a:lumOff val="0"/>
+              <a:alphaOff val="0"/>
+            </a:schemeClr>
+          </a:solidFill>
+          <a:prstDash val="solid"/>
+        </a:ln>
+        <a:effectLst/>
+      </dsp:spPr>
+      <dsp:style>
+        <a:lnRef idx="2">
+          <a:scrgbClr r="0" g="0" b="0"/>
+        </a:lnRef>
+        <a:fillRef idx="1">
+          <a:scrgbClr r="0" g="0" b="0"/>
+        </a:fillRef>
+        <a:effectRef idx="0">
+          <a:scrgbClr r="0" g="0" b="0"/>
+        </a:effectRef>
+        <a:fontRef idx="minor">
+          <a:schemeClr val="lt1"/>
+        </a:fontRef>
+      </dsp:style>
+      <dsp:txBody>
         <a:bodyPr spcFirstLastPara="0" vert="horz" wrap="square" lIns="83820" tIns="83820" rIns="83820" bIns="83820" numCol="1" spcCol="1270" anchor="ctr" anchorCtr="0">
           <a:noAutofit/>
         </a:bodyPr>
@@ -7106,10 +9412,9 @@
             </a:spcAft>
           </a:pPr>
           <a:r>
-            <a:rPr lang="en-US" altLang="zh-CN" sz="2200" kern="1200" dirty="0" err="1" smtClean="0"/>
+            <a:rPr lang="en-US" altLang="zh-CN" sz="2200" kern="1200" smtClean="0"/>
             <a:t>TagName</a:t>
           </a:r>
-          <a:endParaRPr lang="en-US" altLang="zh-CN" sz="2200" kern="1200" dirty="0" smtClean="0"/>
         </a:p>
         <a:p>
           <a:pPr lvl="0" algn="l" defTabSz="977900">
@@ -7124,7 +9429,7 @@
             </a:spcAft>
           </a:pPr>
           <a:r>
-            <a:rPr lang="en-US" altLang="zh-CN" sz="2200" kern="1200" dirty="0" err="1" smtClean="0"/>
+            <a:rPr lang="en-US" altLang="zh-CN" sz="2200" kern="1200" smtClean="0"/>
             <a:t>ClassName</a:t>
           </a:r>
           <a:endParaRPr lang="en-US" altLang="zh-CN" sz="2200" kern="1200" dirty="0" smtClean="0"/>
@@ -7272,8 +9577,12 @@
             </a:spcAft>
           </a:pPr>
           <a:r>
+            <a:rPr lang="en-US" altLang="zh-CN" sz="2200" kern="1200" smtClean="0"/>
+            <a:t>Output(Element </a:t>
+          </a:r>
+          <a:r>
             <a:rPr lang="en-US" altLang="zh-CN" sz="2200" kern="1200" dirty="0" smtClean="0"/>
-            <a:t>Output(Element -&gt;Object)</a:t>
+            <a:t>-&gt;Object)</a:t>
           </a:r>
         </a:p>
         <a:p>
@@ -7322,7 +9631,7 @@
 </dsp:drawing>
 </file>
 
-<file path=ppt/diagrams/drawing4.xml><?xml version="1.0" encoding="utf-8"?>
+<file path=ppt/diagrams/drawing5.xml><?xml version="1.0" encoding="utf-8"?>
 <dsp:drawing xmlns:dgm="http://schemas.openxmlformats.org/drawingml/2006/diagram" xmlns:dsp="http://schemas.microsoft.com/office/drawing/2008/diagram" xmlns:a="http://schemas.openxmlformats.org/drawingml/2006/main">
   <dsp:spTree>
     <dsp:nvGrpSpPr>
@@ -7622,6 +9931,339 @@
       <dsp:txXfrm>
         <a:off x="1664584" y="2694369"/>
         <a:ext cx="2260621" cy="2260898"/>
+      </dsp:txXfrm>
+    </dsp:sp>
+  </dsp:spTree>
+</dsp:drawing>
+</file>
+
+<file path=ppt/diagrams/drawing6.xml><?xml version="1.0" encoding="utf-8"?>
+<dsp:drawing xmlns:dgm="http://schemas.openxmlformats.org/drawingml/2006/diagram" xmlns:dsp="http://schemas.microsoft.com/office/drawing/2008/diagram" xmlns:a="http://schemas.openxmlformats.org/drawingml/2006/main">
+  <dsp:spTree>
+    <dsp:nvGrpSpPr>
+      <dsp:cNvPr id="0" name=""/>
+      <dsp:cNvGrpSpPr/>
+    </dsp:nvGrpSpPr>
+    <dsp:grpSpPr/>
+    <dsp:sp modelId="{CCC8D5FE-3789-418C-947C-91C6B8D6C121}">
+      <dsp:nvSpPr>
+        <dsp:cNvPr id="0" name=""/>
+        <dsp:cNvSpPr/>
+      </dsp:nvSpPr>
+      <dsp:spPr>
+        <a:xfrm>
+          <a:off x="1327" y="455168"/>
+          <a:ext cx="2975850" cy="1785510"/>
+        </a:xfrm>
+        <a:prstGeom prst="roundRect">
+          <a:avLst>
+            <a:gd name="adj" fmla="val 10000"/>
+          </a:avLst>
+        </a:prstGeom>
+        <a:solidFill>
+          <a:schemeClr val="accent1">
+            <a:hueOff val="0"/>
+            <a:satOff val="0"/>
+            <a:lumOff val="0"/>
+            <a:alphaOff val="0"/>
+          </a:schemeClr>
+        </a:solidFill>
+        <a:ln w="19050" cap="flat" cmpd="sng" algn="ctr">
+          <a:solidFill>
+            <a:schemeClr val="lt1">
+              <a:hueOff val="0"/>
+              <a:satOff val="0"/>
+              <a:lumOff val="0"/>
+              <a:alphaOff val="0"/>
+            </a:schemeClr>
+          </a:solidFill>
+          <a:prstDash val="solid"/>
+        </a:ln>
+        <a:effectLst/>
+      </dsp:spPr>
+      <dsp:style>
+        <a:lnRef idx="2">
+          <a:scrgbClr r="0" g="0" b="0"/>
+        </a:lnRef>
+        <a:fillRef idx="1">
+          <a:scrgbClr r="0" g="0" b="0"/>
+        </a:fillRef>
+        <a:effectRef idx="0">
+          <a:scrgbClr r="0" g="0" b="0"/>
+        </a:effectRef>
+        <a:fontRef idx="minor">
+          <a:schemeClr val="lt1"/>
+        </a:fontRef>
+      </dsp:style>
+      <dsp:txBody>
+        <a:bodyPr spcFirstLastPara="0" vert="horz" wrap="square" lIns="83820" tIns="83820" rIns="83820" bIns="83820" numCol="1" spcCol="1270" anchor="ctr" anchorCtr="0">
+          <a:noAutofit/>
+        </a:bodyPr>
+        <a:lstStyle/>
+        <a:p>
+          <a:pPr lvl="0" algn="l" defTabSz="977900">
+            <a:lnSpc>
+              <a:spcPct val="90000"/>
+            </a:lnSpc>
+            <a:spcBef>
+              <a:spcPct val="0"/>
+            </a:spcBef>
+            <a:spcAft>
+              <a:spcPct val="35000"/>
+            </a:spcAft>
+          </a:pPr>
+          <a:r>
+            <a:rPr lang="en-US" altLang="zh-CN" sz="2200" kern="1200" dirty="0" smtClean="0"/>
+            <a:t>Input </a:t>
+          </a:r>
+          <a:r>
+            <a:rPr lang="en-US" altLang="zh-CN" sz="2200" kern="1200" dirty="0" smtClean="0"/>
+            <a:t>(Selector) :</a:t>
+          </a:r>
+        </a:p>
+        <a:p>
+          <a:pPr lvl="0" algn="l" defTabSz="977900">
+            <a:lnSpc>
+              <a:spcPct val="90000"/>
+            </a:lnSpc>
+            <a:spcBef>
+              <a:spcPct val="0"/>
+            </a:spcBef>
+            <a:spcAft>
+              <a:spcPct val="35000"/>
+            </a:spcAft>
+          </a:pPr>
+          <a:r>
+            <a:rPr lang="en-US" altLang="zh-CN" sz="2200" kern="1200" dirty="0" smtClean="0"/>
+            <a:t>#id</a:t>
+          </a:r>
+        </a:p>
+        <a:p>
+          <a:pPr lvl="0" algn="l" defTabSz="977900">
+            <a:lnSpc>
+              <a:spcPct val="90000"/>
+            </a:lnSpc>
+            <a:spcBef>
+              <a:spcPct val="0"/>
+            </a:spcBef>
+            <a:spcAft>
+              <a:spcPct val="35000"/>
+            </a:spcAft>
+          </a:pPr>
+          <a:r>
+            <a:rPr lang="en-US" altLang="zh-CN" sz="2200" kern="1200" dirty="0" smtClean="0"/>
+            <a:t>.class</a:t>
+          </a:r>
+        </a:p>
+        <a:p>
+          <a:pPr lvl="0" algn="l" defTabSz="977900">
+            <a:lnSpc>
+              <a:spcPct val="90000"/>
+            </a:lnSpc>
+            <a:spcBef>
+              <a:spcPct val="0"/>
+            </a:spcBef>
+            <a:spcAft>
+              <a:spcPct val="35000"/>
+            </a:spcAft>
+          </a:pPr>
+          <a:r>
+            <a:rPr lang="en-US" altLang="zh-CN" sz="2200" kern="1200" dirty="0" smtClean="0"/>
+            <a:t>tag</a:t>
+          </a:r>
+          <a:endParaRPr lang="en-US" altLang="zh-CN" sz="2200" kern="1200" dirty="0" smtClean="0"/>
+        </a:p>
+      </dsp:txBody>
+      <dsp:txXfrm>
+        <a:off x="53623" y="507464"/>
+        <a:ext cx="2871258" cy="1680918"/>
+      </dsp:txXfrm>
+    </dsp:sp>
+    <dsp:sp modelId="{A8C3466D-9FDB-492A-82D5-D2EB066D1CA3}">
+      <dsp:nvSpPr>
+        <dsp:cNvPr id="0" name=""/>
+        <dsp:cNvSpPr/>
+      </dsp:nvSpPr>
+      <dsp:spPr>
+        <a:xfrm>
+          <a:off x="3274763" y="978918"/>
+          <a:ext cx="630880" cy="738010"/>
+        </a:xfrm>
+        <a:prstGeom prst="rightArrow">
+          <a:avLst>
+            <a:gd name="adj1" fmla="val 60000"/>
+            <a:gd name="adj2" fmla="val 50000"/>
+          </a:avLst>
+        </a:prstGeom>
+        <a:solidFill>
+          <a:schemeClr val="accent1">
+            <a:tint val="60000"/>
+            <a:hueOff val="0"/>
+            <a:satOff val="0"/>
+            <a:lumOff val="0"/>
+            <a:alphaOff val="0"/>
+          </a:schemeClr>
+        </a:solidFill>
+        <a:ln>
+          <a:noFill/>
+        </a:ln>
+        <a:effectLst/>
+      </dsp:spPr>
+      <dsp:style>
+        <a:lnRef idx="0">
+          <a:scrgbClr r="0" g="0" b="0"/>
+        </a:lnRef>
+        <a:fillRef idx="1">
+          <a:scrgbClr r="0" g="0" b="0"/>
+        </a:fillRef>
+        <a:effectRef idx="0">
+          <a:scrgbClr r="0" g="0" b="0"/>
+        </a:effectRef>
+        <a:fontRef idx="minor">
+          <a:schemeClr val="lt1"/>
+        </a:fontRef>
+      </dsp:style>
+      <dsp:txBody>
+        <a:bodyPr spcFirstLastPara="0" vert="horz" wrap="square" lIns="0" tIns="0" rIns="0" bIns="0" numCol="1" spcCol="1270" anchor="ctr" anchorCtr="0">
+          <a:noAutofit/>
+        </a:bodyPr>
+        <a:lstStyle/>
+        <a:p>
+          <a:pPr lvl="0" algn="ctr" defTabSz="800100">
+            <a:lnSpc>
+              <a:spcPct val="90000"/>
+            </a:lnSpc>
+            <a:spcBef>
+              <a:spcPct val="0"/>
+            </a:spcBef>
+            <a:spcAft>
+              <a:spcPct val="35000"/>
+            </a:spcAft>
+          </a:pPr>
+          <a:endParaRPr lang="zh-CN" altLang="en-US" sz="1800" kern="1200"/>
+        </a:p>
+      </dsp:txBody>
+      <dsp:txXfrm>
+        <a:off x="3274763" y="1126520"/>
+        <a:ext cx="441616" cy="442806"/>
+      </dsp:txXfrm>
+    </dsp:sp>
+    <dsp:sp modelId="{E50952FC-FE36-494B-AE43-799E1CB2A002}">
+      <dsp:nvSpPr>
+        <dsp:cNvPr id="0" name=""/>
+        <dsp:cNvSpPr/>
+      </dsp:nvSpPr>
+      <dsp:spPr>
+        <a:xfrm>
+          <a:off x="4167518" y="455168"/>
+          <a:ext cx="3968058" cy="1785510"/>
+        </a:xfrm>
+        <a:prstGeom prst="roundRect">
+          <a:avLst>
+            <a:gd name="adj" fmla="val 10000"/>
+          </a:avLst>
+        </a:prstGeom>
+        <a:solidFill>
+          <a:schemeClr val="accent1">
+            <a:hueOff val="0"/>
+            <a:satOff val="0"/>
+            <a:lumOff val="0"/>
+            <a:alphaOff val="0"/>
+          </a:schemeClr>
+        </a:solidFill>
+        <a:ln w="19050" cap="flat" cmpd="sng" algn="ctr">
+          <a:solidFill>
+            <a:schemeClr val="lt1">
+              <a:hueOff val="0"/>
+              <a:satOff val="0"/>
+              <a:lumOff val="0"/>
+              <a:alphaOff val="0"/>
+            </a:schemeClr>
+          </a:solidFill>
+          <a:prstDash val="solid"/>
+        </a:ln>
+        <a:effectLst/>
+      </dsp:spPr>
+      <dsp:style>
+        <a:lnRef idx="2">
+          <a:scrgbClr r="0" g="0" b="0"/>
+        </a:lnRef>
+        <a:fillRef idx="1">
+          <a:scrgbClr r="0" g="0" b="0"/>
+        </a:fillRef>
+        <a:effectRef idx="0">
+          <a:scrgbClr r="0" g="0" b="0"/>
+        </a:effectRef>
+        <a:fontRef idx="minor">
+          <a:schemeClr val="lt1"/>
+        </a:fontRef>
+      </dsp:style>
+      <dsp:txBody>
+        <a:bodyPr spcFirstLastPara="0" vert="horz" wrap="square" lIns="83820" tIns="83820" rIns="83820" bIns="83820" numCol="1" spcCol="1270" anchor="ctr" anchorCtr="0">
+          <a:noAutofit/>
+        </a:bodyPr>
+        <a:lstStyle/>
+        <a:p>
+          <a:pPr lvl="0" algn="l" defTabSz="977900">
+            <a:lnSpc>
+              <a:spcPct val="90000"/>
+            </a:lnSpc>
+            <a:spcBef>
+              <a:spcPct val="0"/>
+            </a:spcBef>
+            <a:spcAft>
+              <a:spcPct val="35000"/>
+            </a:spcAft>
+          </a:pPr>
+          <a:r>
+            <a:rPr lang="en-US" altLang="zh-CN" sz="2200" kern="1200" dirty="0" smtClean="0"/>
+            <a:t>Output(Node </a:t>
+          </a:r>
+          <a:r>
+            <a:rPr lang="en-US" altLang="zh-CN" sz="2200" kern="1200" dirty="0" smtClean="0"/>
+            <a:t>-&gt;Object)</a:t>
+          </a:r>
+        </a:p>
+        <a:p>
+          <a:pPr lvl="0" algn="l" defTabSz="977900">
+            <a:lnSpc>
+              <a:spcPct val="90000"/>
+            </a:lnSpc>
+            <a:spcBef>
+              <a:spcPct val="0"/>
+            </a:spcBef>
+            <a:spcAft>
+              <a:spcPct val="35000"/>
+            </a:spcAft>
+          </a:pPr>
+          <a:r>
+            <a:rPr lang="en-US" altLang="zh-CN" sz="2200" kern="1200" dirty="0" smtClean="0"/>
+            <a:t>Node</a:t>
+          </a:r>
+          <a:endParaRPr lang="en-US" altLang="zh-CN" sz="2200" kern="1200" dirty="0" smtClean="0"/>
+        </a:p>
+        <a:p>
+          <a:pPr lvl="0" algn="l" defTabSz="977900">
+            <a:lnSpc>
+              <a:spcPct val="90000"/>
+            </a:lnSpc>
+            <a:spcBef>
+              <a:spcPct val="0"/>
+            </a:spcBef>
+            <a:spcAft>
+              <a:spcPct val="35000"/>
+            </a:spcAft>
+          </a:pPr>
+          <a:r>
+            <a:rPr lang="en-US" altLang="zh-CN" sz="2200" kern="1200" dirty="0" err="1" smtClean="0"/>
+            <a:t>NodeList</a:t>
+          </a:r>
+          <a:endParaRPr lang="zh-CN" altLang="en-US" sz="2200" kern="1200" dirty="0"/>
+        </a:p>
+      </dsp:txBody>
+      <dsp:txXfrm>
+        <a:off x="4219814" y="507464"/>
+        <a:ext cx="3863466" cy="1680918"/>
       </dsp:txXfrm>
     </dsp:sp>
   </dsp:spTree>
@@ -8849,6 +11491,152 @@
 </file>
 
 <file path=ppt/diagrams/layout4.xml><?xml version="1.0" encoding="utf-8"?>
+<dgm:layoutDef xmlns:dgm="http://schemas.openxmlformats.org/drawingml/2006/diagram" xmlns:a="http://schemas.openxmlformats.org/drawingml/2006/main" uniqueId="urn:microsoft.com/office/officeart/2005/8/layout/process1">
+  <dgm:title val=""/>
+  <dgm:desc val=""/>
+  <dgm:catLst>
+    <dgm:cat type="process" pri="1000"/>
+    <dgm:cat type="convert" pri="15000"/>
+  </dgm:catLst>
+  <dgm:sampData useDef="1">
+    <dgm:dataModel>
+      <dgm:ptLst/>
+      <dgm:bg/>
+      <dgm:whole/>
+    </dgm:dataModel>
+  </dgm:sampData>
+  <dgm:styleData>
+    <dgm:dataModel>
+      <dgm:ptLst>
+        <dgm:pt modelId="0" type="doc"/>
+        <dgm:pt modelId="1"/>
+        <dgm:pt modelId="2"/>
+      </dgm:ptLst>
+      <dgm:cxnLst>
+        <dgm:cxn modelId="3" srcId="0" destId="1" srcOrd="0" destOrd="0"/>
+        <dgm:cxn modelId="4" srcId="0" destId="2" srcOrd="1" destOrd="0"/>
+      </dgm:cxnLst>
+      <dgm:bg/>
+      <dgm:whole/>
+    </dgm:dataModel>
+  </dgm:styleData>
+  <dgm:clrData>
+    <dgm:dataModel>
+      <dgm:ptLst>
+        <dgm:pt modelId="0" type="doc"/>
+        <dgm:pt modelId="1"/>
+        <dgm:pt modelId="2"/>
+        <dgm:pt modelId="3"/>
+        <dgm:pt modelId="4"/>
+      </dgm:ptLst>
+      <dgm:cxnLst>
+        <dgm:cxn modelId="5" srcId="0" destId="1" srcOrd="0" destOrd="0"/>
+        <dgm:cxn modelId="6" srcId="0" destId="2" srcOrd="1" destOrd="0"/>
+        <dgm:cxn modelId="7" srcId="0" destId="3" srcOrd="2" destOrd="0"/>
+        <dgm:cxn modelId="8" srcId="0" destId="4" srcOrd="3" destOrd="0"/>
+      </dgm:cxnLst>
+      <dgm:bg/>
+      <dgm:whole/>
+    </dgm:dataModel>
+  </dgm:clrData>
+  <dgm:layoutNode name="Name0">
+    <dgm:varLst>
+      <dgm:dir/>
+      <dgm:resizeHandles val="exact"/>
+    </dgm:varLst>
+    <dgm:choose name="Name1">
+      <dgm:if name="Name2" func="var" arg="dir" op="equ" val="norm">
+        <dgm:alg type="lin"/>
+      </dgm:if>
+      <dgm:else name="Name3">
+        <dgm:alg type="lin">
+          <dgm:param type="linDir" val="fromR"/>
+        </dgm:alg>
+      </dgm:else>
+    </dgm:choose>
+    <dgm:shape xmlns:r="http://schemas.openxmlformats.org/officeDocument/2006/relationships" r:blip="">
+      <dgm:adjLst/>
+    </dgm:shape>
+    <dgm:presOf/>
+    <dgm:constrLst>
+      <dgm:constr type="w" for="ch" ptType="node" refType="w"/>
+      <dgm:constr type="h" for="ch" ptType="node" op="equ"/>
+      <dgm:constr type="primFontSz" for="ch" ptType="node" op="equ" val="65"/>
+      <dgm:constr type="w" for="ch" ptType="sibTrans" refType="w" refFor="ch" refPtType="node" op="equ" fact="0.4"/>
+      <dgm:constr type="h" for="ch" ptType="sibTrans" op="equ"/>
+      <dgm:constr type="primFontSz" for="des" forName="connectorText" op="equ" val="55"/>
+      <dgm:constr type="primFontSz" for="des" forName="connectorText" refType="primFontSz" refFor="ch" refPtType="node" op="lte" fact="0.8"/>
+    </dgm:constrLst>
+    <dgm:ruleLst/>
+    <dgm:forEach name="nodesForEach" axis="ch" ptType="node">
+      <dgm:layoutNode name="node">
+        <dgm:varLst>
+          <dgm:bulletEnabled val="1"/>
+        </dgm:varLst>
+        <dgm:alg type="tx"/>
+        <dgm:shape xmlns:r="http://schemas.openxmlformats.org/officeDocument/2006/relationships" type="roundRect" r:blip="">
+          <dgm:adjLst>
+            <dgm:adj idx="1" val="0.1"/>
+          </dgm:adjLst>
+        </dgm:shape>
+        <dgm:presOf axis="desOrSelf" ptType="node"/>
+        <dgm:constrLst>
+          <dgm:constr type="h" refType="w" fact="0.6"/>
+          <dgm:constr type="tMarg" refType="primFontSz" fact="0.3"/>
+          <dgm:constr type="bMarg" refType="primFontSz" fact="0.3"/>
+          <dgm:constr type="lMarg" refType="primFontSz" fact="0.3"/>
+          <dgm:constr type="rMarg" refType="primFontSz" fact="0.3"/>
+        </dgm:constrLst>
+        <dgm:ruleLst>
+          <dgm:rule type="primFontSz" val="18" fact="NaN" max="NaN"/>
+          <dgm:rule type="h" val="NaN" fact="1.5" max="NaN"/>
+          <dgm:rule type="primFontSz" val="5" fact="NaN" max="NaN"/>
+          <dgm:rule type="h" val="INF" fact="NaN" max="NaN"/>
+        </dgm:ruleLst>
+      </dgm:layoutNode>
+      <dgm:forEach name="sibTransForEach" axis="followSib" ptType="sibTrans" cnt="1">
+        <dgm:layoutNode name="sibTrans">
+          <dgm:alg type="conn">
+            <dgm:param type="begPts" val="auto"/>
+            <dgm:param type="endPts" val="auto"/>
+          </dgm:alg>
+          <dgm:shape xmlns:r="http://schemas.openxmlformats.org/officeDocument/2006/relationships" type="conn" r:blip="">
+            <dgm:adjLst/>
+          </dgm:shape>
+          <dgm:presOf axis="self"/>
+          <dgm:constrLst>
+            <dgm:constr type="h" refType="w" fact="0.62"/>
+            <dgm:constr type="connDist"/>
+            <dgm:constr type="begPad" refType="connDist" fact="0.25"/>
+            <dgm:constr type="endPad" refType="connDist" fact="0.22"/>
+          </dgm:constrLst>
+          <dgm:ruleLst/>
+          <dgm:layoutNode name="connectorText">
+            <dgm:alg type="tx">
+              <dgm:param type="autoTxRot" val="grav"/>
+            </dgm:alg>
+            <dgm:shape xmlns:r="http://schemas.openxmlformats.org/officeDocument/2006/relationships" type="conn" r:blip="" hideGeom="1">
+              <dgm:adjLst/>
+            </dgm:shape>
+            <dgm:presOf axis="self"/>
+            <dgm:constrLst>
+              <dgm:constr type="lMarg"/>
+              <dgm:constr type="rMarg"/>
+              <dgm:constr type="tMarg"/>
+              <dgm:constr type="bMarg"/>
+            </dgm:constrLst>
+            <dgm:ruleLst>
+              <dgm:rule type="primFontSz" val="5" fact="NaN" max="NaN"/>
+            </dgm:ruleLst>
+          </dgm:layoutNode>
+        </dgm:layoutNode>
+      </dgm:forEach>
+    </dgm:forEach>
+  </dgm:layoutNode>
+</dgm:layoutDef>
+</file>
+
+<file path=ppt/diagrams/layout5.xml><?xml version="1.0" encoding="utf-8"?>
 <dgm:layoutDef xmlns:dgm="http://schemas.openxmlformats.org/drawingml/2006/diagram" xmlns:a="http://schemas.openxmlformats.org/drawingml/2006/main" uniqueId="urn:microsoft.com/office/officeart/2005/8/layout/rings+Icon">
   <dgm:title val="互连圆环"/>
   <dgm:desc val="用于显示重叠或互相关联的想法或概念。前七行的 1 级文本对应一个圆环。不使用的文本不出现，但是在切换版式后仍然可用。 "/>
@@ -9445,6 +12233,152 @@
 </dgm:layoutDef>
 </file>
 
+<file path=ppt/diagrams/layout6.xml><?xml version="1.0" encoding="utf-8"?>
+<dgm:layoutDef xmlns:dgm="http://schemas.openxmlformats.org/drawingml/2006/diagram" xmlns:a="http://schemas.openxmlformats.org/drawingml/2006/main" uniqueId="urn:microsoft.com/office/officeart/2005/8/layout/process1">
+  <dgm:title val=""/>
+  <dgm:desc val=""/>
+  <dgm:catLst>
+    <dgm:cat type="process" pri="1000"/>
+    <dgm:cat type="convert" pri="15000"/>
+  </dgm:catLst>
+  <dgm:sampData useDef="1">
+    <dgm:dataModel>
+      <dgm:ptLst/>
+      <dgm:bg/>
+      <dgm:whole/>
+    </dgm:dataModel>
+  </dgm:sampData>
+  <dgm:styleData>
+    <dgm:dataModel>
+      <dgm:ptLst>
+        <dgm:pt modelId="0" type="doc"/>
+        <dgm:pt modelId="1"/>
+        <dgm:pt modelId="2"/>
+      </dgm:ptLst>
+      <dgm:cxnLst>
+        <dgm:cxn modelId="3" srcId="0" destId="1" srcOrd="0" destOrd="0"/>
+        <dgm:cxn modelId="4" srcId="0" destId="2" srcOrd="1" destOrd="0"/>
+      </dgm:cxnLst>
+      <dgm:bg/>
+      <dgm:whole/>
+    </dgm:dataModel>
+  </dgm:styleData>
+  <dgm:clrData>
+    <dgm:dataModel>
+      <dgm:ptLst>
+        <dgm:pt modelId="0" type="doc"/>
+        <dgm:pt modelId="1"/>
+        <dgm:pt modelId="2"/>
+        <dgm:pt modelId="3"/>
+        <dgm:pt modelId="4"/>
+      </dgm:ptLst>
+      <dgm:cxnLst>
+        <dgm:cxn modelId="5" srcId="0" destId="1" srcOrd="0" destOrd="0"/>
+        <dgm:cxn modelId="6" srcId="0" destId="2" srcOrd="1" destOrd="0"/>
+        <dgm:cxn modelId="7" srcId="0" destId="3" srcOrd="2" destOrd="0"/>
+        <dgm:cxn modelId="8" srcId="0" destId="4" srcOrd="3" destOrd="0"/>
+      </dgm:cxnLst>
+      <dgm:bg/>
+      <dgm:whole/>
+    </dgm:dataModel>
+  </dgm:clrData>
+  <dgm:layoutNode name="Name0">
+    <dgm:varLst>
+      <dgm:dir/>
+      <dgm:resizeHandles val="exact"/>
+    </dgm:varLst>
+    <dgm:choose name="Name1">
+      <dgm:if name="Name2" func="var" arg="dir" op="equ" val="norm">
+        <dgm:alg type="lin"/>
+      </dgm:if>
+      <dgm:else name="Name3">
+        <dgm:alg type="lin">
+          <dgm:param type="linDir" val="fromR"/>
+        </dgm:alg>
+      </dgm:else>
+    </dgm:choose>
+    <dgm:shape xmlns:r="http://schemas.openxmlformats.org/officeDocument/2006/relationships" r:blip="">
+      <dgm:adjLst/>
+    </dgm:shape>
+    <dgm:presOf/>
+    <dgm:constrLst>
+      <dgm:constr type="w" for="ch" ptType="node" refType="w"/>
+      <dgm:constr type="h" for="ch" ptType="node" op="equ"/>
+      <dgm:constr type="primFontSz" for="ch" ptType="node" op="equ" val="65"/>
+      <dgm:constr type="w" for="ch" ptType="sibTrans" refType="w" refFor="ch" refPtType="node" op="equ" fact="0.4"/>
+      <dgm:constr type="h" for="ch" ptType="sibTrans" op="equ"/>
+      <dgm:constr type="primFontSz" for="des" forName="connectorText" op="equ" val="55"/>
+      <dgm:constr type="primFontSz" for="des" forName="connectorText" refType="primFontSz" refFor="ch" refPtType="node" op="lte" fact="0.8"/>
+    </dgm:constrLst>
+    <dgm:ruleLst/>
+    <dgm:forEach name="nodesForEach" axis="ch" ptType="node">
+      <dgm:layoutNode name="node">
+        <dgm:varLst>
+          <dgm:bulletEnabled val="1"/>
+        </dgm:varLst>
+        <dgm:alg type="tx"/>
+        <dgm:shape xmlns:r="http://schemas.openxmlformats.org/officeDocument/2006/relationships" type="roundRect" r:blip="">
+          <dgm:adjLst>
+            <dgm:adj idx="1" val="0.1"/>
+          </dgm:adjLst>
+        </dgm:shape>
+        <dgm:presOf axis="desOrSelf" ptType="node"/>
+        <dgm:constrLst>
+          <dgm:constr type="h" refType="w" fact="0.6"/>
+          <dgm:constr type="tMarg" refType="primFontSz" fact="0.3"/>
+          <dgm:constr type="bMarg" refType="primFontSz" fact="0.3"/>
+          <dgm:constr type="lMarg" refType="primFontSz" fact="0.3"/>
+          <dgm:constr type="rMarg" refType="primFontSz" fact="0.3"/>
+        </dgm:constrLst>
+        <dgm:ruleLst>
+          <dgm:rule type="primFontSz" val="18" fact="NaN" max="NaN"/>
+          <dgm:rule type="h" val="NaN" fact="1.5" max="NaN"/>
+          <dgm:rule type="primFontSz" val="5" fact="NaN" max="NaN"/>
+          <dgm:rule type="h" val="INF" fact="NaN" max="NaN"/>
+        </dgm:ruleLst>
+      </dgm:layoutNode>
+      <dgm:forEach name="sibTransForEach" axis="followSib" ptType="sibTrans" cnt="1">
+        <dgm:layoutNode name="sibTrans">
+          <dgm:alg type="conn">
+            <dgm:param type="begPts" val="auto"/>
+            <dgm:param type="endPts" val="auto"/>
+          </dgm:alg>
+          <dgm:shape xmlns:r="http://schemas.openxmlformats.org/officeDocument/2006/relationships" type="conn" r:blip="">
+            <dgm:adjLst/>
+          </dgm:shape>
+          <dgm:presOf axis="self"/>
+          <dgm:constrLst>
+            <dgm:constr type="h" refType="w" fact="0.62"/>
+            <dgm:constr type="connDist"/>
+            <dgm:constr type="begPad" refType="connDist" fact="0.25"/>
+            <dgm:constr type="endPad" refType="connDist" fact="0.22"/>
+          </dgm:constrLst>
+          <dgm:ruleLst/>
+          <dgm:layoutNode name="connectorText">
+            <dgm:alg type="tx">
+              <dgm:param type="autoTxRot" val="grav"/>
+            </dgm:alg>
+            <dgm:shape xmlns:r="http://schemas.openxmlformats.org/officeDocument/2006/relationships" type="conn" r:blip="" hideGeom="1">
+              <dgm:adjLst/>
+            </dgm:shape>
+            <dgm:presOf axis="self"/>
+            <dgm:constrLst>
+              <dgm:constr type="lMarg"/>
+              <dgm:constr type="rMarg"/>
+              <dgm:constr type="tMarg"/>
+              <dgm:constr type="bMarg"/>
+            </dgm:constrLst>
+            <dgm:ruleLst>
+              <dgm:rule type="primFontSz" val="5" fact="NaN" max="NaN"/>
+            </dgm:ruleLst>
+          </dgm:layoutNode>
+        </dgm:layoutNode>
+      </dgm:forEach>
+    </dgm:forEach>
+  </dgm:layoutNode>
+</dgm:layoutDef>
+</file>
+
 <file path=ppt/diagrams/quickStyle1.xml><?xml version="1.0" encoding="utf-8"?>
 <dgm:styleDef xmlns:dgm="http://schemas.openxmlformats.org/drawingml/2006/diagram" xmlns:a="http://schemas.openxmlformats.org/drawingml/2006/main" uniqueId="urn:microsoft.com/office/officeart/2005/8/quickstyle/simple1">
   <dgm:title val=""/>
@@ -12548,6 +15482,2074 @@
 </file>
 
 <file path=ppt/diagrams/quickStyle4.xml><?xml version="1.0" encoding="utf-8"?>
+<dgm:styleDef xmlns:dgm="http://schemas.openxmlformats.org/drawingml/2006/diagram" xmlns:a="http://schemas.openxmlformats.org/drawingml/2006/main" uniqueId="urn:microsoft.com/office/officeart/2005/8/quickstyle/simple1">
+  <dgm:title val=""/>
+  <dgm:desc val=""/>
+  <dgm:catLst>
+    <dgm:cat type="simple" pri="10100"/>
+  </dgm:catLst>
+  <dgm:scene3d>
+    <a:camera prst="orthographicFront"/>
+    <a:lightRig rig="threePt" dir="t"/>
+  </dgm:scene3d>
+  <dgm:styleLbl name="node0">
+    <dgm:scene3d>
+      <a:camera prst="orthographicFront"/>
+      <a:lightRig rig="threePt" dir="t"/>
+    </dgm:scene3d>
+    <dgm:sp3d/>
+    <dgm:txPr/>
+    <dgm:style>
+      <a:lnRef idx="2">
+        <a:scrgbClr r="0" g="0" b="0"/>
+      </a:lnRef>
+      <a:fillRef idx="1">
+        <a:scrgbClr r="0" g="0" b="0"/>
+      </a:fillRef>
+      <a:effectRef idx="0">
+        <a:scrgbClr r="0" g="0" b="0"/>
+      </a:effectRef>
+      <a:fontRef idx="minor">
+        <a:schemeClr val="lt1"/>
+      </a:fontRef>
+    </dgm:style>
+  </dgm:styleLbl>
+  <dgm:styleLbl name="lnNode1">
+    <dgm:scene3d>
+      <a:camera prst="orthographicFront"/>
+      <a:lightRig rig="threePt" dir="t"/>
+    </dgm:scene3d>
+    <dgm:sp3d/>
+    <dgm:txPr/>
+    <dgm:style>
+      <a:lnRef idx="2">
+        <a:scrgbClr r="0" g="0" b="0"/>
+      </a:lnRef>
+      <a:fillRef idx="1">
+        <a:scrgbClr r="0" g="0" b="0"/>
+      </a:fillRef>
+      <a:effectRef idx="0">
+        <a:scrgbClr r="0" g="0" b="0"/>
+      </a:effectRef>
+      <a:fontRef idx="minor">
+        <a:schemeClr val="lt1"/>
+      </a:fontRef>
+    </dgm:style>
+  </dgm:styleLbl>
+  <dgm:styleLbl name="vennNode1">
+    <dgm:scene3d>
+      <a:camera prst="orthographicFront"/>
+      <a:lightRig rig="threePt" dir="t"/>
+    </dgm:scene3d>
+    <dgm:sp3d/>
+    <dgm:txPr/>
+    <dgm:style>
+      <a:lnRef idx="2">
+        <a:scrgbClr r="0" g="0" b="0"/>
+      </a:lnRef>
+      <a:fillRef idx="1">
+        <a:scrgbClr r="0" g="0" b="0"/>
+      </a:fillRef>
+      <a:effectRef idx="0">
+        <a:scrgbClr r="0" g="0" b="0"/>
+      </a:effectRef>
+      <a:fontRef idx="minor">
+        <a:schemeClr val="tx1"/>
+      </a:fontRef>
+    </dgm:style>
+  </dgm:styleLbl>
+  <dgm:styleLbl name="alignNode1">
+    <dgm:scene3d>
+      <a:camera prst="orthographicFront"/>
+      <a:lightRig rig="threePt" dir="t"/>
+    </dgm:scene3d>
+    <dgm:sp3d/>
+    <dgm:txPr/>
+    <dgm:style>
+      <a:lnRef idx="2">
+        <a:scrgbClr r="0" g="0" b="0"/>
+      </a:lnRef>
+      <a:fillRef idx="1">
+        <a:scrgbClr r="0" g="0" b="0"/>
+      </a:fillRef>
+      <a:effectRef idx="0">
+        <a:scrgbClr r="0" g="0" b="0"/>
+      </a:effectRef>
+      <a:fontRef idx="minor">
+        <a:schemeClr val="lt1"/>
+      </a:fontRef>
+    </dgm:style>
+  </dgm:styleLbl>
+  <dgm:styleLbl name="node1">
+    <dgm:scene3d>
+      <a:camera prst="orthographicFront"/>
+      <a:lightRig rig="threePt" dir="t"/>
+    </dgm:scene3d>
+    <dgm:sp3d/>
+    <dgm:txPr/>
+    <dgm:style>
+      <a:lnRef idx="2">
+        <a:scrgbClr r="0" g="0" b="0"/>
+      </a:lnRef>
+      <a:fillRef idx="1">
+        <a:scrgbClr r="0" g="0" b="0"/>
+      </a:fillRef>
+      <a:effectRef idx="0">
+        <a:scrgbClr r="0" g="0" b="0"/>
+      </a:effectRef>
+      <a:fontRef idx="minor">
+        <a:schemeClr val="lt1"/>
+      </a:fontRef>
+    </dgm:style>
+  </dgm:styleLbl>
+  <dgm:styleLbl name="node2">
+    <dgm:scene3d>
+      <a:camera prst="orthographicFront"/>
+      <a:lightRig rig="threePt" dir="t"/>
+    </dgm:scene3d>
+    <dgm:sp3d/>
+    <dgm:txPr/>
+    <dgm:style>
+      <a:lnRef idx="2">
+        <a:scrgbClr r="0" g="0" b="0"/>
+      </a:lnRef>
+      <a:fillRef idx="1">
+        <a:scrgbClr r="0" g="0" b="0"/>
+      </a:fillRef>
+      <a:effectRef idx="0">
+        <a:scrgbClr r="0" g="0" b="0"/>
+      </a:effectRef>
+      <a:fontRef idx="minor">
+        <a:schemeClr val="lt1"/>
+      </a:fontRef>
+    </dgm:style>
+  </dgm:styleLbl>
+  <dgm:styleLbl name="node3">
+    <dgm:scene3d>
+      <a:camera prst="orthographicFront"/>
+      <a:lightRig rig="threePt" dir="t"/>
+    </dgm:scene3d>
+    <dgm:sp3d/>
+    <dgm:txPr/>
+    <dgm:style>
+      <a:lnRef idx="2">
+        <a:scrgbClr r="0" g="0" b="0"/>
+      </a:lnRef>
+      <a:fillRef idx="1">
+        <a:scrgbClr r="0" g="0" b="0"/>
+      </a:fillRef>
+      <a:effectRef idx="0">
+        <a:scrgbClr r="0" g="0" b="0"/>
+      </a:effectRef>
+      <a:fontRef idx="minor">
+        <a:schemeClr val="lt1"/>
+      </a:fontRef>
+    </dgm:style>
+  </dgm:styleLbl>
+  <dgm:styleLbl name="node4">
+    <dgm:scene3d>
+      <a:camera prst="orthographicFront"/>
+      <a:lightRig rig="threePt" dir="t"/>
+    </dgm:scene3d>
+    <dgm:sp3d/>
+    <dgm:txPr/>
+    <dgm:style>
+      <a:lnRef idx="2">
+        <a:scrgbClr r="0" g="0" b="0"/>
+      </a:lnRef>
+      <a:fillRef idx="1">
+        <a:scrgbClr r="0" g="0" b="0"/>
+      </a:fillRef>
+      <a:effectRef idx="0">
+        <a:scrgbClr r="0" g="0" b="0"/>
+      </a:effectRef>
+      <a:fontRef idx="minor">
+        <a:schemeClr val="lt1"/>
+      </a:fontRef>
+    </dgm:style>
+  </dgm:styleLbl>
+  <dgm:styleLbl name="fgImgPlace1">
+    <dgm:scene3d>
+      <a:camera prst="orthographicFront"/>
+      <a:lightRig rig="threePt" dir="t"/>
+    </dgm:scene3d>
+    <dgm:sp3d/>
+    <dgm:txPr/>
+    <dgm:style>
+      <a:lnRef idx="2">
+        <a:scrgbClr r="0" g="0" b="0"/>
+      </a:lnRef>
+      <a:fillRef idx="1">
+        <a:scrgbClr r="0" g="0" b="0"/>
+      </a:fillRef>
+      <a:effectRef idx="0">
+        <a:scrgbClr r="0" g="0" b="0"/>
+      </a:effectRef>
+      <a:fontRef idx="minor"/>
+    </dgm:style>
+  </dgm:styleLbl>
+  <dgm:styleLbl name="alignImgPlace1">
+    <dgm:scene3d>
+      <a:camera prst="orthographicFront"/>
+      <a:lightRig rig="threePt" dir="t"/>
+    </dgm:scene3d>
+    <dgm:sp3d/>
+    <dgm:txPr/>
+    <dgm:style>
+      <a:lnRef idx="2">
+        <a:scrgbClr r="0" g="0" b="0"/>
+      </a:lnRef>
+      <a:fillRef idx="1">
+        <a:scrgbClr r="0" g="0" b="0"/>
+      </a:fillRef>
+      <a:effectRef idx="0">
+        <a:scrgbClr r="0" g="0" b="0"/>
+      </a:effectRef>
+      <a:fontRef idx="minor"/>
+    </dgm:style>
+  </dgm:styleLbl>
+  <dgm:styleLbl name="bgImgPlace1">
+    <dgm:scene3d>
+      <a:camera prst="orthographicFront"/>
+      <a:lightRig rig="threePt" dir="t"/>
+    </dgm:scene3d>
+    <dgm:sp3d/>
+    <dgm:txPr/>
+    <dgm:style>
+      <a:lnRef idx="2">
+        <a:scrgbClr r="0" g="0" b="0"/>
+      </a:lnRef>
+      <a:fillRef idx="1">
+        <a:scrgbClr r="0" g="0" b="0"/>
+      </a:fillRef>
+      <a:effectRef idx="0">
+        <a:scrgbClr r="0" g="0" b="0"/>
+      </a:effectRef>
+      <a:fontRef idx="minor"/>
+    </dgm:style>
+  </dgm:styleLbl>
+  <dgm:styleLbl name="sibTrans2D1">
+    <dgm:scene3d>
+      <a:camera prst="orthographicFront"/>
+      <a:lightRig rig="threePt" dir="t"/>
+    </dgm:scene3d>
+    <dgm:sp3d/>
+    <dgm:txPr/>
+    <dgm:style>
+      <a:lnRef idx="0">
+        <a:scrgbClr r="0" g="0" b="0"/>
+      </a:lnRef>
+      <a:fillRef idx="1">
+        <a:scrgbClr r="0" g="0" b="0"/>
+      </a:fillRef>
+      <a:effectRef idx="0">
+        <a:scrgbClr r="0" g="0" b="0"/>
+      </a:effectRef>
+      <a:fontRef idx="minor">
+        <a:schemeClr val="lt1"/>
+      </a:fontRef>
+    </dgm:style>
+  </dgm:styleLbl>
+  <dgm:styleLbl name="fgSibTrans2D1">
+    <dgm:scene3d>
+      <a:camera prst="orthographicFront"/>
+      <a:lightRig rig="threePt" dir="t"/>
+    </dgm:scene3d>
+    <dgm:sp3d/>
+    <dgm:txPr/>
+    <dgm:style>
+      <a:lnRef idx="0">
+        <a:scrgbClr r="0" g="0" b="0"/>
+      </a:lnRef>
+      <a:fillRef idx="1">
+        <a:scrgbClr r="0" g="0" b="0"/>
+      </a:fillRef>
+      <a:effectRef idx="0">
+        <a:scrgbClr r="0" g="0" b="0"/>
+      </a:effectRef>
+      <a:fontRef idx="minor">
+        <a:schemeClr val="lt1"/>
+      </a:fontRef>
+    </dgm:style>
+  </dgm:styleLbl>
+  <dgm:styleLbl name="bgSibTrans2D1">
+    <dgm:scene3d>
+      <a:camera prst="orthographicFront"/>
+      <a:lightRig rig="threePt" dir="t"/>
+    </dgm:scene3d>
+    <dgm:sp3d/>
+    <dgm:txPr/>
+    <dgm:style>
+      <a:lnRef idx="0">
+        <a:scrgbClr r="0" g="0" b="0"/>
+      </a:lnRef>
+      <a:fillRef idx="1">
+        <a:scrgbClr r="0" g="0" b="0"/>
+      </a:fillRef>
+      <a:effectRef idx="0">
+        <a:scrgbClr r="0" g="0" b="0"/>
+      </a:effectRef>
+      <a:fontRef idx="minor">
+        <a:schemeClr val="lt1"/>
+      </a:fontRef>
+    </dgm:style>
+  </dgm:styleLbl>
+  <dgm:styleLbl name="sibTrans1D1">
+    <dgm:scene3d>
+      <a:camera prst="orthographicFront"/>
+      <a:lightRig rig="threePt" dir="t"/>
+    </dgm:scene3d>
+    <dgm:sp3d/>
+    <dgm:txPr/>
+    <dgm:style>
+      <a:lnRef idx="1">
+        <a:scrgbClr r="0" g="0" b="0"/>
+      </a:lnRef>
+      <a:fillRef idx="0">
+        <a:scrgbClr r="0" g="0" b="0"/>
+      </a:fillRef>
+      <a:effectRef idx="0">
+        <a:scrgbClr r="0" g="0" b="0"/>
+      </a:effectRef>
+      <a:fontRef idx="minor"/>
+    </dgm:style>
+  </dgm:styleLbl>
+  <dgm:styleLbl name="callout">
+    <dgm:scene3d>
+      <a:camera prst="orthographicFront"/>
+      <a:lightRig rig="threePt" dir="t"/>
+    </dgm:scene3d>
+    <dgm:sp3d/>
+    <dgm:txPr/>
+    <dgm:style>
+      <a:lnRef idx="2">
+        <a:scrgbClr r="0" g="0" b="0"/>
+      </a:lnRef>
+      <a:fillRef idx="1">
+        <a:scrgbClr r="0" g="0" b="0"/>
+      </a:fillRef>
+      <a:effectRef idx="0">
+        <a:scrgbClr r="0" g="0" b="0"/>
+      </a:effectRef>
+      <a:fontRef idx="minor"/>
+    </dgm:style>
+  </dgm:styleLbl>
+  <dgm:styleLbl name="asst0">
+    <dgm:scene3d>
+      <a:camera prst="orthographicFront"/>
+      <a:lightRig rig="threePt" dir="t"/>
+    </dgm:scene3d>
+    <dgm:sp3d/>
+    <dgm:txPr/>
+    <dgm:style>
+      <a:lnRef idx="2">
+        <a:scrgbClr r="0" g="0" b="0"/>
+      </a:lnRef>
+      <a:fillRef idx="1">
+        <a:scrgbClr r="0" g="0" b="0"/>
+      </a:fillRef>
+      <a:effectRef idx="0">
+        <a:scrgbClr r="0" g="0" b="0"/>
+      </a:effectRef>
+      <a:fontRef idx="minor">
+        <a:schemeClr val="lt1"/>
+      </a:fontRef>
+    </dgm:style>
+  </dgm:styleLbl>
+  <dgm:styleLbl name="asst1">
+    <dgm:scene3d>
+      <a:camera prst="orthographicFront"/>
+      <a:lightRig rig="threePt" dir="t"/>
+    </dgm:scene3d>
+    <dgm:sp3d/>
+    <dgm:txPr/>
+    <dgm:style>
+      <a:lnRef idx="2">
+        <a:scrgbClr r="0" g="0" b="0"/>
+      </a:lnRef>
+      <a:fillRef idx="1">
+        <a:scrgbClr r="0" g="0" b="0"/>
+      </a:fillRef>
+      <a:effectRef idx="0">
+        <a:scrgbClr r="0" g="0" b="0"/>
+      </a:effectRef>
+      <a:fontRef idx="minor">
+        <a:schemeClr val="lt1"/>
+      </a:fontRef>
+    </dgm:style>
+  </dgm:styleLbl>
+  <dgm:styleLbl name="asst2">
+    <dgm:scene3d>
+      <a:camera prst="orthographicFront"/>
+      <a:lightRig rig="threePt" dir="t"/>
+    </dgm:scene3d>
+    <dgm:sp3d/>
+    <dgm:txPr/>
+    <dgm:style>
+      <a:lnRef idx="2">
+        <a:scrgbClr r="0" g="0" b="0"/>
+      </a:lnRef>
+      <a:fillRef idx="1">
+        <a:scrgbClr r="0" g="0" b="0"/>
+      </a:fillRef>
+      <a:effectRef idx="0">
+        <a:scrgbClr r="0" g="0" b="0"/>
+      </a:effectRef>
+      <a:fontRef idx="minor">
+        <a:schemeClr val="lt1"/>
+      </a:fontRef>
+    </dgm:style>
+  </dgm:styleLbl>
+  <dgm:styleLbl name="asst3">
+    <dgm:scene3d>
+      <a:camera prst="orthographicFront"/>
+      <a:lightRig rig="threePt" dir="t"/>
+    </dgm:scene3d>
+    <dgm:sp3d/>
+    <dgm:txPr/>
+    <dgm:style>
+      <a:lnRef idx="2">
+        <a:scrgbClr r="0" g="0" b="0"/>
+      </a:lnRef>
+      <a:fillRef idx="1">
+        <a:scrgbClr r="0" g="0" b="0"/>
+      </a:fillRef>
+      <a:effectRef idx="0">
+        <a:scrgbClr r="0" g="0" b="0"/>
+      </a:effectRef>
+      <a:fontRef idx="minor">
+        <a:schemeClr val="lt1"/>
+      </a:fontRef>
+    </dgm:style>
+  </dgm:styleLbl>
+  <dgm:styleLbl name="asst4">
+    <dgm:scene3d>
+      <a:camera prst="orthographicFront"/>
+      <a:lightRig rig="threePt" dir="t"/>
+    </dgm:scene3d>
+    <dgm:sp3d/>
+    <dgm:txPr/>
+    <dgm:style>
+      <a:lnRef idx="2">
+        <a:scrgbClr r="0" g="0" b="0"/>
+      </a:lnRef>
+      <a:fillRef idx="1">
+        <a:scrgbClr r="0" g="0" b="0"/>
+      </a:fillRef>
+      <a:effectRef idx="0">
+        <a:scrgbClr r="0" g="0" b="0"/>
+      </a:effectRef>
+      <a:fontRef idx="minor">
+        <a:schemeClr val="lt1"/>
+      </a:fontRef>
+    </dgm:style>
+  </dgm:styleLbl>
+  <dgm:styleLbl name="parChTrans2D1">
+    <dgm:scene3d>
+      <a:camera prst="orthographicFront"/>
+      <a:lightRig rig="threePt" dir="t"/>
+    </dgm:scene3d>
+    <dgm:sp3d/>
+    <dgm:txPr/>
+    <dgm:style>
+      <a:lnRef idx="2">
+        <a:scrgbClr r="0" g="0" b="0"/>
+      </a:lnRef>
+      <a:fillRef idx="1">
+        <a:scrgbClr r="0" g="0" b="0"/>
+      </a:fillRef>
+      <a:effectRef idx="0">
+        <a:scrgbClr r="0" g="0" b="0"/>
+      </a:effectRef>
+      <a:fontRef idx="minor">
+        <a:schemeClr val="lt1"/>
+      </a:fontRef>
+    </dgm:style>
+  </dgm:styleLbl>
+  <dgm:styleLbl name="parChTrans2D2">
+    <dgm:scene3d>
+      <a:camera prst="orthographicFront"/>
+      <a:lightRig rig="threePt" dir="t"/>
+    </dgm:scene3d>
+    <dgm:sp3d/>
+    <dgm:txPr/>
+    <dgm:style>
+      <a:lnRef idx="2">
+        <a:scrgbClr r="0" g="0" b="0"/>
+      </a:lnRef>
+      <a:fillRef idx="1">
+        <a:scrgbClr r="0" g="0" b="0"/>
+      </a:fillRef>
+      <a:effectRef idx="0">
+        <a:scrgbClr r="0" g="0" b="0"/>
+      </a:effectRef>
+      <a:fontRef idx="minor">
+        <a:schemeClr val="lt1"/>
+      </a:fontRef>
+    </dgm:style>
+  </dgm:styleLbl>
+  <dgm:styleLbl name="parChTrans2D3">
+    <dgm:scene3d>
+      <a:camera prst="orthographicFront"/>
+      <a:lightRig rig="threePt" dir="t"/>
+    </dgm:scene3d>
+    <dgm:sp3d/>
+    <dgm:txPr/>
+    <dgm:style>
+      <a:lnRef idx="2">
+        <a:scrgbClr r="0" g="0" b="0"/>
+      </a:lnRef>
+      <a:fillRef idx="1">
+        <a:scrgbClr r="0" g="0" b="0"/>
+      </a:fillRef>
+      <a:effectRef idx="0">
+        <a:scrgbClr r="0" g="0" b="0"/>
+      </a:effectRef>
+      <a:fontRef idx="minor">
+        <a:schemeClr val="lt1"/>
+      </a:fontRef>
+    </dgm:style>
+  </dgm:styleLbl>
+  <dgm:styleLbl name="parChTrans2D4">
+    <dgm:scene3d>
+      <a:camera prst="orthographicFront"/>
+      <a:lightRig rig="threePt" dir="t"/>
+    </dgm:scene3d>
+    <dgm:sp3d/>
+    <dgm:txPr/>
+    <dgm:style>
+      <a:lnRef idx="2">
+        <a:scrgbClr r="0" g="0" b="0"/>
+      </a:lnRef>
+      <a:fillRef idx="1">
+        <a:scrgbClr r="0" g="0" b="0"/>
+      </a:fillRef>
+      <a:effectRef idx="0">
+        <a:scrgbClr r="0" g="0" b="0"/>
+      </a:effectRef>
+      <a:fontRef idx="minor">
+        <a:schemeClr val="lt1"/>
+      </a:fontRef>
+    </dgm:style>
+  </dgm:styleLbl>
+  <dgm:styleLbl name="parChTrans1D1">
+    <dgm:scene3d>
+      <a:camera prst="orthographicFront"/>
+      <a:lightRig rig="threePt" dir="t"/>
+    </dgm:scene3d>
+    <dgm:sp3d/>
+    <dgm:txPr/>
+    <dgm:style>
+      <a:lnRef idx="2">
+        <a:scrgbClr r="0" g="0" b="0"/>
+      </a:lnRef>
+      <a:fillRef idx="0">
+        <a:scrgbClr r="0" g="0" b="0"/>
+      </a:fillRef>
+      <a:effectRef idx="0">
+        <a:scrgbClr r="0" g="0" b="0"/>
+      </a:effectRef>
+      <a:fontRef idx="minor"/>
+    </dgm:style>
+  </dgm:styleLbl>
+  <dgm:styleLbl name="parChTrans1D2">
+    <dgm:scene3d>
+      <a:camera prst="orthographicFront"/>
+      <a:lightRig rig="threePt" dir="t"/>
+    </dgm:scene3d>
+    <dgm:sp3d/>
+    <dgm:txPr/>
+    <dgm:style>
+      <a:lnRef idx="2">
+        <a:scrgbClr r="0" g="0" b="0"/>
+      </a:lnRef>
+      <a:fillRef idx="0">
+        <a:scrgbClr r="0" g="0" b="0"/>
+      </a:fillRef>
+      <a:effectRef idx="0">
+        <a:scrgbClr r="0" g="0" b="0"/>
+      </a:effectRef>
+      <a:fontRef idx="minor"/>
+    </dgm:style>
+  </dgm:styleLbl>
+  <dgm:styleLbl name="parChTrans1D3">
+    <dgm:scene3d>
+      <a:camera prst="orthographicFront"/>
+      <a:lightRig rig="threePt" dir="t"/>
+    </dgm:scene3d>
+    <dgm:sp3d/>
+    <dgm:txPr/>
+    <dgm:style>
+      <a:lnRef idx="2">
+        <a:scrgbClr r="0" g="0" b="0"/>
+      </a:lnRef>
+      <a:fillRef idx="0">
+        <a:scrgbClr r="0" g="0" b="0"/>
+      </a:fillRef>
+      <a:effectRef idx="0">
+        <a:scrgbClr r="0" g="0" b="0"/>
+      </a:effectRef>
+      <a:fontRef idx="minor"/>
+    </dgm:style>
+  </dgm:styleLbl>
+  <dgm:styleLbl name="parChTrans1D4">
+    <dgm:scene3d>
+      <a:camera prst="orthographicFront"/>
+      <a:lightRig rig="threePt" dir="t"/>
+    </dgm:scene3d>
+    <dgm:sp3d/>
+    <dgm:txPr/>
+    <dgm:style>
+      <a:lnRef idx="2">
+        <a:scrgbClr r="0" g="0" b="0"/>
+      </a:lnRef>
+      <a:fillRef idx="0">
+        <a:scrgbClr r="0" g="0" b="0"/>
+      </a:fillRef>
+      <a:effectRef idx="0">
+        <a:scrgbClr r="0" g="0" b="0"/>
+      </a:effectRef>
+      <a:fontRef idx="minor"/>
+    </dgm:style>
+  </dgm:styleLbl>
+  <dgm:styleLbl name="fgAcc1">
+    <dgm:scene3d>
+      <a:camera prst="orthographicFront"/>
+      <a:lightRig rig="threePt" dir="t"/>
+    </dgm:scene3d>
+    <dgm:sp3d/>
+    <dgm:txPr/>
+    <dgm:style>
+      <a:lnRef idx="2">
+        <a:scrgbClr r="0" g="0" b="0"/>
+      </a:lnRef>
+      <a:fillRef idx="1">
+        <a:scrgbClr r="0" g="0" b="0"/>
+      </a:fillRef>
+      <a:effectRef idx="0">
+        <a:scrgbClr r="0" g="0" b="0"/>
+      </a:effectRef>
+      <a:fontRef idx="minor"/>
+    </dgm:style>
+  </dgm:styleLbl>
+  <dgm:styleLbl name="conFgAcc1">
+    <dgm:scene3d>
+      <a:camera prst="orthographicFront"/>
+      <a:lightRig rig="threePt" dir="t"/>
+    </dgm:scene3d>
+    <dgm:sp3d/>
+    <dgm:txPr/>
+    <dgm:style>
+      <a:lnRef idx="2">
+        <a:scrgbClr r="0" g="0" b="0"/>
+      </a:lnRef>
+      <a:fillRef idx="1">
+        <a:scrgbClr r="0" g="0" b="0"/>
+      </a:fillRef>
+      <a:effectRef idx="0">
+        <a:scrgbClr r="0" g="0" b="0"/>
+      </a:effectRef>
+      <a:fontRef idx="minor"/>
+    </dgm:style>
+  </dgm:styleLbl>
+  <dgm:styleLbl name="alignAcc1">
+    <dgm:scene3d>
+      <a:camera prst="orthographicFront"/>
+      <a:lightRig rig="threePt" dir="t"/>
+    </dgm:scene3d>
+    <dgm:sp3d/>
+    <dgm:txPr/>
+    <dgm:style>
+      <a:lnRef idx="2">
+        <a:scrgbClr r="0" g="0" b="0"/>
+      </a:lnRef>
+      <a:fillRef idx="1">
+        <a:scrgbClr r="0" g="0" b="0"/>
+      </a:fillRef>
+      <a:effectRef idx="0">
+        <a:scrgbClr r="0" g="0" b="0"/>
+      </a:effectRef>
+      <a:fontRef idx="minor"/>
+    </dgm:style>
+  </dgm:styleLbl>
+  <dgm:styleLbl name="trAlignAcc1">
+    <dgm:scene3d>
+      <a:camera prst="orthographicFront"/>
+      <a:lightRig rig="threePt" dir="t"/>
+    </dgm:scene3d>
+    <dgm:sp3d/>
+    <dgm:txPr/>
+    <dgm:style>
+      <a:lnRef idx="1">
+        <a:scrgbClr r="0" g="0" b="0"/>
+      </a:lnRef>
+      <a:fillRef idx="1">
+        <a:scrgbClr r="0" g="0" b="0"/>
+      </a:fillRef>
+      <a:effectRef idx="0">
+        <a:scrgbClr r="0" g="0" b="0"/>
+      </a:effectRef>
+      <a:fontRef idx="minor"/>
+    </dgm:style>
+  </dgm:styleLbl>
+  <dgm:styleLbl name="bgAcc1">
+    <dgm:scene3d>
+      <a:camera prst="orthographicFront"/>
+      <a:lightRig rig="threePt" dir="t"/>
+    </dgm:scene3d>
+    <dgm:sp3d/>
+    <dgm:txPr/>
+    <dgm:style>
+      <a:lnRef idx="2">
+        <a:scrgbClr r="0" g="0" b="0"/>
+      </a:lnRef>
+      <a:fillRef idx="1">
+        <a:scrgbClr r="0" g="0" b="0"/>
+      </a:fillRef>
+      <a:effectRef idx="0">
+        <a:scrgbClr r="0" g="0" b="0"/>
+      </a:effectRef>
+      <a:fontRef idx="minor"/>
+    </dgm:style>
+  </dgm:styleLbl>
+  <dgm:styleLbl name="solidFgAcc1">
+    <dgm:scene3d>
+      <a:camera prst="orthographicFront"/>
+      <a:lightRig rig="threePt" dir="t"/>
+    </dgm:scene3d>
+    <dgm:sp3d/>
+    <dgm:txPr/>
+    <dgm:style>
+      <a:lnRef idx="2">
+        <a:scrgbClr r="0" g="0" b="0"/>
+      </a:lnRef>
+      <a:fillRef idx="1">
+        <a:scrgbClr r="0" g="0" b="0"/>
+      </a:fillRef>
+      <a:effectRef idx="0">
+        <a:scrgbClr r="0" g="0" b="0"/>
+      </a:effectRef>
+      <a:fontRef idx="minor"/>
+    </dgm:style>
+  </dgm:styleLbl>
+  <dgm:styleLbl name="solidAlignAcc1">
+    <dgm:scene3d>
+      <a:camera prst="orthographicFront"/>
+      <a:lightRig rig="threePt" dir="t"/>
+    </dgm:scene3d>
+    <dgm:sp3d/>
+    <dgm:txPr/>
+    <dgm:style>
+      <a:lnRef idx="2">
+        <a:scrgbClr r="0" g="0" b="0"/>
+      </a:lnRef>
+      <a:fillRef idx="1">
+        <a:scrgbClr r="0" g="0" b="0"/>
+      </a:fillRef>
+      <a:effectRef idx="0">
+        <a:scrgbClr r="0" g="0" b="0"/>
+      </a:effectRef>
+      <a:fontRef idx="minor"/>
+    </dgm:style>
+  </dgm:styleLbl>
+  <dgm:styleLbl name="solidBgAcc1">
+    <dgm:scene3d>
+      <a:camera prst="orthographicFront"/>
+      <a:lightRig rig="threePt" dir="t"/>
+    </dgm:scene3d>
+    <dgm:sp3d/>
+    <dgm:txPr/>
+    <dgm:style>
+      <a:lnRef idx="2">
+        <a:scrgbClr r="0" g="0" b="0"/>
+      </a:lnRef>
+      <a:fillRef idx="1">
+        <a:scrgbClr r="0" g="0" b="0"/>
+      </a:fillRef>
+      <a:effectRef idx="0">
+        <a:scrgbClr r="0" g="0" b="0"/>
+      </a:effectRef>
+      <a:fontRef idx="minor"/>
+    </dgm:style>
+  </dgm:styleLbl>
+  <dgm:styleLbl name="fgAccFollowNode1">
+    <dgm:scene3d>
+      <a:camera prst="orthographicFront"/>
+      <a:lightRig rig="threePt" dir="t"/>
+    </dgm:scene3d>
+    <dgm:sp3d/>
+    <dgm:txPr/>
+    <dgm:style>
+      <a:lnRef idx="2">
+        <a:scrgbClr r="0" g="0" b="0"/>
+      </a:lnRef>
+      <a:fillRef idx="1">
+        <a:scrgbClr r="0" g="0" b="0"/>
+      </a:fillRef>
+      <a:effectRef idx="0">
+        <a:scrgbClr r="0" g="0" b="0"/>
+      </a:effectRef>
+      <a:fontRef idx="minor"/>
+    </dgm:style>
+  </dgm:styleLbl>
+  <dgm:styleLbl name="alignAccFollowNode1">
+    <dgm:scene3d>
+      <a:camera prst="orthographicFront"/>
+      <a:lightRig rig="threePt" dir="t"/>
+    </dgm:scene3d>
+    <dgm:sp3d/>
+    <dgm:txPr/>
+    <dgm:style>
+      <a:lnRef idx="2">
+        <a:scrgbClr r="0" g="0" b="0"/>
+      </a:lnRef>
+      <a:fillRef idx="1">
+        <a:scrgbClr r="0" g="0" b="0"/>
+      </a:fillRef>
+      <a:effectRef idx="0">
+        <a:scrgbClr r="0" g="0" b="0"/>
+      </a:effectRef>
+      <a:fontRef idx="minor"/>
+    </dgm:style>
+  </dgm:styleLbl>
+  <dgm:styleLbl name="bgAccFollowNode1">
+    <dgm:scene3d>
+      <a:camera prst="orthographicFront"/>
+      <a:lightRig rig="threePt" dir="t"/>
+    </dgm:scene3d>
+    <dgm:sp3d/>
+    <dgm:txPr/>
+    <dgm:style>
+      <a:lnRef idx="2">
+        <a:scrgbClr r="0" g="0" b="0"/>
+      </a:lnRef>
+      <a:fillRef idx="1">
+        <a:scrgbClr r="0" g="0" b="0"/>
+      </a:fillRef>
+      <a:effectRef idx="0">
+        <a:scrgbClr r="0" g="0" b="0"/>
+      </a:effectRef>
+      <a:fontRef idx="minor"/>
+    </dgm:style>
+  </dgm:styleLbl>
+  <dgm:styleLbl name="fgAcc0">
+    <dgm:scene3d>
+      <a:camera prst="orthographicFront"/>
+      <a:lightRig rig="threePt" dir="t"/>
+    </dgm:scene3d>
+    <dgm:sp3d/>
+    <dgm:txPr/>
+    <dgm:style>
+      <a:lnRef idx="2">
+        <a:scrgbClr r="0" g="0" b="0"/>
+      </a:lnRef>
+      <a:fillRef idx="1">
+        <a:scrgbClr r="0" g="0" b="0"/>
+      </a:fillRef>
+      <a:effectRef idx="0">
+        <a:scrgbClr r="0" g="0" b="0"/>
+      </a:effectRef>
+      <a:fontRef idx="minor"/>
+    </dgm:style>
+  </dgm:styleLbl>
+  <dgm:styleLbl name="fgAcc2">
+    <dgm:scene3d>
+      <a:camera prst="orthographicFront"/>
+      <a:lightRig rig="threePt" dir="t"/>
+    </dgm:scene3d>
+    <dgm:sp3d/>
+    <dgm:txPr/>
+    <dgm:style>
+      <a:lnRef idx="2">
+        <a:scrgbClr r="0" g="0" b="0"/>
+      </a:lnRef>
+      <a:fillRef idx="1">
+        <a:scrgbClr r="0" g="0" b="0"/>
+      </a:fillRef>
+      <a:effectRef idx="0">
+        <a:scrgbClr r="0" g="0" b="0"/>
+      </a:effectRef>
+      <a:fontRef idx="minor"/>
+    </dgm:style>
+  </dgm:styleLbl>
+  <dgm:styleLbl name="fgAcc3">
+    <dgm:scene3d>
+      <a:camera prst="orthographicFront"/>
+      <a:lightRig rig="threePt" dir="t"/>
+    </dgm:scene3d>
+    <dgm:sp3d/>
+    <dgm:txPr/>
+    <dgm:style>
+      <a:lnRef idx="2">
+        <a:scrgbClr r="0" g="0" b="0"/>
+      </a:lnRef>
+      <a:fillRef idx="1">
+        <a:scrgbClr r="0" g="0" b="0"/>
+      </a:fillRef>
+      <a:effectRef idx="0">
+        <a:scrgbClr r="0" g="0" b="0"/>
+      </a:effectRef>
+      <a:fontRef idx="minor"/>
+    </dgm:style>
+  </dgm:styleLbl>
+  <dgm:styleLbl name="fgAcc4">
+    <dgm:scene3d>
+      <a:camera prst="orthographicFront"/>
+      <a:lightRig rig="threePt" dir="t"/>
+    </dgm:scene3d>
+    <dgm:sp3d/>
+    <dgm:txPr/>
+    <dgm:style>
+      <a:lnRef idx="2">
+        <a:scrgbClr r="0" g="0" b="0"/>
+      </a:lnRef>
+      <a:fillRef idx="1">
+        <a:scrgbClr r="0" g="0" b="0"/>
+      </a:fillRef>
+      <a:effectRef idx="0">
+        <a:scrgbClr r="0" g="0" b="0"/>
+      </a:effectRef>
+      <a:fontRef idx="minor"/>
+    </dgm:style>
+  </dgm:styleLbl>
+  <dgm:styleLbl name="bgShp">
+    <dgm:scene3d>
+      <a:camera prst="orthographicFront"/>
+      <a:lightRig rig="threePt" dir="t"/>
+    </dgm:scene3d>
+    <dgm:sp3d/>
+    <dgm:txPr/>
+    <dgm:style>
+      <a:lnRef idx="0">
+        <a:scrgbClr r="0" g="0" b="0"/>
+      </a:lnRef>
+      <a:fillRef idx="1">
+        <a:scrgbClr r="0" g="0" b="0"/>
+      </a:fillRef>
+      <a:effectRef idx="0">
+        <a:scrgbClr r="0" g="0" b="0"/>
+      </a:effectRef>
+      <a:fontRef idx="minor"/>
+    </dgm:style>
+  </dgm:styleLbl>
+  <dgm:styleLbl name="dkBgShp">
+    <dgm:scene3d>
+      <a:camera prst="orthographicFront"/>
+      <a:lightRig rig="threePt" dir="t"/>
+    </dgm:scene3d>
+    <dgm:sp3d/>
+    <dgm:txPr/>
+    <dgm:style>
+      <a:lnRef idx="0">
+        <a:scrgbClr r="0" g="0" b="0"/>
+      </a:lnRef>
+      <a:fillRef idx="1">
+        <a:scrgbClr r="0" g="0" b="0"/>
+      </a:fillRef>
+      <a:effectRef idx="0">
+        <a:scrgbClr r="0" g="0" b="0"/>
+      </a:effectRef>
+      <a:fontRef idx="minor"/>
+    </dgm:style>
+  </dgm:styleLbl>
+  <dgm:styleLbl name="trBgShp">
+    <dgm:scene3d>
+      <a:camera prst="orthographicFront"/>
+      <a:lightRig rig="threePt" dir="t"/>
+    </dgm:scene3d>
+    <dgm:sp3d/>
+    <dgm:txPr/>
+    <dgm:style>
+      <a:lnRef idx="0">
+        <a:scrgbClr r="0" g="0" b="0"/>
+      </a:lnRef>
+      <a:fillRef idx="1">
+        <a:scrgbClr r="0" g="0" b="0"/>
+      </a:fillRef>
+      <a:effectRef idx="0">
+        <a:scrgbClr r="0" g="0" b="0"/>
+      </a:effectRef>
+      <a:fontRef idx="minor"/>
+    </dgm:style>
+  </dgm:styleLbl>
+  <dgm:styleLbl name="fgShp">
+    <dgm:scene3d>
+      <a:camera prst="orthographicFront"/>
+      <a:lightRig rig="threePt" dir="t"/>
+    </dgm:scene3d>
+    <dgm:sp3d/>
+    <dgm:txPr/>
+    <dgm:style>
+      <a:lnRef idx="2">
+        <a:scrgbClr r="0" g="0" b="0"/>
+      </a:lnRef>
+      <a:fillRef idx="1">
+        <a:scrgbClr r="0" g="0" b="0"/>
+      </a:fillRef>
+      <a:effectRef idx="0">
+        <a:scrgbClr r="0" g="0" b="0"/>
+      </a:effectRef>
+      <a:fontRef idx="minor"/>
+    </dgm:style>
+  </dgm:styleLbl>
+  <dgm:styleLbl name="revTx">
+    <dgm:scene3d>
+      <a:camera prst="orthographicFront"/>
+      <a:lightRig rig="threePt" dir="t"/>
+    </dgm:scene3d>
+    <dgm:sp3d/>
+    <dgm:txPr/>
+    <dgm:style>
+      <a:lnRef idx="0">
+        <a:scrgbClr r="0" g="0" b="0"/>
+      </a:lnRef>
+      <a:fillRef idx="0">
+        <a:scrgbClr r="0" g="0" b="0"/>
+      </a:fillRef>
+      <a:effectRef idx="0">
+        <a:scrgbClr r="0" g="0" b="0"/>
+      </a:effectRef>
+      <a:fontRef idx="minor"/>
+    </dgm:style>
+  </dgm:styleLbl>
+</dgm:styleDef>
+</file>
+
+<file path=ppt/diagrams/quickStyle5.xml><?xml version="1.0" encoding="utf-8"?>
+<dgm:styleDef xmlns:dgm="http://schemas.openxmlformats.org/drawingml/2006/diagram" xmlns:a="http://schemas.openxmlformats.org/drawingml/2006/main" uniqueId="urn:microsoft.com/office/officeart/2005/8/quickstyle/simple1">
+  <dgm:title val=""/>
+  <dgm:desc val=""/>
+  <dgm:catLst>
+    <dgm:cat type="simple" pri="10100"/>
+  </dgm:catLst>
+  <dgm:scene3d>
+    <a:camera prst="orthographicFront"/>
+    <a:lightRig rig="threePt" dir="t"/>
+  </dgm:scene3d>
+  <dgm:styleLbl name="node0">
+    <dgm:scene3d>
+      <a:camera prst="orthographicFront"/>
+      <a:lightRig rig="threePt" dir="t"/>
+    </dgm:scene3d>
+    <dgm:sp3d/>
+    <dgm:txPr/>
+    <dgm:style>
+      <a:lnRef idx="2">
+        <a:scrgbClr r="0" g="0" b="0"/>
+      </a:lnRef>
+      <a:fillRef idx="1">
+        <a:scrgbClr r="0" g="0" b="0"/>
+      </a:fillRef>
+      <a:effectRef idx="0">
+        <a:scrgbClr r="0" g="0" b="0"/>
+      </a:effectRef>
+      <a:fontRef idx="minor">
+        <a:schemeClr val="lt1"/>
+      </a:fontRef>
+    </dgm:style>
+  </dgm:styleLbl>
+  <dgm:styleLbl name="lnNode1">
+    <dgm:scene3d>
+      <a:camera prst="orthographicFront"/>
+      <a:lightRig rig="threePt" dir="t"/>
+    </dgm:scene3d>
+    <dgm:sp3d/>
+    <dgm:txPr/>
+    <dgm:style>
+      <a:lnRef idx="2">
+        <a:scrgbClr r="0" g="0" b="0"/>
+      </a:lnRef>
+      <a:fillRef idx="1">
+        <a:scrgbClr r="0" g="0" b="0"/>
+      </a:fillRef>
+      <a:effectRef idx="0">
+        <a:scrgbClr r="0" g="0" b="0"/>
+      </a:effectRef>
+      <a:fontRef idx="minor">
+        <a:schemeClr val="lt1"/>
+      </a:fontRef>
+    </dgm:style>
+  </dgm:styleLbl>
+  <dgm:styleLbl name="vennNode1">
+    <dgm:scene3d>
+      <a:camera prst="orthographicFront"/>
+      <a:lightRig rig="threePt" dir="t"/>
+    </dgm:scene3d>
+    <dgm:sp3d/>
+    <dgm:txPr/>
+    <dgm:style>
+      <a:lnRef idx="2">
+        <a:scrgbClr r="0" g="0" b="0"/>
+      </a:lnRef>
+      <a:fillRef idx="1">
+        <a:scrgbClr r="0" g="0" b="0"/>
+      </a:fillRef>
+      <a:effectRef idx="0">
+        <a:scrgbClr r="0" g="0" b="0"/>
+      </a:effectRef>
+      <a:fontRef idx="minor">
+        <a:schemeClr val="tx1"/>
+      </a:fontRef>
+    </dgm:style>
+  </dgm:styleLbl>
+  <dgm:styleLbl name="alignNode1">
+    <dgm:scene3d>
+      <a:camera prst="orthographicFront"/>
+      <a:lightRig rig="threePt" dir="t"/>
+    </dgm:scene3d>
+    <dgm:sp3d/>
+    <dgm:txPr/>
+    <dgm:style>
+      <a:lnRef idx="2">
+        <a:scrgbClr r="0" g="0" b="0"/>
+      </a:lnRef>
+      <a:fillRef idx="1">
+        <a:scrgbClr r="0" g="0" b="0"/>
+      </a:fillRef>
+      <a:effectRef idx="0">
+        <a:scrgbClr r="0" g="0" b="0"/>
+      </a:effectRef>
+      <a:fontRef idx="minor">
+        <a:schemeClr val="lt1"/>
+      </a:fontRef>
+    </dgm:style>
+  </dgm:styleLbl>
+  <dgm:styleLbl name="node1">
+    <dgm:scene3d>
+      <a:camera prst="orthographicFront"/>
+      <a:lightRig rig="threePt" dir="t"/>
+    </dgm:scene3d>
+    <dgm:sp3d/>
+    <dgm:txPr/>
+    <dgm:style>
+      <a:lnRef idx="2">
+        <a:scrgbClr r="0" g="0" b="0"/>
+      </a:lnRef>
+      <a:fillRef idx="1">
+        <a:scrgbClr r="0" g="0" b="0"/>
+      </a:fillRef>
+      <a:effectRef idx="0">
+        <a:scrgbClr r="0" g="0" b="0"/>
+      </a:effectRef>
+      <a:fontRef idx="minor">
+        <a:schemeClr val="lt1"/>
+      </a:fontRef>
+    </dgm:style>
+  </dgm:styleLbl>
+  <dgm:styleLbl name="node2">
+    <dgm:scene3d>
+      <a:camera prst="orthographicFront"/>
+      <a:lightRig rig="threePt" dir="t"/>
+    </dgm:scene3d>
+    <dgm:sp3d/>
+    <dgm:txPr/>
+    <dgm:style>
+      <a:lnRef idx="2">
+        <a:scrgbClr r="0" g="0" b="0"/>
+      </a:lnRef>
+      <a:fillRef idx="1">
+        <a:scrgbClr r="0" g="0" b="0"/>
+      </a:fillRef>
+      <a:effectRef idx="0">
+        <a:scrgbClr r="0" g="0" b="0"/>
+      </a:effectRef>
+      <a:fontRef idx="minor">
+        <a:schemeClr val="lt1"/>
+      </a:fontRef>
+    </dgm:style>
+  </dgm:styleLbl>
+  <dgm:styleLbl name="node3">
+    <dgm:scene3d>
+      <a:camera prst="orthographicFront"/>
+      <a:lightRig rig="threePt" dir="t"/>
+    </dgm:scene3d>
+    <dgm:sp3d/>
+    <dgm:txPr/>
+    <dgm:style>
+      <a:lnRef idx="2">
+        <a:scrgbClr r="0" g="0" b="0"/>
+      </a:lnRef>
+      <a:fillRef idx="1">
+        <a:scrgbClr r="0" g="0" b="0"/>
+      </a:fillRef>
+      <a:effectRef idx="0">
+        <a:scrgbClr r="0" g="0" b="0"/>
+      </a:effectRef>
+      <a:fontRef idx="minor">
+        <a:schemeClr val="lt1"/>
+      </a:fontRef>
+    </dgm:style>
+  </dgm:styleLbl>
+  <dgm:styleLbl name="node4">
+    <dgm:scene3d>
+      <a:camera prst="orthographicFront"/>
+      <a:lightRig rig="threePt" dir="t"/>
+    </dgm:scene3d>
+    <dgm:sp3d/>
+    <dgm:txPr/>
+    <dgm:style>
+      <a:lnRef idx="2">
+        <a:scrgbClr r="0" g="0" b="0"/>
+      </a:lnRef>
+      <a:fillRef idx="1">
+        <a:scrgbClr r="0" g="0" b="0"/>
+      </a:fillRef>
+      <a:effectRef idx="0">
+        <a:scrgbClr r="0" g="0" b="0"/>
+      </a:effectRef>
+      <a:fontRef idx="minor">
+        <a:schemeClr val="lt1"/>
+      </a:fontRef>
+    </dgm:style>
+  </dgm:styleLbl>
+  <dgm:styleLbl name="fgImgPlace1">
+    <dgm:scene3d>
+      <a:camera prst="orthographicFront"/>
+      <a:lightRig rig="threePt" dir="t"/>
+    </dgm:scene3d>
+    <dgm:sp3d/>
+    <dgm:txPr/>
+    <dgm:style>
+      <a:lnRef idx="2">
+        <a:scrgbClr r="0" g="0" b="0"/>
+      </a:lnRef>
+      <a:fillRef idx="1">
+        <a:scrgbClr r="0" g="0" b="0"/>
+      </a:fillRef>
+      <a:effectRef idx="0">
+        <a:scrgbClr r="0" g="0" b="0"/>
+      </a:effectRef>
+      <a:fontRef idx="minor"/>
+    </dgm:style>
+  </dgm:styleLbl>
+  <dgm:styleLbl name="alignImgPlace1">
+    <dgm:scene3d>
+      <a:camera prst="orthographicFront"/>
+      <a:lightRig rig="threePt" dir="t"/>
+    </dgm:scene3d>
+    <dgm:sp3d/>
+    <dgm:txPr/>
+    <dgm:style>
+      <a:lnRef idx="2">
+        <a:scrgbClr r="0" g="0" b="0"/>
+      </a:lnRef>
+      <a:fillRef idx="1">
+        <a:scrgbClr r="0" g="0" b="0"/>
+      </a:fillRef>
+      <a:effectRef idx="0">
+        <a:scrgbClr r="0" g="0" b="0"/>
+      </a:effectRef>
+      <a:fontRef idx="minor"/>
+    </dgm:style>
+  </dgm:styleLbl>
+  <dgm:styleLbl name="bgImgPlace1">
+    <dgm:scene3d>
+      <a:camera prst="orthographicFront"/>
+      <a:lightRig rig="threePt" dir="t"/>
+    </dgm:scene3d>
+    <dgm:sp3d/>
+    <dgm:txPr/>
+    <dgm:style>
+      <a:lnRef idx="2">
+        <a:scrgbClr r="0" g="0" b="0"/>
+      </a:lnRef>
+      <a:fillRef idx="1">
+        <a:scrgbClr r="0" g="0" b="0"/>
+      </a:fillRef>
+      <a:effectRef idx="0">
+        <a:scrgbClr r="0" g="0" b="0"/>
+      </a:effectRef>
+      <a:fontRef idx="minor"/>
+    </dgm:style>
+  </dgm:styleLbl>
+  <dgm:styleLbl name="sibTrans2D1">
+    <dgm:scene3d>
+      <a:camera prst="orthographicFront"/>
+      <a:lightRig rig="threePt" dir="t"/>
+    </dgm:scene3d>
+    <dgm:sp3d/>
+    <dgm:txPr/>
+    <dgm:style>
+      <a:lnRef idx="0">
+        <a:scrgbClr r="0" g="0" b="0"/>
+      </a:lnRef>
+      <a:fillRef idx="1">
+        <a:scrgbClr r="0" g="0" b="0"/>
+      </a:fillRef>
+      <a:effectRef idx="0">
+        <a:scrgbClr r="0" g="0" b="0"/>
+      </a:effectRef>
+      <a:fontRef idx="minor">
+        <a:schemeClr val="lt1"/>
+      </a:fontRef>
+    </dgm:style>
+  </dgm:styleLbl>
+  <dgm:styleLbl name="fgSibTrans2D1">
+    <dgm:scene3d>
+      <a:camera prst="orthographicFront"/>
+      <a:lightRig rig="threePt" dir="t"/>
+    </dgm:scene3d>
+    <dgm:sp3d/>
+    <dgm:txPr/>
+    <dgm:style>
+      <a:lnRef idx="0">
+        <a:scrgbClr r="0" g="0" b="0"/>
+      </a:lnRef>
+      <a:fillRef idx="1">
+        <a:scrgbClr r="0" g="0" b="0"/>
+      </a:fillRef>
+      <a:effectRef idx="0">
+        <a:scrgbClr r="0" g="0" b="0"/>
+      </a:effectRef>
+      <a:fontRef idx="minor">
+        <a:schemeClr val="lt1"/>
+      </a:fontRef>
+    </dgm:style>
+  </dgm:styleLbl>
+  <dgm:styleLbl name="bgSibTrans2D1">
+    <dgm:scene3d>
+      <a:camera prst="orthographicFront"/>
+      <a:lightRig rig="threePt" dir="t"/>
+    </dgm:scene3d>
+    <dgm:sp3d/>
+    <dgm:txPr/>
+    <dgm:style>
+      <a:lnRef idx="0">
+        <a:scrgbClr r="0" g="0" b="0"/>
+      </a:lnRef>
+      <a:fillRef idx="1">
+        <a:scrgbClr r="0" g="0" b="0"/>
+      </a:fillRef>
+      <a:effectRef idx="0">
+        <a:scrgbClr r="0" g="0" b="0"/>
+      </a:effectRef>
+      <a:fontRef idx="minor">
+        <a:schemeClr val="lt1"/>
+      </a:fontRef>
+    </dgm:style>
+  </dgm:styleLbl>
+  <dgm:styleLbl name="sibTrans1D1">
+    <dgm:scene3d>
+      <a:camera prst="orthographicFront"/>
+      <a:lightRig rig="threePt" dir="t"/>
+    </dgm:scene3d>
+    <dgm:sp3d/>
+    <dgm:txPr/>
+    <dgm:style>
+      <a:lnRef idx="1">
+        <a:scrgbClr r="0" g="0" b="0"/>
+      </a:lnRef>
+      <a:fillRef idx="0">
+        <a:scrgbClr r="0" g="0" b="0"/>
+      </a:fillRef>
+      <a:effectRef idx="0">
+        <a:scrgbClr r="0" g="0" b="0"/>
+      </a:effectRef>
+      <a:fontRef idx="minor"/>
+    </dgm:style>
+  </dgm:styleLbl>
+  <dgm:styleLbl name="callout">
+    <dgm:scene3d>
+      <a:camera prst="orthographicFront"/>
+      <a:lightRig rig="threePt" dir="t"/>
+    </dgm:scene3d>
+    <dgm:sp3d/>
+    <dgm:txPr/>
+    <dgm:style>
+      <a:lnRef idx="2">
+        <a:scrgbClr r="0" g="0" b="0"/>
+      </a:lnRef>
+      <a:fillRef idx="1">
+        <a:scrgbClr r="0" g="0" b="0"/>
+      </a:fillRef>
+      <a:effectRef idx="0">
+        <a:scrgbClr r="0" g="0" b="0"/>
+      </a:effectRef>
+      <a:fontRef idx="minor"/>
+    </dgm:style>
+  </dgm:styleLbl>
+  <dgm:styleLbl name="asst0">
+    <dgm:scene3d>
+      <a:camera prst="orthographicFront"/>
+      <a:lightRig rig="threePt" dir="t"/>
+    </dgm:scene3d>
+    <dgm:sp3d/>
+    <dgm:txPr/>
+    <dgm:style>
+      <a:lnRef idx="2">
+        <a:scrgbClr r="0" g="0" b="0"/>
+      </a:lnRef>
+      <a:fillRef idx="1">
+        <a:scrgbClr r="0" g="0" b="0"/>
+      </a:fillRef>
+      <a:effectRef idx="0">
+        <a:scrgbClr r="0" g="0" b="0"/>
+      </a:effectRef>
+      <a:fontRef idx="minor">
+        <a:schemeClr val="lt1"/>
+      </a:fontRef>
+    </dgm:style>
+  </dgm:styleLbl>
+  <dgm:styleLbl name="asst1">
+    <dgm:scene3d>
+      <a:camera prst="orthographicFront"/>
+      <a:lightRig rig="threePt" dir="t"/>
+    </dgm:scene3d>
+    <dgm:sp3d/>
+    <dgm:txPr/>
+    <dgm:style>
+      <a:lnRef idx="2">
+        <a:scrgbClr r="0" g="0" b="0"/>
+      </a:lnRef>
+      <a:fillRef idx="1">
+        <a:scrgbClr r="0" g="0" b="0"/>
+      </a:fillRef>
+      <a:effectRef idx="0">
+        <a:scrgbClr r="0" g="0" b="0"/>
+      </a:effectRef>
+      <a:fontRef idx="minor">
+        <a:schemeClr val="lt1"/>
+      </a:fontRef>
+    </dgm:style>
+  </dgm:styleLbl>
+  <dgm:styleLbl name="asst2">
+    <dgm:scene3d>
+      <a:camera prst="orthographicFront"/>
+      <a:lightRig rig="threePt" dir="t"/>
+    </dgm:scene3d>
+    <dgm:sp3d/>
+    <dgm:txPr/>
+    <dgm:style>
+      <a:lnRef idx="2">
+        <a:scrgbClr r="0" g="0" b="0"/>
+      </a:lnRef>
+      <a:fillRef idx="1">
+        <a:scrgbClr r="0" g="0" b="0"/>
+      </a:fillRef>
+      <a:effectRef idx="0">
+        <a:scrgbClr r="0" g="0" b="0"/>
+      </a:effectRef>
+      <a:fontRef idx="minor">
+        <a:schemeClr val="lt1"/>
+      </a:fontRef>
+    </dgm:style>
+  </dgm:styleLbl>
+  <dgm:styleLbl name="asst3">
+    <dgm:scene3d>
+      <a:camera prst="orthographicFront"/>
+      <a:lightRig rig="threePt" dir="t"/>
+    </dgm:scene3d>
+    <dgm:sp3d/>
+    <dgm:txPr/>
+    <dgm:style>
+      <a:lnRef idx="2">
+        <a:scrgbClr r="0" g="0" b="0"/>
+      </a:lnRef>
+      <a:fillRef idx="1">
+        <a:scrgbClr r="0" g="0" b="0"/>
+      </a:fillRef>
+      <a:effectRef idx="0">
+        <a:scrgbClr r="0" g="0" b="0"/>
+      </a:effectRef>
+      <a:fontRef idx="minor">
+        <a:schemeClr val="lt1"/>
+      </a:fontRef>
+    </dgm:style>
+  </dgm:styleLbl>
+  <dgm:styleLbl name="asst4">
+    <dgm:scene3d>
+      <a:camera prst="orthographicFront"/>
+      <a:lightRig rig="threePt" dir="t"/>
+    </dgm:scene3d>
+    <dgm:sp3d/>
+    <dgm:txPr/>
+    <dgm:style>
+      <a:lnRef idx="2">
+        <a:scrgbClr r="0" g="0" b="0"/>
+      </a:lnRef>
+      <a:fillRef idx="1">
+        <a:scrgbClr r="0" g="0" b="0"/>
+      </a:fillRef>
+      <a:effectRef idx="0">
+        <a:scrgbClr r="0" g="0" b="0"/>
+      </a:effectRef>
+      <a:fontRef idx="minor">
+        <a:schemeClr val="lt1"/>
+      </a:fontRef>
+    </dgm:style>
+  </dgm:styleLbl>
+  <dgm:styleLbl name="parChTrans2D1">
+    <dgm:scene3d>
+      <a:camera prst="orthographicFront"/>
+      <a:lightRig rig="threePt" dir="t"/>
+    </dgm:scene3d>
+    <dgm:sp3d/>
+    <dgm:txPr/>
+    <dgm:style>
+      <a:lnRef idx="2">
+        <a:scrgbClr r="0" g="0" b="0"/>
+      </a:lnRef>
+      <a:fillRef idx="1">
+        <a:scrgbClr r="0" g="0" b="0"/>
+      </a:fillRef>
+      <a:effectRef idx="0">
+        <a:scrgbClr r="0" g="0" b="0"/>
+      </a:effectRef>
+      <a:fontRef idx="minor">
+        <a:schemeClr val="lt1"/>
+      </a:fontRef>
+    </dgm:style>
+  </dgm:styleLbl>
+  <dgm:styleLbl name="parChTrans2D2">
+    <dgm:scene3d>
+      <a:camera prst="orthographicFront"/>
+      <a:lightRig rig="threePt" dir="t"/>
+    </dgm:scene3d>
+    <dgm:sp3d/>
+    <dgm:txPr/>
+    <dgm:style>
+      <a:lnRef idx="2">
+        <a:scrgbClr r="0" g="0" b="0"/>
+      </a:lnRef>
+      <a:fillRef idx="1">
+        <a:scrgbClr r="0" g="0" b="0"/>
+      </a:fillRef>
+      <a:effectRef idx="0">
+        <a:scrgbClr r="0" g="0" b="0"/>
+      </a:effectRef>
+      <a:fontRef idx="minor">
+        <a:schemeClr val="lt1"/>
+      </a:fontRef>
+    </dgm:style>
+  </dgm:styleLbl>
+  <dgm:styleLbl name="parChTrans2D3">
+    <dgm:scene3d>
+      <a:camera prst="orthographicFront"/>
+      <a:lightRig rig="threePt" dir="t"/>
+    </dgm:scene3d>
+    <dgm:sp3d/>
+    <dgm:txPr/>
+    <dgm:style>
+      <a:lnRef idx="2">
+        <a:scrgbClr r="0" g="0" b="0"/>
+      </a:lnRef>
+      <a:fillRef idx="1">
+        <a:scrgbClr r="0" g="0" b="0"/>
+      </a:fillRef>
+      <a:effectRef idx="0">
+        <a:scrgbClr r="0" g="0" b="0"/>
+      </a:effectRef>
+      <a:fontRef idx="minor">
+        <a:schemeClr val="lt1"/>
+      </a:fontRef>
+    </dgm:style>
+  </dgm:styleLbl>
+  <dgm:styleLbl name="parChTrans2D4">
+    <dgm:scene3d>
+      <a:camera prst="orthographicFront"/>
+      <a:lightRig rig="threePt" dir="t"/>
+    </dgm:scene3d>
+    <dgm:sp3d/>
+    <dgm:txPr/>
+    <dgm:style>
+      <a:lnRef idx="2">
+        <a:scrgbClr r="0" g="0" b="0"/>
+      </a:lnRef>
+      <a:fillRef idx="1">
+        <a:scrgbClr r="0" g="0" b="0"/>
+      </a:fillRef>
+      <a:effectRef idx="0">
+        <a:scrgbClr r="0" g="0" b="0"/>
+      </a:effectRef>
+      <a:fontRef idx="minor">
+        <a:schemeClr val="lt1"/>
+      </a:fontRef>
+    </dgm:style>
+  </dgm:styleLbl>
+  <dgm:styleLbl name="parChTrans1D1">
+    <dgm:scene3d>
+      <a:camera prst="orthographicFront"/>
+      <a:lightRig rig="threePt" dir="t"/>
+    </dgm:scene3d>
+    <dgm:sp3d/>
+    <dgm:txPr/>
+    <dgm:style>
+      <a:lnRef idx="2">
+        <a:scrgbClr r="0" g="0" b="0"/>
+      </a:lnRef>
+      <a:fillRef idx="0">
+        <a:scrgbClr r="0" g="0" b="0"/>
+      </a:fillRef>
+      <a:effectRef idx="0">
+        <a:scrgbClr r="0" g="0" b="0"/>
+      </a:effectRef>
+      <a:fontRef idx="minor"/>
+    </dgm:style>
+  </dgm:styleLbl>
+  <dgm:styleLbl name="parChTrans1D2">
+    <dgm:scene3d>
+      <a:camera prst="orthographicFront"/>
+      <a:lightRig rig="threePt" dir="t"/>
+    </dgm:scene3d>
+    <dgm:sp3d/>
+    <dgm:txPr/>
+    <dgm:style>
+      <a:lnRef idx="2">
+        <a:scrgbClr r="0" g="0" b="0"/>
+      </a:lnRef>
+      <a:fillRef idx="0">
+        <a:scrgbClr r="0" g="0" b="0"/>
+      </a:fillRef>
+      <a:effectRef idx="0">
+        <a:scrgbClr r="0" g="0" b="0"/>
+      </a:effectRef>
+      <a:fontRef idx="minor"/>
+    </dgm:style>
+  </dgm:styleLbl>
+  <dgm:styleLbl name="parChTrans1D3">
+    <dgm:scene3d>
+      <a:camera prst="orthographicFront"/>
+      <a:lightRig rig="threePt" dir="t"/>
+    </dgm:scene3d>
+    <dgm:sp3d/>
+    <dgm:txPr/>
+    <dgm:style>
+      <a:lnRef idx="2">
+        <a:scrgbClr r="0" g="0" b="0"/>
+      </a:lnRef>
+      <a:fillRef idx="0">
+        <a:scrgbClr r="0" g="0" b="0"/>
+      </a:fillRef>
+      <a:effectRef idx="0">
+        <a:scrgbClr r="0" g="0" b="0"/>
+      </a:effectRef>
+      <a:fontRef idx="minor"/>
+    </dgm:style>
+  </dgm:styleLbl>
+  <dgm:styleLbl name="parChTrans1D4">
+    <dgm:scene3d>
+      <a:camera prst="orthographicFront"/>
+      <a:lightRig rig="threePt" dir="t"/>
+    </dgm:scene3d>
+    <dgm:sp3d/>
+    <dgm:txPr/>
+    <dgm:style>
+      <a:lnRef idx="2">
+        <a:scrgbClr r="0" g="0" b="0"/>
+      </a:lnRef>
+      <a:fillRef idx="0">
+        <a:scrgbClr r="0" g="0" b="0"/>
+      </a:fillRef>
+      <a:effectRef idx="0">
+        <a:scrgbClr r="0" g="0" b="0"/>
+      </a:effectRef>
+      <a:fontRef idx="minor"/>
+    </dgm:style>
+  </dgm:styleLbl>
+  <dgm:styleLbl name="fgAcc1">
+    <dgm:scene3d>
+      <a:camera prst="orthographicFront"/>
+      <a:lightRig rig="threePt" dir="t"/>
+    </dgm:scene3d>
+    <dgm:sp3d/>
+    <dgm:txPr/>
+    <dgm:style>
+      <a:lnRef idx="2">
+        <a:scrgbClr r="0" g="0" b="0"/>
+      </a:lnRef>
+      <a:fillRef idx="1">
+        <a:scrgbClr r="0" g="0" b="0"/>
+      </a:fillRef>
+      <a:effectRef idx="0">
+        <a:scrgbClr r="0" g="0" b="0"/>
+      </a:effectRef>
+      <a:fontRef idx="minor"/>
+    </dgm:style>
+  </dgm:styleLbl>
+  <dgm:styleLbl name="conFgAcc1">
+    <dgm:scene3d>
+      <a:camera prst="orthographicFront"/>
+      <a:lightRig rig="threePt" dir="t"/>
+    </dgm:scene3d>
+    <dgm:sp3d/>
+    <dgm:txPr/>
+    <dgm:style>
+      <a:lnRef idx="2">
+        <a:scrgbClr r="0" g="0" b="0"/>
+      </a:lnRef>
+      <a:fillRef idx="1">
+        <a:scrgbClr r="0" g="0" b="0"/>
+      </a:fillRef>
+      <a:effectRef idx="0">
+        <a:scrgbClr r="0" g="0" b="0"/>
+      </a:effectRef>
+      <a:fontRef idx="minor"/>
+    </dgm:style>
+  </dgm:styleLbl>
+  <dgm:styleLbl name="alignAcc1">
+    <dgm:scene3d>
+      <a:camera prst="orthographicFront"/>
+      <a:lightRig rig="threePt" dir="t"/>
+    </dgm:scene3d>
+    <dgm:sp3d/>
+    <dgm:txPr/>
+    <dgm:style>
+      <a:lnRef idx="2">
+        <a:scrgbClr r="0" g="0" b="0"/>
+      </a:lnRef>
+      <a:fillRef idx="1">
+        <a:scrgbClr r="0" g="0" b="0"/>
+      </a:fillRef>
+      <a:effectRef idx="0">
+        <a:scrgbClr r="0" g="0" b="0"/>
+      </a:effectRef>
+      <a:fontRef idx="minor"/>
+    </dgm:style>
+  </dgm:styleLbl>
+  <dgm:styleLbl name="trAlignAcc1">
+    <dgm:scene3d>
+      <a:camera prst="orthographicFront"/>
+      <a:lightRig rig="threePt" dir="t"/>
+    </dgm:scene3d>
+    <dgm:sp3d/>
+    <dgm:txPr/>
+    <dgm:style>
+      <a:lnRef idx="1">
+        <a:scrgbClr r="0" g="0" b="0"/>
+      </a:lnRef>
+      <a:fillRef idx="1">
+        <a:scrgbClr r="0" g="0" b="0"/>
+      </a:fillRef>
+      <a:effectRef idx="0">
+        <a:scrgbClr r="0" g="0" b="0"/>
+      </a:effectRef>
+      <a:fontRef idx="minor"/>
+    </dgm:style>
+  </dgm:styleLbl>
+  <dgm:styleLbl name="bgAcc1">
+    <dgm:scene3d>
+      <a:camera prst="orthographicFront"/>
+      <a:lightRig rig="threePt" dir="t"/>
+    </dgm:scene3d>
+    <dgm:sp3d/>
+    <dgm:txPr/>
+    <dgm:style>
+      <a:lnRef idx="2">
+        <a:scrgbClr r="0" g="0" b="0"/>
+      </a:lnRef>
+      <a:fillRef idx="1">
+        <a:scrgbClr r="0" g="0" b="0"/>
+      </a:fillRef>
+      <a:effectRef idx="0">
+        <a:scrgbClr r="0" g="0" b="0"/>
+      </a:effectRef>
+      <a:fontRef idx="minor"/>
+    </dgm:style>
+  </dgm:styleLbl>
+  <dgm:styleLbl name="solidFgAcc1">
+    <dgm:scene3d>
+      <a:camera prst="orthographicFront"/>
+      <a:lightRig rig="threePt" dir="t"/>
+    </dgm:scene3d>
+    <dgm:sp3d/>
+    <dgm:txPr/>
+    <dgm:style>
+      <a:lnRef idx="2">
+        <a:scrgbClr r="0" g="0" b="0"/>
+      </a:lnRef>
+      <a:fillRef idx="1">
+        <a:scrgbClr r="0" g="0" b="0"/>
+      </a:fillRef>
+      <a:effectRef idx="0">
+        <a:scrgbClr r="0" g="0" b="0"/>
+      </a:effectRef>
+      <a:fontRef idx="minor"/>
+    </dgm:style>
+  </dgm:styleLbl>
+  <dgm:styleLbl name="solidAlignAcc1">
+    <dgm:scene3d>
+      <a:camera prst="orthographicFront"/>
+      <a:lightRig rig="threePt" dir="t"/>
+    </dgm:scene3d>
+    <dgm:sp3d/>
+    <dgm:txPr/>
+    <dgm:style>
+      <a:lnRef idx="2">
+        <a:scrgbClr r="0" g="0" b="0"/>
+      </a:lnRef>
+      <a:fillRef idx="1">
+        <a:scrgbClr r="0" g="0" b="0"/>
+      </a:fillRef>
+      <a:effectRef idx="0">
+        <a:scrgbClr r="0" g="0" b="0"/>
+      </a:effectRef>
+      <a:fontRef idx="minor"/>
+    </dgm:style>
+  </dgm:styleLbl>
+  <dgm:styleLbl name="solidBgAcc1">
+    <dgm:scene3d>
+      <a:camera prst="orthographicFront"/>
+      <a:lightRig rig="threePt" dir="t"/>
+    </dgm:scene3d>
+    <dgm:sp3d/>
+    <dgm:txPr/>
+    <dgm:style>
+      <a:lnRef idx="2">
+        <a:scrgbClr r="0" g="0" b="0"/>
+      </a:lnRef>
+      <a:fillRef idx="1">
+        <a:scrgbClr r="0" g="0" b="0"/>
+      </a:fillRef>
+      <a:effectRef idx="0">
+        <a:scrgbClr r="0" g="0" b="0"/>
+      </a:effectRef>
+      <a:fontRef idx="minor"/>
+    </dgm:style>
+  </dgm:styleLbl>
+  <dgm:styleLbl name="fgAccFollowNode1">
+    <dgm:scene3d>
+      <a:camera prst="orthographicFront"/>
+      <a:lightRig rig="threePt" dir="t"/>
+    </dgm:scene3d>
+    <dgm:sp3d/>
+    <dgm:txPr/>
+    <dgm:style>
+      <a:lnRef idx="2">
+        <a:scrgbClr r="0" g="0" b="0"/>
+      </a:lnRef>
+      <a:fillRef idx="1">
+        <a:scrgbClr r="0" g="0" b="0"/>
+      </a:fillRef>
+      <a:effectRef idx="0">
+        <a:scrgbClr r="0" g="0" b="0"/>
+      </a:effectRef>
+      <a:fontRef idx="minor"/>
+    </dgm:style>
+  </dgm:styleLbl>
+  <dgm:styleLbl name="alignAccFollowNode1">
+    <dgm:scene3d>
+      <a:camera prst="orthographicFront"/>
+      <a:lightRig rig="threePt" dir="t"/>
+    </dgm:scene3d>
+    <dgm:sp3d/>
+    <dgm:txPr/>
+    <dgm:style>
+      <a:lnRef idx="2">
+        <a:scrgbClr r="0" g="0" b="0"/>
+      </a:lnRef>
+      <a:fillRef idx="1">
+        <a:scrgbClr r="0" g="0" b="0"/>
+      </a:fillRef>
+      <a:effectRef idx="0">
+        <a:scrgbClr r="0" g="0" b="0"/>
+      </a:effectRef>
+      <a:fontRef idx="minor"/>
+    </dgm:style>
+  </dgm:styleLbl>
+  <dgm:styleLbl name="bgAccFollowNode1">
+    <dgm:scene3d>
+      <a:camera prst="orthographicFront"/>
+      <a:lightRig rig="threePt" dir="t"/>
+    </dgm:scene3d>
+    <dgm:sp3d/>
+    <dgm:txPr/>
+    <dgm:style>
+      <a:lnRef idx="2">
+        <a:scrgbClr r="0" g="0" b="0"/>
+      </a:lnRef>
+      <a:fillRef idx="1">
+        <a:scrgbClr r="0" g="0" b="0"/>
+      </a:fillRef>
+      <a:effectRef idx="0">
+        <a:scrgbClr r="0" g="0" b="0"/>
+      </a:effectRef>
+      <a:fontRef idx="minor"/>
+    </dgm:style>
+  </dgm:styleLbl>
+  <dgm:styleLbl name="fgAcc0">
+    <dgm:scene3d>
+      <a:camera prst="orthographicFront"/>
+      <a:lightRig rig="threePt" dir="t"/>
+    </dgm:scene3d>
+    <dgm:sp3d/>
+    <dgm:txPr/>
+    <dgm:style>
+      <a:lnRef idx="2">
+        <a:scrgbClr r="0" g="0" b="0"/>
+      </a:lnRef>
+      <a:fillRef idx="1">
+        <a:scrgbClr r="0" g="0" b="0"/>
+      </a:fillRef>
+      <a:effectRef idx="0">
+        <a:scrgbClr r="0" g="0" b="0"/>
+      </a:effectRef>
+      <a:fontRef idx="minor"/>
+    </dgm:style>
+  </dgm:styleLbl>
+  <dgm:styleLbl name="fgAcc2">
+    <dgm:scene3d>
+      <a:camera prst="orthographicFront"/>
+      <a:lightRig rig="threePt" dir="t"/>
+    </dgm:scene3d>
+    <dgm:sp3d/>
+    <dgm:txPr/>
+    <dgm:style>
+      <a:lnRef idx="2">
+        <a:scrgbClr r="0" g="0" b="0"/>
+      </a:lnRef>
+      <a:fillRef idx="1">
+        <a:scrgbClr r="0" g="0" b="0"/>
+      </a:fillRef>
+      <a:effectRef idx="0">
+        <a:scrgbClr r="0" g="0" b="0"/>
+      </a:effectRef>
+      <a:fontRef idx="minor"/>
+    </dgm:style>
+  </dgm:styleLbl>
+  <dgm:styleLbl name="fgAcc3">
+    <dgm:scene3d>
+      <a:camera prst="orthographicFront"/>
+      <a:lightRig rig="threePt" dir="t"/>
+    </dgm:scene3d>
+    <dgm:sp3d/>
+    <dgm:txPr/>
+    <dgm:style>
+      <a:lnRef idx="2">
+        <a:scrgbClr r="0" g="0" b="0"/>
+      </a:lnRef>
+      <a:fillRef idx="1">
+        <a:scrgbClr r="0" g="0" b="0"/>
+      </a:fillRef>
+      <a:effectRef idx="0">
+        <a:scrgbClr r="0" g="0" b="0"/>
+      </a:effectRef>
+      <a:fontRef idx="minor"/>
+    </dgm:style>
+  </dgm:styleLbl>
+  <dgm:styleLbl name="fgAcc4">
+    <dgm:scene3d>
+      <a:camera prst="orthographicFront"/>
+      <a:lightRig rig="threePt" dir="t"/>
+    </dgm:scene3d>
+    <dgm:sp3d/>
+    <dgm:txPr/>
+    <dgm:style>
+      <a:lnRef idx="2">
+        <a:scrgbClr r="0" g="0" b="0"/>
+      </a:lnRef>
+      <a:fillRef idx="1">
+        <a:scrgbClr r="0" g="0" b="0"/>
+      </a:fillRef>
+      <a:effectRef idx="0">
+        <a:scrgbClr r="0" g="0" b="0"/>
+      </a:effectRef>
+      <a:fontRef idx="minor"/>
+    </dgm:style>
+  </dgm:styleLbl>
+  <dgm:styleLbl name="bgShp">
+    <dgm:scene3d>
+      <a:camera prst="orthographicFront"/>
+      <a:lightRig rig="threePt" dir="t"/>
+    </dgm:scene3d>
+    <dgm:sp3d/>
+    <dgm:txPr/>
+    <dgm:style>
+      <a:lnRef idx="0">
+        <a:scrgbClr r="0" g="0" b="0"/>
+      </a:lnRef>
+      <a:fillRef idx="1">
+        <a:scrgbClr r="0" g="0" b="0"/>
+      </a:fillRef>
+      <a:effectRef idx="0">
+        <a:scrgbClr r="0" g="0" b="0"/>
+      </a:effectRef>
+      <a:fontRef idx="minor"/>
+    </dgm:style>
+  </dgm:styleLbl>
+  <dgm:styleLbl name="dkBgShp">
+    <dgm:scene3d>
+      <a:camera prst="orthographicFront"/>
+      <a:lightRig rig="threePt" dir="t"/>
+    </dgm:scene3d>
+    <dgm:sp3d/>
+    <dgm:txPr/>
+    <dgm:style>
+      <a:lnRef idx="0">
+        <a:scrgbClr r="0" g="0" b="0"/>
+      </a:lnRef>
+      <a:fillRef idx="1">
+        <a:scrgbClr r="0" g="0" b="0"/>
+      </a:fillRef>
+      <a:effectRef idx="0">
+        <a:scrgbClr r="0" g="0" b="0"/>
+      </a:effectRef>
+      <a:fontRef idx="minor"/>
+    </dgm:style>
+  </dgm:styleLbl>
+  <dgm:styleLbl name="trBgShp">
+    <dgm:scene3d>
+      <a:camera prst="orthographicFront"/>
+      <a:lightRig rig="threePt" dir="t"/>
+    </dgm:scene3d>
+    <dgm:sp3d/>
+    <dgm:txPr/>
+    <dgm:style>
+      <a:lnRef idx="0">
+        <a:scrgbClr r="0" g="0" b="0"/>
+      </a:lnRef>
+      <a:fillRef idx="1">
+        <a:scrgbClr r="0" g="0" b="0"/>
+      </a:fillRef>
+      <a:effectRef idx="0">
+        <a:scrgbClr r="0" g="0" b="0"/>
+      </a:effectRef>
+      <a:fontRef idx="minor"/>
+    </dgm:style>
+  </dgm:styleLbl>
+  <dgm:styleLbl name="fgShp">
+    <dgm:scene3d>
+      <a:camera prst="orthographicFront"/>
+      <a:lightRig rig="threePt" dir="t"/>
+    </dgm:scene3d>
+    <dgm:sp3d/>
+    <dgm:txPr/>
+    <dgm:style>
+      <a:lnRef idx="2">
+        <a:scrgbClr r="0" g="0" b="0"/>
+      </a:lnRef>
+      <a:fillRef idx="1">
+        <a:scrgbClr r="0" g="0" b="0"/>
+      </a:fillRef>
+      <a:effectRef idx="0">
+        <a:scrgbClr r="0" g="0" b="0"/>
+      </a:effectRef>
+      <a:fontRef idx="minor"/>
+    </dgm:style>
+  </dgm:styleLbl>
+  <dgm:styleLbl name="revTx">
+    <dgm:scene3d>
+      <a:camera prst="orthographicFront"/>
+      <a:lightRig rig="threePt" dir="t"/>
+    </dgm:scene3d>
+    <dgm:sp3d/>
+    <dgm:txPr/>
+    <dgm:style>
+      <a:lnRef idx="0">
+        <a:scrgbClr r="0" g="0" b="0"/>
+      </a:lnRef>
+      <a:fillRef idx="0">
+        <a:scrgbClr r="0" g="0" b="0"/>
+      </a:fillRef>
+      <a:effectRef idx="0">
+        <a:scrgbClr r="0" g="0" b="0"/>
+      </a:effectRef>
+      <a:fontRef idx="minor"/>
+    </dgm:style>
+  </dgm:styleLbl>
+</dgm:styleDef>
+</file>
+
+<file path=ppt/diagrams/quickStyle6.xml><?xml version="1.0" encoding="utf-8"?>
 <dgm:styleDef xmlns:dgm="http://schemas.openxmlformats.org/drawingml/2006/diagram" xmlns:a="http://schemas.openxmlformats.org/drawingml/2006/main" uniqueId="urn:microsoft.com/office/officeart/2005/8/quickstyle/simple1">
   <dgm:title val=""/>
   <dgm:desc val=""/>
@@ -18446,25 +23448,33 @@
           <a:p>
             <a:r>
               <a:rPr lang="zh-CN" altLang="en-US" dirty="0" smtClean="0"/>
-              <a:t>创建节点</a:t>
+              <a:t>添</a:t>
+            </a:r>
+            <a:r>
+              <a:rPr lang="zh-CN" altLang="en-US" dirty="0" smtClean="0"/>
+              <a:t>加子节点 </a:t>
             </a:r>
             <a:endParaRPr lang="en-US" altLang="zh-CN" dirty="0" smtClean="0"/>
           </a:p>
           <a:p>
             <a:r>
+              <a:rPr lang="zh-CN" altLang="en-US" dirty="0"/>
+              <a:t>删</a:t>
+            </a:r>
+            <a:r>
               <a:rPr lang="zh-CN" altLang="en-US" dirty="0" smtClean="0"/>
-              <a:t>添加子节点 </a:t>
+              <a:t>除子节点</a:t>
             </a:r>
             <a:endParaRPr lang="en-US" altLang="zh-CN" dirty="0" smtClean="0"/>
           </a:p>
           <a:p>
             <a:r>
               <a:rPr lang="zh-CN" altLang="en-US" dirty="0"/>
-              <a:t>删</a:t>
+              <a:t>添</a:t>
             </a:r>
             <a:r>
               <a:rPr lang="zh-CN" altLang="en-US" dirty="0" smtClean="0"/>
-              <a:t>除子节点</a:t>
+              <a:t>加兄弟节点</a:t>
             </a:r>
             <a:endParaRPr lang="en-US" altLang="zh-CN" dirty="0" smtClean="0"/>
           </a:p>
@@ -18475,11 +23485,8 @@
             </a:r>
             <a:r>
               <a:rPr lang="zh-CN" altLang="en-US" dirty="0" smtClean="0"/>
-              <a:t>加兄弟节点</a:t>
-            </a:r>
-            <a:endParaRPr lang="en-US" altLang="zh-CN" dirty="0" smtClean="0"/>
-          </a:p>
-          <a:p>
+              <a:t>加父级节点</a:t>
+            </a:r>
             <a:endParaRPr lang="zh-CN" altLang="en-US" dirty="0"/>
           </a:p>
         </p:txBody>
@@ -20592,7 +25599,7 @@
         </p:nvSpPr>
         <p:spPr>
           <a:xfrm>
-            <a:off x="395536" y="764704"/>
+            <a:off x="395536" y="692696"/>
             <a:ext cx="8229600" cy="1066800"/>
           </a:xfrm>
         </p:spPr>
@@ -20626,7 +25633,7 @@
                 <a:latin typeface="Adobe 黑体 Std R" pitchFamily="34" charset="-122"/>
                 <a:ea typeface="Adobe 黑体 Std R" pitchFamily="34" charset="-122"/>
               </a:rPr>
-              <a:t>查</a:t>
+              <a:t>删</a:t>
             </a:r>
             <a:endParaRPr lang="zh-CN" altLang="en-US" dirty="0">
               <a:latin typeface="Adobe 黑体 Std R" pitchFamily="34" charset="-122"/>
@@ -20647,8 +25654,8 @@
         </p:nvSpPr>
         <p:spPr>
           <a:xfrm>
-            <a:off x="395536" y="1988840"/>
-            <a:ext cx="8229600" cy="4325112"/>
+            <a:off x="467544" y="1700808"/>
+            <a:ext cx="8229600" cy="4657704"/>
           </a:xfrm>
         </p:spPr>
         <p:txBody>
@@ -20657,7 +25664,7 @@
           <a:p>
             <a:r>
               <a:rPr lang="en-US" altLang="zh-CN" dirty="0" err="1" smtClean="0"/>
-              <a:t>document.querySelector</a:t>
+              <a:t>node.removeChild</a:t>
             </a:r>
             <a:r>
               <a:rPr lang="en-US" altLang="zh-CN" dirty="0" smtClean="0"/>
@@ -20665,28 +25672,526 @@
             </a:r>
           </a:p>
           <a:p>
+            <a:pPr lvl="1"/>
+            <a:r>
+              <a:rPr lang="zh-CN" altLang="en-US" dirty="0" smtClean="0">
+                <a:solidFill>
+                  <a:schemeClr val="accent2">
+                    <a:lumMod val="50000"/>
+                  </a:schemeClr>
+                </a:solidFill>
+              </a:rPr>
+              <a:t>删除自身 </a:t>
+            </a:r>
+            <a:r>
+              <a:rPr lang="en-US" altLang="zh-CN" dirty="0" err="1" smtClean="0">
+                <a:solidFill>
+                  <a:schemeClr val="accent2">
+                    <a:lumMod val="50000"/>
+                  </a:schemeClr>
+                </a:solidFill>
+              </a:rPr>
+              <a:t>node.parentNode.removeChild</a:t>
+            </a:r>
+            <a:r>
+              <a:rPr lang="en-US" altLang="zh-CN" dirty="0" smtClean="0">
+                <a:solidFill>
+                  <a:schemeClr val="accent2">
+                    <a:lumMod val="50000"/>
+                  </a:schemeClr>
+                </a:solidFill>
+              </a:rPr>
+              <a:t>(node)</a:t>
+            </a:r>
+          </a:p>
+          <a:p>
+            <a:pPr lvl="1"/>
+            <a:r>
+              <a:rPr lang="zh-CN" altLang="en-US" dirty="0">
+                <a:solidFill>
+                  <a:schemeClr val="accent2">
+                    <a:lumMod val="50000"/>
+                  </a:schemeClr>
+                </a:solidFill>
+              </a:rPr>
+              <a:t>关</a:t>
+            </a:r>
+            <a:r>
+              <a:rPr lang="zh-CN" altLang="en-US" dirty="0" smtClean="0">
+                <a:solidFill>
+                  <a:schemeClr val="accent2">
+                    <a:lumMod val="50000"/>
+                  </a:schemeClr>
+                </a:solidFill>
+              </a:rPr>
+              <a:t>键要找到父级节点，子集节点</a:t>
+            </a:r>
+            <a:endParaRPr lang="en-US" altLang="zh-CN" dirty="0" smtClean="0">
+              <a:solidFill>
+                <a:schemeClr val="accent2">
+                  <a:lumMod val="50000"/>
+                </a:schemeClr>
+              </a:solidFill>
+            </a:endParaRPr>
+          </a:p>
+          <a:p>
             <a:r>
               <a:rPr lang="en-US" altLang="zh-CN" dirty="0" err="1" smtClean="0"/>
-              <a:t>document.querySelectorAll</a:t>
+              <a:t>node.innerHTML</a:t>
+            </a:r>
+            <a:r>
+              <a:rPr lang="en-US" altLang="zh-CN" dirty="0" smtClean="0"/>
+              <a:t> = ‘’</a:t>
+            </a:r>
+          </a:p>
+          <a:p>
+            <a:r>
+              <a:rPr lang="en-US" altLang="zh-CN" dirty="0" err="1" smtClean="0"/>
+              <a:t>element.removeAttribute</a:t>
             </a:r>
             <a:r>
               <a:rPr lang="en-US" altLang="zh-CN" dirty="0" smtClean="0"/>
               <a:t>()</a:t>
             </a:r>
-            <a:endParaRPr lang="zh-CN" altLang="en-US" dirty="0"/>
+          </a:p>
+        </p:txBody>
+      </p:sp>
+      <p:sp>
+        <p:nvSpPr>
+          <p:cNvPr id="4" name="矩形 3"/>
+          <p:cNvSpPr/>
+          <p:nvPr/>
+        </p:nvSpPr>
+        <p:spPr>
+          <a:xfrm>
+            <a:off x="431969" y="4221088"/>
+            <a:ext cx="8280920" cy="1944216"/>
+          </a:xfrm>
+          <a:prstGeom prst="rect">
+            <a:avLst/>
+          </a:prstGeom>
+          <a:solidFill>
+            <a:schemeClr val="accent2">
+              <a:lumMod val="75000"/>
+            </a:schemeClr>
+          </a:solidFill>
+        </p:spPr>
+        <p:style>
+          <a:lnRef idx="3">
+            <a:schemeClr val="lt1"/>
+          </a:lnRef>
+          <a:fillRef idx="1">
+            <a:schemeClr val="accent6"/>
+          </a:fillRef>
+          <a:effectRef idx="1">
+            <a:schemeClr val="accent6"/>
+          </a:effectRef>
+          <a:fontRef idx="minor">
+            <a:schemeClr val="lt1"/>
+          </a:fontRef>
+        </p:style>
+        <p:txBody>
+          <a:bodyPr rtlCol="0" anchor="ctr"/>
+          <a:lstStyle/>
+          <a:p>
+            <a:r>
+              <a:rPr lang="zh-CN" altLang="en-US" sz="2100" dirty="0" smtClean="0">
+                <a:latin typeface="Adobe 黑体 Std R" pitchFamily="34" charset="-122"/>
+                <a:ea typeface="Adobe 黑体 Std R" pitchFamily="34" charset="-122"/>
+                <a:cs typeface="Consolas" pitchFamily="49" charset="0"/>
+              </a:rPr>
+              <a:t>注意：删除的节点只是脱离了</a:t>
+            </a:r>
+            <a:r>
+              <a:rPr lang="en-US" altLang="zh-CN" sz="2100" dirty="0" smtClean="0">
+                <a:latin typeface="Adobe 黑体 Std R" pitchFamily="34" charset="-122"/>
+                <a:ea typeface="Adobe 黑体 Std R" pitchFamily="34" charset="-122"/>
+                <a:cs typeface="Consolas" pitchFamily="49" charset="0"/>
+              </a:rPr>
+              <a:t>DOM</a:t>
+            </a:r>
+            <a:r>
+              <a:rPr lang="zh-CN" altLang="en-US" sz="2100" dirty="0" smtClean="0">
+                <a:latin typeface="Adobe 黑体 Std R" pitchFamily="34" charset="-122"/>
+                <a:ea typeface="Adobe 黑体 Std R" pitchFamily="34" charset="-122"/>
+                <a:cs typeface="Consolas" pitchFamily="49" charset="0"/>
+              </a:rPr>
+              <a:t>树，但仍然存在于内存中，如果我们不保留对节点的引用的话，浏览器会在一段时间自动将其从内存中删除。</a:t>
+            </a:r>
+            <a:endParaRPr lang="zh-CN" altLang="en-US" sz="2100" dirty="0">
+              <a:latin typeface="Adobe 黑体 Std R" pitchFamily="34" charset="-122"/>
+              <a:ea typeface="Adobe 黑体 Std R" pitchFamily="34" charset="-122"/>
+              <a:cs typeface="Consolas" pitchFamily="49" charset="0"/>
+            </a:endParaRPr>
           </a:p>
         </p:txBody>
       </p:sp>
     </p:spTree>
     <p:extLst>
       <p:ext uri="{BB962C8B-B14F-4D97-AF65-F5344CB8AC3E}">
-        <p14:creationId xmlns:p14="http://schemas.microsoft.com/office/powerpoint/2010/main" val="2397180435"/>
+        <p14:creationId xmlns:p14="http://schemas.microsoft.com/office/powerpoint/2010/main" val="3717587587"/>
       </p:ext>
     </p:extLst>
   </p:cSld>
   <p:clrMapOvr>
     <a:masterClrMapping/>
   </p:clrMapOvr>
+  <p:timing>
+    <p:tnLst>
+      <p:par>
+        <p:cTn id="1" dur="indefinite" restart="never" nodeType="tmRoot">
+          <p:childTnLst>
+            <p:seq concurrent="1" nextAc="seek">
+              <p:cTn id="2" dur="indefinite" nodeType="mainSeq">
+                <p:childTnLst>
+                  <p:par>
+                    <p:cTn id="3" fill="hold">
+                      <p:stCondLst>
+                        <p:cond delay="indefinite"/>
+                      </p:stCondLst>
+                      <p:childTnLst>
+                        <p:par>
+                          <p:cTn id="4" fill="hold">
+                            <p:stCondLst>
+                              <p:cond delay="0"/>
+                            </p:stCondLst>
+                            <p:childTnLst>
+                              <p:par>
+                                <p:cTn id="5" presetID="10" presetClass="entr" presetSubtype="0" fill="hold" grpId="0" nodeType="clickEffect">
+                                  <p:stCondLst>
+                                    <p:cond delay="0"/>
+                                  </p:stCondLst>
+                                  <p:childTnLst>
+                                    <p:set>
+                                      <p:cBhvr>
+                                        <p:cTn id="6" dur="1" fill="hold">
+                                          <p:stCondLst>
+                                            <p:cond delay="0"/>
+                                          </p:stCondLst>
+                                        </p:cTn>
+                                        <p:tgtEl>
+                                          <p:spTgt spid="3">
+                                            <p:txEl>
+                                              <p:pRg st="0" end="0"/>
+                                            </p:txEl>
+                                          </p:spTgt>
+                                        </p:tgtEl>
+                                        <p:attrNameLst>
+                                          <p:attrName>style.visibility</p:attrName>
+                                        </p:attrNameLst>
+                                      </p:cBhvr>
+                                      <p:to>
+                                        <p:strVal val="visible"/>
+                                      </p:to>
+                                    </p:set>
+                                    <p:animEffect transition="in" filter="fade">
+                                      <p:cBhvr>
+                                        <p:cTn id="7" dur="500"/>
+                                        <p:tgtEl>
+                                          <p:spTgt spid="3">
+                                            <p:txEl>
+                                              <p:pRg st="0" end="0"/>
+                                            </p:txEl>
+                                          </p:spTgt>
+                                        </p:tgtEl>
+                                      </p:cBhvr>
+                                    </p:animEffect>
+                                  </p:childTnLst>
+                                </p:cTn>
+                              </p:par>
+                              <p:par>
+                                <p:cTn id="8" presetID="10" presetClass="entr" presetSubtype="0" fill="hold" grpId="0" nodeType="withEffect">
+                                  <p:stCondLst>
+                                    <p:cond delay="0"/>
+                                  </p:stCondLst>
+                                  <p:childTnLst>
+                                    <p:set>
+                                      <p:cBhvr>
+                                        <p:cTn id="9" dur="1" fill="hold">
+                                          <p:stCondLst>
+                                            <p:cond delay="0"/>
+                                          </p:stCondLst>
+                                        </p:cTn>
+                                        <p:tgtEl>
+                                          <p:spTgt spid="3">
+                                            <p:txEl>
+                                              <p:pRg st="1" end="1"/>
+                                            </p:txEl>
+                                          </p:spTgt>
+                                        </p:tgtEl>
+                                        <p:attrNameLst>
+                                          <p:attrName>style.visibility</p:attrName>
+                                        </p:attrNameLst>
+                                      </p:cBhvr>
+                                      <p:to>
+                                        <p:strVal val="visible"/>
+                                      </p:to>
+                                    </p:set>
+                                    <p:animEffect transition="in" filter="fade">
+                                      <p:cBhvr>
+                                        <p:cTn id="10" dur="500"/>
+                                        <p:tgtEl>
+                                          <p:spTgt spid="3">
+                                            <p:txEl>
+                                              <p:pRg st="1" end="1"/>
+                                            </p:txEl>
+                                          </p:spTgt>
+                                        </p:tgtEl>
+                                      </p:cBhvr>
+                                    </p:animEffect>
+                                  </p:childTnLst>
+                                </p:cTn>
+                              </p:par>
+                              <p:par>
+                                <p:cTn id="11" presetID="10" presetClass="entr" presetSubtype="0" fill="hold" grpId="0" nodeType="withEffect">
+                                  <p:stCondLst>
+                                    <p:cond delay="0"/>
+                                  </p:stCondLst>
+                                  <p:childTnLst>
+                                    <p:set>
+                                      <p:cBhvr>
+                                        <p:cTn id="12" dur="1" fill="hold">
+                                          <p:stCondLst>
+                                            <p:cond delay="0"/>
+                                          </p:stCondLst>
+                                        </p:cTn>
+                                        <p:tgtEl>
+                                          <p:spTgt spid="3">
+                                            <p:txEl>
+                                              <p:pRg st="2" end="2"/>
+                                            </p:txEl>
+                                          </p:spTgt>
+                                        </p:tgtEl>
+                                        <p:attrNameLst>
+                                          <p:attrName>style.visibility</p:attrName>
+                                        </p:attrNameLst>
+                                      </p:cBhvr>
+                                      <p:to>
+                                        <p:strVal val="visible"/>
+                                      </p:to>
+                                    </p:set>
+                                    <p:animEffect transition="in" filter="fade">
+                                      <p:cBhvr>
+                                        <p:cTn id="13" dur="500"/>
+                                        <p:tgtEl>
+                                          <p:spTgt spid="3">
+                                            <p:txEl>
+                                              <p:pRg st="2" end="2"/>
+                                            </p:txEl>
+                                          </p:spTgt>
+                                        </p:tgtEl>
+                                      </p:cBhvr>
+                                    </p:animEffect>
+                                  </p:childTnLst>
+                                </p:cTn>
+                              </p:par>
+                            </p:childTnLst>
+                          </p:cTn>
+                        </p:par>
+                      </p:childTnLst>
+                    </p:cTn>
+                  </p:par>
+                  <p:par>
+                    <p:cTn id="14" fill="hold">
+                      <p:stCondLst>
+                        <p:cond delay="indefinite"/>
+                      </p:stCondLst>
+                      <p:childTnLst>
+                        <p:par>
+                          <p:cTn id="15" fill="hold">
+                            <p:stCondLst>
+                              <p:cond delay="0"/>
+                            </p:stCondLst>
+                            <p:childTnLst>
+                              <p:par>
+                                <p:cTn id="16" presetID="10" presetClass="entr" presetSubtype="0" fill="hold" grpId="0" nodeType="clickEffect">
+                                  <p:stCondLst>
+                                    <p:cond delay="0"/>
+                                  </p:stCondLst>
+                                  <p:childTnLst>
+                                    <p:set>
+                                      <p:cBhvr>
+                                        <p:cTn id="17" dur="1" fill="hold">
+                                          <p:stCondLst>
+                                            <p:cond delay="0"/>
+                                          </p:stCondLst>
+                                        </p:cTn>
+                                        <p:tgtEl>
+                                          <p:spTgt spid="3">
+                                            <p:txEl>
+                                              <p:pRg st="3" end="3"/>
+                                            </p:txEl>
+                                          </p:spTgt>
+                                        </p:tgtEl>
+                                        <p:attrNameLst>
+                                          <p:attrName>style.visibility</p:attrName>
+                                        </p:attrNameLst>
+                                      </p:cBhvr>
+                                      <p:to>
+                                        <p:strVal val="visible"/>
+                                      </p:to>
+                                    </p:set>
+                                    <p:animEffect transition="in" filter="fade">
+                                      <p:cBhvr>
+                                        <p:cTn id="18" dur="500"/>
+                                        <p:tgtEl>
+                                          <p:spTgt spid="3">
+                                            <p:txEl>
+                                              <p:pRg st="3" end="3"/>
+                                            </p:txEl>
+                                          </p:spTgt>
+                                        </p:tgtEl>
+                                      </p:cBhvr>
+                                    </p:animEffect>
+                                  </p:childTnLst>
+                                </p:cTn>
+                              </p:par>
+                            </p:childTnLst>
+                          </p:cTn>
+                        </p:par>
+                      </p:childTnLst>
+                    </p:cTn>
+                  </p:par>
+                  <p:par>
+                    <p:cTn id="19" fill="hold">
+                      <p:stCondLst>
+                        <p:cond delay="indefinite"/>
+                      </p:stCondLst>
+                      <p:childTnLst>
+                        <p:par>
+                          <p:cTn id="20" fill="hold">
+                            <p:stCondLst>
+                              <p:cond delay="0"/>
+                            </p:stCondLst>
+                            <p:childTnLst>
+                              <p:par>
+                                <p:cTn id="21" presetID="10" presetClass="entr" presetSubtype="0" fill="hold" grpId="0" nodeType="clickEffect">
+                                  <p:stCondLst>
+                                    <p:cond delay="0"/>
+                                  </p:stCondLst>
+                                  <p:childTnLst>
+                                    <p:set>
+                                      <p:cBhvr>
+                                        <p:cTn id="22" dur="1" fill="hold">
+                                          <p:stCondLst>
+                                            <p:cond delay="0"/>
+                                          </p:stCondLst>
+                                        </p:cTn>
+                                        <p:tgtEl>
+                                          <p:spTgt spid="3">
+                                            <p:txEl>
+                                              <p:pRg st="4" end="4"/>
+                                            </p:txEl>
+                                          </p:spTgt>
+                                        </p:tgtEl>
+                                        <p:attrNameLst>
+                                          <p:attrName>style.visibility</p:attrName>
+                                        </p:attrNameLst>
+                                      </p:cBhvr>
+                                      <p:to>
+                                        <p:strVal val="visible"/>
+                                      </p:to>
+                                    </p:set>
+                                    <p:animEffect transition="in" filter="fade">
+                                      <p:cBhvr>
+                                        <p:cTn id="23" dur="500"/>
+                                        <p:tgtEl>
+                                          <p:spTgt spid="3">
+                                            <p:txEl>
+                                              <p:pRg st="4" end="4"/>
+                                            </p:txEl>
+                                          </p:spTgt>
+                                        </p:tgtEl>
+                                      </p:cBhvr>
+                                    </p:animEffect>
+                                  </p:childTnLst>
+                                </p:cTn>
+                              </p:par>
+                            </p:childTnLst>
+                          </p:cTn>
+                        </p:par>
+                      </p:childTnLst>
+                    </p:cTn>
+                  </p:par>
+                  <p:par>
+                    <p:cTn id="24" fill="hold">
+                      <p:stCondLst>
+                        <p:cond delay="indefinite"/>
+                      </p:stCondLst>
+                      <p:childTnLst>
+                        <p:par>
+                          <p:cTn id="25" fill="hold">
+                            <p:stCondLst>
+                              <p:cond delay="0"/>
+                            </p:stCondLst>
+                            <p:childTnLst>
+                              <p:par>
+                                <p:cTn id="26" presetID="10" presetClass="entr" presetSubtype="0" fill="hold" grpId="0" nodeType="clickEffect">
+                                  <p:stCondLst>
+                                    <p:cond delay="0"/>
+                                  </p:stCondLst>
+                                  <p:childTnLst>
+                                    <p:set>
+                                      <p:cBhvr>
+                                        <p:cTn id="27" dur="1" fill="hold">
+                                          <p:stCondLst>
+                                            <p:cond delay="0"/>
+                                          </p:stCondLst>
+                                        </p:cTn>
+                                        <p:tgtEl>
+                                          <p:spTgt spid="4"/>
+                                        </p:tgtEl>
+                                        <p:attrNameLst>
+                                          <p:attrName>style.visibility</p:attrName>
+                                        </p:attrNameLst>
+                                      </p:cBhvr>
+                                      <p:to>
+                                        <p:strVal val="visible"/>
+                                      </p:to>
+                                    </p:set>
+                                    <p:animEffect transition="in" filter="fade">
+                                      <p:cBhvr>
+                                        <p:cTn id="28" dur="500"/>
+                                        <p:tgtEl>
+                                          <p:spTgt spid="4"/>
+                                        </p:tgtEl>
+                                      </p:cBhvr>
+                                    </p:animEffect>
+                                  </p:childTnLst>
+                                </p:cTn>
+                              </p:par>
+                            </p:childTnLst>
+                          </p:cTn>
+                        </p:par>
+                      </p:childTnLst>
+                    </p:cTn>
+                  </p:par>
+                </p:childTnLst>
+              </p:cTn>
+              <p:prevCondLst>
+                <p:cond evt="onPrev" delay="0">
+                  <p:tgtEl>
+                    <p:sldTgt/>
+                  </p:tgtEl>
+                </p:cond>
+              </p:prevCondLst>
+              <p:nextCondLst>
+                <p:cond evt="onNext" delay="0">
+                  <p:tgtEl>
+                    <p:sldTgt/>
+                  </p:tgtEl>
+                </p:cond>
+              </p:nextCondLst>
+            </p:seq>
+          </p:childTnLst>
+        </p:cTn>
+      </p:par>
+    </p:tnLst>
+    <p:bldLst>
+      <p:bldP spid="3" grpId="0" uiExpand="1" build="p"/>
+      <p:bldP spid="4" grpId="0" animBg="1"/>
+    </p:bldLst>
+  </p:timing>
 </p:sld>
 </file>
 
@@ -20719,7 +26224,7 @@
         </p:nvSpPr>
         <p:spPr>
           <a:xfrm>
-            <a:off x="467544" y="836712"/>
+            <a:off x="395536" y="764704"/>
             <a:ext cx="8229600" cy="1066800"/>
           </a:xfrm>
         </p:spPr>
@@ -20753,7 +26258,7 @@
                 <a:latin typeface="Adobe 黑体 Std R" pitchFamily="34" charset="-122"/>
                 <a:ea typeface="Adobe 黑体 Std R" pitchFamily="34" charset="-122"/>
               </a:rPr>
-              <a:t>改</a:t>
+              <a:t>查</a:t>
             </a:r>
             <a:endParaRPr lang="zh-CN" altLang="en-US" dirty="0">
               <a:latin typeface="Adobe 黑体 Std R" pitchFamily="34" charset="-122"/>
@@ -20774,8 +26279,8 @@
         </p:nvSpPr>
         <p:spPr>
           <a:xfrm>
-            <a:off x="457200" y="1700808"/>
-            <a:ext cx="8229600" cy="4873728"/>
+            <a:off x="395536" y="1988840"/>
+            <a:ext cx="8229600" cy="4325112"/>
           </a:xfrm>
         </p:spPr>
         <p:txBody>
@@ -20783,6 +26288,446 @@
           <a:lstStyle/>
           <a:p>
             <a:r>
+              <a:rPr lang="zh-CN" altLang="en-US" dirty="0" smtClean="0">
+                <a:latin typeface="Adobe 黑体 Std R" pitchFamily="34" charset="-122"/>
+                <a:ea typeface="Adobe 黑体 Std R" pitchFamily="34" charset="-122"/>
+              </a:rPr>
+              <a:t>选择符</a:t>
+            </a:r>
+            <a:r>
+              <a:rPr lang="en-US" altLang="zh-CN" dirty="0" smtClean="0"/>
+              <a:t>API</a:t>
+            </a:r>
+          </a:p>
+          <a:p>
+            <a:r>
+              <a:rPr lang="en-US" altLang="zh-CN" dirty="0" err="1" smtClean="0"/>
+              <a:t>document.querySelector</a:t>
+            </a:r>
+            <a:r>
+              <a:rPr lang="en-US" altLang="zh-CN" dirty="0" smtClean="0"/>
+              <a:t>()</a:t>
+            </a:r>
+            <a:endParaRPr lang="en-US" altLang="zh-CN" dirty="0" smtClean="0"/>
+          </a:p>
+          <a:p>
+            <a:r>
+              <a:rPr lang="en-US" altLang="zh-CN" dirty="0" err="1" smtClean="0"/>
+              <a:t>document.querySelectorAll</a:t>
+            </a:r>
+            <a:r>
+              <a:rPr lang="en-US" altLang="zh-CN" dirty="0" smtClean="0"/>
+              <a:t>()</a:t>
+            </a:r>
+            <a:endParaRPr lang="zh-CN" altLang="en-US" dirty="0"/>
+          </a:p>
+        </p:txBody>
+      </p:sp>
+      <p:graphicFrame>
+        <p:nvGraphicFramePr>
+          <p:cNvPr id="4" name="图示 3"/>
+          <p:cNvGraphicFramePr/>
+          <p:nvPr>
+            <p:extLst>
+              <p:ext uri="{D42A27DB-BD31-4B8C-83A1-F6EECF244321}">
+                <p14:modId xmlns:p14="http://schemas.microsoft.com/office/powerpoint/2010/main" val="3613653034"/>
+              </p:ext>
+            </p:extLst>
+          </p:nvPr>
+        </p:nvGraphicFramePr>
+        <p:xfrm>
+          <a:off x="611560" y="3717032"/>
+          <a:ext cx="8136904" cy="2695848"/>
+        </p:xfrm>
+        <a:graphic>
+          <a:graphicData uri="http://schemas.openxmlformats.org/drawingml/2006/diagram">
+            <dgm:relIds xmlns:dgm="http://schemas.openxmlformats.org/drawingml/2006/diagram" xmlns:r="http://schemas.openxmlformats.org/officeDocument/2006/relationships" r:dm="rId2" r:lo="rId3" r:qs="rId4" r:cs="rId5"/>
+          </a:graphicData>
+        </a:graphic>
+      </p:graphicFrame>
+      <p:sp>
+        <p:nvSpPr>
+          <p:cNvPr id="7" name="上箭头 6"/>
+          <p:cNvSpPr/>
+          <p:nvPr/>
+        </p:nvSpPr>
+        <p:spPr>
+          <a:xfrm>
+            <a:off x="4283968" y="1988840"/>
+            <a:ext cx="216024" cy="504056"/>
+          </a:xfrm>
+          <a:prstGeom prst="upArrow">
+            <a:avLst/>
+          </a:prstGeom>
+        </p:spPr>
+        <p:style>
+          <a:lnRef idx="2">
+            <a:schemeClr val="accent1">
+              <a:shade val="50000"/>
+            </a:schemeClr>
+          </a:lnRef>
+          <a:fillRef idx="1">
+            <a:schemeClr val="accent1"/>
+          </a:fillRef>
+          <a:effectRef idx="0">
+            <a:schemeClr val="accent1"/>
+          </a:effectRef>
+          <a:fontRef idx="minor">
+            <a:schemeClr val="lt1"/>
+          </a:fontRef>
+        </p:style>
+        <p:txBody>
+          <a:bodyPr rtlCol="0" anchor="ctr"/>
+          <a:lstStyle/>
+          <a:p>
+            <a:pPr algn="ctr"/>
+            <a:endParaRPr lang="zh-CN" altLang="en-US"/>
+          </a:p>
+        </p:txBody>
+      </p:sp>
+      <p:sp>
+        <p:nvSpPr>
+          <p:cNvPr id="8" name="TextBox 7"/>
+          <p:cNvSpPr txBox="1"/>
+          <p:nvPr/>
+        </p:nvSpPr>
+        <p:spPr>
+          <a:xfrm>
+            <a:off x="3599745" y="1619508"/>
+            <a:ext cx="1800493" cy="369332"/>
+          </a:xfrm>
+          <a:prstGeom prst="rect">
+            <a:avLst/>
+          </a:prstGeom>
+          <a:noFill/>
+        </p:spPr>
+        <p:txBody>
+          <a:bodyPr wrap="none" rtlCol="0">
+            <a:spAutoFit/>
+          </a:bodyPr>
+          <a:lstStyle/>
+          <a:p>
+            <a:r>
+              <a:rPr lang="zh-CN" altLang="en-US" dirty="0">
+                <a:latin typeface="Adobe 黑体 Std R" pitchFamily="34" charset="-122"/>
+                <a:ea typeface="Adobe 黑体 Std R" pitchFamily="34" charset="-122"/>
+              </a:rPr>
+              <a:t>返</a:t>
+            </a:r>
+            <a:r>
+              <a:rPr lang="zh-CN" altLang="en-US" dirty="0" smtClean="0">
+                <a:latin typeface="Adobe 黑体 Std R" pitchFamily="34" charset="-122"/>
+                <a:ea typeface="Adobe 黑体 Std R" pitchFamily="34" charset="-122"/>
+              </a:rPr>
+              <a:t>回第一个节点</a:t>
+            </a:r>
+            <a:endParaRPr lang="zh-CN" altLang="en-US" dirty="0">
+              <a:latin typeface="Adobe 黑体 Std R" pitchFamily="34" charset="-122"/>
+              <a:ea typeface="Adobe 黑体 Std R" pitchFamily="34" charset="-122"/>
+            </a:endParaRPr>
+          </a:p>
+        </p:txBody>
+      </p:sp>
+      <p:sp>
+        <p:nvSpPr>
+          <p:cNvPr id="9" name="右箭头 8"/>
+          <p:cNvSpPr/>
+          <p:nvPr/>
+        </p:nvSpPr>
+        <p:spPr>
+          <a:xfrm>
+            <a:off x="5580112" y="3068960"/>
+            <a:ext cx="576064" cy="216024"/>
+          </a:xfrm>
+          <a:prstGeom prst="rightArrow">
+            <a:avLst/>
+          </a:prstGeom>
+        </p:spPr>
+        <p:style>
+          <a:lnRef idx="2">
+            <a:schemeClr val="accent1">
+              <a:shade val="50000"/>
+            </a:schemeClr>
+          </a:lnRef>
+          <a:fillRef idx="1">
+            <a:schemeClr val="accent1"/>
+          </a:fillRef>
+          <a:effectRef idx="0">
+            <a:schemeClr val="accent1"/>
+          </a:effectRef>
+          <a:fontRef idx="minor">
+            <a:schemeClr val="lt1"/>
+          </a:fontRef>
+        </p:style>
+        <p:txBody>
+          <a:bodyPr rtlCol="0" anchor="ctr"/>
+          <a:lstStyle/>
+          <a:p>
+            <a:pPr algn="ctr"/>
+            <a:endParaRPr lang="zh-CN" altLang="en-US"/>
+          </a:p>
+        </p:txBody>
+      </p:sp>
+      <p:sp>
+        <p:nvSpPr>
+          <p:cNvPr id="10" name="TextBox 9"/>
+          <p:cNvSpPr txBox="1"/>
+          <p:nvPr/>
+        </p:nvSpPr>
+        <p:spPr>
+          <a:xfrm>
+            <a:off x="6365304" y="2992306"/>
+            <a:ext cx="1569660" cy="369332"/>
+          </a:xfrm>
+          <a:prstGeom prst="rect">
+            <a:avLst/>
+          </a:prstGeom>
+          <a:noFill/>
+        </p:spPr>
+        <p:txBody>
+          <a:bodyPr wrap="none" rtlCol="0">
+            <a:spAutoFit/>
+          </a:bodyPr>
+          <a:lstStyle/>
+          <a:p>
+            <a:r>
+              <a:rPr lang="zh-CN" altLang="en-US" dirty="0" smtClean="0">
+                <a:latin typeface="Adobe 黑体 Std R" pitchFamily="34" charset="-122"/>
+                <a:ea typeface="Adobe 黑体 Std R" pitchFamily="34" charset="-122"/>
+              </a:rPr>
+              <a:t>返回所有节点</a:t>
+            </a:r>
+            <a:endParaRPr lang="zh-CN" altLang="en-US" dirty="0">
+              <a:latin typeface="Adobe 黑体 Std R" pitchFamily="34" charset="-122"/>
+              <a:ea typeface="Adobe 黑体 Std R" pitchFamily="34" charset="-122"/>
+            </a:endParaRPr>
+          </a:p>
+        </p:txBody>
+      </p:sp>
+      <p:sp>
+        <p:nvSpPr>
+          <p:cNvPr id="11" name="TextBox 10"/>
+          <p:cNvSpPr txBox="1"/>
+          <p:nvPr/>
+        </p:nvSpPr>
+        <p:spPr>
+          <a:xfrm>
+            <a:off x="3923928" y="3933056"/>
+            <a:ext cx="720080" cy="369332"/>
+          </a:xfrm>
+          <a:prstGeom prst="rect">
+            <a:avLst/>
+          </a:prstGeom>
+          <a:noFill/>
+        </p:spPr>
+        <p:txBody>
+          <a:bodyPr wrap="square" rtlCol="0">
+            <a:spAutoFit/>
+          </a:bodyPr>
+          <a:lstStyle/>
+          <a:p>
+            <a:r>
+              <a:rPr lang="en-US" altLang="zh-CN" dirty="0" smtClean="0"/>
+              <a:t>IE8+</a:t>
+            </a:r>
+            <a:endParaRPr lang="zh-CN" altLang="en-US" dirty="0"/>
+          </a:p>
+        </p:txBody>
+      </p:sp>
+    </p:spTree>
+    <p:extLst>
+      <p:ext uri="{BB962C8B-B14F-4D97-AF65-F5344CB8AC3E}">
+        <p14:creationId xmlns:p14="http://schemas.microsoft.com/office/powerpoint/2010/main" val="2397180435"/>
+      </p:ext>
+    </p:extLst>
+  </p:cSld>
+  <p:clrMapOvr>
+    <a:masterClrMapping/>
+  </p:clrMapOvr>
+  <p:timing>
+    <p:tnLst>
+      <p:par>
+        <p:cTn id="1" dur="indefinite" restart="never" nodeType="tmRoot">
+          <p:childTnLst>
+            <p:seq concurrent="1" nextAc="seek">
+              <p:cTn id="2" dur="indefinite" nodeType="mainSeq">
+                <p:childTnLst>
+                  <p:par>
+                    <p:cTn id="3" fill="hold">
+                      <p:stCondLst>
+                        <p:cond delay="indefinite"/>
+                      </p:stCondLst>
+                      <p:childTnLst>
+                        <p:par>
+                          <p:cTn id="4" fill="hold">
+                            <p:stCondLst>
+                              <p:cond delay="0"/>
+                            </p:stCondLst>
+                            <p:childTnLst>
+                              <p:par>
+                                <p:cTn id="5" presetID="10" presetClass="entr" presetSubtype="0" fill="hold" grpId="0" nodeType="clickEffect">
+                                  <p:stCondLst>
+                                    <p:cond delay="0"/>
+                                  </p:stCondLst>
+                                  <p:childTnLst>
+                                    <p:set>
+                                      <p:cBhvr>
+                                        <p:cTn id="6" dur="1" fill="hold">
+                                          <p:stCondLst>
+                                            <p:cond delay="0"/>
+                                          </p:stCondLst>
+                                        </p:cTn>
+                                        <p:tgtEl>
+                                          <p:spTgt spid="4"/>
+                                        </p:tgtEl>
+                                        <p:attrNameLst>
+                                          <p:attrName>style.visibility</p:attrName>
+                                        </p:attrNameLst>
+                                      </p:cBhvr>
+                                      <p:to>
+                                        <p:strVal val="visible"/>
+                                      </p:to>
+                                    </p:set>
+                                    <p:animEffect transition="in" filter="fade">
+                                      <p:cBhvr>
+                                        <p:cTn id="7" dur="500"/>
+                                        <p:tgtEl>
+                                          <p:spTgt spid="4"/>
+                                        </p:tgtEl>
+                                      </p:cBhvr>
+                                    </p:animEffect>
+                                  </p:childTnLst>
+                                </p:cTn>
+                              </p:par>
+                            </p:childTnLst>
+                          </p:cTn>
+                        </p:par>
+                      </p:childTnLst>
+                    </p:cTn>
+                  </p:par>
+                </p:childTnLst>
+              </p:cTn>
+              <p:prevCondLst>
+                <p:cond evt="onPrev" delay="0">
+                  <p:tgtEl>
+                    <p:sldTgt/>
+                  </p:tgtEl>
+                </p:cond>
+              </p:prevCondLst>
+              <p:nextCondLst>
+                <p:cond evt="onNext" delay="0">
+                  <p:tgtEl>
+                    <p:sldTgt/>
+                  </p:tgtEl>
+                </p:cond>
+              </p:nextCondLst>
+            </p:seq>
+          </p:childTnLst>
+        </p:cTn>
+      </p:par>
+    </p:tnLst>
+    <p:bldLst>
+      <p:bldGraphic spid="4" grpId="0">
+        <p:bldAsOne/>
+      </p:bldGraphic>
+    </p:bldLst>
+  </p:timing>
+</p:sld>
+</file>
+
+<file path=ppt/slides/slide18.xml><?xml version="1.0" encoding="utf-8"?>
+<p:sld xmlns:a="http://schemas.openxmlformats.org/drawingml/2006/main" xmlns:r="http://schemas.openxmlformats.org/officeDocument/2006/relationships" xmlns:p="http://schemas.openxmlformats.org/presentationml/2006/main">
+  <p:cSld>
+    <p:spTree>
+      <p:nvGrpSpPr>
+        <p:cNvPr id="1" name=""/>
+        <p:cNvGrpSpPr/>
+        <p:nvPr/>
+      </p:nvGrpSpPr>
+      <p:grpSpPr>
+        <a:xfrm>
+          <a:off x="0" y="0"/>
+          <a:ext cx="0" cy="0"/>
+          <a:chOff x="0" y="0"/>
+          <a:chExt cx="0" cy="0"/>
+        </a:xfrm>
+      </p:grpSpPr>
+      <p:sp>
+        <p:nvSpPr>
+          <p:cNvPr id="2" name="标题 1"/>
+          <p:cNvSpPr>
+            <a:spLocks noGrp="1"/>
+          </p:cNvSpPr>
+          <p:nvPr>
+            <p:ph type="title"/>
+          </p:nvPr>
+        </p:nvSpPr>
+        <p:spPr>
+          <a:xfrm>
+            <a:off x="471829" y="548680"/>
+            <a:ext cx="8229600" cy="1210816"/>
+          </a:xfrm>
+        </p:spPr>
+        <p:txBody>
+          <a:bodyPr/>
+          <a:lstStyle/>
+          <a:p>
+            <a:r>
+              <a:rPr lang="en-US" altLang="zh-CN" dirty="0" smtClean="0">
+                <a:latin typeface="Adobe 黑体 Std R" pitchFamily="34" charset="-122"/>
+                <a:ea typeface="Adobe 黑体 Std R" pitchFamily="34" charset="-122"/>
+              </a:rPr>
+              <a:t>DOM</a:t>
+            </a:r>
+            <a:r>
+              <a:rPr lang="zh-CN" altLang="en-US" dirty="0" smtClean="0">
+                <a:latin typeface="Adobe 黑体 Std R" pitchFamily="34" charset="-122"/>
+                <a:ea typeface="Adobe 黑体 Std R" pitchFamily="34" charset="-122"/>
+              </a:rPr>
+              <a:t>操作</a:t>
+            </a:r>
+            <a:r>
+              <a:rPr lang="en-US" altLang="zh-CN" dirty="0" smtClean="0">
+                <a:latin typeface="Adobe 黑体 Std R" pitchFamily="34" charset="-122"/>
+                <a:ea typeface="Adobe 黑体 Std R" pitchFamily="34" charset="-122"/>
+              </a:rPr>
+              <a:t>-</a:t>
+            </a:r>
+            <a:r>
+              <a:rPr lang="zh-CN" altLang="en-US" dirty="0" smtClean="0">
+                <a:latin typeface="Adobe 黑体 Std R" pitchFamily="34" charset="-122"/>
+                <a:ea typeface="Adobe 黑体 Std R" pitchFamily="34" charset="-122"/>
+              </a:rPr>
+              <a:t>改</a:t>
+            </a:r>
+            <a:endParaRPr lang="zh-CN" altLang="en-US" dirty="0">
+              <a:latin typeface="Adobe 黑体 Std R" pitchFamily="34" charset="-122"/>
+              <a:ea typeface="Adobe 黑体 Std R" pitchFamily="34" charset="-122"/>
+            </a:endParaRPr>
+          </a:p>
+        </p:txBody>
+      </p:sp>
+      <p:sp>
+        <p:nvSpPr>
+          <p:cNvPr id="3" name="内容占位符 2"/>
+          <p:cNvSpPr>
+            <a:spLocks noGrp="1"/>
+          </p:cNvSpPr>
+          <p:nvPr>
+            <p:ph idx="1"/>
+          </p:nvPr>
+        </p:nvSpPr>
+        <p:spPr>
+          <a:xfrm>
+            <a:off x="457200" y="1628800"/>
+            <a:ext cx="8229600" cy="4945736"/>
+          </a:xfrm>
+        </p:spPr>
+        <p:txBody>
+          <a:bodyPr/>
+          <a:lstStyle/>
+          <a:p>
+            <a:r>
               <a:rPr lang="en-US" altLang="zh-CN" dirty="0" err="1" smtClean="0"/>
               <a:t>innerHTML</a:t>
             </a:r>
@@ -20863,8 +26808,21 @@
                 <a:latin typeface="Adobe 黑体 Std R" pitchFamily="34" charset="-122"/>
                 <a:ea typeface="Adobe 黑体 Std R" pitchFamily="34" charset="-122"/>
               </a:rPr>
-              <a:t>属性</a:t>
-            </a:r>
+              <a:t>属</a:t>
+            </a:r>
+            <a:r>
+              <a:rPr lang="zh-CN" altLang="en-US" dirty="0" smtClean="0">
+                <a:latin typeface="Adobe 黑体 Std R" pitchFamily="34" charset="-122"/>
+                <a:ea typeface="Adobe 黑体 Std R" pitchFamily="34" charset="-122"/>
+              </a:rPr>
+              <a:t>性</a:t>
+            </a:r>
+            <a:endParaRPr lang="en-US" altLang="zh-CN" dirty="0" smtClean="0">
+              <a:latin typeface="Adobe 黑体 Std R" pitchFamily="34" charset="-122"/>
+              <a:ea typeface="Adobe 黑体 Std R" pitchFamily="34" charset="-122"/>
+            </a:endParaRPr>
+          </a:p>
+          <a:p>
             <a:endParaRPr lang="en-US" altLang="zh-CN" dirty="0" smtClean="0">
               <a:latin typeface="Adobe 黑体 Std R" pitchFamily="34" charset="-122"/>
               <a:ea typeface="Adobe 黑体 Std R" pitchFamily="34" charset="-122"/>
@@ -20912,40 +26870,15 @@
                 <a:latin typeface="Adobe 黑体 Std R" pitchFamily="34" charset="-122"/>
                 <a:ea typeface="Adobe 黑体 Std R" pitchFamily="34" charset="-122"/>
               </a:rPr>
-              <a:t>属性</a:t>
-            </a:r>
-            <a:endParaRPr lang="en-US" altLang="zh-CN" dirty="0" smtClean="0">
-              <a:latin typeface="Adobe 黑体 Std R" pitchFamily="34" charset="-122"/>
-              <a:ea typeface="Adobe 黑体 Std R" pitchFamily="34" charset="-122"/>
-            </a:endParaRPr>
-          </a:p>
-          <a:p>
-            <a:r>
-              <a:rPr lang="en-US" altLang="zh-CN" dirty="0" err="1" smtClean="0">
-                <a:ea typeface="Adobe 黑体 Std R" pitchFamily="34" charset="-122"/>
-              </a:rPr>
-              <a:t>insertAdjacentHTML</a:t>
-            </a:r>
-            <a:r>
-              <a:rPr lang="en-US" altLang="zh-CN" dirty="0" smtClean="0">
-                <a:latin typeface="Adobe 黑体 Std R" pitchFamily="34" charset="-122"/>
-                <a:ea typeface="Adobe 黑体 Std R" pitchFamily="34" charset="-122"/>
-              </a:rPr>
-              <a:t>() </a:t>
+              <a:t>属</a:t>
             </a:r>
             <a:r>
               <a:rPr lang="zh-CN" altLang="en-US" dirty="0" smtClean="0">
                 <a:latin typeface="Adobe 黑体 Std R" pitchFamily="34" charset="-122"/>
                 <a:ea typeface="Adobe 黑体 Std R" pitchFamily="34" charset="-122"/>
               </a:rPr>
-              <a:t>方法</a:t>
-            </a:r>
-            <a:endParaRPr lang="en-US" altLang="zh-CN" dirty="0" smtClean="0">
-              <a:latin typeface="Adobe 黑体 Std R" pitchFamily="34" charset="-122"/>
-              <a:ea typeface="Adobe 黑体 Std R" pitchFamily="34" charset="-122"/>
-            </a:endParaRPr>
-          </a:p>
-          <a:p>
+              <a:t>性</a:t>
+            </a:r>
             <a:endParaRPr lang="en-US" altLang="zh-CN" dirty="0" smtClean="0">
               <a:latin typeface="Adobe 黑体 Std R" pitchFamily="34" charset="-122"/>
               <a:ea typeface="Adobe 黑体 Std R" pitchFamily="34" charset="-122"/>
@@ -20967,7 +26900,7 @@
         </p:nvSpPr>
         <p:spPr>
           <a:xfrm>
-            <a:off x="471829" y="3501008"/>
+            <a:off x="471829" y="3717032"/>
             <a:ext cx="8280920" cy="1656184"/>
           </a:xfrm>
           <a:prstGeom prst="rect">
@@ -21131,6 +27064,9 @@
           <a:prstGeom prst="mathEqual">
             <a:avLst/>
           </a:prstGeom>
+          <a:solidFill>
+            <a:schemeClr val="bg1"/>
+          </a:solidFill>
         </p:spPr>
         <p:style>
           <a:lnRef idx="2">
@@ -21171,6 +27107,496 @@
   <p:clrMapOvr>
     <a:masterClrMapping/>
   </p:clrMapOvr>
+  <p:timing>
+    <p:tnLst>
+      <p:par>
+        <p:cTn id="1" dur="indefinite" restart="never" nodeType="tmRoot">
+          <p:childTnLst>
+            <p:seq concurrent="1" nextAc="seek">
+              <p:cTn id="2" dur="indefinite" nodeType="mainSeq">
+                <p:childTnLst>
+                  <p:par>
+                    <p:cTn id="3" fill="hold">
+                      <p:stCondLst>
+                        <p:cond delay="indefinite"/>
+                      </p:stCondLst>
+                      <p:childTnLst>
+                        <p:par>
+                          <p:cTn id="4" fill="hold">
+                            <p:stCondLst>
+                              <p:cond delay="0"/>
+                            </p:stCondLst>
+                            <p:childTnLst>
+                              <p:par>
+                                <p:cTn id="5" presetID="10" presetClass="entr" presetSubtype="0" fill="hold" nodeType="clickEffect">
+                                  <p:stCondLst>
+                                    <p:cond delay="0"/>
+                                  </p:stCondLst>
+                                  <p:childTnLst>
+                                    <p:set>
+                                      <p:cBhvr>
+                                        <p:cTn id="6" dur="1" fill="hold">
+                                          <p:stCondLst>
+                                            <p:cond delay="0"/>
+                                          </p:stCondLst>
+                                        </p:cTn>
+                                        <p:tgtEl>
+                                          <p:spTgt spid="3">
+                                            <p:txEl>
+                                              <p:pRg st="0" end="0"/>
+                                            </p:txEl>
+                                          </p:spTgt>
+                                        </p:tgtEl>
+                                        <p:attrNameLst>
+                                          <p:attrName>style.visibility</p:attrName>
+                                        </p:attrNameLst>
+                                      </p:cBhvr>
+                                      <p:to>
+                                        <p:strVal val="visible"/>
+                                      </p:to>
+                                    </p:set>
+                                    <p:animEffect transition="in" filter="fade">
+                                      <p:cBhvr>
+                                        <p:cTn id="7" dur="500"/>
+                                        <p:tgtEl>
+                                          <p:spTgt spid="3">
+                                            <p:txEl>
+                                              <p:pRg st="0" end="0"/>
+                                            </p:txEl>
+                                          </p:spTgt>
+                                        </p:tgtEl>
+                                      </p:cBhvr>
+                                    </p:animEffect>
+                                  </p:childTnLst>
+                                </p:cTn>
+                              </p:par>
+                              <p:par>
+                                <p:cTn id="8" presetID="10" presetClass="entr" presetSubtype="0" fill="hold" nodeType="withEffect">
+                                  <p:stCondLst>
+                                    <p:cond delay="0"/>
+                                  </p:stCondLst>
+                                  <p:childTnLst>
+                                    <p:set>
+                                      <p:cBhvr>
+                                        <p:cTn id="9" dur="1" fill="hold">
+                                          <p:stCondLst>
+                                            <p:cond delay="0"/>
+                                          </p:stCondLst>
+                                        </p:cTn>
+                                        <p:tgtEl>
+                                          <p:spTgt spid="3">
+                                            <p:txEl>
+                                              <p:pRg st="1" end="1"/>
+                                            </p:txEl>
+                                          </p:spTgt>
+                                        </p:tgtEl>
+                                        <p:attrNameLst>
+                                          <p:attrName>style.visibility</p:attrName>
+                                        </p:attrNameLst>
+                                      </p:cBhvr>
+                                      <p:to>
+                                        <p:strVal val="visible"/>
+                                      </p:to>
+                                    </p:set>
+                                    <p:animEffect transition="in" filter="fade">
+                                      <p:cBhvr>
+                                        <p:cTn id="10" dur="500"/>
+                                        <p:tgtEl>
+                                          <p:spTgt spid="3">
+                                            <p:txEl>
+                                              <p:pRg st="1" end="1"/>
+                                            </p:txEl>
+                                          </p:spTgt>
+                                        </p:tgtEl>
+                                      </p:cBhvr>
+                                    </p:animEffect>
+                                  </p:childTnLst>
+                                </p:cTn>
+                              </p:par>
+                            </p:childTnLst>
+                          </p:cTn>
+                        </p:par>
+                      </p:childTnLst>
+                    </p:cTn>
+                  </p:par>
+                  <p:par>
+                    <p:cTn id="11" fill="hold">
+                      <p:stCondLst>
+                        <p:cond delay="indefinite"/>
+                      </p:stCondLst>
+                      <p:childTnLst>
+                        <p:par>
+                          <p:cTn id="12" fill="hold">
+                            <p:stCondLst>
+                              <p:cond delay="0"/>
+                            </p:stCondLst>
+                            <p:childTnLst>
+                              <p:par>
+                                <p:cTn id="13" presetID="10" presetClass="entr" presetSubtype="0" fill="hold" nodeType="clickEffect">
+                                  <p:stCondLst>
+                                    <p:cond delay="0"/>
+                                  </p:stCondLst>
+                                  <p:childTnLst>
+                                    <p:set>
+                                      <p:cBhvr>
+                                        <p:cTn id="14" dur="1" fill="hold">
+                                          <p:stCondLst>
+                                            <p:cond delay="0"/>
+                                          </p:stCondLst>
+                                        </p:cTn>
+                                        <p:tgtEl>
+                                          <p:spTgt spid="3">
+                                            <p:txEl>
+                                              <p:pRg st="2" end="2"/>
+                                            </p:txEl>
+                                          </p:spTgt>
+                                        </p:tgtEl>
+                                        <p:attrNameLst>
+                                          <p:attrName>style.visibility</p:attrName>
+                                        </p:attrNameLst>
+                                      </p:cBhvr>
+                                      <p:to>
+                                        <p:strVal val="visible"/>
+                                      </p:to>
+                                    </p:set>
+                                    <p:animEffect transition="in" filter="fade">
+                                      <p:cBhvr>
+                                        <p:cTn id="15" dur="500"/>
+                                        <p:tgtEl>
+                                          <p:spTgt spid="3">
+                                            <p:txEl>
+                                              <p:pRg st="2" end="2"/>
+                                            </p:txEl>
+                                          </p:spTgt>
+                                        </p:tgtEl>
+                                      </p:cBhvr>
+                                    </p:animEffect>
+                                  </p:childTnLst>
+                                </p:cTn>
+                              </p:par>
+                            </p:childTnLst>
+                          </p:cTn>
+                        </p:par>
+                      </p:childTnLst>
+                    </p:cTn>
+                  </p:par>
+                  <p:par>
+                    <p:cTn id="16" fill="hold">
+                      <p:stCondLst>
+                        <p:cond delay="indefinite"/>
+                      </p:stCondLst>
+                      <p:childTnLst>
+                        <p:par>
+                          <p:cTn id="17" fill="hold">
+                            <p:stCondLst>
+                              <p:cond delay="0"/>
+                            </p:stCondLst>
+                            <p:childTnLst>
+                              <p:par>
+                                <p:cTn id="18" presetID="10" presetClass="entr" presetSubtype="0" fill="hold" grpId="0" nodeType="clickEffect">
+                                  <p:stCondLst>
+                                    <p:cond delay="0"/>
+                                  </p:stCondLst>
+                                  <p:childTnLst>
+                                    <p:set>
+                                      <p:cBhvr>
+                                        <p:cTn id="19" dur="1" fill="hold">
+                                          <p:stCondLst>
+                                            <p:cond delay="0"/>
+                                          </p:stCondLst>
+                                        </p:cTn>
+                                        <p:tgtEl>
+                                          <p:spTgt spid="4"/>
+                                        </p:tgtEl>
+                                        <p:attrNameLst>
+                                          <p:attrName>style.visibility</p:attrName>
+                                        </p:attrNameLst>
+                                      </p:cBhvr>
+                                      <p:to>
+                                        <p:strVal val="visible"/>
+                                      </p:to>
+                                    </p:set>
+                                    <p:animEffect transition="in" filter="fade">
+                                      <p:cBhvr>
+                                        <p:cTn id="20" dur="500"/>
+                                        <p:tgtEl>
+                                          <p:spTgt spid="4"/>
+                                        </p:tgtEl>
+                                      </p:cBhvr>
+                                    </p:animEffect>
+                                  </p:childTnLst>
+                                </p:cTn>
+                              </p:par>
+                              <p:par>
+                                <p:cTn id="21" presetID="10" presetClass="entr" presetSubtype="0" fill="hold" grpId="0" nodeType="withEffect">
+                                  <p:stCondLst>
+                                    <p:cond delay="0"/>
+                                  </p:stCondLst>
+                                  <p:childTnLst>
+                                    <p:set>
+                                      <p:cBhvr>
+                                        <p:cTn id="22" dur="1" fill="hold">
+                                          <p:stCondLst>
+                                            <p:cond delay="0"/>
+                                          </p:stCondLst>
+                                        </p:cTn>
+                                        <p:tgtEl>
+                                          <p:spTgt spid="5"/>
+                                        </p:tgtEl>
+                                        <p:attrNameLst>
+                                          <p:attrName>style.visibility</p:attrName>
+                                        </p:attrNameLst>
+                                      </p:cBhvr>
+                                      <p:to>
+                                        <p:strVal val="visible"/>
+                                      </p:to>
+                                    </p:set>
+                                    <p:animEffect transition="in" filter="fade">
+                                      <p:cBhvr>
+                                        <p:cTn id="23" dur="500"/>
+                                        <p:tgtEl>
+                                          <p:spTgt spid="5"/>
+                                        </p:tgtEl>
+                                      </p:cBhvr>
+                                    </p:animEffect>
+                                  </p:childTnLst>
+                                </p:cTn>
+                              </p:par>
+                            </p:childTnLst>
+                          </p:cTn>
+                        </p:par>
+                      </p:childTnLst>
+                    </p:cTn>
+                  </p:par>
+                  <p:par>
+                    <p:cTn id="24" fill="hold">
+                      <p:stCondLst>
+                        <p:cond delay="indefinite"/>
+                      </p:stCondLst>
+                      <p:childTnLst>
+                        <p:par>
+                          <p:cTn id="25" fill="hold">
+                            <p:stCondLst>
+                              <p:cond delay="0"/>
+                            </p:stCondLst>
+                            <p:childTnLst>
+                              <p:par>
+                                <p:cTn id="26" presetID="10" presetClass="entr" presetSubtype="0" fill="hold" nodeType="clickEffect">
+                                  <p:stCondLst>
+                                    <p:cond delay="0"/>
+                                  </p:stCondLst>
+                                  <p:childTnLst>
+                                    <p:set>
+                                      <p:cBhvr>
+                                        <p:cTn id="27" dur="1" fill="hold">
+                                          <p:stCondLst>
+                                            <p:cond delay="0"/>
+                                          </p:stCondLst>
+                                        </p:cTn>
+                                        <p:tgtEl>
+                                          <p:spTgt spid="3">
+                                            <p:txEl>
+                                              <p:pRg st="8" end="8"/>
+                                            </p:txEl>
+                                          </p:spTgt>
+                                        </p:tgtEl>
+                                        <p:attrNameLst>
+                                          <p:attrName>style.visibility</p:attrName>
+                                        </p:attrNameLst>
+                                      </p:cBhvr>
+                                      <p:to>
+                                        <p:strVal val="visible"/>
+                                      </p:to>
+                                    </p:set>
+                                    <p:animEffect transition="in" filter="fade">
+                                      <p:cBhvr>
+                                        <p:cTn id="28" dur="500"/>
+                                        <p:tgtEl>
+                                          <p:spTgt spid="3">
+                                            <p:txEl>
+                                              <p:pRg st="8" end="8"/>
+                                            </p:txEl>
+                                          </p:spTgt>
+                                        </p:tgtEl>
+                                      </p:cBhvr>
+                                    </p:animEffect>
+                                  </p:childTnLst>
+                                </p:cTn>
+                              </p:par>
+                            </p:childTnLst>
+                          </p:cTn>
+                        </p:par>
+                      </p:childTnLst>
+                    </p:cTn>
+                  </p:par>
+                </p:childTnLst>
+              </p:cTn>
+              <p:prevCondLst>
+                <p:cond evt="onPrev" delay="0">
+                  <p:tgtEl>
+                    <p:sldTgt/>
+                  </p:tgtEl>
+                </p:cond>
+              </p:prevCondLst>
+              <p:nextCondLst>
+                <p:cond evt="onNext" delay="0">
+                  <p:tgtEl>
+                    <p:sldTgt/>
+                  </p:tgtEl>
+                </p:cond>
+              </p:nextCondLst>
+            </p:seq>
+          </p:childTnLst>
+        </p:cTn>
+      </p:par>
+    </p:tnLst>
+    <p:bldLst>
+      <p:bldP spid="4" grpId="0" animBg="1"/>
+      <p:bldP spid="5" grpId="0" animBg="1"/>
+    </p:bldLst>
+  </p:timing>
+</p:sld>
+</file>
+
+<file path=ppt/slides/slide19.xml><?xml version="1.0" encoding="utf-8"?>
+<p:sld xmlns:a="http://schemas.openxmlformats.org/drawingml/2006/main" xmlns:r="http://schemas.openxmlformats.org/officeDocument/2006/relationships" xmlns:p="http://schemas.openxmlformats.org/presentationml/2006/main">
+  <p:cSld>
+    <p:spTree>
+      <p:nvGrpSpPr>
+        <p:cNvPr id="1" name=""/>
+        <p:cNvGrpSpPr/>
+        <p:nvPr/>
+      </p:nvGrpSpPr>
+      <p:grpSpPr>
+        <a:xfrm>
+          <a:off x="0" y="0"/>
+          <a:ext cx="0" cy="0"/>
+          <a:chOff x="0" y="0"/>
+          <a:chExt cx="0" cy="0"/>
+        </a:xfrm>
+      </p:grpSpPr>
+      <p:sp>
+        <p:nvSpPr>
+          <p:cNvPr id="3" name="内容占位符 2"/>
+          <p:cNvSpPr>
+            <a:spLocks noGrp="1"/>
+          </p:cNvSpPr>
+          <p:nvPr>
+            <p:ph idx="1"/>
+          </p:nvPr>
+        </p:nvSpPr>
+        <p:spPr>
+          <a:xfrm>
+            <a:off x="457200" y="1772816"/>
+            <a:ext cx="8229600" cy="4801720"/>
+          </a:xfrm>
+        </p:spPr>
+        <p:txBody>
+          <a:bodyPr/>
+          <a:lstStyle/>
+          <a:p>
+            <a:r>
+              <a:rPr lang="en-US" altLang="zh-CN" dirty="0" err="1">
+                <a:ea typeface="Adobe 黑体 Std R" pitchFamily="34" charset="-122"/>
+              </a:rPr>
+              <a:t>insertAdjacentHTML</a:t>
+            </a:r>
+            <a:r>
+              <a:rPr lang="en-US" altLang="zh-CN" dirty="0">
+                <a:latin typeface="Adobe 黑体 Std R" pitchFamily="34" charset="-122"/>
+                <a:ea typeface="Adobe 黑体 Std R" pitchFamily="34" charset="-122"/>
+              </a:rPr>
+              <a:t>() </a:t>
+            </a:r>
+            <a:r>
+              <a:rPr lang="zh-CN" altLang="en-US" dirty="0">
+                <a:latin typeface="Adobe 黑体 Std R" pitchFamily="34" charset="-122"/>
+                <a:ea typeface="Adobe 黑体 Std R" pitchFamily="34" charset="-122"/>
+              </a:rPr>
+              <a:t>方法</a:t>
+            </a:r>
+            <a:endParaRPr lang="en-US" altLang="zh-CN" dirty="0">
+              <a:latin typeface="Adobe 黑体 Std R" pitchFamily="34" charset="-122"/>
+              <a:ea typeface="Adobe 黑体 Std R" pitchFamily="34" charset="-122"/>
+            </a:endParaRPr>
+          </a:p>
+          <a:p>
+            <a:endParaRPr lang="zh-CN" altLang="en-US" dirty="0"/>
+          </a:p>
+        </p:txBody>
+      </p:sp>
+      <p:sp>
+        <p:nvSpPr>
+          <p:cNvPr id="4" name="标题 1"/>
+          <p:cNvSpPr>
+            <a:spLocks noGrp="1"/>
+          </p:cNvSpPr>
+          <p:nvPr>
+            <p:ph type="title"/>
+          </p:nvPr>
+        </p:nvSpPr>
+        <p:spPr>
+          <a:xfrm>
+            <a:off x="471829" y="548680"/>
+            <a:ext cx="8229600" cy="1210816"/>
+          </a:xfrm>
+        </p:spPr>
+        <p:txBody>
+          <a:bodyPr/>
+          <a:lstStyle/>
+          <a:p>
+            <a:r>
+              <a:rPr lang="en-US" altLang="zh-CN" dirty="0" smtClean="0">
+                <a:latin typeface="Adobe 黑体 Std R" pitchFamily="34" charset="-122"/>
+                <a:ea typeface="Adobe 黑体 Std R" pitchFamily="34" charset="-122"/>
+              </a:rPr>
+              <a:t>DOM</a:t>
+            </a:r>
+            <a:r>
+              <a:rPr lang="zh-CN" altLang="en-US" dirty="0" smtClean="0">
+                <a:latin typeface="Adobe 黑体 Std R" pitchFamily="34" charset="-122"/>
+                <a:ea typeface="Adobe 黑体 Std R" pitchFamily="34" charset="-122"/>
+              </a:rPr>
+              <a:t>操作</a:t>
+            </a:r>
+            <a:r>
+              <a:rPr lang="en-US" altLang="zh-CN" dirty="0" smtClean="0">
+                <a:latin typeface="Adobe 黑体 Std R" pitchFamily="34" charset="-122"/>
+                <a:ea typeface="Adobe 黑体 Std R" pitchFamily="34" charset="-122"/>
+              </a:rPr>
+              <a:t>-</a:t>
+            </a:r>
+            <a:r>
+              <a:rPr lang="zh-CN" altLang="en-US" dirty="0" smtClean="0">
+                <a:latin typeface="Adobe 黑体 Std R" pitchFamily="34" charset="-122"/>
+                <a:ea typeface="Adobe 黑体 Std R" pitchFamily="34" charset="-122"/>
+              </a:rPr>
+              <a:t>改</a:t>
+            </a:r>
+            <a:endParaRPr lang="zh-CN" altLang="en-US" dirty="0">
+              <a:latin typeface="Adobe 黑体 Std R" pitchFamily="34" charset="-122"/>
+              <a:ea typeface="Adobe 黑体 Std R" pitchFamily="34" charset="-122"/>
+            </a:endParaRPr>
+          </a:p>
+        </p:txBody>
+      </p:sp>
+    </p:spTree>
+    <p:extLst>
+      <p:ext uri="{BB962C8B-B14F-4D97-AF65-F5344CB8AC3E}">
+        <p14:creationId xmlns:p14="http://schemas.microsoft.com/office/powerpoint/2010/main" val="375940118"/>
+      </p:ext>
+    </p:extLst>
+  </p:cSld>
+  <p:clrMapOvr>
+    <a:masterClrMapping/>
+  </p:clrMapOvr>
+  <p:timing>
+    <p:tnLst>
+      <p:par>
+        <p:cTn id="1" dur="indefinite" restart="never" nodeType="tmRoot"/>
+      </p:par>
+    </p:tnLst>
+  </p:timing>
 </p:sld>
 </file>
 
@@ -27837,7 +34263,7 @@
         </p:nvSpPr>
         <p:spPr>
           <a:xfrm>
-            <a:off x="395536" y="908720"/>
+            <a:off x="395536" y="764704"/>
             <a:ext cx="8229600" cy="1066800"/>
           </a:xfrm>
         </p:spPr>
@@ -27892,7 +34318,7 @@
         </p:nvSpPr>
         <p:spPr>
           <a:xfrm>
-            <a:off x="467544" y="1988840"/>
+            <a:off x="467544" y="1700808"/>
             <a:ext cx="8229600" cy="4325112"/>
           </a:xfrm>
         </p:spPr>
@@ -27924,10 +34350,96 @@
             </a:r>
           </a:p>
           <a:p>
-            <a:endParaRPr lang="zh-CN" altLang="en-US" dirty="0"/>
+            <a:r>
+              <a:rPr lang="en-US" altLang="zh-CN" dirty="0" err="1" smtClean="0"/>
+              <a:t>document.createDocumentFragment</a:t>
+            </a:r>
+            <a:r>
+              <a:rPr lang="en-US" altLang="zh-CN" dirty="0" smtClean="0"/>
+              <a:t>()</a:t>
+            </a:r>
+            <a:endParaRPr lang="en-US" altLang="zh-CN" dirty="0" smtClean="0"/>
+          </a:p>
+          <a:p>
+            <a:pPr marL="109728" indent="0">
+              <a:buNone/>
+            </a:pPr>
+            <a:endParaRPr lang="en-US" altLang="zh-CN" dirty="0"/>
+          </a:p>
+          <a:p>
+            <a:pPr marL="109728" indent="0">
+              <a:buNone/>
+            </a:pPr>
+            <a:r>
+              <a:rPr lang="zh-CN" altLang="en-US" dirty="0" smtClean="0">
+                <a:latin typeface="Adobe 黑体 Std R" pitchFamily="34" charset="-122"/>
+                <a:ea typeface="Adobe 黑体 Std R" pitchFamily="34" charset="-122"/>
+              </a:rPr>
+              <a:t>新建</a:t>
+            </a:r>
+            <a:r>
+              <a:rPr lang="en-US" altLang="zh-CN" dirty="0" smtClean="0">
+                <a:latin typeface="Adobe 黑体 Std R" pitchFamily="34" charset="-122"/>
+                <a:ea typeface="Adobe 黑体 Std R" pitchFamily="34" charset="-122"/>
+              </a:rPr>
+              <a:t>Node</a:t>
+            </a:r>
+            <a:r>
+              <a:rPr lang="zh-CN" altLang="en-US" dirty="0" smtClean="0">
+                <a:latin typeface="Adobe 黑体 Std R" pitchFamily="34" charset="-122"/>
+                <a:ea typeface="Adobe 黑体 Std R" pitchFamily="34" charset="-122"/>
+              </a:rPr>
+              <a:t>操作，然而并没有放到</a:t>
+            </a:r>
+            <a:r>
+              <a:rPr lang="en-US" altLang="zh-CN" dirty="0" smtClean="0">
+                <a:latin typeface="Adobe 黑体 Std R" pitchFamily="34" charset="-122"/>
+                <a:ea typeface="Adobe 黑体 Std R" pitchFamily="34" charset="-122"/>
+              </a:rPr>
+              <a:t>DOM</a:t>
+            </a:r>
+            <a:r>
+              <a:rPr lang="zh-CN" altLang="en-US" dirty="0" smtClean="0">
+                <a:latin typeface="Adobe 黑体 Std R" pitchFamily="34" charset="-122"/>
+                <a:ea typeface="Adobe 黑体 Std R" pitchFamily="34" charset="-122"/>
+              </a:rPr>
+              <a:t>树中。</a:t>
+            </a:r>
+            <a:endParaRPr lang="en-US" altLang="zh-CN" dirty="0" smtClean="0">
+              <a:latin typeface="Adobe 黑体 Std R" pitchFamily="34" charset="-122"/>
+              <a:ea typeface="Adobe 黑体 Std R" pitchFamily="34" charset="-122"/>
+            </a:endParaRPr>
+          </a:p>
+          <a:p>
+            <a:endParaRPr lang="zh-CN" altLang="en-US" dirty="0">
+              <a:latin typeface="Adobe 黑体 Std R" pitchFamily="34" charset="-122"/>
+              <a:ea typeface="Adobe 黑体 Std R" pitchFamily="34" charset="-122"/>
+            </a:endParaRPr>
           </a:p>
         </p:txBody>
       </p:sp>
+      <p:graphicFrame>
+        <p:nvGraphicFramePr>
+          <p:cNvPr id="4" name="图示 3"/>
+          <p:cNvGraphicFramePr/>
+          <p:nvPr>
+            <p:extLst>
+              <p:ext uri="{D42A27DB-BD31-4B8C-83A1-F6EECF244321}">
+                <p14:modId xmlns:p14="http://schemas.microsoft.com/office/powerpoint/2010/main" val="305494317"/>
+              </p:ext>
+            </p:extLst>
+          </p:nvPr>
+        </p:nvGraphicFramePr>
+        <p:xfrm>
+          <a:off x="467544" y="3573016"/>
+          <a:ext cx="8136904" cy="3127896"/>
+        </p:xfrm>
+        <a:graphic>
+          <a:graphicData uri="http://schemas.openxmlformats.org/drawingml/2006/diagram">
+            <dgm:relIds xmlns:dgm="http://schemas.openxmlformats.org/drawingml/2006/diagram" xmlns:r="http://schemas.openxmlformats.org/officeDocument/2006/relationships" r:dm="rId2" r:lo="rId3" r:qs="rId4" r:cs="rId5"/>
+          </a:graphicData>
+        </a:graphic>
+      </p:graphicFrame>
     </p:spTree>
     <p:extLst>
       <p:ext uri="{BB962C8B-B14F-4D97-AF65-F5344CB8AC3E}">
@@ -27941,9 +34453,90 @@
   <p:timing>
     <p:tnLst>
       <p:par>
-        <p:cTn id="1" dur="indefinite" restart="never" nodeType="tmRoot"/>
+        <p:cTn id="1" dur="indefinite" restart="never" nodeType="tmRoot">
+          <p:childTnLst>
+            <p:seq concurrent="1" nextAc="seek">
+              <p:cTn id="2" dur="indefinite" nodeType="mainSeq">
+                <p:childTnLst>
+                  <p:par>
+                    <p:cTn id="3" fill="hold">
+                      <p:stCondLst>
+                        <p:cond delay="indefinite"/>
+                      </p:stCondLst>
+                      <p:childTnLst>
+                        <p:par>
+                          <p:cTn id="4" fill="hold">
+                            <p:stCondLst>
+                              <p:cond delay="0"/>
+                            </p:stCondLst>
+                            <p:childTnLst>
+                              <p:par>
+                                <p:cTn id="5" presetID="10" presetClass="entr" presetSubtype="0" fill="hold" grpId="0" nodeType="clickEffect">
+                                  <p:stCondLst>
+                                    <p:cond delay="0"/>
+                                  </p:stCondLst>
+                                  <p:childTnLst>
+                                    <p:set>
+                                      <p:cBhvr>
+                                        <p:cTn id="6" dur="1" fill="hold">
+                                          <p:stCondLst>
+                                            <p:cond delay="0"/>
+                                          </p:stCondLst>
+                                        </p:cTn>
+                                        <p:tgtEl>
+                                          <p:spTgt spid="4"/>
+                                        </p:tgtEl>
+                                        <p:attrNameLst>
+                                          <p:attrName>style.visibility</p:attrName>
+                                        </p:attrNameLst>
+                                      </p:cBhvr>
+                                      <p:to>
+                                        <p:strVal val="visible"/>
+                                      </p:to>
+                                    </p:set>
+                                    <p:animEffect transition="in" filter="fade">
+                                      <p:cBhvr>
+                                        <p:cTn id="7" dur="500"/>
+                                        <p:tgtEl>
+                                          <p:spTgt spid="4"/>
+                                        </p:tgtEl>
+                                      </p:cBhvr>
+                                    </p:animEffect>
+                                  </p:childTnLst>
+                                </p:cTn>
+                              </p:par>
+                            </p:childTnLst>
+                          </p:cTn>
+                        </p:par>
+                      </p:childTnLst>
+                    </p:cTn>
+                  </p:par>
+                </p:childTnLst>
+              </p:cTn>
+              <p:prevCondLst>
+                <p:cond evt="onPrev" delay="0">
+                  <p:tgtEl>
+                    <p:sldTgt/>
+                  </p:tgtEl>
+                </p:cond>
+              </p:prevCondLst>
+              <p:nextCondLst>
+                <p:cond evt="onNext" delay="0">
+                  <p:tgtEl>
+                    <p:sldTgt/>
+                  </p:tgtEl>
+                </p:cond>
+              </p:nextCondLst>
+            </p:seq>
+          </p:childTnLst>
+        </p:cTn>
       </p:par>
     </p:tnLst>
+    <p:bldLst>
+      <p:bldGraphic spid="4" grpId="0">
+        <p:bldAsOne/>
+      </p:bldGraphic>
+    </p:bldLst>
   </p:timing>
 </p:sld>
 </file>

--- a/manipulation.pptx
+++ b/manipulation.pptx
@@ -5,7 +5,7 @@
     <p:sldMasterId id="2147483876" r:id="rId1"/>
   </p:sldMasterIdLst>
   <p:notesMasterIdLst>
-    <p:notesMasterId r:id="rId21"/>
+    <p:notesMasterId r:id="rId29"/>
   </p:notesMasterIdLst>
   <p:sldIdLst>
     <p:sldId id="256" r:id="rId2"/>
@@ -18,15 +18,23 @@
     <p:sldId id="262" r:id="rId9"/>
     <p:sldId id="267" r:id="rId10"/>
     <p:sldId id="270" r:id="rId11"/>
-    <p:sldId id="264" r:id="rId12"/>
-    <p:sldId id="266" r:id="rId13"/>
-    <p:sldId id="268" r:id="rId14"/>
-    <p:sldId id="269" r:id="rId15"/>
-    <p:sldId id="258" r:id="rId16"/>
-    <p:sldId id="273" r:id="rId17"/>
-    <p:sldId id="271" r:id="rId18"/>
-    <p:sldId id="272" r:id="rId19"/>
-    <p:sldId id="274" r:id="rId20"/>
+    <p:sldId id="258" r:id="rId12"/>
+    <p:sldId id="276" r:id="rId13"/>
+    <p:sldId id="264" r:id="rId14"/>
+    <p:sldId id="266" r:id="rId15"/>
+    <p:sldId id="268" r:id="rId16"/>
+    <p:sldId id="269" r:id="rId17"/>
+    <p:sldId id="273" r:id="rId18"/>
+    <p:sldId id="271" r:id="rId19"/>
+    <p:sldId id="272" r:id="rId20"/>
+    <p:sldId id="274" r:id="rId21"/>
+    <p:sldId id="275" r:id="rId22"/>
+    <p:sldId id="277" r:id="rId23"/>
+    <p:sldId id="278" r:id="rId24"/>
+    <p:sldId id="279" r:id="rId25"/>
+    <p:sldId id="280" r:id="rId26"/>
+    <p:sldId id="281" r:id="rId27"/>
+    <p:sldId id="282" r:id="rId28"/>
   </p:sldIdLst>
   <p:sldSz cx="9144000" cy="6858000" type="screen4x3"/>
   <p:notesSz cx="6858000" cy="9144000"/>
@@ -5564,7 +5572,7 @@
         <a:lstStyle/>
         <a:p>
           <a:r>
-            <a:rPr lang="en-US" altLang="zh-CN" dirty="0" err="1" smtClean="0"/>
+            <a:rPr lang="en-US" altLang="zh-CN" dirty="0" smtClean="0"/>
             <a:t>parentNode</a:t>
           </a:r>
           <a:endParaRPr lang="zh-CN" altLang="en-US" dirty="0"/>
@@ -5850,24 +5858,24 @@
     </dgm:pt>
   </dgm:ptLst>
   <dgm:cxnLst>
+    <dgm:cxn modelId="{0DA9B849-5A12-41AB-9B91-D0A3E102D5C8}" type="presOf" srcId="{A570B297-9267-4C0D-8C3A-D2A487833FC6}" destId="{BABD95CC-38EE-4FB4-AA2D-FB2FF04048CA}" srcOrd="0" destOrd="0" presId="urn:microsoft.com/office/officeart/2005/8/layout/hierarchy6"/>
+    <dgm:cxn modelId="{8B7EBB05-08AB-4100-AFB0-57089314C208}" srcId="{308EED72-B955-4909-9596-962A7B9E4BF0}" destId="{354ACCF7-210E-426B-B076-9F9FE5E8BFC2}" srcOrd="1" destOrd="0" parTransId="{E467250F-F059-407C-BAF8-17DBA3D55F2D}" sibTransId="{25872F95-77A8-4E24-B804-00142A0ECFEC}"/>
+    <dgm:cxn modelId="{46C306AC-76E2-424C-BA17-7D8056C26534}" type="presOf" srcId="{5927FEF3-1F2F-4B70-B910-913B48F2DE1F}" destId="{901F9022-E967-4255-9BBD-A4D9FD098E23}" srcOrd="0" destOrd="0" presId="urn:microsoft.com/office/officeart/2005/8/layout/hierarchy6"/>
+    <dgm:cxn modelId="{BE3E4E9B-C478-4E3C-A193-A0C53474618C}" type="presOf" srcId="{308EED72-B955-4909-9596-962A7B9E4BF0}" destId="{04D248C9-0B06-4B9B-A1E1-6EE653403F61}" srcOrd="0" destOrd="0" presId="urn:microsoft.com/office/officeart/2005/8/layout/hierarchy6"/>
+    <dgm:cxn modelId="{9B2A9731-2485-48C8-8B42-97DF45B818D3}" type="presOf" srcId="{431FD47C-21DF-4147-B72D-8202BFC981E3}" destId="{65456A9F-7391-450D-B61E-5311232CFD7B}" srcOrd="0" destOrd="0" presId="urn:microsoft.com/office/officeart/2005/8/layout/hierarchy6"/>
+    <dgm:cxn modelId="{C6B597A3-6500-4845-B80B-80905B1DD80D}" srcId="{431FD47C-21DF-4147-B72D-8202BFC981E3}" destId="{5452653C-363F-45FC-AFF7-959B58673B08}" srcOrd="1" destOrd="0" parTransId="{BFBE3122-0BDD-46A3-8931-81D356E8B201}" sibTransId="{E9BA1F5D-8E7E-4CB7-B6E6-EC98941C7002}"/>
+    <dgm:cxn modelId="{C5B7E2D7-4C4D-4332-9AF0-380AE87054A7}" srcId="{431FD47C-21DF-4147-B72D-8202BFC981E3}" destId="{308EED72-B955-4909-9596-962A7B9E4BF0}" srcOrd="0" destOrd="0" parTransId="{FCAFE860-7D0D-4B11-AE61-97609090E92E}" sibTransId="{11AD264B-7D7C-4B34-B6A0-73B2EB012A49}"/>
+    <dgm:cxn modelId="{D3280BC1-56D2-4A2F-A551-E9987550A119}" type="presOf" srcId="{54C69B59-D2E4-48E7-AE76-271AA9856726}" destId="{04E8B994-334C-4654-B5A5-924B5F8579EA}" srcOrd="0" destOrd="0" presId="urn:microsoft.com/office/officeart/2005/8/layout/hierarchy6"/>
+    <dgm:cxn modelId="{12DE6061-A9D2-49A5-9F95-5C935ABA2A82}" type="presOf" srcId="{98351B23-3F89-4F34-9A3B-208E3B1AD018}" destId="{1A05406C-8B0B-4968-990B-0DB4B544163E}" srcOrd="0" destOrd="0" presId="urn:microsoft.com/office/officeart/2005/8/layout/hierarchy6"/>
+    <dgm:cxn modelId="{F8BF9C11-0CF2-48E0-BCBA-F53443122BB6}" srcId="{431FD47C-21DF-4147-B72D-8202BFC981E3}" destId="{98351B23-3F89-4F34-9A3B-208E3B1AD018}" srcOrd="2" destOrd="0" parTransId="{16306997-46A9-4F51-9E51-38774671F07E}" sibTransId="{AA125E8B-B902-4C48-B9FC-847F6BDD3DC6}"/>
+    <dgm:cxn modelId="{A384BBB8-9D02-4E07-99A3-14D92000ABD4}" type="presOf" srcId="{354ACCF7-210E-426B-B076-9F9FE5E8BFC2}" destId="{A444287F-FB55-461E-8FFD-3E7B296DA7E0}" srcOrd="0" destOrd="0" presId="urn:microsoft.com/office/officeart/2005/8/layout/hierarchy6"/>
+    <dgm:cxn modelId="{E5DED8DE-CC04-440F-81FC-51AFC3B15C98}" type="presOf" srcId="{5452653C-363F-45FC-AFF7-959B58673B08}" destId="{A6E666FF-E70B-4540-855A-AFBB537B9327}" srcOrd="0" destOrd="0" presId="urn:microsoft.com/office/officeart/2005/8/layout/hierarchy6"/>
     <dgm:cxn modelId="{D26AFD39-CECA-4C6E-964D-E1B52394D8BE}" srcId="{308EED72-B955-4909-9596-962A7B9E4BF0}" destId="{54C69B59-D2E4-48E7-AE76-271AA9856726}" srcOrd="0" destOrd="0" parTransId="{4A792B34-B29F-4432-A207-0612E50F6A45}" sibTransId="{ED2D5B36-4487-481A-A54B-FD574AFB3A72}"/>
-    <dgm:cxn modelId="{C6B597A3-6500-4845-B80B-80905B1DD80D}" srcId="{431FD47C-21DF-4147-B72D-8202BFC981E3}" destId="{5452653C-363F-45FC-AFF7-959B58673B08}" srcOrd="1" destOrd="0" parTransId="{BFBE3122-0BDD-46A3-8931-81D356E8B201}" sibTransId="{E9BA1F5D-8E7E-4CB7-B6E6-EC98941C7002}"/>
     <dgm:cxn modelId="{21DCBC05-87D5-49A5-9DDC-45BDA0BA8BC0}" srcId="{308EED72-B955-4909-9596-962A7B9E4BF0}" destId="{5927FEF3-1F2F-4B70-B910-913B48F2DE1F}" srcOrd="2" destOrd="0" parTransId="{A570B297-9267-4C0D-8C3A-D2A487833FC6}" sibTransId="{A181990E-B622-4D39-908F-F91EC2A20A35}"/>
-    <dgm:cxn modelId="{8B7EBB05-08AB-4100-AFB0-57089314C208}" srcId="{308EED72-B955-4909-9596-962A7B9E4BF0}" destId="{354ACCF7-210E-426B-B076-9F9FE5E8BFC2}" srcOrd="1" destOrd="0" parTransId="{E467250F-F059-407C-BAF8-17DBA3D55F2D}" sibTransId="{25872F95-77A8-4E24-B804-00142A0ECFEC}"/>
+    <dgm:cxn modelId="{7E13AB0E-9720-49A7-ACF1-F0F0D4A3BB7E}" type="presOf" srcId="{4A792B34-B29F-4432-A207-0612E50F6A45}" destId="{D363D8BE-A8D0-43D2-88C9-6119156624E5}" srcOrd="0" destOrd="0" presId="urn:microsoft.com/office/officeart/2005/8/layout/hierarchy6"/>
+    <dgm:cxn modelId="{E47F9A45-53A8-4BDF-A188-76F21D7ADFC1}" type="presOf" srcId="{E467250F-F059-407C-BAF8-17DBA3D55F2D}" destId="{ACEF6C2C-FC93-48BA-A5EE-5CE669C46889}" srcOrd="0" destOrd="0" presId="urn:microsoft.com/office/officeart/2005/8/layout/hierarchy6"/>
+    <dgm:cxn modelId="{1F6DCD9B-802C-4715-85D3-2E8E7000E77B}" type="presOf" srcId="{5452653C-363F-45FC-AFF7-959B58673B08}" destId="{D15C4938-1ED4-4239-B5D7-F45053C3E9A3}" srcOrd="1" destOrd="0" presId="urn:microsoft.com/office/officeart/2005/8/layout/hierarchy6"/>
     <dgm:cxn modelId="{78B9CF00-2373-45BD-9F5E-A03736A0BA4D}" type="presOf" srcId="{98351B23-3F89-4F34-9A3B-208E3B1AD018}" destId="{846B3BA7-0096-42B1-AEF5-818B99AAF7F9}" srcOrd="1" destOrd="0" presId="urn:microsoft.com/office/officeart/2005/8/layout/hierarchy6"/>
-    <dgm:cxn modelId="{0DA9B849-5A12-41AB-9B91-D0A3E102D5C8}" type="presOf" srcId="{A570B297-9267-4C0D-8C3A-D2A487833FC6}" destId="{BABD95CC-38EE-4FB4-AA2D-FB2FF04048CA}" srcOrd="0" destOrd="0" presId="urn:microsoft.com/office/officeart/2005/8/layout/hierarchy6"/>
-    <dgm:cxn modelId="{BE3E4E9B-C478-4E3C-A193-A0C53474618C}" type="presOf" srcId="{308EED72-B955-4909-9596-962A7B9E4BF0}" destId="{04D248C9-0B06-4B9B-A1E1-6EE653403F61}" srcOrd="0" destOrd="0" presId="urn:microsoft.com/office/officeart/2005/8/layout/hierarchy6"/>
-    <dgm:cxn modelId="{1F6DCD9B-802C-4715-85D3-2E8E7000E77B}" type="presOf" srcId="{5452653C-363F-45FC-AFF7-959B58673B08}" destId="{D15C4938-1ED4-4239-B5D7-F45053C3E9A3}" srcOrd="1" destOrd="0" presId="urn:microsoft.com/office/officeart/2005/8/layout/hierarchy6"/>
-    <dgm:cxn modelId="{F8BF9C11-0CF2-48E0-BCBA-F53443122BB6}" srcId="{431FD47C-21DF-4147-B72D-8202BFC981E3}" destId="{98351B23-3F89-4F34-9A3B-208E3B1AD018}" srcOrd="2" destOrd="0" parTransId="{16306997-46A9-4F51-9E51-38774671F07E}" sibTransId="{AA125E8B-B902-4C48-B9FC-847F6BDD3DC6}"/>
-    <dgm:cxn modelId="{E5DED8DE-CC04-440F-81FC-51AFC3B15C98}" type="presOf" srcId="{5452653C-363F-45FC-AFF7-959B58673B08}" destId="{A6E666FF-E70B-4540-855A-AFBB537B9327}" srcOrd="0" destOrd="0" presId="urn:microsoft.com/office/officeart/2005/8/layout/hierarchy6"/>
-    <dgm:cxn modelId="{D3280BC1-56D2-4A2F-A551-E9987550A119}" type="presOf" srcId="{54C69B59-D2E4-48E7-AE76-271AA9856726}" destId="{04E8B994-334C-4654-B5A5-924B5F8579EA}" srcOrd="0" destOrd="0" presId="urn:microsoft.com/office/officeart/2005/8/layout/hierarchy6"/>
-    <dgm:cxn modelId="{46C306AC-76E2-424C-BA17-7D8056C26534}" type="presOf" srcId="{5927FEF3-1F2F-4B70-B910-913B48F2DE1F}" destId="{901F9022-E967-4255-9BBD-A4D9FD098E23}" srcOrd="0" destOrd="0" presId="urn:microsoft.com/office/officeart/2005/8/layout/hierarchy6"/>
-    <dgm:cxn modelId="{7E13AB0E-9720-49A7-ACF1-F0F0D4A3BB7E}" type="presOf" srcId="{4A792B34-B29F-4432-A207-0612E50F6A45}" destId="{D363D8BE-A8D0-43D2-88C9-6119156624E5}" srcOrd="0" destOrd="0" presId="urn:microsoft.com/office/officeart/2005/8/layout/hierarchy6"/>
-    <dgm:cxn modelId="{9B2A9731-2485-48C8-8B42-97DF45B818D3}" type="presOf" srcId="{431FD47C-21DF-4147-B72D-8202BFC981E3}" destId="{65456A9F-7391-450D-B61E-5311232CFD7B}" srcOrd="0" destOrd="0" presId="urn:microsoft.com/office/officeart/2005/8/layout/hierarchy6"/>
-    <dgm:cxn modelId="{C5B7E2D7-4C4D-4332-9AF0-380AE87054A7}" srcId="{431FD47C-21DF-4147-B72D-8202BFC981E3}" destId="{308EED72-B955-4909-9596-962A7B9E4BF0}" srcOrd="0" destOrd="0" parTransId="{FCAFE860-7D0D-4B11-AE61-97609090E92E}" sibTransId="{11AD264B-7D7C-4B34-B6A0-73B2EB012A49}"/>
-    <dgm:cxn modelId="{A384BBB8-9D02-4E07-99A3-14D92000ABD4}" type="presOf" srcId="{354ACCF7-210E-426B-B076-9F9FE5E8BFC2}" destId="{A444287F-FB55-461E-8FFD-3E7B296DA7E0}" srcOrd="0" destOrd="0" presId="urn:microsoft.com/office/officeart/2005/8/layout/hierarchy6"/>
-    <dgm:cxn modelId="{12DE6061-A9D2-49A5-9F95-5C935ABA2A82}" type="presOf" srcId="{98351B23-3F89-4F34-9A3B-208E3B1AD018}" destId="{1A05406C-8B0B-4968-990B-0DB4B544163E}" srcOrd="0" destOrd="0" presId="urn:microsoft.com/office/officeart/2005/8/layout/hierarchy6"/>
-    <dgm:cxn modelId="{E47F9A45-53A8-4BDF-A188-76F21D7ADFC1}" type="presOf" srcId="{E467250F-F059-407C-BAF8-17DBA3D55F2D}" destId="{ACEF6C2C-FC93-48BA-A5EE-5CE669C46889}" srcOrd="0" destOrd="0" presId="urn:microsoft.com/office/officeart/2005/8/layout/hierarchy6"/>
     <dgm:cxn modelId="{8F691FCA-E5CA-48B5-A233-077CC61993DB}" type="presParOf" srcId="{65456A9F-7391-450D-B61E-5311232CFD7B}" destId="{9C4444C7-5B4F-41FF-AD0C-27FD68682037}" srcOrd="0" destOrd="0" presId="urn:microsoft.com/office/officeart/2005/8/layout/hierarchy6"/>
     <dgm:cxn modelId="{5D28DBEE-56E6-4D57-A8F2-189951A76B27}" type="presParOf" srcId="{9C4444C7-5B4F-41FF-AD0C-27FD68682037}" destId="{17A9FB45-9CE1-46A0-806F-E44216830BB8}" srcOrd="0" destOrd="0" presId="urn:microsoft.com/office/officeart/2005/8/layout/hierarchy6"/>
     <dgm:cxn modelId="{07F69FDE-60E4-456E-8611-961D8439BD01}" type="presParOf" srcId="{9C4444C7-5B4F-41FF-AD0C-27FD68682037}" destId="{ADE0DA0C-44B5-40E7-A862-3E09E03BB0EB}" srcOrd="1" destOrd="0" presId="urn:microsoft.com/office/officeart/2005/8/layout/hierarchy6"/>
@@ -5923,21 +5931,15 @@
           <a:pPr algn="l"/>
           <a:r>
             <a:rPr lang="en-US" altLang="zh-CN" dirty="0" smtClean="0"/>
-            <a:t>Input (String) </a:t>
+            <a:t>Input (String) :</a:t>
           </a:r>
-          <a:r>
-            <a:rPr lang="en-US" altLang="zh-CN" dirty="0" smtClean="0"/>
-            <a:t>:</a:t>
-          </a:r>
-          <a:endParaRPr lang="en-US" altLang="zh-CN" dirty="0" smtClean="0"/>
         </a:p>
         <a:p>
           <a:pPr algn="l"/>
           <a:r>
-            <a:rPr lang="en-US" altLang="zh-CN" dirty="0" err="1" smtClean="0"/>
+            <a:rPr lang="en-US" altLang="zh-CN" dirty="0" smtClean="0"/>
             <a:t>TagName</a:t>
           </a:r>
-          <a:endParaRPr lang="en-US" altLang="zh-CN" dirty="0" smtClean="0"/>
         </a:p>
         <a:p>
           <a:pPr algn="l"/>
@@ -5945,19 +5947,13 @@
             <a:rPr lang="en-US" altLang="zh-CN" dirty="0" smtClean="0"/>
             <a:t>Text </a:t>
           </a:r>
-          <a:endParaRPr lang="en-US" altLang="zh-CN" dirty="0" smtClean="0"/>
         </a:p>
         <a:p>
           <a:pPr algn="l"/>
           <a:r>
             <a:rPr lang="en-US" altLang="zh-CN" dirty="0" smtClean="0"/>
-            <a:t>No </a:t>
+            <a:t>No arg</a:t>
           </a:r>
-          <a:r>
-            <a:rPr lang="en-US" altLang="zh-CN" dirty="0" err="1" smtClean="0"/>
-            <a:t>arg</a:t>
-          </a:r>
-          <a:endParaRPr lang="en-US" altLang="zh-CN" dirty="0" smtClean="0"/>
         </a:p>
       </dgm:t>
     </dgm:pt>
@@ -5993,33 +5989,22 @@
           <a:pPr algn="l"/>
           <a:r>
             <a:rPr lang="en-US" altLang="zh-CN" dirty="0" smtClean="0"/>
-            <a:t>Output(Node </a:t>
+            <a:t>Output(Node -&gt;Object)</a:t>
           </a:r>
-          <a:r>
-            <a:rPr lang="en-US" altLang="zh-CN" dirty="0" smtClean="0"/>
-            <a:t>-&gt;Object</a:t>
-          </a:r>
-          <a:r>
-            <a:rPr lang="en-US" altLang="zh-CN" dirty="0" smtClean="0"/>
-            <a:t>)</a:t>
-          </a:r>
-          <a:endParaRPr lang="en-US" altLang="zh-CN" dirty="0" smtClean="0"/>
         </a:p>
         <a:p>
           <a:pPr algn="l"/>
           <a:r>
-            <a:rPr lang="en-US" altLang="zh-CN" dirty="0" err="1" smtClean="0"/>
+            <a:rPr lang="en-US" altLang="zh-CN" dirty="0" smtClean="0"/>
             <a:t>HTMLElement</a:t>
           </a:r>
-          <a:endParaRPr lang="en-US" altLang="zh-CN" dirty="0" smtClean="0"/>
         </a:p>
         <a:p>
           <a:pPr algn="l"/>
           <a:r>
-            <a:rPr lang="en-US" altLang="zh-CN" dirty="0" err="1" smtClean="0"/>
+            <a:rPr lang="en-US" altLang="zh-CN" dirty="0" smtClean="0"/>
             <a:t>HTMLText</a:t>
           </a:r>
-          <a:endParaRPr lang="en-US" altLang="zh-CN" dirty="0" smtClean="0"/>
         </a:p>
         <a:p>
           <a:pPr algn="l"/>
@@ -6168,17 +6153,16 @@
         <a:p>
           <a:pPr algn="l"/>
           <a:r>
-            <a:rPr lang="en-US" altLang="zh-CN" smtClean="0"/>
+            <a:rPr lang="en-US" altLang="zh-CN" dirty="0" smtClean="0"/>
             <a:t>TagName</a:t>
           </a:r>
         </a:p>
         <a:p>
           <a:pPr algn="l"/>
           <a:r>
-            <a:rPr lang="en-US" altLang="zh-CN" smtClean="0"/>
+            <a:rPr lang="en-US" altLang="zh-CN" dirty="0" smtClean="0"/>
             <a:t>ClassName</a:t>
           </a:r>
-          <a:endParaRPr lang="en-US" altLang="zh-CN" dirty="0" smtClean="0"/>
         </a:p>
       </dgm:t>
     </dgm:pt>
@@ -6213,26 +6197,21 @@
         <a:p>
           <a:pPr algn="l"/>
           <a:r>
-            <a:rPr lang="en-US" altLang="zh-CN" smtClean="0"/>
-            <a:t>Output(Element </a:t>
-          </a:r>
-          <a:r>
             <a:rPr lang="en-US" altLang="zh-CN" dirty="0" smtClean="0"/>
-            <a:t>-&gt;Object)</a:t>
+            <a:t>Output(Element -&gt;Object)</a:t>
           </a:r>
         </a:p>
         <a:p>
           <a:pPr algn="l"/>
           <a:r>
-            <a:rPr lang="en-US" altLang="zh-CN" dirty="0" err="1" smtClean="0"/>
+            <a:rPr lang="en-US" altLang="zh-CN" dirty="0" smtClean="0"/>
             <a:t>HTMLElement</a:t>
           </a:r>
-          <a:endParaRPr lang="en-US" altLang="zh-CN" dirty="0" smtClean="0"/>
         </a:p>
         <a:p>
           <a:pPr algn="l"/>
           <a:r>
-            <a:rPr lang="en-US" altLang="zh-CN" dirty="0" err="1" smtClean="0"/>
+            <a:rPr lang="en-US" altLang="zh-CN" dirty="0" smtClean="0"/>
             <a:t>HTMLCollection</a:t>
           </a:r>
           <a:endParaRPr lang="zh-CN" altLang="en-US" dirty="0"/>
@@ -6401,7 +6380,7 @@
         <a:lstStyle/>
         <a:p>
           <a:r>
-            <a:rPr lang="en-US" altLang="zh-CN" dirty="0" err="1" smtClean="0"/>
+            <a:rPr lang="en-US" altLang="zh-CN" dirty="0" smtClean="0"/>
             <a:t>HTMLCollection</a:t>
           </a:r>
           <a:endParaRPr lang="zh-CN" altLang="en-US" dirty="0"/>
@@ -6626,11 +6605,7 @@
           <a:pPr algn="l"/>
           <a:r>
             <a:rPr lang="en-US" altLang="zh-CN" dirty="0" smtClean="0"/>
-            <a:t>Input </a:t>
-          </a:r>
-          <a:r>
-            <a:rPr lang="en-US" altLang="zh-CN" dirty="0" smtClean="0"/>
-            <a:t>(Selector) :</a:t>
+            <a:t>Input (Selector) :</a:t>
           </a:r>
         </a:p>
         <a:p>
@@ -6653,7 +6628,6 @@
             <a:rPr lang="en-US" altLang="zh-CN" dirty="0" smtClean="0"/>
             <a:t>tag</a:t>
           </a:r>
-          <a:endParaRPr lang="en-US" altLang="zh-CN" dirty="0" smtClean="0"/>
         </a:p>
       </dgm:t>
     </dgm:pt>
@@ -6689,11 +6663,7 @@
           <a:pPr algn="l"/>
           <a:r>
             <a:rPr lang="en-US" altLang="zh-CN" dirty="0" smtClean="0"/>
-            <a:t>Output(Node </a:t>
-          </a:r>
-          <a:r>
-            <a:rPr lang="en-US" altLang="zh-CN" dirty="0" smtClean="0"/>
-            <a:t>-&gt;Object)</a:t>
+            <a:t>Output(Node -&gt;Object)</a:t>
           </a:r>
         </a:p>
         <a:p>
@@ -6702,12 +6672,11 @@
             <a:rPr lang="en-US" altLang="zh-CN" dirty="0" smtClean="0"/>
             <a:t>Node</a:t>
           </a:r>
-          <a:endParaRPr lang="en-US" altLang="zh-CN" dirty="0" smtClean="0"/>
         </a:p>
         <a:p>
           <a:pPr algn="l"/>
           <a:r>
-            <a:rPr lang="en-US" altLang="zh-CN" dirty="0" err="1" smtClean="0"/>
+            <a:rPr lang="en-US" altLang="zh-CN" dirty="0" smtClean="0"/>
             <a:t>NodeList</a:t>
           </a:r>
           <a:endParaRPr lang="zh-CN" altLang="en-US" dirty="0"/>
@@ -8425,7 +8394,7 @@
             </a:spcAft>
           </a:pPr>
           <a:r>
-            <a:rPr lang="en-US" altLang="zh-CN" sz="3000" kern="1200" dirty="0" err="1" smtClean="0"/>
+            <a:rPr lang="en-US" altLang="zh-CN" sz="3000" kern="1200" dirty="0" smtClean="0"/>
             <a:t>parentNode</a:t>
           </a:r>
           <a:endParaRPr lang="zh-CN" altLang="en-US" sz="3000" kern="1200" dirty="0"/>
@@ -9016,13 +8985,8 @@
           </a:pPr>
           <a:r>
             <a:rPr lang="en-US" altLang="zh-CN" sz="2100" kern="1200" dirty="0" smtClean="0"/>
-            <a:t>Input (String) </a:t>
+            <a:t>Input (String) :</a:t>
           </a:r>
-          <a:r>
-            <a:rPr lang="en-US" altLang="zh-CN" sz="2100" kern="1200" dirty="0" smtClean="0"/>
-            <a:t>:</a:t>
-          </a:r>
-          <a:endParaRPr lang="en-US" altLang="zh-CN" sz="2100" kern="1200" dirty="0" smtClean="0"/>
         </a:p>
         <a:p>
           <a:pPr lvl="0" algn="l" defTabSz="933450">
@@ -9037,10 +9001,9 @@
             </a:spcAft>
           </a:pPr>
           <a:r>
-            <a:rPr lang="en-US" altLang="zh-CN" sz="2100" kern="1200" dirty="0" err="1" smtClean="0"/>
+            <a:rPr lang="en-US" altLang="zh-CN" sz="2100" kern="1200" dirty="0" smtClean="0"/>
             <a:t>TagName</a:t>
           </a:r>
-          <a:endParaRPr lang="en-US" altLang="zh-CN" sz="2100" kern="1200" dirty="0" smtClean="0"/>
         </a:p>
         <a:p>
           <a:pPr lvl="0" algn="l" defTabSz="933450">
@@ -9058,7 +9021,6 @@
             <a:rPr lang="en-US" altLang="zh-CN" sz="2100" kern="1200" dirty="0" smtClean="0"/>
             <a:t>Text </a:t>
           </a:r>
-          <a:endParaRPr lang="en-US" altLang="zh-CN" sz="2100" kern="1200" dirty="0" smtClean="0"/>
         </a:p>
         <a:p>
           <a:pPr lvl="0" algn="l" defTabSz="933450">
@@ -9074,13 +9036,8 @@
           </a:pPr>
           <a:r>
             <a:rPr lang="en-US" altLang="zh-CN" sz="2100" kern="1200" dirty="0" smtClean="0"/>
-            <a:t>No </a:t>
+            <a:t>No arg</a:t>
           </a:r>
-          <a:r>
-            <a:rPr lang="en-US" altLang="zh-CN" sz="2100" kern="1200" dirty="0" err="1" smtClean="0"/>
-            <a:t>arg</a:t>
-          </a:r>
-          <a:endParaRPr lang="en-US" altLang="zh-CN" sz="2100" kern="1200" dirty="0" smtClean="0"/>
         </a:p>
       </dsp:txBody>
       <dsp:txXfrm>
@@ -9226,17 +9183,8 @@
           </a:pPr>
           <a:r>
             <a:rPr lang="en-US" altLang="zh-CN" sz="2100" kern="1200" dirty="0" smtClean="0"/>
-            <a:t>Output(Node </a:t>
+            <a:t>Output(Node -&gt;Object)</a:t>
           </a:r>
-          <a:r>
-            <a:rPr lang="en-US" altLang="zh-CN" sz="2100" kern="1200" dirty="0" smtClean="0"/>
-            <a:t>-&gt;Object</a:t>
-          </a:r>
-          <a:r>
-            <a:rPr lang="en-US" altLang="zh-CN" sz="2100" kern="1200" dirty="0" smtClean="0"/>
-            <a:t>)</a:t>
-          </a:r>
-          <a:endParaRPr lang="en-US" altLang="zh-CN" sz="2100" kern="1200" dirty="0" smtClean="0"/>
         </a:p>
         <a:p>
           <a:pPr lvl="0" algn="l" defTabSz="933450">
@@ -9251,10 +9199,9 @@
             </a:spcAft>
           </a:pPr>
           <a:r>
-            <a:rPr lang="en-US" altLang="zh-CN" sz="2100" kern="1200" dirty="0" err="1" smtClean="0"/>
+            <a:rPr lang="en-US" altLang="zh-CN" sz="2100" kern="1200" dirty="0" smtClean="0"/>
             <a:t>HTMLElement</a:t>
           </a:r>
-          <a:endParaRPr lang="en-US" altLang="zh-CN" sz="2100" kern="1200" dirty="0" smtClean="0"/>
         </a:p>
         <a:p>
           <a:pPr lvl="0" algn="l" defTabSz="933450">
@@ -9269,10 +9216,9 @@
             </a:spcAft>
           </a:pPr>
           <a:r>
-            <a:rPr lang="en-US" altLang="zh-CN" sz="2100" kern="1200" dirty="0" err="1" smtClean="0"/>
+            <a:rPr lang="en-US" altLang="zh-CN" sz="2100" kern="1200" dirty="0" smtClean="0"/>
             <a:t>HTMLText</a:t>
           </a:r>
-          <a:endParaRPr lang="en-US" altLang="zh-CN" sz="2100" kern="1200" dirty="0" smtClean="0"/>
         </a:p>
         <a:p>
           <a:pPr lvl="0" algn="l" defTabSz="933450">
@@ -9412,7 +9358,7 @@
             </a:spcAft>
           </a:pPr>
           <a:r>
-            <a:rPr lang="en-US" altLang="zh-CN" sz="2200" kern="1200" smtClean="0"/>
+            <a:rPr lang="en-US" altLang="zh-CN" sz="2200" kern="1200" dirty="0" smtClean="0"/>
             <a:t>TagName</a:t>
           </a:r>
         </a:p>
@@ -9429,10 +9375,9 @@
             </a:spcAft>
           </a:pPr>
           <a:r>
-            <a:rPr lang="en-US" altLang="zh-CN" sz="2200" kern="1200" smtClean="0"/>
+            <a:rPr lang="en-US" altLang="zh-CN" sz="2200" kern="1200" dirty="0" smtClean="0"/>
             <a:t>ClassName</a:t>
           </a:r>
-          <a:endParaRPr lang="en-US" altLang="zh-CN" sz="2200" kern="1200" dirty="0" smtClean="0"/>
         </a:p>
       </dsp:txBody>
       <dsp:txXfrm>
@@ -9577,12 +9522,8 @@
             </a:spcAft>
           </a:pPr>
           <a:r>
-            <a:rPr lang="en-US" altLang="zh-CN" sz="2200" kern="1200" smtClean="0"/>
-            <a:t>Output(Element </a:t>
-          </a:r>
-          <a:r>
             <a:rPr lang="en-US" altLang="zh-CN" sz="2200" kern="1200" dirty="0" smtClean="0"/>
-            <a:t>-&gt;Object)</a:t>
+            <a:t>Output(Element -&gt;Object)</a:t>
           </a:r>
         </a:p>
         <a:p>
@@ -9598,10 +9539,9 @@
             </a:spcAft>
           </a:pPr>
           <a:r>
-            <a:rPr lang="en-US" altLang="zh-CN" sz="2200" kern="1200" dirty="0" err="1" smtClean="0"/>
+            <a:rPr lang="en-US" altLang="zh-CN" sz="2200" kern="1200" dirty="0" smtClean="0"/>
             <a:t>HTMLElement</a:t>
           </a:r>
-          <a:endParaRPr lang="en-US" altLang="zh-CN" sz="2200" kern="1200" dirty="0" smtClean="0"/>
         </a:p>
         <a:p>
           <a:pPr lvl="0" algn="l" defTabSz="977900">
@@ -9616,7 +9556,7 @@
             </a:spcAft>
           </a:pPr>
           <a:r>
-            <a:rPr lang="en-US" altLang="zh-CN" sz="2200" kern="1200" dirty="0" err="1" smtClean="0"/>
+            <a:rPr lang="en-US" altLang="zh-CN" sz="2200" kern="1200" dirty="0" smtClean="0"/>
             <a:t>HTMLCollection</a:t>
           </a:r>
           <a:endParaRPr lang="zh-CN" altLang="en-US" sz="2200" kern="1200" dirty="0"/>
@@ -9922,7 +9862,7 @@
             </a:spcAft>
           </a:pPr>
           <a:r>
-            <a:rPr lang="en-US" altLang="zh-CN" sz="2200" kern="1200" dirty="0" err="1" smtClean="0"/>
+            <a:rPr lang="en-US" altLang="zh-CN" sz="2200" kern="1200" dirty="0" smtClean="0"/>
             <a:t>HTMLCollection</a:t>
           </a:r>
           <a:endParaRPr lang="zh-CN" altLang="en-US" sz="2200" kern="1200" dirty="0"/>
@@ -10014,11 +9954,7 @@
           </a:pPr>
           <a:r>
             <a:rPr lang="en-US" altLang="zh-CN" sz="2200" kern="1200" dirty="0" smtClean="0"/>
-            <a:t>Input </a:t>
-          </a:r>
-          <a:r>
-            <a:rPr lang="en-US" altLang="zh-CN" sz="2200" kern="1200" dirty="0" smtClean="0"/>
-            <a:t>(Selector) :</a:t>
+            <a:t>Input (Selector) :</a:t>
           </a:r>
         </a:p>
         <a:p>
@@ -10071,7 +10007,6 @@
             <a:rPr lang="en-US" altLang="zh-CN" sz="2200" kern="1200" dirty="0" smtClean="0"/>
             <a:t>tag</a:t>
           </a:r>
-          <a:endParaRPr lang="en-US" altLang="zh-CN" sz="2200" kern="1200" dirty="0" smtClean="0"/>
         </a:p>
       </dsp:txBody>
       <dsp:txXfrm>
@@ -10217,11 +10152,7 @@
           </a:pPr>
           <a:r>
             <a:rPr lang="en-US" altLang="zh-CN" sz="2200" kern="1200" dirty="0" smtClean="0"/>
-            <a:t>Output(Node </a:t>
-          </a:r>
-          <a:r>
-            <a:rPr lang="en-US" altLang="zh-CN" sz="2200" kern="1200" dirty="0" smtClean="0"/>
-            <a:t>-&gt;Object)</a:t>
+            <a:t>Output(Node -&gt;Object)</a:t>
           </a:r>
         </a:p>
         <a:p>
@@ -10240,7 +10171,6 @@
             <a:rPr lang="en-US" altLang="zh-CN" sz="2200" kern="1200" dirty="0" smtClean="0"/>
             <a:t>Node</a:t>
           </a:r>
-          <a:endParaRPr lang="en-US" altLang="zh-CN" sz="2200" kern="1200" dirty="0" smtClean="0"/>
         </a:p>
         <a:p>
           <a:pPr lvl="0" algn="l" defTabSz="977900">
@@ -10255,7 +10185,7 @@
             </a:spcAft>
           </a:pPr>
           <a:r>
-            <a:rPr lang="en-US" altLang="zh-CN" sz="2200" kern="1200" dirty="0" err="1" smtClean="0"/>
+            <a:rPr lang="en-US" altLang="zh-CN" sz="2200" kern="1200" dirty="0" smtClean="0"/>
             <a:t>NodeList</a:t>
           </a:r>
           <a:endParaRPr lang="zh-CN" altLang="en-US" sz="2200" kern="1200" dirty="0"/>
@@ -18665,7 +18595,7 @@
           <a:p>
             <a:fld id="{5A06C713-31A1-4FFE-B62B-D9AF1053C39B}" type="datetimeFigureOut">
               <a:rPr lang="zh-CN" altLang="en-US" smtClean="0"/>
-              <a:t>2015/9/23</a:t>
+              <a:t>2015/9/24</a:t>
             </a:fld>
             <a:endParaRPr lang="zh-CN" altLang="en-US"/>
           </a:p>
@@ -19154,12 +19084,8 @@
           <a:lstStyle/>
           <a:p>
             <a:r>
-              <a:rPr lang="en-US" altLang="zh-CN" dirty="0" err="1" smtClean="0"/>
-              <a:t>HTMLCollection</a:t>
-            </a:r>
-            <a:r>
               <a:rPr lang="en-US" altLang="zh-CN" dirty="0" smtClean="0"/>
-              <a:t> </a:t>
+              <a:t>HTMLCollection </a:t>
             </a:r>
             <a:r>
               <a:rPr lang="zh-CN" altLang="en-US" dirty="0" smtClean="0"/>
@@ -19194,7 +19120,7 @@
           <a:p>
             <a:fld id="{C2605BAB-26FE-4D91-BC75-A3931684AB90}" type="slidenum">
               <a:rPr lang="zh-CN" altLang="en-US" smtClean="0"/>
-              <a:t>11</a:t>
+              <a:t>13</a:t>
             </a:fld>
             <a:endParaRPr lang="zh-CN" altLang="en-US"/>
           </a:p>
@@ -19278,7 +19204,7 @@
           <a:p>
             <a:fld id="{C2605BAB-26FE-4D91-BC75-A3931684AB90}" type="slidenum">
               <a:rPr lang="zh-CN" altLang="en-US" smtClean="0"/>
-              <a:t>13</a:t>
+              <a:t>15</a:t>
             </a:fld>
             <a:endParaRPr lang="zh-CN" altLang="en-US"/>
           </a:p>
@@ -19288,6 +19214,90 @@
     <p:extLst>
       <p:ext uri="{BB962C8B-B14F-4D97-AF65-F5344CB8AC3E}">
         <p14:creationId xmlns:p14="http://schemas.microsoft.com/office/powerpoint/2010/main" val="2199245974"/>
+      </p:ext>
+    </p:extLst>
+  </p:cSld>
+  <p:clrMapOvr>
+    <a:masterClrMapping/>
+  </p:clrMapOvr>
+</p:notes>
+</file>
+
+<file path=ppt/notesSlides/notesSlide5.xml><?xml version="1.0" encoding="utf-8"?>
+<p:notes xmlns:a="http://schemas.openxmlformats.org/drawingml/2006/main" xmlns:r="http://schemas.openxmlformats.org/officeDocument/2006/relationships" xmlns:p="http://schemas.openxmlformats.org/presentationml/2006/main">
+  <p:cSld>
+    <p:spTree>
+      <p:nvGrpSpPr>
+        <p:cNvPr id="1" name=""/>
+        <p:cNvGrpSpPr/>
+        <p:nvPr/>
+      </p:nvGrpSpPr>
+      <p:grpSpPr>
+        <a:xfrm>
+          <a:off x="0" y="0"/>
+          <a:ext cx="0" cy="0"/>
+          <a:chOff x="0" y="0"/>
+          <a:chExt cx="0" cy="0"/>
+        </a:xfrm>
+      </p:grpSpPr>
+      <p:sp>
+        <p:nvSpPr>
+          <p:cNvPr id="2" name="幻灯片图像占位符 1"/>
+          <p:cNvSpPr>
+            <a:spLocks noGrp="1" noRot="1" noChangeAspect="1"/>
+          </p:cNvSpPr>
+          <p:nvPr>
+            <p:ph type="sldImg"/>
+          </p:nvPr>
+        </p:nvSpPr>
+        <p:spPr/>
+      </p:sp>
+      <p:sp>
+        <p:nvSpPr>
+          <p:cNvPr id="3" name="备注占位符 2"/>
+          <p:cNvSpPr>
+            <a:spLocks noGrp="1"/>
+          </p:cNvSpPr>
+          <p:nvPr>
+            <p:ph type="body" idx="1"/>
+          </p:nvPr>
+        </p:nvSpPr>
+        <p:spPr/>
+        <p:txBody>
+          <a:bodyPr/>
+          <a:lstStyle/>
+          <a:p>
+            <a:endParaRPr lang="zh-CN" altLang="en-US" dirty="0"/>
+          </a:p>
+        </p:txBody>
+      </p:sp>
+      <p:sp>
+        <p:nvSpPr>
+          <p:cNvPr id="4" name="灯片编号占位符 3"/>
+          <p:cNvSpPr>
+            <a:spLocks noGrp="1"/>
+          </p:cNvSpPr>
+          <p:nvPr>
+            <p:ph type="sldNum" sz="quarter" idx="10"/>
+          </p:nvPr>
+        </p:nvSpPr>
+        <p:spPr/>
+        <p:txBody>
+          <a:bodyPr/>
+          <a:lstStyle/>
+          <a:p>
+            <a:fld id="{C2605BAB-26FE-4D91-BC75-A3931684AB90}" type="slidenum">
+              <a:rPr lang="zh-CN" altLang="en-US" smtClean="0"/>
+              <a:t>24</a:t>
+            </a:fld>
+            <a:endParaRPr lang="zh-CN" altLang="en-US"/>
+          </a:p>
+        </p:txBody>
+      </p:sp>
+    </p:spTree>
+    <p:extLst>
+      <p:ext uri="{BB962C8B-B14F-4D97-AF65-F5344CB8AC3E}">
+        <p14:creationId xmlns:p14="http://schemas.microsoft.com/office/powerpoint/2010/main" val="862261533"/>
       </p:ext>
     </p:extLst>
   </p:cSld>
@@ -19358,7 +19368,7 @@
           <a:lstStyle/>
           <a:p>
             <a:pPr algn="ctr" eaLnBrk="1" latinLnBrk="0" hangingPunct="1"/>
-            <a:endParaRPr kumimoji="0" lang="en-US"/>
+            <a:endParaRPr kumimoji="0" lang="en-US" dirty="0"/>
           </a:p>
         </p:txBody>
       </p:sp>
@@ -19406,7 +19416,7 @@
           <a:lstStyle/>
           <a:p>
             <a:pPr algn="ctr" eaLnBrk="1" latinLnBrk="0" hangingPunct="1"/>
-            <a:endParaRPr kumimoji="0" lang="en-US"/>
+            <a:endParaRPr kumimoji="0" lang="en-US" dirty="0"/>
           </a:p>
         </p:txBody>
       </p:sp>
@@ -19454,7 +19464,7 @@
           <a:lstStyle/>
           <a:p>
             <a:pPr algn="ctr" eaLnBrk="1" latinLnBrk="0" hangingPunct="1"/>
-            <a:endParaRPr kumimoji="0" lang="en-US"/>
+            <a:endParaRPr kumimoji="0" lang="en-US" dirty="0"/>
           </a:p>
         </p:txBody>
       </p:sp>
@@ -19502,7 +19512,7 @@
           <a:lstStyle/>
           <a:p>
             <a:pPr algn="ctr" eaLnBrk="1" latinLnBrk="0" hangingPunct="1"/>
-            <a:endParaRPr kumimoji="0" lang="en-US"/>
+            <a:endParaRPr kumimoji="0" lang="en-US" dirty="0"/>
           </a:p>
         </p:txBody>
       </p:sp>
@@ -19550,7 +19560,7 @@
           <a:lstStyle/>
           <a:p>
             <a:pPr algn="ctr" eaLnBrk="1" latinLnBrk="0" hangingPunct="1"/>
-            <a:endParaRPr kumimoji="0" lang="en-US"/>
+            <a:endParaRPr kumimoji="0" lang="en-US" dirty="0"/>
           </a:p>
         </p:txBody>
       </p:sp>
@@ -19595,7 +19605,7 @@
           <a:lstStyle/>
           <a:p>
             <a:pPr algn="ctr" eaLnBrk="1" latinLnBrk="0" hangingPunct="1"/>
-            <a:endParaRPr kumimoji="0" lang="en-US"/>
+            <a:endParaRPr kumimoji="0" lang="en-US" dirty="0"/>
           </a:p>
         </p:txBody>
       </p:sp>
@@ -19640,7 +19650,7 @@
           <a:lstStyle/>
           <a:p>
             <a:pPr algn="ctr" eaLnBrk="1" latinLnBrk="0" hangingPunct="1"/>
-            <a:endParaRPr kumimoji="0" lang="en-US"/>
+            <a:endParaRPr kumimoji="0" lang="en-US" dirty="0"/>
           </a:p>
         </p:txBody>
       </p:sp>
@@ -19688,7 +19698,7 @@
           <a:lstStyle/>
           <a:p>
             <a:pPr algn="ctr" eaLnBrk="1" latinLnBrk="0" hangingPunct="1"/>
-            <a:endParaRPr kumimoji="0" lang="en-US"/>
+            <a:endParaRPr kumimoji="0" lang="en-US" dirty="0"/>
           </a:p>
         </p:txBody>
       </p:sp>
@@ -19736,7 +19746,7 @@
           <a:lstStyle/>
           <a:p>
             <a:pPr algn="ctr" eaLnBrk="1" latinLnBrk="0" hangingPunct="1"/>
-            <a:endParaRPr kumimoji="0" lang="en-US"/>
+            <a:endParaRPr kumimoji="0" lang="en-US" dirty="0"/>
           </a:p>
         </p:txBody>
       </p:sp>
@@ -19784,7 +19794,7 @@
           <a:lstStyle/>
           <a:p>
             <a:pPr algn="ctr" eaLnBrk="1" latinLnBrk="0" hangingPunct="1"/>
-            <a:endParaRPr kumimoji="0" lang="en-US"/>
+            <a:endParaRPr kumimoji="0" lang="en-US" dirty="0"/>
           </a:p>
         </p:txBody>
       </p:sp>
@@ -19832,7 +19842,7 @@
           <a:lstStyle/>
           <a:p>
             <a:pPr algn="ctr" eaLnBrk="1" latinLnBrk="0" hangingPunct="1"/>
-            <a:endParaRPr kumimoji="0" lang="en-US"/>
+            <a:endParaRPr kumimoji="0" lang="en-US" dirty="0"/>
           </a:p>
         </p:txBody>
       </p:sp>
@@ -19955,7 +19965,7 @@
           <a:p>
             <a:fld id="{0E7912FD-16D0-4754-B569-C79EBCED03E8}" type="datetimeFigureOut">
               <a:rPr lang="zh-CN" altLang="en-US" smtClean="0"/>
-              <a:t>2015/9/23</a:t>
+              <a:t>2015/9/24</a:t>
             </a:fld>
             <a:endParaRPr lang="zh-CN" altLang="en-US"/>
           </a:p>
@@ -20138,7 +20148,7 @@
           <a:p>
             <a:fld id="{0E7912FD-16D0-4754-B569-C79EBCED03E8}" type="datetimeFigureOut">
               <a:rPr lang="zh-CN" altLang="en-US" smtClean="0"/>
-              <a:t>2015/9/23</a:t>
+              <a:t>2015/9/24</a:t>
             </a:fld>
             <a:endParaRPr lang="zh-CN" altLang="en-US"/>
           </a:p>
@@ -20313,7 +20323,7 @@
           <a:p>
             <a:fld id="{0E7912FD-16D0-4754-B569-C79EBCED03E8}" type="datetimeFigureOut">
               <a:rPr lang="zh-CN" altLang="en-US" smtClean="0"/>
-              <a:t>2015/9/23</a:t>
+              <a:t>2015/9/24</a:t>
             </a:fld>
             <a:endParaRPr lang="zh-CN" altLang="en-US"/>
           </a:p>
@@ -20478,7 +20488,7 @@
           <a:p>
             <a:fld id="{0E7912FD-16D0-4754-B569-C79EBCED03E8}" type="datetimeFigureOut">
               <a:rPr lang="zh-CN" altLang="en-US" smtClean="0"/>
-              <a:t>2015/9/23</a:t>
+              <a:t>2015/9/24</a:t>
             </a:fld>
             <a:endParaRPr lang="zh-CN" altLang="en-US"/>
           </a:p>
@@ -20699,7 +20709,7 @@
           <a:p>
             <a:fld id="{0E7912FD-16D0-4754-B569-C79EBCED03E8}" type="datetimeFigureOut">
               <a:rPr lang="zh-CN" altLang="en-US" smtClean="0"/>
-              <a:t>2015/9/23</a:t>
+              <a:t>2015/9/24</a:t>
             </a:fld>
             <a:endParaRPr lang="zh-CN" altLang="en-US"/>
           </a:p>
@@ -20958,7 +20968,7 @@
           <a:p>
             <a:fld id="{0E7912FD-16D0-4754-B569-C79EBCED03E8}" type="datetimeFigureOut">
               <a:rPr lang="zh-CN" altLang="en-US" smtClean="0"/>
-              <a:t>2015/9/23</a:t>
+              <a:t>2015/9/24</a:t>
             </a:fld>
             <a:endParaRPr lang="zh-CN" altLang="en-US"/>
           </a:p>
@@ -21362,7 +21372,7 @@
           <a:p>
             <a:fld id="{0E7912FD-16D0-4754-B569-C79EBCED03E8}" type="datetimeFigureOut">
               <a:rPr lang="zh-CN" altLang="en-US" smtClean="0"/>
-              <a:t>2015/9/23</a:t>
+              <a:t>2015/9/24</a:t>
             </a:fld>
             <a:endParaRPr lang="zh-CN" altLang="en-US"/>
           </a:p>
@@ -21493,7 +21503,7 @@
           <a:p>
             <a:fld id="{0E7912FD-16D0-4754-B569-C79EBCED03E8}" type="datetimeFigureOut">
               <a:rPr lang="zh-CN" altLang="en-US" smtClean="0"/>
-              <a:t>2015/9/23</a:t>
+              <a:t>2015/9/24</a:t>
             </a:fld>
             <a:endParaRPr lang="zh-CN" altLang="en-US"/>
           </a:p>
@@ -21593,7 +21603,7 @@
           <a:p>
             <a:fld id="{0E7912FD-16D0-4754-B569-C79EBCED03E8}" type="datetimeFigureOut">
               <a:rPr lang="zh-CN" altLang="en-US" smtClean="0"/>
-              <a:t>2015/9/23</a:t>
+              <a:t>2015/9/24</a:t>
             </a:fld>
             <a:endParaRPr lang="zh-CN" altLang="en-US"/>
           </a:p>
@@ -21838,7 +21848,7 @@
           <a:p>
             <a:fld id="{0E7912FD-16D0-4754-B569-C79EBCED03E8}" type="datetimeFigureOut">
               <a:rPr lang="zh-CN" altLang="en-US" smtClean="0"/>
-              <a:t>2015/9/23</a:t>
+              <a:t>2015/9/24</a:t>
             </a:fld>
             <a:endParaRPr lang="zh-CN" altLang="en-US"/>
           </a:p>
@@ -22082,7 +22092,7 @@
           <a:p>
             <a:fld id="{0E7912FD-16D0-4754-B569-C79EBCED03E8}" type="datetimeFigureOut">
               <a:rPr lang="zh-CN" altLang="en-US" smtClean="0"/>
-              <a:t>2015/9/23</a:t>
+              <a:t>2015/9/24</a:t>
             </a:fld>
             <a:endParaRPr lang="zh-CN" altLang="en-US"/>
           </a:p>
@@ -22204,7 +22214,7 @@
           <a:lstStyle/>
           <a:p>
             <a:pPr algn="ctr" eaLnBrk="1" latinLnBrk="0" hangingPunct="1"/>
-            <a:endParaRPr kumimoji="0" lang="en-US"/>
+            <a:endParaRPr kumimoji="0" lang="en-US" dirty="0"/>
           </a:p>
         </p:txBody>
       </p:sp>
@@ -22252,7 +22262,7 @@
           <a:lstStyle/>
           <a:p>
             <a:pPr algn="ctr" eaLnBrk="1" latinLnBrk="0" hangingPunct="1"/>
-            <a:endParaRPr kumimoji="0" lang="en-US"/>
+            <a:endParaRPr kumimoji="0" lang="en-US" dirty="0"/>
           </a:p>
         </p:txBody>
       </p:sp>
@@ -22300,7 +22310,7 @@
           <a:lstStyle/>
           <a:p>
             <a:pPr algn="ctr" eaLnBrk="1" latinLnBrk="0" hangingPunct="1"/>
-            <a:endParaRPr kumimoji="0" lang="en-US"/>
+            <a:endParaRPr kumimoji="0" lang="en-US" dirty="0"/>
           </a:p>
         </p:txBody>
       </p:sp>
@@ -22348,7 +22358,7 @@
           <a:lstStyle/>
           <a:p>
             <a:pPr algn="ctr" eaLnBrk="1" latinLnBrk="0" hangingPunct="1"/>
-            <a:endParaRPr kumimoji="0" lang="en-US"/>
+            <a:endParaRPr kumimoji="0" lang="en-US" dirty="0"/>
           </a:p>
         </p:txBody>
       </p:sp>
@@ -22396,7 +22406,7 @@
           <a:lstStyle/>
           <a:p>
             <a:pPr algn="ctr" eaLnBrk="1" latinLnBrk="0" hangingPunct="1"/>
-            <a:endParaRPr kumimoji="0" lang="en-US"/>
+            <a:endParaRPr kumimoji="0" lang="en-US" dirty="0"/>
           </a:p>
         </p:txBody>
       </p:sp>
@@ -22441,7 +22451,7 @@
           <a:lstStyle/>
           <a:p>
             <a:pPr algn="ctr" eaLnBrk="1" latinLnBrk="0" hangingPunct="1"/>
-            <a:endParaRPr kumimoji="0" lang="en-US"/>
+            <a:endParaRPr kumimoji="0" lang="en-US" dirty="0"/>
           </a:p>
         </p:txBody>
       </p:sp>
@@ -22486,7 +22496,7 @@
           <a:lstStyle/>
           <a:p>
             <a:pPr algn="ctr" eaLnBrk="1" latinLnBrk="0" hangingPunct="1"/>
-            <a:endParaRPr kumimoji="0" lang="en-US"/>
+            <a:endParaRPr kumimoji="0" lang="en-US" dirty="0"/>
           </a:p>
         </p:txBody>
       </p:sp>
@@ -22630,7 +22640,7 @@
           <a:lstStyle/>
           <a:p>
             <a:pPr algn="ctr" eaLnBrk="1" latinLnBrk="0" hangingPunct="1"/>
-            <a:endParaRPr kumimoji="0" lang="en-US"/>
+            <a:endParaRPr kumimoji="0" lang="en-US" dirty="0"/>
           </a:p>
         </p:txBody>
       </p:sp>
@@ -22678,7 +22688,7 @@
           <a:lstStyle/>
           <a:p>
             <a:pPr algn="ctr" eaLnBrk="1" latinLnBrk="0" hangingPunct="1"/>
-            <a:endParaRPr kumimoji="0" lang="en-US"/>
+            <a:endParaRPr kumimoji="0" lang="en-US" dirty="0"/>
           </a:p>
         </p:txBody>
       </p:sp>
@@ -22726,7 +22736,7 @@
           <a:lstStyle/>
           <a:p>
             <a:pPr algn="ctr" eaLnBrk="1" latinLnBrk="0" hangingPunct="1"/>
-            <a:endParaRPr kumimoji="0" lang="en-US"/>
+            <a:endParaRPr kumimoji="0" lang="en-US" dirty="0"/>
           </a:p>
         </p:txBody>
       </p:sp>
@@ -22906,7 +22916,7 @@
           <a:p>
             <a:fld id="{0E7912FD-16D0-4754-B569-C79EBCED03E8}" type="datetimeFigureOut">
               <a:rPr lang="zh-CN" altLang="en-US" smtClean="0"/>
-              <a:t>2015/9/23</a:t>
+              <a:t>2015/9/24</a:t>
             </a:fld>
             <a:endParaRPr lang="zh-CN" altLang="en-US"/>
           </a:p>
@@ -23420,7 +23430,14 @@
                 <a:latin typeface="Adobe 黑体 Std R" pitchFamily="34" charset="-122"/>
                 <a:ea typeface="Adobe 黑体 Std R" pitchFamily="34" charset="-122"/>
               </a:rPr>
-              <a:t>节点插入</a:t>
+              <a:t>节</a:t>
+            </a:r>
+            <a:r>
+              <a:rPr lang="zh-CN" altLang="en-US" dirty="0" smtClean="0">
+                <a:latin typeface="Adobe 黑体 Std R" pitchFamily="34" charset="-122"/>
+                <a:ea typeface="Adobe 黑体 Std R" pitchFamily="34" charset="-122"/>
+              </a:rPr>
+              <a:t>点操作</a:t>
             </a:r>
             <a:endParaRPr lang="zh-CN" altLang="en-US" dirty="0"/>
           </a:p>
@@ -23448,45 +23465,101 @@
           <a:p>
             <a:r>
               <a:rPr lang="zh-CN" altLang="en-US" dirty="0" smtClean="0"/>
-              <a:t>添</a:t>
+              <a:t>添加子节</a:t>
             </a:r>
             <a:r>
               <a:rPr lang="zh-CN" altLang="en-US" dirty="0" smtClean="0"/>
-              <a:t>加子节点 </a:t>
+              <a:t>点</a:t>
             </a:r>
             <a:endParaRPr lang="en-US" altLang="zh-CN" dirty="0" smtClean="0"/>
           </a:p>
           <a:p>
-            <a:r>
-              <a:rPr lang="zh-CN" altLang="en-US" dirty="0"/>
-              <a:t>删</a:t>
-            </a:r>
-            <a:r>
-              <a:rPr lang="zh-CN" altLang="en-US" dirty="0" smtClean="0"/>
-              <a:t>除子节点</a:t>
+            <a:pPr lvl="1"/>
+            <a:r>
+              <a:rPr lang="en-US" altLang="zh-CN" dirty="0" smtClean="0"/>
+              <a:t>appendChild</a:t>
+            </a:r>
+            <a:r>
+              <a:rPr lang="en-US" altLang="zh-CN" dirty="0"/>
+              <a:t>() insertBefore</a:t>
+            </a:r>
+            <a:r>
+              <a:rPr lang="en-US" altLang="zh-CN" dirty="0" smtClean="0"/>
+              <a:t>()</a:t>
             </a:r>
             <a:endParaRPr lang="en-US" altLang="zh-CN" dirty="0" smtClean="0"/>
           </a:p>
           <a:p>
             <a:r>
               <a:rPr lang="zh-CN" altLang="en-US" dirty="0"/>
-              <a:t>添</a:t>
+              <a:t>删</a:t>
             </a:r>
             <a:r>
               <a:rPr lang="zh-CN" altLang="en-US" dirty="0" smtClean="0"/>
-              <a:t>加兄弟节点</a:t>
+              <a:t>除子节</a:t>
+            </a:r>
+            <a:r>
+              <a:rPr lang="zh-CN" altLang="en-US" dirty="0" smtClean="0"/>
+              <a:t>点</a:t>
             </a:r>
             <a:endParaRPr lang="en-US" altLang="zh-CN" dirty="0" smtClean="0"/>
           </a:p>
           <a:p>
+            <a:pPr lvl="1"/>
+            <a:r>
+              <a:rPr lang="en-US" altLang="zh-CN" dirty="0" smtClean="0"/>
+              <a:t>removeChild()</a:t>
+            </a:r>
+            <a:endParaRPr lang="en-US" altLang="zh-CN" dirty="0" smtClean="0"/>
+          </a:p>
+          <a:p>
             <a:r>
               <a:rPr lang="zh-CN" altLang="en-US" dirty="0"/>
               <a:t>添</a:t>
             </a:r>
             <a:r>
               <a:rPr lang="zh-CN" altLang="en-US" dirty="0" smtClean="0"/>
-              <a:t>加父级节点</a:t>
-            </a:r>
+              <a:t>加兄弟节</a:t>
+            </a:r>
+            <a:r>
+              <a:rPr lang="zh-CN" altLang="en-US" dirty="0" smtClean="0"/>
+              <a:t>点</a:t>
+            </a:r>
+            <a:endParaRPr lang="en-US" altLang="zh-CN" dirty="0" smtClean="0"/>
+          </a:p>
+          <a:p>
+            <a:pPr lvl="1"/>
+            <a:r>
+              <a:rPr lang="en-US" altLang="zh-CN" dirty="0" smtClean="0"/>
+              <a:t>insertBefore(newNode,referNode);</a:t>
+            </a:r>
+            <a:endParaRPr lang="en-US" altLang="zh-CN" dirty="0" smtClean="0"/>
+          </a:p>
+          <a:p>
+            <a:r>
+              <a:rPr lang="zh-CN" altLang="en-US" dirty="0"/>
+              <a:t>添</a:t>
+            </a:r>
+            <a:r>
+              <a:rPr lang="zh-CN" altLang="en-US" dirty="0" smtClean="0"/>
+              <a:t>加父级节</a:t>
+            </a:r>
+            <a:r>
+              <a:rPr lang="zh-CN" altLang="en-US" dirty="0" smtClean="0"/>
+              <a:t>点</a:t>
+            </a:r>
+            <a:endParaRPr lang="en-US" altLang="zh-CN" dirty="0" smtClean="0"/>
+          </a:p>
+          <a:p>
+            <a:pPr lvl="1"/>
+            <a:r>
+              <a:rPr lang="en-US" altLang="zh-CN" dirty="0" smtClean="0"/>
+              <a:t>outerHTML</a:t>
+            </a:r>
+            <a:endParaRPr lang="en-US" altLang="zh-CN" dirty="0" smtClean="0"/>
+          </a:p>
+          <a:p>
+            <a:pPr lvl="1"/>
             <a:endParaRPr lang="zh-CN" altLang="en-US" dirty="0"/>
           </a:p>
         </p:txBody>
@@ -23501,10 +23574,696 @@
   <p:clrMapOvr>
     <a:masterClrMapping/>
   </p:clrMapOvr>
+  <p:timing>
+    <p:tnLst>
+      <p:par>
+        <p:cTn id="1" dur="indefinite" restart="never" nodeType="tmRoot"/>
+      </p:par>
+    </p:tnLst>
+  </p:timing>
 </p:sld>
 </file>
 
 <file path=ppt/slides/slide11.xml><?xml version="1.0" encoding="utf-8"?>
+<p:sld xmlns:a="http://schemas.openxmlformats.org/drawingml/2006/main" xmlns:r="http://schemas.openxmlformats.org/officeDocument/2006/relationships" xmlns:p="http://schemas.openxmlformats.org/presentationml/2006/main">
+  <p:cSld>
+    <p:spTree>
+      <p:nvGrpSpPr>
+        <p:cNvPr id="1" name=""/>
+        <p:cNvGrpSpPr/>
+        <p:nvPr/>
+      </p:nvGrpSpPr>
+      <p:grpSpPr>
+        <a:xfrm>
+          <a:off x="0" y="0"/>
+          <a:ext cx="0" cy="0"/>
+          <a:chOff x="0" y="0"/>
+          <a:chExt cx="0" cy="0"/>
+        </a:xfrm>
+      </p:grpSpPr>
+      <p:sp>
+        <p:nvSpPr>
+          <p:cNvPr id="2" name="标题 1"/>
+          <p:cNvSpPr>
+            <a:spLocks noGrp="1"/>
+          </p:cNvSpPr>
+          <p:nvPr>
+            <p:ph type="title"/>
+          </p:nvPr>
+        </p:nvSpPr>
+        <p:spPr>
+          <a:xfrm>
+            <a:off x="467544" y="836712"/>
+            <a:ext cx="8229600" cy="1066800"/>
+          </a:xfrm>
+        </p:spPr>
+        <p:txBody>
+          <a:bodyPr/>
+          <a:lstStyle/>
+          <a:p>
+            <a:r>
+              <a:rPr lang="en-US" altLang="zh-CN" dirty="0" smtClean="0">
+                <a:latin typeface="Adobe 黑体 Std R" pitchFamily="34" charset="-122"/>
+                <a:ea typeface="Adobe 黑体 Std R" pitchFamily="34" charset="-122"/>
+              </a:rPr>
+              <a:t>DOM </a:t>
+            </a:r>
+            <a:r>
+              <a:rPr lang="zh-CN" altLang="en-US" dirty="0" smtClean="0">
+                <a:latin typeface="Adobe 黑体 Std R" pitchFamily="34" charset="-122"/>
+                <a:ea typeface="Adobe 黑体 Std R" pitchFamily="34" charset="-122"/>
+              </a:rPr>
+              <a:t>节点插入</a:t>
+            </a:r>
+            <a:endParaRPr lang="zh-CN" altLang="en-US" dirty="0">
+              <a:latin typeface="Adobe 黑体 Std R" pitchFamily="34" charset="-122"/>
+              <a:ea typeface="Adobe 黑体 Std R" pitchFamily="34" charset="-122"/>
+            </a:endParaRPr>
+          </a:p>
+        </p:txBody>
+      </p:sp>
+      <p:sp>
+        <p:nvSpPr>
+          <p:cNvPr id="3" name="内容占位符 2"/>
+          <p:cNvSpPr>
+            <a:spLocks noGrp="1"/>
+          </p:cNvSpPr>
+          <p:nvPr>
+            <p:ph idx="1"/>
+          </p:nvPr>
+        </p:nvSpPr>
+        <p:spPr>
+          <a:xfrm>
+            <a:off x="431929" y="4149080"/>
+            <a:ext cx="8229600" cy="2304256"/>
+          </a:xfrm>
+        </p:spPr>
+        <p:txBody>
+          <a:bodyPr>
+            <a:normAutofit/>
+          </a:bodyPr>
+          <a:lstStyle/>
+          <a:p>
+            <a:pPr marL="109728" indent="0">
+              <a:buNone/>
+            </a:pPr>
+            <a:r>
+              <a:rPr lang="zh-CN" altLang="en-US" dirty="0" smtClean="0">
+                <a:solidFill>
+                  <a:schemeClr val="accent1">
+                    <a:lumMod val="75000"/>
+                  </a:schemeClr>
+                </a:solidFill>
+                <a:latin typeface="Adobe 黑体 Std R" pitchFamily="34" charset="-122"/>
+                <a:ea typeface="Adobe 黑体 Std R" pitchFamily="34" charset="-122"/>
+              </a:rPr>
+              <a:t>功能基本实现，但性能低下；</a:t>
+            </a:r>
+            <a:endParaRPr lang="en-US" altLang="zh-CN" dirty="0" smtClean="0">
+              <a:solidFill>
+                <a:schemeClr val="accent1">
+                  <a:lumMod val="75000"/>
+                </a:schemeClr>
+              </a:solidFill>
+              <a:latin typeface="Adobe 黑体 Std R" pitchFamily="34" charset="-122"/>
+              <a:ea typeface="Adobe 黑体 Std R" pitchFamily="34" charset="-122"/>
+            </a:endParaRPr>
+          </a:p>
+          <a:p>
+            <a:pPr marL="109728" indent="0">
+              <a:buNone/>
+            </a:pPr>
+            <a:r>
+              <a:rPr lang="zh-CN" altLang="en-US" dirty="0" smtClean="0">
+                <a:solidFill>
+                  <a:schemeClr val="accent1">
+                    <a:lumMod val="75000"/>
+                  </a:schemeClr>
+                </a:solidFill>
+                <a:latin typeface="Adobe 黑体 Std R" pitchFamily="34" charset="-122"/>
+                <a:ea typeface="Adobe 黑体 Std R" pitchFamily="34" charset="-122"/>
+              </a:rPr>
+              <a:t>在低版本</a:t>
+            </a:r>
+            <a:r>
+              <a:rPr lang="en-US" altLang="zh-CN" dirty="0" smtClean="0">
+                <a:solidFill>
+                  <a:schemeClr val="accent1">
+                    <a:lumMod val="75000"/>
+                  </a:schemeClr>
+                </a:solidFill>
+                <a:latin typeface="Adobe 黑体 Std R" pitchFamily="34" charset="-122"/>
+                <a:ea typeface="Adobe 黑体 Std R" pitchFamily="34" charset="-122"/>
+              </a:rPr>
+              <a:t>IE</a:t>
+            </a:r>
+            <a:r>
+              <a:rPr lang="zh-CN" altLang="en-US" dirty="0" smtClean="0">
+                <a:solidFill>
+                  <a:schemeClr val="accent1">
+                    <a:lumMod val="75000"/>
+                  </a:schemeClr>
+                </a:solidFill>
+                <a:latin typeface="Adobe 黑体 Std R" pitchFamily="34" charset="-122"/>
+                <a:ea typeface="Adobe 黑体 Std R" pitchFamily="34" charset="-122"/>
+              </a:rPr>
+              <a:t>下，缺少优化机制，每次</a:t>
+            </a:r>
+            <a:r>
+              <a:rPr lang="en-US" altLang="zh-CN" dirty="0" smtClean="0">
+                <a:solidFill>
+                  <a:schemeClr val="accent1">
+                    <a:lumMod val="75000"/>
+                  </a:schemeClr>
+                </a:solidFill>
+                <a:latin typeface="Adobe 黑体 Std R" pitchFamily="34" charset="-122"/>
+                <a:ea typeface="Adobe 黑体 Std R" pitchFamily="34" charset="-122"/>
+              </a:rPr>
+              <a:t>appendChild</a:t>
+            </a:r>
+            <a:r>
+              <a:rPr lang="zh-CN" altLang="en-US" dirty="0" smtClean="0">
+                <a:solidFill>
+                  <a:schemeClr val="accent1">
+                    <a:lumMod val="75000"/>
+                  </a:schemeClr>
+                </a:solidFill>
+                <a:latin typeface="Adobe 黑体 Std R" pitchFamily="34" charset="-122"/>
+                <a:ea typeface="Adobe 黑体 Std R" pitchFamily="34" charset="-122"/>
+              </a:rPr>
+              <a:t>都会造成回流和渲染。</a:t>
+            </a:r>
+            <a:endParaRPr lang="zh-CN" altLang="en-US" dirty="0">
+              <a:solidFill>
+                <a:schemeClr val="accent1">
+                  <a:lumMod val="75000"/>
+                </a:schemeClr>
+              </a:solidFill>
+              <a:latin typeface="Adobe 黑体 Std R" pitchFamily="34" charset="-122"/>
+              <a:ea typeface="Adobe 黑体 Std R" pitchFamily="34" charset="-122"/>
+            </a:endParaRPr>
+          </a:p>
+        </p:txBody>
+      </p:sp>
+      <p:sp>
+        <p:nvSpPr>
+          <p:cNvPr id="4" name="矩形 3"/>
+          <p:cNvSpPr/>
+          <p:nvPr/>
+        </p:nvSpPr>
+        <p:spPr>
+          <a:xfrm>
+            <a:off x="467544" y="1782801"/>
+            <a:ext cx="8280920" cy="2160240"/>
+          </a:xfrm>
+          <a:prstGeom prst="rect">
+            <a:avLst/>
+          </a:prstGeom>
+          <a:solidFill>
+            <a:schemeClr val="accent2">
+              <a:lumMod val="75000"/>
+            </a:schemeClr>
+          </a:solidFill>
+        </p:spPr>
+        <p:style>
+          <a:lnRef idx="3">
+            <a:schemeClr val="lt1"/>
+          </a:lnRef>
+          <a:fillRef idx="1">
+            <a:schemeClr val="accent6"/>
+          </a:fillRef>
+          <a:effectRef idx="1">
+            <a:schemeClr val="accent6"/>
+          </a:effectRef>
+          <a:fontRef idx="minor">
+            <a:schemeClr val="lt1"/>
+          </a:fontRef>
+        </p:style>
+        <p:txBody>
+          <a:bodyPr rtlCol="0" anchor="ctr"/>
+          <a:lstStyle/>
+          <a:p>
+            <a:r>
+              <a:rPr lang="en-US" altLang="zh-CN" sz="2100" dirty="0" smtClean="0">
+                <a:latin typeface="Consolas" pitchFamily="49" charset="0"/>
+                <a:cs typeface="Consolas" pitchFamily="49" charset="0"/>
+              </a:rPr>
+              <a:t>var nodes = div.childNodes; </a:t>
+            </a:r>
+          </a:p>
+          <a:p>
+            <a:r>
+              <a:rPr lang="en-US" altLang="zh-CN" sz="2100" dirty="0" smtClean="0">
+                <a:latin typeface="Consolas" pitchFamily="49" charset="0"/>
+                <a:cs typeface="Consolas" pitchFamily="49" charset="0"/>
+              </a:rPr>
+              <a:t>for (var i=0, length=nodes.length; i&lt;length; i+=1) { </a:t>
+            </a:r>
+          </a:p>
+          <a:p>
+            <a:r>
+              <a:rPr lang="en-US" altLang="zh-CN" sz="2100" dirty="0" smtClean="0">
+                <a:latin typeface="Consolas" pitchFamily="49" charset="0"/>
+                <a:cs typeface="Consolas" pitchFamily="49" charset="0"/>
+              </a:rPr>
+              <a:t>    </a:t>
+            </a:r>
+            <a:r>
+              <a:rPr lang="en-US" altLang="zh-CN" sz="2100" dirty="0" smtClean="0">
+                <a:solidFill>
+                  <a:schemeClr val="bg2"/>
+                </a:solidFill>
+                <a:latin typeface="Adobe 黑体 Std R" pitchFamily="34" charset="-122"/>
+                <a:ea typeface="Adobe 黑体 Std R" pitchFamily="34" charset="-122"/>
+                <a:cs typeface="Consolas" pitchFamily="49" charset="0"/>
+              </a:rPr>
+              <a:t>// </a:t>
+            </a:r>
+            <a:r>
+              <a:rPr lang="zh-CN" altLang="en-US" sz="2100" dirty="0">
+                <a:solidFill>
+                  <a:schemeClr val="bg2"/>
+                </a:solidFill>
+                <a:latin typeface="Adobe 黑体 Std R" pitchFamily="34" charset="-122"/>
+                <a:ea typeface="Adobe 黑体 Std R" pitchFamily="34" charset="-122"/>
+                <a:cs typeface="Consolas" pitchFamily="49" charset="0"/>
+              </a:rPr>
+              <a:t>容器</a:t>
+            </a:r>
+            <a:r>
+              <a:rPr lang="en-US" altLang="zh-CN" sz="2100" dirty="0">
+                <a:solidFill>
+                  <a:schemeClr val="bg2"/>
+                </a:solidFill>
+                <a:latin typeface="Adobe 黑体 Std R" pitchFamily="34" charset="-122"/>
+                <a:ea typeface="Adobe 黑体 Std R" pitchFamily="34" charset="-122"/>
+                <a:cs typeface="Consolas" pitchFamily="49" charset="0"/>
+              </a:rPr>
+              <a:t>container</a:t>
+            </a:r>
+            <a:r>
+              <a:rPr lang="zh-CN" altLang="en-US" sz="2100" dirty="0">
+                <a:solidFill>
+                  <a:schemeClr val="bg2"/>
+                </a:solidFill>
+                <a:latin typeface="Adobe 黑体 Std R" pitchFamily="34" charset="-122"/>
+                <a:ea typeface="Adobe 黑体 Std R" pitchFamily="34" charset="-122"/>
+                <a:cs typeface="Consolas" pitchFamily="49" charset="0"/>
+              </a:rPr>
+              <a:t>加载克隆的节点 </a:t>
+            </a:r>
+            <a:r>
+              <a:rPr lang="en-US" altLang="zh-CN" sz="2100" dirty="0">
+                <a:solidFill>
+                  <a:schemeClr val="bg2"/>
+                </a:solidFill>
+                <a:latin typeface="Adobe 黑体 Std R" pitchFamily="34" charset="-122"/>
+                <a:ea typeface="Adobe 黑体 Std R" pitchFamily="34" charset="-122"/>
+                <a:cs typeface="Consolas" pitchFamily="49" charset="0"/>
+              </a:rPr>
+              <a:t>- </a:t>
+            </a:r>
+            <a:r>
+              <a:rPr lang="zh-CN" altLang="en-US" sz="2100" dirty="0">
+                <a:solidFill>
+                  <a:schemeClr val="bg2"/>
+                </a:solidFill>
+                <a:latin typeface="Adobe 黑体 Std R" pitchFamily="34" charset="-122"/>
+                <a:ea typeface="Adobe 黑体 Std R" pitchFamily="34" charset="-122"/>
+                <a:cs typeface="Consolas" pitchFamily="49" charset="0"/>
+              </a:rPr>
+              <a:t>克隆的作用是保证</a:t>
+            </a:r>
+            <a:r>
+              <a:rPr lang="en-US" altLang="zh-CN" sz="2100" dirty="0">
+                <a:solidFill>
+                  <a:schemeClr val="bg2"/>
+                </a:solidFill>
+                <a:latin typeface="Adobe 黑体 Std R" pitchFamily="34" charset="-122"/>
+                <a:ea typeface="Adobe 黑体 Std R" pitchFamily="34" charset="-122"/>
+                <a:cs typeface="Consolas" pitchFamily="49" charset="0"/>
+              </a:rPr>
+              <a:t>nodes</a:t>
+            </a:r>
+            <a:r>
+              <a:rPr lang="zh-CN" altLang="en-US" sz="2100" dirty="0">
+                <a:solidFill>
+                  <a:schemeClr val="bg2"/>
+                </a:solidFill>
+                <a:latin typeface="Adobe 黑体 Std R" pitchFamily="34" charset="-122"/>
+                <a:ea typeface="Adobe 黑体 Std R" pitchFamily="34" charset="-122"/>
+                <a:cs typeface="Consolas" pitchFamily="49" charset="0"/>
+              </a:rPr>
+              <a:t>的完整</a:t>
+            </a:r>
+            <a:r>
+              <a:rPr lang="zh-CN" altLang="en-US" sz="2100" dirty="0" smtClean="0">
+                <a:solidFill>
+                  <a:schemeClr val="bg2"/>
+                </a:solidFill>
+                <a:latin typeface="Adobe 黑体 Std R" pitchFamily="34" charset="-122"/>
+                <a:ea typeface="Adobe 黑体 Std R" pitchFamily="34" charset="-122"/>
+                <a:cs typeface="Consolas" pitchFamily="49" charset="0"/>
+              </a:rPr>
+              <a:t>   </a:t>
+            </a:r>
+            <a:endParaRPr lang="en-US" altLang="zh-CN" sz="2100" dirty="0">
+              <a:solidFill>
+                <a:schemeClr val="bg2"/>
+              </a:solidFill>
+              <a:latin typeface="Adobe 黑体 Std R" pitchFamily="34" charset="-122"/>
+              <a:ea typeface="Adobe 黑体 Std R" pitchFamily="34" charset="-122"/>
+              <a:cs typeface="Consolas" pitchFamily="49" charset="0"/>
+            </a:endParaRPr>
+          </a:p>
+          <a:p>
+            <a:r>
+              <a:rPr lang="en-US" altLang="zh-CN" sz="2100" dirty="0" smtClean="0">
+                <a:latin typeface="Consolas" pitchFamily="49" charset="0"/>
+                <a:cs typeface="Consolas" pitchFamily="49" charset="0"/>
+              </a:rPr>
+              <a:t>    container.appendChild(nodes[i].cloneNode(true)); </a:t>
+            </a:r>
+          </a:p>
+          <a:p>
+            <a:r>
+              <a:rPr lang="en-US" altLang="zh-CN" sz="2100" dirty="0" smtClean="0">
+                <a:latin typeface="Consolas" pitchFamily="49" charset="0"/>
+                <a:cs typeface="Consolas" pitchFamily="49" charset="0"/>
+              </a:rPr>
+              <a:t>}</a:t>
+            </a:r>
+            <a:endParaRPr lang="zh-CN" altLang="en-US" sz="2100" dirty="0">
+              <a:latin typeface="Consolas" pitchFamily="49" charset="0"/>
+              <a:cs typeface="Consolas" pitchFamily="49" charset="0"/>
+            </a:endParaRPr>
+          </a:p>
+        </p:txBody>
+      </p:sp>
+    </p:spTree>
+    <p:extLst>
+      <p:ext uri="{BB962C8B-B14F-4D97-AF65-F5344CB8AC3E}">
+        <p14:creationId xmlns:p14="http://schemas.microsoft.com/office/powerpoint/2010/main" val="1433173383"/>
+      </p:ext>
+    </p:extLst>
+  </p:cSld>
+  <p:clrMapOvr>
+    <a:masterClrMapping/>
+  </p:clrMapOvr>
+  <p:timing>
+    <p:tnLst>
+      <p:par>
+        <p:cTn id="1" dur="indefinite" restart="never" nodeType="tmRoot"/>
+      </p:par>
+    </p:tnLst>
+  </p:timing>
+</p:sld>
+</file>
+
+<file path=ppt/slides/slide12.xml><?xml version="1.0" encoding="utf-8"?>
+<p:sld xmlns:a="http://schemas.openxmlformats.org/drawingml/2006/main" xmlns:r="http://schemas.openxmlformats.org/officeDocument/2006/relationships" xmlns:p="http://schemas.openxmlformats.org/presentationml/2006/main">
+  <p:cSld>
+    <p:spTree>
+      <p:nvGrpSpPr>
+        <p:cNvPr id="1" name=""/>
+        <p:cNvGrpSpPr/>
+        <p:nvPr/>
+      </p:nvGrpSpPr>
+      <p:grpSpPr>
+        <a:xfrm>
+          <a:off x="0" y="0"/>
+          <a:ext cx="0" cy="0"/>
+          <a:chOff x="0" y="0"/>
+          <a:chExt cx="0" cy="0"/>
+        </a:xfrm>
+      </p:grpSpPr>
+      <p:sp>
+        <p:nvSpPr>
+          <p:cNvPr id="2" name="标题 1"/>
+          <p:cNvSpPr>
+            <a:spLocks noGrp="1"/>
+          </p:cNvSpPr>
+          <p:nvPr>
+            <p:ph type="title"/>
+          </p:nvPr>
+        </p:nvSpPr>
+        <p:spPr>
+          <a:xfrm>
+            <a:off x="467544" y="764704"/>
+            <a:ext cx="8229600" cy="1066800"/>
+          </a:xfrm>
+        </p:spPr>
+        <p:txBody>
+          <a:bodyPr/>
+          <a:lstStyle/>
+          <a:p>
+            <a:r>
+              <a:rPr lang="en-US" altLang="zh-CN" dirty="0" smtClean="0"/>
+              <a:t>DOM Fragment</a:t>
+            </a:r>
+            <a:endParaRPr lang="zh-CN" altLang="en-US" dirty="0"/>
+          </a:p>
+        </p:txBody>
+      </p:sp>
+      <p:sp>
+        <p:nvSpPr>
+          <p:cNvPr id="3" name="内容占位符 2"/>
+          <p:cNvSpPr>
+            <a:spLocks noGrp="1"/>
+          </p:cNvSpPr>
+          <p:nvPr>
+            <p:ph idx="1"/>
+          </p:nvPr>
+        </p:nvSpPr>
+        <p:spPr>
+          <a:xfrm>
+            <a:off x="457200" y="1844824"/>
+            <a:ext cx="8229600" cy="4729712"/>
+          </a:xfrm>
+        </p:spPr>
+        <p:txBody>
+          <a:bodyPr/>
+          <a:lstStyle/>
+          <a:p>
+            <a:r>
+              <a:rPr lang="en-US" altLang="zh-CN" dirty="0" smtClean="0"/>
+              <a:t>createDocumentFragment()</a:t>
+            </a:r>
+          </a:p>
+          <a:p>
+            <a:pPr lvl="1"/>
+            <a:r>
+              <a:rPr lang="zh-CN" altLang="en-US" dirty="0"/>
+              <a:t>创</a:t>
+            </a:r>
+            <a:r>
+              <a:rPr lang="zh-CN" altLang="en-US" dirty="0" smtClean="0"/>
+              <a:t>建文档碎片节点</a:t>
+            </a:r>
+            <a:endParaRPr lang="zh-CN" altLang="en-US" dirty="0"/>
+          </a:p>
+        </p:txBody>
+      </p:sp>
+      <p:sp>
+        <p:nvSpPr>
+          <p:cNvPr id="4" name="矩形 3"/>
+          <p:cNvSpPr/>
+          <p:nvPr/>
+        </p:nvSpPr>
+        <p:spPr>
+          <a:xfrm>
+            <a:off x="683568" y="2924944"/>
+            <a:ext cx="7488832" cy="3168352"/>
+          </a:xfrm>
+          <a:prstGeom prst="rect">
+            <a:avLst/>
+          </a:prstGeom>
+        </p:spPr>
+        <p:style>
+          <a:lnRef idx="3">
+            <a:schemeClr val="lt1"/>
+          </a:lnRef>
+          <a:fillRef idx="1">
+            <a:schemeClr val="accent1"/>
+          </a:fillRef>
+          <a:effectRef idx="1">
+            <a:schemeClr val="accent1"/>
+          </a:effectRef>
+          <a:fontRef idx="minor">
+            <a:schemeClr val="lt1"/>
+          </a:fontRef>
+        </p:style>
+        <p:txBody>
+          <a:bodyPr rtlCol="0" anchor="ctr"/>
+          <a:lstStyle/>
+          <a:p>
+            <a:pPr>
+              <a:lnSpc>
+                <a:spcPct val="150000"/>
+              </a:lnSpc>
+            </a:pPr>
+            <a:r>
+              <a:rPr lang="zh-CN" altLang="en-US" sz="2400" dirty="0">
+                <a:latin typeface="Adobe 黑体 Std R" pitchFamily="34" charset="-122"/>
+                <a:ea typeface="Adobe 黑体 Std R" pitchFamily="34" charset="-122"/>
+              </a:rPr>
+              <a:t>当请求把一个 </a:t>
+            </a:r>
+            <a:r>
+              <a:rPr lang="en-US" altLang="zh-CN" sz="2400" dirty="0" smtClean="0">
+                <a:latin typeface="Adobe 黑体 Std R" pitchFamily="34" charset="-122"/>
+                <a:ea typeface="Adobe 黑体 Std R" pitchFamily="34" charset="-122"/>
+              </a:rPr>
+              <a:t>fragment</a:t>
+            </a:r>
+            <a:r>
+              <a:rPr lang="zh-CN" altLang="en-US" sz="2400" dirty="0" smtClean="0">
+                <a:latin typeface="Adobe 黑体 Std R" pitchFamily="34" charset="-122"/>
+                <a:ea typeface="Adobe 黑体 Std R" pitchFamily="34" charset="-122"/>
+              </a:rPr>
+              <a:t>节</a:t>
+            </a:r>
+            <a:r>
+              <a:rPr lang="zh-CN" altLang="en-US" sz="2400" dirty="0">
+                <a:latin typeface="Adobe 黑体 Std R" pitchFamily="34" charset="-122"/>
+                <a:ea typeface="Adobe 黑体 Std R" pitchFamily="34" charset="-122"/>
+              </a:rPr>
+              <a:t>点插入文档树时，插入的不是 </a:t>
+            </a:r>
+            <a:r>
+              <a:rPr lang="en-US" altLang="zh-CN" sz="2400" dirty="0">
+                <a:latin typeface="Adobe 黑体 Std R" pitchFamily="34" charset="-122"/>
+                <a:ea typeface="Adobe 黑体 Std R" pitchFamily="34" charset="-122"/>
+              </a:rPr>
+              <a:t>fragment</a:t>
+            </a:r>
+            <a:r>
+              <a:rPr lang="zh-CN" altLang="en-US" sz="2400" dirty="0" smtClean="0">
+                <a:latin typeface="Adobe 黑体 Std R" pitchFamily="34" charset="-122"/>
+                <a:ea typeface="Adobe 黑体 Std R" pitchFamily="34" charset="-122"/>
+              </a:rPr>
+              <a:t>自</a:t>
+            </a:r>
+            <a:r>
+              <a:rPr lang="zh-CN" altLang="en-US" sz="2400" dirty="0">
+                <a:latin typeface="Adobe 黑体 Std R" pitchFamily="34" charset="-122"/>
+                <a:ea typeface="Adobe 黑体 Std R" pitchFamily="34" charset="-122"/>
+              </a:rPr>
+              <a:t>身，而是它的所有子孙节点</a:t>
+            </a:r>
+            <a:r>
+              <a:rPr lang="zh-CN" altLang="en-US" sz="2400" dirty="0" smtClean="0">
+                <a:latin typeface="Adobe 黑体 Std R" pitchFamily="34" charset="-122"/>
+                <a:ea typeface="Adobe 黑体 Std R" pitchFamily="34" charset="-122"/>
+              </a:rPr>
+              <a:t>。</a:t>
+            </a:r>
+            <a:endParaRPr lang="en-US" altLang="zh-CN" sz="2400" dirty="0" smtClean="0">
+              <a:latin typeface="Adobe 黑体 Std R" pitchFamily="34" charset="-122"/>
+              <a:ea typeface="Adobe 黑体 Std R" pitchFamily="34" charset="-122"/>
+            </a:endParaRPr>
+          </a:p>
+          <a:p>
+            <a:pPr>
+              <a:lnSpc>
+                <a:spcPct val="150000"/>
+              </a:lnSpc>
+            </a:pPr>
+            <a:r>
+              <a:rPr lang="zh-CN" altLang="en-US" sz="2400" dirty="0" smtClean="0">
+                <a:latin typeface="Adobe 黑体 Std R" pitchFamily="34" charset="-122"/>
+                <a:ea typeface="Adobe 黑体 Std R" pitchFamily="34" charset="-122"/>
+              </a:rPr>
+              <a:t>这</a:t>
+            </a:r>
+            <a:r>
+              <a:rPr lang="zh-CN" altLang="en-US" sz="2400" dirty="0">
+                <a:latin typeface="Adobe 黑体 Std R" pitchFamily="34" charset="-122"/>
+                <a:ea typeface="Adobe 黑体 Std R" pitchFamily="34" charset="-122"/>
+              </a:rPr>
+              <a:t>使得 </a:t>
+            </a:r>
+            <a:r>
+              <a:rPr lang="en-US" altLang="zh-CN" sz="2400" dirty="0">
+                <a:latin typeface="Adobe 黑体 Std R" pitchFamily="34" charset="-122"/>
+                <a:ea typeface="Adobe 黑体 Std R" pitchFamily="34" charset="-122"/>
+              </a:rPr>
+              <a:t>fragment</a:t>
+            </a:r>
+            <a:r>
+              <a:rPr lang="zh-CN" altLang="en-US" sz="2400" dirty="0" smtClean="0">
+                <a:latin typeface="Adobe 黑体 Std R" pitchFamily="34" charset="-122"/>
+                <a:ea typeface="Adobe 黑体 Std R" pitchFamily="34" charset="-122"/>
+              </a:rPr>
+              <a:t>成</a:t>
+            </a:r>
+            <a:r>
+              <a:rPr lang="zh-CN" altLang="en-US" sz="2400" dirty="0">
+                <a:latin typeface="Adobe 黑体 Std R" pitchFamily="34" charset="-122"/>
+                <a:ea typeface="Adobe 黑体 Std R" pitchFamily="34" charset="-122"/>
+              </a:rPr>
+              <a:t>了有用的占位符，暂时存放那些一次插入文档的节点</a:t>
+            </a:r>
+            <a:r>
+              <a:rPr lang="zh-CN" altLang="en-US" sz="2400" dirty="0" smtClean="0">
+                <a:latin typeface="Adobe 黑体 Std R" pitchFamily="34" charset="-122"/>
+                <a:ea typeface="Adobe 黑体 Std R" pitchFamily="34" charset="-122"/>
+              </a:rPr>
+              <a:t>。</a:t>
+            </a:r>
+            <a:endParaRPr lang="en-US" altLang="zh-CN" sz="2400" dirty="0" smtClean="0">
+              <a:latin typeface="Adobe 黑体 Std R" pitchFamily="34" charset="-122"/>
+              <a:ea typeface="Adobe 黑体 Std R" pitchFamily="34" charset="-122"/>
+            </a:endParaRPr>
+          </a:p>
+          <a:p>
+            <a:pPr>
+              <a:lnSpc>
+                <a:spcPct val="150000"/>
+              </a:lnSpc>
+            </a:pPr>
+            <a:r>
+              <a:rPr lang="zh-CN" altLang="en-US" sz="2400" dirty="0" smtClean="0">
+                <a:latin typeface="Adobe 黑体 Std R" pitchFamily="34" charset="-122"/>
+                <a:ea typeface="Adobe 黑体 Std R" pitchFamily="34" charset="-122"/>
+              </a:rPr>
+              <a:t>它</a:t>
+            </a:r>
+            <a:r>
+              <a:rPr lang="zh-CN" altLang="en-US" sz="2400" dirty="0">
+                <a:latin typeface="Adobe 黑体 Std R" pitchFamily="34" charset="-122"/>
+                <a:ea typeface="Adobe 黑体 Std R" pitchFamily="34" charset="-122"/>
+              </a:rPr>
+              <a:t>还有利于实现文档的剪切、复制和粘贴操作</a:t>
+            </a:r>
+            <a:endParaRPr lang="zh-CN" altLang="en-US" sz="2400" dirty="0">
+              <a:latin typeface="Adobe 黑体 Std R" pitchFamily="34" charset="-122"/>
+              <a:ea typeface="Adobe 黑体 Std R" pitchFamily="34" charset="-122"/>
+            </a:endParaRPr>
+          </a:p>
+        </p:txBody>
+      </p:sp>
+    </p:spTree>
+    <p:extLst>
+      <p:ext uri="{BB962C8B-B14F-4D97-AF65-F5344CB8AC3E}">
+        <p14:creationId xmlns:p14="http://schemas.microsoft.com/office/powerpoint/2010/main" val="1069239557"/>
+      </p:ext>
+    </p:extLst>
+  </p:cSld>
+  <p:clrMapOvr>
+    <a:masterClrMapping/>
+  </p:clrMapOvr>
+  <p:timing>
+    <p:tnLst>
+      <p:par>
+        <p:cTn id="1" dur="indefinite" restart="never" nodeType="tmRoot"/>
+      </p:par>
+    </p:tnLst>
+  </p:timing>
+</p:sld>
+</file>
+
+<file path=ppt/slides/slide13.xml><?xml version="1.0" encoding="utf-8"?>
 <p:sld xmlns:a="http://schemas.openxmlformats.org/drawingml/2006/main" xmlns:r="http://schemas.openxmlformats.org/officeDocument/2006/relationships" xmlns:p="http://schemas.openxmlformats.org/presentationml/2006/main">
   <p:cSld>
     <p:spTree>
@@ -23597,21 +24356,17 @@
           <a:lstStyle/>
           <a:p>
             <a:r>
-              <a:rPr lang="en-US" altLang="zh-CN" dirty="0" err="1" smtClean="0"/>
-              <a:t>document.getElementById</a:t>
-            </a:r>
-            <a:r>
               <a:rPr lang="en-US" altLang="zh-CN" dirty="0" smtClean="0"/>
-              <a:t>()</a:t>
+              <a:t>document.getElementById()</a:t>
             </a:r>
           </a:p>
           <a:p>
             <a:r>
-              <a:rPr lang="en-US" altLang="zh-CN" dirty="0" err="1" smtClean="0"/>
+              <a:rPr lang="en-US" altLang="zh-CN" dirty="0" smtClean="0"/>
               <a:t>document.getElement</a:t>
             </a:r>
             <a:r>
-              <a:rPr lang="en-US" altLang="zh-CN" dirty="0" err="1" smtClean="0">
+              <a:rPr lang="en-US" altLang="zh-CN" dirty="0" smtClean="0">
                 <a:effectLst>
                   <a:outerShdw blurRad="38100" dist="38100" dir="2700000" algn="tl">
                     <a:srgbClr val="000000">
@@ -23623,22 +24378,14 @@
               <a:t>s</a:t>
             </a:r>
             <a:r>
-              <a:rPr lang="en-US" altLang="zh-CN" dirty="0" err="1" smtClean="0"/>
-              <a:t>ByTagName</a:t>
-            </a:r>
-            <a:r>
               <a:rPr lang="en-US" altLang="zh-CN" dirty="0" smtClean="0"/>
-              <a:t>()</a:t>
+              <a:t>ByTagName()</a:t>
             </a:r>
           </a:p>
           <a:p>
             <a:r>
-              <a:rPr lang="en-US" altLang="zh-CN" dirty="0" err="1" smtClean="0"/>
-              <a:t>document.getElementsByClassName</a:t>
-            </a:r>
-            <a:r>
               <a:rPr lang="en-US" altLang="zh-CN" dirty="0" smtClean="0"/>
-              <a:t>()</a:t>
+              <a:t>document.getElementsByClassName()</a:t>
             </a:r>
           </a:p>
           <a:p>
@@ -23769,7 +24516,7 @@
 </p:sld>
 </file>
 
-<file path=ppt/slides/slide12.xml><?xml version="1.0" encoding="utf-8"?>
+<file path=ppt/slides/slide14.xml><?xml version="1.0" encoding="utf-8"?>
 <p:sld xmlns:a="http://schemas.openxmlformats.org/drawingml/2006/main" xmlns:r="http://schemas.openxmlformats.org/officeDocument/2006/relationships" xmlns:p="http://schemas.openxmlformats.org/presentationml/2006/main">
   <p:cSld>
     <p:spTree>
@@ -23861,7 +24608,7 @@
           <a:lstStyle/>
           <a:p>
             <a:r>
-              <a:rPr lang="en-US" altLang="zh-CN" dirty="0" err="1" smtClean="0"/>
+              <a:rPr lang="en-US" altLang="zh-CN" dirty="0" smtClean="0"/>
               <a:t>HTMLCollection</a:t>
             </a:r>
             <a:r>
@@ -23869,7 +24616,7 @@
               <a:t>是一个动态集合，每次访问</a:t>
             </a:r>
             <a:r>
-              <a:rPr lang="en-US" altLang="zh-CN" dirty="0" err="1" smtClean="0"/>
+              <a:rPr lang="en-US" altLang="zh-CN" dirty="0" smtClean="0"/>
               <a:t>HTMLCollection</a:t>
             </a:r>
             <a:r>
@@ -23880,7 +24627,7 @@
           </a:p>
           <a:p>
             <a:r>
-              <a:rPr lang="en-US" altLang="zh-CN" dirty="0" err="1" smtClean="0"/>
+              <a:rPr lang="en-US" altLang="zh-CN" dirty="0" smtClean="0"/>
               <a:t>HTMLCollection</a:t>
             </a:r>
             <a:r>
@@ -23934,69 +24681,20 @@
           <a:lstStyle/>
           <a:p>
             <a:r>
-              <a:rPr lang="en-US" altLang="zh-CN" sz="2100" dirty="0" err="1">
-                <a:latin typeface="Consolas" pitchFamily="49" charset="0"/>
-                <a:cs typeface="Consolas" pitchFamily="49" charset="0"/>
-              </a:rPr>
-              <a:t>var</a:t>
-            </a:r>
-            <a:r>
               <a:rPr lang="en-US" altLang="zh-CN" sz="2100" dirty="0">
                 <a:latin typeface="Consolas" pitchFamily="49" charset="0"/>
                 <a:cs typeface="Consolas" pitchFamily="49" charset="0"/>
               </a:rPr>
-              <a:t> </a:t>
-            </a:r>
-            <a:r>
-              <a:rPr lang="en-US" altLang="zh-CN" sz="2100" dirty="0" err="1">
-                <a:latin typeface="Consolas" pitchFamily="49" charset="0"/>
-                <a:cs typeface="Consolas" pitchFamily="49" charset="0"/>
-              </a:rPr>
-              <a:t>divs</a:t>
-            </a:r>
+              <a:t>var divs = document.getElementsByTagName("div"),</a:t>
+            </a:r>
+          </a:p>
+          <a:p>
             <a:r>
               <a:rPr lang="en-US" altLang="zh-CN" sz="2100" dirty="0">
                 <a:latin typeface="Consolas" pitchFamily="49" charset="0"/>
                 <a:cs typeface="Consolas" pitchFamily="49" charset="0"/>
               </a:rPr>
-              <a:t> = </a:t>
-            </a:r>
-            <a:r>
-              <a:rPr lang="en-US" altLang="zh-CN" sz="2100" dirty="0" err="1">
-                <a:latin typeface="Consolas" pitchFamily="49" charset="0"/>
-                <a:cs typeface="Consolas" pitchFamily="49" charset="0"/>
-              </a:rPr>
-              <a:t>document.getElementsByTagName</a:t>
-            </a:r>
-            <a:r>
-              <a:rPr lang="en-US" altLang="zh-CN" sz="2100" dirty="0">
-                <a:latin typeface="Consolas" pitchFamily="49" charset="0"/>
-                <a:cs typeface="Consolas" pitchFamily="49" charset="0"/>
-              </a:rPr>
-              <a:t>("div"),</a:t>
-            </a:r>
-          </a:p>
-          <a:p>
-            <a:r>
-              <a:rPr lang="en-US" altLang="zh-CN" sz="2100" dirty="0">
-                <a:latin typeface="Consolas" pitchFamily="49" charset="0"/>
-                <a:cs typeface="Consolas" pitchFamily="49" charset="0"/>
-              </a:rPr>
-              <a:t>    </a:t>
-            </a:r>
-            <a:r>
-              <a:rPr lang="en-US" altLang="zh-CN" sz="2100" dirty="0" err="1">
-                <a:latin typeface="Consolas" pitchFamily="49" charset="0"/>
-                <a:cs typeface="Consolas" pitchFamily="49" charset="0"/>
-              </a:rPr>
-              <a:t>i</a:t>
-            </a:r>
-            <a:r>
-              <a:rPr lang="en-US" altLang="zh-CN" sz="2100" dirty="0">
-                <a:latin typeface="Consolas" pitchFamily="49" charset="0"/>
-                <a:cs typeface="Consolas" pitchFamily="49" charset="0"/>
-              </a:rPr>
-              <a:t>,</a:t>
+              <a:t>    i,</a:t>
             </a:r>
           </a:p>
           <a:p>
@@ -24014,132 +24712,34 @@
                 <a:latin typeface="Consolas" pitchFamily="49" charset="0"/>
                 <a:cs typeface="Consolas" pitchFamily="49" charset="0"/>
               </a:rPr>
-              <a:t>for (</a:t>
-            </a:r>
-            <a:r>
-              <a:rPr lang="en-US" altLang="zh-CN" sz="2100" dirty="0" err="1">
-                <a:latin typeface="Consolas" pitchFamily="49" charset="0"/>
-                <a:cs typeface="Consolas" pitchFamily="49" charset="0"/>
-              </a:rPr>
-              <a:t>i</a:t>
-            </a:r>
+              <a:t>for (i = 0; i &lt; divs.length; i++) {</a:t>
+            </a:r>
+          </a:p>
+          <a:p>
             <a:r>
               <a:rPr lang="en-US" altLang="zh-CN" sz="2100" dirty="0">
                 <a:latin typeface="Consolas" pitchFamily="49" charset="0"/>
                 <a:cs typeface="Consolas" pitchFamily="49" charset="0"/>
               </a:rPr>
-              <a:t> = 0; </a:t>
-            </a:r>
-            <a:r>
-              <a:rPr lang="en-US" altLang="zh-CN" sz="2100" dirty="0" err="1">
-                <a:latin typeface="Consolas" pitchFamily="49" charset="0"/>
-                <a:cs typeface="Consolas" pitchFamily="49" charset="0"/>
-              </a:rPr>
-              <a:t>i</a:t>
-            </a:r>
+              <a:t>   div = document.createElement("div");</a:t>
+            </a:r>
+          </a:p>
+          <a:p>
             <a:r>
               <a:rPr lang="en-US" altLang="zh-CN" sz="2100" dirty="0">
                 <a:latin typeface="Consolas" pitchFamily="49" charset="0"/>
                 <a:cs typeface="Consolas" pitchFamily="49" charset="0"/>
               </a:rPr>
-              <a:t> &lt; </a:t>
-            </a:r>
-            <a:r>
-              <a:rPr lang="en-US" altLang="zh-CN" sz="2100" dirty="0" err="1">
-                <a:latin typeface="Consolas" pitchFamily="49" charset="0"/>
-                <a:cs typeface="Consolas" pitchFamily="49" charset="0"/>
-              </a:rPr>
-              <a:t>divs.length</a:t>
-            </a:r>
+              <a:t>   document.body.appendChild(div);</a:t>
+            </a:r>
+          </a:p>
+          <a:p>
             <a:r>
               <a:rPr lang="en-US" altLang="zh-CN" sz="2100" dirty="0">
                 <a:latin typeface="Consolas" pitchFamily="49" charset="0"/>
                 <a:cs typeface="Consolas" pitchFamily="49" charset="0"/>
               </a:rPr>
-              <a:t>; </a:t>
-            </a:r>
-            <a:r>
-              <a:rPr lang="en-US" altLang="zh-CN" sz="2100" dirty="0" err="1">
-                <a:latin typeface="Consolas" pitchFamily="49" charset="0"/>
-                <a:cs typeface="Consolas" pitchFamily="49" charset="0"/>
-              </a:rPr>
-              <a:t>i</a:t>
-            </a:r>
-            <a:r>
-              <a:rPr lang="en-US" altLang="zh-CN" sz="2100" dirty="0">
-                <a:latin typeface="Consolas" pitchFamily="49" charset="0"/>
-                <a:cs typeface="Consolas" pitchFamily="49" charset="0"/>
-              </a:rPr>
-              <a:t>++) {</a:t>
-            </a:r>
-          </a:p>
-          <a:p>
-            <a:r>
-              <a:rPr lang="en-US" altLang="zh-CN" sz="2100" dirty="0">
-                <a:latin typeface="Consolas" pitchFamily="49" charset="0"/>
-                <a:cs typeface="Consolas" pitchFamily="49" charset="0"/>
-              </a:rPr>
-              <a:t>   div = </a:t>
-            </a:r>
-            <a:r>
-              <a:rPr lang="en-US" altLang="zh-CN" sz="2100" dirty="0" err="1">
-                <a:latin typeface="Consolas" pitchFamily="49" charset="0"/>
-                <a:cs typeface="Consolas" pitchFamily="49" charset="0"/>
-              </a:rPr>
-              <a:t>document.createElement</a:t>
-            </a:r>
-            <a:r>
-              <a:rPr lang="en-US" altLang="zh-CN" sz="2100" dirty="0">
-                <a:latin typeface="Consolas" pitchFamily="49" charset="0"/>
-                <a:cs typeface="Consolas" pitchFamily="49" charset="0"/>
-              </a:rPr>
-              <a:t>("div");</a:t>
-            </a:r>
-          </a:p>
-          <a:p>
-            <a:r>
-              <a:rPr lang="en-US" altLang="zh-CN" sz="2100" dirty="0">
-                <a:latin typeface="Consolas" pitchFamily="49" charset="0"/>
-                <a:cs typeface="Consolas" pitchFamily="49" charset="0"/>
-              </a:rPr>
-              <a:t>   </a:t>
-            </a:r>
-            <a:r>
-              <a:rPr lang="en-US" altLang="zh-CN" sz="2100" dirty="0" err="1">
-                <a:latin typeface="Consolas" pitchFamily="49" charset="0"/>
-                <a:cs typeface="Consolas" pitchFamily="49" charset="0"/>
-              </a:rPr>
-              <a:t>document.body.appendChild</a:t>
-            </a:r>
-            <a:r>
-              <a:rPr lang="en-US" altLang="zh-CN" sz="2100" dirty="0">
-                <a:latin typeface="Consolas" pitchFamily="49" charset="0"/>
-                <a:cs typeface="Consolas" pitchFamily="49" charset="0"/>
-              </a:rPr>
-              <a:t>(div);</a:t>
-            </a:r>
-          </a:p>
-          <a:p>
-            <a:r>
-              <a:rPr lang="en-US" altLang="zh-CN" sz="2100" dirty="0">
-                <a:latin typeface="Consolas" pitchFamily="49" charset="0"/>
-                <a:cs typeface="Consolas" pitchFamily="49" charset="0"/>
-              </a:rPr>
-              <a:t>   console.log(</a:t>
-            </a:r>
-            <a:r>
-              <a:rPr lang="en-US" altLang="zh-CN" sz="2100" dirty="0" err="1">
-                <a:latin typeface="Consolas" pitchFamily="49" charset="0"/>
-                <a:cs typeface="Consolas" pitchFamily="49" charset="0"/>
-              </a:rPr>
-              <a:t>i</a:t>
-            </a:r>
-            <a:r>
-              <a:rPr lang="en-US" altLang="zh-CN" sz="2100" dirty="0">
-                <a:latin typeface="Consolas" pitchFamily="49" charset="0"/>
-                <a:cs typeface="Consolas" pitchFamily="49" charset="0"/>
-              </a:rPr>
-              <a:t>);</a:t>
+              <a:t>   console.log(i);</a:t>
             </a:r>
           </a:p>
           <a:p>
@@ -24379,7 +24979,7 @@
 </p:sld>
 </file>
 
-<file path=ppt/slides/slide13.xml><?xml version="1.0" encoding="utf-8"?>
+<file path=ppt/slides/slide15.xml><?xml version="1.0" encoding="utf-8"?>
 <p:sld xmlns:a="http://schemas.openxmlformats.org/drawingml/2006/main" xmlns:r="http://schemas.openxmlformats.org/officeDocument/2006/relationships" xmlns:p="http://schemas.openxmlformats.org/presentationml/2006/main">
   <p:cSld>
     <p:spTree>
@@ -24480,7 +25080,7 @@
               <a:t>到</a:t>
             </a:r>
             <a:r>
-              <a:rPr lang="en-US" altLang="zh-CN" dirty="0" err="1" smtClean="0"/>
+              <a:rPr lang="en-US" altLang="zh-CN" dirty="0" smtClean="0"/>
               <a:t>HTMLCollection</a:t>
             </a:r>
             <a:r>
@@ -24488,10 +25088,9 @@
               <a:t>不能不提到</a:t>
             </a:r>
             <a:r>
-              <a:rPr lang="en-US" altLang="zh-CN" dirty="0" err="1" smtClean="0"/>
+              <a:rPr lang="en-US" altLang="zh-CN" dirty="0" smtClean="0"/>
               <a:t>NodeList</a:t>
             </a:r>
-            <a:endParaRPr lang="en-US" altLang="zh-CN" dirty="0" smtClean="0"/>
           </a:p>
           <a:p>
             <a:r>
@@ -24586,18 +25185,11 @@
           </a:p>
           <a:p>
             <a:r>
-              <a:rPr lang="en-US" altLang="zh-CN" sz="2100" dirty="0" err="1" smtClean="0">
-                <a:latin typeface="Consolas" pitchFamily="49" charset="0"/>
-                <a:cs typeface="Consolas" pitchFamily="49" charset="0"/>
-              </a:rPr>
-              <a:t>document.childNodes</a:t>
-            </a:r>
-            <a:r>
               <a:rPr lang="en-US" altLang="zh-CN" sz="2100" dirty="0" smtClean="0">
                 <a:latin typeface="Consolas" pitchFamily="49" charset="0"/>
                 <a:cs typeface="Consolas" pitchFamily="49" charset="0"/>
               </a:rPr>
-              <a:t> //</a:t>
+              <a:t>document.childNodes //</a:t>
             </a:r>
             <a:r>
               <a:rPr lang="zh-CN" altLang="en-US" sz="2100" dirty="0" smtClean="0">
@@ -24607,18 +25199,11 @@
               <a:t>返回</a:t>
             </a:r>
             <a:r>
-              <a:rPr lang="en-US" altLang="zh-CN" sz="2100" dirty="0" err="1" smtClean="0">
+              <a:rPr lang="en-US" altLang="zh-CN" sz="2100" dirty="0" smtClean="0">
                 <a:latin typeface="Consolas" pitchFamily="49" charset="0"/>
                 <a:cs typeface="Consolas" pitchFamily="49" charset="0"/>
               </a:rPr>
               <a:t>NodeList</a:t>
-            </a:r>
-            <a:r>
-              <a:rPr lang="en-US" altLang="zh-CN" sz="2100" dirty="0" smtClean="0">
-                <a:latin typeface="Consolas" pitchFamily="49" charset="0"/>
-                <a:cs typeface="Consolas" pitchFamily="49" charset="0"/>
-              </a:rPr>
-              <a:t/>
             </a:r>
             <a:br>
               <a:rPr lang="en-US" altLang="zh-CN" sz="2100" dirty="0" smtClean="0">
@@ -24627,18 +25212,11 @@
               </a:rPr>
             </a:br>
             <a:r>
-              <a:rPr lang="en-US" altLang="zh-CN" sz="2100" dirty="0" err="1" smtClean="0">
-                <a:latin typeface="Consolas" pitchFamily="49" charset="0"/>
-                <a:cs typeface="Consolas" pitchFamily="49" charset="0"/>
-              </a:rPr>
-              <a:t>document.children</a:t>
-            </a:r>
-            <a:r>
               <a:rPr lang="en-US" altLang="zh-CN" sz="2100" dirty="0" smtClean="0">
                 <a:latin typeface="Consolas" pitchFamily="49" charset="0"/>
                 <a:cs typeface="Consolas" pitchFamily="49" charset="0"/>
               </a:rPr>
-              <a:t> //</a:t>
+              <a:t>document.children //</a:t>
             </a:r>
             <a:r>
               <a:rPr lang="zh-CN" altLang="en-US" sz="2100" dirty="0" smtClean="0">
@@ -24648,16 +25226,12 @@
               <a:t>返回</a:t>
             </a:r>
             <a:r>
-              <a:rPr lang="en-US" altLang="zh-CN" sz="2100" dirty="0" err="1" smtClean="0">
+              <a:rPr lang="en-US" altLang="zh-CN" sz="2100" dirty="0" smtClean="0">
                 <a:latin typeface="Consolas" pitchFamily="49" charset="0"/>
                 <a:cs typeface="Consolas" pitchFamily="49" charset="0"/>
               </a:rPr>
               <a:t>HTMLCollection</a:t>
             </a:r>
-            <a:endParaRPr lang="en-US" altLang="zh-CN" sz="2100" dirty="0" smtClean="0">
-              <a:latin typeface="Consolas" pitchFamily="49" charset="0"/>
-              <a:cs typeface="Consolas" pitchFamily="49" charset="0"/>
-            </a:endParaRPr>
           </a:p>
           <a:p>
             <a:endParaRPr lang="en-US" altLang="zh-CN" sz="2100" dirty="0" smtClean="0">
@@ -24772,7 +25346,7 @@
 </p:sld>
 </file>
 
-<file path=ppt/slides/slide14.xml><?xml version="1.0" encoding="utf-8"?>
+<file path=ppt/slides/slide16.xml><?xml version="1.0" encoding="utf-8"?>
 <p:sld xmlns:a="http://schemas.openxmlformats.org/drawingml/2006/main" xmlns:r="http://schemas.openxmlformats.org/officeDocument/2006/relationships" xmlns:p="http://schemas.openxmlformats.org/presentationml/2006/main">
   <p:cSld>
     <p:spTree>
@@ -24834,7 +25408,7 @@
           <a:lstStyle/>
           <a:p>
             <a:r>
-              <a:rPr lang="en-US" altLang="zh-CN" sz="2400" dirty="0" err="1" smtClean="0"/>
+              <a:rPr lang="en-US" altLang="zh-CN" sz="2400" dirty="0" smtClean="0"/>
               <a:t>NodeList</a:t>
             </a:r>
             <a:endParaRPr lang="zh-CN" altLang="en-US" sz="2400" dirty="0"/>
@@ -25071,506 +25645,7 @@
 </p:sld>
 </file>
 
-<file path=ppt/slides/slide15.xml><?xml version="1.0" encoding="utf-8"?>
-<p:sld xmlns:a="http://schemas.openxmlformats.org/drawingml/2006/main" xmlns:r="http://schemas.openxmlformats.org/officeDocument/2006/relationships" xmlns:p="http://schemas.openxmlformats.org/presentationml/2006/main">
-  <p:cSld>
-    <p:spTree>
-      <p:nvGrpSpPr>
-        <p:cNvPr id="1" name=""/>
-        <p:cNvGrpSpPr/>
-        <p:nvPr/>
-      </p:nvGrpSpPr>
-      <p:grpSpPr>
-        <a:xfrm>
-          <a:off x="0" y="0"/>
-          <a:ext cx="0" cy="0"/>
-          <a:chOff x="0" y="0"/>
-          <a:chExt cx="0" cy="0"/>
-        </a:xfrm>
-      </p:grpSpPr>
-      <p:sp>
-        <p:nvSpPr>
-          <p:cNvPr id="2" name="标题 1"/>
-          <p:cNvSpPr>
-            <a:spLocks noGrp="1"/>
-          </p:cNvSpPr>
-          <p:nvPr>
-            <p:ph type="title"/>
-          </p:nvPr>
-        </p:nvSpPr>
-        <p:spPr>
-          <a:xfrm>
-            <a:off x="467544" y="836712"/>
-            <a:ext cx="8229600" cy="1066800"/>
-          </a:xfrm>
-        </p:spPr>
-        <p:txBody>
-          <a:bodyPr/>
-          <a:lstStyle/>
-          <a:p>
-            <a:r>
-              <a:rPr lang="en-US" altLang="zh-CN" dirty="0" smtClean="0">
-                <a:latin typeface="Adobe 黑体 Std R" pitchFamily="34" charset="-122"/>
-                <a:ea typeface="Adobe 黑体 Std R" pitchFamily="34" charset="-122"/>
-              </a:rPr>
-              <a:t>DOM </a:t>
-            </a:r>
-            <a:r>
-              <a:rPr lang="zh-CN" altLang="en-US" dirty="0" smtClean="0">
-                <a:latin typeface="Adobe 黑体 Std R" pitchFamily="34" charset="-122"/>
-                <a:ea typeface="Adobe 黑体 Std R" pitchFamily="34" charset="-122"/>
-              </a:rPr>
-              <a:t>节点插入</a:t>
-            </a:r>
-            <a:endParaRPr lang="zh-CN" altLang="en-US" dirty="0">
-              <a:latin typeface="Adobe 黑体 Std R" pitchFamily="34" charset="-122"/>
-              <a:ea typeface="Adobe 黑体 Std R" pitchFamily="34" charset="-122"/>
-            </a:endParaRPr>
-          </a:p>
-        </p:txBody>
-      </p:sp>
-      <p:sp>
-        <p:nvSpPr>
-          <p:cNvPr id="3" name="内容占位符 2"/>
-          <p:cNvSpPr>
-            <a:spLocks noGrp="1"/>
-          </p:cNvSpPr>
-          <p:nvPr>
-            <p:ph idx="1"/>
-          </p:nvPr>
-        </p:nvSpPr>
-        <p:spPr>
-          <a:xfrm>
-            <a:off x="431929" y="4149080"/>
-            <a:ext cx="8229600" cy="2304256"/>
-          </a:xfrm>
-        </p:spPr>
-        <p:txBody>
-          <a:bodyPr>
-            <a:normAutofit/>
-          </a:bodyPr>
-          <a:lstStyle/>
-          <a:p>
-            <a:pPr marL="109728" indent="0">
-              <a:buNone/>
-            </a:pPr>
-            <a:r>
-              <a:rPr lang="zh-CN" altLang="en-US" dirty="0" smtClean="0">
-                <a:solidFill>
-                  <a:schemeClr val="accent1">
-                    <a:lumMod val="75000"/>
-                  </a:schemeClr>
-                </a:solidFill>
-                <a:latin typeface="Adobe 黑体 Std R" pitchFamily="34" charset="-122"/>
-                <a:ea typeface="Adobe 黑体 Std R" pitchFamily="34" charset="-122"/>
-              </a:rPr>
-              <a:t>功能基本实现，但性能低下；</a:t>
-            </a:r>
-            <a:endParaRPr lang="en-US" altLang="zh-CN" dirty="0" smtClean="0">
-              <a:solidFill>
-                <a:schemeClr val="accent1">
-                  <a:lumMod val="75000"/>
-                </a:schemeClr>
-              </a:solidFill>
-              <a:latin typeface="Adobe 黑体 Std R" pitchFamily="34" charset="-122"/>
-              <a:ea typeface="Adobe 黑体 Std R" pitchFamily="34" charset="-122"/>
-            </a:endParaRPr>
-          </a:p>
-          <a:p>
-            <a:pPr marL="109728" indent="0">
-              <a:buNone/>
-            </a:pPr>
-            <a:r>
-              <a:rPr lang="zh-CN" altLang="en-US" dirty="0" smtClean="0">
-                <a:solidFill>
-                  <a:schemeClr val="accent1">
-                    <a:lumMod val="75000"/>
-                  </a:schemeClr>
-                </a:solidFill>
-                <a:latin typeface="Adobe 黑体 Std R" pitchFamily="34" charset="-122"/>
-                <a:ea typeface="Adobe 黑体 Std R" pitchFamily="34" charset="-122"/>
-              </a:rPr>
-              <a:t>在低版本</a:t>
-            </a:r>
-            <a:r>
-              <a:rPr lang="en-US" altLang="zh-CN" dirty="0" smtClean="0">
-                <a:solidFill>
-                  <a:schemeClr val="accent1">
-                    <a:lumMod val="75000"/>
-                  </a:schemeClr>
-                </a:solidFill>
-                <a:latin typeface="Adobe 黑体 Std R" pitchFamily="34" charset="-122"/>
-                <a:ea typeface="Adobe 黑体 Std R" pitchFamily="34" charset="-122"/>
-              </a:rPr>
-              <a:t>IE</a:t>
-            </a:r>
-            <a:r>
-              <a:rPr lang="zh-CN" altLang="en-US" dirty="0" smtClean="0">
-                <a:solidFill>
-                  <a:schemeClr val="accent1">
-                    <a:lumMod val="75000"/>
-                  </a:schemeClr>
-                </a:solidFill>
-                <a:latin typeface="Adobe 黑体 Std R" pitchFamily="34" charset="-122"/>
-                <a:ea typeface="Adobe 黑体 Std R" pitchFamily="34" charset="-122"/>
-              </a:rPr>
-              <a:t>下，缺少优化机制，每次</a:t>
-            </a:r>
-            <a:r>
-              <a:rPr lang="en-US" altLang="zh-CN" dirty="0" err="1" smtClean="0">
-                <a:solidFill>
-                  <a:schemeClr val="accent1">
-                    <a:lumMod val="75000"/>
-                  </a:schemeClr>
-                </a:solidFill>
-                <a:latin typeface="Adobe 黑体 Std R" pitchFamily="34" charset="-122"/>
-                <a:ea typeface="Adobe 黑体 Std R" pitchFamily="34" charset="-122"/>
-              </a:rPr>
-              <a:t>appendChild</a:t>
-            </a:r>
-            <a:r>
-              <a:rPr lang="zh-CN" altLang="en-US" dirty="0" smtClean="0">
-                <a:solidFill>
-                  <a:schemeClr val="accent1">
-                    <a:lumMod val="75000"/>
-                  </a:schemeClr>
-                </a:solidFill>
-                <a:latin typeface="Adobe 黑体 Std R" pitchFamily="34" charset="-122"/>
-                <a:ea typeface="Adobe 黑体 Std R" pitchFamily="34" charset="-122"/>
-              </a:rPr>
-              <a:t>都会造成回流和渲染。</a:t>
-            </a:r>
-            <a:endParaRPr lang="zh-CN" altLang="en-US" dirty="0">
-              <a:solidFill>
-                <a:schemeClr val="accent1">
-                  <a:lumMod val="75000"/>
-                </a:schemeClr>
-              </a:solidFill>
-              <a:latin typeface="Adobe 黑体 Std R" pitchFamily="34" charset="-122"/>
-              <a:ea typeface="Adobe 黑体 Std R" pitchFamily="34" charset="-122"/>
-            </a:endParaRPr>
-          </a:p>
-        </p:txBody>
-      </p:sp>
-      <p:sp>
-        <p:nvSpPr>
-          <p:cNvPr id="4" name="矩形 3"/>
-          <p:cNvSpPr/>
-          <p:nvPr/>
-        </p:nvSpPr>
-        <p:spPr>
-          <a:xfrm>
-            <a:off x="467544" y="1782801"/>
-            <a:ext cx="8280920" cy="2160240"/>
-          </a:xfrm>
-          <a:prstGeom prst="rect">
-            <a:avLst/>
-          </a:prstGeom>
-          <a:solidFill>
-            <a:schemeClr val="accent2">
-              <a:lumMod val="75000"/>
-            </a:schemeClr>
-          </a:solidFill>
-        </p:spPr>
-        <p:style>
-          <a:lnRef idx="3">
-            <a:schemeClr val="lt1"/>
-          </a:lnRef>
-          <a:fillRef idx="1">
-            <a:schemeClr val="accent6"/>
-          </a:fillRef>
-          <a:effectRef idx="1">
-            <a:schemeClr val="accent6"/>
-          </a:effectRef>
-          <a:fontRef idx="minor">
-            <a:schemeClr val="lt1"/>
-          </a:fontRef>
-        </p:style>
-        <p:txBody>
-          <a:bodyPr rtlCol="0" anchor="ctr"/>
-          <a:lstStyle/>
-          <a:p>
-            <a:r>
-              <a:rPr lang="en-US" altLang="zh-CN" sz="2100" dirty="0" err="1" smtClean="0">
-                <a:latin typeface="Consolas" pitchFamily="49" charset="0"/>
-                <a:cs typeface="Consolas" pitchFamily="49" charset="0"/>
-              </a:rPr>
-              <a:t>var</a:t>
-            </a:r>
-            <a:r>
-              <a:rPr lang="en-US" altLang="zh-CN" sz="2100" dirty="0" smtClean="0">
-                <a:latin typeface="Consolas" pitchFamily="49" charset="0"/>
-                <a:cs typeface="Consolas" pitchFamily="49" charset="0"/>
-              </a:rPr>
-              <a:t> nodes = </a:t>
-            </a:r>
-            <a:r>
-              <a:rPr lang="en-US" altLang="zh-CN" sz="2100" dirty="0" err="1" smtClean="0">
-                <a:latin typeface="Consolas" pitchFamily="49" charset="0"/>
-                <a:cs typeface="Consolas" pitchFamily="49" charset="0"/>
-              </a:rPr>
-              <a:t>div.childNodes</a:t>
-            </a:r>
-            <a:r>
-              <a:rPr lang="en-US" altLang="zh-CN" sz="2100" dirty="0" smtClean="0">
-                <a:latin typeface="Consolas" pitchFamily="49" charset="0"/>
-                <a:cs typeface="Consolas" pitchFamily="49" charset="0"/>
-              </a:rPr>
-              <a:t>; </a:t>
-            </a:r>
-          </a:p>
-          <a:p>
-            <a:r>
-              <a:rPr lang="en-US" altLang="zh-CN" sz="2100" dirty="0" smtClean="0">
-                <a:latin typeface="Consolas" pitchFamily="49" charset="0"/>
-                <a:cs typeface="Consolas" pitchFamily="49" charset="0"/>
-              </a:rPr>
-              <a:t>for (</a:t>
-            </a:r>
-            <a:r>
-              <a:rPr lang="en-US" altLang="zh-CN" sz="2100" dirty="0" err="1" smtClean="0">
-                <a:latin typeface="Consolas" pitchFamily="49" charset="0"/>
-                <a:cs typeface="Consolas" pitchFamily="49" charset="0"/>
-              </a:rPr>
-              <a:t>var</a:t>
-            </a:r>
-            <a:r>
-              <a:rPr lang="en-US" altLang="zh-CN" sz="2100" dirty="0" smtClean="0">
-                <a:latin typeface="Consolas" pitchFamily="49" charset="0"/>
-                <a:cs typeface="Consolas" pitchFamily="49" charset="0"/>
-              </a:rPr>
-              <a:t> </a:t>
-            </a:r>
-            <a:r>
-              <a:rPr lang="en-US" altLang="zh-CN" sz="2100" dirty="0" err="1" smtClean="0">
-                <a:latin typeface="Consolas" pitchFamily="49" charset="0"/>
-                <a:cs typeface="Consolas" pitchFamily="49" charset="0"/>
-              </a:rPr>
-              <a:t>i</a:t>
-            </a:r>
-            <a:r>
-              <a:rPr lang="en-US" altLang="zh-CN" sz="2100" dirty="0" smtClean="0">
-                <a:latin typeface="Consolas" pitchFamily="49" charset="0"/>
-                <a:cs typeface="Consolas" pitchFamily="49" charset="0"/>
-              </a:rPr>
-              <a:t>=0, length=</a:t>
-            </a:r>
-            <a:r>
-              <a:rPr lang="en-US" altLang="zh-CN" sz="2100" dirty="0" err="1" smtClean="0">
-                <a:latin typeface="Consolas" pitchFamily="49" charset="0"/>
-                <a:cs typeface="Consolas" pitchFamily="49" charset="0"/>
-              </a:rPr>
-              <a:t>nodes.length</a:t>
-            </a:r>
-            <a:r>
-              <a:rPr lang="en-US" altLang="zh-CN" sz="2100" dirty="0" smtClean="0">
-                <a:latin typeface="Consolas" pitchFamily="49" charset="0"/>
-                <a:cs typeface="Consolas" pitchFamily="49" charset="0"/>
-              </a:rPr>
-              <a:t>; </a:t>
-            </a:r>
-            <a:r>
-              <a:rPr lang="en-US" altLang="zh-CN" sz="2100" dirty="0" err="1" smtClean="0">
-                <a:latin typeface="Consolas" pitchFamily="49" charset="0"/>
-                <a:cs typeface="Consolas" pitchFamily="49" charset="0"/>
-              </a:rPr>
-              <a:t>i</a:t>
-            </a:r>
-            <a:r>
-              <a:rPr lang="en-US" altLang="zh-CN" sz="2100" dirty="0" smtClean="0">
-                <a:latin typeface="Consolas" pitchFamily="49" charset="0"/>
-                <a:cs typeface="Consolas" pitchFamily="49" charset="0"/>
-              </a:rPr>
-              <a:t>&lt;length; </a:t>
-            </a:r>
-            <a:r>
-              <a:rPr lang="en-US" altLang="zh-CN" sz="2100" dirty="0" err="1" smtClean="0">
-                <a:latin typeface="Consolas" pitchFamily="49" charset="0"/>
-                <a:cs typeface="Consolas" pitchFamily="49" charset="0"/>
-              </a:rPr>
-              <a:t>i</a:t>
-            </a:r>
-            <a:r>
-              <a:rPr lang="en-US" altLang="zh-CN" sz="2100" dirty="0" smtClean="0">
-                <a:latin typeface="Consolas" pitchFamily="49" charset="0"/>
-                <a:cs typeface="Consolas" pitchFamily="49" charset="0"/>
-              </a:rPr>
-              <a:t>+=1) { </a:t>
-            </a:r>
-          </a:p>
-          <a:p>
-            <a:r>
-              <a:rPr lang="en-US" altLang="zh-CN" sz="2100" dirty="0" smtClean="0">
-                <a:latin typeface="Consolas" pitchFamily="49" charset="0"/>
-                <a:cs typeface="Consolas" pitchFamily="49" charset="0"/>
-              </a:rPr>
-              <a:t>    </a:t>
-            </a:r>
-            <a:r>
-              <a:rPr lang="en-US" altLang="zh-CN" sz="2100" dirty="0" smtClean="0">
-                <a:latin typeface="Adobe 黑体 Std R" pitchFamily="34" charset="-122"/>
-                <a:ea typeface="Adobe 黑体 Std R" pitchFamily="34" charset="-122"/>
-                <a:cs typeface="Consolas" pitchFamily="49" charset="0"/>
-              </a:rPr>
-              <a:t>// </a:t>
-            </a:r>
-            <a:r>
-              <a:rPr lang="zh-CN" altLang="en-US" sz="2100" dirty="0">
-                <a:latin typeface="Adobe 黑体 Std R" pitchFamily="34" charset="-122"/>
-                <a:ea typeface="Adobe 黑体 Std R" pitchFamily="34" charset="-122"/>
-                <a:cs typeface="Consolas" pitchFamily="49" charset="0"/>
-              </a:rPr>
-              <a:t>容器</a:t>
-            </a:r>
-            <a:r>
-              <a:rPr lang="en-US" altLang="zh-CN" sz="2100" dirty="0">
-                <a:latin typeface="Adobe 黑体 Std R" pitchFamily="34" charset="-122"/>
-                <a:ea typeface="Adobe 黑体 Std R" pitchFamily="34" charset="-122"/>
-                <a:cs typeface="Consolas" pitchFamily="49" charset="0"/>
-              </a:rPr>
-              <a:t>container</a:t>
-            </a:r>
-            <a:r>
-              <a:rPr lang="zh-CN" altLang="en-US" sz="2100" dirty="0">
-                <a:latin typeface="Adobe 黑体 Std R" pitchFamily="34" charset="-122"/>
-                <a:ea typeface="Adobe 黑体 Std R" pitchFamily="34" charset="-122"/>
-                <a:cs typeface="Consolas" pitchFamily="49" charset="0"/>
-              </a:rPr>
-              <a:t>加载克隆的节点 </a:t>
-            </a:r>
-            <a:r>
-              <a:rPr lang="en-US" altLang="zh-CN" sz="2100" dirty="0">
-                <a:latin typeface="Adobe 黑体 Std R" pitchFamily="34" charset="-122"/>
-                <a:ea typeface="Adobe 黑体 Std R" pitchFamily="34" charset="-122"/>
-                <a:cs typeface="Consolas" pitchFamily="49" charset="0"/>
-              </a:rPr>
-              <a:t>- </a:t>
-            </a:r>
-            <a:r>
-              <a:rPr lang="zh-CN" altLang="en-US" sz="2100" dirty="0">
-                <a:latin typeface="Adobe 黑体 Std R" pitchFamily="34" charset="-122"/>
-                <a:ea typeface="Adobe 黑体 Std R" pitchFamily="34" charset="-122"/>
-                <a:cs typeface="Consolas" pitchFamily="49" charset="0"/>
-              </a:rPr>
-              <a:t>克隆的作用是保证</a:t>
-            </a:r>
-            <a:r>
-              <a:rPr lang="en-US" altLang="zh-CN" sz="2100" dirty="0">
-                <a:latin typeface="Adobe 黑体 Std R" pitchFamily="34" charset="-122"/>
-                <a:ea typeface="Adobe 黑体 Std R" pitchFamily="34" charset="-122"/>
-                <a:cs typeface="Consolas" pitchFamily="49" charset="0"/>
-              </a:rPr>
-              <a:t>nodes</a:t>
-            </a:r>
-            <a:r>
-              <a:rPr lang="zh-CN" altLang="en-US" sz="2100" dirty="0">
-                <a:latin typeface="Adobe 黑体 Std R" pitchFamily="34" charset="-122"/>
-                <a:ea typeface="Adobe 黑体 Std R" pitchFamily="34" charset="-122"/>
-                <a:cs typeface="Consolas" pitchFamily="49" charset="0"/>
-              </a:rPr>
-              <a:t>的完整</a:t>
-            </a:r>
-            <a:r>
-              <a:rPr lang="zh-CN" altLang="en-US" sz="2100" dirty="0" smtClean="0">
-                <a:latin typeface="Adobe 黑体 Std R" pitchFamily="34" charset="-122"/>
-                <a:ea typeface="Adobe 黑体 Std R" pitchFamily="34" charset="-122"/>
-                <a:cs typeface="Consolas" pitchFamily="49" charset="0"/>
-              </a:rPr>
-              <a:t>   </a:t>
-            </a:r>
-            <a:endParaRPr lang="en-US" altLang="zh-CN" sz="2100" dirty="0">
-              <a:latin typeface="Adobe 黑体 Std R" pitchFamily="34" charset="-122"/>
-              <a:ea typeface="Adobe 黑体 Std R" pitchFamily="34" charset="-122"/>
-              <a:cs typeface="Consolas" pitchFamily="49" charset="0"/>
-            </a:endParaRPr>
-          </a:p>
-          <a:p>
-            <a:r>
-              <a:rPr lang="en-US" altLang="zh-CN" sz="2100" dirty="0" smtClean="0">
-                <a:latin typeface="Consolas" pitchFamily="49" charset="0"/>
-                <a:cs typeface="Consolas" pitchFamily="49" charset="0"/>
-              </a:rPr>
-              <a:t>    </a:t>
-            </a:r>
-            <a:r>
-              <a:rPr lang="en-US" altLang="zh-CN" sz="2100" dirty="0" err="1" smtClean="0">
-                <a:latin typeface="Consolas" pitchFamily="49" charset="0"/>
-                <a:cs typeface="Consolas" pitchFamily="49" charset="0"/>
-              </a:rPr>
-              <a:t>container.appendChild</a:t>
-            </a:r>
-            <a:r>
-              <a:rPr lang="en-US" altLang="zh-CN" sz="2100" dirty="0" smtClean="0">
-                <a:latin typeface="Consolas" pitchFamily="49" charset="0"/>
-                <a:cs typeface="Consolas" pitchFamily="49" charset="0"/>
-              </a:rPr>
-              <a:t>(nodes[</a:t>
-            </a:r>
-            <a:r>
-              <a:rPr lang="en-US" altLang="zh-CN" sz="2100" dirty="0" err="1" smtClean="0">
-                <a:latin typeface="Consolas" pitchFamily="49" charset="0"/>
-                <a:cs typeface="Consolas" pitchFamily="49" charset="0"/>
-              </a:rPr>
-              <a:t>i</a:t>
-            </a:r>
-            <a:r>
-              <a:rPr lang="en-US" altLang="zh-CN" sz="2100" dirty="0" smtClean="0">
-                <a:latin typeface="Consolas" pitchFamily="49" charset="0"/>
-                <a:cs typeface="Consolas" pitchFamily="49" charset="0"/>
-              </a:rPr>
-              <a:t>].</a:t>
-            </a:r>
-            <a:r>
-              <a:rPr lang="en-US" altLang="zh-CN" sz="2100" dirty="0" err="1" smtClean="0">
-                <a:latin typeface="Consolas" pitchFamily="49" charset="0"/>
-                <a:cs typeface="Consolas" pitchFamily="49" charset="0"/>
-              </a:rPr>
-              <a:t>cloneNode</a:t>
-            </a:r>
-            <a:r>
-              <a:rPr lang="en-US" altLang="zh-CN" sz="2100" dirty="0" smtClean="0">
-                <a:latin typeface="Consolas" pitchFamily="49" charset="0"/>
-                <a:cs typeface="Consolas" pitchFamily="49" charset="0"/>
-              </a:rPr>
-              <a:t>(true)); </a:t>
-            </a:r>
-          </a:p>
-          <a:p>
-            <a:r>
-              <a:rPr lang="en-US" altLang="zh-CN" sz="2100" dirty="0" smtClean="0">
-                <a:latin typeface="Consolas" pitchFamily="49" charset="0"/>
-                <a:cs typeface="Consolas" pitchFamily="49" charset="0"/>
-              </a:rPr>
-              <a:t>}</a:t>
-            </a:r>
-            <a:endParaRPr lang="zh-CN" altLang="en-US" sz="2100" dirty="0">
-              <a:latin typeface="Consolas" pitchFamily="49" charset="0"/>
-              <a:cs typeface="Consolas" pitchFamily="49" charset="0"/>
-            </a:endParaRPr>
-          </a:p>
-        </p:txBody>
-      </p:sp>
-    </p:spTree>
-    <p:extLst>
-      <p:ext uri="{BB962C8B-B14F-4D97-AF65-F5344CB8AC3E}">
-        <p14:creationId xmlns:p14="http://schemas.microsoft.com/office/powerpoint/2010/main" val="1433173383"/>
-      </p:ext>
-    </p:extLst>
-  </p:cSld>
-  <p:clrMapOvr>
-    <a:masterClrMapping/>
-  </p:clrMapOvr>
-  <p:timing>
-    <p:tnLst>
-      <p:par>
-        <p:cTn id="1" dur="indefinite" restart="never" nodeType="tmRoot"/>
-      </p:par>
-    </p:tnLst>
-  </p:timing>
-</p:sld>
-</file>
-
-<file path=ppt/slides/slide16.xml><?xml version="1.0" encoding="utf-8"?>
+<file path=ppt/slides/slide17.xml><?xml version="1.0" encoding="utf-8"?>
 <p:sld xmlns:a="http://schemas.openxmlformats.org/drawingml/2006/main" xmlns:r="http://schemas.openxmlformats.org/officeDocument/2006/relationships" xmlns:p="http://schemas.openxmlformats.org/presentationml/2006/main">
   <p:cSld>
     <p:spTree>
@@ -25663,12 +25738,8 @@
           <a:lstStyle/>
           <a:p>
             <a:r>
-              <a:rPr lang="en-US" altLang="zh-CN" dirty="0" err="1" smtClean="0"/>
-              <a:t>node.removeChild</a:t>
-            </a:r>
-            <a:r>
               <a:rPr lang="en-US" altLang="zh-CN" dirty="0" smtClean="0"/>
-              <a:t>()</a:t>
+              <a:t>node.removeChild()</a:t>
             </a:r>
           </a:p>
           <a:p>
@@ -25684,16 +25755,6 @@
               <a:t>删除自身 </a:t>
             </a:r>
             <a:r>
-              <a:rPr lang="en-US" altLang="zh-CN" dirty="0" err="1" smtClean="0">
-                <a:solidFill>
-                  <a:schemeClr val="accent2">
-                    <a:lumMod val="50000"/>
-                  </a:schemeClr>
-                </a:solidFill>
-              </a:rPr>
-              <a:t>node.parentNode.removeChild</a:t>
-            </a:r>
-            <a:r>
               <a:rPr lang="en-US" altLang="zh-CN" dirty="0" smtClean="0">
                 <a:solidFill>
                   <a:schemeClr val="accent2">
@@ -25701,7 +25762,7 @@
                   </a:schemeClr>
                 </a:solidFill>
               </a:rPr>
-              <a:t>(node)</a:t>
+              <a:t>node.parentNode.removeChild(node)</a:t>
             </a:r>
           </a:p>
           <a:p>
@@ -25736,22 +25797,25 @@
           </a:p>
           <a:p>
             <a:r>
-              <a:rPr lang="en-US" altLang="zh-CN" dirty="0" err="1" smtClean="0"/>
-              <a:t>node.innerHTML</a:t>
-            </a:r>
-            <a:r>
               <a:rPr lang="en-US" altLang="zh-CN" dirty="0" smtClean="0"/>
-              <a:t> = ‘’</a:t>
+              <a:t>node.innerHTML = </a:t>
+            </a:r>
+            <a:r>
+              <a:rPr lang="en-US" altLang="zh-CN" dirty="0" smtClean="0"/>
+              <a:t>‘’</a:t>
             </a:r>
           </a:p>
           <a:p>
             <a:r>
-              <a:rPr lang="en-US" altLang="zh-CN" dirty="0" err="1" smtClean="0"/>
-              <a:t>element.removeAttribute</a:t>
-            </a:r>
-            <a:r>
               <a:rPr lang="en-US" altLang="zh-CN" dirty="0" smtClean="0"/>
-              <a:t>()</a:t>
+              <a:t>node.textContent = ‘’</a:t>
+            </a:r>
+            <a:endParaRPr lang="en-US" altLang="zh-CN" dirty="0" smtClean="0"/>
+          </a:p>
+          <a:p>
+            <a:r>
+              <a:rPr lang="en-US" altLang="zh-CN" dirty="0" smtClean="0"/>
+              <a:t>element.removeAttribute()</a:t>
             </a:r>
           </a:p>
         </p:txBody>
@@ -25764,7 +25828,7 @@
         </p:nvSpPr>
         <p:spPr>
           <a:xfrm>
-            <a:off x="431969" y="4221088"/>
+            <a:off x="431969" y="4653136"/>
             <a:ext cx="8280920" cy="1944216"/>
           </a:xfrm>
           <a:prstGeom prst="rect">
@@ -26139,6 +26203,67 @@
                                           </p:stCondLst>
                                         </p:cTn>
                                         <p:tgtEl>
+                                          <p:spTgt spid="3">
+                                            <p:txEl>
+                                              <p:pRg st="5" end="5"/>
+                                            </p:txEl>
+                                          </p:spTgt>
+                                        </p:tgtEl>
+                                        <p:attrNameLst>
+                                          <p:attrName>style.visibility</p:attrName>
+                                        </p:attrNameLst>
+                                      </p:cBhvr>
+                                      <p:to>
+                                        <p:strVal val="visible"/>
+                                      </p:to>
+                                    </p:set>
+                                    <p:animEffect transition="in" filter="fade">
+                                      <p:cBhvr>
+                                        <p:cTn id="28" dur="500"/>
+                                        <p:tgtEl>
+                                          <p:spTgt spid="3">
+                                            <p:txEl>
+                                              <p:pRg st="5" end="5"/>
+                                            </p:txEl>
+                                          </p:spTgt>
+                                        </p:tgtEl>
+                                      </p:cBhvr>
+                                    </p:animEffect>
+                                  </p:childTnLst>
+                                </p:cTn>
+                              </p:par>
+                            </p:childTnLst>
+                          </p:cTn>
+                        </p:par>
+                      </p:childTnLst>
+                    </p:cTn>
+                  </p:par>
+                  <p:par>
+                    <p:cTn id="29" fill="hold">
+                      <p:stCondLst>
+                        <p:cond delay="indefinite"/>
+                      </p:stCondLst>
+                      <p:childTnLst>
+                        <p:par>
+                          <p:cTn id="30" fill="hold">
+                            <p:stCondLst>
+                              <p:cond delay="0"/>
+                            </p:stCondLst>
+                            <p:childTnLst>
+                              <p:par>
+                                <p:cTn id="31" presetID="10" presetClass="entr" presetSubtype="0" fill="hold" grpId="0" nodeType="clickEffect">
+                                  <p:stCondLst>
+                                    <p:cond delay="0"/>
+                                  </p:stCondLst>
+                                  <p:childTnLst>
+                                    <p:set>
+                                      <p:cBhvr>
+                                        <p:cTn id="32" dur="1" fill="hold">
+                                          <p:stCondLst>
+                                            <p:cond delay="0"/>
+                                          </p:stCondLst>
+                                        </p:cTn>
+                                        <p:tgtEl>
                                           <p:spTgt spid="4"/>
                                         </p:tgtEl>
                                         <p:attrNameLst>
@@ -26151,7 +26276,7 @@
                                     </p:set>
                                     <p:animEffect transition="in" filter="fade">
                                       <p:cBhvr>
-                                        <p:cTn id="28" dur="500"/>
+                                        <p:cTn id="33" dur="500"/>
                                         <p:tgtEl>
                                           <p:spTgt spid="4"/>
                                         </p:tgtEl>
@@ -26195,7 +26320,7 @@
 </p:sld>
 </file>
 
-<file path=ppt/slides/slide17.xml><?xml version="1.0" encoding="utf-8"?>
+<file path=ppt/slides/slide18.xml><?xml version="1.0" encoding="utf-8"?>
 <p:sld xmlns:a="http://schemas.openxmlformats.org/drawingml/2006/main" xmlns:r="http://schemas.openxmlformats.org/officeDocument/2006/relationships" xmlns:p="http://schemas.openxmlformats.org/presentationml/2006/main">
   <p:cSld>
     <p:spTree>
@@ -26301,23 +26426,14 @@
           </a:p>
           <a:p>
             <a:r>
-              <a:rPr lang="en-US" altLang="zh-CN" dirty="0" err="1" smtClean="0"/>
-              <a:t>document.querySelector</a:t>
-            </a:r>
-            <a:r>
               <a:rPr lang="en-US" altLang="zh-CN" dirty="0" smtClean="0"/>
-              <a:t>()</a:t>
-            </a:r>
-            <a:endParaRPr lang="en-US" altLang="zh-CN" dirty="0" smtClean="0"/>
+              <a:t>document.querySelector()</a:t>
+            </a:r>
           </a:p>
           <a:p>
             <a:r>
-              <a:rPr lang="en-US" altLang="zh-CN" dirty="0" err="1" smtClean="0"/>
-              <a:t>document.querySelectorAll</a:t>
-            </a:r>
-            <a:r>
               <a:rPr lang="en-US" altLang="zh-CN" dirty="0" smtClean="0"/>
-              <a:t>()</a:t>
+              <a:t>document.querySelectorAll()</a:t>
             </a:r>
             <a:endParaRPr lang="zh-CN" altLang="en-US" dirty="0"/>
           </a:p>
@@ -26635,7 +26751,7 @@
 </p:sld>
 </file>
 
-<file path=ppt/slides/slide18.xml><?xml version="1.0" encoding="utf-8"?>
+<file path=ppt/slides/slide19.xml><?xml version="1.0" encoding="utf-8"?>
 <p:sld xmlns:a="http://schemas.openxmlformats.org/drawingml/2006/main" xmlns:r="http://schemas.openxmlformats.org/officeDocument/2006/relationships" xmlns:p="http://schemas.openxmlformats.org/presentationml/2006/main">
   <p:cSld>
     <p:spTree>
@@ -26728,12 +26844,8 @@
           <a:lstStyle/>
           <a:p>
             <a:r>
-              <a:rPr lang="en-US" altLang="zh-CN" dirty="0" err="1" smtClean="0"/>
-              <a:t>innerHTML</a:t>
-            </a:r>
-            <a:r>
               <a:rPr lang="en-US" altLang="zh-CN" dirty="0" smtClean="0"/>
-              <a:t> </a:t>
+              <a:t>innerHTML </a:t>
             </a:r>
             <a:r>
               <a:rPr lang="zh-CN" altLang="en-US" dirty="0" smtClean="0"/>
@@ -26792,30 +26904,17 @@
           </a:p>
           <a:p>
             <a:r>
-              <a:rPr lang="en-US" altLang="zh-CN" dirty="0" err="1" smtClean="0">
-                <a:ea typeface="Adobe 黑体 Std R" pitchFamily="34" charset="-122"/>
-              </a:rPr>
-              <a:t>outerHTML</a:t>
-            </a:r>
-            <a:r>
               <a:rPr lang="en-US" altLang="zh-CN" dirty="0" smtClean="0">
                 <a:ea typeface="Adobe 黑体 Std R" pitchFamily="34" charset="-122"/>
               </a:rPr>
-              <a:t> </a:t>
+              <a:t>outerHTML </a:t>
             </a:r>
             <a:r>
               <a:rPr lang="zh-CN" altLang="en-US" dirty="0" smtClean="0">
                 <a:latin typeface="Adobe 黑体 Std R" pitchFamily="34" charset="-122"/>
                 <a:ea typeface="Adobe 黑体 Std R" pitchFamily="34" charset="-122"/>
               </a:rPr>
-              <a:t>属</a:t>
-            </a:r>
-            <a:r>
-              <a:rPr lang="zh-CN" altLang="en-US" dirty="0" smtClean="0">
-                <a:latin typeface="Adobe 黑体 Std R" pitchFamily="34" charset="-122"/>
-                <a:ea typeface="Adobe 黑体 Std R" pitchFamily="34" charset="-122"/>
-              </a:rPr>
-              <a:t>性</a:t>
+              <a:t>属性</a:t>
             </a:r>
             <a:endParaRPr lang="en-US" altLang="zh-CN" dirty="0" smtClean="0">
               <a:latin typeface="Adobe 黑体 Std R" pitchFamily="34" charset="-122"/>
@@ -26854,30 +26953,17 @@
           </a:p>
           <a:p>
             <a:r>
-              <a:rPr lang="en-US" altLang="zh-CN" dirty="0" err="1" smtClean="0">
-                <a:ea typeface="Adobe 黑体 Std R" pitchFamily="34" charset="-122"/>
-              </a:rPr>
-              <a:t>innerText</a:t>
-            </a:r>
-            <a:r>
               <a:rPr lang="en-US" altLang="zh-CN" dirty="0" smtClean="0">
                 <a:ea typeface="Adobe 黑体 Std R" pitchFamily="34" charset="-122"/>
               </a:rPr>
-              <a:t> </a:t>
+              <a:t>innerText </a:t>
             </a:r>
             <a:r>
               <a:rPr lang="zh-CN" altLang="en-US" dirty="0" smtClean="0">
                 <a:latin typeface="Adobe 黑体 Std R" pitchFamily="34" charset="-122"/>
                 <a:ea typeface="Adobe 黑体 Std R" pitchFamily="34" charset="-122"/>
               </a:rPr>
-              <a:t>属</a:t>
-            </a:r>
-            <a:r>
-              <a:rPr lang="zh-CN" altLang="en-US" dirty="0" smtClean="0">
-                <a:latin typeface="Adobe 黑体 Std R" pitchFamily="34" charset="-122"/>
-                <a:ea typeface="Adobe 黑体 Std R" pitchFamily="34" charset="-122"/>
-              </a:rPr>
-              <a:t>性</a:t>
+              <a:t>属性</a:t>
             </a:r>
             <a:endParaRPr lang="en-US" altLang="zh-CN" dirty="0" smtClean="0">
               <a:latin typeface="Adobe 黑体 Std R" pitchFamily="34" charset="-122"/>
@@ -26931,18 +27017,11 @@
           <a:lstStyle/>
           <a:p>
             <a:r>
-              <a:rPr lang="en-US" altLang="zh-CN" sz="2100" dirty="0" err="1" smtClean="0">
-                <a:latin typeface="Consolas" pitchFamily="49" charset="0"/>
-                <a:cs typeface="Consolas" pitchFamily="49" charset="0"/>
-              </a:rPr>
-              <a:t>div.outerHTML</a:t>
-            </a:r>
-            <a:r>
               <a:rPr lang="en-US" altLang="zh-CN" sz="2100" dirty="0" smtClean="0">
                 <a:latin typeface="Consolas" pitchFamily="49" charset="0"/>
                 <a:cs typeface="Consolas" pitchFamily="49" charset="0"/>
               </a:rPr>
-              <a:t> = “&lt;p&gt;Hello World!&lt;/p&gt;”;</a:t>
+              <a:t>div.outerHTML = “&lt;p&gt;Hello World!&lt;/p&gt;”;</a:t>
             </a:r>
           </a:p>
           <a:p>
@@ -26956,92 +27035,29 @@
           </a:p>
           <a:p>
             <a:r>
-              <a:rPr lang="en-US" altLang="zh-CN" sz="2100" dirty="0" err="1" smtClean="0">
-                <a:latin typeface="Consolas" pitchFamily="49" charset="0"/>
-                <a:cs typeface="Consolas" pitchFamily="49" charset="0"/>
-              </a:rPr>
-              <a:t>Var</a:t>
-            </a:r>
-            <a:r>
               <a:rPr lang="en-US" altLang="zh-CN" sz="2100" dirty="0" smtClean="0">
                 <a:latin typeface="Consolas" pitchFamily="49" charset="0"/>
                 <a:cs typeface="Consolas" pitchFamily="49" charset="0"/>
               </a:rPr>
-              <a:t> p = </a:t>
-            </a:r>
-            <a:r>
-              <a:rPr lang="en-US" altLang="zh-CN" sz="2100" dirty="0" err="1" smtClean="0">
-                <a:latin typeface="Consolas" pitchFamily="49" charset="0"/>
-                <a:cs typeface="Consolas" pitchFamily="49" charset="0"/>
-              </a:rPr>
-              <a:t>document.createElement</a:t>
-            </a:r>
+              <a:t>Var p = document.createElement(‘p’);</a:t>
+            </a:r>
+          </a:p>
+          <a:p>
             <a:r>
               <a:rPr lang="en-US" altLang="zh-CN" sz="2100" dirty="0" smtClean="0">
                 <a:latin typeface="Consolas" pitchFamily="49" charset="0"/>
                 <a:cs typeface="Consolas" pitchFamily="49" charset="0"/>
               </a:rPr>
-              <a:t>(‘p’);</a:t>
+              <a:t>p.appendChild(document.createTextNode(‘Hello World’));</a:t>
             </a:r>
           </a:p>
           <a:p>
-            <a:r>
-              <a:rPr lang="en-US" altLang="zh-CN" sz="2100" dirty="0" err="1" smtClean="0">
-                <a:latin typeface="Consolas" pitchFamily="49" charset="0"/>
-                <a:cs typeface="Consolas" pitchFamily="49" charset="0"/>
-              </a:rPr>
-              <a:t>p.appendChild</a:t>
-            </a:r>
             <a:r>
               <a:rPr lang="en-US" altLang="zh-CN" sz="2100" dirty="0" smtClean="0">
                 <a:latin typeface="Consolas" pitchFamily="49" charset="0"/>
                 <a:cs typeface="Consolas" pitchFamily="49" charset="0"/>
               </a:rPr>
-              <a:t>(</a:t>
-            </a:r>
-            <a:r>
-              <a:rPr lang="en-US" altLang="zh-CN" sz="2100" dirty="0" err="1" smtClean="0">
-                <a:latin typeface="Consolas" pitchFamily="49" charset="0"/>
-                <a:cs typeface="Consolas" pitchFamily="49" charset="0"/>
-              </a:rPr>
-              <a:t>document.createTextNode</a:t>
-            </a:r>
-            <a:r>
-              <a:rPr lang="en-US" altLang="zh-CN" sz="2100" dirty="0" smtClean="0">
-                <a:latin typeface="Consolas" pitchFamily="49" charset="0"/>
-                <a:cs typeface="Consolas" pitchFamily="49" charset="0"/>
-              </a:rPr>
-              <a:t>(‘Hello World’));</a:t>
-            </a:r>
-          </a:p>
-          <a:p>
-            <a:r>
-              <a:rPr lang="en-US" altLang="zh-CN" sz="2100" dirty="0" err="1" smtClean="0">
-                <a:latin typeface="Consolas" pitchFamily="49" charset="0"/>
-                <a:cs typeface="Consolas" pitchFamily="49" charset="0"/>
-              </a:rPr>
-              <a:t>div.parentNode.replaceChild</a:t>
-            </a:r>
-            <a:r>
-              <a:rPr lang="en-US" altLang="zh-CN" sz="2100" dirty="0" smtClean="0">
-                <a:latin typeface="Consolas" pitchFamily="49" charset="0"/>
-                <a:cs typeface="Consolas" pitchFamily="49" charset="0"/>
-              </a:rPr>
-              <a:t>(</a:t>
-            </a:r>
-            <a:r>
-              <a:rPr lang="en-US" altLang="zh-CN" sz="2100" dirty="0" err="1" smtClean="0">
-                <a:latin typeface="Consolas" pitchFamily="49" charset="0"/>
-                <a:cs typeface="Consolas" pitchFamily="49" charset="0"/>
-              </a:rPr>
-              <a:t>p,div</a:t>
-            </a:r>
-            <a:r>
-              <a:rPr lang="en-US" altLang="zh-CN" sz="2100" dirty="0" smtClean="0">
-                <a:latin typeface="Consolas" pitchFamily="49" charset="0"/>
-                <a:cs typeface="Consolas" pitchFamily="49" charset="0"/>
-              </a:rPr>
-              <a:t>);</a:t>
+              <a:t>div.parentNode.replaceChild(p,div);</a:t>
             </a:r>
             <a:endParaRPr lang="zh-CN" altLang="en-US" sz="2100" dirty="0">
               <a:latin typeface="Consolas" pitchFamily="49" charset="0"/>
@@ -27058,7 +27074,7 @@
         </p:nvSpPr>
         <p:spPr>
           <a:xfrm>
-            <a:off x="2649448" y="3790784"/>
+            <a:off x="2649448" y="4005064"/>
             <a:ext cx="504056" cy="360040"/>
           </a:xfrm>
           <a:prstGeom prst="mathEqual">
@@ -27458,148 +27474,6 @@
 </p:sld>
 </file>
 
-<file path=ppt/slides/slide19.xml><?xml version="1.0" encoding="utf-8"?>
-<p:sld xmlns:a="http://schemas.openxmlformats.org/drawingml/2006/main" xmlns:r="http://schemas.openxmlformats.org/officeDocument/2006/relationships" xmlns:p="http://schemas.openxmlformats.org/presentationml/2006/main">
-  <p:cSld>
-    <p:spTree>
-      <p:nvGrpSpPr>
-        <p:cNvPr id="1" name=""/>
-        <p:cNvGrpSpPr/>
-        <p:nvPr/>
-      </p:nvGrpSpPr>
-      <p:grpSpPr>
-        <a:xfrm>
-          <a:off x="0" y="0"/>
-          <a:ext cx="0" cy="0"/>
-          <a:chOff x="0" y="0"/>
-          <a:chExt cx="0" cy="0"/>
-        </a:xfrm>
-      </p:grpSpPr>
-      <p:sp>
-        <p:nvSpPr>
-          <p:cNvPr id="3" name="内容占位符 2"/>
-          <p:cNvSpPr>
-            <a:spLocks noGrp="1"/>
-          </p:cNvSpPr>
-          <p:nvPr>
-            <p:ph idx="1"/>
-          </p:nvPr>
-        </p:nvSpPr>
-        <p:spPr>
-          <a:xfrm>
-            <a:off x="457200" y="1772816"/>
-            <a:ext cx="8229600" cy="4801720"/>
-          </a:xfrm>
-        </p:spPr>
-        <p:txBody>
-          <a:bodyPr/>
-          <a:lstStyle/>
-          <a:p>
-            <a:r>
-              <a:rPr lang="en-US" altLang="zh-CN" dirty="0" err="1">
-                <a:ea typeface="Adobe 黑体 Std R" pitchFamily="34" charset="-122"/>
-              </a:rPr>
-              <a:t>insertAdjacentHTML</a:t>
-            </a:r>
-            <a:r>
-              <a:rPr lang="en-US" altLang="zh-CN" dirty="0">
-                <a:latin typeface="Adobe 黑体 Std R" pitchFamily="34" charset="-122"/>
-                <a:ea typeface="Adobe 黑体 Std R" pitchFamily="34" charset="-122"/>
-              </a:rPr>
-              <a:t>() </a:t>
-            </a:r>
-            <a:r>
-              <a:rPr lang="zh-CN" altLang="en-US" dirty="0">
-                <a:latin typeface="Adobe 黑体 Std R" pitchFamily="34" charset="-122"/>
-                <a:ea typeface="Adobe 黑体 Std R" pitchFamily="34" charset="-122"/>
-              </a:rPr>
-              <a:t>方法</a:t>
-            </a:r>
-            <a:endParaRPr lang="en-US" altLang="zh-CN" dirty="0">
-              <a:latin typeface="Adobe 黑体 Std R" pitchFamily="34" charset="-122"/>
-              <a:ea typeface="Adobe 黑体 Std R" pitchFamily="34" charset="-122"/>
-            </a:endParaRPr>
-          </a:p>
-          <a:p>
-            <a:endParaRPr lang="zh-CN" altLang="en-US" dirty="0"/>
-          </a:p>
-        </p:txBody>
-      </p:sp>
-      <p:sp>
-        <p:nvSpPr>
-          <p:cNvPr id="4" name="标题 1"/>
-          <p:cNvSpPr>
-            <a:spLocks noGrp="1"/>
-          </p:cNvSpPr>
-          <p:nvPr>
-            <p:ph type="title"/>
-          </p:nvPr>
-        </p:nvSpPr>
-        <p:spPr>
-          <a:xfrm>
-            <a:off x="471829" y="548680"/>
-            <a:ext cx="8229600" cy="1210816"/>
-          </a:xfrm>
-        </p:spPr>
-        <p:txBody>
-          <a:bodyPr/>
-          <a:lstStyle/>
-          <a:p>
-            <a:r>
-              <a:rPr lang="en-US" altLang="zh-CN" dirty="0" smtClean="0">
-                <a:latin typeface="Adobe 黑体 Std R" pitchFamily="34" charset="-122"/>
-                <a:ea typeface="Adobe 黑体 Std R" pitchFamily="34" charset="-122"/>
-              </a:rPr>
-              <a:t>DOM</a:t>
-            </a:r>
-            <a:r>
-              <a:rPr lang="zh-CN" altLang="en-US" dirty="0" smtClean="0">
-                <a:latin typeface="Adobe 黑体 Std R" pitchFamily="34" charset="-122"/>
-                <a:ea typeface="Adobe 黑体 Std R" pitchFamily="34" charset="-122"/>
-              </a:rPr>
-              <a:t>操作</a:t>
-            </a:r>
-            <a:r>
-              <a:rPr lang="en-US" altLang="zh-CN" dirty="0" smtClean="0">
-                <a:latin typeface="Adobe 黑体 Std R" pitchFamily="34" charset="-122"/>
-                <a:ea typeface="Adobe 黑体 Std R" pitchFamily="34" charset="-122"/>
-              </a:rPr>
-              <a:t>-</a:t>
-            </a:r>
-            <a:r>
-              <a:rPr lang="zh-CN" altLang="en-US" dirty="0" smtClean="0">
-                <a:latin typeface="Adobe 黑体 Std R" pitchFamily="34" charset="-122"/>
-                <a:ea typeface="Adobe 黑体 Std R" pitchFamily="34" charset="-122"/>
-              </a:rPr>
-              <a:t>改</a:t>
-            </a:r>
-            <a:endParaRPr lang="zh-CN" altLang="en-US" dirty="0">
-              <a:latin typeface="Adobe 黑体 Std R" pitchFamily="34" charset="-122"/>
-              <a:ea typeface="Adobe 黑体 Std R" pitchFamily="34" charset="-122"/>
-            </a:endParaRPr>
-          </a:p>
-        </p:txBody>
-      </p:sp>
-    </p:spTree>
-    <p:extLst>
-      <p:ext uri="{BB962C8B-B14F-4D97-AF65-F5344CB8AC3E}">
-        <p14:creationId xmlns:p14="http://schemas.microsoft.com/office/powerpoint/2010/main" val="375940118"/>
-      </p:ext>
-    </p:extLst>
-  </p:cSld>
-  <p:clrMapOvr>
-    <a:masterClrMapping/>
-  </p:clrMapOvr>
-  <p:timing>
-    <p:tnLst>
-      <p:par>
-        <p:cTn id="1" dur="indefinite" restart="never" nodeType="tmRoot"/>
-      </p:par>
-    </p:tnLst>
-  </p:timing>
-</p:sld>
-</file>
-
 <file path=ppt/slides/slide2.xml><?xml version="1.0" encoding="utf-8"?>
 <p:sld xmlns:a="http://schemas.openxmlformats.org/drawingml/2006/main" xmlns:r="http://schemas.openxmlformats.org/officeDocument/2006/relationships" xmlns:p="http://schemas.openxmlformats.org/presentationml/2006/main">
   <p:cSld>
@@ -28256,6 +28130,2450 @@
 </p:sld>
 </file>
 
+<file path=ppt/slides/slide20.xml><?xml version="1.0" encoding="utf-8"?>
+<p:sld xmlns:a="http://schemas.openxmlformats.org/drawingml/2006/main" xmlns:r="http://schemas.openxmlformats.org/officeDocument/2006/relationships" xmlns:p="http://schemas.openxmlformats.org/presentationml/2006/main">
+  <p:cSld>
+    <p:spTree>
+      <p:nvGrpSpPr>
+        <p:cNvPr id="1" name=""/>
+        <p:cNvGrpSpPr/>
+        <p:nvPr/>
+      </p:nvGrpSpPr>
+      <p:grpSpPr>
+        <a:xfrm>
+          <a:off x="0" y="0"/>
+          <a:ext cx="0" cy="0"/>
+          <a:chOff x="0" y="0"/>
+          <a:chExt cx="0" cy="0"/>
+        </a:xfrm>
+      </p:grpSpPr>
+      <p:sp>
+        <p:nvSpPr>
+          <p:cNvPr id="3" name="内容占位符 2"/>
+          <p:cNvSpPr>
+            <a:spLocks noGrp="1"/>
+          </p:cNvSpPr>
+          <p:nvPr>
+            <p:ph idx="1"/>
+          </p:nvPr>
+        </p:nvSpPr>
+        <p:spPr>
+          <a:xfrm>
+            <a:off x="457200" y="1772816"/>
+            <a:ext cx="8229600" cy="4801720"/>
+          </a:xfrm>
+        </p:spPr>
+        <p:txBody>
+          <a:bodyPr/>
+          <a:lstStyle/>
+          <a:p>
+            <a:r>
+              <a:rPr lang="en-US" altLang="zh-CN" dirty="0">
+                <a:ea typeface="Adobe 黑体 Std R" pitchFamily="34" charset="-122"/>
+              </a:rPr>
+              <a:t>insertAdjacentHTML() </a:t>
+            </a:r>
+            <a:r>
+              <a:rPr lang="zh-CN" altLang="en-US" dirty="0">
+                <a:latin typeface="Adobe 黑体 Std R" pitchFamily="34" charset="-122"/>
+                <a:ea typeface="Adobe 黑体 Std R" pitchFamily="34" charset="-122"/>
+              </a:rPr>
+              <a:t>方</a:t>
+            </a:r>
+            <a:r>
+              <a:rPr lang="zh-CN" altLang="en-US" dirty="0" smtClean="0">
+                <a:latin typeface="Adobe 黑体 Std R" pitchFamily="34" charset="-122"/>
+                <a:ea typeface="Adobe 黑体 Std R" pitchFamily="34" charset="-122"/>
+              </a:rPr>
+              <a:t>法</a:t>
+            </a:r>
+            <a:endParaRPr lang="en-US" altLang="zh-CN" dirty="0" smtClean="0">
+              <a:latin typeface="Adobe 黑体 Std R" pitchFamily="34" charset="-122"/>
+              <a:ea typeface="Adobe 黑体 Std R" pitchFamily="34" charset="-122"/>
+            </a:endParaRPr>
+          </a:p>
+          <a:p>
+            <a:pPr lvl="1"/>
+            <a:r>
+              <a:rPr lang="en-US" altLang="zh-CN" dirty="0" smtClean="0">
+                <a:latin typeface="Adobe 黑体 Std R" pitchFamily="34" charset="-122"/>
+                <a:ea typeface="Adobe 黑体 Std R" pitchFamily="34" charset="-122"/>
+              </a:rPr>
+              <a:t>arg : position ,text</a:t>
+            </a:r>
+          </a:p>
+          <a:p>
+            <a:pPr lvl="1"/>
+            <a:r>
+              <a:rPr lang="en-US" altLang="zh-CN" dirty="0" smtClean="0">
+                <a:latin typeface="Adobe 黑体 Std R" pitchFamily="34" charset="-122"/>
+                <a:ea typeface="Adobe 黑体 Std R" pitchFamily="34" charset="-122"/>
+              </a:rPr>
+              <a:t>‘beforebegin’==  insertBefore</a:t>
+            </a:r>
+          </a:p>
+          <a:p>
+            <a:pPr lvl="1"/>
+            <a:r>
+              <a:rPr lang="en-US" altLang="zh-CN" dirty="0" smtClean="0">
+                <a:latin typeface="Adobe 黑体 Std R" pitchFamily="34" charset="-122"/>
+                <a:ea typeface="Adobe 黑体 Std R" pitchFamily="34" charset="-122"/>
+              </a:rPr>
+              <a:t>‘afterbegin’== prepend</a:t>
+            </a:r>
+          </a:p>
+          <a:p>
+            <a:pPr lvl="1"/>
+            <a:r>
+              <a:rPr lang="en-US" altLang="zh-CN" dirty="0" smtClean="0">
+                <a:latin typeface="Adobe 黑体 Std R" pitchFamily="34" charset="-122"/>
+                <a:ea typeface="Adobe 黑体 Std R" pitchFamily="34" charset="-122"/>
+              </a:rPr>
+              <a:t>‘beforeend’== append</a:t>
+            </a:r>
+          </a:p>
+          <a:p>
+            <a:pPr lvl="1"/>
+            <a:r>
+              <a:rPr lang="en-US" altLang="zh-CN" dirty="0" smtClean="0">
+                <a:latin typeface="Adobe 黑体 Std R" pitchFamily="34" charset="-122"/>
+                <a:ea typeface="Adobe 黑体 Std R" pitchFamily="34" charset="-122"/>
+              </a:rPr>
+              <a:t>‘afterend’== insertAfter</a:t>
+            </a:r>
+          </a:p>
+          <a:p>
+            <a:pPr marL="109728" indent="0">
+              <a:buNone/>
+            </a:pPr>
+            <a:endParaRPr lang="zh-CN" altLang="en-US" dirty="0"/>
+          </a:p>
+        </p:txBody>
+      </p:sp>
+      <p:sp>
+        <p:nvSpPr>
+          <p:cNvPr id="4" name="标题 1"/>
+          <p:cNvSpPr>
+            <a:spLocks noGrp="1"/>
+          </p:cNvSpPr>
+          <p:nvPr>
+            <p:ph type="title"/>
+          </p:nvPr>
+        </p:nvSpPr>
+        <p:spPr>
+          <a:xfrm>
+            <a:off x="471829" y="548680"/>
+            <a:ext cx="8229600" cy="1210816"/>
+          </a:xfrm>
+        </p:spPr>
+        <p:txBody>
+          <a:bodyPr/>
+          <a:lstStyle/>
+          <a:p>
+            <a:r>
+              <a:rPr lang="en-US" altLang="zh-CN" dirty="0" smtClean="0">
+                <a:latin typeface="Adobe 黑体 Std R" pitchFamily="34" charset="-122"/>
+                <a:ea typeface="Adobe 黑体 Std R" pitchFamily="34" charset="-122"/>
+              </a:rPr>
+              <a:t>DOM</a:t>
+            </a:r>
+            <a:r>
+              <a:rPr lang="zh-CN" altLang="en-US" dirty="0" smtClean="0">
+                <a:latin typeface="Adobe 黑体 Std R" pitchFamily="34" charset="-122"/>
+                <a:ea typeface="Adobe 黑体 Std R" pitchFamily="34" charset="-122"/>
+              </a:rPr>
+              <a:t>操作</a:t>
+            </a:r>
+            <a:r>
+              <a:rPr lang="en-US" altLang="zh-CN" dirty="0" smtClean="0">
+                <a:latin typeface="Adobe 黑体 Std R" pitchFamily="34" charset="-122"/>
+                <a:ea typeface="Adobe 黑体 Std R" pitchFamily="34" charset="-122"/>
+              </a:rPr>
+              <a:t>-</a:t>
+            </a:r>
+            <a:r>
+              <a:rPr lang="zh-CN" altLang="en-US" dirty="0" smtClean="0">
+                <a:latin typeface="Adobe 黑体 Std R" pitchFamily="34" charset="-122"/>
+                <a:ea typeface="Adobe 黑体 Std R" pitchFamily="34" charset="-122"/>
+              </a:rPr>
+              <a:t>改</a:t>
+            </a:r>
+            <a:endParaRPr lang="zh-CN" altLang="en-US" dirty="0">
+              <a:latin typeface="Adobe 黑体 Std R" pitchFamily="34" charset="-122"/>
+              <a:ea typeface="Adobe 黑体 Std R" pitchFamily="34" charset="-122"/>
+            </a:endParaRPr>
+          </a:p>
+        </p:txBody>
+      </p:sp>
+      <p:sp>
+        <p:nvSpPr>
+          <p:cNvPr id="2" name="矩形 1"/>
+          <p:cNvSpPr/>
+          <p:nvPr/>
+        </p:nvSpPr>
+        <p:spPr>
+          <a:xfrm>
+            <a:off x="1259632" y="4725144"/>
+            <a:ext cx="1152128" cy="1512168"/>
+          </a:xfrm>
+          <a:prstGeom prst="rect">
+            <a:avLst/>
+          </a:prstGeom>
+        </p:spPr>
+        <p:style>
+          <a:lnRef idx="2">
+            <a:schemeClr val="accent1">
+              <a:shade val="50000"/>
+            </a:schemeClr>
+          </a:lnRef>
+          <a:fillRef idx="1">
+            <a:schemeClr val="accent1"/>
+          </a:fillRef>
+          <a:effectRef idx="0">
+            <a:schemeClr val="accent1"/>
+          </a:effectRef>
+          <a:fontRef idx="minor">
+            <a:schemeClr val="lt1"/>
+          </a:fontRef>
+        </p:style>
+        <p:txBody>
+          <a:bodyPr rtlCol="0" anchor="ctr"/>
+          <a:lstStyle/>
+          <a:p>
+            <a:pPr algn="ctr"/>
+            <a:endParaRPr lang="zh-CN" altLang="en-US"/>
+          </a:p>
+        </p:txBody>
+      </p:sp>
+      <p:sp>
+        <p:nvSpPr>
+          <p:cNvPr id="5" name="矩形 4"/>
+          <p:cNvSpPr/>
+          <p:nvPr/>
+        </p:nvSpPr>
+        <p:spPr>
+          <a:xfrm>
+            <a:off x="2627784" y="4725144"/>
+            <a:ext cx="1152128" cy="1512168"/>
+          </a:xfrm>
+          <a:prstGeom prst="rect">
+            <a:avLst/>
+          </a:prstGeom>
+        </p:spPr>
+        <p:style>
+          <a:lnRef idx="2">
+            <a:schemeClr val="accent1">
+              <a:shade val="50000"/>
+            </a:schemeClr>
+          </a:lnRef>
+          <a:fillRef idx="1">
+            <a:schemeClr val="accent1"/>
+          </a:fillRef>
+          <a:effectRef idx="0">
+            <a:schemeClr val="accent1"/>
+          </a:effectRef>
+          <a:fontRef idx="minor">
+            <a:schemeClr val="lt1"/>
+          </a:fontRef>
+        </p:style>
+        <p:txBody>
+          <a:bodyPr rtlCol="0" anchor="ctr"/>
+          <a:lstStyle/>
+          <a:p>
+            <a:pPr algn="ctr"/>
+            <a:endParaRPr lang="zh-CN" altLang="en-US"/>
+          </a:p>
+        </p:txBody>
+      </p:sp>
+      <p:sp>
+        <p:nvSpPr>
+          <p:cNvPr id="6" name="矩形 5"/>
+          <p:cNvSpPr/>
+          <p:nvPr/>
+        </p:nvSpPr>
+        <p:spPr>
+          <a:xfrm>
+            <a:off x="3995936" y="4725144"/>
+            <a:ext cx="1152128" cy="1512168"/>
+          </a:xfrm>
+          <a:prstGeom prst="rect">
+            <a:avLst/>
+          </a:prstGeom>
+        </p:spPr>
+        <p:style>
+          <a:lnRef idx="2">
+            <a:schemeClr val="accent1">
+              <a:shade val="50000"/>
+            </a:schemeClr>
+          </a:lnRef>
+          <a:fillRef idx="1">
+            <a:schemeClr val="accent1"/>
+          </a:fillRef>
+          <a:effectRef idx="0">
+            <a:schemeClr val="accent1"/>
+          </a:effectRef>
+          <a:fontRef idx="minor">
+            <a:schemeClr val="lt1"/>
+          </a:fontRef>
+        </p:style>
+        <p:txBody>
+          <a:bodyPr rtlCol="0" anchor="ctr"/>
+          <a:lstStyle/>
+          <a:p>
+            <a:pPr algn="ctr"/>
+            <a:endParaRPr lang="zh-CN" altLang="en-US"/>
+          </a:p>
+        </p:txBody>
+      </p:sp>
+      <p:sp>
+        <p:nvSpPr>
+          <p:cNvPr id="8" name="上箭头 7"/>
+          <p:cNvSpPr/>
+          <p:nvPr/>
+        </p:nvSpPr>
+        <p:spPr>
+          <a:xfrm>
+            <a:off x="2411760" y="6237312"/>
+            <a:ext cx="216024" cy="360040"/>
+          </a:xfrm>
+          <a:prstGeom prst="upArrow">
+            <a:avLst/>
+          </a:prstGeom>
+        </p:spPr>
+        <p:style>
+          <a:lnRef idx="2">
+            <a:schemeClr val="accent2">
+              <a:shade val="50000"/>
+            </a:schemeClr>
+          </a:lnRef>
+          <a:fillRef idx="1">
+            <a:schemeClr val="accent2"/>
+          </a:fillRef>
+          <a:effectRef idx="0">
+            <a:schemeClr val="accent2"/>
+          </a:effectRef>
+          <a:fontRef idx="minor">
+            <a:schemeClr val="lt1"/>
+          </a:fontRef>
+        </p:style>
+        <p:txBody>
+          <a:bodyPr rtlCol="0" anchor="ctr"/>
+          <a:lstStyle/>
+          <a:p>
+            <a:pPr algn="ctr"/>
+            <a:endParaRPr lang="zh-CN" altLang="en-US"/>
+          </a:p>
+        </p:txBody>
+      </p:sp>
+      <p:sp>
+        <p:nvSpPr>
+          <p:cNvPr id="9" name="上箭头 8"/>
+          <p:cNvSpPr/>
+          <p:nvPr/>
+        </p:nvSpPr>
+        <p:spPr>
+          <a:xfrm>
+            <a:off x="3779912" y="6237312"/>
+            <a:ext cx="216024" cy="360040"/>
+          </a:xfrm>
+          <a:prstGeom prst="upArrow">
+            <a:avLst/>
+          </a:prstGeom>
+        </p:spPr>
+        <p:style>
+          <a:lnRef idx="2">
+            <a:schemeClr val="accent2">
+              <a:shade val="50000"/>
+            </a:schemeClr>
+          </a:lnRef>
+          <a:fillRef idx="1">
+            <a:schemeClr val="accent2"/>
+          </a:fillRef>
+          <a:effectRef idx="0">
+            <a:schemeClr val="accent2"/>
+          </a:effectRef>
+          <a:fontRef idx="minor">
+            <a:schemeClr val="lt1"/>
+          </a:fontRef>
+        </p:style>
+        <p:txBody>
+          <a:bodyPr rtlCol="0" anchor="ctr"/>
+          <a:lstStyle/>
+          <a:p>
+            <a:pPr algn="ctr"/>
+            <a:endParaRPr lang="zh-CN" altLang="en-US"/>
+          </a:p>
+        </p:txBody>
+      </p:sp>
+      <p:sp>
+        <p:nvSpPr>
+          <p:cNvPr id="10" name="矩形 9"/>
+          <p:cNvSpPr/>
+          <p:nvPr/>
+        </p:nvSpPr>
+        <p:spPr>
+          <a:xfrm>
+            <a:off x="2771800" y="4797152"/>
+            <a:ext cx="360040" cy="1368152"/>
+          </a:xfrm>
+          <a:prstGeom prst="rect">
+            <a:avLst/>
+          </a:prstGeom>
+        </p:spPr>
+        <p:style>
+          <a:lnRef idx="2">
+            <a:schemeClr val="accent6">
+              <a:shade val="50000"/>
+            </a:schemeClr>
+          </a:lnRef>
+          <a:fillRef idx="1">
+            <a:schemeClr val="accent6"/>
+          </a:fillRef>
+          <a:effectRef idx="0">
+            <a:schemeClr val="accent6"/>
+          </a:effectRef>
+          <a:fontRef idx="minor">
+            <a:schemeClr val="lt1"/>
+          </a:fontRef>
+        </p:style>
+        <p:txBody>
+          <a:bodyPr rtlCol="0" anchor="ctr"/>
+          <a:lstStyle/>
+          <a:p>
+            <a:pPr algn="ctr"/>
+            <a:endParaRPr lang="zh-CN" altLang="en-US"/>
+          </a:p>
+        </p:txBody>
+      </p:sp>
+      <p:sp>
+        <p:nvSpPr>
+          <p:cNvPr id="11" name="矩形 10"/>
+          <p:cNvSpPr/>
+          <p:nvPr/>
+        </p:nvSpPr>
+        <p:spPr>
+          <a:xfrm>
+            <a:off x="3275856" y="4797152"/>
+            <a:ext cx="360040" cy="1368152"/>
+          </a:xfrm>
+          <a:prstGeom prst="rect">
+            <a:avLst/>
+          </a:prstGeom>
+        </p:spPr>
+        <p:style>
+          <a:lnRef idx="2">
+            <a:schemeClr val="accent6">
+              <a:shade val="50000"/>
+            </a:schemeClr>
+          </a:lnRef>
+          <a:fillRef idx="1">
+            <a:schemeClr val="accent6"/>
+          </a:fillRef>
+          <a:effectRef idx="0">
+            <a:schemeClr val="accent6"/>
+          </a:effectRef>
+          <a:fontRef idx="minor">
+            <a:schemeClr val="lt1"/>
+          </a:fontRef>
+        </p:style>
+        <p:txBody>
+          <a:bodyPr rtlCol="0" anchor="ctr"/>
+          <a:lstStyle/>
+          <a:p>
+            <a:pPr algn="ctr"/>
+            <a:endParaRPr lang="zh-CN" altLang="en-US"/>
+          </a:p>
+        </p:txBody>
+      </p:sp>
+      <p:sp>
+        <p:nvSpPr>
+          <p:cNvPr id="13" name="上箭头 12"/>
+          <p:cNvSpPr/>
+          <p:nvPr/>
+        </p:nvSpPr>
+        <p:spPr>
+          <a:xfrm>
+            <a:off x="3662185" y="6039290"/>
+            <a:ext cx="117727" cy="396044"/>
+          </a:xfrm>
+          <a:prstGeom prst="upArrow">
+            <a:avLst/>
+          </a:prstGeom>
+        </p:spPr>
+        <p:style>
+          <a:lnRef idx="2">
+            <a:schemeClr val="accent4">
+              <a:shade val="50000"/>
+            </a:schemeClr>
+          </a:lnRef>
+          <a:fillRef idx="1">
+            <a:schemeClr val="accent4"/>
+          </a:fillRef>
+          <a:effectRef idx="0">
+            <a:schemeClr val="accent4"/>
+          </a:effectRef>
+          <a:fontRef idx="minor">
+            <a:schemeClr val="lt1"/>
+          </a:fontRef>
+        </p:style>
+        <p:txBody>
+          <a:bodyPr rtlCol="0" anchor="ctr"/>
+          <a:lstStyle/>
+          <a:p>
+            <a:pPr algn="ctr"/>
+            <a:endParaRPr lang="zh-CN" altLang="en-US"/>
+          </a:p>
+        </p:txBody>
+      </p:sp>
+      <p:sp>
+        <p:nvSpPr>
+          <p:cNvPr id="14" name="上箭头 13"/>
+          <p:cNvSpPr/>
+          <p:nvPr/>
+        </p:nvSpPr>
+        <p:spPr>
+          <a:xfrm>
+            <a:off x="2654073" y="6039290"/>
+            <a:ext cx="117727" cy="396044"/>
+          </a:xfrm>
+          <a:prstGeom prst="upArrow">
+            <a:avLst/>
+          </a:prstGeom>
+        </p:spPr>
+        <p:style>
+          <a:lnRef idx="2">
+            <a:schemeClr val="accent4">
+              <a:shade val="50000"/>
+            </a:schemeClr>
+          </a:lnRef>
+          <a:fillRef idx="1">
+            <a:schemeClr val="accent4"/>
+          </a:fillRef>
+          <a:effectRef idx="0">
+            <a:schemeClr val="accent4"/>
+          </a:effectRef>
+          <a:fontRef idx="minor">
+            <a:schemeClr val="lt1"/>
+          </a:fontRef>
+        </p:style>
+        <p:txBody>
+          <a:bodyPr rtlCol="0" anchor="ctr"/>
+          <a:lstStyle/>
+          <a:p>
+            <a:pPr algn="ctr"/>
+            <a:endParaRPr lang="zh-CN" altLang="en-US"/>
+          </a:p>
+        </p:txBody>
+      </p:sp>
+    </p:spTree>
+    <p:extLst>
+      <p:ext uri="{BB962C8B-B14F-4D97-AF65-F5344CB8AC3E}">
+        <p14:creationId xmlns:p14="http://schemas.microsoft.com/office/powerpoint/2010/main" val="375940118"/>
+      </p:ext>
+    </p:extLst>
+  </p:cSld>
+  <p:clrMapOvr>
+    <a:masterClrMapping/>
+  </p:clrMapOvr>
+  <p:timing>
+    <p:tnLst>
+      <p:par>
+        <p:cTn id="1" dur="indefinite" restart="never" nodeType="tmRoot"/>
+      </p:par>
+    </p:tnLst>
+  </p:timing>
+</p:sld>
+</file>
+
+<file path=ppt/slides/slide21.xml><?xml version="1.0" encoding="utf-8"?>
+<p:sld xmlns:a="http://schemas.openxmlformats.org/drawingml/2006/main" xmlns:r="http://schemas.openxmlformats.org/officeDocument/2006/relationships" xmlns:p="http://schemas.openxmlformats.org/presentationml/2006/main">
+  <p:cSld>
+    <p:spTree>
+      <p:nvGrpSpPr>
+        <p:cNvPr id="1" name=""/>
+        <p:cNvGrpSpPr/>
+        <p:nvPr/>
+      </p:nvGrpSpPr>
+      <p:grpSpPr>
+        <a:xfrm>
+          <a:off x="0" y="0"/>
+          <a:ext cx="0" cy="0"/>
+          <a:chOff x="0" y="0"/>
+          <a:chExt cx="0" cy="0"/>
+        </a:xfrm>
+      </p:grpSpPr>
+      <p:sp>
+        <p:nvSpPr>
+          <p:cNvPr id="2" name="标题 1"/>
+          <p:cNvSpPr>
+            <a:spLocks noGrp="1"/>
+          </p:cNvSpPr>
+          <p:nvPr>
+            <p:ph type="title"/>
+          </p:nvPr>
+        </p:nvSpPr>
+        <p:spPr>
+          <a:xfrm>
+            <a:off x="467544" y="908720"/>
+            <a:ext cx="8229600" cy="1066800"/>
+          </a:xfrm>
+        </p:spPr>
+        <p:txBody>
+          <a:bodyPr/>
+          <a:lstStyle/>
+          <a:p>
+            <a:r>
+              <a:rPr lang="en-US" altLang="zh-CN" dirty="0" smtClean="0">
+                <a:latin typeface="Adobe 黑体 Std R" pitchFamily="34" charset="-122"/>
+                <a:ea typeface="Adobe 黑体 Std R" pitchFamily="34" charset="-122"/>
+              </a:rPr>
+              <a:t>DOM</a:t>
+            </a:r>
+            <a:r>
+              <a:rPr lang="zh-CN" altLang="en-US" dirty="0" smtClean="0">
+                <a:latin typeface="Adobe 黑体 Std R" pitchFamily="34" charset="-122"/>
+                <a:ea typeface="Adobe 黑体 Std R" pitchFamily="34" charset="-122"/>
+              </a:rPr>
+              <a:t>操作优化</a:t>
+            </a:r>
+            <a:endParaRPr lang="zh-CN" altLang="en-US" dirty="0">
+              <a:latin typeface="Adobe 黑体 Std R" pitchFamily="34" charset="-122"/>
+              <a:ea typeface="Adobe 黑体 Std R" pitchFamily="34" charset="-122"/>
+            </a:endParaRPr>
+          </a:p>
+        </p:txBody>
+      </p:sp>
+      <p:sp>
+        <p:nvSpPr>
+          <p:cNvPr id="3" name="内容占位符 2"/>
+          <p:cNvSpPr>
+            <a:spLocks noGrp="1"/>
+          </p:cNvSpPr>
+          <p:nvPr>
+            <p:ph idx="1"/>
+          </p:nvPr>
+        </p:nvSpPr>
+        <p:spPr>
+          <a:xfrm>
+            <a:off x="467544" y="2060848"/>
+            <a:ext cx="8229600" cy="4325112"/>
+          </a:xfrm>
+        </p:spPr>
+        <p:txBody>
+          <a:bodyPr/>
+          <a:lstStyle/>
+          <a:p>
+            <a:r>
+              <a:rPr lang="zh-CN" altLang="en-US" dirty="0">
+                <a:latin typeface="Adobe 黑体 Std R" pitchFamily="34" charset="-122"/>
+                <a:ea typeface="Adobe 黑体 Std R" pitchFamily="34" charset="-122"/>
+              </a:rPr>
+              <a:t>性</a:t>
+            </a:r>
+            <a:r>
+              <a:rPr lang="zh-CN" altLang="en-US" dirty="0" smtClean="0">
+                <a:latin typeface="Adobe 黑体 Std R" pitchFamily="34" charset="-122"/>
+                <a:ea typeface="Adobe 黑体 Std R" pitchFamily="34" charset="-122"/>
+              </a:rPr>
+              <a:t>能瓶颈：</a:t>
+            </a:r>
+            <a:endParaRPr lang="en-US" altLang="zh-CN" dirty="0" smtClean="0">
+              <a:latin typeface="Adobe 黑体 Std R" pitchFamily="34" charset="-122"/>
+              <a:ea typeface="Adobe 黑体 Std R" pitchFamily="34" charset="-122"/>
+            </a:endParaRPr>
+          </a:p>
+          <a:p>
+            <a:pPr lvl="1"/>
+            <a:r>
+              <a:rPr lang="zh-CN" altLang="en-US" dirty="0">
+                <a:latin typeface="Adobe 黑体 Std R" pitchFamily="34" charset="-122"/>
+                <a:ea typeface="Adobe 黑体 Std R" pitchFamily="34" charset="-122"/>
+              </a:rPr>
+              <a:t>生</a:t>
+            </a:r>
+            <a:r>
+              <a:rPr lang="zh-CN" altLang="en-US" dirty="0" smtClean="0">
+                <a:latin typeface="Adobe 黑体 Std R" pitchFamily="34" charset="-122"/>
+                <a:ea typeface="Adobe 黑体 Std R" pitchFamily="34" charset="-122"/>
+              </a:rPr>
+              <a:t>成</a:t>
+            </a:r>
+            <a:r>
+              <a:rPr lang="en-US" altLang="zh-CN" dirty="0" smtClean="0">
+                <a:latin typeface="Adobe 黑体 Std R" pitchFamily="34" charset="-122"/>
+                <a:ea typeface="Adobe 黑体 Std R" pitchFamily="34" charset="-122"/>
+              </a:rPr>
+              <a:t>DOM</a:t>
+            </a:r>
+            <a:r>
+              <a:rPr lang="zh-CN" altLang="en-US" dirty="0" smtClean="0">
+                <a:latin typeface="Adobe 黑体 Std R" pitchFamily="34" charset="-122"/>
+                <a:ea typeface="Adobe 黑体 Std R" pitchFamily="34" charset="-122"/>
+              </a:rPr>
+              <a:t>树占用较大内存</a:t>
+            </a:r>
+            <a:endParaRPr lang="en-US" altLang="zh-CN" dirty="0" smtClean="0">
+              <a:latin typeface="Adobe 黑体 Std R" pitchFamily="34" charset="-122"/>
+              <a:ea typeface="Adobe 黑体 Std R" pitchFamily="34" charset="-122"/>
+            </a:endParaRPr>
+          </a:p>
+          <a:p>
+            <a:pPr lvl="1"/>
+            <a:r>
+              <a:rPr lang="zh-CN" altLang="en-US" dirty="0">
+                <a:latin typeface="Adobe 黑体 Std R" pitchFamily="34" charset="-122"/>
+                <a:ea typeface="Adobe 黑体 Std R" pitchFamily="34" charset="-122"/>
+              </a:rPr>
+              <a:t>遍</a:t>
+            </a:r>
+            <a:r>
+              <a:rPr lang="zh-CN" altLang="en-US" dirty="0" smtClean="0">
+                <a:latin typeface="Adobe 黑体 Std R" pitchFamily="34" charset="-122"/>
+                <a:ea typeface="Adobe 黑体 Std R" pitchFamily="34" charset="-122"/>
+              </a:rPr>
+              <a:t>历</a:t>
+            </a:r>
+            <a:r>
+              <a:rPr lang="en-US" altLang="zh-CN" dirty="0" smtClean="0">
+                <a:latin typeface="Adobe 黑体 Std R" pitchFamily="34" charset="-122"/>
+                <a:ea typeface="Adobe 黑体 Std R" pitchFamily="34" charset="-122"/>
+              </a:rPr>
+              <a:t>DOM</a:t>
+            </a:r>
+            <a:r>
+              <a:rPr lang="zh-CN" altLang="en-US" dirty="0" smtClean="0">
+                <a:latin typeface="Adobe 黑体 Std R" pitchFamily="34" charset="-122"/>
+                <a:ea typeface="Adobe 黑体 Std R" pitchFamily="34" charset="-122"/>
+              </a:rPr>
+              <a:t>树耗时多</a:t>
+            </a:r>
+            <a:endParaRPr lang="en-US" altLang="zh-CN" dirty="0" smtClean="0">
+              <a:latin typeface="Adobe 黑体 Std R" pitchFamily="34" charset="-122"/>
+              <a:ea typeface="Adobe 黑体 Std R" pitchFamily="34" charset="-122"/>
+            </a:endParaRPr>
+          </a:p>
+          <a:p>
+            <a:pPr lvl="1"/>
+            <a:r>
+              <a:rPr lang="en-US" altLang="zh-CN" dirty="0" smtClean="0">
+                <a:latin typeface="Adobe 黑体 Std R" pitchFamily="34" charset="-122"/>
+                <a:ea typeface="Adobe 黑体 Std R" pitchFamily="34" charset="-122"/>
+              </a:rPr>
+              <a:t>DOM</a:t>
+            </a:r>
+            <a:r>
+              <a:rPr lang="zh-CN" altLang="en-US" dirty="0" smtClean="0">
+                <a:latin typeface="Adobe 黑体 Std R" pitchFamily="34" charset="-122"/>
+                <a:ea typeface="Adobe 黑体 Std R" pitchFamily="34" charset="-122"/>
+              </a:rPr>
+              <a:t>修改导致页面重绘，重排（阻塞用户操作）</a:t>
+            </a:r>
+            <a:endParaRPr lang="en-US" altLang="zh-CN" dirty="0" smtClean="0">
+              <a:latin typeface="Adobe 黑体 Std R" pitchFamily="34" charset="-122"/>
+              <a:ea typeface="Adobe 黑体 Std R" pitchFamily="34" charset="-122"/>
+            </a:endParaRPr>
+          </a:p>
+          <a:p>
+            <a:pPr lvl="1"/>
+            <a:endParaRPr lang="en-US" altLang="zh-CN" dirty="0" smtClean="0">
+              <a:latin typeface="Adobe 黑体 Std R" pitchFamily="34" charset="-122"/>
+              <a:ea typeface="Adobe 黑体 Std R" pitchFamily="34" charset="-122"/>
+            </a:endParaRPr>
+          </a:p>
+          <a:p>
+            <a:r>
+              <a:rPr lang="zh-CN" altLang="en-US" dirty="0">
+                <a:latin typeface="Adobe 黑体 Std R" pitchFamily="34" charset="-122"/>
+                <a:ea typeface="Adobe 黑体 Std R" pitchFamily="34" charset="-122"/>
+              </a:rPr>
+              <a:t>优</a:t>
+            </a:r>
+            <a:r>
+              <a:rPr lang="zh-CN" altLang="en-US" dirty="0" smtClean="0">
+                <a:latin typeface="Adobe 黑体 Std R" pitchFamily="34" charset="-122"/>
+                <a:ea typeface="Adobe 黑体 Std R" pitchFamily="34" charset="-122"/>
+              </a:rPr>
+              <a:t>化方法：</a:t>
+            </a:r>
+            <a:endParaRPr lang="en-US" altLang="zh-CN" dirty="0" smtClean="0">
+              <a:latin typeface="Adobe 黑体 Std R" pitchFamily="34" charset="-122"/>
+              <a:ea typeface="Adobe 黑体 Std R" pitchFamily="34" charset="-122"/>
+            </a:endParaRPr>
+          </a:p>
+          <a:p>
+            <a:pPr lvl="1"/>
+            <a:r>
+              <a:rPr lang="zh-CN" altLang="en-US" dirty="0" smtClean="0">
+                <a:latin typeface="Adobe 黑体 Std R" pitchFamily="34" charset="-122"/>
+                <a:ea typeface="Adobe 黑体 Std R" pitchFamily="34" charset="-122"/>
+              </a:rPr>
+              <a:t>在</a:t>
+            </a:r>
+            <a:r>
+              <a:rPr lang="en-US" altLang="zh-CN" dirty="0" smtClean="0">
+                <a:latin typeface="Adobe 黑体 Std R" pitchFamily="34" charset="-122"/>
+                <a:ea typeface="Adobe 黑体 Std R" pitchFamily="34" charset="-122"/>
+              </a:rPr>
+              <a:t>DOM</a:t>
+            </a:r>
+            <a:r>
+              <a:rPr lang="zh-CN" altLang="en-US" dirty="0" smtClean="0">
+                <a:latin typeface="Adobe 黑体 Std R" pitchFamily="34" charset="-122"/>
+                <a:ea typeface="Adobe 黑体 Std R" pitchFamily="34" charset="-122"/>
+              </a:rPr>
+              <a:t>外执行尽量多的操作，减少</a:t>
+            </a:r>
+            <a:r>
+              <a:rPr lang="en-US" altLang="zh-CN" dirty="0" smtClean="0">
+                <a:latin typeface="Adobe 黑体 Std R" pitchFamily="34" charset="-122"/>
+                <a:ea typeface="Adobe 黑体 Std R" pitchFamily="34" charset="-122"/>
+              </a:rPr>
+              <a:t>DOM</a:t>
+            </a:r>
+            <a:r>
+              <a:rPr lang="zh-CN" altLang="en-US" dirty="0" smtClean="0">
+                <a:latin typeface="Adobe 黑体 Std R" pitchFamily="34" charset="-122"/>
+                <a:ea typeface="Adobe 黑体 Std R" pitchFamily="34" charset="-122"/>
+              </a:rPr>
+              <a:t>树操作</a:t>
+            </a:r>
+            <a:endParaRPr lang="en-US" altLang="zh-CN" dirty="0" smtClean="0">
+              <a:latin typeface="Adobe 黑体 Std R" pitchFamily="34" charset="-122"/>
+              <a:ea typeface="Adobe 黑体 Std R" pitchFamily="34" charset="-122"/>
+            </a:endParaRPr>
+          </a:p>
+          <a:p>
+            <a:pPr lvl="1"/>
+            <a:r>
+              <a:rPr lang="zh-CN" altLang="en-US" dirty="0">
+                <a:latin typeface="Adobe 黑体 Std R" pitchFamily="34" charset="-122"/>
+                <a:ea typeface="Adobe 黑体 Std R" pitchFamily="34" charset="-122"/>
+              </a:rPr>
+              <a:t>使</a:t>
+            </a:r>
+            <a:r>
+              <a:rPr lang="zh-CN" altLang="en-US" dirty="0" smtClean="0">
+                <a:latin typeface="Adobe 黑体 Std R" pitchFamily="34" charset="-122"/>
+                <a:ea typeface="Adobe 黑体 Std R" pitchFamily="34" charset="-122"/>
+              </a:rPr>
+              <a:t>用临时容器存放变更</a:t>
+            </a:r>
+            <a:r>
+              <a:rPr lang="en-US" altLang="zh-CN" dirty="0" smtClean="0">
+                <a:latin typeface="Adobe 黑体 Std R" pitchFamily="34" charset="-122"/>
+                <a:ea typeface="Adobe 黑体 Std R" pitchFamily="34" charset="-122"/>
+              </a:rPr>
+              <a:t>(fragment)</a:t>
+            </a:r>
+          </a:p>
+          <a:p>
+            <a:pPr lvl="1"/>
+            <a:r>
+              <a:rPr lang="zh-CN" altLang="en-US" dirty="0">
+                <a:latin typeface="Adobe 黑体 Std R" pitchFamily="34" charset="-122"/>
+                <a:ea typeface="Adobe 黑体 Std R" pitchFamily="34" charset="-122"/>
+              </a:rPr>
+              <a:t>操</a:t>
+            </a:r>
+            <a:r>
+              <a:rPr lang="zh-CN" altLang="en-US" dirty="0" smtClean="0">
+                <a:latin typeface="Adobe 黑体 Std R" pitchFamily="34" charset="-122"/>
+                <a:ea typeface="Adobe 黑体 Std R" pitchFamily="34" charset="-122"/>
+              </a:rPr>
+              <a:t>作</a:t>
+            </a:r>
+            <a:r>
+              <a:rPr lang="en-US" altLang="zh-CN" dirty="0" smtClean="0">
+                <a:latin typeface="Adobe 黑体 Std R" pitchFamily="34" charset="-122"/>
+                <a:ea typeface="Adobe 黑体 Std R" pitchFamily="34" charset="-122"/>
+              </a:rPr>
+              <a:t>DOM</a:t>
+            </a:r>
+            <a:r>
+              <a:rPr lang="zh-CN" altLang="en-US" dirty="0" smtClean="0">
+                <a:latin typeface="Adobe 黑体 Std R" pitchFamily="34" charset="-122"/>
+                <a:ea typeface="Adobe 黑体 Std R" pitchFamily="34" charset="-122"/>
+              </a:rPr>
+              <a:t>前，先把</a:t>
+            </a:r>
+            <a:r>
+              <a:rPr lang="en-US" altLang="zh-CN" dirty="0" smtClean="0">
+                <a:latin typeface="Adobe 黑体 Std R" pitchFamily="34" charset="-122"/>
+                <a:ea typeface="Adobe 黑体 Std R" pitchFamily="34" charset="-122"/>
+              </a:rPr>
+              <a:t>DOM</a:t>
+            </a:r>
+            <a:r>
+              <a:rPr lang="zh-CN" altLang="en-US" dirty="0" smtClean="0">
+                <a:latin typeface="Adobe 黑体 Std R" pitchFamily="34" charset="-122"/>
+                <a:ea typeface="Adobe 黑体 Std R" pitchFamily="34" charset="-122"/>
+              </a:rPr>
+              <a:t>节点隐藏</a:t>
+            </a:r>
+            <a:endParaRPr lang="en-US" altLang="zh-CN" dirty="0" smtClean="0">
+              <a:latin typeface="Adobe 黑体 Std R" pitchFamily="34" charset="-122"/>
+              <a:ea typeface="Adobe 黑体 Std R" pitchFamily="34" charset="-122"/>
+            </a:endParaRPr>
+          </a:p>
+        </p:txBody>
+      </p:sp>
+    </p:spTree>
+    <p:extLst>
+      <p:ext uri="{BB962C8B-B14F-4D97-AF65-F5344CB8AC3E}">
+        <p14:creationId xmlns:p14="http://schemas.microsoft.com/office/powerpoint/2010/main" val="1061734213"/>
+      </p:ext>
+    </p:extLst>
+  </p:cSld>
+  <p:clrMapOvr>
+    <a:masterClrMapping/>
+  </p:clrMapOvr>
+  <p:timing>
+    <p:tnLst>
+      <p:par>
+        <p:cTn id="1" dur="indefinite" restart="never" nodeType="tmRoot">
+          <p:childTnLst>
+            <p:seq concurrent="1" nextAc="seek">
+              <p:cTn id="2" dur="indefinite" nodeType="mainSeq">
+                <p:childTnLst>
+                  <p:par>
+                    <p:cTn id="3" fill="hold">
+                      <p:stCondLst>
+                        <p:cond delay="indefinite"/>
+                      </p:stCondLst>
+                      <p:childTnLst>
+                        <p:par>
+                          <p:cTn id="4" fill="hold">
+                            <p:stCondLst>
+                              <p:cond delay="0"/>
+                            </p:stCondLst>
+                            <p:childTnLst>
+                              <p:par>
+                                <p:cTn id="5" presetID="10" presetClass="entr" presetSubtype="0" fill="hold" nodeType="clickEffect">
+                                  <p:stCondLst>
+                                    <p:cond delay="0"/>
+                                  </p:stCondLst>
+                                  <p:childTnLst>
+                                    <p:set>
+                                      <p:cBhvr>
+                                        <p:cTn id="6" dur="1" fill="hold">
+                                          <p:stCondLst>
+                                            <p:cond delay="0"/>
+                                          </p:stCondLst>
+                                        </p:cTn>
+                                        <p:tgtEl>
+                                          <p:spTgt spid="3">
+                                            <p:txEl>
+                                              <p:pRg st="0" end="0"/>
+                                            </p:txEl>
+                                          </p:spTgt>
+                                        </p:tgtEl>
+                                        <p:attrNameLst>
+                                          <p:attrName>style.visibility</p:attrName>
+                                        </p:attrNameLst>
+                                      </p:cBhvr>
+                                      <p:to>
+                                        <p:strVal val="visible"/>
+                                      </p:to>
+                                    </p:set>
+                                    <p:animEffect transition="in" filter="fade">
+                                      <p:cBhvr>
+                                        <p:cTn id="7" dur="500"/>
+                                        <p:tgtEl>
+                                          <p:spTgt spid="3">
+                                            <p:txEl>
+                                              <p:pRg st="0" end="0"/>
+                                            </p:txEl>
+                                          </p:spTgt>
+                                        </p:tgtEl>
+                                      </p:cBhvr>
+                                    </p:animEffect>
+                                  </p:childTnLst>
+                                </p:cTn>
+                              </p:par>
+                              <p:par>
+                                <p:cTn id="8" presetID="10" presetClass="entr" presetSubtype="0" fill="hold" nodeType="withEffect">
+                                  <p:stCondLst>
+                                    <p:cond delay="0"/>
+                                  </p:stCondLst>
+                                  <p:childTnLst>
+                                    <p:set>
+                                      <p:cBhvr>
+                                        <p:cTn id="9" dur="1" fill="hold">
+                                          <p:stCondLst>
+                                            <p:cond delay="0"/>
+                                          </p:stCondLst>
+                                        </p:cTn>
+                                        <p:tgtEl>
+                                          <p:spTgt spid="3">
+                                            <p:txEl>
+                                              <p:pRg st="1" end="1"/>
+                                            </p:txEl>
+                                          </p:spTgt>
+                                        </p:tgtEl>
+                                        <p:attrNameLst>
+                                          <p:attrName>style.visibility</p:attrName>
+                                        </p:attrNameLst>
+                                      </p:cBhvr>
+                                      <p:to>
+                                        <p:strVal val="visible"/>
+                                      </p:to>
+                                    </p:set>
+                                    <p:animEffect transition="in" filter="fade">
+                                      <p:cBhvr>
+                                        <p:cTn id="10" dur="500"/>
+                                        <p:tgtEl>
+                                          <p:spTgt spid="3">
+                                            <p:txEl>
+                                              <p:pRg st="1" end="1"/>
+                                            </p:txEl>
+                                          </p:spTgt>
+                                        </p:tgtEl>
+                                      </p:cBhvr>
+                                    </p:animEffect>
+                                  </p:childTnLst>
+                                </p:cTn>
+                              </p:par>
+                              <p:par>
+                                <p:cTn id="11" presetID="10" presetClass="entr" presetSubtype="0" fill="hold" nodeType="withEffect">
+                                  <p:stCondLst>
+                                    <p:cond delay="0"/>
+                                  </p:stCondLst>
+                                  <p:childTnLst>
+                                    <p:set>
+                                      <p:cBhvr>
+                                        <p:cTn id="12" dur="1" fill="hold">
+                                          <p:stCondLst>
+                                            <p:cond delay="0"/>
+                                          </p:stCondLst>
+                                        </p:cTn>
+                                        <p:tgtEl>
+                                          <p:spTgt spid="3">
+                                            <p:txEl>
+                                              <p:pRg st="2" end="2"/>
+                                            </p:txEl>
+                                          </p:spTgt>
+                                        </p:tgtEl>
+                                        <p:attrNameLst>
+                                          <p:attrName>style.visibility</p:attrName>
+                                        </p:attrNameLst>
+                                      </p:cBhvr>
+                                      <p:to>
+                                        <p:strVal val="visible"/>
+                                      </p:to>
+                                    </p:set>
+                                    <p:animEffect transition="in" filter="fade">
+                                      <p:cBhvr>
+                                        <p:cTn id="13" dur="500"/>
+                                        <p:tgtEl>
+                                          <p:spTgt spid="3">
+                                            <p:txEl>
+                                              <p:pRg st="2" end="2"/>
+                                            </p:txEl>
+                                          </p:spTgt>
+                                        </p:tgtEl>
+                                      </p:cBhvr>
+                                    </p:animEffect>
+                                  </p:childTnLst>
+                                </p:cTn>
+                              </p:par>
+                              <p:par>
+                                <p:cTn id="14" presetID="10" presetClass="entr" presetSubtype="0" fill="hold" nodeType="withEffect">
+                                  <p:stCondLst>
+                                    <p:cond delay="0"/>
+                                  </p:stCondLst>
+                                  <p:childTnLst>
+                                    <p:set>
+                                      <p:cBhvr>
+                                        <p:cTn id="15" dur="1" fill="hold">
+                                          <p:stCondLst>
+                                            <p:cond delay="0"/>
+                                          </p:stCondLst>
+                                        </p:cTn>
+                                        <p:tgtEl>
+                                          <p:spTgt spid="3">
+                                            <p:txEl>
+                                              <p:pRg st="3" end="3"/>
+                                            </p:txEl>
+                                          </p:spTgt>
+                                        </p:tgtEl>
+                                        <p:attrNameLst>
+                                          <p:attrName>style.visibility</p:attrName>
+                                        </p:attrNameLst>
+                                      </p:cBhvr>
+                                      <p:to>
+                                        <p:strVal val="visible"/>
+                                      </p:to>
+                                    </p:set>
+                                    <p:animEffect transition="in" filter="fade">
+                                      <p:cBhvr>
+                                        <p:cTn id="16" dur="500"/>
+                                        <p:tgtEl>
+                                          <p:spTgt spid="3">
+                                            <p:txEl>
+                                              <p:pRg st="3" end="3"/>
+                                            </p:txEl>
+                                          </p:spTgt>
+                                        </p:tgtEl>
+                                      </p:cBhvr>
+                                    </p:animEffect>
+                                  </p:childTnLst>
+                                </p:cTn>
+                              </p:par>
+                            </p:childTnLst>
+                          </p:cTn>
+                        </p:par>
+                      </p:childTnLst>
+                    </p:cTn>
+                  </p:par>
+                  <p:par>
+                    <p:cTn id="17" fill="hold">
+                      <p:stCondLst>
+                        <p:cond delay="indefinite"/>
+                      </p:stCondLst>
+                      <p:childTnLst>
+                        <p:par>
+                          <p:cTn id="18" fill="hold">
+                            <p:stCondLst>
+                              <p:cond delay="0"/>
+                            </p:stCondLst>
+                            <p:childTnLst>
+                              <p:par>
+                                <p:cTn id="19" presetID="10" presetClass="entr" presetSubtype="0" fill="hold" nodeType="clickEffect">
+                                  <p:stCondLst>
+                                    <p:cond delay="0"/>
+                                  </p:stCondLst>
+                                  <p:childTnLst>
+                                    <p:set>
+                                      <p:cBhvr>
+                                        <p:cTn id="20" dur="1" fill="hold">
+                                          <p:stCondLst>
+                                            <p:cond delay="0"/>
+                                          </p:stCondLst>
+                                        </p:cTn>
+                                        <p:tgtEl>
+                                          <p:spTgt spid="3">
+                                            <p:txEl>
+                                              <p:pRg st="5" end="5"/>
+                                            </p:txEl>
+                                          </p:spTgt>
+                                        </p:tgtEl>
+                                        <p:attrNameLst>
+                                          <p:attrName>style.visibility</p:attrName>
+                                        </p:attrNameLst>
+                                      </p:cBhvr>
+                                      <p:to>
+                                        <p:strVal val="visible"/>
+                                      </p:to>
+                                    </p:set>
+                                    <p:animEffect transition="in" filter="fade">
+                                      <p:cBhvr>
+                                        <p:cTn id="21" dur="500"/>
+                                        <p:tgtEl>
+                                          <p:spTgt spid="3">
+                                            <p:txEl>
+                                              <p:pRg st="5" end="5"/>
+                                            </p:txEl>
+                                          </p:spTgt>
+                                        </p:tgtEl>
+                                      </p:cBhvr>
+                                    </p:animEffect>
+                                  </p:childTnLst>
+                                </p:cTn>
+                              </p:par>
+                              <p:par>
+                                <p:cTn id="22" presetID="10" presetClass="entr" presetSubtype="0" fill="hold" nodeType="withEffect">
+                                  <p:stCondLst>
+                                    <p:cond delay="0"/>
+                                  </p:stCondLst>
+                                  <p:childTnLst>
+                                    <p:set>
+                                      <p:cBhvr>
+                                        <p:cTn id="23" dur="1" fill="hold">
+                                          <p:stCondLst>
+                                            <p:cond delay="0"/>
+                                          </p:stCondLst>
+                                        </p:cTn>
+                                        <p:tgtEl>
+                                          <p:spTgt spid="3">
+                                            <p:txEl>
+                                              <p:pRg st="6" end="6"/>
+                                            </p:txEl>
+                                          </p:spTgt>
+                                        </p:tgtEl>
+                                        <p:attrNameLst>
+                                          <p:attrName>style.visibility</p:attrName>
+                                        </p:attrNameLst>
+                                      </p:cBhvr>
+                                      <p:to>
+                                        <p:strVal val="visible"/>
+                                      </p:to>
+                                    </p:set>
+                                    <p:animEffect transition="in" filter="fade">
+                                      <p:cBhvr>
+                                        <p:cTn id="24" dur="500"/>
+                                        <p:tgtEl>
+                                          <p:spTgt spid="3">
+                                            <p:txEl>
+                                              <p:pRg st="6" end="6"/>
+                                            </p:txEl>
+                                          </p:spTgt>
+                                        </p:tgtEl>
+                                      </p:cBhvr>
+                                    </p:animEffect>
+                                  </p:childTnLst>
+                                </p:cTn>
+                              </p:par>
+                              <p:par>
+                                <p:cTn id="25" presetID="10" presetClass="entr" presetSubtype="0" fill="hold" nodeType="withEffect">
+                                  <p:stCondLst>
+                                    <p:cond delay="0"/>
+                                  </p:stCondLst>
+                                  <p:childTnLst>
+                                    <p:set>
+                                      <p:cBhvr>
+                                        <p:cTn id="26" dur="1" fill="hold">
+                                          <p:stCondLst>
+                                            <p:cond delay="0"/>
+                                          </p:stCondLst>
+                                        </p:cTn>
+                                        <p:tgtEl>
+                                          <p:spTgt spid="3">
+                                            <p:txEl>
+                                              <p:pRg st="7" end="7"/>
+                                            </p:txEl>
+                                          </p:spTgt>
+                                        </p:tgtEl>
+                                        <p:attrNameLst>
+                                          <p:attrName>style.visibility</p:attrName>
+                                        </p:attrNameLst>
+                                      </p:cBhvr>
+                                      <p:to>
+                                        <p:strVal val="visible"/>
+                                      </p:to>
+                                    </p:set>
+                                    <p:animEffect transition="in" filter="fade">
+                                      <p:cBhvr>
+                                        <p:cTn id="27" dur="500"/>
+                                        <p:tgtEl>
+                                          <p:spTgt spid="3">
+                                            <p:txEl>
+                                              <p:pRg st="7" end="7"/>
+                                            </p:txEl>
+                                          </p:spTgt>
+                                        </p:tgtEl>
+                                      </p:cBhvr>
+                                    </p:animEffect>
+                                  </p:childTnLst>
+                                </p:cTn>
+                              </p:par>
+                              <p:par>
+                                <p:cTn id="28" presetID="10" presetClass="entr" presetSubtype="0" fill="hold" nodeType="withEffect">
+                                  <p:stCondLst>
+                                    <p:cond delay="0"/>
+                                  </p:stCondLst>
+                                  <p:childTnLst>
+                                    <p:set>
+                                      <p:cBhvr>
+                                        <p:cTn id="29" dur="1" fill="hold">
+                                          <p:stCondLst>
+                                            <p:cond delay="0"/>
+                                          </p:stCondLst>
+                                        </p:cTn>
+                                        <p:tgtEl>
+                                          <p:spTgt spid="3">
+                                            <p:txEl>
+                                              <p:pRg st="8" end="8"/>
+                                            </p:txEl>
+                                          </p:spTgt>
+                                        </p:tgtEl>
+                                        <p:attrNameLst>
+                                          <p:attrName>style.visibility</p:attrName>
+                                        </p:attrNameLst>
+                                      </p:cBhvr>
+                                      <p:to>
+                                        <p:strVal val="visible"/>
+                                      </p:to>
+                                    </p:set>
+                                    <p:animEffect transition="in" filter="fade">
+                                      <p:cBhvr>
+                                        <p:cTn id="30" dur="500"/>
+                                        <p:tgtEl>
+                                          <p:spTgt spid="3">
+                                            <p:txEl>
+                                              <p:pRg st="8" end="8"/>
+                                            </p:txEl>
+                                          </p:spTgt>
+                                        </p:tgtEl>
+                                      </p:cBhvr>
+                                    </p:animEffect>
+                                  </p:childTnLst>
+                                </p:cTn>
+                              </p:par>
+                            </p:childTnLst>
+                          </p:cTn>
+                        </p:par>
+                      </p:childTnLst>
+                    </p:cTn>
+                  </p:par>
+                </p:childTnLst>
+              </p:cTn>
+              <p:prevCondLst>
+                <p:cond evt="onPrev" delay="0">
+                  <p:tgtEl>
+                    <p:sldTgt/>
+                  </p:tgtEl>
+                </p:cond>
+              </p:prevCondLst>
+              <p:nextCondLst>
+                <p:cond evt="onNext" delay="0">
+                  <p:tgtEl>
+                    <p:sldTgt/>
+                  </p:tgtEl>
+                </p:cond>
+              </p:nextCondLst>
+            </p:seq>
+          </p:childTnLst>
+        </p:cTn>
+      </p:par>
+    </p:tnLst>
+  </p:timing>
+</p:sld>
+</file>
+
+<file path=ppt/slides/slide22.xml><?xml version="1.0" encoding="utf-8"?>
+<p:sld xmlns:a="http://schemas.openxmlformats.org/drawingml/2006/main" xmlns:r="http://schemas.openxmlformats.org/officeDocument/2006/relationships" xmlns:p="http://schemas.openxmlformats.org/presentationml/2006/main">
+  <p:cSld>
+    <p:spTree>
+      <p:nvGrpSpPr>
+        <p:cNvPr id="1" name=""/>
+        <p:cNvGrpSpPr/>
+        <p:nvPr/>
+      </p:nvGrpSpPr>
+      <p:grpSpPr>
+        <a:xfrm>
+          <a:off x="0" y="0"/>
+          <a:ext cx="0" cy="0"/>
+          <a:chOff x="0" y="0"/>
+          <a:chExt cx="0" cy="0"/>
+        </a:xfrm>
+      </p:grpSpPr>
+      <p:sp>
+        <p:nvSpPr>
+          <p:cNvPr id="2" name="标题 1"/>
+          <p:cNvSpPr>
+            <a:spLocks noGrp="1"/>
+          </p:cNvSpPr>
+          <p:nvPr>
+            <p:ph type="title"/>
+          </p:nvPr>
+        </p:nvSpPr>
+        <p:spPr>
+          <a:xfrm>
+            <a:off x="395536" y="692696"/>
+            <a:ext cx="8229600" cy="1066800"/>
+          </a:xfrm>
+        </p:spPr>
+        <p:txBody>
+          <a:bodyPr/>
+          <a:lstStyle/>
+          <a:p>
+            <a:r>
+              <a:rPr lang="en-US" altLang="zh-CN" dirty="0" smtClean="0">
+                <a:latin typeface="Adobe 黑体 Std R" pitchFamily="34" charset="-122"/>
+                <a:ea typeface="Adobe 黑体 Std R" pitchFamily="34" charset="-122"/>
+              </a:rPr>
+              <a:t>DOM</a:t>
+            </a:r>
+            <a:r>
+              <a:rPr lang="zh-CN" altLang="en-US" dirty="0" smtClean="0">
+                <a:latin typeface="Adobe 黑体 Std R" pitchFamily="34" charset="-122"/>
+                <a:ea typeface="Adobe 黑体 Std R" pitchFamily="34" charset="-122"/>
+              </a:rPr>
+              <a:t>类库的诞生</a:t>
+            </a:r>
+            <a:endParaRPr lang="zh-CN" altLang="en-US" dirty="0">
+              <a:latin typeface="Adobe 黑体 Std R" pitchFamily="34" charset="-122"/>
+              <a:ea typeface="Adobe 黑体 Std R" pitchFamily="34" charset="-122"/>
+            </a:endParaRPr>
+          </a:p>
+        </p:txBody>
+      </p:sp>
+      <p:sp>
+        <p:nvSpPr>
+          <p:cNvPr id="3" name="内容占位符 2"/>
+          <p:cNvSpPr>
+            <a:spLocks noGrp="1"/>
+          </p:cNvSpPr>
+          <p:nvPr>
+            <p:ph idx="1"/>
+          </p:nvPr>
+        </p:nvSpPr>
+        <p:spPr>
+          <a:xfrm>
+            <a:off x="457200" y="1916832"/>
+            <a:ext cx="8229600" cy="4657704"/>
+          </a:xfrm>
+        </p:spPr>
+        <p:txBody>
+          <a:bodyPr/>
+          <a:lstStyle/>
+          <a:p>
+            <a:r>
+              <a:rPr lang="zh-CN" altLang="en-US" dirty="0" smtClean="0"/>
+              <a:t>为什么会使用</a:t>
+            </a:r>
+            <a:r>
+              <a:rPr lang="en-US" altLang="zh-CN" dirty="0" smtClean="0"/>
+              <a:t>DOM</a:t>
+            </a:r>
+            <a:r>
+              <a:rPr lang="zh-CN" altLang="en-US" dirty="0"/>
+              <a:t>类</a:t>
+            </a:r>
+            <a:r>
+              <a:rPr lang="zh-CN" altLang="en-US" dirty="0" smtClean="0"/>
+              <a:t>库</a:t>
+            </a:r>
+            <a:endParaRPr lang="en-US" altLang="zh-CN" dirty="0" smtClean="0"/>
+          </a:p>
+          <a:p>
+            <a:pPr lvl="1"/>
+            <a:r>
+              <a:rPr lang="zh-CN" altLang="en-US" dirty="0"/>
+              <a:t>浏览</a:t>
+            </a:r>
+            <a:r>
+              <a:rPr lang="zh-CN" altLang="en-US" dirty="0" smtClean="0"/>
+              <a:t>器兼容性问题（</a:t>
+            </a:r>
+            <a:r>
+              <a:rPr lang="en-US" altLang="zh-CN" dirty="0" smtClean="0"/>
+              <a:t>IE</a:t>
+            </a:r>
+            <a:r>
+              <a:rPr lang="zh-CN" altLang="en-US" dirty="0" smtClean="0"/>
+              <a:t>太奇葩）</a:t>
+            </a:r>
+            <a:endParaRPr lang="en-US" altLang="zh-CN" dirty="0" smtClean="0"/>
+          </a:p>
+          <a:p>
+            <a:pPr lvl="1"/>
+            <a:r>
+              <a:rPr lang="zh-CN" altLang="en-US" dirty="0"/>
+              <a:t>原</a:t>
+            </a:r>
+            <a:r>
+              <a:rPr lang="zh-CN" altLang="en-US" dirty="0" smtClean="0"/>
+              <a:t>生的</a:t>
+            </a:r>
+            <a:r>
+              <a:rPr lang="en-US" altLang="zh-CN" dirty="0" smtClean="0"/>
+              <a:t>js dom</a:t>
+            </a:r>
+            <a:r>
+              <a:rPr lang="zh-CN" altLang="en-US" dirty="0" smtClean="0"/>
+              <a:t>操作太繁琐，缺少批量处理节点的方法。</a:t>
+            </a:r>
+            <a:endParaRPr lang="en-US" altLang="zh-CN" dirty="0" smtClean="0"/>
+          </a:p>
+          <a:p>
+            <a:pPr lvl="1"/>
+            <a:r>
+              <a:rPr lang="en-US" altLang="zh-CN" dirty="0" smtClean="0"/>
+              <a:t>API</a:t>
+            </a:r>
+            <a:r>
+              <a:rPr lang="zh-CN" altLang="en-US" dirty="0" smtClean="0"/>
+              <a:t>庞大而不友好 学习成本高</a:t>
+            </a:r>
+            <a:endParaRPr lang="en-US" altLang="zh-CN" dirty="0" smtClean="0"/>
+          </a:p>
+          <a:p>
+            <a:pPr lvl="1"/>
+            <a:r>
+              <a:rPr lang="zh-CN" altLang="en-US" dirty="0" smtClean="0"/>
+              <a:t>让码农专心处理业务 而不是成天</a:t>
+            </a:r>
+            <a:r>
+              <a:rPr lang="en-US" altLang="zh-CN" dirty="0" smtClean="0"/>
+              <a:t>bb</a:t>
+            </a:r>
+            <a:r>
+              <a:rPr lang="zh-CN" altLang="en-US" dirty="0" smtClean="0"/>
+              <a:t>兼容性问题，整天给</a:t>
+            </a:r>
+            <a:r>
+              <a:rPr lang="en-US" altLang="zh-CN" dirty="0" smtClean="0"/>
+              <a:t>DOM</a:t>
+            </a:r>
+            <a:r>
+              <a:rPr lang="zh-CN" altLang="en-US" dirty="0" smtClean="0"/>
+              <a:t>填坑。</a:t>
+            </a:r>
+            <a:endParaRPr lang="en-US" altLang="zh-CN" dirty="0" smtClean="0"/>
+          </a:p>
+          <a:p>
+            <a:r>
+              <a:rPr lang="en-US" altLang="zh-CN" dirty="0" smtClean="0"/>
+              <a:t>Prototype , jQuery </a:t>
+            </a:r>
+            <a:r>
+              <a:rPr lang="zh-CN" altLang="en-US" dirty="0" smtClean="0"/>
+              <a:t>老牌类库诞生</a:t>
+            </a:r>
+            <a:endParaRPr lang="en-US" altLang="zh-CN" dirty="0" smtClean="0"/>
+          </a:p>
+        </p:txBody>
+      </p:sp>
+    </p:spTree>
+    <p:extLst>
+      <p:ext uri="{BB962C8B-B14F-4D97-AF65-F5344CB8AC3E}">
+        <p14:creationId xmlns:p14="http://schemas.microsoft.com/office/powerpoint/2010/main" val="4107614194"/>
+      </p:ext>
+    </p:extLst>
+  </p:cSld>
+  <p:clrMapOvr>
+    <a:masterClrMapping/>
+  </p:clrMapOvr>
+  <p:timing>
+    <p:tnLst>
+      <p:par>
+        <p:cTn id="1" dur="indefinite" restart="never" nodeType="tmRoot"/>
+      </p:par>
+    </p:tnLst>
+  </p:timing>
+</p:sld>
+</file>
+
+<file path=ppt/slides/slide23.xml><?xml version="1.0" encoding="utf-8"?>
+<p:sld xmlns:a="http://schemas.openxmlformats.org/drawingml/2006/main" xmlns:r="http://schemas.openxmlformats.org/officeDocument/2006/relationships" xmlns:p="http://schemas.openxmlformats.org/presentationml/2006/main">
+  <p:cSld>
+    <p:spTree>
+      <p:nvGrpSpPr>
+        <p:cNvPr id="1" name=""/>
+        <p:cNvGrpSpPr/>
+        <p:nvPr/>
+      </p:nvGrpSpPr>
+      <p:grpSpPr>
+        <a:xfrm>
+          <a:off x="0" y="0"/>
+          <a:ext cx="0" cy="0"/>
+          <a:chOff x="0" y="0"/>
+          <a:chExt cx="0" cy="0"/>
+        </a:xfrm>
+      </p:grpSpPr>
+      <p:sp>
+        <p:nvSpPr>
+          <p:cNvPr id="2" name="标题 1"/>
+          <p:cNvSpPr>
+            <a:spLocks noGrp="1"/>
+          </p:cNvSpPr>
+          <p:nvPr>
+            <p:ph type="title"/>
+          </p:nvPr>
+        </p:nvSpPr>
+        <p:spPr>
+          <a:xfrm>
+            <a:off x="467544" y="764704"/>
+            <a:ext cx="8229600" cy="1066800"/>
+          </a:xfrm>
+        </p:spPr>
+        <p:txBody>
+          <a:bodyPr/>
+          <a:lstStyle/>
+          <a:p>
+            <a:r>
+              <a:rPr lang="zh-CN" altLang="en-US" dirty="0" smtClean="0">
+                <a:latin typeface="Adobe 黑体 Std R" pitchFamily="34" charset="-122"/>
+                <a:ea typeface="Adobe 黑体 Std R" pitchFamily="34" charset="-122"/>
+              </a:rPr>
+              <a:t>神奇的</a:t>
+            </a:r>
+            <a:r>
+              <a:rPr lang="en-US" altLang="zh-CN" dirty="0" smtClean="0">
+                <a:latin typeface="Adobe 黑体 Std R" pitchFamily="34" charset="-122"/>
+                <a:ea typeface="Adobe 黑体 Std R" pitchFamily="34" charset="-122"/>
+              </a:rPr>
+              <a:t>$</a:t>
+            </a:r>
+            <a:endParaRPr lang="zh-CN" altLang="en-US" dirty="0">
+              <a:latin typeface="Adobe 黑体 Std R" pitchFamily="34" charset="-122"/>
+              <a:ea typeface="Adobe 黑体 Std R" pitchFamily="34" charset="-122"/>
+            </a:endParaRPr>
+          </a:p>
+        </p:txBody>
+      </p:sp>
+      <p:sp>
+        <p:nvSpPr>
+          <p:cNvPr id="3" name="内容占位符 2"/>
+          <p:cNvSpPr>
+            <a:spLocks noGrp="1"/>
+          </p:cNvSpPr>
+          <p:nvPr>
+            <p:ph idx="1"/>
+          </p:nvPr>
+        </p:nvSpPr>
+        <p:spPr>
+          <a:xfrm>
+            <a:off x="457200" y="1916832"/>
+            <a:ext cx="8229600" cy="4657704"/>
+          </a:xfrm>
+        </p:spPr>
+        <p:txBody>
+          <a:bodyPr/>
+          <a:lstStyle/>
+          <a:p>
+            <a:r>
+              <a:rPr lang="zh-CN" altLang="en-US" dirty="0"/>
+              <a:t>选择</a:t>
+            </a:r>
+            <a:r>
+              <a:rPr lang="zh-CN" altLang="en-US" dirty="0" smtClean="0"/>
+              <a:t>器的时代来临</a:t>
+            </a:r>
+            <a:endParaRPr lang="en-US" altLang="zh-CN" dirty="0" smtClean="0"/>
+          </a:p>
+          <a:p>
+            <a:pPr lvl="1"/>
+            <a:r>
+              <a:rPr lang="en-US" altLang="zh-CN" dirty="0" smtClean="0"/>
+              <a:t>$(‘#id’) $(‘.class’) $(‘tag’)</a:t>
+            </a:r>
+          </a:p>
+          <a:p>
+            <a:pPr marL="411480" lvl="1" indent="0">
+              <a:buNone/>
+            </a:pPr>
+            <a:endParaRPr lang="en-US" altLang="zh-CN" dirty="0"/>
+          </a:p>
+          <a:p>
+            <a:r>
+              <a:rPr lang="en-US" altLang="zh-CN" dirty="0" smtClean="0"/>
+              <a:t>$</a:t>
+            </a:r>
+            <a:r>
+              <a:rPr lang="zh-CN" altLang="en-US" dirty="0" smtClean="0"/>
+              <a:t>是个什么？</a:t>
+            </a:r>
+            <a:endParaRPr lang="en-US" altLang="zh-CN" dirty="0"/>
+          </a:p>
+          <a:p>
+            <a:pPr lvl="1"/>
+            <a:r>
+              <a:rPr lang="zh-CN" altLang="en-US" dirty="0" smtClean="0"/>
+              <a:t>它是一个</a:t>
+            </a:r>
+            <a:r>
+              <a:rPr lang="en-US" altLang="zh-CN" dirty="0" smtClean="0"/>
+              <a:t>function </a:t>
+            </a:r>
+            <a:r>
+              <a:rPr lang="zh-CN" altLang="en-US" dirty="0" smtClean="0"/>
+              <a:t>，可以传入</a:t>
+            </a:r>
+            <a:r>
+              <a:rPr lang="en-US" altLang="zh-CN" dirty="0" smtClean="0"/>
+              <a:t>selector</a:t>
+            </a:r>
+          </a:p>
+          <a:p>
+            <a:pPr lvl="1"/>
+            <a:r>
+              <a:rPr lang="zh-CN" altLang="en-US" dirty="0" smtClean="0"/>
+              <a:t>它有返回值 返回了一个</a:t>
+            </a:r>
+            <a:r>
+              <a:rPr lang="en-US" altLang="zh-CN" dirty="0" smtClean="0"/>
+              <a:t>object</a:t>
+            </a:r>
+          </a:p>
+          <a:p>
+            <a:pPr lvl="1"/>
+            <a:r>
+              <a:rPr lang="zh-CN" altLang="en-US" dirty="0" smtClean="0"/>
+              <a:t>它是类库的入口</a:t>
+            </a:r>
+            <a:endParaRPr lang="en-US" altLang="zh-CN" dirty="0"/>
+          </a:p>
+          <a:p>
+            <a:pPr lvl="1"/>
+            <a:r>
+              <a:rPr lang="zh-CN" altLang="en-US" dirty="0" smtClean="0"/>
+              <a:t>它是一个</a:t>
+            </a:r>
+            <a:r>
+              <a:rPr lang="en-US" altLang="zh-CN" dirty="0" smtClean="0"/>
+              <a:t>class</a:t>
+            </a:r>
+          </a:p>
+        </p:txBody>
+      </p:sp>
+    </p:spTree>
+    <p:extLst>
+      <p:ext uri="{BB962C8B-B14F-4D97-AF65-F5344CB8AC3E}">
+        <p14:creationId xmlns:p14="http://schemas.microsoft.com/office/powerpoint/2010/main" val="1176992996"/>
+      </p:ext>
+    </p:extLst>
+  </p:cSld>
+  <p:clrMapOvr>
+    <a:masterClrMapping/>
+  </p:clrMapOvr>
+  <p:timing>
+    <p:tnLst>
+      <p:par>
+        <p:cTn id="1" dur="indefinite" restart="never" nodeType="tmRoot"/>
+      </p:par>
+    </p:tnLst>
+  </p:timing>
+</p:sld>
+</file>
+
+<file path=ppt/slides/slide24.xml><?xml version="1.0" encoding="utf-8"?>
+<p:sld xmlns:a="http://schemas.openxmlformats.org/drawingml/2006/main" xmlns:r="http://schemas.openxmlformats.org/officeDocument/2006/relationships" xmlns:p="http://schemas.openxmlformats.org/presentationml/2006/main">
+  <p:cSld>
+    <p:spTree>
+      <p:nvGrpSpPr>
+        <p:cNvPr id="1" name=""/>
+        <p:cNvGrpSpPr/>
+        <p:nvPr/>
+      </p:nvGrpSpPr>
+      <p:grpSpPr>
+        <a:xfrm>
+          <a:off x="0" y="0"/>
+          <a:ext cx="0" cy="0"/>
+          <a:chOff x="0" y="0"/>
+          <a:chExt cx="0" cy="0"/>
+        </a:xfrm>
+      </p:grpSpPr>
+      <p:sp>
+        <p:nvSpPr>
+          <p:cNvPr id="2" name="标题 1"/>
+          <p:cNvSpPr>
+            <a:spLocks noGrp="1"/>
+          </p:cNvSpPr>
+          <p:nvPr>
+            <p:ph type="title"/>
+          </p:nvPr>
+        </p:nvSpPr>
+        <p:spPr>
+          <a:xfrm>
+            <a:off x="467544" y="764704"/>
+            <a:ext cx="8229600" cy="1066800"/>
+          </a:xfrm>
+        </p:spPr>
+        <p:txBody>
+          <a:bodyPr/>
+          <a:lstStyle/>
+          <a:p>
+            <a:r>
+              <a:rPr lang="zh-CN" altLang="en-US" dirty="0" smtClean="0">
+                <a:latin typeface="Adobe 黑体 Std R" pitchFamily="34" charset="-122"/>
+                <a:ea typeface="Adobe 黑体 Std R" pitchFamily="34" charset="-122"/>
+              </a:rPr>
+              <a:t>怎样实现</a:t>
+            </a:r>
+            <a:r>
+              <a:rPr lang="en-US" altLang="zh-CN" dirty="0" smtClean="0">
+                <a:latin typeface="Adobe 黑体 Std R" pitchFamily="34" charset="-122"/>
+                <a:ea typeface="Adobe 黑体 Std R" pitchFamily="34" charset="-122"/>
+              </a:rPr>
+              <a:t>$</a:t>
+            </a:r>
+            <a:endParaRPr lang="zh-CN" altLang="en-US" dirty="0">
+              <a:latin typeface="Adobe 黑体 Std R" pitchFamily="34" charset="-122"/>
+              <a:ea typeface="Adobe 黑体 Std R" pitchFamily="34" charset="-122"/>
+            </a:endParaRPr>
+          </a:p>
+        </p:txBody>
+      </p:sp>
+      <p:sp>
+        <p:nvSpPr>
+          <p:cNvPr id="5" name="内容占位符 4"/>
+          <p:cNvSpPr>
+            <a:spLocks noGrp="1"/>
+          </p:cNvSpPr>
+          <p:nvPr>
+            <p:ph idx="1"/>
+          </p:nvPr>
+        </p:nvSpPr>
+        <p:spPr>
+          <a:xfrm>
+            <a:off x="457200" y="1916832"/>
+            <a:ext cx="8229600" cy="4657704"/>
+          </a:xfrm>
+        </p:spPr>
+        <p:txBody>
+          <a:bodyPr/>
+          <a:lstStyle/>
+          <a:p>
+            <a:r>
+              <a:rPr lang="en-US" altLang="zh-CN" dirty="0" smtClean="0"/>
+              <a:t>var $ = function(){ </a:t>
+            </a:r>
+          </a:p>
+          <a:p>
+            <a:pPr lvl="1"/>
+            <a:endParaRPr lang="en-US" altLang="zh-CN" dirty="0"/>
+          </a:p>
+          <a:p>
+            <a:r>
+              <a:rPr lang="en-US" altLang="zh-CN" dirty="0" smtClean="0"/>
+              <a:t>}</a:t>
+            </a:r>
+          </a:p>
+          <a:p>
+            <a:pPr>
+              <a:lnSpc>
+                <a:spcPct val="150000"/>
+              </a:lnSpc>
+            </a:pPr>
+            <a:r>
+              <a:rPr lang="zh-CN" altLang="en-US" dirty="0"/>
+              <a:t>两</a:t>
+            </a:r>
+            <a:r>
+              <a:rPr lang="zh-CN" altLang="en-US" dirty="0" smtClean="0"/>
+              <a:t>种方式：</a:t>
+            </a:r>
+            <a:endParaRPr lang="en-US" altLang="zh-CN" dirty="0" smtClean="0"/>
+          </a:p>
+          <a:p>
+            <a:pPr lvl="1">
+              <a:lnSpc>
+                <a:spcPct val="150000"/>
+              </a:lnSpc>
+            </a:pPr>
+            <a:r>
+              <a:rPr lang="zh-CN" altLang="en-US" dirty="0"/>
+              <a:t>返</a:t>
+            </a:r>
+            <a:r>
+              <a:rPr lang="zh-CN" altLang="en-US" dirty="0" smtClean="0"/>
+              <a:t>回一个</a:t>
+            </a:r>
+            <a:r>
+              <a:rPr lang="en-US" altLang="zh-CN" dirty="0" smtClean="0"/>
+              <a:t>$</a:t>
+            </a:r>
+            <a:r>
+              <a:rPr lang="zh-CN" altLang="en-US" dirty="0" smtClean="0"/>
+              <a:t>的实例 即</a:t>
+            </a:r>
+            <a:r>
+              <a:rPr lang="en-US" altLang="zh-CN" dirty="0" smtClean="0"/>
+              <a:t>return new $()</a:t>
+            </a:r>
+            <a:r>
+              <a:rPr lang="zh-CN" altLang="en-US" dirty="0" smtClean="0"/>
+              <a:t>，在</a:t>
+            </a:r>
+            <a:r>
+              <a:rPr lang="en-US" altLang="zh-CN" dirty="0" smtClean="0"/>
+              <a:t>$</a:t>
+            </a:r>
+            <a:r>
+              <a:rPr lang="zh-CN" altLang="en-US" dirty="0" smtClean="0"/>
+              <a:t>这个类的原形中添加</a:t>
+            </a:r>
+            <a:r>
+              <a:rPr lang="en-US" altLang="zh-CN" dirty="0" smtClean="0"/>
+              <a:t>dom</a:t>
+            </a:r>
+            <a:r>
+              <a:rPr lang="zh-CN" altLang="en-US" dirty="0" smtClean="0"/>
+              <a:t>操作方法 </a:t>
+            </a:r>
+            <a:r>
+              <a:rPr lang="en-US" altLang="zh-CN" dirty="0" smtClean="0"/>
+              <a:t>——</a:t>
+            </a:r>
+            <a:r>
+              <a:rPr lang="zh-CN" altLang="en-US" dirty="0" smtClean="0"/>
+              <a:t>类</a:t>
+            </a:r>
+            <a:r>
+              <a:rPr lang="en-US" altLang="zh-CN" dirty="0" smtClean="0"/>
+              <a:t>jquery</a:t>
+            </a:r>
+            <a:r>
+              <a:rPr lang="zh-CN" altLang="en-US" dirty="0" smtClean="0"/>
+              <a:t>方法</a:t>
+            </a:r>
+            <a:endParaRPr lang="en-US" altLang="zh-CN" dirty="0" smtClean="0"/>
+          </a:p>
+          <a:p>
+            <a:pPr lvl="1">
+              <a:lnSpc>
+                <a:spcPct val="150000"/>
+              </a:lnSpc>
+            </a:pPr>
+            <a:r>
+              <a:rPr lang="zh-CN" altLang="en-US" dirty="0"/>
+              <a:t>返</a:t>
+            </a:r>
+            <a:r>
+              <a:rPr lang="zh-CN" altLang="en-US" dirty="0" smtClean="0"/>
+              <a:t>回</a:t>
+            </a:r>
+            <a:r>
+              <a:rPr lang="en-US" altLang="zh-CN" dirty="0" smtClean="0"/>
+              <a:t>dom</a:t>
+            </a:r>
+            <a:r>
+              <a:rPr lang="zh-CN" altLang="en-US" dirty="0" smtClean="0"/>
+              <a:t>对象 ，在</a:t>
+            </a:r>
+            <a:r>
+              <a:rPr lang="en-US" altLang="zh-CN" dirty="0" smtClean="0"/>
+              <a:t>DOM</a:t>
+            </a:r>
+            <a:r>
+              <a:rPr lang="zh-CN" altLang="en-US" dirty="0" smtClean="0"/>
+              <a:t>类的原形中添加</a:t>
+            </a:r>
+            <a:r>
+              <a:rPr lang="en-US" altLang="zh-CN" dirty="0" smtClean="0"/>
+              <a:t>dom</a:t>
+            </a:r>
+            <a:r>
+              <a:rPr lang="zh-CN" altLang="en-US" dirty="0" smtClean="0"/>
+              <a:t>操作方法</a:t>
+            </a:r>
+            <a:r>
+              <a:rPr lang="en-US" altLang="zh-CN" dirty="0" smtClean="0"/>
+              <a:t>——</a:t>
+            </a:r>
+            <a:r>
+              <a:rPr lang="zh-CN" altLang="en-US" dirty="0" smtClean="0"/>
+              <a:t>类</a:t>
+            </a:r>
+            <a:r>
+              <a:rPr lang="en-US" altLang="zh-CN" dirty="0" smtClean="0"/>
+              <a:t>Prototype</a:t>
+            </a:r>
+            <a:r>
+              <a:rPr lang="zh-CN" altLang="en-US" dirty="0" smtClean="0"/>
+              <a:t>方法</a:t>
+            </a:r>
+            <a:endParaRPr lang="zh-CN" altLang="en-US" dirty="0"/>
+          </a:p>
+        </p:txBody>
+      </p:sp>
+    </p:spTree>
+    <p:extLst>
+      <p:ext uri="{BB962C8B-B14F-4D97-AF65-F5344CB8AC3E}">
+        <p14:creationId xmlns:p14="http://schemas.microsoft.com/office/powerpoint/2010/main" val="117102412"/>
+      </p:ext>
+    </p:extLst>
+  </p:cSld>
+  <p:clrMapOvr>
+    <a:masterClrMapping/>
+  </p:clrMapOvr>
+  <p:timing>
+    <p:tnLst>
+      <p:par>
+        <p:cTn id="1" dur="indefinite" restart="never" nodeType="tmRoot"/>
+      </p:par>
+    </p:tnLst>
+  </p:timing>
+</p:sld>
+</file>
+
+<file path=ppt/slides/slide25.xml><?xml version="1.0" encoding="utf-8"?>
+<p:sld xmlns:a="http://schemas.openxmlformats.org/drawingml/2006/main" xmlns:r="http://schemas.openxmlformats.org/officeDocument/2006/relationships" xmlns:p="http://schemas.openxmlformats.org/presentationml/2006/main">
+  <p:cSld>
+    <p:spTree>
+      <p:nvGrpSpPr>
+        <p:cNvPr id="1" name=""/>
+        <p:cNvGrpSpPr/>
+        <p:nvPr/>
+      </p:nvGrpSpPr>
+      <p:grpSpPr>
+        <a:xfrm>
+          <a:off x="0" y="0"/>
+          <a:ext cx="0" cy="0"/>
+          <a:chOff x="0" y="0"/>
+          <a:chExt cx="0" cy="0"/>
+        </a:xfrm>
+      </p:grpSpPr>
+      <p:sp>
+        <p:nvSpPr>
+          <p:cNvPr id="2" name="标题 1"/>
+          <p:cNvSpPr>
+            <a:spLocks noGrp="1"/>
+          </p:cNvSpPr>
+          <p:nvPr>
+            <p:ph type="title"/>
+          </p:nvPr>
+        </p:nvSpPr>
+        <p:spPr>
+          <a:xfrm>
+            <a:off x="467544" y="764704"/>
+            <a:ext cx="8229600" cy="1066800"/>
+          </a:xfrm>
+        </p:spPr>
+        <p:txBody>
+          <a:bodyPr/>
+          <a:lstStyle/>
+          <a:p>
+            <a:r>
+              <a:rPr lang="zh-CN" altLang="en-US" dirty="0">
+                <a:latin typeface="Adobe 黑体 Std R" pitchFamily="34" charset="-122"/>
+                <a:ea typeface="Adobe 黑体 Std R" pitchFamily="34" charset="-122"/>
+              </a:rPr>
+              <a:t>两</a:t>
+            </a:r>
+            <a:r>
+              <a:rPr lang="zh-CN" altLang="en-US" dirty="0" smtClean="0">
+                <a:latin typeface="Adobe 黑体 Std R" pitchFamily="34" charset="-122"/>
+                <a:ea typeface="Adobe 黑体 Std R" pitchFamily="34" charset="-122"/>
+              </a:rPr>
+              <a:t>种方法的优缺点</a:t>
+            </a:r>
+            <a:endParaRPr lang="zh-CN" altLang="en-US" dirty="0">
+              <a:latin typeface="Adobe 黑体 Std R" pitchFamily="34" charset="-122"/>
+              <a:ea typeface="Adobe 黑体 Std R" pitchFamily="34" charset="-122"/>
+            </a:endParaRPr>
+          </a:p>
+        </p:txBody>
+      </p:sp>
+      <p:sp>
+        <p:nvSpPr>
+          <p:cNvPr id="3" name="内容占位符 2"/>
+          <p:cNvSpPr>
+            <a:spLocks noGrp="1"/>
+          </p:cNvSpPr>
+          <p:nvPr>
+            <p:ph idx="1"/>
+          </p:nvPr>
+        </p:nvSpPr>
+        <p:spPr>
+          <a:xfrm>
+            <a:off x="457200" y="1916832"/>
+            <a:ext cx="8229600" cy="4657704"/>
+          </a:xfrm>
+        </p:spPr>
+        <p:txBody>
+          <a:bodyPr/>
+          <a:lstStyle/>
+          <a:p>
+            <a:r>
+              <a:rPr lang="en-US" altLang="zh-CN" dirty="0" smtClean="0"/>
+              <a:t>Jquery:</a:t>
+            </a:r>
+          </a:p>
+          <a:p>
+            <a:pPr lvl="1"/>
+            <a:r>
+              <a:rPr lang="zh-CN" altLang="en-US" dirty="0"/>
+              <a:t>构</a:t>
+            </a:r>
+            <a:r>
+              <a:rPr lang="zh-CN" altLang="en-US" dirty="0" smtClean="0"/>
+              <a:t>造了一个新的类，所有方法都绑定到这个类中，我们在</a:t>
+            </a:r>
+            <a:r>
+              <a:rPr lang="en-US" altLang="zh-CN" dirty="0" smtClean="0"/>
+              <a:t>jquery</a:t>
+            </a:r>
+            <a:r>
+              <a:rPr lang="zh-CN" altLang="en-US" dirty="0" smtClean="0"/>
+              <a:t>中的所有操作 都在操作</a:t>
+            </a:r>
+            <a:r>
+              <a:rPr lang="en-US" altLang="zh-CN" dirty="0" smtClean="0"/>
+              <a:t>$ -- </a:t>
+            </a:r>
+            <a:r>
+              <a:rPr lang="zh-CN" altLang="en-US" dirty="0" smtClean="0"/>
+              <a:t>直接导致类太庞大。</a:t>
+            </a:r>
+            <a:endParaRPr lang="en-US" altLang="zh-CN" dirty="0" smtClean="0"/>
+          </a:p>
+          <a:p>
+            <a:pPr lvl="1"/>
+            <a:r>
+              <a:rPr lang="zh-CN" altLang="en-US" dirty="0"/>
+              <a:t>稳</a:t>
+            </a:r>
+            <a:r>
+              <a:rPr lang="zh-CN" altLang="en-US" dirty="0" smtClean="0"/>
+              <a:t>定性，不管</a:t>
+            </a:r>
+            <a:r>
+              <a:rPr lang="en-US" altLang="zh-CN" dirty="0" smtClean="0"/>
+              <a:t>DOM</a:t>
+            </a:r>
+            <a:r>
+              <a:rPr lang="zh-CN" altLang="en-US" dirty="0"/>
+              <a:t>怎</a:t>
+            </a:r>
+            <a:r>
+              <a:rPr lang="zh-CN" altLang="en-US" dirty="0" smtClean="0"/>
+              <a:t>么升级，</a:t>
+            </a:r>
+            <a:r>
+              <a:rPr lang="en-US" altLang="zh-CN" dirty="0" smtClean="0"/>
+              <a:t>$</a:t>
+            </a:r>
+            <a:r>
+              <a:rPr lang="zh-CN" altLang="en-US" dirty="0" smtClean="0"/>
+              <a:t>依然是自己的，里面的方法都能用。</a:t>
+            </a:r>
+            <a:endParaRPr lang="en-US" altLang="zh-CN" dirty="0" smtClean="0"/>
+          </a:p>
+          <a:p>
+            <a:pPr lvl="1"/>
+            <a:r>
+              <a:rPr lang="zh-CN" altLang="en-US" dirty="0"/>
+              <a:t>不</a:t>
+            </a:r>
+            <a:r>
+              <a:rPr lang="zh-CN" altLang="en-US" dirty="0" smtClean="0"/>
+              <a:t>怕污染 ，想扩展</a:t>
+            </a:r>
+            <a:r>
+              <a:rPr lang="en-US" altLang="zh-CN" dirty="0" smtClean="0"/>
+              <a:t>$.extend</a:t>
+            </a:r>
+            <a:r>
+              <a:rPr lang="zh-CN" altLang="en-US" dirty="0" smtClean="0"/>
+              <a:t>搞定。</a:t>
+            </a:r>
+            <a:endParaRPr lang="en-US" altLang="zh-CN" dirty="0" smtClean="0"/>
+          </a:p>
+        </p:txBody>
+      </p:sp>
+    </p:spTree>
+    <p:extLst>
+      <p:ext uri="{BB962C8B-B14F-4D97-AF65-F5344CB8AC3E}">
+        <p14:creationId xmlns:p14="http://schemas.microsoft.com/office/powerpoint/2010/main" val="1984787503"/>
+      </p:ext>
+    </p:extLst>
+  </p:cSld>
+  <p:clrMapOvr>
+    <a:masterClrMapping/>
+  </p:clrMapOvr>
+  <p:timing>
+    <p:tnLst>
+      <p:par>
+        <p:cTn id="1" dur="indefinite" restart="never" nodeType="tmRoot"/>
+      </p:par>
+    </p:tnLst>
+  </p:timing>
+</p:sld>
+</file>
+
+<file path=ppt/slides/slide26.xml><?xml version="1.0" encoding="utf-8"?>
+<p:sld xmlns:a="http://schemas.openxmlformats.org/drawingml/2006/main" xmlns:r="http://schemas.openxmlformats.org/officeDocument/2006/relationships" xmlns:p="http://schemas.openxmlformats.org/presentationml/2006/main">
+  <p:cSld>
+    <p:spTree>
+      <p:nvGrpSpPr>
+        <p:cNvPr id="1" name=""/>
+        <p:cNvGrpSpPr/>
+        <p:nvPr/>
+      </p:nvGrpSpPr>
+      <p:grpSpPr>
+        <a:xfrm>
+          <a:off x="0" y="0"/>
+          <a:ext cx="0" cy="0"/>
+          <a:chOff x="0" y="0"/>
+          <a:chExt cx="0" cy="0"/>
+        </a:xfrm>
+      </p:grpSpPr>
+      <p:sp>
+        <p:nvSpPr>
+          <p:cNvPr id="2" name="标题 1"/>
+          <p:cNvSpPr>
+            <a:spLocks noGrp="1"/>
+          </p:cNvSpPr>
+          <p:nvPr>
+            <p:ph type="title"/>
+          </p:nvPr>
+        </p:nvSpPr>
+        <p:spPr>
+          <a:xfrm>
+            <a:off x="457200" y="908720"/>
+            <a:ext cx="8229600" cy="1066800"/>
+          </a:xfrm>
+        </p:spPr>
+        <p:txBody>
+          <a:bodyPr/>
+          <a:lstStyle/>
+          <a:p>
+            <a:r>
+              <a:rPr lang="zh-CN" altLang="en-US" dirty="0">
+                <a:latin typeface="Adobe 黑体 Std R" pitchFamily="34" charset="-122"/>
+                <a:ea typeface="Adobe 黑体 Std R" pitchFamily="34" charset="-122"/>
+              </a:rPr>
+              <a:t>两种方法的优缺点</a:t>
+            </a:r>
+            <a:endParaRPr lang="zh-CN" altLang="en-US" dirty="0"/>
+          </a:p>
+        </p:txBody>
+      </p:sp>
+      <p:sp>
+        <p:nvSpPr>
+          <p:cNvPr id="3" name="内容占位符 2"/>
+          <p:cNvSpPr>
+            <a:spLocks noGrp="1"/>
+          </p:cNvSpPr>
+          <p:nvPr>
+            <p:ph idx="1"/>
+          </p:nvPr>
+        </p:nvSpPr>
+        <p:spPr>
+          <a:xfrm>
+            <a:off x="467544" y="1844824"/>
+            <a:ext cx="8229600" cy="2880320"/>
+          </a:xfrm>
+        </p:spPr>
+        <p:txBody>
+          <a:bodyPr/>
+          <a:lstStyle/>
+          <a:p>
+            <a:r>
+              <a:rPr lang="en-US" altLang="zh-CN" dirty="0"/>
+              <a:t>Prototype</a:t>
+            </a:r>
+          </a:p>
+          <a:p>
+            <a:pPr lvl="1"/>
+            <a:r>
+              <a:rPr lang="zh-CN" altLang="en-US" dirty="0"/>
+              <a:t>没有构造新的类，只是在原生的</a:t>
+            </a:r>
+            <a:r>
+              <a:rPr lang="en-US" altLang="zh-CN" dirty="0"/>
+              <a:t>DOM</a:t>
+            </a:r>
+            <a:r>
+              <a:rPr lang="zh-CN" altLang="en-US" dirty="0"/>
+              <a:t>对象中添加方</a:t>
+            </a:r>
+            <a:r>
+              <a:rPr lang="zh-CN" altLang="en-US" dirty="0" smtClean="0"/>
+              <a:t>法，用起来贼方便。</a:t>
+            </a:r>
+            <a:endParaRPr lang="en-US" altLang="zh-CN" dirty="0"/>
+          </a:p>
+          <a:p>
+            <a:pPr lvl="1"/>
+            <a:r>
+              <a:rPr lang="zh-CN" altLang="en-US" dirty="0"/>
+              <a:t>这些</a:t>
+            </a:r>
+            <a:r>
+              <a:rPr lang="en-US" altLang="zh-CN" dirty="0"/>
+              <a:t>DOM</a:t>
+            </a:r>
+            <a:r>
+              <a:rPr lang="zh-CN" altLang="en-US" dirty="0"/>
+              <a:t>对象都在全局域当中，容易造成全局污染，或者和其他的类库冲突</a:t>
+            </a:r>
+            <a:endParaRPr lang="en-US" altLang="zh-CN" dirty="0"/>
+          </a:p>
+          <a:p>
+            <a:pPr lvl="1"/>
+            <a:r>
+              <a:rPr lang="zh-CN" altLang="en-US" dirty="0"/>
+              <a:t>向上不兼容，隐藏的定时炸弹。</a:t>
+            </a:r>
+            <a:endParaRPr lang="en-US" altLang="zh-CN" dirty="0"/>
+          </a:p>
+        </p:txBody>
+      </p:sp>
+      <p:sp>
+        <p:nvSpPr>
+          <p:cNvPr id="4" name="矩形 3"/>
+          <p:cNvSpPr/>
+          <p:nvPr/>
+        </p:nvSpPr>
+        <p:spPr>
+          <a:xfrm>
+            <a:off x="755576" y="4725144"/>
+            <a:ext cx="7416824" cy="1656184"/>
+          </a:xfrm>
+          <a:prstGeom prst="rect">
+            <a:avLst/>
+          </a:prstGeom>
+        </p:spPr>
+        <p:style>
+          <a:lnRef idx="2">
+            <a:schemeClr val="accent1">
+              <a:shade val="50000"/>
+            </a:schemeClr>
+          </a:lnRef>
+          <a:fillRef idx="1">
+            <a:schemeClr val="accent1"/>
+          </a:fillRef>
+          <a:effectRef idx="0">
+            <a:schemeClr val="accent1"/>
+          </a:effectRef>
+          <a:fontRef idx="minor">
+            <a:schemeClr val="lt1"/>
+          </a:fontRef>
+        </p:style>
+        <p:txBody>
+          <a:bodyPr rtlCol="0" anchor="ctr"/>
+          <a:lstStyle/>
+          <a:p>
+            <a:r>
+              <a:rPr lang="zh-CN" altLang="en-US" sz="2400" dirty="0">
+                <a:latin typeface="Adobe 黑体 Std R" pitchFamily="34" charset="-122"/>
+                <a:ea typeface="Adobe 黑体 Std R" pitchFamily="34" charset="-122"/>
+              </a:rPr>
+              <a:t>所以用</a:t>
+            </a:r>
+            <a:r>
+              <a:rPr lang="en-US" altLang="zh-CN" sz="2400" dirty="0">
+                <a:latin typeface="Adobe 黑体 Std R" pitchFamily="34" charset="-122"/>
+                <a:ea typeface="Adobe 黑体 Std R" pitchFamily="34" charset="-122"/>
+              </a:rPr>
+              <a:t>Nicholas C.Zakas</a:t>
+            </a:r>
+            <a:r>
+              <a:rPr lang="zh-CN" altLang="en-US" sz="2400" dirty="0">
+                <a:latin typeface="Adobe 黑体 Std R" pitchFamily="34" charset="-122"/>
+                <a:ea typeface="Adobe 黑体 Std R" pitchFamily="34" charset="-122"/>
+              </a:rPr>
+              <a:t>的一句话做总结</a:t>
+            </a:r>
+            <a:r>
+              <a:rPr lang="zh-CN" altLang="en-US" sz="2400" dirty="0" smtClean="0">
+                <a:latin typeface="Adobe 黑体 Std R" pitchFamily="34" charset="-122"/>
+                <a:ea typeface="Adobe 黑体 Std R" pitchFamily="34" charset="-122"/>
+              </a:rPr>
+              <a:t>：</a:t>
+            </a:r>
+            <a:endParaRPr lang="en-US" altLang="zh-CN" sz="2400" dirty="0" smtClean="0">
+              <a:latin typeface="Adobe 黑体 Std R" pitchFamily="34" charset="-122"/>
+              <a:ea typeface="Adobe 黑体 Std R" pitchFamily="34" charset="-122"/>
+            </a:endParaRPr>
+          </a:p>
+          <a:p>
+            <a:r>
+              <a:rPr lang="en-US" altLang="zh-CN" sz="2800" dirty="0" smtClean="0">
+                <a:ea typeface="Adobe 黑体 Std R" pitchFamily="34" charset="-122"/>
+              </a:rPr>
+              <a:t>Don’t </a:t>
+            </a:r>
+            <a:r>
+              <a:rPr lang="en-US" altLang="zh-CN" sz="2800" dirty="0">
+                <a:ea typeface="Adobe 黑体 Std R" pitchFamily="34" charset="-122"/>
+              </a:rPr>
+              <a:t>modify objects you don’t </a:t>
+            </a:r>
+            <a:r>
+              <a:rPr lang="en-US" altLang="zh-CN" sz="2800" dirty="0" smtClean="0">
+                <a:ea typeface="Adobe 黑体 Std R" pitchFamily="34" charset="-122"/>
+              </a:rPr>
+              <a:t>own</a:t>
+            </a:r>
+            <a:r>
+              <a:rPr lang="en-US" altLang="zh-CN" sz="2800" dirty="0">
+                <a:latin typeface="Adobe 黑体 Std R" pitchFamily="34" charset="-122"/>
+                <a:ea typeface="Adobe 黑体 Std R" pitchFamily="34" charset="-122"/>
+              </a:rPr>
+              <a:t>.</a:t>
+            </a:r>
+            <a:endParaRPr lang="zh-CN" altLang="en-US" sz="2800" dirty="0">
+              <a:latin typeface="Adobe 黑体 Std R" pitchFamily="34" charset="-122"/>
+              <a:ea typeface="Adobe 黑体 Std R" pitchFamily="34" charset="-122"/>
+            </a:endParaRPr>
+          </a:p>
+        </p:txBody>
+      </p:sp>
+    </p:spTree>
+    <p:extLst>
+      <p:ext uri="{BB962C8B-B14F-4D97-AF65-F5344CB8AC3E}">
+        <p14:creationId xmlns:p14="http://schemas.microsoft.com/office/powerpoint/2010/main" val="2779240440"/>
+      </p:ext>
+    </p:extLst>
+  </p:cSld>
+  <p:clrMapOvr>
+    <a:masterClrMapping/>
+  </p:clrMapOvr>
+  <p:timing>
+    <p:tnLst>
+      <p:par>
+        <p:cTn id="1" dur="indefinite" restart="never" nodeType="tmRoot"/>
+      </p:par>
+    </p:tnLst>
+  </p:timing>
+</p:sld>
+</file>
+
+<file path=ppt/slides/slide27.xml><?xml version="1.0" encoding="utf-8"?>
+<p:sld xmlns:a="http://schemas.openxmlformats.org/drawingml/2006/main" xmlns:r="http://schemas.openxmlformats.org/officeDocument/2006/relationships" xmlns:p="http://schemas.openxmlformats.org/presentationml/2006/main">
+  <p:cSld>
+    <p:spTree>
+      <p:nvGrpSpPr>
+        <p:cNvPr id="1" name=""/>
+        <p:cNvGrpSpPr/>
+        <p:nvPr/>
+      </p:nvGrpSpPr>
+      <p:grpSpPr>
+        <a:xfrm>
+          <a:off x="0" y="0"/>
+          <a:ext cx="0" cy="0"/>
+          <a:chOff x="0" y="0"/>
+          <a:chExt cx="0" cy="0"/>
+        </a:xfrm>
+      </p:grpSpPr>
+      <p:sp>
+        <p:nvSpPr>
+          <p:cNvPr id="3" name="内容占位符 2"/>
+          <p:cNvSpPr>
+            <a:spLocks noGrp="1"/>
+          </p:cNvSpPr>
+          <p:nvPr>
+            <p:ph idx="1"/>
+          </p:nvPr>
+        </p:nvSpPr>
+        <p:spPr>
+          <a:xfrm>
+            <a:off x="1619672" y="3068960"/>
+            <a:ext cx="6933456" cy="2740936"/>
+          </a:xfrm>
+        </p:spPr>
+        <p:txBody>
+          <a:bodyPr>
+            <a:normAutofit/>
+          </a:bodyPr>
+          <a:lstStyle/>
+          <a:p>
+            <a:pPr marL="109728" indent="0">
+              <a:buNone/>
+            </a:pPr>
+            <a:r>
+              <a:rPr lang="en-US" altLang="zh-CN" sz="4800" dirty="0" smtClean="0"/>
+              <a:t>		The End</a:t>
+            </a:r>
+            <a:endParaRPr lang="zh-CN" altLang="en-US" sz="4800" dirty="0"/>
+          </a:p>
+        </p:txBody>
+      </p:sp>
+    </p:spTree>
+    <p:extLst>
+      <p:ext uri="{BB962C8B-B14F-4D97-AF65-F5344CB8AC3E}">
+        <p14:creationId xmlns:p14="http://schemas.microsoft.com/office/powerpoint/2010/main" val="1841561597"/>
+      </p:ext>
+    </p:extLst>
+  </p:cSld>
+  <p:clrMapOvr>
+    <a:masterClrMapping/>
+  </p:clrMapOvr>
+  <p:timing>
+    <p:tnLst>
+      <p:par>
+        <p:cTn id="1" dur="indefinite" restart="never" nodeType="tmRoot"/>
+      </p:par>
+    </p:tnLst>
+  </p:timing>
+</p:sld>
+</file>
+
 <file path=ppt/slides/slide3.xml><?xml version="1.0" encoding="utf-8"?>
 <p:sld xmlns:a="http://schemas.openxmlformats.org/drawingml/2006/main" xmlns:r="http://schemas.openxmlformats.org/officeDocument/2006/relationships" xmlns:p="http://schemas.openxmlformats.org/presentationml/2006/main">
   <p:cSld>
@@ -28802,7 +31120,7 @@
             <p:ph idx="1"/>
             <p:extLst>
               <p:ext uri="{D42A27DB-BD31-4B8C-83A1-F6EECF244321}">
-                <p14:modId xmlns:p14="http://schemas.microsoft.com/office/powerpoint/2010/main" val="134937743"/>
+                <p14:modId xmlns:p14="http://schemas.microsoft.com/office/powerpoint/2010/main" val="1043800502"/>
               </p:ext>
             </p:extLst>
           </p:nvPr>
@@ -29223,83 +31541,8 @@
                           <a:latin typeface="Adobe 黑体 Std R" pitchFamily="34" charset="-122"/>
                           <a:ea typeface="Adobe 黑体 Std R" pitchFamily="34" charset="-122"/>
                         </a:rPr>
-                        <a:t>Element, Text, Comment, </a:t>
+                        <a:t>Element, Text, Comment, ProcessingInstruction, CDATASection, EntityReference</a:t>
                       </a:r>
-                      <a:r>
-                        <a:rPr lang="en-US" sz="1100" b="1" dirty="0" err="1">
-                          <a:solidFill>
-                            <a:schemeClr val="accent1">
-                              <a:lumMod val="75000"/>
-                            </a:schemeClr>
-                          </a:solidFill>
-                          <a:effectLst/>
-                          <a:latin typeface="Adobe 黑体 Std R" pitchFamily="34" charset="-122"/>
-                          <a:ea typeface="Adobe 黑体 Std R" pitchFamily="34" charset="-122"/>
-                        </a:rPr>
-                        <a:t>ProcessingInstruction</a:t>
-                      </a:r>
-                      <a:r>
-                        <a:rPr lang="en-US" sz="1100" b="1" dirty="0">
-                          <a:solidFill>
-                            <a:schemeClr val="accent1">
-                              <a:lumMod val="75000"/>
-                            </a:schemeClr>
-                          </a:solidFill>
-                          <a:effectLst/>
-                          <a:latin typeface="Adobe 黑体 Std R" pitchFamily="34" charset="-122"/>
-                          <a:ea typeface="Adobe 黑体 Std R" pitchFamily="34" charset="-122"/>
-                        </a:rPr>
-                        <a:t>, </a:t>
-                      </a:r>
-                      <a:r>
-                        <a:rPr lang="en-US" sz="1100" b="1" dirty="0" err="1">
-                          <a:solidFill>
-                            <a:schemeClr val="accent1">
-                              <a:lumMod val="75000"/>
-                            </a:schemeClr>
-                          </a:solidFill>
-                          <a:effectLst/>
-                          <a:latin typeface="Adobe 黑体 Std R" pitchFamily="34" charset="-122"/>
-                          <a:ea typeface="Adobe 黑体 Std R" pitchFamily="34" charset="-122"/>
-                        </a:rPr>
-                        <a:t>CDATASection</a:t>
-                      </a:r>
-                      <a:r>
-                        <a:rPr lang="en-US" sz="1100" b="1" dirty="0">
-                          <a:solidFill>
-                            <a:schemeClr val="accent1">
-                              <a:lumMod val="75000"/>
-                            </a:schemeClr>
-                          </a:solidFill>
-                          <a:effectLst/>
-                          <a:latin typeface="Adobe 黑体 Std R" pitchFamily="34" charset="-122"/>
-                          <a:ea typeface="Adobe 黑体 Std R" pitchFamily="34" charset="-122"/>
-                        </a:rPr>
-                        <a:t>, </a:t>
-                      </a:r>
-                      <a:r>
-                        <a:rPr lang="en-US" sz="1100" b="1" dirty="0" err="1">
-                          <a:solidFill>
-                            <a:schemeClr val="accent1">
-                              <a:lumMod val="75000"/>
-                            </a:schemeClr>
-                          </a:solidFill>
-                          <a:effectLst/>
-                          <a:latin typeface="Adobe 黑体 Std R" pitchFamily="34" charset="-122"/>
-                          <a:ea typeface="Adobe 黑体 Std R" pitchFamily="34" charset="-122"/>
-                        </a:rPr>
-                        <a:t>EntityReference</a:t>
-                      </a:r>
-                      <a:endParaRPr lang="en-US" sz="1100" b="1" dirty="0">
-                        <a:solidFill>
-                          <a:schemeClr val="accent1">
-                            <a:lumMod val="75000"/>
-                          </a:schemeClr>
-                        </a:solidFill>
-                        <a:effectLst/>
-                        <a:latin typeface="Adobe 黑体 Std R" pitchFamily="34" charset="-122"/>
-                        <a:ea typeface="Adobe 黑体 Std R" pitchFamily="34" charset="-122"/>
-                      </a:endParaRPr>
                     </a:p>
                   </a:txBody>
                   <a:tcPr marL="21274" marR="53186" marT="21274" marB="21274" anchor="ctr">
@@ -29414,18 +31657,13 @@
                     <a:p>
                       <a:pPr fontAlgn="t"/>
                       <a:r>
-                        <a:rPr lang="en-US" sz="1100" dirty="0" err="1">
+                        <a:rPr lang="en-US" sz="1100" dirty="0">
                           <a:effectLst/>
                           <a:latin typeface="Adobe 黑体 Std R" pitchFamily="34" charset="-122"/>
                           <a:ea typeface="Adobe 黑体 Std R" pitchFamily="34" charset="-122"/>
                         </a:rPr>
                         <a:t>Attr</a:t>
                       </a:r>
-                      <a:endParaRPr lang="en-US" sz="1100" dirty="0">
-                        <a:effectLst/>
-                        <a:latin typeface="Adobe 黑体 Std R" pitchFamily="34" charset="-122"/>
-                        <a:ea typeface="Adobe 黑体 Std R" pitchFamily="34" charset="-122"/>
-                      </a:endParaRPr>
                     </a:p>
                   </a:txBody>
                   <a:tcPr marL="21274" marR="53186" marT="21274" marB="21274" anchor="ctr">
@@ -29540,21 +31778,8 @@
                           <a:latin typeface="Adobe 黑体 Std R" pitchFamily="34" charset="-122"/>
                           <a:ea typeface="Adobe 黑体 Std R" pitchFamily="34" charset="-122"/>
                         </a:rPr>
-                        <a:t>Text, </a:t>
+                        <a:t>Text, EntityReference</a:t>
                       </a:r>
-                      <a:r>
-                        <a:rPr lang="en-US" sz="1100" dirty="0" err="1">
-                          <a:effectLst/>
-                          <a:latin typeface="Adobe 黑体 Std R" pitchFamily="34" charset="-122"/>
-                          <a:ea typeface="Adobe 黑体 Std R" pitchFamily="34" charset="-122"/>
-                        </a:rPr>
-                        <a:t>EntityReference</a:t>
-                      </a:r>
-                      <a:endParaRPr lang="en-US" sz="1100" dirty="0">
-                        <a:effectLst/>
-                        <a:latin typeface="Adobe 黑体 Std R" pitchFamily="34" charset="-122"/>
-                        <a:ea typeface="Adobe 黑体 Std R" pitchFamily="34" charset="-122"/>
-                      </a:endParaRPr>
                     </a:p>
                   </a:txBody>
                   <a:tcPr marL="21274" marR="53186" marT="21274" marB="21274" anchor="ctr">
@@ -29906,7 +32131,7 @@
                     <a:p>
                       <a:pPr fontAlgn="t"/>
                       <a:r>
-                        <a:rPr lang="en-US" sz="1100" dirty="0" err="1">
+                        <a:rPr lang="en-US" sz="1100" dirty="0">
                           <a:solidFill>
                             <a:schemeClr val="tx1">
                               <a:lumMod val="65000"/>
@@ -29919,17 +32144,6 @@
                         </a:rPr>
                         <a:t>CDATASection</a:t>
                       </a:r>
-                      <a:endParaRPr lang="en-US" sz="1100" dirty="0">
-                        <a:solidFill>
-                          <a:schemeClr val="tx1">
-                            <a:lumMod val="65000"/>
-                            <a:lumOff val="35000"/>
-                          </a:schemeClr>
-                        </a:solidFill>
-                        <a:effectLst/>
-                        <a:latin typeface="Adobe 黑体 Std R" pitchFamily="34" charset="-122"/>
-                        <a:ea typeface="Adobe 黑体 Std R" pitchFamily="34" charset="-122"/>
-                      </a:endParaRPr>
                     </a:p>
                   </a:txBody>
                   <a:tcPr marL="21274" marR="53186" marT="21274" marB="21274" anchor="ctr">
@@ -30203,7 +32417,7 @@
                     <a:p>
                       <a:pPr fontAlgn="t"/>
                       <a:r>
-                        <a:rPr lang="en-US" sz="1100" dirty="0" err="1">
+                        <a:rPr lang="en-US" sz="1100" dirty="0">
                           <a:solidFill>
                             <a:schemeClr val="tx1">
                               <a:lumMod val="65000"/>
@@ -30216,17 +32430,6 @@
                         </a:rPr>
                         <a:t>EntityReference</a:t>
                       </a:r>
-                      <a:endParaRPr lang="en-US" sz="1100" dirty="0">
-                        <a:solidFill>
-                          <a:schemeClr val="tx1">
-                            <a:lumMod val="65000"/>
-                            <a:lumOff val="35000"/>
-                          </a:schemeClr>
-                        </a:solidFill>
-                        <a:effectLst/>
-                        <a:latin typeface="Adobe 黑体 Std R" pitchFamily="34" charset="-122"/>
-                        <a:ea typeface="Adobe 黑体 Std R" pitchFamily="34" charset="-122"/>
-                      </a:endParaRPr>
                     </a:p>
                   </a:txBody>
                   <a:tcPr marL="21274" marR="53186" marT="21274" marB="21274" anchor="ctr">
@@ -30353,89 +32556,8 @@
                           <a:latin typeface="Adobe 黑体 Std R" pitchFamily="34" charset="-122"/>
                           <a:ea typeface="Adobe 黑体 Std R" pitchFamily="34" charset="-122"/>
                         </a:rPr>
-                        <a:t>Element, </a:t>
+                        <a:t>Element, ProcessingInstruction, Comment, Text, CDATASection, EntityReference</a:t>
                       </a:r>
-                      <a:r>
-                        <a:rPr lang="en-US" sz="1100" dirty="0" err="1">
-                          <a:solidFill>
-                            <a:schemeClr val="tx1">
-                              <a:lumMod val="65000"/>
-                              <a:lumOff val="35000"/>
-                            </a:schemeClr>
-                          </a:solidFill>
-                          <a:effectLst/>
-                          <a:latin typeface="Adobe 黑体 Std R" pitchFamily="34" charset="-122"/>
-                          <a:ea typeface="Adobe 黑体 Std R" pitchFamily="34" charset="-122"/>
-                        </a:rPr>
-                        <a:t>ProcessingInstruction</a:t>
-                      </a:r>
-                      <a:r>
-                        <a:rPr lang="en-US" sz="1100" dirty="0">
-                          <a:solidFill>
-                            <a:schemeClr val="tx1">
-                              <a:lumMod val="65000"/>
-                              <a:lumOff val="35000"/>
-                            </a:schemeClr>
-                          </a:solidFill>
-                          <a:effectLst/>
-                          <a:latin typeface="Adobe 黑体 Std R" pitchFamily="34" charset="-122"/>
-                          <a:ea typeface="Adobe 黑体 Std R" pitchFamily="34" charset="-122"/>
-                        </a:rPr>
-                        <a:t>, Comment, Text, </a:t>
-                      </a:r>
-                      <a:r>
-                        <a:rPr lang="en-US" sz="1100" dirty="0" err="1">
-                          <a:solidFill>
-                            <a:schemeClr val="tx1">
-                              <a:lumMod val="65000"/>
-                              <a:lumOff val="35000"/>
-                            </a:schemeClr>
-                          </a:solidFill>
-                          <a:effectLst/>
-                          <a:latin typeface="Adobe 黑体 Std R" pitchFamily="34" charset="-122"/>
-                          <a:ea typeface="Adobe 黑体 Std R" pitchFamily="34" charset="-122"/>
-                        </a:rPr>
-                        <a:t>CDATASection</a:t>
-                      </a:r>
-                      <a:r>
-                        <a:rPr lang="en-US" sz="1100" dirty="0">
-                          <a:solidFill>
-                            <a:schemeClr val="tx1">
-                              <a:lumMod val="65000"/>
-                              <a:lumOff val="35000"/>
-                            </a:schemeClr>
-                          </a:solidFill>
-                          <a:effectLst/>
-                          <a:latin typeface="Adobe 黑体 Std R" pitchFamily="34" charset="-122"/>
-                          <a:ea typeface="Adobe 黑体 Std R" pitchFamily="34" charset="-122"/>
-                        </a:rPr>
-                        <a:t>, </a:t>
-                      </a:r>
-                      <a:r>
-                        <a:rPr lang="en-US" sz="1100" dirty="0" err="1">
-                          <a:solidFill>
-                            <a:schemeClr val="tx1">
-                              <a:lumMod val="65000"/>
-                              <a:lumOff val="35000"/>
-                            </a:schemeClr>
-                          </a:solidFill>
-                          <a:effectLst/>
-                          <a:latin typeface="Adobe 黑体 Std R" pitchFamily="34" charset="-122"/>
-                          <a:ea typeface="Adobe 黑体 Std R" pitchFamily="34" charset="-122"/>
-                        </a:rPr>
-                        <a:t>EntityReference</a:t>
-                      </a:r>
-                      <a:endParaRPr lang="en-US" sz="1100" dirty="0">
-                        <a:solidFill>
-                          <a:schemeClr val="tx1">
-                            <a:lumMod val="65000"/>
-                            <a:lumOff val="35000"/>
-                          </a:schemeClr>
-                        </a:solidFill>
-                        <a:effectLst/>
-                        <a:latin typeface="Adobe 黑体 Std R" pitchFamily="34" charset="-122"/>
-                        <a:ea typeface="Adobe 黑体 Std R" pitchFamily="34" charset="-122"/>
-                      </a:endParaRPr>
                     </a:p>
                   </a:txBody>
                   <a:tcPr marL="21274" marR="53186" marT="21274" marB="21274" anchor="ctr">
@@ -30692,89 +32814,8 @@
                           <a:latin typeface="Adobe 黑体 Std R" pitchFamily="34" charset="-122"/>
                           <a:ea typeface="Adobe 黑体 Std R" pitchFamily="34" charset="-122"/>
                         </a:rPr>
-                        <a:t>Element, </a:t>
+                        <a:t>Element, ProcessingInstruction, Comment, Text, CDATASection, EntityReference</a:t>
                       </a:r>
-                      <a:r>
-                        <a:rPr lang="en-US" sz="1100" dirty="0" err="1">
-                          <a:solidFill>
-                            <a:schemeClr val="tx1">
-                              <a:lumMod val="65000"/>
-                              <a:lumOff val="35000"/>
-                            </a:schemeClr>
-                          </a:solidFill>
-                          <a:effectLst/>
-                          <a:latin typeface="Adobe 黑体 Std R" pitchFamily="34" charset="-122"/>
-                          <a:ea typeface="Adobe 黑体 Std R" pitchFamily="34" charset="-122"/>
-                        </a:rPr>
-                        <a:t>ProcessingInstruction</a:t>
-                      </a:r>
-                      <a:r>
-                        <a:rPr lang="en-US" sz="1100" dirty="0">
-                          <a:solidFill>
-                            <a:schemeClr val="tx1">
-                              <a:lumMod val="65000"/>
-                              <a:lumOff val="35000"/>
-                            </a:schemeClr>
-                          </a:solidFill>
-                          <a:effectLst/>
-                          <a:latin typeface="Adobe 黑体 Std R" pitchFamily="34" charset="-122"/>
-                          <a:ea typeface="Adobe 黑体 Std R" pitchFamily="34" charset="-122"/>
-                        </a:rPr>
-                        <a:t>, Comment, Text, </a:t>
-                      </a:r>
-                      <a:r>
-                        <a:rPr lang="en-US" sz="1100" dirty="0" err="1">
-                          <a:solidFill>
-                            <a:schemeClr val="tx1">
-                              <a:lumMod val="65000"/>
-                              <a:lumOff val="35000"/>
-                            </a:schemeClr>
-                          </a:solidFill>
-                          <a:effectLst/>
-                          <a:latin typeface="Adobe 黑体 Std R" pitchFamily="34" charset="-122"/>
-                          <a:ea typeface="Adobe 黑体 Std R" pitchFamily="34" charset="-122"/>
-                        </a:rPr>
-                        <a:t>CDATASection</a:t>
-                      </a:r>
-                      <a:r>
-                        <a:rPr lang="en-US" sz="1100" dirty="0">
-                          <a:solidFill>
-                            <a:schemeClr val="tx1">
-                              <a:lumMod val="65000"/>
-                              <a:lumOff val="35000"/>
-                            </a:schemeClr>
-                          </a:solidFill>
-                          <a:effectLst/>
-                          <a:latin typeface="Adobe 黑体 Std R" pitchFamily="34" charset="-122"/>
-                          <a:ea typeface="Adobe 黑体 Std R" pitchFamily="34" charset="-122"/>
-                        </a:rPr>
-                        <a:t>, </a:t>
-                      </a:r>
-                      <a:r>
-                        <a:rPr lang="en-US" sz="1100" dirty="0" err="1">
-                          <a:solidFill>
-                            <a:schemeClr val="tx1">
-                              <a:lumMod val="65000"/>
-                              <a:lumOff val="35000"/>
-                            </a:schemeClr>
-                          </a:solidFill>
-                          <a:effectLst/>
-                          <a:latin typeface="Adobe 黑体 Std R" pitchFamily="34" charset="-122"/>
-                          <a:ea typeface="Adobe 黑体 Std R" pitchFamily="34" charset="-122"/>
-                        </a:rPr>
-                        <a:t>EntityReference</a:t>
-                      </a:r>
-                      <a:endParaRPr lang="en-US" sz="1100" dirty="0">
-                        <a:solidFill>
-                          <a:schemeClr val="tx1">
-                            <a:lumMod val="65000"/>
-                            <a:lumOff val="35000"/>
-                          </a:schemeClr>
-                        </a:solidFill>
-                        <a:effectLst/>
-                        <a:latin typeface="Adobe 黑体 Std R" pitchFamily="34" charset="-122"/>
-                        <a:ea typeface="Adobe 黑体 Std R" pitchFamily="34" charset="-122"/>
-                      </a:endParaRPr>
                     </a:p>
                   </a:txBody>
                   <a:tcPr marL="21274" marR="53186" marT="21274" marB="21274" anchor="ctr">
@@ -30892,7 +32933,7 @@
                     <a:p>
                       <a:pPr fontAlgn="t"/>
                       <a:r>
-                        <a:rPr lang="en-US" sz="1100" dirty="0" err="1">
+                        <a:rPr lang="en-US" sz="1100" dirty="0">
                           <a:solidFill>
                             <a:schemeClr val="tx1">
                               <a:lumMod val="65000"/>
@@ -30905,17 +32946,6 @@
                         </a:rPr>
                         <a:t>ProcessingInstruction</a:t>
                       </a:r>
-                      <a:endParaRPr lang="en-US" sz="1100" dirty="0">
-                        <a:solidFill>
-                          <a:schemeClr val="tx1">
-                            <a:lumMod val="65000"/>
-                            <a:lumOff val="35000"/>
-                          </a:schemeClr>
-                        </a:solidFill>
-                        <a:effectLst/>
-                        <a:latin typeface="Adobe 黑体 Std R" pitchFamily="34" charset="-122"/>
-                        <a:ea typeface="Adobe 黑体 Std R" pitchFamily="34" charset="-122"/>
-                      </a:endParaRPr>
                     </a:p>
                   </a:txBody>
                   <a:tcPr marL="21274" marR="53186" marT="21274" marB="21274" anchor="ctr">
@@ -31565,57 +33595,8 @@
                           <a:latin typeface="Adobe 黑体 Std R" pitchFamily="34" charset="-122"/>
                           <a:ea typeface="Adobe 黑体 Std R" pitchFamily="34" charset="-122"/>
                         </a:rPr>
-                        <a:t>Element, </a:t>
+                        <a:t>Element, ProcessingInstruction, Comment, DocumentType</a:t>
                       </a:r>
-                      <a:r>
-                        <a:rPr lang="en-US" sz="1100" b="1" dirty="0" err="1">
-                          <a:solidFill>
-                            <a:schemeClr val="accent1">
-                              <a:lumMod val="75000"/>
-                            </a:schemeClr>
-                          </a:solidFill>
-                          <a:effectLst/>
-                          <a:latin typeface="Adobe 黑体 Std R" pitchFamily="34" charset="-122"/>
-                          <a:ea typeface="Adobe 黑体 Std R" pitchFamily="34" charset="-122"/>
-                        </a:rPr>
-                        <a:t>ProcessingInstruction</a:t>
-                      </a:r>
-                      <a:r>
-                        <a:rPr lang="en-US" sz="1100" b="1" dirty="0">
-                          <a:solidFill>
-                            <a:schemeClr val="accent1">
-                              <a:lumMod val="75000"/>
-                            </a:schemeClr>
-                          </a:solidFill>
-                          <a:effectLst/>
-                          <a:latin typeface="Adobe 黑体 Std R" pitchFamily="34" charset="-122"/>
-                          <a:ea typeface="Adobe 黑体 Std R" pitchFamily="34" charset="-122"/>
-                        </a:rPr>
-                        <a:t>, Comment, </a:t>
-                      </a:r>
-                      <a:r>
-                        <a:rPr lang="en-US" sz="1100" b="1" dirty="0" err="1">
-                          <a:solidFill>
-                            <a:schemeClr val="accent1">
-                              <a:lumMod val="75000"/>
-                            </a:schemeClr>
-                          </a:solidFill>
-                          <a:effectLst/>
-                          <a:latin typeface="Adobe 黑体 Std R" pitchFamily="34" charset="-122"/>
-                          <a:ea typeface="Adobe 黑体 Std R" pitchFamily="34" charset="-122"/>
-                        </a:rPr>
-                        <a:t>DocumentType</a:t>
-                      </a:r>
-                      <a:endParaRPr lang="en-US" sz="1100" b="1" dirty="0">
-                        <a:solidFill>
-                          <a:schemeClr val="accent1">
-                            <a:lumMod val="75000"/>
-                          </a:schemeClr>
-                        </a:solidFill>
-                        <a:effectLst/>
-                        <a:latin typeface="Adobe 黑体 Std R" pitchFamily="34" charset="-122"/>
-                        <a:ea typeface="Adobe 黑体 Std R" pitchFamily="34" charset="-122"/>
-                      </a:endParaRPr>
                     </a:p>
                   </a:txBody>
                   <a:tcPr marL="21274" marR="53186" marT="21274" marB="21274" anchor="ctr">
@@ -31730,18 +33711,13 @@
                     <a:p>
                       <a:pPr fontAlgn="t"/>
                       <a:r>
-                        <a:rPr lang="en-US" sz="1100" dirty="0" err="1">
+                        <a:rPr lang="en-US" sz="1100" dirty="0">
                           <a:effectLst/>
                           <a:latin typeface="Adobe 黑体 Std R" pitchFamily="34" charset="-122"/>
                           <a:ea typeface="Adobe 黑体 Std R" pitchFamily="34" charset="-122"/>
                         </a:rPr>
                         <a:t>DocumentType</a:t>
                       </a:r>
-                      <a:endParaRPr lang="en-US" sz="1100" dirty="0">
-                        <a:effectLst/>
-                        <a:latin typeface="Adobe 黑体 Std R" pitchFamily="34" charset="-122"/>
-                        <a:ea typeface="Adobe 黑体 Std R" pitchFamily="34" charset="-122"/>
-                      </a:endParaRPr>
                     </a:p>
                   </a:txBody>
                   <a:tcPr marL="21274" marR="53186" marT="21274" marB="21274" anchor="ctr">
@@ -31977,7 +33953,7 @@
                     <a:p>
                       <a:pPr fontAlgn="t"/>
                       <a:r>
-                        <a:rPr lang="en-US" sz="1100" b="1" dirty="0" err="1">
+                        <a:rPr lang="en-US" sz="1100" b="1" dirty="0">
                           <a:solidFill>
                             <a:schemeClr val="accent1">
                               <a:lumMod val="75000"/>
@@ -31989,16 +33965,6 @@
                         </a:rPr>
                         <a:t>DocumentFragment</a:t>
                       </a:r>
-                      <a:endParaRPr lang="en-US" sz="1100" b="1" dirty="0">
-                        <a:solidFill>
-                          <a:schemeClr val="accent1">
-                            <a:lumMod val="75000"/>
-                          </a:schemeClr>
-                        </a:solidFill>
-                        <a:effectLst/>
-                        <a:latin typeface="Adobe 黑体 Std R" pitchFamily="34" charset="-122"/>
-                        <a:ea typeface="Adobe 黑体 Std R" pitchFamily="34" charset="-122"/>
-                      </a:endParaRPr>
                     </a:p>
                   </a:txBody>
                   <a:tcPr marL="21274" marR="53186" marT="21274" marB="21274" anchor="ctr">
@@ -32155,83 +34121,8 @@
                           <a:latin typeface="Adobe 黑体 Std R" pitchFamily="34" charset="-122"/>
                           <a:ea typeface="Adobe 黑体 Std R" pitchFamily="34" charset="-122"/>
                         </a:rPr>
-                        <a:t>Element, </a:t>
+                        <a:t>Element, ProcessingInstruction, Comment, Text, CDATASection, EntityReference</a:t>
                       </a:r>
-                      <a:r>
-                        <a:rPr lang="en-US" sz="1100" b="1" dirty="0" err="1">
-                          <a:solidFill>
-                            <a:schemeClr val="accent1">
-                              <a:lumMod val="75000"/>
-                            </a:schemeClr>
-                          </a:solidFill>
-                          <a:effectLst/>
-                          <a:latin typeface="Adobe 黑体 Std R" pitchFamily="34" charset="-122"/>
-                          <a:ea typeface="Adobe 黑体 Std R" pitchFamily="34" charset="-122"/>
-                        </a:rPr>
-                        <a:t>ProcessingInstruction</a:t>
-                      </a:r>
-                      <a:r>
-                        <a:rPr lang="en-US" sz="1100" b="1" dirty="0">
-                          <a:solidFill>
-                            <a:schemeClr val="accent1">
-                              <a:lumMod val="75000"/>
-                            </a:schemeClr>
-                          </a:solidFill>
-                          <a:effectLst/>
-                          <a:latin typeface="Adobe 黑体 Std R" pitchFamily="34" charset="-122"/>
-                          <a:ea typeface="Adobe 黑体 Std R" pitchFamily="34" charset="-122"/>
-                        </a:rPr>
-                        <a:t>, Comment, Text, </a:t>
-                      </a:r>
-                      <a:r>
-                        <a:rPr lang="en-US" sz="1100" b="1" dirty="0" err="1">
-                          <a:solidFill>
-                            <a:schemeClr val="accent1">
-                              <a:lumMod val="75000"/>
-                            </a:schemeClr>
-                          </a:solidFill>
-                          <a:effectLst/>
-                          <a:latin typeface="Adobe 黑体 Std R" pitchFamily="34" charset="-122"/>
-                          <a:ea typeface="Adobe 黑体 Std R" pitchFamily="34" charset="-122"/>
-                        </a:rPr>
-                        <a:t>CDATASection</a:t>
-                      </a:r>
-                      <a:r>
-                        <a:rPr lang="en-US" sz="1100" b="1" dirty="0">
-                          <a:solidFill>
-                            <a:schemeClr val="accent1">
-                              <a:lumMod val="75000"/>
-                            </a:schemeClr>
-                          </a:solidFill>
-                          <a:effectLst/>
-                          <a:latin typeface="Adobe 黑体 Std R" pitchFamily="34" charset="-122"/>
-                          <a:ea typeface="Adobe 黑体 Std R" pitchFamily="34" charset="-122"/>
-                        </a:rPr>
-                        <a:t>, </a:t>
-                      </a:r>
-                      <a:r>
-                        <a:rPr lang="en-US" sz="1100" b="1" dirty="0" err="1">
-                          <a:solidFill>
-                            <a:schemeClr val="accent1">
-                              <a:lumMod val="75000"/>
-                            </a:schemeClr>
-                          </a:solidFill>
-                          <a:effectLst/>
-                          <a:latin typeface="Adobe 黑体 Std R" pitchFamily="34" charset="-122"/>
-                          <a:ea typeface="Adobe 黑体 Std R" pitchFamily="34" charset="-122"/>
-                        </a:rPr>
-                        <a:t>EntityReference</a:t>
-                      </a:r>
-                      <a:endParaRPr lang="en-US" sz="1100" b="1" dirty="0">
-                        <a:solidFill>
-                          <a:schemeClr val="accent1">
-                            <a:lumMod val="75000"/>
-                          </a:schemeClr>
-                        </a:solidFill>
-                        <a:effectLst/>
-                        <a:latin typeface="Adobe 黑体 Std R" pitchFamily="34" charset="-122"/>
-                        <a:ea typeface="Adobe 黑体 Std R" pitchFamily="34" charset="-122"/>
-                      </a:endParaRPr>
                     </a:p>
                   </a:txBody>
                   <a:tcPr marL="21274" marR="53186" marT="21274" marB="21274" anchor="ctr">
@@ -32664,23 +34555,16 @@
           <a:lstStyle/>
           <a:p>
             <a:r>
-              <a:rPr lang="en-US" altLang="zh-CN" dirty="0" err="1" smtClean="0">
-                <a:latin typeface="Consolas" pitchFamily="49" charset="0"/>
-                <a:cs typeface="Consolas" pitchFamily="49" charset="0"/>
-              </a:rPr>
-              <a:t>innerHTML</a:t>
-            </a:r>
-            <a:r>
               <a:rPr lang="en-US" altLang="zh-CN" dirty="0" smtClean="0">
                 <a:latin typeface="Consolas" pitchFamily="49" charset="0"/>
                 <a:cs typeface="Consolas" pitchFamily="49" charset="0"/>
               </a:rPr>
-              <a:t> </a:t>
+              <a:t>innerHTML </a:t>
             </a:r>
           </a:p>
           <a:p>
             <a:r>
-              <a:rPr lang="en-US" altLang="zh-CN" dirty="0" err="1" smtClean="0">
+              <a:rPr lang="en-US" altLang="zh-CN" dirty="0" smtClean="0">
                 <a:latin typeface="Consolas" pitchFamily="49" charset="0"/>
                 <a:cs typeface="Consolas" pitchFamily="49" charset="0"/>
               </a:rPr>
@@ -32694,7 +34578,7 @@
           </a:p>
           <a:p>
             <a:r>
-              <a:rPr lang="en-US" altLang="zh-CN" dirty="0" err="1" smtClean="0">
+              <a:rPr lang="en-US" altLang="zh-CN" dirty="0" smtClean="0">
                 <a:latin typeface="Consolas" pitchFamily="49" charset="0"/>
                 <a:cs typeface="Consolas" pitchFamily="49" charset="0"/>
               </a:rPr>
@@ -32714,7 +34598,7 @@
           </a:p>
           <a:p>
             <a:r>
-              <a:rPr lang="en-US" altLang="zh-CN" dirty="0" err="1" smtClean="0">
+              <a:rPr lang="en-US" altLang="zh-CN" dirty="0" smtClean="0">
                 <a:latin typeface="Consolas" pitchFamily="49" charset="0"/>
                 <a:cs typeface="Consolas" pitchFamily="49" charset="0"/>
               </a:rPr>
@@ -33337,7 +35221,7 @@
           <a:lstStyle/>
           <a:p>
             <a:r>
-              <a:rPr lang="en-US" altLang="zh-CN" sz="2000" dirty="0" err="1" smtClean="0"/>
+              <a:rPr lang="en-US" altLang="zh-CN" sz="2000" dirty="0" smtClean="0"/>
               <a:t>firstChild</a:t>
             </a:r>
             <a:endParaRPr lang="zh-CN" altLang="en-US" sz="2000" dirty="0"/>
@@ -33367,7 +35251,7 @@
           <a:lstStyle/>
           <a:p>
             <a:r>
-              <a:rPr lang="en-US" altLang="zh-CN" sz="2000" dirty="0" err="1" smtClean="0"/>
+              <a:rPr lang="en-US" altLang="zh-CN" sz="2000" dirty="0" smtClean="0"/>
               <a:t>lastChild</a:t>
             </a:r>
             <a:endParaRPr lang="zh-CN" altLang="en-US" sz="2000" dirty="0"/>
@@ -33437,7 +35321,7 @@
           <a:lstStyle/>
           <a:p>
             <a:r>
-              <a:rPr lang="en-US" altLang="zh-CN" sz="2400" dirty="0" err="1" smtClean="0"/>
+              <a:rPr lang="en-US" altLang="zh-CN" sz="2400" dirty="0" smtClean="0"/>
               <a:t>childNode</a:t>
             </a:r>
             <a:endParaRPr lang="zh-CN" altLang="en-US" sz="2400" dirty="0"/>
@@ -33599,7 +35483,7 @@
           <a:lstStyle/>
           <a:p>
             <a:r>
-              <a:rPr lang="en-US" altLang="zh-CN" dirty="0" err="1" smtClean="0"/>
+              <a:rPr lang="en-US" altLang="zh-CN" dirty="0" smtClean="0"/>
               <a:t>nextSibling</a:t>
             </a:r>
             <a:endParaRPr lang="zh-CN" altLang="en-US" dirty="0"/>
@@ -33629,7 +35513,7 @@
           <a:lstStyle/>
           <a:p>
             <a:r>
-              <a:rPr lang="en-US" altLang="zh-CN" dirty="0" err="1" smtClean="0"/>
+              <a:rPr lang="en-US" altLang="zh-CN" dirty="0" smtClean="0"/>
               <a:t>nextSibling</a:t>
             </a:r>
             <a:endParaRPr lang="zh-CN" altLang="en-US" dirty="0"/>
@@ -33659,7 +35543,7 @@
           <a:lstStyle/>
           <a:p>
             <a:r>
-              <a:rPr lang="en-US" altLang="zh-CN" dirty="0" err="1" smtClean="0"/>
+              <a:rPr lang="en-US" altLang="zh-CN" dirty="0" smtClean="0"/>
               <a:t>previousSibling</a:t>
             </a:r>
             <a:endParaRPr lang="zh-CN" altLang="en-US" dirty="0"/>
@@ -33689,7 +35573,7 @@
           <a:lstStyle/>
           <a:p>
             <a:r>
-              <a:rPr lang="en-US" altLang="zh-CN" dirty="0" err="1" smtClean="0"/>
+              <a:rPr lang="en-US" altLang="zh-CN" dirty="0" smtClean="0"/>
               <a:t>previousSibling</a:t>
             </a:r>
             <a:endParaRPr lang="zh-CN" altLang="en-US" dirty="0"/>
@@ -34327,38 +36211,25 @@
           <a:lstStyle/>
           <a:p>
             <a:r>
-              <a:rPr lang="en-US" altLang="zh-CN" dirty="0" err="1" smtClean="0"/>
-              <a:t>document.createElement</a:t>
-            </a:r>
-            <a:r>
               <a:rPr lang="en-US" altLang="zh-CN" dirty="0" smtClean="0"/>
-              <a:t>()</a:t>
+              <a:t>document.createElement()</a:t>
             </a:r>
           </a:p>
           <a:p>
             <a:r>
-              <a:rPr lang="en-US" altLang="zh-CN" dirty="0" err="1"/>
+              <a:rPr lang="en-US" altLang="zh-CN" dirty="0"/>
               <a:t>d</a:t>
             </a:r>
             <a:r>
-              <a:rPr lang="en-US" altLang="zh-CN" dirty="0" err="1" smtClean="0"/>
-              <a:t>ocument.createTextNode</a:t>
-            </a:r>
-            <a:r>
               <a:rPr lang="en-US" altLang="zh-CN" dirty="0" smtClean="0"/>
-              <a:t>()</a:t>
+              <a:t>ocument.createTextNode()</a:t>
             </a:r>
           </a:p>
           <a:p>
             <a:r>
-              <a:rPr lang="en-US" altLang="zh-CN" dirty="0" err="1" smtClean="0"/>
-              <a:t>document.createDocumentFragment</a:t>
-            </a:r>
-            <a:r>
               <a:rPr lang="en-US" altLang="zh-CN" dirty="0" smtClean="0"/>
-              <a:t>()</a:t>
-            </a:r>
-            <a:endParaRPr lang="en-US" altLang="zh-CN" dirty="0" smtClean="0"/>
+              <a:t>document.createDocumentFragment()</a:t>
+            </a:r>
           </a:p>
           <a:p>
             <a:pPr marL="109728" indent="0">

--- a/manipulation.pptx
+++ b/manipulation.pptx
@@ -5,36 +5,38 @@
     <p:sldMasterId id="2147483876" r:id="rId1"/>
   </p:sldMasterIdLst>
   <p:notesMasterIdLst>
-    <p:notesMasterId r:id="rId29"/>
+    <p:notesMasterId r:id="rId31"/>
   </p:notesMasterIdLst>
   <p:sldIdLst>
     <p:sldId id="256" r:id="rId2"/>
-    <p:sldId id="259" r:id="rId3"/>
-    <p:sldId id="265" r:id="rId4"/>
-    <p:sldId id="260" r:id="rId5"/>
-    <p:sldId id="257" r:id="rId6"/>
-    <p:sldId id="263" r:id="rId7"/>
-    <p:sldId id="261" r:id="rId8"/>
-    <p:sldId id="262" r:id="rId9"/>
-    <p:sldId id="267" r:id="rId10"/>
-    <p:sldId id="270" r:id="rId11"/>
-    <p:sldId id="258" r:id="rId12"/>
-    <p:sldId id="276" r:id="rId13"/>
-    <p:sldId id="264" r:id="rId14"/>
-    <p:sldId id="266" r:id="rId15"/>
-    <p:sldId id="268" r:id="rId16"/>
-    <p:sldId id="269" r:id="rId17"/>
-    <p:sldId id="273" r:id="rId18"/>
-    <p:sldId id="271" r:id="rId19"/>
-    <p:sldId id="272" r:id="rId20"/>
-    <p:sldId id="274" r:id="rId21"/>
-    <p:sldId id="275" r:id="rId22"/>
-    <p:sldId id="277" r:id="rId23"/>
-    <p:sldId id="278" r:id="rId24"/>
-    <p:sldId id="279" r:id="rId25"/>
-    <p:sldId id="280" r:id="rId26"/>
-    <p:sldId id="281" r:id="rId27"/>
-    <p:sldId id="282" r:id="rId28"/>
+    <p:sldId id="283" r:id="rId3"/>
+    <p:sldId id="259" r:id="rId4"/>
+    <p:sldId id="265" r:id="rId5"/>
+    <p:sldId id="284" r:id="rId6"/>
+    <p:sldId id="260" r:id="rId7"/>
+    <p:sldId id="257" r:id="rId8"/>
+    <p:sldId id="263" r:id="rId9"/>
+    <p:sldId id="261" r:id="rId10"/>
+    <p:sldId id="262" r:id="rId11"/>
+    <p:sldId id="267" r:id="rId12"/>
+    <p:sldId id="270" r:id="rId13"/>
+    <p:sldId id="258" r:id="rId14"/>
+    <p:sldId id="276" r:id="rId15"/>
+    <p:sldId id="264" r:id="rId16"/>
+    <p:sldId id="266" r:id="rId17"/>
+    <p:sldId id="268" r:id="rId18"/>
+    <p:sldId id="269" r:id="rId19"/>
+    <p:sldId id="273" r:id="rId20"/>
+    <p:sldId id="271" r:id="rId21"/>
+    <p:sldId id="272" r:id="rId22"/>
+    <p:sldId id="274" r:id="rId23"/>
+    <p:sldId id="275" r:id="rId24"/>
+    <p:sldId id="277" r:id="rId25"/>
+    <p:sldId id="278" r:id="rId26"/>
+    <p:sldId id="279" r:id="rId27"/>
+    <p:sldId id="280" r:id="rId28"/>
+    <p:sldId id="281" r:id="rId29"/>
+    <p:sldId id="282" r:id="rId30"/>
   </p:sldIdLst>
   <p:sldSz cx="9144000" cy="6858000" type="screen4x3"/>
   <p:notesSz cx="6858000" cy="9144000"/>
@@ -5858,24 +5860,24 @@
     </dgm:pt>
   </dgm:ptLst>
   <dgm:cxnLst>
+    <dgm:cxn modelId="{D26AFD39-CECA-4C6E-964D-E1B52394D8BE}" srcId="{308EED72-B955-4909-9596-962A7B9E4BF0}" destId="{54C69B59-D2E4-48E7-AE76-271AA9856726}" srcOrd="0" destOrd="0" parTransId="{4A792B34-B29F-4432-A207-0612E50F6A45}" sibTransId="{ED2D5B36-4487-481A-A54B-FD574AFB3A72}"/>
+    <dgm:cxn modelId="{C6B597A3-6500-4845-B80B-80905B1DD80D}" srcId="{431FD47C-21DF-4147-B72D-8202BFC981E3}" destId="{5452653C-363F-45FC-AFF7-959B58673B08}" srcOrd="1" destOrd="0" parTransId="{BFBE3122-0BDD-46A3-8931-81D356E8B201}" sibTransId="{E9BA1F5D-8E7E-4CB7-B6E6-EC98941C7002}"/>
+    <dgm:cxn modelId="{21DCBC05-87D5-49A5-9DDC-45BDA0BA8BC0}" srcId="{308EED72-B955-4909-9596-962A7B9E4BF0}" destId="{5927FEF3-1F2F-4B70-B910-913B48F2DE1F}" srcOrd="2" destOrd="0" parTransId="{A570B297-9267-4C0D-8C3A-D2A487833FC6}" sibTransId="{A181990E-B622-4D39-908F-F91EC2A20A35}"/>
+    <dgm:cxn modelId="{8B7EBB05-08AB-4100-AFB0-57089314C208}" srcId="{308EED72-B955-4909-9596-962A7B9E4BF0}" destId="{354ACCF7-210E-426B-B076-9F9FE5E8BFC2}" srcOrd="1" destOrd="0" parTransId="{E467250F-F059-407C-BAF8-17DBA3D55F2D}" sibTransId="{25872F95-77A8-4E24-B804-00142A0ECFEC}"/>
+    <dgm:cxn modelId="{78B9CF00-2373-45BD-9F5E-A03736A0BA4D}" type="presOf" srcId="{98351B23-3F89-4F34-9A3B-208E3B1AD018}" destId="{846B3BA7-0096-42B1-AEF5-818B99AAF7F9}" srcOrd="1" destOrd="0" presId="urn:microsoft.com/office/officeart/2005/8/layout/hierarchy6"/>
     <dgm:cxn modelId="{0DA9B849-5A12-41AB-9B91-D0A3E102D5C8}" type="presOf" srcId="{A570B297-9267-4C0D-8C3A-D2A487833FC6}" destId="{BABD95CC-38EE-4FB4-AA2D-FB2FF04048CA}" srcOrd="0" destOrd="0" presId="urn:microsoft.com/office/officeart/2005/8/layout/hierarchy6"/>
-    <dgm:cxn modelId="{8B7EBB05-08AB-4100-AFB0-57089314C208}" srcId="{308EED72-B955-4909-9596-962A7B9E4BF0}" destId="{354ACCF7-210E-426B-B076-9F9FE5E8BFC2}" srcOrd="1" destOrd="0" parTransId="{E467250F-F059-407C-BAF8-17DBA3D55F2D}" sibTransId="{25872F95-77A8-4E24-B804-00142A0ECFEC}"/>
+    <dgm:cxn modelId="{BE3E4E9B-C478-4E3C-A193-A0C53474618C}" type="presOf" srcId="{308EED72-B955-4909-9596-962A7B9E4BF0}" destId="{04D248C9-0B06-4B9B-A1E1-6EE653403F61}" srcOrd="0" destOrd="0" presId="urn:microsoft.com/office/officeart/2005/8/layout/hierarchy6"/>
+    <dgm:cxn modelId="{1F6DCD9B-802C-4715-85D3-2E8E7000E77B}" type="presOf" srcId="{5452653C-363F-45FC-AFF7-959B58673B08}" destId="{D15C4938-1ED4-4239-B5D7-F45053C3E9A3}" srcOrd="1" destOrd="0" presId="urn:microsoft.com/office/officeart/2005/8/layout/hierarchy6"/>
+    <dgm:cxn modelId="{F8BF9C11-0CF2-48E0-BCBA-F53443122BB6}" srcId="{431FD47C-21DF-4147-B72D-8202BFC981E3}" destId="{98351B23-3F89-4F34-9A3B-208E3B1AD018}" srcOrd="2" destOrd="0" parTransId="{16306997-46A9-4F51-9E51-38774671F07E}" sibTransId="{AA125E8B-B902-4C48-B9FC-847F6BDD3DC6}"/>
+    <dgm:cxn modelId="{E5DED8DE-CC04-440F-81FC-51AFC3B15C98}" type="presOf" srcId="{5452653C-363F-45FC-AFF7-959B58673B08}" destId="{A6E666FF-E70B-4540-855A-AFBB537B9327}" srcOrd="0" destOrd="0" presId="urn:microsoft.com/office/officeart/2005/8/layout/hierarchy6"/>
+    <dgm:cxn modelId="{D3280BC1-56D2-4A2F-A551-E9987550A119}" type="presOf" srcId="{54C69B59-D2E4-48E7-AE76-271AA9856726}" destId="{04E8B994-334C-4654-B5A5-924B5F8579EA}" srcOrd="0" destOrd="0" presId="urn:microsoft.com/office/officeart/2005/8/layout/hierarchy6"/>
     <dgm:cxn modelId="{46C306AC-76E2-424C-BA17-7D8056C26534}" type="presOf" srcId="{5927FEF3-1F2F-4B70-B910-913B48F2DE1F}" destId="{901F9022-E967-4255-9BBD-A4D9FD098E23}" srcOrd="0" destOrd="0" presId="urn:microsoft.com/office/officeart/2005/8/layout/hierarchy6"/>
-    <dgm:cxn modelId="{BE3E4E9B-C478-4E3C-A193-A0C53474618C}" type="presOf" srcId="{308EED72-B955-4909-9596-962A7B9E4BF0}" destId="{04D248C9-0B06-4B9B-A1E1-6EE653403F61}" srcOrd="0" destOrd="0" presId="urn:microsoft.com/office/officeart/2005/8/layout/hierarchy6"/>
+    <dgm:cxn modelId="{7E13AB0E-9720-49A7-ACF1-F0F0D4A3BB7E}" type="presOf" srcId="{4A792B34-B29F-4432-A207-0612E50F6A45}" destId="{D363D8BE-A8D0-43D2-88C9-6119156624E5}" srcOrd="0" destOrd="0" presId="urn:microsoft.com/office/officeart/2005/8/layout/hierarchy6"/>
     <dgm:cxn modelId="{9B2A9731-2485-48C8-8B42-97DF45B818D3}" type="presOf" srcId="{431FD47C-21DF-4147-B72D-8202BFC981E3}" destId="{65456A9F-7391-450D-B61E-5311232CFD7B}" srcOrd="0" destOrd="0" presId="urn:microsoft.com/office/officeart/2005/8/layout/hierarchy6"/>
-    <dgm:cxn modelId="{C6B597A3-6500-4845-B80B-80905B1DD80D}" srcId="{431FD47C-21DF-4147-B72D-8202BFC981E3}" destId="{5452653C-363F-45FC-AFF7-959B58673B08}" srcOrd="1" destOrd="0" parTransId="{BFBE3122-0BDD-46A3-8931-81D356E8B201}" sibTransId="{E9BA1F5D-8E7E-4CB7-B6E6-EC98941C7002}"/>
     <dgm:cxn modelId="{C5B7E2D7-4C4D-4332-9AF0-380AE87054A7}" srcId="{431FD47C-21DF-4147-B72D-8202BFC981E3}" destId="{308EED72-B955-4909-9596-962A7B9E4BF0}" srcOrd="0" destOrd="0" parTransId="{FCAFE860-7D0D-4B11-AE61-97609090E92E}" sibTransId="{11AD264B-7D7C-4B34-B6A0-73B2EB012A49}"/>
-    <dgm:cxn modelId="{D3280BC1-56D2-4A2F-A551-E9987550A119}" type="presOf" srcId="{54C69B59-D2E4-48E7-AE76-271AA9856726}" destId="{04E8B994-334C-4654-B5A5-924B5F8579EA}" srcOrd="0" destOrd="0" presId="urn:microsoft.com/office/officeart/2005/8/layout/hierarchy6"/>
+    <dgm:cxn modelId="{A384BBB8-9D02-4E07-99A3-14D92000ABD4}" type="presOf" srcId="{354ACCF7-210E-426B-B076-9F9FE5E8BFC2}" destId="{A444287F-FB55-461E-8FFD-3E7B296DA7E0}" srcOrd="0" destOrd="0" presId="urn:microsoft.com/office/officeart/2005/8/layout/hierarchy6"/>
     <dgm:cxn modelId="{12DE6061-A9D2-49A5-9F95-5C935ABA2A82}" type="presOf" srcId="{98351B23-3F89-4F34-9A3B-208E3B1AD018}" destId="{1A05406C-8B0B-4968-990B-0DB4B544163E}" srcOrd="0" destOrd="0" presId="urn:microsoft.com/office/officeart/2005/8/layout/hierarchy6"/>
-    <dgm:cxn modelId="{F8BF9C11-0CF2-48E0-BCBA-F53443122BB6}" srcId="{431FD47C-21DF-4147-B72D-8202BFC981E3}" destId="{98351B23-3F89-4F34-9A3B-208E3B1AD018}" srcOrd="2" destOrd="0" parTransId="{16306997-46A9-4F51-9E51-38774671F07E}" sibTransId="{AA125E8B-B902-4C48-B9FC-847F6BDD3DC6}"/>
-    <dgm:cxn modelId="{A384BBB8-9D02-4E07-99A3-14D92000ABD4}" type="presOf" srcId="{354ACCF7-210E-426B-B076-9F9FE5E8BFC2}" destId="{A444287F-FB55-461E-8FFD-3E7B296DA7E0}" srcOrd="0" destOrd="0" presId="urn:microsoft.com/office/officeart/2005/8/layout/hierarchy6"/>
-    <dgm:cxn modelId="{E5DED8DE-CC04-440F-81FC-51AFC3B15C98}" type="presOf" srcId="{5452653C-363F-45FC-AFF7-959B58673B08}" destId="{A6E666FF-E70B-4540-855A-AFBB537B9327}" srcOrd="0" destOrd="0" presId="urn:microsoft.com/office/officeart/2005/8/layout/hierarchy6"/>
-    <dgm:cxn modelId="{D26AFD39-CECA-4C6E-964D-E1B52394D8BE}" srcId="{308EED72-B955-4909-9596-962A7B9E4BF0}" destId="{54C69B59-D2E4-48E7-AE76-271AA9856726}" srcOrd="0" destOrd="0" parTransId="{4A792B34-B29F-4432-A207-0612E50F6A45}" sibTransId="{ED2D5B36-4487-481A-A54B-FD574AFB3A72}"/>
-    <dgm:cxn modelId="{21DCBC05-87D5-49A5-9DDC-45BDA0BA8BC0}" srcId="{308EED72-B955-4909-9596-962A7B9E4BF0}" destId="{5927FEF3-1F2F-4B70-B910-913B48F2DE1F}" srcOrd="2" destOrd="0" parTransId="{A570B297-9267-4C0D-8C3A-D2A487833FC6}" sibTransId="{A181990E-B622-4D39-908F-F91EC2A20A35}"/>
-    <dgm:cxn modelId="{7E13AB0E-9720-49A7-ACF1-F0F0D4A3BB7E}" type="presOf" srcId="{4A792B34-B29F-4432-A207-0612E50F6A45}" destId="{D363D8BE-A8D0-43D2-88C9-6119156624E5}" srcOrd="0" destOrd="0" presId="urn:microsoft.com/office/officeart/2005/8/layout/hierarchy6"/>
     <dgm:cxn modelId="{E47F9A45-53A8-4BDF-A188-76F21D7ADFC1}" type="presOf" srcId="{E467250F-F059-407C-BAF8-17DBA3D55F2D}" destId="{ACEF6C2C-FC93-48BA-A5EE-5CE669C46889}" srcOrd="0" destOrd="0" presId="urn:microsoft.com/office/officeart/2005/8/layout/hierarchy6"/>
-    <dgm:cxn modelId="{1F6DCD9B-802C-4715-85D3-2E8E7000E77B}" type="presOf" srcId="{5452653C-363F-45FC-AFF7-959B58673B08}" destId="{D15C4938-1ED4-4239-B5D7-F45053C3E9A3}" srcOrd="1" destOrd="0" presId="urn:microsoft.com/office/officeart/2005/8/layout/hierarchy6"/>
-    <dgm:cxn modelId="{78B9CF00-2373-45BD-9F5E-A03736A0BA4D}" type="presOf" srcId="{98351B23-3F89-4F34-9A3B-208E3B1AD018}" destId="{846B3BA7-0096-42B1-AEF5-818B99AAF7F9}" srcOrd="1" destOrd="0" presId="urn:microsoft.com/office/officeart/2005/8/layout/hierarchy6"/>
     <dgm:cxn modelId="{8F691FCA-E5CA-48B5-A233-077CC61993DB}" type="presParOf" srcId="{65456A9F-7391-450D-B61E-5311232CFD7B}" destId="{9C4444C7-5B4F-41FF-AD0C-27FD68682037}" srcOrd="0" destOrd="0" presId="urn:microsoft.com/office/officeart/2005/8/layout/hierarchy6"/>
     <dgm:cxn modelId="{5D28DBEE-56E6-4D57-A8F2-189951A76B27}" type="presParOf" srcId="{9C4444C7-5B4F-41FF-AD0C-27FD68682037}" destId="{17A9FB45-9CE1-46A0-806F-E44216830BB8}" srcOrd="0" destOrd="0" presId="urn:microsoft.com/office/officeart/2005/8/layout/hierarchy6"/>
     <dgm:cxn modelId="{07F69FDE-60E4-456E-8611-961D8439BD01}" type="presParOf" srcId="{9C4444C7-5B4F-41FF-AD0C-27FD68682037}" destId="{ADE0DA0C-44B5-40E7-A862-3E09E03BB0EB}" srcOrd="1" destOrd="0" presId="urn:microsoft.com/office/officeart/2005/8/layout/hierarchy6"/>
@@ -9885,317 +9887,6 @@
       <dsp:cNvGrpSpPr/>
     </dsp:nvGrpSpPr>
     <dsp:grpSpPr/>
-    <dsp:sp modelId="{CCC8D5FE-3789-418C-947C-91C6B8D6C121}">
-      <dsp:nvSpPr>
-        <dsp:cNvPr id="0" name=""/>
-        <dsp:cNvSpPr/>
-      </dsp:nvSpPr>
-      <dsp:spPr>
-        <a:xfrm>
-          <a:off x="1327" y="455168"/>
-          <a:ext cx="2975850" cy="1785510"/>
-        </a:xfrm>
-        <a:prstGeom prst="roundRect">
-          <a:avLst>
-            <a:gd name="adj" fmla="val 10000"/>
-          </a:avLst>
-        </a:prstGeom>
-        <a:solidFill>
-          <a:schemeClr val="accent1">
-            <a:hueOff val="0"/>
-            <a:satOff val="0"/>
-            <a:lumOff val="0"/>
-            <a:alphaOff val="0"/>
-          </a:schemeClr>
-        </a:solidFill>
-        <a:ln w="19050" cap="flat" cmpd="sng" algn="ctr">
-          <a:solidFill>
-            <a:schemeClr val="lt1">
-              <a:hueOff val="0"/>
-              <a:satOff val="0"/>
-              <a:lumOff val="0"/>
-              <a:alphaOff val="0"/>
-            </a:schemeClr>
-          </a:solidFill>
-          <a:prstDash val="solid"/>
-        </a:ln>
-        <a:effectLst/>
-      </dsp:spPr>
-      <dsp:style>
-        <a:lnRef idx="2">
-          <a:scrgbClr r="0" g="0" b="0"/>
-        </a:lnRef>
-        <a:fillRef idx="1">
-          <a:scrgbClr r="0" g="0" b="0"/>
-        </a:fillRef>
-        <a:effectRef idx="0">
-          <a:scrgbClr r="0" g="0" b="0"/>
-        </a:effectRef>
-        <a:fontRef idx="minor">
-          <a:schemeClr val="lt1"/>
-        </a:fontRef>
-      </dsp:style>
-      <dsp:txBody>
-        <a:bodyPr spcFirstLastPara="0" vert="horz" wrap="square" lIns="83820" tIns="83820" rIns="83820" bIns="83820" numCol="1" spcCol="1270" anchor="ctr" anchorCtr="0">
-          <a:noAutofit/>
-        </a:bodyPr>
-        <a:lstStyle/>
-        <a:p>
-          <a:pPr lvl="0" algn="l" defTabSz="977900">
-            <a:lnSpc>
-              <a:spcPct val="90000"/>
-            </a:lnSpc>
-            <a:spcBef>
-              <a:spcPct val="0"/>
-            </a:spcBef>
-            <a:spcAft>
-              <a:spcPct val="35000"/>
-            </a:spcAft>
-          </a:pPr>
-          <a:r>
-            <a:rPr lang="en-US" altLang="zh-CN" sz="2200" kern="1200" dirty="0" smtClean="0"/>
-            <a:t>Input (Selector) :</a:t>
-          </a:r>
-        </a:p>
-        <a:p>
-          <a:pPr lvl="0" algn="l" defTabSz="977900">
-            <a:lnSpc>
-              <a:spcPct val="90000"/>
-            </a:lnSpc>
-            <a:spcBef>
-              <a:spcPct val="0"/>
-            </a:spcBef>
-            <a:spcAft>
-              <a:spcPct val="35000"/>
-            </a:spcAft>
-          </a:pPr>
-          <a:r>
-            <a:rPr lang="en-US" altLang="zh-CN" sz="2200" kern="1200" dirty="0" smtClean="0"/>
-            <a:t>#id</a:t>
-          </a:r>
-        </a:p>
-        <a:p>
-          <a:pPr lvl="0" algn="l" defTabSz="977900">
-            <a:lnSpc>
-              <a:spcPct val="90000"/>
-            </a:lnSpc>
-            <a:spcBef>
-              <a:spcPct val="0"/>
-            </a:spcBef>
-            <a:spcAft>
-              <a:spcPct val="35000"/>
-            </a:spcAft>
-          </a:pPr>
-          <a:r>
-            <a:rPr lang="en-US" altLang="zh-CN" sz="2200" kern="1200" dirty="0" smtClean="0"/>
-            <a:t>.class</a:t>
-          </a:r>
-        </a:p>
-        <a:p>
-          <a:pPr lvl="0" algn="l" defTabSz="977900">
-            <a:lnSpc>
-              <a:spcPct val="90000"/>
-            </a:lnSpc>
-            <a:spcBef>
-              <a:spcPct val="0"/>
-            </a:spcBef>
-            <a:spcAft>
-              <a:spcPct val="35000"/>
-            </a:spcAft>
-          </a:pPr>
-          <a:r>
-            <a:rPr lang="en-US" altLang="zh-CN" sz="2200" kern="1200" dirty="0" smtClean="0"/>
-            <a:t>tag</a:t>
-          </a:r>
-        </a:p>
-      </dsp:txBody>
-      <dsp:txXfrm>
-        <a:off x="53623" y="507464"/>
-        <a:ext cx="2871258" cy="1680918"/>
-      </dsp:txXfrm>
-    </dsp:sp>
-    <dsp:sp modelId="{A8C3466D-9FDB-492A-82D5-D2EB066D1CA3}">
-      <dsp:nvSpPr>
-        <dsp:cNvPr id="0" name=""/>
-        <dsp:cNvSpPr/>
-      </dsp:nvSpPr>
-      <dsp:spPr>
-        <a:xfrm>
-          <a:off x="3274763" y="978918"/>
-          <a:ext cx="630880" cy="738010"/>
-        </a:xfrm>
-        <a:prstGeom prst="rightArrow">
-          <a:avLst>
-            <a:gd name="adj1" fmla="val 60000"/>
-            <a:gd name="adj2" fmla="val 50000"/>
-          </a:avLst>
-        </a:prstGeom>
-        <a:solidFill>
-          <a:schemeClr val="accent1">
-            <a:tint val="60000"/>
-            <a:hueOff val="0"/>
-            <a:satOff val="0"/>
-            <a:lumOff val="0"/>
-            <a:alphaOff val="0"/>
-          </a:schemeClr>
-        </a:solidFill>
-        <a:ln>
-          <a:noFill/>
-        </a:ln>
-        <a:effectLst/>
-      </dsp:spPr>
-      <dsp:style>
-        <a:lnRef idx="0">
-          <a:scrgbClr r="0" g="0" b="0"/>
-        </a:lnRef>
-        <a:fillRef idx="1">
-          <a:scrgbClr r="0" g="0" b="0"/>
-        </a:fillRef>
-        <a:effectRef idx="0">
-          <a:scrgbClr r="0" g="0" b="0"/>
-        </a:effectRef>
-        <a:fontRef idx="minor">
-          <a:schemeClr val="lt1"/>
-        </a:fontRef>
-      </dsp:style>
-      <dsp:txBody>
-        <a:bodyPr spcFirstLastPara="0" vert="horz" wrap="square" lIns="0" tIns="0" rIns="0" bIns="0" numCol="1" spcCol="1270" anchor="ctr" anchorCtr="0">
-          <a:noAutofit/>
-        </a:bodyPr>
-        <a:lstStyle/>
-        <a:p>
-          <a:pPr lvl="0" algn="ctr" defTabSz="800100">
-            <a:lnSpc>
-              <a:spcPct val="90000"/>
-            </a:lnSpc>
-            <a:spcBef>
-              <a:spcPct val="0"/>
-            </a:spcBef>
-            <a:spcAft>
-              <a:spcPct val="35000"/>
-            </a:spcAft>
-          </a:pPr>
-          <a:endParaRPr lang="zh-CN" altLang="en-US" sz="1800" kern="1200"/>
-        </a:p>
-      </dsp:txBody>
-      <dsp:txXfrm>
-        <a:off x="3274763" y="1126520"/>
-        <a:ext cx="441616" cy="442806"/>
-      </dsp:txXfrm>
-    </dsp:sp>
-    <dsp:sp modelId="{E50952FC-FE36-494B-AE43-799E1CB2A002}">
-      <dsp:nvSpPr>
-        <dsp:cNvPr id="0" name=""/>
-        <dsp:cNvSpPr/>
-      </dsp:nvSpPr>
-      <dsp:spPr>
-        <a:xfrm>
-          <a:off x="4167518" y="455168"/>
-          <a:ext cx="3968058" cy="1785510"/>
-        </a:xfrm>
-        <a:prstGeom prst="roundRect">
-          <a:avLst>
-            <a:gd name="adj" fmla="val 10000"/>
-          </a:avLst>
-        </a:prstGeom>
-        <a:solidFill>
-          <a:schemeClr val="accent1">
-            <a:hueOff val="0"/>
-            <a:satOff val="0"/>
-            <a:lumOff val="0"/>
-            <a:alphaOff val="0"/>
-          </a:schemeClr>
-        </a:solidFill>
-        <a:ln w="19050" cap="flat" cmpd="sng" algn="ctr">
-          <a:solidFill>
-            <a:schemeClr val="lt1">
-              <a:hueOff val="0"/>
-              <a:satOff val="0"/>
-              <a:lumOff val="0"/>
-              <a:alphaOff val="0"/>
-            </a:schemeClr>
-          </a:solidFill>
-          <a:prstDash val="solid"/>
-        </a:ln>
-        <a:effectLst/>
-      </dsp:spPr>
-      <dsp:style>
-        <a:lnRef idx="2">
-          <a:scrgbClr r="0" g="0" b="0"/>
-        </a:lnRef>
-        <a:fillRef idx="1">
-          <a:scrgbClr r="0" g="0" b="0"/>
-        </a:fillRef>
-        <a:effectRef idx="0">
-          <a:scrgbClr r="0" g="0" b="0"/>
-        </a:effectRef>
-        <a:fontRef idx="minor">
-          <a:schemeClr val="lt1"/>
-        </a:fontRef>
-      </dsp:style>
-      <dsp:txBody>
-        <a:bodyPr spcFirstLastPara="0" vert="horz" wrap="square" lIns="83820" tIns="83820" rIns="83820" bIns="83820" numCol="1" spcCol="1270" anchor="ctr" anchorCtr="0">
-          <a:noAutofit/>
-        </a:bodyPr>
-        <a:lstStyle/>
-        <a:p>
-          <a:pPr lvl="0" algn="l" defTabSz="977900">
-            <a:lnSpc>
-              <a:spcPct val="90000"/>
-            </a:lnSpc>
-            <a:spcBef>
-              <a:spcPct val="0"/>
-            </a:spcBef>
-            <a:spcAft>
-              <a:spcPct val="35000"/>
-            </a:spcAft>
-          </a:pPr>
-          <a:r>
-            <a:rPr lang="en-US" altLang="zh-CN" sz="2200" kern="1200" dirty="0" smtClean="0"/>
-            <a:t>Output(Node -&gt;Object)</a:t>
-          </a:r>
-        </a:p>
-        <a:p>
-          <a:pPr lvl="0" algn="l" defTabSz="977900">
-            <a:lnSpc>
-              <a:spcPct val="90000"/>
-            </a:lnSpc>
-            <a:spcBef>
-              <a:spcPct val="0"/>
-            </a:spcBef>
-            <a:spcAft>
-              <a:spcPct val="35000"/>
-            </a:spcAft>
-          </a:pPr>
-          <a:r>
-            <a:rPr lang="en-US" altLang="zh-CN" sz="2200" kern="1200" dirty="0" smtClean="0"/>
-            <a:t>Node</a:t>
-          </a:r>
-        </a:p>
-        <a:p>
-          <a:pPr lvl="0" algn="l" defTabSz="977900">
-            <a:lnSpc>
-              <a:spcPct val="90000"/>
-            </a:lnSpc>
-            <a:spcBef>
-              <a:spcPct val="0"/>
-            </a:spcBef>
-            <a:spcAft>
-              <a:spcPct val="35000"/>
-            </a:spcAft>
-          </a:pPr>
-          <a:r>
-            <a:rPr lang="en-US" altLang="zh-CN" sz="2200" kern="1200" dirty="0" smtClean="0"/>
-            <a:t>NodeList</a:t>
-          </a:r>
-          <a:endParaRPr lang="zh-CN" altLang="en-US" sz="2200" kern="1200" dirty="0"/>
-        </a:p>
-      </dsp:txBody>
-      <dsp:txXfrm>
-        <a:off x="4219814" y="507464"/>
-        <a:ext cx="3863466" cy="1680918"/>
-      </dsp:txXfrm>
-    </dsp:sp>
   </dsp:spTree>
 </dsp:drawing>
 </file>
@@ -18936,7 +18627,7 @@
           <a:p>
             <a:fld id="{C2605BAB-26FE-4D91-BC75-A3931684AB90}" type="slidenum">
               <a:rPr lang="zh-CN" altLang="en-US" smtClean="0"/>
-              <a:t>2</a:t>
+              <a:t>3</a:t>
             </a:fld>
             <a:endParaRPr lang="zh-CN" altLang="en-US"/>
           </a:p>
@@ -19020,7 +18711,7 @@
           <a:p>
             <a:fld id="{C2605BAB-26FE-4D91-BC75-A3931684AB90}" type="slidenum">
               <a:rPr lang="zh-CN" altLang="en-US" smtClean="0"/>
-              <a:t>5</a:t>
+              <a:t>7</a:t>
             </a:fld>
             <a:endParaRPr lang="zh-CN" altLang="en-US"/>
           </a:p>
@@ -19120,7 +18811,7 @@
           <a:p>
             <a:fld id="{C2605BAB-26FE-4D91-BC75-A3931684AB90}" type="slidenum">
               <a:rPr lang="zh-CN" altLang="en-US" smtClean="0"/>
-              <a:t>13</a:t>
+              <a:t>15</a:t>
             </a:fld>
             <a:endParaRPr lang="zh-CN" altLang="en-US"/>
           </a:p>
@@ -19204,7 +18895,7 @@
           <a:p>
             <a:fld id="{C2605BAB-26FE-4D91-BC75-A3931684AB90}" type="slidenum">
               <a:rPr lang="zh-CN" altLang="en-US" smtClean="0"/>
-              <a:t>15</a:t>
+              <a:t>17</a:t>
             </a:fld>
             <a:endParaRPr lang="zh-CN" altLang="en-US"/>
           </a:p>
@@ -19288,7 +18979,7 @@
           <a:p>
             <a:fld id="{C2605BAB-26FE-4D91-BC75-A3931684AB90}" type="slidenum">
               <a:rPr lang="zh-CN" altLang="en-US" smtClean="0"/>
-              <a:t>24</a:t>
+              <a:t>26</a:t>
             </a:fld>
             <a:endParaRPr lang="zh-CN" altLang="en-US"/>
           </a:p>
@@ -23333,7 +23024,7 @@
                 <a:latin typeface="Adobe 黑体 Std R" pitchFamily="34" charset="-122"/>
                 <a:ea typeface="Adobe 黑体 Std R" pitchFamily="34" charset="-122"/>
               </a:rPr>
-              <a:t>操作类库实现</a:t>
+              <a:t>分享</a:t>
             </a:r>
             <a:endParaRPr lang="zh-CN" altLang="en-US" dirty="0">
               <a:latin typeface="Adobe 黑体 Std R" pitchFamily="34" charset="-122"/>
@@ -23410,6 +23101,523 @@
         </p:nvSpPr>
         <p:spPr>
           <a:xfrm>
+            <a:off x="467544" y="980728"/>
+            <a:ext cx="8229600" cy="1066800"/>
+          </a:xfrm>
+        </p:spPr>
+        <p:txBody>
+          <a:bodyPr/>
+          <a:lstStyle/>
+          <a:p>
+            <a:r>
+              <a:rPr lang="en-US" altLang="zh-CN" dirty="0" smtClean="0">
+                <a:latin typeface="Adobe 黑体 Std R" pitchFamily="34" charset="-122"/>
+                <a:ea typeface="Adobe 黑体 Std R" pitchFamily="34" charset="-122"/>
+              </a:rPr>
+              <a:t>DOM</a:t>
+            </a:r>
+            <a:r>
+              <a:rPr lang="zh-CN" altLang="en-US" dirty="0" smtClean="0">
+                <a:latin typeface="Adobe 黑体 Std R" pitchFamily="34" charset="-122"/>
+                <a:ea typeface="Adobe 黑体 Std R" pitchFamily="34" charset="-122"/>
+              </a:rPr>
+              <a:t>基本操作</a:t>
+            </a:r>
+            <a:endParaRPr lang="zh-CN" altLang="en-US" dirty="0">
+              <a:latin typeface="Adobe 黑体 Std R" pitchFamily="34" charset="-122"/>
+              <a:ea typeface="Adobe 黑体 Std R" pitchFamily="34" charset="-122"/>
+            </a:endParaRPr>
+          </a:p>
+        </p:txBody>
+      </p:sp>
+      <p:sp>
+        <p:nvSpPr>
+          <p:cNvPr id="3" name="内容占位符 2"/>
+          <p:cNvSpPr>
+            <a:spLocks noGrp="1"/>
+          </p:cNvSpPr>
+          <p:nvPr>
+            <p:ph idx="1"/>
+          </p:nvPr>
+        </p:nvSpPr>
+        <p:spPr/>
+        <p:txBody>
+          <a:bodyPr/>
+          <a:lstStyle/>
+          <a:p>
+            <a:r>
+              <a:rPr lang="zh-CN" altLang="en-US" dirty="0" smtClean="0">
+                <a:latin typeface="Adobe 黑体 Std R" pitchFamily="34" charset="-122"/>
+                <a:ea typeface="Adobe 黑体 Std R" pitchFamily="34" charset="-122"/>
+              </a:rPr>
+              <a:t>增 </a:t>
+            </a:r>
+            <a:endParaRPr lang="en-US" altLang="zh-CN" dirty="0" smtClean="0">
+              <a:latin typeface="Adobe 黑体 Std R" pitchFamily="34" charset="-122"/>
+              <a:ea typeface="Adobe 黑体 Std R" pitchFamily="34" charset="-122"/>
+            </a:endParaRPr>
+          </a:p>
+          <a:p>
+            <a:pPr lvl="1"/>
+            <a:r>
+              <a:rPr lang="zh-CN" altLang="en-US" dirty="0">
+                <a:latin typeface="Adobe 黑体 Std R" pitchFamily="34" charset="-122"/>
+                <a:ea typeface="Adobe 黑体 Std R" pitchFamily="34" charset="-122"/>
+              </a:rPr>
+              <a:t>节</a:t>
+            </a:r>
+            <a:r>
+              <a:rPr lang="zh-CN" altLang="en-US" dirty="0" smtClean="0">
+                <a:latin typeface="Adobe 黑体 Std R" pitchFamily="34" charset="-122"/>
+                <a:ea typeface="Adobe 黑体 Std R" pitchFamily="34" charset="-122"/>
+              </a:rPr>
+              <a:t>点插入</a:t>
+            </a:r>
+            <a:endParaRPr lang="en-US" altLang="zh-CN" dirty="0" smtClean="0">
+              <a:latin typeface="Adobe 黑体 Std R" pitchFamily="34" charset="-122"/>
+              <a:ea typeface="Adobe 黑体 Std R" pitchFamily="34" charset="-122"/>
+            </a:endParaRPr>
+          </a:p>
+          <a:p>
+            <a:r>
+              <a:rPr lang="zh-CN" altLang="en-US" dirty="0" smtClean="0">
+                <a:latin typeface="Adobe 黑体 Std R" pitchFamily="34" charset="-122"/>
+                <a:ea typeface="Adobe 黑体 Std R" pitchFamily="34" charset="-122"/>
+              </a:rPr>
+              <a:t>删</a:t>
+            </a:r>
+            <a:endParaRPr lang="en-US" altLang="zh-CN" dirty="0" smtClean="0">
+              <a:latin typeface="Adobe 黑体 Std R" pitchFamily="34" charset="-122"/>
+              <a:ea typeface="Adobe 黑体 Std R" pitchFamily="34" charset="-122"/>
+            </a:endParaRPr>
+          </a:p>
+          <a:p>
+            <a:pPr lvl="1"/>
+            <a:r>
+              <a:rPr lang="zh-CN" altLang="en-US" dirty="0">
+                <a:latin typeface="Adobe 黑体 Std R" pitchFamily="34" charset="-122"/>
+                <a:ea typeface="Adobe 黑体 Std R" pitchFamily="34" charset="-122"/>
+              </a:rPr>
+              <a:t>删</a:t>
+            </a:r>
+            <a:r>
+              <a:rPr lang="zh-CN" altLang="en-US" dirty="0" smtClean="0">
+                <a:latin typeface="Adobe 黑体 Std R" pitchFamily="34" charset="-122"/>
+                <a:ea typeface="Adobe 黑体 Std R" pitchFamily="34" charset="-122"/>
+              </a:rPr>
+              <a:t>除页面元素</a:t>
+            </a:r>
+            <a:endParaRPr lang="en-US" altLang="zh-CN" dirty="0" smtClean="0">
+              <a:latin typeface="Adobe 黑体 Std R" pitchFamily="34" charset="-122"/>
+              <a:ea typeface="Adobe 黑体 Std R" pitchFamily="34" charset="-122"/>
+            </a:endParaRPr>
+          </a:p>
+          <a:p>
+            <a:r>
+              <a:rPr lang="zh-CN" altLang="en-US" dirty="0" smtClean="0">
+                <a:latin typeface="Adobe 黑体 Std R" pitchFamily="34" charset="-122"/>
+                <a:ea typeface="Adobe 黑体 Std R" pitchFamily="34" charset="-122"/>
+              </a:rPr>
+              <a:t>查 </a:t>
+            </a:r>
+            <a:endParaRPr lang="en-US" altLang="zh-CN" dirty="0">
+              <a:latin typeface="Adobe 黑体 Std R" pitchFamily="34" charset="-122"/>
+              <a:ea typeface="Adobe 黑体 Std R" pitchFamily="34" charset="-122"/>
+            </a:endParaRPr>
+          </a:p>
+          <a:p>
+            <a:pPr lvl="1"/>
+            <a:r>
+              <a:rPr lang="zh-CN" altLang="en-US" dirty="0" smtClean="0">
+                <a:latin typeface="Adobe 黑体 Std R" pitchFamily="34" charset="-122"/>
+                <a:ea typeface="Adobe 黑体 Std R" pitchFamily="34" charset="-122"/>
+              </a:rPr>
+              <a:t>获取页面元素</a:t>
+            </a:r>
+            <a:endParaRPr lang="en-US" altLang="zh-CN" dirty="0" smtClean="0">
+              <a:latin typeface="Adobe 黑体 Std R" pitchFamily="34" charset="-122"/>
+              <a:ea typeface="Adobe 黑体 Std R" pitchFamily="34" charset="-122"/>
+            </a:endParaRPr>
+          </a:p>
+          <a:p>
+            <a:r>
+              <a:rPr lang="zh-CN" altLang="en-US" dirty="0" smtClean="0">
+                <a:latin typeface="Adobe 黑体 Std R" pitchFamily="34" charset="-122"/>
+                <a:ea typeface="Adobe 黑体 Std R" pitchFamily="34" charset="-122"/>
+              </a:rPr>
+              <a:t>改</a:t>
+            </a:r>
+            <a:endParaRPr lang="en-US" altLang="zh-CN" dirty="0" smtClean="0">
+              <a:latin typeface="Adobe 黑体 Std R" pitchFamily="34" charset="-122"/>
+              <a:ea typeface="Adobe 黑体 Std R" pitchFamily="34" charset="-122"/>
+            </a:endParaRPr>
+          </a:p>
+          <a:p>
+            <a:pPr lvl="1"/>
+            <a:r>
+              <a:rPr lang="zh-CN" altLang="en-US" dirty="0">
+                <a:latin typeface="Adobe 黑体 Std R" pitchFamily="34" charset="-122"/>
+                <a:ea typeface="Adobe 黑体 Std R" pitchFamily="34" charset="-122"/>
+              </a:rPr>
+              <a:t>修</a:t>
+            </a:r>
+            <a:r>
+              <a:rPr lang="zh-CN" altLang="en-US" dirty="0" smtClean="0">
+                <a:latin typeface="Adobe 黑体 Std R" pitchFamily="34" charset="-122"/>
+                <a:ea typeface="Adobe 黑体 Std R" pitchFamily="34" charset="-122"/>
+              </a:rPr>
+              <a:t>改、替换页面元素</a:t>
+            </a:r>
+            <a:endParaRPr lang="zh-CN" altLang="en-US" dirty="0">
+              <a:latin typeface="Adobe 黑体 Std R" pitchFamily="34" charset="-122"/>
+              <a:ea typeface="Adobe 黑体 Std R" pitchFamily="34" charset="-122"/>
+            </a:endParaRPr>
+          </a:p>
+        </p:txBody>
+      </p:sp>
+    </p:spTree>
+    <p:extLst>
+      <p:ext uri="{BB962C8B-B14F-4D97-AF65-F5344CB8AC3E}">
+        <p14:creationId xmlns:p14="http://schemas.microsoft.com/office/powerpoint/2010/main" val="1166603436"/>
+      </p:ext>
+    </p:extLst>
+  </p:cSld>
+  <p:clrMapOvr>
+    <a:masterClrMapping/>
+  </p:clrMapOvr>
+  <p:timing>
+    <p:tnLst>
+      <p:par>
+        <p:cTn id="1" dur="indefinite" restart="never" nodeType="tmRoot"/>
+      </p:par>
+    </p:tnLst>
+  </p:timing>
+</p:sld>
+</file>
+
+<file path=ppt/slides/slide11.xml><?xml version="1.0" encoding="utf-8"?>
+<p:sld xmlns:a="http://schemas.openxmlformats.org/drawingml/2006/main" xmlns:r="http://schemas.openxmlformats.org/officeDocument/2006/relationships" xmlns:p="http://schemas.openxmlformats.org/presentationml/2006/main">
+  <p:cSld>
+    <p:spTree>
+      <p:nvGrpSpPr>
+        <p:cNvPr id="1" name=""/>
+        <p:cNvGrpSpPr/>
+        <p:nvPr/>
+      </p:nvGrpSpPr>
+      <p:grpSpPr>
+        <a:xfrm>
+          <a:off x="0" y="0"/>
+          <a:ext cx="0" cy="0"/>
+          <a:chOff x="0" y="0"/>
+          <a:chExt cx="0" cy="0"/>
+        </a:xfrm>
+      </p:grpSpPr>
+      <p:sp>
+        <p:nvSpPr>
+          <p:cNvPr id="2" name="标题 1"/>
+          <p:cNvSpPr>
+            <a:spLocks noGrp="1"/>
+          </p:cNvSpPr>
+          <p:nvPr>
+            <p:ph type="title"/>
+          </p:nvPr>
+        </p:nvSpPr>
+        <p:spPr>
+          <a:xfrm>
+            <a:off x="395536" y="764704"/>
+            <a:ext cx="8229600" cy="1066800"/>
+          </a:xfrm>
+        </p:spPr>
+        <p:txBody>
+          <a:bodyPr/>
+          <a:lstStyle/>
+          <a:p>
+            <a:r>
+              <a:rPr lang="en-US" altLang="zh-CN" dirty="0" smtClean="0">
+                <a:latin typeface="Adobe 黑体 Std R" pitchFamily="34" charset="-122"/>
+                <a:ea typeface="Adobe 黑体 Std R" pitchFamily="34" charset="-122"/>
+              </a:rPr>
+              <a:t>DOM</a:t>
+            </a:r>
+            <a:r>
+              <a:rPr lang="zh-CN" altLang="en-US" dirty="0" smtClean="0">
+                <a:latin typeface="Adobe 黑体 Std R" pitchFamily="34" charset="-122"/>
+                <a:ea typeface="Adobe 黑体 Std R" pitchFamily="34" charset="-122"/>
+              </a:rPr>
+              <a:t>操作</a:t>
+            </a:r>
+            <a:r>
+              <a:rPr lang="en-US" altLang="zh-CN" dirty="0" smtClean="0">
+                <a:latin typeface="Adobe 黑体 Std R" pitchFamily="34" charset="-122"/>
+                <a:ea typeface="Adobe 黑体 Std R" pitchFamily="34" charset="-122"/>
+              </a:rPr>
+              <a:t>-</a:t>
+            </a:r>
+            <a:r>
+              <a:rPr lang="zh-CN" altLang="en-US" dirty="0" smtClean="0">
+                <a:latin typeface="Adobe 黑体 Std R" pitchFamily="34" charset="-122"/>
+                <a:ea typeface="Adobe 黑体 Std R" pitchFamily="34" charset="-122"/>
+              </a:rPr>
+              <a:t>增</a:t>
+            </a:r>
+            <a:endParaRPr lang="zh-CN" altLang="en-US" dirty="0">
+              <a:latin typeface="Adobe 黑体 Std R" pitchFamily="34" charset="-122"/>
+              <a:ea typeface="Adobe 黑体 Std R" pitchFamily="34" charset="-122"/>
+            </a:endParaRPr>
+          </a:p>
+        </p:txBody>
+      </p:sp>
+      <p:sp>
+        <p:nvSpPr>
+          <p:cNvPr id="3" name="内容占位符 2"/>
+          <p:cNvSpPr>
+            <a:spLocks noGrp="1"/>
+          </p:cNvSpPr>
+          <p:nvPr>
+            <p:ph idx="1"/>
+          </p:nvPr>
+        </p:nvSpPr>
+        <p:spPr>
+          <a:xfrm>
+            <a:off x="467544" y="1700808"/>
+            <a:ext cx="8229600" cy="4325112"/>
+          </a:xfrm>
+        </p:spPr>
+        <p:txBody>
+          <a:bodyPr/>
+          <a:lstStyle/>
+          <a:p>
+            <a:r>
+              <a:rPr lang="en-US" altLang="zh-CN" dirty="0" smtClean="0"/>
+              <a:t>document.createElement()</a:t>
+            </a:r>
+          </a:p>
+          <a:p>
+            <a:r>
+              <a:rPr lang="en-US" altLang="zh-CN" dirty="0"/>
+              <a:t>d</a:t>
+            </a:r>
+            <a:r>
+              <a:rPr lang="en-US" altLang="zh-CN" dirty="0" smtClean="0"/>
+              <a:t>ocument.createTextNode()</a:t>
+            </a:r>
+          </a:p>
+          <a:p>
+            <a:r>
+              <a:rPr lang="en-US" altLang="zh-CN" dirty="0" smtClean="0"/>
+              <a:t>document.createDocumentFragment()</a:t>
+            </a:r>
+          </a:p>
+          <a:p>
+            <a:pPr marL="109728" indent="0">
+              <a:buNone/>
+            </a:pPr>
+            <a:endParaRPr lang="en-US" altLang="zh-CN" dirty="0"/>
+          </a:p>
+          <a:p>
+            <a:pPr marL="109728" indent="0">
+              <a:buNone/>
+            </a:pPr>
+            <a:r>
+              <a:rPr lang="zh-CN" altLang="en-US" dirty="0" smtClean="0">
+                <a:latin typeface="Adobe 黑体 Std R" pitchFamily="34" charset="-122"/>
+                <a:ea typeface="Adobe 黑体 Std R" pitchFamily="34" charset="-122"/>
+              </a:rPr>
+              <a:t>新建</a:t>
+            </a:r>
+            <a:r>
+              <a:rPr lang="en-US" altLang="zh-CN" dirty="0" smtClean="0">
+                <a:latin typeface="Adobe 黑体 Std R" pitchFamily="34" charset="-122"/>
+                <a:ea typeface="Adobe 黑体 Std R" pitchFamily="34" charset="-122"/>
+              </a:rPr>
+              <a:t>Node</a:t>
+            </a:r>
+            <a:r>
+              <a:rPr lang="zh-CN" altLang="en-US" dirty="0" smtClean="0">
+                <a:latin typeface="Adobe 黑体 Std R" pitchFamily="34" charset="-122"/>
+                <a:ea typeface="Adobe 黑体 Std R" pitchFamily="34" charset="-122"/>
+              </a:rPr>
+              <a:t>操作，然而并没有放到</a:t>
+            </a:r>
+            <a:r>
+              <a:rPr lang="en-US" altLang="zh-CN" dirty="0" smtClean="0">
+                <a:latin typeface="Adobe 黑体 Std R" pitchFamily="34" charset="-122"/>
+                <a:ea typeface="Adobe 黑体 Std R" pitchFamily="34" charset="-122"/>
+              </a:rPr>
+              <a:t>DOM</a:t>
+            </a:r>
+            <a:r>
+              <a:rPr lang="zh-CN" altLang="en-US" dirty="0" smtClean="0">
+                <a:latin typeface="Adobe 黑体 Std R" pitchFamily="34" charset="-122"/>
+                <a:ea typeface="Adobe 黑体 Std R" pitchFamily="34" charset="-122"/>
+              </a:rPr>
+              <a:t>树中。</a:t>
+            </a:r>
+            <a:endParaRPr lang="en-US" altLang="zh-CN" dirty="0" smtClean="0">
+              <a:latin typeface="Adobe 黑体 Std R" pitchFamily="34" charset="-122"/>
+              <a:ea typeface="Adobe 黑体 Std R" pitchFamily="34" charset="-122"/>
+            </a:endParaRPr>
+          </a:p>
+          <a:p>
+            <a:endParaRPr lang="zh-CN" altLang="en-US" dirty="0">
+              <a:latin typeface="Adobe 黑体 Std R" pitchFamily="34" charset="-122"/>
+              <a:ea typeface="Adobe 黑体 Std R" pitchFamily="34" charset="-122"/>
+            </a:endParaRPr>
+          </a:p>
+        </p:txBody>
+      </p:sp>
+      <p:graphicFrame>
+        <p:nvGraphicFramePr>
+          <p:cNvPr id="4" name="图示 3"/>
+          <p:cNvGraphicFramePr/>
+          <p:nvPr>
+            <p:extLst>
+              <p:ext uri="{D42A27DB-BD31-4B8C-83A1-F6EECF244321}">
+                <p14:modId xmlns:p14="http://schemas.microsoft.com/office/powerpoint/2010/main" val="305494317"/>
+              </p:ext>
+            </p:extLst>
+          </p:nvPr>
+        </p:nvGraphicFramePr>
+        <p:xfrm>
+          <a:off x="467544" y="3573016"/>
+          <a:ext cx="8136904" cy="3127896"/>
+        </p:xfrm>
+        <a:graphic>
+          <a:graphicData uri="http://schemas.openxmlformats.org/drawingml/2006/diagram">
+            <dgm:relIds xmlns:dgm="http://schemas.openxmlformats.org/drawingml/2006/diagram" xmlns:r="http://schemas.openxmlformats.org/officeDocument/2006/relationships" r:dm="rId2" r:lo="rId3" r:qs="rId4" r:cs="rId5"/>
+          </a:graphicData>
+        </a:graphic>
+      </p:graphicFrame>
+    </p:spTree>
+    <p:extLst>
+      <p:ext uri="{BB962C8B-B14F-4D97-AF65-F5344CB8AC3E}">
+        <p14:creationId xmlns:p14="http://schemas.microsoft.com/office/powerpoint/2010/main" val="1842063416"/>
+      </p:ext>
+    </p:extLst>
+  </p:cSld>
+  <p:clrMapOvr>
+    <a:masterClrMapping/>
+  </p:clrMapOvr>
+  <p:timing>
+    <p:tnLst>
+      <p:par>
+        <p:cTn id="1" dur="indefinite" restart="never" nodeType="tmRoot">
+          <p:childTnLst>
+            <p:seq concurrent="1" nextAc="seek">
+              <p:cTn id="2" dur="indefinite" nodeType="mainSeq">
+                <p:childTnLst>
+                  <p:par>
+                    <p:cTn id="3" fill="hold">
+                      <p:stCondLst>
+                        <p:cond delay="indefinite"/>
+                      </p:stCondLst>
+                      <p:childTnLst>
+                        <p:par>
+                          <p:cTn id="4" fill="hold">
+                            <p:stCondLst>
+                              <p:cond delay="0"/>
+                            </p:stCondLst>
+                            <p:childTnLst>
+                              <p:par>
+                                <p:cTn id="5" presetID="10" presetClass="entr" presetSubtype="0" fill="hold" grpId="0" nodeType="clickEffect">
+                                  <p:stCondLst>
+                                    <p:cond delay="0"/>
+                                  </p:stCondLst>
+                                  <p:childTnLst>
+                                    <p:set>
+                                      <p:cBhvr>
+                                        <p:cTn id="6" dur="1" fill="hold">
+                                          <p:stCondLst>
+                                            <p:cond delay="0"/>
+                                          </p:stCondLst>
+                                        </p:cTn>
+                                        <p:tgtEl>
+                                          <p:spTgt spid="4"/>
+                                        </p:tgtEl>
+                                        <p:attrNameLst>
+                                          <p:attrName>style.visibility</p:attrName>
+                                        </p:attrNameLst>
+                                      </p:cBhvr>
+                                      <p:to>
+                                        <p:strVal val="visible"/>
+                                      </p:to>
+                                    </p:set>
+                                    <p:animEffect transition="in" filter="fade">
+                                      <p:cBhvr>
+                                        <p:cTn id="7" dur="500"/>
+                                        <p:tgtEl>
+                                          <p:spTgt spid="4"/>
+                                        </p:tgtEl>
+                                      </p:cBhvr>
+                                    </p:animEffect>
+                                  </p:childTnLst>
+                                </p:cTn>
+                              </p:par>
+                            </p:childTnLst>
+                          </p:cTn>
+                        </p:par>
+                      </p:childTnLst>
+                    </p:cTn>
+                  </p:par>
+                </p:childTnLst>
+              </p:cTn>
+              <p:prevCondLst>
+                <p:cond evt="onPrev" delay="0">
+                  <p:tgtEl>
+                    <p:sldTgt/>
+                  </p:tgtEl>
+                </p:cond>
+              </p:prevCondLst>
+              <p:nextCondLst>
+                <p:cond evt="onNext" delay="0">
+                  <p:tgtEl>
+                    <p:sldTgt/>
+                  </p:tgtEl>
+                </p:cond>
+              </p:nextCondLst>
+            </p:seq>
+          </p:childTnLst>
+        </p:cTn>
+      </p:par>
+    </p:tnLst>
+    <p:bldLst>
+      <p:bldGraphic spid="4" grpId="0">
+        <p:bldAsOne/>
+      </p:bldGraphic>
+    </p:bldLst>
+  </p:timing>
+</p:sld>
+</file>
+
+<file path=ppt/slides/slide12.xml><?xml version="1.0" encoding="utf-8"?>
+<p:sld xmlns:a="http://schemas.openxmlformats.org/drawingml/2006/main" xmlns:r="http://schemas.openxmlformats.org/officeDocument/2006/relationships" xmlns:p="http://schemas.openxmlformats.org/presentationml/2006/main">
+  <p:cSld>
+    <p:spTree>
+      <p:nvGrpSpPr>
+        <p:cNvPr id="1" name=""/>
+        <p:cNvGrpSpPr/>
+        <p:nvPr/>
+      </p:nvGrpSpPr>
+      <p:grpSpPr>
+        <a:xfrm>
+          <a:off x="0" y="0"/>
+          <a:ext cx="0" cy="0"/>
+          <a:chOff x="0" y="0"/>
+          <a:chExt cx="0" cy="0"/>
+        </a:xfrm>
+      </p:grpSpPr>
+      <p:sp>
+        <p:nvSpPr>
+          <p:cNvPr id="2" name="标题 1"/>
+          <p:cNvSpPr>
+            <a:spLocks noGrp="1"/>
+          </p:cNvSpPr>
+          <p:nvPr>
+            <p:ph type="title"/>
+          </p:nvPr>
+        </p:nvSpPr>
+        <p:spPr>
+          <a:xfrm>
             <a:off x="395536" y="764704"/>
             <a:ext cx="8229600" cy="1066800"/>
           </a:xfrm>
@@ -23465,11 +23673,7 @@
           <a:p>
             <a:r>
               <a:rPr lang="zh-CN" altLang="en-US" dirty="0" smtClean="0"/>
-              <a:t>添加子节</a:t>
-            </a:r>
-            <a:r>
-              <a:rPr lang="zh-CN" altLang="en-US" dirty="0" smtClean="0"/>
-              <a:t>点</a:t>
+              <a:t>添加子节点</a:t>
             </a:r>
             <a:endParaRPr lang="en-US" altLang="zh-CN" dirty="0" smtClean="0"/>
           </a:p>
@@ -23487,7 +23691,6 @@
               <a:rPr lang="en-US" altLang="zh-CN" dirty="0" smtClean="0"/>
               <a:t>()</a:t>
             </a:r>
-            <a:endParaRPr lang="en-US" altLang="zh-CN" dirty="0" smtClean="0"/>
           </a:p>
           <a:p>
             <a:r>
@@ -23496,11 +23699,7 @@
             </a:r>
             <a:r>
               <a:rPr lang="zh-CN" altLang="en-US" dirty="0" smtClean="0"/>
-              <a:t>除子节</a:t>
-            </a:r>
-            <a:r>
-              <a:rPr lang="zh-CN" altLang="en-US" dirty="0" smtClean="0"/>
-              <a:t>点</a:t>
+              <a:t>除子节点</a:t>
             </a:r>
             <a:endParaRPr lang="en-US" altLang="zh-CN" dirty="0" smtClean="0"/>
           </a:p>
@@ -23510,7 +23709,6 @@
               <a:rPr lang="en-US" altLang="zh-CN" dirty="0" smtClean="0"/>
               <a:t>removeChild()</a:t>
             </a:r>
-            <a:endParaRPr lang="en-US" altLang="zh-CN" dirty="0" smtClean="0"/>
           </a:p>
           <a:p>
             <a:r>
@@ -23519,11 +23717,7 @@
             </a:r>
             <a:r>
               <a:rPr lang="zh-CN" altLang="en-US" dirty="0" smtClean="0"/>
-              <a:t>加兄弟节</a:t>
-            </a:r>
-            <a:r>
-              <a:rPr lang="zh-CN" altLang="en-US" dirty="0" smtClean="0"/>
-              <a:t>点</a:t>
+              <a:t>加兄弟节点</a:t>
             </a:r>
             <a:endParaRPr lang="en-US" altLang="zh-CN" dirty="0" smtClean="0"/>
           </a:p>
@@ -23533,7 +23727,6 @@
               <a:rPr lang="en-US" altLang="zh-CN" dirty="0" smtClean="0"/>
               <a:t>insertBefore(newNode,referNode);</a:t>
             </a:r>
-            <a:endParaRPr lang="en-US" altLang="zh-CN" dirty="0" smtClean="0"/>
           </a:p>
           <a:p>
             <a:r>
@@ -23542,11 +23735,7 @@
             </a:r>
             <a:r>
               <a:rPr lang="zh-CN" altLang="en-US" dirty="0" smtClean="0"/>
-              <a:t>加父级节</a:t>
-            </a:r>
-            <a:r>
-              <a:rPr lang="zh-CN" altLang="en-US" dirty="0" smtClean="0"/>
-              <a:t>点</a:t>
+              <a:t>加父级节点</a:t>
             </a:r>
             <a:endParaRPr lang="en-US" altLang="zh-CN" dirty="0" smtClean="0"/>
           </a:p>
@@ -23556,7 +23745,6 @@
               <a:rPr lang="en-US" altLang="zh-CN" dirty="0" smtClean="0"/>
               <a:t>outerHTML</a:t>
             </a:r>
-            <a:endParaRPr lang="en-US" altLang="zh-CN" dirty="0" smtClean="0"/>
           </a:p>
           <a:p>
             <a:pPr lvl="1"/>
@@ -23584,7 +23772,7 @@
 </p:sld>
 </file>
 
-<file path=ppt/slides/slide11.xml><?xml version="1.0" encoding="utf-8"?>
+<file path=ppt/slides/slide13.xml><?xml version="1.0" encoding="utf-8"?>
 <p:sld xmlns:a="http://schemas.openxmlformats.org/drawingml/2006/main" xmlns:r="http://schemas.openxmlformats.org/officeDocument/2006/relationships" xmlns:p="http://schemas.openxmlformats.org/presentationml/2006/main">
   <p:cSld>
     <p:spTree>
@@ -23980,7 +24168,7 @@
 </p:sld>
 </file>
 
-<file path=ppt/slides/slide12.xml><?xml version="1.0" encoding="utf-8"?>
+<file path=ppt/slides/slide14.xml><?xml version="1.0" encoding="utf-8"?>
 <p:sld xmlns:a="http://schemas.openxmlformats.org/drawingml/2006/main" xmlns:r="http://schemas.openxmlformats.org/officeDocument/2006/relationships" xmlns:p="http://schemas.openxmlformats.org/presentationml/2006/main">
   <p:cSld>
     <p:spTree>
@@ -24236,10 +24424,6 @@
               </a:rPr>
               <a:t>还有利于实现文档的剪切、复制和粘贴操作</a:t>
             </a:r>
-            <a:endParaRPr lang="zh-CN" altLang="en-US" sz="2400" dirty="0">
-              <a:latin typeface="Adobe 黑体 Std R" pitchFamily="34" charset="-122"/>
-              <a:ea typeface="Adobe 黑体 Std R" pitchFamily="34" charset="-122"/>
-            </a:endParaRPr>
           </a:p>
         </p:txBody>
       </p:sp>
@@ -24263,7 +24447,7 @@
 </p:sld>
 </file>
 
-<file path=ppt/slides/slide13.xml><?xml version="1.0" encoding="utf-8"?>
+<file path=ppt/slides/slide15.xml><?xml version="1.0" encoding="utf-8"?>
 <p:sld xmlns:a="http://schemas.openxmlformats.org/drawingml/2006/main" xmlns:r="http://schemas.openxmlformats.org/officeDocument/2006/relationships" xmlns:p="http://schemas.openxmlformats.org/presentationml/2006/main">
   <p:cSld>
     <p:spTree>
@@ -24516,7 +24700,7 @@
 </p:sld>
 </file>
 
-<file path=ppt/slides/slide14.xml><?xml version="1.0" encoding="utf-8"?>
+<file path=ppt/slides/slide16.xml><?xml version="1.0" encoding="utf-8"?>
 <p:sld xmlns:a="http://schemas.openxmlformats.org/drawingml/2006/main" xmlns:r="http://schemas.openxmlformats.org/officeDocument/2006/relationships" xmlns:p="http://schemas.openxmlformats.org/presentationml/2006/main">
   <p:cSld>
     <p:spTree>
@@ -24979,7 +25163,7 @@
 </p:sld>
 </file>
 
-<file path=ppt/slides/slide15.xml><?xml version="1.0" encoding="utf-8"?>
+<file path=ppt/slides/slide17.xml><?xml version="1.0" encoding="utf-8"?>
 <p:sld xmlns:a="http://schemas.openxmlformats.org/drawingml/2006/main" xmlns:r="http://schemas.openxmlformats.org/officeDocument/2006/relationships" xmlns:p="http://schemas.openxmlformats.org/presentationml/2006/main">
   <p:cSld>
     <p:spTree>
@@ -25346,7 +25530,7 @@
 </p:sld>
 </file>
 
-<file path=ppt/slides/slide16.xml><?xml version="1.0" encoding="utf-8"?>
+<file path=ppt/slides/slide18.xml><?xml version="1.0" encoding="utf-8"?>
 <p:sld xmlns:a="http://schemas.openxmlformats.org/drawingml/2006/main" xmlns:r="http://schemas.openxmlformats.org/officeDocument/2006/relationships" xmlns:p="http://schemas.openxmlformats.org/presentationml/2006/main">
   <p:cSld>
     <p:spTree>
@@ -25645,7 +25829,7 @@
 </p:sld>
 </file>
 
-<file path=ppt/slides/slide17.xml><?xml version="1.0" encoding="utf-8"?>
+<file path=ppt/slides/slide19.xml><?xml version="1.0" encoding="utf-8"?>
 <p:sld xmlns:a="http://schemas.openxmlformats.org/drawingml/2006/main" xmlns:r="http://schemas.openxmlformats.org/officeDocument/2006/relationships" xmlns:p="http://schemas.openxmlformats.org/presentationml/2006/main">
   <p:cSld>
     <p:spTree>
@@ -25798,11 +25982,7 @@
           <a:p>
             <a:r>
               <a:rPr lang="en-US" altLang="zh-CN" dirty="0" smtClean="0"/>
-              <a:t>node.innerHTML = </a:t>
-            </a:r>
-            <a:r>
-              <a:rPr lang="en-US" altLang="zh-CN" dirty="0" smtClean="0"/>
-              <a:t>‘’</a:t>
+              <a:t>node.innerHTML = ‘’</a:t>
             </a:r>
           </a:p>
           <a:p>
@@ -25810,7 +25990,6 @@
               <a:rPr lang="en-US" altLang="zh-CN" dirty="0" smtClean="0"/>
               <a:t>node.textContent = ‘’</a:t>
             </a:r>
-            <a:endParaRPr lang="en-US" altLang="zh-CN" dirty="0" smtClean="0"/>
           </a:p>
           <a:p>
             <a:r>
@@ -26320,7 +26499,74 @@
 </p:sld>
 </file>
 
-<file path=ppt/slides/slide18.xml><?xml version="1.0" encoding="utf-8"?>
+<file path=ppt/slides/slide2.xml><?xml version="1.0" encoding="utf-8"?>
+<p:sld xmlns:a="http://schemas.openxmlformats.org/drawingml/2006/main" xmlns:r="http://schemas.openxmlformats.org/officeDocument/2006/relationships" xmlns:p="http://schemas.openxmlformats.org/presentationml/2006/main">
+  <p:cSld>
+    <p:spTree>
+      <p:nvGrpSpPr>
+        <p:cNvPr id="1" name=""/>
+        <p:cNvGrpSpPr/>
+        <p:nvPr/>
+      </p:nvGrpSpPr>
+      <p:grpSpPr>
+        <a:xfrm>
+          <a:off x="0" y="0"/>
+          <a:ext cx="0" cy="0"/>
+          <a:chOff x="0" y="0"/>
+          <a:chExt cx="0" cy="0"/>
+        </a:xfrm>
+      </p:grpSpPr>
+      <p:sp>
+        <p:nvSpPr>
+          <p:cNvPr id="3" name="内容占位符 2"/>
+          <p:cNvSpPr>
+            <a:spLocks noGrp="1"/>
+          </p:cNvSpPr>
+          <p:nvPr>
+            <p:ph idx="1"/>
+          </p:nvPr>
+        </p:nvSpPr>
+        <p:spPr>
+          <a:xfrm>
+            <a:off x="457200" y="2852936"/>
+            <a:ext cx="8229600" cy="3721600"/>
+          </a:xfrm>
+        </p:spPr>
+        <p:txBody>
+          <a:bodyPr>
+            <a:normAutofit/>
+          </a:bodyPr>
+          <a:lstStyle/>
+          <a:p>
+            <a:pPr marL="109728" indent="0" algn="ctr">
+              <a:buNone/>
+            </a:pPr>
+            <a:r>
+              <a:rPr lang="zh-CN" altLang="en-US" sz="4400" dirty="0" smtClean="0"/>
+              <a:t>你眼中的</a:t>
+            </a:r>
+            <a:r>
+              <a:rPr lang="en-US" altLang="zh-CN" sz="4400" dirty="0" smtClean="0"/>
+              <a:t>DOM?</a:t>
+            </a:r>
+            <a:endParaRPr lang="zh-CN" altLang="en-US" sz="4400" dirty="0"/>
+          </a:p>
+        </p:txBody>
+      </p:sp>
+    </p:spTree>
+    <p:extLst>
+      <p:ext uri="{BB962C8B-B14F-4D97-AF65-F5344CB8AC3E}">
+        <p14:creationId xmlns:p14="http://schemas.microsoft.com/office/powerpoint/2010/main" val="2471521659"/>
+      </p:ext>
+    </p:extLst>
+  </p:cSld>
+  <p:clrMapOvr>
+    <a:masterClrMapping/>
+  </p:clrMapOvr>
+</p:sld>
+</file>
+
+<file path=ppt/slides/slide20.xml><?xml version="1.0" encoding="utf-8"?>
 <p:sld xmlns:a="http://schemas.openxmlformats.org/drawingml/2006/main" xmlns:r="http://schemas.openxmlformats.org/officeDocument/2006/relationships" xmlns:p="http://schemas.openxmlformats.org/presentationml/2006/main">
   <p:cSld>
     <p:spTree>
@@ -26751,7 +26997,7 @@
 </p:sld>
 </file>
 
-<file path=ppt/slides/slide19.xml><?xml version="1.0" encoding="utf-8"?>
+<file path=ppt/slides/slide21.xml><?xml version="1.0" encoding="utf-8"?>
 <p:sld xmlns:a="http://schemas.openxmlformats.org/drawingml/2006/main" xmlns:r="http://schemas.openxmlformats.org/officeDocument/2006/relationships" xmlns:p="http://schemas.openxmlformats.org/presentationml/2006/main">
   <p:cSld>
     <p:spTree>
@@ -27474,663 +27720,7 @@
 </p:sld>
 </file>
 
-<file path=ppt/slides/slide2.xml><?xml version="1.0" encoding="utf-8"?>
-<p:sld xmlns:a="http://schemas.openxmlformats.org/drawingml/2006/main" xmlns:r="http://schemas.openxmlformats.org/officeDocument/2006/relationships" xmlns:p="http://schemas.openxmlformats.org/presentationml/2006/main">
-  <p:cSld>
-    <p:spTree>
-      <p:nvGrpSpPr>
-        <p:cNvPr id="1" name=""/>
-        <p:cNvGrpSpPr/>
-        <p:nvPr/>
-      </p:nvGrpSpPr>
-      <p:grpSpPr>
-        <a:xfrm>
-          <a:off x="0" y="0"/>
-          <a:ext cx="0" cy="0"/>
-          <a:chOff x="0" y="0"/>
-          <a:chExt cx="0" cy="0"/>
-        </a:xfrm>
-      </p:grpSpPr>
-      <p:sp>
-        <p:nvSpPr>
-          <p:cNvPr id="2" name="标题 1"/>
-          <p:cNvSpPr>
-            <a:spLocks noGrp="1"/>
-          </p:cNvSpPr>
-          <p:nvPr>
-            <p:ph type="title"/>
-          </p:nvPr>
-        </p:nvSpPr>
-        <p:spPr>
-          <a:xfrm>
-            <a:off x="457200" y="764704"/>
-            <a:ext cx="8229600" cy="1066800"/>
-          </a:xfrm>
-        </p:spPr>
-        <p:txBody>
-          <a:bodyPr/>
-          <a:lstStyle/>
-          <a:p>
-            <a:r>
-              <a:rPr lang="en-US" altLang="zh-CN" dirty="0" smtClean="0"/>
-              <a:t>What is DOM	</a:t>
-            </a:r>
-            <a:endParaRPr lang="zh-CN" altLang="en-US" dirty="0"/>
-          </a:p>
-        </p:txBody>
-      </p:sp>
-      <p:sp>
-        <p:nvSpPr>
-          <p:cNvPr id="3" name="内容占位符 2"/>
-          <p:cNvSpPr>
-            <a:spLocks noGrp="1"/>
-          </p:cNvSpPr>
-          <p:nvPr>
-            <p:ph idx="1"/>
-          </p:nvPr>
-        </p:nvSpPr>
-        <p:spPr>
-          <a:xfrm>
-            <a:off x="457200" y="1772816"/>
-            <a:ext cx="8229600" cy="2448272"/>
-          </a:xfrm>
-        </p:spPr>
-        <p:txBody>
-          <a:bodyPr>
-            <a:normAutofit/>
-          </a:bodyPr>
-          <a:lstStyle/>
-          <a:p>
-            <a:r>
-              <a:rPr lang="en-US" altLang="zh-CN" dirty="0" smtClean="0">
-                <a:latin typeface="Adobe 黑体 Std R" pitchFamily="34" charset="-122"/>
-                <a:ea typeface="Adobe 黑体 Std R" pitchFamily="34" charset="-122"/>
-              </a:rPr>
-              <a:t>DOM </a:t>
-            </a:r>
-            <a:r>
-              <a:rPr lang="zh-CN" altLang="en-US" dirty="0" smtClean="0">
-                <a:latin typeface="Adobe 黑体 Std R" pitchFamily="34" charset="-122"/>
-                <a:ea typeface="Adobe 黑体 Std R" pitchFamily="34" charset="-122"/>
-              </a:rPr>
-              <a:t>全称文档对象模型，是针对</a:t>
-            </a:r>
-            <a:r>
-              <a:rPr lang="en-US" altLang="zh-CN" dirty="0" smtClean="0">
-                <a:latin typeface="Adobe 黑体 Std R" pitchFamily="34" charset="-122"/>
-                <a:ea typeface="Adobe 黑体 Std R" pitchFamily="34" charset="-122"/>
-              </a:rPr>
-              <a:t>HTML</a:t>
-            </a:r>
-            <a:r>
-              <a:rPr lang="zh-CN" altLang="en-US" dirty="0" smtClean="0">
-                <a:latin typeface="Adobe 黑体 Std R" pitchFamily="34" charset="-122"/>
-                <a:ea typeface="Adobe 黑体 Std R" pitchFamily="34" charset="-122"/>
-              </a:rPr>
-              <a:t>和</a:t>
-            </a:r>
-            <a:r>
-              <a:rPr lang="en-US" altLang="zh-CN" dirty="0" smtClean="0">
-                <a:latin typeface="Adobe 黑体 Std R" pitchFamily="34" charset="-122"/>
-                <a:ea typeface="Adobe 黑体 Std R" pitchFamily="34" charset="-122"/>
-              </a:rPr>
-              <a:t>XML</a:t>
-            </a:r>
-            <a:r>
-              <a:rPr lang="zh-CN" altLang="en-US" dirty="0" smtClean="0">
-                <a:latin typeface="Adobe 黑体 Std R" pitchFamily="34" charset="-122"/>
-                <a:ea typeface="Adobe 黑体 Std R" pitchFamily="34" charset="-122"/>
-              </a:rPr>
-              <a:t>文档的</a:t>
-            </a:r>
-            <a:r>
-              <a:rPr lang="en-US" altLang="zh-CN" dirty="0" smtClean="0">
-                <a:latin typeface="Adobe 黑体 Std R" pitchFamily="34" charset="-122"/>
-                <a:ea typeface="Adobe 黑体 Std R" pitchFamily="34" charset="-122"/>
-              </a:rPr>
-              <a:t>API</a:t>
-            </a:r>
-            <a:r>
-              <a:rPr lang="zh-CN" altLang="en-US" dirty="0" smtClean="0">
-                <a:latin typeface="Adobe 黑体 Std R" pitchFamily="34" charset="-122"/>
-                <a:ea typeface="Adobe 黑体 Std R" pitchFamily="34" charset="-122"/>
-              </a:rPr>
-              <a:t>。</a:t>
-            </a:r>
-            <a:endParaRPr lang="en-US" altLang="zh-CN" dirty="0" smtClean="0">
-              <a:latin typeface="Adobe 黑体 Std R" pitchFamily="34" charset="-122"/>
-              <a:ea typeface="Adobe 黑体 Std R" pitchFamily="34" charset="-122"/>
-            </a:endParaRPr>
-          </a:p>
-          <a:p>
-            <a:r>
-              <a:rPr lang="en-US" altLang="zh-CN" dirty="0" smtClean="0">
-                <a:latin typeface="Adobe 黑体 Std R" pitchFamily="34" charset="-122"/>
-                <a:ea typeface="Adobe 黑体 Std R" pitchFamily="34" charset="-122"/>
-              </a:rPr>
-              <a:t>DOM</a:t>
-            </a:r>
-            <a:r>
-              <a:rPr lang="zh-CN" altLang="en-US" dirty="0" smtClean="0">
-                <a:latin typeface="Adobe 黑体 Std R" pitchFamily="34" charset="-122"/>
-                <a:ea typeface="Adobe 黑体 Std R" pitchFamily="34" charset="-122"/>
-              </a:rPr>
-              <a:t>描绘了一个层次化的的节点树，允许开发人员增删改查页面的某些部分。</a:t>
-            </a:r>
-            <a:endParaRPr lang="en-US" altLang="zh-CN" dirty="0" smtClean="0">
-              <a:latin typeface="Adobe 黑体 Std R" pitchFamily="34" charset="-122"/>
-              <a:ea typeface="Adobe 黑体 Std R" pitchFamily="34" charset="-122"/>
-            </a:endParaRPr>
-          </a:p>
-          <a:p>
-            <a:r>
-              <a:rPr lang="en-US" altLang="zh-CN" dirty="0" smtClean="0">
-                <a:latin typeface="Adobe 黑体 Std R" pitchFamily="34" charset="-122"/>
-                <a:ea typeface="Adobe 黑体 Std R" pitchFamily="34" charset="-122"/>
-              </a:rPr>
-              <a:t>DOM</a:t>
-            </a:r>
-            <a:r>
-              <a:rPr lang="zh-CN" altLang="en-US" dirty="0" smtClean="0">
-                <a:latin typeface="Adobe 黑体 Std R" pitchFamily="34" charset="-122"/>
-                <a:ea typeface="Adobe 黑体 Std R" pitchFamily="34" charset="-122"/>
-              </a:rPr>
-              <a:t>是接口，与浏览器、</a:t>
-            </a:r>
-            <a:r>
-              <a:rPr lang="zh-CN" altLang="en-US" dirty="0">
-                <a:latin typeface="Adobe 黑体 Std R" pitchFamily="34" charset="-122"/>
-                <a:ea typeface="Adobe 黑体 Std R" pitchFamily="34" charset="-122"/>
-              </a:rPr>
-              <a:t>平</a:t>
-            </a:r>
-            <a:r>
-              <a:rPr lang="zh-CN" altLang="en-US" dirty="0" smtClean="0">
-                <a:latin typeface="Adobe 黑体 Std R" pitchFamily="34" charset="-122"/>
-                <a:ea typeface="Adobe 黑体 Std R" pitchFamily="34" charset="-122"/>
-              </a:rPr>
-              <a:t>台和语言无关。</a:t>
-            </a:r>
-            <a:endParaRPr lang="en-US" altLang="zh-CN" dirty="0" smtClean="0">
-              <a:latin typeface="Adobe 黑体 Std R" pitchFamily="34" charset="-122"/>
-              <a:ea typeface="Adobe 黑体 Std R" pitchFamily="34" charset="-122"/>
-            </a:endParaRPr>
-          </a:p>
-        </p:txBody>
-      </p:sp>
-      <p:sp>
-        <p:nvSpPr>
-          <p:cNvPr id="4" name="矩形 3"/>
-          <p:cNvSpPr/>
-          <p:nvPr/>
-        </p:nvSpPr>
-        <p:spPr>
-          <a:xfrm>
-            <a:off x="611560" y="4221088"/>
-            <a:ext cx="7920880" cy="2376264"/>
-          </a:xfrm>
-          <a:prstGeom prst="rect">
-            <a:avLst/>
-          </a:prstGeom>
-        </p:spPr>
-        <p:style>
-          <a:lnRef idx="2">
-            <a:schemeClr val="accent6">
-              <a:shade val="50000"/>
-            </a:schemeClr>
-          </a:lnRef>
-          <a:fillRef idx="1">
-            <a:schemeClr val="accent6"/>
-          </a:fillRef>
-          <a:effectRef idx="0">
-            <a:schemeClr val="accent6"/>
-          </a:effectRef>
-          <a:fontRef idx="minor">
-            <a:schemeClr val="lt1"/>
-          </a:fontRef>
-        </p:style>
-        <p:txBody>
-          <a:bodyPr rtlCol="0" anchor="ctr"/>
-          <a:lstStyle/>
-          <a:p>
-            <a:r>
-              <a:rPr lang="en-US" altLang="zh-CN" dirty="0">
-                <a:latin typeface="Consolas" pitchFamily="49" charset="0"/>
-                <a:cs typeface="Consolas" pitchFamily="49" charset="0"/>
-              </a:rPr>
-              <a:t>&lt;html&gt;</a:t>
-            </a:r>
-          </a:p>
-          <a:p>
-            <a:r>
-              <a:rPr lang="en-US" altLang="zh-CN" dirty="0">
-                <a:latin typeface="Consolas" pitchFamily="49" charset="0"/>
-                <a:cs typeface="Consolas" pitchFamily="49" charset="0"/>
-              </a:rPr>
-              <a:t> </a:t>
-            </a:r>
-            <a:r>
-              <a:rPr lang="en-US" altLang="zh-CN" dirty="0" smtClean="0">
-                <a:latin typeface="Consolas" pitchFamily="49" charset="0"/>
-                <a:cs typeface="Consolas" pitchFamily="49" charset="0"/>
-              </a:rPr>
-              <a:t>   &lt;</a:t>
-            </a:r>
-            <a:r>
-              <a:rPr lang="en-US" altLang="zh-CN" dirty="0">
-                <a:latin typeface="Consolas" pitchFamily="49" charset="0"/>
-                <a:cs typeface="Consolas" pitchFamily="49" charset="0"/>
-              </a:rPr>
-              <a:t>head&gt;</a:t>
-            </a:r>
-          </a:p>
-          <a:p>
-            <a:r>
-              <a:rPr lang="en-US" altLang="zh-CN" dirty="0" smtClean="0">
-                <a:latin typeface="Consolas" pitchFamily="49" charset="0"/>
-                <a:cs typeface="Consolas" pitchFamily="49" charset="0"/>
-              </a:rPr>
-              <a:t>	&lt;</a:t>
-            </a:r>
-            <a:r>
-              <a:rPr lang="en-US" altLang="zh-CN" dirty="0">
-                <a:latin typeface="Consolas" pitchFamily="49" charset="0"/>
-                <a:cs typeface="Consolas" pitchFamily="49" charset="0"/>
-              </a:rPr>
-              <a:t>title&gt;Document&lt;/title&gt;</a:t>
-            </a:r>
-          </a:p>
-          <a:p>
-            <a:r>
-              <a:rPr lang="en-US" altLang="zh-CN" dirty="0">
-                <a:latin typeface="Consolas" pitchFamily="49" charset="0"/>
-                <a:cs typeface="Consolas" pitchFamily="49" charset="0"/>
-              </a:rPr>
-              <a:t> </a:t>
-            </a:r>
-            <a:r>
-              <a:rPr lang="en-US" altLang="zh-CN" dirty="0" smtClean="0">
-                <a:latin typeface="Consolas" pitchFamily="49" charset="0"/>
-                <a:cs typeface="Consolas" pitchFamily="49" charset="0"/>
-              </a:rPr>
-              <a:t>   &lt;/</a:t>
-            </a:r>
-            <a:r>
-              <a:rPr lang="en-US" altLang="zh-CN" dirty="0">
-                <a:latin typeface="Consolas" pitchFamily="49" charset="0"/>
-                <a:cs typeface="Consolas" pitchFamily="49" charset="0"/>
-              </a:rPr>
-              <a:t>head&gt;</a:t>
-            </a:r>
-          </a:p>
-          <a:p>
-            <a:r>
-              <a:rPr lang="en-US" altLang="zh-CN" dirty="0">
-                <a:latin typeface="Consolas" pitchFamily="49" charset="0"/>
-                <a:cs typeface="Consolas" pitchFamily="49" charset="0"/>
-              </a:rPr>
-              <a:t> </a:t>
-            </a:r>
-            <a:r>
-              <a:rPr lang="en-US" altLang="zh-CN" dirty="0" smtClean="0">
-                <a:latin typeface="Consolas" pitchFamily="49" charset="0"/>
-                <a:cs typeface="Consolas" pitchFamily="49" charset="0"/>
-              </a:rPr>
-              <a:t>   &lt;</a:t>
-            </a:r>
-            <a:r>
-              <a:rPr lang="en-US" altLang="zh-CN" dirty="0">
-                <a:latin typeface="Consolas" pitchFamily="49" charset="0"/>
-                <a:cs typeface="Consolas" pitchFamily="49" charset="0"/>
-              </a:rPr>
-              <a:t>body&gt;</a:t>
-            </a:r>
-          </a:p>
-          <a:p>
-            <a:r>
-              <a:rPr lang="en-US" altLang="zh-CN" dirty="0" smtClean="0">
-                <a:latin typeface="Consolas" pitchFamily="49" charset="0"/>
-                <a:cs typeface="Consolas" pitchFamily="49" charset="0"/>
-              </a:rPr>
-              <a:t>	&lt;</a:t>
-            </a:r>
-            <a:r>
-              <a:rPr lang="en-US" altLang="zh-CN" dirty="0">
-                <a:latin typeface="Consolas" pitchFamily="49" charset="0"/>
-                <a:cs typeface="Consolas" pitchFamily="49" charset="0"/>
-              </a:rPr>
-              <a:t>p&gt;Hello World&lt;/p</a:t>
-            </a:r>
-            <a:r>
-              <a:rPr lang="en-US" altLang="zh-CN" dirty="0" smtClean="0">
-                <a:latin typeface="Consolas" pitchFamily="49" charset="0"/>
-                <a:cs typeface="Consolas" pitchFamily="49" charset="0"/>
-              </a:rPr>
-              <a:t>&gt;</a:t>
-            </a:r>
-          </a:p>
-          <a:p>
-            <a:r>
-              <a:rPr lang="en-US" altLang="zh-CN" dirty="0">
-                <a:latin typeface="Consolas" pitchFamily="49" charset="0"/>
-                <a:cs typeface="Consolas" pitchFamily="49" charset="0"/>
-              </a:rPr>
-              <a:t> </a:t>
-            </a:r>
-            <a:r>
-              <a:rPr lang="en-US" altLang="zh-CN" dirty="0" smtClean="0">
-                <a:latin typeface="Consolas" pitchFamily="49" charset="0"/>
-                <a:cs typeface="Consolas" pitchFamily="49" charset="0"/>
-              </a:rPr>
-              <a:t>   &lt;/</a:t>
-            </a:r>
-            <a:r>
-              <a:rPr lang="en-US" altLang="zh-CN" dirty="0">
-                <a:latin typeface="Consolas" pitchFamily="49" charset="0"/>
-                <a:cs typeface="Consolas" pitchFamily="49" charset="0"/>
-              </a:rPr>
-              <a:t>body&gt;</a:t>
-            </a:r>
-          </a:p>
-          <a:p>
-            <a:r>
-              <a:rPr lang="en-US" altLang="zh-CN" dirty="0">
-                <a:latin typeface="Consolas" pitchFamily="49" charset="0"/>
-                <a:cs typeface="Consolas" pitchFamily="49" charset="0"/>
-              </a:rPr>
-              <a:t>&lt;/html&gt;</a:t>
-            </a:r>
-            <a:endParaRPr lang="zh-CN" altLang="en-US" dirty="0">
-              <a:latin typeface="Consolas" pitchFamily="49" charset="0"/>
-              <a:cs typeface="Consolas" pitchFamily="49" charset="0"/>
-            </a:endParaRPr>
-          </a:p>
-        </p:txBody>
-      </p:sp>
-    </p:spTree>
-    <p:extLst>
-      <p:ext uri="{BB962C8B-B14F-4D97-AF65-F5344CB8AC3E}">
-        <p14:creationId xmlns:p14="http://schemas.microsoft.com/office/powerpoint/2010/main" val="2615405198"/>
-      </p:ext>
-    </p:extLst>
-  </p:cSld>
-  <p:clrMapOvr>
-    <a:masterClrMapping/>
-  </p:clrMapOvr>
-  <p:timing>
-    <p:tnLst>
-      <p:par>
-        <p:cTn id="1" dur="indefinite" restart="never" nodeType="tmRoot">
-          <p:childTnLst>
-            <p:seq concurrent="1" nextAc="seek">
-              <p:cTn id="2" dur="indefinite" nodeType="mainSeq">
-                <p:childTnLst>
-                  <p:par>
-                    <p:cTn id="3" fill="hold">
-                      <p:stCondLst>
-                        <p:cond delay="indefinite"/>
-                      </p:stCondLst>
-                      <p:childTnLst>
-                        <p:par>
-                          <p:cTn id="4" fill="hold">
-                            <p:stCondLst>
-                              <p:cond delay="0"/>
-                            </p:stCondLst>
-                            <p:childTnLst>
-                              <p:par>
-                                <p:cTn id="5" presetID="10" presetClass="entr" presetSubtype="0" fill="hold" grpId="0" nodeType="clickEffect">
-                                  <p:stCondLst>
-                                    <p:cond delay="0"/>
-                                  </p:stCondLst>
-                                  <p:childTnLst>
-                                    <p:set>
-                                      <p:cBhvr>
-                                        <p:cTn id="6" dur="1" fill="hold">
-                                          <p:stCondLst>
-                                            <p:cond delay="0"/>
-                                          </p:stCondLst>
-                                        </p:cTn>
-                                        <p:tgtEl>
-                                          <p:spTgt spid="3">
-                                            <p:txEl>
-                                              <p:pRg st="0" end="0"/>
-                                            </p:txEl>
-                                          </p:spTgt>
-                                        </p:tgtEl>
-                                        <p:attrNameLst>
-                                          <p:attrName>style.visibility</p:attrName>
-                                        </p:attrNameLst>
-                                      </p:cBhvr>
-                                      <p:to>
-                                        <p:strVal val="visible"/>
-                                      </p:to>
-                                    </p:set>
-                                    <p:animEffect transition="in" filter="fade">
-                                      <p:cBhvr>
-                                        <p:cTn id="7" dur="500"/>
-                                        <p:tgtEl>
-                                          <p:spTgt spid="3">
-                                            <p:txEl>
-                                              <p:pRg st="0" end="0"/>
-                                            </p:txEl>
-                                          </p:spTgt>
-                                        </p:tgtEl>
-                                      </p:cBhvr>
-                                    </p:animEffect>
-                                  </p:childTnLst>
-                                </p:cTn>
-                              </p:par>
-                            </p:childTnLst>
-                          </p:cTn>
-                        </p:par>
-                      </p:childTnLst>
-                    </p:cTn>
-                  </p:par>
-                  <p:par>
-                    <p:cTn id="8" fill="hold">
-                      <p:stCondLst>
-                        <p:cond delay="indefinite"/>
-                      </p:stCondLst>
-                      <p:childTnLst>
-                        <p:par>
-                          <p:cTn id="9" fill="hold">
-                            <p:stCondLst>
-                              <p:cond delay="0"/>
-                            </p:stCondLst>
-                            <p:childTnLst>
-                              <p:par>
-                                <p:cTn id="10" presetID="10" presetClass="entr" presetSubtype="0" fill="hold" grpId="0" nodeType="clickEffect">
-                                  <p:stCondLst>
-                                    <p:cond delay="0"/>
-                                  </p:stCondLst>
-                                  <p:childTnLst>
-                                    <p:set>
-                                      <p:cBhvr>
-                                        <p:cTn id="11" dur="1" fill="hold">
-                                          <p:stCondLst>
-                                            <p:cond delay="0"/>
-                                          </p:stCondLst>
-                                        </p:cTn>
-                                        <p:tgtEl>
-                                          <p:spTgt spid="3">
-                                            <p:txEl>
-                                              <p:pRg st="1" end="1"/>
-                                            </p:txEl>
-                                          </p:spTgt>
-                                        </p:tgtEl>
-                                        <p:attrNameLst>
-                                          <p:attrName>style.visibility</p:attrName>
-                                        </p:attrNameLst>
-                                      </p:cBhvr>
-                                      <p:to>
-                                        <p:strVal val="visible"/>
-                                      </p:to>
-                                    </p:set>
-                                    <p:animEffect transition="in" filter="fade">
-                                      <p:cBhvr>
-                                        <p:cTn id="12" dur="500"/>
-                                        <p:tgtEl>
-                                          <p:spTgt spid="3">
-                                            <p:txEl>
-                                              <p:pRg st="1" end="1"/>
-                                            </p:txEl>
-                                          </p:spTgt>
-                                        </p:tgtEl>
-                                      </p:cBhvr>
-                                    </p:animEffect>
-                                  </p:childTnLst>
-                                </p:cTn>
-                              </p:par>
-                            </p:childTnLst>
-                          </p:cTn>
-                        </p:par>
-                      </p:childTnLst>
-                    </p:cTn>
-                  </p:par>
-                  <p:par>
-                    <p:cTn id="13" fill="hold">
-                      <p:stCondLst>
-                        <p:cond delay="indefinite"/>
-                      </p:stCondLst>
-                      <p:childTnLst>
-                        <p:par>
-                          <p:cTn id="14" fill="hold">
-                            <p:stCondLst>
-                              <p:cond delay="0"/>
-                            </p:stCondLst>
-                            <p:childTnLst>
-                              <p:par>
-                                <p:cTn id="15" presetID="10" presetClass="entr" presetSubtype="0" fill="hold" grpId="0" nodeType="clickEffect">
-                                  <p:stCondLst>
-                                    <p:cond delay="0"/>
-                                  </p:stCondLst>
-                                  <p:childTnLst>
-                                    <p:set>
-                                      <p:cBhvr>
-                                        <p:cTn id="16" dur="1" fill="hold">
-                                          <p:stCondLst>
-                                            <p:cond delay="0"/>
-                                          </p:stCondLst>
-                                        </p:cTn>
-                                        <p:tgtEl>
-                                          <p:spTgt spid="3">
-                                            <p:txEl>
-                                              <p:pRg st="2" end="2"/>
-                                            </p:txEl>
-                                          </p:spTgt>
-                                        </p:tgtEl>
-                                        <p:attrNameLst>
-                                          <p:attrName>style.visibility</p:attrName>
-                                        </p:attrNameLst>
-                                      </p:cBhvr>
-                                      <p:to>
-                                        <p:strVal val="visible"/>
-                                      </p:to>
-                                    </p:set>
-                                    <p:animEffect transition="in" filter="fade">
-                                      <p:cBhvr>
-                                        <p:cTn id="17" dur="500"/>
-                                        <p:tgtEl>
-                                          <p:spTgt spid="3">
-                                            <p:txEl>
-                                              <p:pRg st="2" end="2"/>
-                                            </p:txEl>
-                                          </p:spTgt>
-                                        </p:tgtEl>
-                                      </p:cBhvr>
-                                    </p:animEffect>
-                                  </p:childTnLst>
-                                </p:cTn>
-                              </p:par>
-                            </p:childTnLst>
-                          </p:cTn>
-                        </p:par>
-                      </p:childTnLst>
-                    </p:cTn>
-                  </p:par>
-                  <p:par>
-                    <p:cTn id="18" fill="hold">
-                      <p:stCondLst>
-                        <p:cond delay="indefinite"/>
-                      </p:stCondLst>
-                      <p:childTnLst>
-                        <p:par>
-                          <p:cTn id="19" fill="hold">
-                            <p:stCondLst>
-                              <p:cond delay="0"/>
-                            </p:stCondLst>
-                            <p:childTnLst>
-                              <p:par>
-                                <p:cTn id="20" presetID="10" presetClass="entr" presetSubtype="0" fill="hold" grpId="0" nodeType="clickEffect">
-                                  <p:stCondLst>
-                                    <p:cond delay="0"/>
-                                  </p:stCondLst>
-                                  <p:childTnLst>
-                                    <p:set>
-                                      <p:cBhvr>
-                                        <p:cTn id="21" dur="1" fill="hold">
-                                          <p:stCondLst>
-                                            <p:cond delay="0"/>
-                                          </p:stCondLst>
-                                        </p:cTn>
-                                        <p:tgtEl>
-                                          <p:spTgt spid="4"/>
-                                        </p:tgtEl>
-                                        <p:attrNameLst>
-                                          <p:attrName>style.visibility</p:attrName>
-                                        </p:attrNameLst>
-                                      </p:cBhvr>
-                                      <p:to>
-                                        <p:strVal val="visible"/>
-                                      </p:to>
-                                    </p:set>
-                                    <p:animEffect transition="in" filter="fade">
-                                      <p:cBhvr>
-                                        <p:cTn id="22" dur="500"/>
-                                        <p:tgtEl>
-                                          <p:spTgt spid="4"/>
-                                        </p:tgtEl>
-                                      </p:cBhvr>
-                                    </p:animEffect>
-                                  </p:childTnLst>
-                                </p:cTn>
-                              </p:par>
-                            </p:childTnLst>
-                          </p:cTn>
-                        </p:par>
-                      </p:childTnLst>
-                    </p:cTn>
-                  </p:par>
-                </p:childTnLst>
-              </p:cTn>
-              <p:prevCondLst>
-                <p:cond evt="onPrev" delay="0">
-                  <p:tgtEl>
-                    <p:sldTgt/>
-                  </p:tgtEl>
-                </p:cond>
-              </p:prevCondLst>
-              <p:nextCondLst>
-                <p:cond evt="onNext" delay="0">
-                  <p:tgtEl>
-                    <p:sldTgt/>
-                  </p:tgtEl>
-                </p:cond>
-              </p:nextCondLst>
-            </p:seq>
-          </p:childTnLst>
-        </p:cTn>
-      </p:par>
-    </p:tnLst>
-    <p:bldLst>
-      <p:bldP spid="3" grpId="0" build="p"/>
-      <p:bldP spid="4" grpId="0" animBg="1"/>
-    </p:bldLst>
-  </p:timing>
-</p:sld>
-</file>
-
-<file path=ppt/slides/slide20.xml><?xml version="1.0" encoding="utf-8"?>
+<file path=ppt/slides/slide22.xml><?xml version="1.0" encoding="utf-8"?>
 <p:sld xmlns:a="http://schemas.openxmlformats.org/drawingml/2006/main" xmlns:r="http://schemas.openxmlformats.org/officeDocument/2006/relationships" xmlns:p="http://schemas.openxmlformats.org/presentationml/2006/main">
   <p:cSld>
     <p:spTree>
@@ -28685,7 +28275,7 @@
 </p:sld>
 </file>
 
-<file path=ppt/slides/slide21.xml><?xml version="1.0" encoding="utf-8"?>
+<file path=ppt/slides/slide23.xml><?xml version="1.0" encoding="utf-8"?>
 <p:sld xmlns:a="http://schemas.openxmlformats.org/drawingml/2006/main" xmlns:r="http://schemas.openxmlformats.org/officeDocument/2006/relationships" xmlns:p="http://schemas.openxmlformats.org/presentationml/2006/main">
   <p:cSld>
     <p:spTree>
@@ -29440,7 +29030,7 @@
 </p:sld>
 </file>
 
-<file path=ppt/slides/slide22.xml><?xml version="1.0" encoding="utf-8"?>
+<file path=ppt/slides/slide24.xml><?xml version="1.0" encoding="utf-8"?>
 <p:sld xmlns:a="http://schemas.openxmlformats.org/drawingml/2006/main" xmlns:r="http://schemas.openxmlformats.org/officeDocument/2006/relationships" xmlns:p="http://schemas.openxmlformats.org/presentationml/2006/main">
   <p:cSld>
     <p:spTree>
@@ -29629,440 +29219,6 @@
     <p:extLst>
       <p:ext uri="{BB962C8B-B14F-4D97-AF65-F5344CB8AC3E}">
         <p14:creationId xmlns:p14="http://schemas.microsoft.com/office/powerpoint/2010/main" val="4107614194"/>
-      </p:ext>
-    </p:extLst>
-  </p:cSld>
-  <p:clrMapOvr>
-    <a:masterClrMapping/>
-  </p:clrMapOvr>
-  <p:timing>
-    <p:tnLst>
-      <p:par>
-        <p:cTn id="1" dur="indefinite" restart="never" nodeType="tmRoot"/>
-      </p:par>
-    </p:tnLst>
-  </p:timing>
-</p:sld>
-</file>
-
-<file path=ppt/slides/slide23.xml><?xml version="1.0" encoding="utf-8"?>
-<p:sld xmlns:a="http://schemas.openxmlformats.org/drawingml/2006/main" xmlns:r="http://schemas.openxmlformats.org/officeDocument/2006/relationships" xmlns:p="http://schemas.openxmlformats.org/presentationml/2006/main">
-  <p:cSld>
-    <p:spTree>
-      <p:nvGrpSpPr>
-        <p:cNvPr id="1" name=""/>
-        <p:cNvGrpSpPr/>
-        <p:nvPr/>
-      </p:nvGrpSpPr>
-      <p:grpSpPr>
-        <a:xfrm>
-          <a:off x="0" y="0"/>
-          <a:ext cx="0" cy="0"/>
-          <a:chOff x="0" y="0"/>
-          <a:chExt cx="0" cy="0"/>
-        </a:xfrm>
-      </p:grpSpPr>
-      <p:sp>
-        <p:nvSpPr>
-          <p:cNvPr id="2" name="标题 1"/>
-          <p:cNvSpPr>
-            <a:spLocks noGrp="1"/>
-          </p:cNvSpPr>
-          <p:nvPr>
-            <p:ph type="title"/>
-          </p:nvPr>
-        </p:nvSpPr>
-        <p:spPr>
-          <a:xfrm>
-            <a:off x="467544" y="764704"/>
-            <a:ext cx="8229600" cy="1066800"/>
-          </a:xfrm>
-        </p:spPr>
-        <p:txBody>
-          <a:bodyPr/>
-          <a:lstStyle/>
-          <a:p>
-            <a:r>
-              <a:rPr lang="zh-CN" altLang="en-US" dirty="0" smtClean="0">
-                <a:latin typeface="Adobe 黑体 Std R" pitchFamily="34" charset="-122"/>
-                <a:ea typeface="Adobe 黑体 Std R" pitchFamily="34" charset="-122"/>
-              </a:rPr>
-              <a:t>神奇的</a:t>
-            </a:r>
-            <a:r>
-              <a:rPr lang="en-US" altLang="zh-CN" dirty="0" smtClean="0">
-                <a:latin typeface="Adobe 黑体 Std R" pitchFamily="34" charset="-122"/>
-                <a:ea typeface="Adobe 黑体 Std R" pitchFamily="34" charset="-122"/>
-              </a:rPr>
-              <a:t>$</a:t>
-            </a:r>
-            <a:endParaRPr lang="zh-CN" altLang="en-US" dirty="0">
-              <a:latin typeface="Adobe 黑体 Std R" pitchFamily="34" charset="-122"/>
-              <a:ea typeface="Adobe 黑体 Std R" pitchFamily="34" charset="-122"/>
-            </a:endParaRPr>
-          </a:p>
-        </p:txBody>
-      </p:sp>
-      <p:sp>
-        <p:nvSpPr>
-          <p:cNvPr id="3" name="内容占位符 2"/>
-          <p:cNvSpPr>
-            <a:spLocks noGrp="1"/>
-          </p:cNvSpPr>
-          <p:nvPr>
-            <p:ph idx="1"/>
-          </p:nvPr>
-        </p:nvSpPr>
-        <p:spPr>
-          <a:xfrm>
-            <a:off x="457200" y="1916832"/>
-            <a:ext cx="8229600" cy="4657704"/>
-          </a:xfrm>
-        </p:spPr>
-        <p:txBody>
-          <a:bodyPr/>
-          <a:lstStyle/>
-          <a:p>
-            <a:r>
-              <a:rPr lang="zh-CN" altLang="en-US" dirty="0"/>
-              <a:t>选择</a:t>
-            </a:r>
-            <a:r>
-              <a:rPr lang="zh-CN" altLang="en-US" dirty="0" smtClean="0"/>
-              <a:t>器的时代来临</a:t>
-            </a:r>
-            <a:endParaRPr lang="en-US" altLang="zh-CN" dirty="0" smtClean="0"/>
-          </a:p>
-          <a:p>
-            <a:pPr lvl="1"/>
-            <a:r>
-              <a:rPr lang="en-US" altLang="zh-CN" dirty="0" smtClean="0"/>
-              <a:t>$(‘#id’) $(‘.class’) $(‘tag’)</a:t>
-            </a:r>
-          </a:p>
-          <a:p>
-            <a:pPr marL="411480" lvl="1" indent="0">
-              <a:buNone/>
-            </a:pPr>
-            <a:endParaRPr lang="en-US" altLang="zh-CN" dirty="0"/>
-          </a:p>
-          <a:p>
-            <a:r>
-              <a:rPr lang="en-US" altLang="zh-CN" dirty="0" smtClean="0"/>
-              <a:t>$</a:t>
-            </a:r>
-            <a:r>
-              <a:rPr lang="zh-CN" altLang="en-US" dirty="0" smtClean="0"/>
-              <a:t>是个什么？</a:t>
-            </a:r>
-            <a:endParaRPr lang="en-US" altLang="zh-CN" dirty="0"/>
-          </a:p>
-          <a:p>
-            <a:pPr lvl="1"/>
-            <a:r>
-              <a:rPr lang="zh-CN" altLang="en-US" dirty="0" smtClean="0"/>
-              <a:t>它是一个</a:t>
-            </a:r>
-            <a:r>
-              <a:rPr lang="en-US" altLang="zh-CN" dirty="0" smtClean="0"/>
-              <a:t>function </a:t>
-            </a:r>
-            <a:r>
-              <a:rPr lang="zh-CN" altLang="en-US" dirty="0" smtClean="0"/>
-              <a:t>，可以传入</a:t>
-            </a:r>
-            <a:r>
-              <a:rPr lang="en-US" altLang="zh-CN" dirty="0" smtClean="0"/>
-              <a:t>selector</a:t>
-            </a:r>
-          </a:p>
-          <a:p>
-            <a:pPr lvl="1"/>
-            <a:r>
-              <a:rPr lang="zh-CN" altLang="en-US" dirty="0" smtClean="0"/>
-              <a:t>它有返回值 返回了一个</a:t>
-            </a:r>
-            <a:r>
-              <a:rPr lang="en-US" altLang="zh-CN" dirty="0" smtClean="0"/>
-              <a:t>object</a:t>
-            </a:r>
-          </a:p>
-          <a:p>
-            <a:pPr lvl="1"/>
-            <a:r>
-              <a:rPr lang="zh-CN" altLang="en-US" dirty="0" smtClean="0"/>
-              <a:t>它是类库的入口</a:t>
-            </a:r>
-            <a:endParaRPr lang="en-US" altLang="zh-CN" dirty="0"/>
-          </a:p>
-          <a:p>
-            <a:pPr lvl="1"/>
-            <a:r>
-              <a:rPr lang="zh-CN" altLang="en-US" dirty="0" smtClean="0"/>
-              <a:t>它是一个</a:t>
-            </a:r>
-            <a:r>
-              <a:rPr lang="en-US" altLang="zh-CN" dirty="0" smtClean="0"/>
-              <a:t>class</a:t>
-            </a:r>
-          </a:p>
-        </p:txBody>
-      </p:sp>
-    </p:spTree>
-    <p:extLst>
-      <p:ext uri="{BB962C8B-B14F-4D97-AF65-F5344CB8AC3E}">
-        <p14:creationId xmlns:p14="http://schemas.microsoft.com/office/powerpoint/2010/main" val="1176992996"/>
-      </p:ext>
-    </p:extLst>
-  </p:cSld>
-  <p:clrMapOvr>
-    <a:masterClrMapping/>
-  </p:clrMapOvr>
-  <p:timing>
-    <p:tnLst>
-      <p:par>
-        <p:cTn id="1" dur="indefinite" restart="never" nodeType="tmRoot"/>
-      </p:par>
-    </p:tnLst>
-  </p:timing>
-</p:sld>
-</file>
-
-<file path=ppt/slides/slide24.xml><?xml version="1.0" encoding="utf-8"?>
-<p:sld xmlns:a="http://schemas.openxmlformats.org/drawingml/2006/main" xmlns:r="http://schemas.openxmlformats.org/officeDocument/2006/relationships" xmlns:p="http://schemas.openxmlformats.org/presentationml/2006/main">
-  <p:cSld>
-    <p:spTree>
-      <p:nvGrpSpPr>
-        <p:cNvPr id="1" name=""/>
-        <p:cNvGrpSpPr/>
-        <p:nvPr/>
-      </p:nvGrpSpPr>
-      <p:grpSpPr>
-        <a:xfrm>
-          <a:off x="0" y="0"/>
-          <a:ext cx="0" cy="0"/>
-          <a:chOff x="0" y="0"/>
-          <a:chExt cx="0" cy="0"/>
-        </a:xfrm>
-      </p:grpSpPr>
-      <p:sp>
-        <p:nvSpPr>
-          <p:cNvPr id="2" name="标题 1"/>
-          <p:cNvSpPr>
-            <a:spLocks noGrp="1"/>
-          </p:cNvSpPr>
-          <p:nvPr>
-            <p:ph type="title"/>
-          </p:nvPr>
-        </p:nvSpPr>
-        <p:spPr>
-          <a:xfrm>
-            <a:off x="467544" y="764704"/>
-            <a:ext cx="8229600" cy="1066800"/>
-          </a:xfrm>
-        </p:spPr>
-        <p:txBody>
-          <a:bodyPr/>
-          <a:lstStyle/>
-          <a:p>
-            <a:r>
-              <a:rPr lang="zh-CN" altLang="en-US" dirty="0" smtClean="0">
-                <a:latin typeface="Adobe 黑体 Std R" pitchFamily="34" charset="-122"/>
-                <a:ea typeface="Adobe 黑体 Std R" pitchFamily="34" charset="-122"/>
-              </a:rPr>
-              <a:t>怎样实现</a:t>
-            </a:r>
-            <a:r>
-              <a:rPr lang="en-US" altLang="zh-CN" dirty="0" smtClean="0">
-                <a:latin typeface="Adobe 黑体 Std R" pitchFamily="34" charset="-122"/>
-                <a:ea typeface="Adobe 黑体 Std R" pitchFamily="34" charset="-122"/>
-              </a:rPr>
-              <a:t>$</a:t>
-            </a:r>
-            <a:endParaRPr lang="zh-CN" altLang="en-US" dirty="0">
-              <a:latin typeface="Adobe 黑体 Std R" pitchFamily="34" charset="-122"/>
-              <a:ea typeface="Adobe 黑体 Std R" pitchFamily="34" charset="-122"/>
-            </a:endParaRPr>
-          </a:p>
-        </p:txBody>
-      </p:sp>
-      <p:sp>
-        <p:nvSpPr>
-          <p:cNvPr id="5" name="内容占位符 4"/>
-          <p:cNvSpPr>
-            <a:spLocks noGrp="1"/>
-          </p:cNvSpPr>
-          <p:nvPr>
-            <p:ph idx="1"/>
-          </p:nvPr>
-        </p:nvSpPr>
-        <p:spPr>
-          <a:xfrm>
-            <a:off x="457200" y="1916832"/>
-            <a:ext cx="8229600" cy="4657704"/>
-          </a:xfrm>
-        </p:spPr>
-        <p:txBody>
-          <a:bodyPr/>
-          <a:lstStyle/>
-          <a:p>
-            <a:r>
-              <a:rPr lang="en-US" altLang="zh-CN" dirty="0" smtClean="0"/>
-              <a:t>var $ = function(){ </a:t>
-            </a:r>
-          </a:p>
-          <a:p>
-            <a:pPr lvl="1"/>
-            <a:endParaRPr lang="en-US" altLang="zh-CN" dirty="0"/>
-          </a:p>
-          <a:p>
-            <a:r>
-              <a:rPr lang="en-US" altLang="zh-CN" dirty="0" smtClean="0"/>
-              <a:t>}</a:t>
-            </a:r>
-          </a:p>
-          <a:p>
-            <a:pPr>
-              <a:lnSpc>
-                <a:spcPct val="150000"/>
-              </a:lnSpc>
-            </a:pPr>
-            <a:r>
-              <a:rPr lang="zh-CN" altLang="en-US" dirty="0"/>
-              <a:t>两</a:t>
-            </a:r>
-            <a:r>
-              <a:rPr lang="zh-CN" altLang="en-US" dirty="0" smtClean="0"/>
-              <a:t>种方式：</a:t>
-            </a:r>
-            <a:endParaRPr lang="en-US" altLang="zh-CN" dirty="0" smtClean="0"/>
-          </a:p>
-          <a:p>
-            <a:pPr lvl="1">
-              <a:lnSpc>
-                <a:spcPct val="150000"/>
-              </a:lnSpc>
-            </a:pPr>
-            <a:r>
-              <a:rPr lang="zh-CN" altLang="en-US" dirty="0"/>
-              <a:t>返</a:t>
-            </a:r>
-            <a:r>
-              <a:rPr lang="zh-CN" altLang="en-US" dirty="0" smtClean="0"/>
-              <a:t>回一个</a:t>
-            </a:r>
-            <a:r>
-              <a:rPr lang="en-US" altLang="zh-CN" dirty="0" smtClean="0"/>
-              <a:t>$</a:t>
-            </a:r>
-            <a:r>
-              <a:rPr lang="zh-CN" altLang="en-US" dirty="0" smtClean="0"/>
-              <a:t>的实例 即</a:t>
-            </a:r>
-            <a:r>
-              <a:rPr lang="en-US" altLang="zh-CN" dirty="0" smtClean="0"/>
-              <a:t>return new $()</a:t>
-            </a:r>
-            <a:r>
-              <a:rPr lang="zh-CN" altLang="en-US" dirty="0" smtClean="0"/>
-              <a:t>，在</a:t>
-            </a:r>
-            <a:r>
-              <a:rPr lang="en-US" altLang="zh-CN" dirty="0" smtClean="0"/>
-              <a:t>$</a:t>
-            </a:r>
-            <a:r>
-              <a:rPr lang="zh-CN" altLang="en-US" dirty="0" smtClean="0"/>
-              <a:t>这个类的原形中添加</a:t>
-            </a:r>
-            <a:r>
-              <a:rPr lang="en-US" altLang="zh-CN" dirty="0" smtClean="0"/>
-              <a:t>dom</a:t>
-            </a:r>
-            <a:r>
-              <a:rPr lang="zh-CN" altLang="en-US" dirty="0" smtClean="0"/>
-              <a:t>操作方法 </a:t>
-            </a:r>
-            <a:r>
-              <a:rPr lang="en-US" altLang="zh-CN" dirty="0" smtClean="0"/>
-              <a:t>——</a:t>
-            </a:r>
-            <a:r>
-              <a:rPr lang="zh-CN" altLang="en-US" dirty="0" smtClean="0"/>
-              <a:t>类</a:t>
-            </a:r>
-            <a:r>
-              <a:rPr lang="en-US" altLang="zh-CN" dirty="0" smtClean="0"/>
-              <a:t>jquery</a:t>
-            </a:r>
-            <a:r>
-              <a:rPr lang="zh-CN" altLang="en-US" dirty="0" smtClean="0"/>
-              <a:t>方法</a:t>
-            </a:r>
-            <a:endParaRPr lang="en-US" altLang="zh-CN" dirty="0" smtClean="0"/>
-          </a:p>
-          <a:p>
-            <a:pPr lvl="1">
-              <a:lnSpc>
-                <a:spcPct val="150000"/>
-              </a:lnSpc>
-            </a:pPr>
-            <a:r>
-              <a:rPr lang="zh-CN" altLang="en-US" dirty="0"/>
-              <a:t>返</a:t>
-            </a:r>
-            <a:r>
-              <a:rPr lang="zh-CN" altLang="en-US" dirty="0" smtClean="0"/>
-              <a:t>回</a:t>
-            </a:r>
-            <a:r>
-              <a:rPr lang="en-US" altLang="zh-CN" dirty="0" smtClean="0"/>
-              <a:t>dom</a:t>
-            </a:r>
-            <a:r>
-              <a:rPr lang="zh-CN" altLang="en-US" dirty="0" smtClean="0"/>
-              <a:t>对象 ，在</a:t>
-            </a:r>
-            <a:r>
-              <a:rPr lang="en-US" altLang="zh-CN" dirty="0" smtClean="0"/>
-              <a:t>DOM</a:t>
-            </a:r>
-            <a:r>
-              <a:rPr lang="zh-CN" altLang="en-US" dirty="0" smtClean="0"/>
-              <a:t>类的原形中添加</a:t>
-            </a:r>
-            <a:r>
-              <a:rPr lang="en-US" altLang="zh-CN" dirty="0" smtClean="0"/>
-              <a:t>dom</a:t>
-            </a:r>
-            <a:r>
-              <a:rPr lang="zh-CN" altLang="en-US" dirty="0" smtClean="0"/>
-              <a:t>操作方法</a:t>
-            </a:r>
-            <a:r>
-              <a:rPr lang="en-US" altLang="zh-CN" dirty="0" smtClean="0"/>
-              <a:t>——</a:t>
-            </a:r>
-            <a:r>
-              <a:rPr lang="zh-CN" altLang="en-US" dirty="0" smtClean="0"/>
-              <a:t>类</a:t>
-            </a:r>
-            <a:r>
-              <a:rPr lang="en-US" altLang="zh-CN" dirty="0" smtClean="0"/>
-              <a:t>Prototype</a:t>
-            </a:r>
-            <a:r>
-              <a:rPr lang="zh-CN" altLang="en-US" dirty="0" smtClean="0"/>
-              <a:t>方法</a:t>
-            </a:r>
-            <a:endParaRPr lang="zh-CN" altLang="en-US" dirty="0"/>
-          </a:p>
-        </p:txBody>
-      </p:sp>
-    </p:spTree>
-    <p:extLst>
-      <p:ext uri="{BB962C8B-B14F-4D97-AF65-F5344CB8AC3E}">
-        <p14:creationId xmlns:p14="http://schemas.microsoft.com/office/powerpoint/2010/main" val="117102412"/>
       </p:ext>
     </p:extLst>
   </p:cSld>
@@ -30117,18 +29273,18 @@
           <a:lstStyle/>
           <a:p>
             <a:r>
-              <a:rPr lang="zh-CN" altLang="en-US" dirty="0">
-                <a:latin typeface="Adobe 黑体 Std R" pitchFamily="34" charset="-122"/>
-                <a:ea typeface="Adobe 黑体 Std R" pitchFamily="34" charset="-122"/>
-              </a:rPr>
-              <a:t>两</a:t>
-            </a:r>
-            <a:r>
               <a:rPr lang="zh-CN" altLang="en-US" dirty="0" smtClean="0">
                 <a:latin typeface="Adobe 黑体 Std R" pitchFamily="34" charset="-122"/>
                 <a:ea typeface="Adobe 黑体 Std R" pitchFamily="34" charset="-122"/>
               </a:rPr>
-              <a:t>种方法的优缺点</a:t>
+              <a:t>神奇的</a:t>
+            </a:r>
+            <a:r>
+              <a:rPr lang="en-US" altLang="zh-CN" dirty="0" smtClean="0">
+                <a:latin typeface="Adobe 黑体 Std R" pitchFamily="34" charset="-122"/>
+                <a:ea typeface="Adobe 黑体 Std R" pitchFamily="34" charset="-122"/>
+              </a:rPr>
+              <a:t>$</a:t>
             </a:r>
             <a:endParaRPr lang="zh-CN" altLang="en-US" dirty="0">
               <a:latin typeface="Adobe 黑体 Std R" pitchFamily="34" charset="-122"/>
@@ -30158,96 +29314,94 @@
           <a:lstStyle/>
           <a:p>
             <a:r>
-              <a:rPr lang="en-US" altLang="zh-CN" dirty="0" smtClean="0"/>
-              <a:t>Jquery:</a:t>
-            </a:r>
-          </a:p>
-          <a:p>
-            <a:pPr lvl="1"/>
-            <a:r>
               <a:rPr lang="zh-CN" altLang="en-US" dirty="0"/>
-              <a:t>构</a:t>
+              <a:t>选择</a:t>
             </a:r>
             <a:r>
               <a:rPr lang="zh-CN" altLang="en-US" dirty="0" smtClean="0"/>
-              <a:t>造了一个新的类，所有方法都绑定到这个类中，我们在</a:t>
-            </a:r>
-            <a:r>
-              <a:rPr lang="en-US" altLang="zh-CN" dirty="0" smtClean="0"/>
-              <a:t>jquery</a:t>
-            </a:r>
-            <a:r>
-              <a:rPr lang="zh-CN" altLang="en-US" dirty="0" smtClean="0"/>
-              <a:t>中的所有操作 都在操作</a:t>
-            </a:r>
-            <a:r>
-              <a:rPr lang="en-US" altLang="zh-CN" dirty="0" smtClean="0"/>
-              <a:t>$ -- </a:t>
-            </a:r>
-            <a:r>
-              <a:rPr lang="zh-CN" altLang="en-US" dirty="0" smtClean="0"/>
-              <a:t>直接导致类太庞大。</a:t>
+              <a:t>器的时代来临</a:t>
             </a:r>
             <a:endParaRPr lang="en-US" altLang="zh-CN" dirty="0" smtClean="0"/>
           </a:p>
           <a:p>
             <a:pPr lvl="1"/>
             <a:r>
-              <a:rPr lang="zh-CN" altLang="en-US" dirty="0"/>
-              <a:t>稳</a:t>
-            </a:r>
-            <a:r>
-              <a:rPr lang="zh-CN" altLang="en-US" dirty="0" smtClean="0"/>
-              <a:t>定性，不管</a:t>
-            </a:r>
-            <a:r>
               <a:rPr lang="en-US" altLang="zh-CN" dirty="0" smtClean="0"/>
-              <a:t>DOM</a:t>
-            </a:r>
-            <a:r>
-              <a:rPr lang="zh-CN" altLang="en-US" dirty="0"/>
-              <a:t>怎</a:t>
-            </a:r>
-            <a:r>
-              <a:rPr lang="zh-CN" altLang="en-US" dirty="0" smtClean="0"/>
-              <a:t>么升级，</a:t>
-            </a:r>
+              <a:t>$(‘#id’) $(‘.class’) $(‘tag’)</a:t>
+            </a:r>
+          </a:p>
+          <a:p>
+            <a:pPr marL="411480" lvl="1" indent="0">
+              <a:buNone/>
+            </a:pPr>
+            <a:endParaRPr lang="en-US" altLang="zh-CN" dirty="0"/>
+          </a:p>
+          <a:p>
             <a:r>
               <a:rPr lang="en-US" altLang="zh-CN" dirty="0" smtClean="0"/>
               <a:t>$</a:t>
             </a:r>
             <a:r>
               <a:rPr lang="zh-CN" altLang="en-US" dirty="0" smtClean="0"/>
-              <a:t>依然是自己的，里面的方法都能用。</a:t>
-            </a:r>
-            <a:endParaRPr lang="en-US" altLang="zh-CN" dirty="0" smtClean="0"/>
+              <a:t>是个什么？</a:t>
+            </a:r>
+            <a:endParaRPr lang="en-US" altLang="zh-CN" dirty="0"/>
           </a:p>
           <a:p>
             <a:pPr lvl="1"/>
             <a:r>
-              <a:rPr lang="zh-CN" altLang="en-US" dirty="0"/>
-              <a:t>不</a:t>
-            </a:r>
-            <a:r>
               <a:rPr lang="zh-CN" altLang="en-US" dirty="0" smtClean="0"/>
-              <a:t>怕污染 ，想扩展</a:t>
+              <a:t>它是一个</a:t>
             </a:r>
             <a:r>
               <a:rPr lang="en-US" altLang="zh-CN" dirty="0" smtClean="0"/>
-              <a:t>$.extend</a:t>
+              <a:t>function </a:t>
             </a:r>
             <a:r>
               <a:rPr lang="zh-CN" altLang="en-US" dirty="0" smtClean="0"/>
-              <a:t>搞定。</a:t>
-            </a:r>
-            <a:endParaRPr lang="en-US" altLang="zh-CN" dirty="0" smtClean="0"/>
+              <a:t>，可以传入</a:t>
+            </a:r>
+            <a:r>
+              <a:rPr lang="en-US" altLang="zh-CN" dirty="0" smtClean="0"/>
+              <a:t>selector</a:t>
+            </a:r>
+          </a:p>
+          <a:p>
+            <a:pPr lvl="1"/>
+            <a:r>
+              <a:rPr lang="zh-CN" altLang="en-US" dirty="0" smtClean="0"/>
+              <a:t>它有返回值 返回了一个</a:t>
+            </a:r>
+            <a:r>
+              <a:rPr lang="en-US" altLang="zh-CN" dirty="0" smtClean="0"/>
+              <a:t>object</a:t>
+            </a:r>
+          </a:p>
+          <a:p>
+            <a:pPr lvl="1"/>
+            <a:r>
+              <a:rPr lang="zh-CN" altLang="en-US" dirty="0" smtClean="0"/>
+              <a:t>它是类库的入口</a:t>
+            </a:r>
+            <a:endParaRPr lang="en-US" altLang="zh-CN" dirty="0"/>
+          </a:p>
+          <a:p>
+            <a:pPr lvl="1"/>
+            <a:r>
+              <a:rPr lang="zh-CN" altLang="en-US" dirty="0" smtClean="0"/>
+              <a:t>它是一个</a:t>
+            </a:r>
+            <a:r>
+              <a:rPr lang="en-US" altLang="zh-CN" dirty="0" smtClean="0"/>
+              <a:t>class</a:t>
+            </a:r>
           </a:p>
         </p:txBody>
       </p:sp>
     </p:spTree>
     <p:extLst>
       <p:ext uri="{BB962C8B-B14F-4D97-AF65-F5344CB8AC3E}">
-        <p14:creationId xmlns:p14="http://schemas.microsoft.com/office/powerpoint/2010/main" val="1984787503"/>
+        <p14:creationId xmlns:p14="http://schemas.microsoft.com/office/powerpoint/2010/main" val="1176992996"/>
       </p:ext>
     </p:extLst>
   </p:cSld>
@@ -30293,6 +29447,442 @@
         </p:nvSpPr>
         <p:spPr>
           <a:xfrm>
+            <a:off x="467544" y="764704"/>
+            <a:ext cx="8229600" cy="1066800"/>
+          </a:xfrm>
+        </p:spPr>
+        <p:txBody>
+          <a:bodyPr/>
+          <a:lstStyle/>
+          <a:p>
+            <a:r>
+              <a:rPr lang="zh-CN" altLang="en-US" dirty="0" smtClean="0">
+                <a:latin typeface="Adobe 黑体 Std R" pitchFamily="34" charset="-122"/>
+                <a:ea typeface="Adobe 黑体 Std R" pitchFamily="34" charset="-122"/>
+              </a:rPr>
+              <a:t>怎样实现</a:t>
+            </a:r>
+            <a:r>
+              <a:rPr lang="en-US" altLang="zh-CN" dirty="0" smtClean="0">
+                <a:latin typeface="Adobe 黑体 Std R" pitchFamily="34" charset="-122"/>
+                <a:ea typeface="Adobe 黑体 Std R" pitchFamily="34" charset="-122"/>
+              </a:rPr>
+              <a:t>$</a:t>
+            </a:r>
+            <a:endParaRPr lang="zh-CN" altLang="en-US" dirty="0">
+              <a:latin typeface="Adobe 黑体 Std R" pitchFamily="34" charset="-122"/>
+              <a:ea typeface="Adobe 黑体 Std R" pitchFamily="34" charset="-122"/>
+            </a:endParaRPr>
+          </a:p>
+        </p:txBody>
+      </p:sp>
+      <p:sp>
+        <p:nvSpPr>
+          <p:cNvPr id="5" name="内容占位符 4"/>
+          <p:cNvSpPr>
+            <a:spLocks noGrp="1"/>
+          </p:cNvSpPr>
+          <p:nvPr>
+            <p:ph idx="1"/>
+          </p:nvPr>
+        </p:nvSpPr>
+        <p:spPr>
+          <a:xfrm>
+            <a:off x="457200" y="1916832"/>
+            <a:ext cx="8229600" cy="4657704"/>
+          </a:xfrm>
+        </p:spPr>
+        <p:txBody>
+          <a:bodyPr/>
+          <a:lstStyle/>
+          <a:p>
+            <a:r>
+              <a:rPr lang="en-US" altLang="zh-CN" dirty="0" smtClean="0"/>
+              <a:t>var $ = function(){ </a:t>
+            </a:r>
+          </a:p>
+          <a:p>
+            <a:pPr lvl="1"/>
+            <a:endParaRPr lang="en-US" altLang="zh-CN" dirty="0"/>
+          </a:p>
+          <a:p>
+            <a:r>
+              <a:rPr lang="en-US" altLang="zh-CN" dirty="0" smtClean="0"/>
+              <a:t>}</a:t>
+            </a:r>
+          </a:p>
+          <a:p>
+            <a:pPr>
+              <a:lnSpc>
+                <a:spcPct val="150000"/>
+              </a:lnSpc>
+            </a:pPr>
+            <a:r>
+              <a:rPr lang="zh-CN" altLang="en-US" dirty="0"/>
+              <a:t>两</a:t>
+            </a:r>
+            <a:r>
+              <a:rPr lang="zh-CN" altLang="en-US" dirty="0" smtClean="0"/>
+              <a:t>种方式：</a:t>
+            </a:r>
+            <a:endParaRPr lang="en-US" altLang="zh-CN" dirty="0" smtClean="0"/>
+          </a:p>
+          <a:p>
+            <a:pPr lvl="1">
+              <a:lnSpc>
+                <a:spcPct val="150000"/>
+              </a:lnSpc>
+            </a:pPr>
+            <a:r>
+              <a:rPr lang="zh-CN" altLang="en-US" dirty="0"/>
+              <a:t>返</a:t>
+            </a:r>
+            <a:r>
+              <a:rPr lang="zh-CN" altLang="en-US" dirty="0" smtClean="0"/>
+              <a:t>回一个</a:t>
+            </a:r>
+            <a:r>
+              <a:rPr lang="en-US" altLang="zh-CN" dirty="0" smtClean="0"/>
+              <a:t>$</a:t>
+            </a:r>
+            <a:r>
+              <a:rPr lang="zh-CN" altLang="en-US" dirty="0" smtClean="0"/>
+              <a:t>的实例 即</a:t>
+            </a:r>
+            <a:r>
+              <a:rPr lang="en-US" altLang="zh-CN" dirty="0" smtClean="0"/>
+              <a:t>return new $()</a:t>
+            </a:r>
+            <a:r>
+              <a:rPr lang="zh-CN" altLang="en-US" dirty="0" smtClean="0"/>
+              <a:t>，在</a:t>
+            </a:r>
+            <a:r>
+              <a:rPr lang="en-US" altLang="zh-CN" dirty="0" smtClean="0"/>
+              <a:t>$</a:t>
+            </a:r>
+            <a:r>
+              <a:rPr lang="zh-CN" altLang="en-US" dirty="0" smtClean="0"/>
+              <a:t>这个类的原形中添加</a:t>
+            </a:r>
+            <a:r>
+              <a:rPr lang="en-US" altLang="zh-CN" dirty="0" smtClean="0"/>
+              <a:t>dom</a:t>
+            </a:r>
+            <a:r>
+              <a:rPr lang="zh-CN" altLang="en-US" dirty="0" smtClean="0"/>
+              <a:t>操作方法 </a:t>
+            </a:r>
+            <a:r>
+              <a:rPr lang="en-US" altLang="zh-CN" dirty="0" smtClean="0"/>
+              <a:t>——</a:t>
+            </a:r>
+            <a:r>
+              <a:rPr lang="zh-CN" altLang="en-US" dirty="0" smtClean="0"/>
+              <a:t>类</a:t>
+            </a:r>
+            <a:r>
+              <a:rPr lang="en-US" altLang="zh-CN" dirty="0" smtClean="0"/>
+              <a:t>jquery</a:t>
+            </a:r>
+            <a:r>
+              <a:rPr lang="zh-CN" altLang="en-US" dirty="0" smtClean="0"/>
+              <a:t>方法</a:t>
+            </a:r>
+            <a:endParaRPr lang="en-US" altLang="zh-CN" dirty="0" smtClean="0"/>
+          </a:p>
+          <a:p>
+            <a:pPr lvl="1">
+              <a:lnSpc>
+                <a:spcPct val="150000"/>
+              </a:lnSpc>
+            </a:pPr>
+            <a:r>
+              <a:rPr lang="zh-CN" altLang="en-US" dirty="0"/>
+              <a:t>返</a:t>
+            </a:r>
+            <a:r>
+              <a:rPr lang="zh-CN" altLang="en-US" dirty="0" smtClean="0"/>
+              <a:t>回</a:t>
+            </a:r>
+            <a:r>
+              <a:rPr lang="en-US" altLang="zh-CN" dirty="0" smtClean="0"/>
+              <a:t>dom</a:t>
+            </a:r>
+            <a:r>
+              <a:rPr lang="zh-CN" altLang="en-US" dirty="0" smtClean="0"/>
+              <a:t>对象 ，在</a:t>
+            </a:r>
+            <a:r>
+              <a:rPr lang="en-US" altLang="zh-CN" dirty="0" smtClean="0"/>
+              <a:t>DOM</a:t>
+            </a:r>
+            <a:r>
+              <a:rPr lang="zh-CN" altLang="en-US" dirty="0" smtClean="0"/>
+              <a:t>类的原形中添加</a:t>
+            </a:r>
+            <a:r>
+              <a:rPr lang="en-US" altLang="zh-CN" dirty="0" smtClean="0"/>
+              <a:t>dom</a:t>
+            </a:r>
+            <a:r>
+              <a:rPr lang="zh-CN" altLang="en-US" dirty="0" smtClean="0"/>
+              <a:t>操作方法</a:t>
+            </a:r>
+            <a:r>
+              <a:rPr lang="en-US" altLang="zh-CN" dirty="0" smtClean="0"/>
+              <a:t>——</a:t>
+            </a:r>
+            <a:r>
+              <a:rPr lang="zh-CN" altLang="en-US" dirty="0" smtClean="0"/>
+              <a:t>类</a:t>
+            </a:r>
+            <a:r>
+              <a:rPr lang="en-US" altLang="zh-CN" dirty="0" smtClean="0"/>
+              <a:t>Prototype</a:t>
+            </a:r>
+            <a:r>
+              <a:rPr lang="zh-CN" altLang="en-US" dirty="0" smtClean="0"/>
+              <a:t>方法</a:t>
+            </a:r>
+            <a:endParaRPr lang="zh-CN" altLang="en-US" dirty="0"/>
+          </a:p>
+        </p:txBody>
+      </p:sp>
+    </p:spTree>
+    <p:extLst>
+      <p:ext uri="{BB962C8B-B14F-4D97-AF65-F5344CB8AC3E}">
+        <p14:creationId xmlns:p14="http://schemas.microsoft.com/office/powerpoint/2010/main" val="117102412"/>
+      </p:ext>
+    </p:extLst>
+  </p:cSld>
+  <p:clrMapOvr>
+    <a:masterClrMapping/>
+  </p:clrMapOvr>
+  <p:timing>
+    <p:tnLst>
+      <p:par>
+        <p:cTn id="1" dur="indefinite" restart="never" nodeType="tmRoot"/>
+      </p:par>
+    </p:tnLst>
+  </p:timing>
+</p:sld>
+</file>
+
+<file path=ppt/slides/slide27.xml><?xml version="1.0" encoding="utf-8"?>
+<p:sld xmlns:a="http://schemas.openxmlformats.org/drawingml/2006/main" xmlns:r="http://schemas.openxmlformats.org/officeDocument/2006/relationships" xmlns:p="http://schemas.openxmlformats.org/presentationml/2006/main">
+  <p:cSld>
+    <p:spTree>
+      <p:nvGrpSpPr>
+        <p:cNvPr id="1" name=""/>
+        <p:cNvGrpSpPr/>
+        <p:nvPr/>
+      </p:nvGrpSpPr>
+      <p:grpSpPr>
+        <a:xfrm>
+          <a:off x="0" y="0"/>
+          <a:ext cx="0" cy="0"/>
+          <a:chOff x="0" y="0"/>
+          <a:chExt cx="0" cy="0"/>
+        </a:xfrm>
+      </p:grpSpPr>
+      <p:sp>
+        <p:nvSpPr>
+          <p:cNvPr id="2" name="标题 1"/>
+          <p:cNvSpPr>
+            <a:spLocks noGrp="1"/>
+          </p:cNvSpPr>
+          <p:nvPr>
+            <p:ph type="title"/>
+          </p:nvPr>
+        </p:nvSpPr>
+        <p:spPr>
+          <a:xfrm>
+            <a:off x="467544" y="764704"/>
+            <a:ext cx="8229600" cy="1066800"/>
+          </a:xfrm>
+        </p:spPr>
+        <p:txBody>
+          <a:bodyPr/>
+          <a:lstStyle/>
+          <a:p>
+            <a:r>
+              <a:rPr lang="zh-CN" altLang="en-US" dirty="0">
+                <a:latin typeface="Adobe 黑体 Std R" pitchFamily="34" charset="-122"/>
+                <a:ea typeface="Adobe 黑体 Std R" pitchFamily="34" charset="-122"/>
+              </a:rPr>
+              <a:t>两</a:t>
+            </a:r>
+            <a:r>
+              <a:rPr lang="zh-CN" altLang="en-US" dirty="0" smtClean="0">
+                <a:latin typeface="Adobe 黑体 Std R" pitchFamily="34" charset="-122"/>
+                <a:ea typeface="Adobe 黑体 Std R" pitchFamily="34" charset="-122"/>
+              </a:rPr>
+              <a:t>种方法的优缺点</a:t>
+            </a:r>
+            <a:endParaRPr lang="zh-CN" altLang="en-US" dirty="0">
+              <a:latin typeface="Adobe 黑体 Std R" pitchFamily="34" charset="-122"/>
+              <a:ea typeface="Adobe 黑体 Std R" pitchFamily="34" charset="-122"/>
+            </a:endParaRPr>
+          </a:p>
+        </p:txBody>
+      </p:sp>
+      <p:sp>
+        <p:nvSpPr>
+          <p:cNvPr id="3" name="内容占位符 2"/>
+          <p:cNvSpPr>
+            <a:spLocks noGrp="1"/>
+          </p:cNvSpPr>
+          <p:nvPr>
+            <p:ph idx="1"/>
+          </p:nvPr>
+        </p:nvSpPr>
+        <p:spPr>
+          <a:xfrm>
+            <a:off x="457200" y="1916832"/>
+            <a:ext cx="8229600" cy="4657704"/>
+          </a:xfrm>
+        </p:spPr>
+        <p:txBody>
+          <a:bodyPr/>
+          <a:lstStyle/>
+          <a:p>
+            <a:r>
+              <a:rPr lang="en-US" altLang="zh-CN" dirty="0" smtClean="0"/>
+              <a:t>Jquery:</a:t>
+            </a:r>
+          </a:p>
+          <a:p>
+            <a:pPr lvl="1"/>
+            <a:r>
+              <a:rPr lang="zh-CN" altLang="en-US" dirty="0"/>
+              <a:t>构</a:t>
+            </a:r>
+            <a:r>
+              <a:rPr lang="zh-CN" altLang="en-US" dirty="0" smtClean="0"/>
+              <a:t>造了一个新的类，所有方法都绑定到这个类中，我们在</a:t>
+            </a:r>
+            <a:r>
+              <a:rPr lang="en-US" altLang="zh-CN" dirty="0" smtClean="0"/>
+              <a:t>jquery</a:t>
+            </a:r>
+            <a:r>
+              <a:rPr lang="zh-CN" altLang="en-US" dirty="0" smtClean="0"/>
+              <a:t>中的所有操作 都在操作</a:t>
+            </a:r>
+            <a:r>
+              <a:rPr lang="en-US" altLang="zh-CN" dirty="0" smtClean="0"/>
+              <a:t>$ -- </a:t>
+            </a:r>
+            <a:r>
+              <a:rPr lang="zh-CN" altLang="en-US" dirty="0" smtClean="0"/>
+              <a:t>直接导致类太庞大。</a:t>
+            </a:r>
+            <a:endParaRPr lang="en-US" altLang="zh-CN" dirty="0" smtClean="0"/>
+          </a:p>
+          <a:p>
+            <a:pPr lvl="1"/>
+            <a:r>
+              <a:rPr lang="zh-CN" altLang="en-US" dirty="0"/>
+              <a:t>稳</a:t>
+            </a:r>
+            <a:r>
+              <a:rPr lang="zh-CN" altLang="en-US" dirty="0" smtClean="0"/>
+              <a:t>定性，不管</a:t>
+            </a:r>
+            <a:r>
+              <a:rPr lang="en-US" altLang="zh-CN" dirty="0" smtClean="0"/>
+              <a:t>DOM</a:t>
+            </a:r>
+            <a:r>
+              <a:rPr lang="zh-CN" altLang="en-US" dirty="0"/>
+              <a:t>怎</a:t>
+            </a:r>
+            <a:r>
+              <a:rPr lang="zh-CN" altLang="en-US" dirty="0" smtClean="0"/>
+              <a:t>么升级，</a:t>
+            </a:r>
+            <a:r>
+              <a:rPr lang="en-US" altLang="zh-CN" dirty="0" smtClean="0"/>
+              <a:t>$</a:t>
+            </a:r>
+            <a:r>
+              <a:rPr lang="zh-CN" altLang="en-US" dirty="0" smtClean="0"/>
+              <a:t>依然是自己的，里面的方法都能用。</a:t>
+            </a:r>
+            <a:endParaRPr lang="en-US" altLang="zh-CN" dirty="0" smtClean="0"/>
+          </a:p>
+          <a:p>
+            <a:pPr lvl="1"/>
+            <a:r>
+              <a:rPr lang="zh-CN" altLang="en-US" dirty="0"/>
+              <a:t>不</a:t>
+            </a:r>
+            <a:r>
+              <a:rPr lang="zh-CN" altLang="en-US" dirty="0" smtClean="0"/>
+              <a:t>怕污染 ，想扩展</a:t>
+            </a:r>
+            <a:r>
+              <a:rPr lang="en-US" altLang="zh-CN" dirty="0" smtClean="0"/>
+              <a:t>$.extend</a:t>
+            </a:r>
+            <a:r>
+              <a:rPr lang="zh-CN" altLang="en-US" dirty="0" smtClean="0"/>
+              <a:t>搞定。</a:t>
+            </a:r>
+            <a:endParaRPr lang="en-US" altLang="zh-CN" dirty="0" smtClean="0"/>
+          </a:p>
+        </p:txBody>
+      </p:sp>
+    </p:spTree>
+    <p:extLst>
+      <p:ext uri="{BB962C8B-B14F-4D97-AF65-F5344CB8AC3E}">
+        <p14:creationId xmlns:p14="http://schemas.microsoft.com/office/powerpoint/2010/main" val="1984787503"/>
+      </p:ext>
+    </p:extLst>
+  </p:cSld>
+  <p:clrMapOvr>
+    <a:masterClrMapping/>
+  </p:clrMapOvr>
+  <p:timing>
+    <p:tnLst>
+      <p:par>
+        <p:cTn id="1" dur="indefinite" restart="never" nodeType="tmRoot"/>
+      </p:par>
+    </p:tnLst>
+  </p:timing>
+</p:sld>
+</file>
+
+<file path=ppt/slides/slide28.xml><?xml version="1.0" encoding="utf-8"?>
+<p:sld xmlns:a="http://schemas.openxmlformats.org/drawingml/2006/main" xmlns:r="http://schemas.openxmlformats.org/officeDocument/2006/relationships" xmlns:p="http://schemas.openxmlformats.org/presentationml/2006/main">
+  <p:cSld>
+    <p:spTree>
+      <p:nvGrpSpPr>
+        <p:cNvPr id="1" name=""/>
+        <p:cNvGrpSpPr/>
+        <p:nvPr/>
+      </p:nvGrpSpPr>
+      <p:grpSpPr>
+        <a:xfrm>
+          <a:off x="0" y="0"/>
+          <a:ext cx="0" cy="0"/>
+          <a:chOff x="0" y="0"/>
+          <a:chExt cx="0" cy="0"/>
+        </a:xfrm>
+      </p:grpSpPr>
+      <p:sp>
+        <p:nvSpPr>
+          <p:cNvPr id="2" name="标题 1"/>
+          <p:cNvSpPr>
+            <a:spLocks noGrp="1"/>
+          </p:cNvSpPr>
+          <p:nvPr>
+            <p:ph type="title"/>
+          </p:nvPr>
+        </p:nvSpPr>
+        <p:spPr>
+          <a:xfrm>
             <a:off x="457200" y="908720"/>
             <a:ext cx="8229600" cy="1066800"/>
           </a:xfrm>
@@ -30504,7 +30094,7 @@
 </p:sld>
 </file>
 
-<file path=ppt/slides/slide27.xml><?xml version="1.0" encoding="utf-8"?>
+<file path=ppt/slides/slide29.xml><?xml version="1.0" encoding="utf-8"?>
 <p:sld xmlns:a="http://schemas.openxmlformats.org/drawingml/2006/main" xmlns:r="http://schemas.openxmlformats.org/officeDocument/2006/relationships" xmlns:p="http://schemas.openxmlformats.org/presentationml/2006/main">
   <p:cSld>
     <p:spTree>
@@ -30575,6 +30165,662 @@
 </file>
 
 <file path=ppt/slides/slide3.xml><?xml version="1.0" encoding="utf-8"?>
+<p:sld xmlns:a="http://schemas.openxmlformats.org/drawingml/2006/main" xmlns:r="http://schemas.openxmlformats.org/officeDocument/2006/relationships" xmlns:p="http://schemas.openxmlformats.org/presentationml/2006/main">
+  <p:cSld>
+    <p:spTree>
+      <p:nvGrpSpPr>
+        <p:cNvPr id="1" name=""/>
+        <p:cNvGrpSpPr/>
+        <p:nvPr/>
+      </p:nvGrpSpPr>
+      <p:grpSpPr>
+        <a:xfrm>
+          <a:off x="0" y="0"/>
+          <a:ext cx="0" cy="0"/>
+          <a:chOff x="0" y="0"/>
+          <a:chExt cx="0" cy="0"/>
+        </a:xfrm>
+      </p:grpSpPr>
+      <p:sp>
+        <p:nvSpPr>
+          <p:cNvPr id="2" name="标题 1"/>
+          <p:cNvSpPr>
+            <a:spLocks noGrp="1"/>
+          </p:cNvSpPr>
+          <p:nvPr>
+            <p:ph type="title"/>
+          </p:nvPr>
+        </p:nvSpPr>
+        <p:spPr>
+          <a:xfrm>
+            <a:off x="457200" y="764704"/>
+            <a:ext cx="8229600" cy="1066800"/>
+          </a:xfrm>
+        </p:spPr>
+        <p:txBody>
+          <a:bodyPr/>
+          <a:lstStyle/>
+          <a:p>
+            <a:r>
+              <a:rPr lang="en-US" altLang="zh-CN" dirty="0" smtClean="0"/>
+              <a:t>What is DOM	</a:t>
+            </a:r>
+            <a:endParaRPr lang="zh-CN" altLang="en-US" dirty="0"/>
+          </a:p>
+        </p:txBody>
+      </p:sp>
+      <p:sp>
+        <p:nvSpPr>
+          <p:cNvPr id="3" name="内容占位符 2"/>
+          <p:cNvSpPr>
+            <a:spLocks noGrp="1"/>
+          </p:cNvSpPr>
+          <p:nvPr>
+            <p:ph idx="1"/>
+          </p:nvPr>
+        </p:nvSpPr>
+        <p:spPr>
+          <a:xfrm>
+            <a:off x="457200" y="1772816"/>
+            <a:ext cx="8229600" cy="2448272"/>
+          </a:xfrm>
+        </p:spPr>
+        <p:txBody>
+          <a:bodyPr>
+            <a:normAutofit/>
+          </a:bodyPr>
+          <a:lstStyle/>
+          <a:p>
+            <a:r>
+              <a:rPr lang="en-US" altLang="zh-CN" dirty="0" smtClean="0">
+                <a:latin typeface="Adobe 黑体 Std R" pitchFamily="34" charset="-122"/>
+                <a:ea typeface="Adobe 黑体 Std R" pitchFamily="34" charset="-122"/>
+              </a:rPr>
+              <a:t>DOM </a:t>
+            </a:r>
+            <a:r>
+              <a:rPr lang="zh-CN" altLang="en-US" dirty="0" smtClean="0">
+                <a:latin typeface="Adobe 黑体 Std R" pitchFamily="34" charset="-122"/>
+                <a:ea typeface="Adobe 黑体 Std R" pitchFamily="34" charset="-122"/>
+              </a:rPr>
+              <a:t>全称文档对象模型，是针对</a:t>
+            </a:r>
+            <a:r>
+              <a:rPr lang="en-US" altLang="zh-CN" dirty="0" smtClean="0">
+                <a:latin typeface="Adobe 黑体 Std R" pitchFamily="34" charset="-122"/>
+                <a:ea typeface="Adobe 黑体 Std R" pitchFamily="34" charset="-122"/>
+              </a:rPr>
+              <a:t>HTML</a:t>
+            </a:r>
+            <a:r>
+              <a:rPr lang="zh-CN" altLang="en-US" dirty="0" smtClean="0">
+                <a:latin typeface="Adobe 黑体 Std R" pitchFamily="34" charset="-122"/>
+                <a:ea typeface="Adobe 黑体 Std R" pitchFamily="34" charset="-122"/>
+              </a:rPr>
+              <a:t>和</a:t>
+            </a:r>
+            <a:r>
+              <a:rPr lang="en-US" altLang="zh-CN" dirty="0" smtClean="0">
+                <a:latin typeface="Adobe 黑体 Std R" pitchFamily="34" charset="-122"/>
+                <a:ea typeface="Adobe 黑体 Std R" pitchFamily="34" charset="-122"/>
+              </a:rPr>
+              <a:t>XML</a:t>
+            </a:r>
+            <a:r>
+              <a:rPr lang="zh-CN" altLang="en-US" dirty="0" smtClean="0">
+                <a:latin typeface="Adobe 黑体 Std R" pitchFamily="34" charset="-122"/>
+                <a:ea typeface="Adobe 黑体 Std R" pitchFamily="34" charset="-122"/>
+              </a:rPr>
+              <a:t>文档的</a:t>
+            </a:r>
+            <a:r>
+              <a:rPr lang="en-US" altLang="zh-CN" dirty="0" smtClean="0">
+                <a:latin typeface="Adobe 黑体 Std R" pitchFamily="34" charset="-122"/>
+                <a:ea typeface="Adobe 黑体 Std R" pitchFamily="34" charset="-122"/>
+              </a:rPr>
+              <a:t>API</a:t>
+            </a:r>
+            <a:r>
+              <a:rPr lang="zh-CN" altLang="en-US" dirty="0" smtClean="0">
+                <a:latin typeface="Adobe 黑体 Std R" pitchFamily="34" charset="-122"/>
+                <a:ea typeface="Adobe 黑体 Std R" pitchFamily="34" charset="-122"/>
+              </a:rPr>
+              <a:t>。</a:t>
+            </a:r>
+            <a:endParaRPr lang="en-US" altLang="zh-CN" dirty="0" smtClean="0">
+              <a:latin typeface="Adobe 黑体 Std R" pitchFamily="34" charset="-122"/>
+              <a:ea typeface="Adobe 黑体 Std R" pitchFamily="34" charset="-122"/>
+            </a:endParaRPr>
+          </a:p>
+          <a:p>
+            <a:r>
+              <a:rPr lang="en-US" altLang="zh-CN" dirty="0" smtClean="0">
+                <a:latin typeface="Adobe 黑体 Std R" pitchFamily="34" charset="-122"/>
+                <a:ea typeface="Adobe 黑体 Std R" pitchFamily="34" charset="-122"/>
+              </a:rPr>
+              <a:t>DOM</a:t>
+            </a:r>
+            <a:r>
+              <a:rPr lang="zh-CN" altLang="en-US" dirty="0" smtClean="0">
+                <a:latin typeface="Adobe 黑体 Std R" pitchFamily="34" charset="-122"/>
+                <a:ea typeface="Adobe 黑体 Std R" pitchFamily="34" charset="-122"/>
+              </a:rPr>
+              <a:t>描绘了一个层次化的的节点树，允许开发人员增删改查页面的某些部分。</a:t>
+            </a:r>
+            <a:endParaRPr lang="en-US" altLang="zh-CN" dirty="0" smtClean="0">
+              <a:latin typeface="Adobe 黑体 Std R" pitchFamily="34" charset="-122"/>
+              <a:ea typeface="Adobe 黑体 Std R" pitchFamily="34" charset="-122"/>
+            </a:endParaRPr>
+          </a:p>
+          <a:p>
+            <a:r>
+              <a:rPr lang="en-US" altLang="zh-CN" dirty="0" smtClean="0">
+                <a:latin typeface="Adobe 黑体 Std R" pitchFamily="34" charset="-122"/>
+                <a:ea typeface="Adobe 黑体 Std R" pitchFamily="34" charset="-122"/>
+              </a:rPr>
+              <a:t>DOM</a:t>
+            </a:r>
+            <a:r>
+              <a:rPr lang="zh-CN" altLang="en-US" dirty="0" smtClean="0">
+                <a:latin typeface="Adobe 黑体 Std R" pitchFamily="34" charset="-122"/>
+                <a:ea typeface="Adobe 黑体 Std R" pitchFamily="34" charset="-122"/>
+              </a:rPr>
+              <a:t>是接口，与浏览器、</a:t>
+            </a:r>
+            <a:r>
+              <a:rPr lang="zh-CN" altLang="en-US" dirty="0">
+                <a:latin typeface="Adobe 黑体 Std R" pitchFamily="34" charset="-122"/>
+                <a:ea typeface="Adobe 黑体 Std R" pitchFamily="34" charset="-122"/>
+              </a:rPr>
+              <a:t>平</a:t>
+            </a:r>
+            <a:r>
+              <a:rPr lang="zh-CN" altLang="en-US" dirty="0" smtClean="0">
+                <a:latin typeface="Adobe 黑体 Std R" pitchFamily="34" charset="-122"/>
+                <a:ea typeface="Adobe 黑体 Std R" pitchFamily="34" charset="-122"/>
+              </a:rPr>
+              <a:t>台和语言无关。</a:t>
+            </a:r>
+            <a:endParaRPr lang="en-US" altLang="zh-CN" dirty="0" smtClean="0">
+              <a:latin typeface="Adobe 黑体 Std R" pitchFamily="34" charset="-122"/>
+              <a:ea typeface="Adobe 黑体 Std R" pitchFamily="34" charset="-122"/>
+            </a:endParaRPr>
+          </a:p>
+        </p:txBody>
+      </p:sp>
+      <p:sp>
+        <p:nvSpPr>
+          <p:cNvPr id="4" name="矩形 3"/>
+          <p:cNvSpPr/>
+          <p:nvPr/>
+        </p:nvSpPr>
+        <p:spPr>
+          <a:xfrm>
+            <a:off x="611560" y="4221088"/>
+            <a:ext cx="7920880" cy="2376264"/>
+          </a:xfrm>
+          <a:prstGeom prst="rect">
+            <a:avLst/>
+          </a:prstGeom>
+        </p:spPr>
+        <p:style>
+          <a:lnRef idx="2">
+            <a:schemeClr val="accent6">
+              <a:shade val="50000"/>
+            </a:schemeClr>
+          </a:lnRef>
+          <a:fillRef idx="1">
+            <a:schemeClr val="accent6"/>
+          </a:fillRef>
+          <a:effectRef idx="0">
+            <a:schemeClr val="accent6"/>
+          </a:effectRef>
+          <a:fontRef idx="minor">
+            <a:schemeClr val="lt1"/>
+          </a:fontRef>
+        </p:style>
+        <p:txBody>
+          <a:bodyPr rtlCol="0" anchor="ctr"/>
+          <a:lstStyle/>
+          <a:p>
+            <a:r>
+              <a:rPr lang="en-US" altLang="zh-CN" dirty="0">
+                <a:latin typeface="Consolas" pitchFamily="49" charset="0"/>
+                <a:cs typeface="Consolas" pitchFamily="49" charset="0"/>
+              </a:rPr>
+              <a:t>&lt;html&gt;</a:t>
+            </a:r>
+          </a:p>
+          <a:p>
+            <a:r>
+              <a:rPr lang="en-US" altLang="zh-CN" dirty="0">
+                <a:latin typeface="Consolas" pitchFamily="49" charset="0"/>
+                <a:cs typeface="Consolas" pitchFamily="49" charset="0"/>
+              </a:rPr>
+              <a:t> </a:t>
+            </a:r>
+            <a:r>
+              <a:rPr lang="en-US" altLang="zh-CN" dirty="0" smtClean="0">
+                <a:latin typeface="Consolas" pitchFamily="49" charset="0"/>
+                <a:cs typeface="Consolas" pitchFamily="49" charset="0"/>
+              </a:rPr>
+              <a:t>   &lt;</a:t>
+            </a:r>
+            <a:r>
+              <a:rPr lang="en-US" altLang="zh-CN" dirty="0">
+                <a:latin typeface="Consolas" pitchFamily="49" charset="0"/>
+                <a:cs typeface="Consolas" pitchFamily="49" charset="0"/>
+              </a:rPr>
+              <a:t>head&gt;</a:t>
+            </a:r>
+          </a:p>
+          <a:p>
+            <a:r>
+              <a:rPr lang="en-US" altLang="zh-CN" dirty="0" smtClean="0">
+                <a:latin typeface="Consolas" pitchFamily="49" charset="0"/>
+                <a:cs typeface="Consolas" pitchFamily="49" charset="0"/>
+              </a:rPr>
+              <a:t>	&lt;</a:t>
+            </a:r>
+            <a:r>
+              <a:rPr lang="en-US" altLang="zh-CN" dirty="0">
+                <a:latin typeface="Consolas" pitchFamily="49" charset="0"/>
+                <a:cs typeface="Consolas" pitchFamily="49" charset="0"/>
+              </a:rPr>
+              <a:t>title&gt;Document&lt;/title&gt;</a:t>
+            </a:r>
+          </a:p>
+          <a:p>
+            <a:r>
+              <a:rPr lang="en-US" altLang="zh-CN" dirty="0">
+                <a:latin typeface="Consolas" pitchFamily="49" charset="0"/>
+                <a:cs typeface="Consolas" pitchFamily="49" charset="0"/>
+              </a:rPr>
+              <a:t> </a:t>
+            </a:r>
+            <a:r>
+              <a:rPr lang="en-US" altLang="zh-CN" dirty="0" smtClean="0">
+                <a:latin typeface="Consolas" pitchFamily="49" charset="0"/>
+                <a:cs typeface="Consolas" pitchFamily="49" charset="0"/>
+              </a:rPr>
+              <a:t>   &lt;/</a:t>
+            </a:r>
+            <a:r>
+              <a:rPr lang="en-US" altLang="zh-CN" dirty="0">
+                <a:latin typeface="Consolas" pitchFamily="49" charset="0"/>
+                <a:cs typeface="Consolas" pitchFamily="49" charset="0"/>
+              </a:rPr>
+              <a:t>head&gt;</a:t>
+            </a:r>
+          </a:p>
+          <a:p>
+            <a:r>
+              <a:rPr lang="en-US" altLang="zh-CN" dirty="0">
+                <a:latin typeface="Consolas" pitchFamily="49" charset="0"/>
+                <a:cs typeface="Consolas" pitchFamily="49" charset="0"/>
+              </a:rPr>
+              <a:t> </a:t>
+            </a:r>
+            <a:r>
+              <a:rPr lang="en-US" altLang="zh-CN" dirty="0" smtClean="0">
+                <a:latin typeface="Consolas" pitchFamily="49" charset="0"/>
+                <a:cs typeface="Consolas" pitchFamily="49" charset="0"/>
+              </a:rPr>
+              <a:t>   &lt;</a:t>
+            </a:r>
+            <a:r>
+              <a:rPr lang="en-US" altLang="zh-CN" dirty="0">
+                <a:latin typeface="Consolas" pitchFamily="49" charset="0"/>
+                <a:cs typeface="Consolas" pitchFamily="49" charset="0"/>
+              </a:rPr>
+              <a:t>body&gt;</a:t>
+            </a:r>
+          </a:p>
+          <a:p>
+            <a:r>
+              <a:rPr lang="en-US" altLang="zh-CN" dirty="0" smtClean="0">
+                <a:latin typeface="Consolas" pitchFamily="49" charset="0"/>
+                <a:cs typeface="Consolas" pitchFamily="49" charset="0"/>
+              </a:rPr>
+              <a:t>	&lt;</a:t>
+            </a:r>
+            <a:r>
+              <a:rPr lang="en-US" altLang="zh-CN" dirty="0">
+                <a:latin typeface="Consolas" pitchFamily="49" charset="0"/>
+                <a:cs typeface="Consolas" pitchFamily="49" charset="0"/>
+              </a:rPr>
+              <a:t>p&gt;Hello World&lt;/p</a:t>
+            </a:r>
+            <a:r>
+              <a:rPr lang="en-US" altLang="zh-CN" dirty="0" smtClean="0">
+                <a:latin typeface="Consolas" pitchFamily="49" charset="0"/>
+                <a:cs typeface="Consolas" pitchFamily="49" charset="0"/>
+              </a:rPr>
+              <a:t>&gt;</a:t>
+            </a:r>
+          </a:p>
+          <a:p>
+            <a:r>
+              <a:rPr lang="en-US" altLang="zh-CN" dirty="0">
+                <a:latin typeface="Consolas" pitchFamily="49" charset="0"/>
+                <a:cs typeface="Consolas" pitchFamily="49" charset="0"/>
+              </a:rPr>
+              <a:t> </a:t>
+            </a:r>
+            <a:r>
+              <a:rPr lang="en-US" altLang="zh-CN" dirty="0" smtClean="0">
+                <a:latin typeface="Consolas" pitchFamily="49" charset="0"/>
+                <a:cs typeface="Consolas" pitchFamily="49" charset="0"/>
+              </a:rPr>
+              <a:t>   &lt;/</a:t>
+            </a:r>
+            <a:r>
+              <a:rPr lang="en-US" altLang="zh-CN" dirty="0">
+                <a:latin typeface="Consolas" pitchFamily="49" charset="0"/>
+                <a:cs typeface="Consolas" pitchFamily="49" charset="0"/>
+              </a:rPr>
+              <a:t>body&gt;</a:t>
+            </a:r>
+          </a:p>
+          <a:p>
+            <a:r>
+              <a:rPr lang="en-US" altLang="zh-CN" dirty="0">
+                <a:latin typeface="Consolas" pitchFamily="49" charset="0"/>
+                <a:cs typeface="Consolas" pitchFamily="49" charset="0"/>
+              </a:rPr>
+              <a:t>&lt;/html&gt;</a:t>
+            </a:r>
+            <a:endParaRPr lang="zh-CN" altLang="en-US" dirty="0">
+              <a:latin typeface="Consolas" pitchFamily="49" charset="0"/>
+              <a:cs typeface="Consolas" pitchFamily="49" charset="0"/>
+            </a:endParaRPr>
+          </a:p>
+        </p:txBody>
+      </p:sp>
+    </p:spTree>
+    <p:extLst>
+      <p:ext uri="{BB962C8B-B14F-4D97-AF65-F5344CB8AC3E}">
+        <p14:creationId xmlns:p14="http://schemas.microsoft.com/office/powerpoint/2010/main" val="2615405198"/>
+      </p:ext>
+    </p:extLst>
+  </p:cSld>
+  <p:clrMapOvr>
+    <a:masterClrMapping/>
+  </p:clrMapOvr>
+  <p:timing>
+    <p:tnLst>
+      <p:par>
+        <p:cTn id="1" dur="indefinite" restart="never" nodeType="tmRoot">
+          <p:childTnLst>
+            <p:seq concurrent="1" nextAc="seek">
+              <p:cTn id="2" dur="indefinite" nodeType="mainSeq">
+                <p:childTnLst>
+                  <p:par>
+                    <p:cTn id="3" fill="hold">
+                      <p:stCondLst>
+                        <p:cond delay="indefinite"/>
+                      </p:stCondLst>
+                      <p:childTnLst>
+                        <p:par>
+                          <p:cTn id="4" fill="hold">
+                            <p:stCondLst>
+                              <p:cond delay="0"/>
+                            </p:stCondLst>
+                            <p:childTnLst>
+                              <p:par>
+                                <p:cTn id="5" presetID="10" presetClass="entr" presetSubtype="0" fill="hold" grpId="0" nodeType="clickEffect">
+                                  <p:stCondLst>
+                                    <p:cond delay="0"/>
+                                  </p:stCondLst>
+                                  <p:childTnLst>
+                                    <p:set>
+                                      <p:cBhvr>
+                                        <p:cTn id="6" dur="1" fill="hold">
+                                          <p:stCondLst>
+                                            <p:cond delay="0"/>
+                                          </p:stCondLst>
+                                        </p:cTn>
+                                        <p:tgtEl>
+                                          <p:spTgt spid="3">
+                                            <p:txEl>
+                                              <p:pRg st="0" end="0"/>
+                                            </p:txEl>
+                                          </p:spTgt>
+                                        </p:tgtEl>
+                                        <p:attrNameLst>
+                                          <p:attrName>style.visibility</p:attrName>
+                                        </p:attrNameLst>
+                                      </p:cBhvr>
+                                      <p:to>
+                                        <p:strVal val="visible"/>
+                                      </p:to>
+                                    </p:set>
+                                    <p:animEffect transition="in" filter="fade">
+                                      <p:cBhvr>
+                                        <p:cTn id="7" dur="500"/>
+                                        <p:tgtEl>
+                                          <p:spTgt spid="3">
+                                            <p:txEl>
+                                              <p:pRg st="0" end="0"/>
+                                            </p:txEl>
+                                          </p:spTgt>
+                                        </p:tgtEl>
+                                      </p:cBhvr>
+                                    </p:animEffect>
+                                  </p:childTnLst>
+                                </p:cTn>
+                              </p:par>
+                            </p:childTnLst>
+                          </p:cTn>
+                        </p:par>
+                      </p:childTnLst>
+                    </p:cTn>
+                  </p:par>
+                  <p:par>
+                    <p:cTn id="8" fill="hold">
+                      <p:stCondLst>
+                        <p:cond delay="indefinite"/>
+                      </p:stCondLst>
+                      <p:childTnLst>
+                        <p:par>
+                          <p:cTn id="9" fill="hold">
+                            <p:stCondLst>
+                              <p:cond delay="0"/>
+                            </p:stCondLst>
+                            <p:childTnLst>
+                              <p:par>
+                                <p:cTn id="10" presetID="10" presetClass="entr" presetSubtype="0" fill="hold" grpId="0" nodeType="clickEffect">
+                                  <p:stCondLst>
+                                    <p:cond delay="0"/>
+                                  </p:stCondLst>
+                                  <p:childTnLst>
+                                    <p:set>
+                                      <p:cBhvr>
+                                        <p:cTn id="11" dur="1" fill="hold">
+                                          <p:stCondLst>
+                                            <p:cond delay="0"/>
+                                          </p:stCondLst>
+                                        </p:cTn>
+                                        <p:tgtEl>
+                                          <p:spTgt spid="3">
+                                            <p:txEl>
+                                              <p:pRg st="1" end="1"/>
+                                            </p:txEl>
+                                          </p:spTgt>
+                                        </p:tgtEl>
+                                        <p:attrNameLst>
+                                          <p:attrName>style.visibility</p:attrName>
+                                        </p:attrNameLst>
+                                      </p:cBhvr>
+                                      <p:to>
+                                        <p:strVal val="visible"/>
+                                      </p:to>
+                                    </p:set>
+                                    <p:animEffect transition="in" filter="fade">
+                                      <p:cBhvr>
+                                        <p:cTn id="12" dur="500"/>
+                                        <p:tgtEl>
+                                          <p:spTgt spid="3">
+                                            <p:txEl>
+                                              <p:pRg st="1" end="1"/>
+                                            </p:txEl>
+                                          </p:spTgt>
+                                        </p:tgtEl>
+                                      </p:cBhvr>
+                                    </p:animEffect>
+                                  </p:childTnLst>
+                                </p:cTn>
+                              </p:par>
+                            </p:childTnLst>
+                          </p:cTn>
+                        </p:par>
+                      </p:childTnLst>
+                    </p:cTn>
+                  </p:par>
+                  <p:par>
+                    <p:cTn id="13" fill="hold">
+                      <p:stCondLst>
+                        <p:cond delay="indefinite"/>
+                      </p:stCondLst>
+                      <p:childTnLst>
+                        <p:par>
+                          <p:cTn id="14" fill="hold">
+                            <p:stCondLst>
+                              <p:cond delay="0"/>
+                            </p:stCondLst>
+                            <p:childTnLst>
+                              <p:par>
+                                <p:cTn id="15" presetID="10" presetClass="entr" presetSubtype="0" fill="hold" grpId="0" nodeType="clickEffect">
+                                  <p:stCondLst>
+                                    <p:cond delay="0"/>
+                                  </p:stCondLst>
+                                  <p:childTnLst>
+                                    <p:set>
+                                      <p:cBhvr>
+                                        <p:cTn id="16" dur="1" fill="hold">
+                                          <p:stCondLst>
+                                            <p:cond delay="0"/>
+                                          </p:stCondLst>
+                                        </p:cTn>
+                                        <p:tgtEl>
+                                          <p:spTgt spid="3">
+                                            <p:txEl>
+                                              <p:pRg st="2" end="2"/>
+                                            </p:txEl>
+                                          </p:spTgt>
+                                        </p:tgtEl>
+                                        <p:attrNameLst>
+                                          <p:attrName>style.visibility</p:attrName>
+                                        </p:attrNameLst>
+                                      </p:cBhvr>
+                                      <p:to>
+                                        <p:strVal val="visible"/>
+                                      </p:to>
+                                    </p:set>
+                                    <p:animEffect transition="in" filter="fade">
+                                      <p:cBhvr>
+                                        <p:cTn id="17" dur="500"/>
+                                        <p:tgtEl>
+                                          <p:spTgt spid="3">
+                                            <p:txEl>
+                                              <p:pRg st="2" end="2"/>
+                                            </p:txEl>
+                                          </p:spTgt>
+                                        </p:tgtEl>
+                                      </p:cBhvr>
+                                    </p:animEffect>
+                                  </p:childTnLst>
+                                </p:cTn>
+                              </p:par>
+                            </p:childTnLst>
+                          </p:cTn>
+                        </p:par>
+                      </p:childTnLst>
+                    </p:cTn>
+                  </p:par>
+                  <p:par>
+                    <p:cTn id="18" fill="hold">
+                      <p:stCondLst>
+                        <p:cond delay="indefinite"/>
+                      </p:stCondLst>
+                      <p:childTnLst>
+                        <p:par>
+                          <p:cTn id="19" fill="hold">
+                            <p:stCondLst>
+                              <p:cond delay="0"/>
+                            </p:stCondLst>
+                            <p:childTnLst>
+                              <p:par>
+                                <p:cTn id="20" presetID="10" presetClass="entr" presetSubtype="0" fill="hold" grpId="0" nodeType="clickEffect">
+                                  <p:stCondLst>
+                                    <p:cond delay="0"/>
+                                  </p:stCondLst>
+                                  <p:childTnLst>
+                                    <p:set>
+                                      <p:cBhvr>
+                                        <p:cTn id="21" dur="1" fill="hold">
+                                          <p:stCondLst>
+                                            <p:cond delay="0"/>
+                                          </p:stCondLst>
+                                        </p:cTn>
+                                        <p:tgtEl>
+                                          <p:spTgt spid="4"/>
+                                        </p:tgtEl>
+                                        <p:attrNameLst>
+                                          <p:attrName>style.visibility</p:attrName>
+                                        </p:attrNameLst>
+                                      </p:cBhvr>
+                                      <p:to>
+                                        <p:strVal val="visible"/>
+                                      </p:to>
+                                    </p:set>
+                                    <p:animEffect transition="in" filter="fade">
+                                      <p:cBhvr>
+                                        <p:cTn id="22" dur="500"/>
+                                        <p:tgtEl>
+                                          <p:spTgt spid="4"/>
+                                        </p:tgtEl>
+                                      </p:cBhvr>
+                                    </p:animEffect>
+                                  </p:childTnLst>
+                                </p:cTn>
+                              </p:par>
+                            </p:childTnLst>
+                          </p:cTn>
+                        </p:par>
+                      </p:childTnLst>
+                    </p:cTn>
+                  </p:par>
+                </p:childTnLst>
+              </p:cTn>
+              <p:prevCondLst>
+                <p:cond evt="onPrev" delay="0">
+                  <p:tgtEl>
+                    <p:sldTgt/>
+                  </p:tgtEl>
+                </p:cond>
+              </p:prevCondLst>
+              <p:nextCondLst>
+                <p:cond evt="onNext" delay="0">
+                  <p:tgtEl>
+                    <p:sldTgt/>
+                  </p:tgtEl>
+                </p:cond>
+              </p:nextCondLst>
+            </p:seq>
+          </p:childTnLst>
+        </p:cTn>
+      </p:par>
+    </p:tnLst>
+    <p:bldLst>
+      <p:bldP spid="3" grpId="0" build="p"/>
+      <p:bldP spid="4" grpId="0" animBg="1"/>
+    </p:bldLst>
+  </p:timing>
+</p:sld>
+</file>
+
+<file path=ppt/slides/slide4.xml><?xml version="1.0" encoding="utf-8"?>
 <p:sld xmlns:a="http://schemas.openxmlformats.org/drawingml/2006/main" xmlns:r="http://schemas.openxmlformats.org/officeDocument/2006/relationships" xmlns:p="http://schemas.openxmlformats.org/presentationml/2006/main">
   <p:cSld>
     <p:spTree>
@@ -30851,7 +31097,74 @@
 </p:sld>
 </file>
 
-<file path=ppt/slides/slide4.xml><?xml version="1.0" encoding="utf-8"?>
+<file path=ppt/slides/slide5.xml><?xml version="1.0" encoding="utf-8"?>
+<p:sld xmlns:a="http://schemas.openxmlformats.org/drawingml/2006/main" xmlns:r="http://schemas.openxmlformats.org/officeDocument/2006/relationships" xmlns:p="http://schemas.openxmlformats.org/presentationml/2006/main">
+  <p:cSld>
+    <p:spTree>
+      <p:nvGrpSpPr>
+        <p:cNvPr id="1" name=""/>
+        <p:cNvGrpSpPr/>
+        <p:nvPr/>
+      </p:nvGrpSpPr>
+      <p:grpSpPr>
+        <a:xfrm>
+          <a:off x="0" y="0"/>
+          <a:ext cx="0" cy="0"/>
+          <a:chOff x="0" y="0"/>
+          <a:chExt cx="0" cy="0"/>
+        </a:xfrm>
+      </p:grpSpPr>
+      <p:sp>
+        <p:nvSpPr>
+          <p:cNvPr id="3" name="内容占位符 2"/>
+          <p:cNvSpPr>
+            <a:spLocks noGrp="1"/>
+          </p:cNvSpPr>
+          <p:nvPr>
+            <p:ph idx="1"/>
+          </p:nvPr>
+        </p:nvSpPr>
+        <p:spPr>
+          <a:xfrm>
+            <a:off x="457200" y="3140968"/>
+            <a:ext cx="8229600" cy="3433568"/>
+          </a:xfrm>
+        </p:spPr>
+        <p:txBody>
+          <a:bodyPr>
+            <a:normAutofit/>
+          </a:bodyPr>
+          <a:lstStyle/>
+          <a:p>
+            <a:pPr marL="109728" indent="0" algn="ctr">
+              <a:buNone/>
+            </a:pPr>
+            <a:r>
+              <a:rPr lang="en-US" altLang="zh-CN" sz="4000" dirty="0" smtClean="0"/>
+              <a:t>DOM</a:t>
+            </a:r>
+            <a:r>
+              <a:rPr lang="zh-CN" altLang="en-US" sz="4000" dirty="0" smtClean="0"/>
+              <a:t>什么结构？</a:t>
+            </a:r>
+            <a:endParaRPr lang="zh-CN" altLang="en-US" sz="4000" dirty="0"/>
+          </a:p>
+        </p:txBody>
+      </p:sp>
+    </p:spTree>
+    <p:extLst>
+      <p:ext uri="{BB962C8B-B14F-4D97-AF65-F5344CB8AC3E}">
+        <p14:creationId xmlns:p14="http://schemas.microsoft.com/office/powerpoint/2010/main" val="2834804884"/>
+      </p:ext>
+    </p:extLst>
+  </p:cSld>
+  <p:clrMapOvr>
+    <a:masterClrMapping/>
+  </p:clrMapOvr>
+</p:sld>
+</file>
+
+<file path=ppt/slides/slide6.xml><?xml version="1.0" encoding="utf-8"?>
 <p:sld xmlns:a="http://schemas.openxmlformats.org/drawingml/2006/main" xmlns:r="http://schemas.openxmlformats.org/officeDocument/2006/relationships" xmlns:p="http://schemas.openxmlformats.org/presentationml/2006/main">
   <p:cSld>
     <p:spTree>
@@ -31065,7 +31378,7 @@
 </p:sld>
 </file>
 
-<file path=ppt/slides/slide5.xml><?xml version="1.0" encoding="utf-8"?>
+<file path=ppt/slides/slide7.xml><?xml version="1.0" encoding="utf-8"?>
 <p:sld xmlns:a="http://schemas.openxmlformats.org/drawingml/2006/main" xmlns:r="http://schemas.openxmlformats.org/officeDocument/2006/relationships" xmlns:p="http://schemas.openxmlformats.org/presentationml/2006/main">
   <p:cSld>
     <p:spTree>
@@ -34481,7 +34794,7 @@
 </p:sld>
 </file>
 
-<file path=ppt/slides/slide6.xml><?xml version="1.0" encoding="utf-8"?>
+<file path=ppt/slides/slide8.xml><?xml version="1.0" encoding="utf-8"?>
 <p:sld xmlns:a="http://schemas.openxmlformats.org/drawingml/2006/main" xmlns:r="http://schemas.openxmlformats.org/officeDocument/2006/relationships" xmlns:p="http://schemas.openxmlformats.org/presentationml/2006/main">
   <p:cSld>
     <p:spTree>
@@ -35156,7 +35469,7 @@
 </p:sld>
 </file>
 
-<file path=ppt/slides/slide7.xml><?xml version="1.0" encoding="utf-8"?>
+<file path=ppt/slides/slide9.xml><?xml version="1.0" encoding="utf-8"?>
 <p:sld xmlns:a="http://schemas.openxmlformats.org/drawingml/2006/main" xmlns:r="http://schemas.openxmlformats.org/officeDocument/2006/relationships" xmlns:p="http://schemas.openxmlformats.org/presentationml/2006/main">
   <p:cSld>
     <p:spTree>
@@ -35890,523 +36203,6 @@
       <p:bldP spid="46" grpId="0"/>
       <p:bldP spid="47" grpId="0"/>
       <p:bldP spid="48" grpId="0"/>
-    </p:bldLst>
-  </p:timing>
-</p:sld>
-</file>
-
-<file path=ppt/slides/slide8.xml><?xml version="1.0" encoding="utf-8"?>
-<p:sld xmlns:a="http://schemas.openxmlformats.org/drawingml/2006/main" xmlns:r="http://schemas.openxmlformats.org/officeDocument/2006/relationships" xmlns:p="http://schemas.openxmlformats.org/presentationml/2006/main">
-  <p:cSld>
-    <p:spTree>
-      <p:nvGrpSpPr>
-        <p:cNvPr id="1" name=""/>
-        <p:cNvGrpSpPr/>
-        <p:nvPr/>
-      </p:nvGrpSpPr>
-      <p:grpSpPr>
-        <a:xfrm>
-          <a:off x="0" y="0"/>
-          <a:ext cx="0" cy="0"/>
-          <a:chOff x="0" y="0"/>
-          <a:chExt cx="0" cy="0"/>
-        </a:xfrm>
-      </p:grpSpPr>
-      <p:sp>
-        <p:nvSpPr>
-          <p:cNvPr id="2" name="标题 1"/>
-          <p:cNvSpPr>
-            <a:spLocks noGrp="1"/>
-          </p:cNvSpPr>
-          <p:nvPr>
-            <p:ph type="title"/>
-          </p:nvPr>
-        </p:nvSpPr>
-        <p:spPr>
-          <a:xfrm>
-            <a:off x="467544" y="980728"/>
-            <a:ext cx="8229600" cy="1066800"/>
-          </a:xfrm>
-        </p:spPr>
-        <p:txBody>
-          <a:bodyPr/>
-          <a:lstStyle/>
-          <a:p>
-            <a:r>
-              <a:rPr lang="en-US" altLang="zh-CN" dirty="0" smtClean="0">
-                <a:latin typeface="Adobe 黑体 Std R" pitchFamily="34" charset="-122"/>
-                <a:ea typeface="Adobe 黑体 Std R" pitchFamily="34" charset="-122"/>
-              </a:rPr>
-              <a:t>DOM</a:t>
-            </a:r>
-            <a:r>
-              <a:rPr lang="zh-CN" altLang="en-US" dirty="0" smtClean="0">
-                <a:latin typeface="Adobe 黑体 Std R" pitchFamily="34" charset="-122"/>
-                <a:ea typeface="Adobe 黑体 Std R" pitchFamily="34" charset="-122"/>
-              </a:rPr>
-              <a:t>基本操作</a:t>
-            </a:r>
-            <a:endParaRPr lang="zh-CN" altLang="en-US" dirty="0">
-              <a:latin typeface="Adobe 黑体 Std R" pitchFamily="34" charset="-122"/>
-              <a:ea typeface="Adobe 黑体 Std R" pitchFamily="34" charset="-122"/>
-            </a:endParaRPr>
-          </a:p>
-        </p:txBody>
-      </p:sp>
-      <p:sp>
-        <p:nvSpPr>
-          <p:cNvPr id="3" name="内容占位符 2"/>
-          <p:cNvSpPr>
-            <a:spLocks noGrp="1"/>
-          </p:cNvSpPr>
-          <p:nvPr>
-            <p:ph idx="1"/>
-          </p:nvPr>
-        </p:nvSpPr>
-        <p:spPr/>
-        <p:txBody>
-          <a:bodyPr/>
-          <a:lstStyle/>
-          <a:p>
-            <a:r>
-              <a:rPr lang="zh-CN" altLang="en-US" dirty="0" smtClean="0">
-                <a:latin typeface="Adobe 黑体 Std R" pitchFamily="34" charset="-122"/>
-                <a:ea typeface="Adobe 黑体 Std R" pitchFamily="34" charset="-122"/>
-              </a:rPr>
-              <a:t>增 </a:t>
-            </a:r>
-            <a:endParaRPr lang="en-US" altLang="zh-CN" dirty="0" smtClean="0">
-              <a:latin typeface="Adobe 黑体 Std R" pitchFamily="34" charset="-122"/>
-              <a:ea typeface="Adobe 黑体 Std R" pitchFamily="34" charset="-122"/>
-            </a:endParaRPr>
-          </a:p>
-          <a:p>
-            <a:pPr lvl="1"/>
-            <a:r>
-              <a:rPr lang="zh-CN" altLang="en-US" dirty="0">
-                <a:latin typeface="Adobe 黑体 Std R" pitchFamily="34" charset="-122"/>
-                <a:ea typeface="Adobe 黑体 Std R" pitchFamily="34" charset="-122"/>
-              </a:rPr>
-              <a:t>节</a:t>
-            </a:r>
-            <a:r>
-              <a:rPr lang="zh-CN" altLang="en-US" dirty="0" smtClean="0">
-                <a:latin typeface="Adobe 黑体 Std R" pitchFamily="34" charset="-122"/>
-                <a:ea typeface="Adobe 黑体 Std R" pitchFamily="34" charset="-122"/>
-              </a:rPr>
-              <a:t>点插入</a:t>
-            </a:r>
-            <a:endParaRPr lang="en-US" altLang="zh-CN" dirty="0" smtClean="0">
-              <a:latin typeface="Adobe 黑体 Std R" pitchFamily="34" charset="-122"/>
-              <a:ea typeface="Adobe 黑体 Std R" pitchFamily="34" charset="-122"/>
-            </a:endParaRPr>
-          </a:p>
-          <a:p>
-            <a:r>
-              <a:rPr lang="zh-CN" altLang="en-US" dirty="0" smtClean="0">
-                <a:latin typeface="Adobe 黑体 Std R" pitchFamily="34" charset="-122"/>
-                <a:ea typeface="Adobe 黑体 Std R" pitchFamily="34" charset="-122"/>
-              </a:rPr>
-              <a:t>删</a:t>
-            </a:r>
-            <a:endParaRPr lang="en-US" altLang="zh-CN" dirty="0" smtClean="0">
-              <a:latin typeface="Adobe 黑体 Std R" pitchFamily="34" charset="-122"/>
-              <a:ea typeface="Adobe 黑体 Std R" pitchFamily="34" charset="-122"/>
-            </a:endParaRPr>
-          </a:p>
-          <a:p>
-            <a:pPr lvl="1"/>
-            <a:r>
-              <a:rPr lang="zh-CN" altLang="en-US" dirty="0">
-                <a:latin typeface="Adobe 黑体 Std R" pitchFamily="34" charset="-122"/>
-                <a:ea typeface="Adobe 黑体 Std R" pitchFamily="34" charset="-122"/>
-              </a:rPr>
-              <a:t>删</a:t>
-            </a:r>
-            <a:r>
-              <a:rPr lang="zh-CN" altLang="en-US" dirty="0" smtClean="0">
-                <a:latin typeface="Adobe 黑体 Std R" pitchFamily="34" charset="-122"/>
-                <a:ea typeface="Adobe 黑体 Std R" pitchFamily="34" charset="-122"/>
-              </a:rPr>
-              <a:t>除页面元素</a:t>
-            </a:r>
-            <a:endParaRPr lang="en-US" altLang="zh-CN" dirty="0" smtClean="0">
-              <a:latin typeface="Adobe 黑体 Std R" pitchFamily="34" charset="-122"/>
-              <a:ea typeface="Adobe 黑体 Std R" pitchFamily="34" charset="-122"/>
-            </a:endParaRPr>
-          </a:p>
-          <a:p>
-            <a:r>
-              <a:rPr lang="zh-CN" altLang="en-US" dirty="0" smtClean="0">
-                <a:latin typeface="Adobe 黑体 Std R" pitchFamily="34" charset="-122"/>
-                <a:ea typeface="Adobe 黑体 Std R" pitchFamily="34" charset="-122"/>
-              </a:rPr>
-              <a:t>查 </a:t>
-            </a:r>
-            <a:endParaRPr lang="en-US" altLang="zh-CN" dirty="0">
-              <a:latin typeface="Adobe 黑体 Std R" pitchFamily="34" charset="-122"/>
-              <a:ea typeface="Adobe 黑体 Std R" pitchFamily="34" charset="-122"/>
-            </a:endParaRPr>
-          </a:p>
-          <a:p>
-            <a:pPr lvl="1"/>
-            <a:r>
-              <a:rPr lang="zh-CN" altLang="en-US" dirty="0" smtClean="0">
-                <a:latin typeface="Adobe 黑体 Std R" pitchFamily="34" charset="-122"/>
-                <a:ea typeface="Adobe 黑体 Std R" pitchFamily="34" charset="-122"/>
-              </a:rPr>
-              <a:t>获取页面元素</a:t>
-            </a:r>
-            <a:endParaRPr lang="en-US" altLang="zh-CN" dirty="0" smtClean="0">
-              <a:latin typeface="Adobe 黑体 Std R" pitchFamily="34" charset="-122"/>
-              <a:ea typeface="Adobe 黑体 Std R" pitchFamily="34" charset="-122"/>
-            </a:endParaRPr>
-          </a:p>
-          <a:p>
-            <a:r>
-              <a:rPr lang="zh-CN" altLang="en-US" dirty="0" smtClean="0">
-                <a:latin typeface="Adobe 黑体 Std R" pitchFamily="34" charset="-122"/>
-                <a:ea typeface="Adobe 黑体 Std R" pitchFamily="34" charset="-122"/>
-              </a:rPr>
-              <a:t>改</a:t>
-            </a:r>
-            <a:endParaRPr lang="en-US" altLang="zh-CN" dirty="0" smtClean="0">
-              <a:latin typeface="Adobe 黑体 Std R" pitchFamily="34" charset="-122"/>
-              <a:ea typeface="Adobe 黑体 Std R" pitchFamily="34" charset="-122"/>
-            </a:endParaRPr>
-          </a:p>
-          <a:p>
-            <a:pPr lvl="1"/>
-            <a:r>
-              <a:rPr lang="zh-CN" altLang="en-US" dirty="0">
-                <a:latin typeface="Adobe 黑体 Std R" pitchFamily="34" charset="-122"/>
-                <a:ea typeface="Adobe 黑体 Std R" pitchFamily="34" charset="-122"/>
-              </a:rPr>
-              <a:t>修</a:t>
-            </a:r>
-            <a:r>
-              <a:rPr lang="zh-CN" altLang="en-US" dirty="0" smtClean="0">
-                <a:latin typeface="Adobe 黑体 Std R" pitchFamily="34" charset="-122"/>
-                <a:ea typeface="Adobe 黑体 Std R" pitchFamily="34" charset="-122"/>
-              </a:rPr>
-              <a:t>改、替换页面元素</a:t>
-            </a:r>
-            <a:endParaRPr lang="zh-CN" altLang="en-US" dirty="0">
-              <a:latin typeface="Adobe 黑体 Std R" pitchFamily="34" charset="-122"/>
-              <a:ea typeface="Adobe 黑体 Std R" pitchFamily="34" charset="-122"/>
-            </a:endParaRPr>
-          </a:p>
-        </p:txBody>
-      </p:sp>
-    </p:spTree>
-    <p:extLst>
-      <p:ext uri="{BB962C8B-B14F-4D97-AF65-F5344CB8AC3E}">
-        <p14:creationId xmlns:p14="http://schemas.microsoft.com/office/powerpoint/2010/main" val="1166603436"/>
-      </p:ext>
-    </p:extLst>
-  </p:cSld>
-  <p:clrMapOvr>
-    <a:masterClrMapping/>
-  </p:clrMapOvr>
-  <p:timing>
-    <p:tnLst>
-      <p:par>
-        <p:cTn id="1" dur="indefinite" restart="never" nodeType="tmRoot"/>
-      </p:par>
-    </p:tnLst>
-  </p:timing>
-</p:sld>
-</file>
-
-<file path=ppt/slides/slide9.xml><?xml version="1.0" encoding="utf-8"?>
-<p:sld xmlns:a="http://schemas.openxmlformats.org/drawingml/2006/main" xmlns:r="http://schemas.openxmlformats.org/officeDocument/2006/relationships" xmlns:p="http://schemas.openxmlformats.org/presentationml/2006/main">
-  <p:cSld>
-    <p:spTree>
-      <p:nvGrpSpPr>
-        <p:cNvPr id="1" name=""/>
-        <p:cNvGrpSpPr/>
-        <p:nvPr/>
-      </p:nvGrpSpPr>
-      <p:grpSpPr>
-        <a:xfrm>
-          <a:off x="0" y="0"/>
-          <a:ext cx="0" cy="0"/>
-          <a:chOff x="0" y="0"/>
-          <a:chExt cx="0" cy="0"/>
-        </a:xfrm>
-      </p:grpSpPr>
-      <p:sp>
-        <p:nvSpPr>
-          <p:cNvPr id="2" name="标题 1"/>
-          <p:cNvSpPr>
-            <a:spLocks noGrp="1"/>
-          </p:cNvSpPr>
-          <p:nvPr>
-            <p:ph type="title"/>
-          </p:nvPr>
-        </p:nvSpPr>
-        <p:spPr>
-          <a:xfrm>
-            <a:off x="395536" y="764704"/>
-            <a:ext cx="8229600" cy="1066800"/>
-          </a:xfrm>
-        </p:spPr>
-        <p:txBody>
-          <a:bodyPr/>
-          <a:lstStyle/>
-          <a:p>
-            <a:r>
-              <a:rPr lang="en-US" altLang="zh-CN" dirty="0" smtClean="0">
-                <a:latin typeface="Adobe 黑体 Std R" pitchFamily="34" charset="-122"/>
-                <a:ea typeface="Adobe 黑体 Std R" pitchFamily="34" charset="-122"/>
-              </a:rPr>
-              <a:t>DOM</a:t>
-            </a:r>
-            <a:r>
-              <a:rPr lang="zh-CN" altLang="en-US" dirty="0" smtClean="0">
-                <a:latin typeface="Adobe 黑体 Std R" pitchFamily="34" charset="-122"/>
-                <a:ea typeface="Adobe 黑体 Std R" pitchFamily="34" charset="-122"/>
-              </a:rPr>
-              <a:t>操作</a:t>
-            </a:r>
-            <a:r>
-              <a:rPr lang="en-US" altLang="zh-CN" dirty="0" smtClean="0">
-                <a:latin typeface="Adobe 黑体 Std R" pitchFamily="34" charset="-122"/>
-                <a:ea typeface="Adobe 黑体 Std R" pitchFamily="34" charset="-122"/>
-              </a:rPr>
-              <a:t>-</a:t>
-            </a:r>
-            <a:r>
-              <a:rPr lang="zh-CN" altLang="en-US" dirty="0" smtClean="0">
-                <a:latin typeface="Adobe 黑体 Std R" pitchFamily="34" charset="-122"/>
-                <a:ea typeface="Adobe 黑体 Std R" pitchFamily="34" charset="-122"/>
-              </a:rPr>
-              <a:t>增</a:t>
-            </a:r>
-            <a:endParaRPr lang="zh-CN" altLang="en-US" dirty="0">
-              <a:latin typeface="Adobe 黑体 Std R" pitchFamily="34" charset="-122"/>
-              <a:ea typeface="Adobe 黑体 Std R" pitchFamily="34" charset="-122"/>
-            </a:endParaRPr>
-          </a:p>
-        </p:txBody>
-      </p:sp>
-      <p:sp>
-        <p:nvSpPr>
-          <p:cNvPr id="3" name="内容占位符 2"/>
-          <p:cNvSpPr>
-            <a:spLocks noGrp="1"/>
-          </p:cNvSpPr>
-          <p:nvPr>
-            <p:ph idx="1"/>
-          </p:nvPr>
-        </p:nvSpPr>
-        <p:spPr>
-          <a:xfrm>
-            <a:off x="467544" y="1700808"/>
-            <a:ext cx="8229600" cy="4325112"/>
-          </a:xfrm>
-        </p:spPr>
-        <p:txBody>
-          <a:bodyPr/>
-          <a:lstStyle/>
-          <a:p>
-            <a:r>
-              <a:rPr lang="en-US" altLang="zh-CN" dirty="0" smtClean="0"/>
-              <a:t>document.createElement()</a:t>
-            </a:r>
-          </a:p>
-          <a:p>
-            <a:r>
-              <a:rPr lang="en-US" altLang="zh-CN" dirty="0"/>
-              <a:t>d</a:t>
-            </a:r>
-            <a:r>
-              <a:rPr lang="en-US" altLang="zh-CN" dirty="0" smtClean="0"/>
-              <a:t>ocument.createTextNode()</a:t>
-            </a:r>
-          </a:p>
-          <a:p>
-            <a:r>
-              <a:rPr lang="en-US" altLang="zh-CN" dirty="0" smtClean="0"/>
-              <a:t>document.createDocumentFragment()</a:t>
-            </a:r>
-          </a:p>
-          <a:p>
-            <a:pPr marL="109728" indent="0">
-              <a:buNone/>
-            </a:pPr>
-            <a:endParaRPr lang="en-US" altLang="zh-CN" dirty="0"/>
-          </a:p>
-          <a:p>
-            <a:pPr marL="109728" indent="0">
-              <a:buNone/>
-            </a:pPr>
-            <a:r>
-              <a:rPr lang="zh-CN" altLang="en-US" dirty="0" smtClean="0">
-                <a:latin typeface="Adobe 黑体 Std R" pitchFamily="34" charset="-122"/>
-                <a:ea typeface="Adobe 黑体 Std R" pitchFamily="34" charset="-122"/>
-              </a:rPr>
-              <a:t>新建</a:t>
-            </a:r>
-            <a:r>
-              <a:rPr lang="en-US" altLang="zh-CN" dirty="0" smtClean="0">
-                <a:latin typeface="Adobe 黑体 Std R" pitchFamily="34" charset="-122"/>
-                <a:ea typeface="Adobe 黑体 Std R" pitchFamily="34" charset="-122"/>
-              </a:rPr>
-              <a:t>Node</a:t>
-            </a:r>
-            <a:r>
-              <a:rPr lang="zh-CN" altLang="en-US" dirty="0" smtClean="0">
-                <a:latin typeface="Adobe 黑体 Std R" pitchFamily="34" charset="-122"/>
-                <a:ea typeface="Adobe 黑体 Std R" pitchFamily="34" charset="-122"/>
-              </a:rPr>
-              <a:t>操作，然而并没有放到</a:t>
-            </a:r>
-            <a:r>
-              <a:rPr lang="en-US" altLang="zh-CN" dirty="0" smtClean="0">
-                <a:latin typeface="Adobe 黑体 Std R" pitchFamily="34" charset="-122"/>
-                <a:ea typeface="Adobe 黑体 Std R" pitchFamily="34" charset="-122"/>
-              </a:rPr>
-              <a:t>DOM</a:t>
-            </a:r>
-            <a:r>
-              <a:rPr lang="zh-CN" altLang="en-US" dirty="0" smtClean="0">
-                <a:latin typeface="Adobe 黑体 Std R" pitchFamily="34" charset="-122"/>
-                <a:ea typeface="Adobe 黑体 Std R" pitchFamily="34" charset="-122"/>
-              </a:rPr>
-              <a:t>树中。</a:t>
-            </a:r>
-            <a:endParaRPr lang="en-US" altLang="zh-CN" dirty="0" smtClean="0">
-              <a:latin typeface="Adobe 黑体 Std R" pitchFamily="34" charset="-122"/>
-              <a:ea typeface="Adobe 黑体 Std R" pitchFamily="34" charset="-122"/>
-            </a:endParaRPr>
-          </a:p>
-          <a:p>
-            <a:endParaRPr lang="zh-CN" altLang="en-US" dirty="0">
-              <a:latin typeface="Adobe 黑体 Std R" pitchFamily="34" charset="-122"/>
-              <a:ea typeface="Adobe 黑体 Std R" pitchFamily="34" charset="-122"/>
-            </a:endParaRPr>
-          </a:p>
-        </p:txBody>
-      </p:sp>
-      <p:graphicFrame>
-        <p:nvGraphicFramePr>
-          <p:cNvPr id="4" name="图示 3"/>
-          <p:cNvGraphicFramePr/>
-          <p:nvPr>
-            <p:extLst>
-              <p:ext uri="{D42A27DB-BD31-4B8C-83A1-F6EECF244321}">
-                <p14:modId xmlns:p14="http://schemas.microsoft.com/office/powerpoint/2010/main" val="305494317"/>
-              </p:ext>
-            </p:extLst>
-          </p:nvPr>
-        </p:nvGraphicFramePr>
-        <p:xfrm>
-          <a:off x="467544" y="3573016"/>
-          <a:ext cx="8136904" cy="3127896"/>
-        </p:xfrm>
-        <a:graphic>
-          <a:graphicData uri="http://schemas.openxmlformats.org/drawingml/2006/diagram">
-            <dgm:relIds xmlns:dgm="http://schemas.openxmlformats.org/drawingml/2006/diagram" xmlns:r="http://schemas.openxmlformats.org/officeDocument/2006/relationships" r:dm="rId2" r:lo="rId3" r:qs="rId4" r:cs="rId5"/>
-          </a:graphicData>
-        </a:graphic>
-      </p:graphicFrame>
-    </p:spTree>
-    <p:extLst>
-      <p:ext uri="{BB962C8B-B14F-4D97-AF65-F5344CB8AC3E}">
-        <p14:creationId xmlns:p14="http://schemas.microsoft.com/office/powerpoint/2010/main" val="1842063416"/>
-      </p:ext>
-    </p:extLst>
-  </p:cSld>
-  <p:clrMapOvr>
-    <a:masterClrMapping/>
-  </p:clrMapOvr>
-  <p:timing>
-    <p:tnLst>
-      <p:par>
-        <p:cTn id="1" dur="indefinite" restart="never" nodeType="tmRoot">
-          <p:childTnLst>
-            <p:seq concurrent="1" nextAc="seek">
-              <p:cTn id="2" dur="indefinite" nodeType="mainSeq">
-                <p:childTnLst>
-                  <p:par>
-                    <p:cTn id="3" fill="hold">
-                      <p:stCondLst>
-                        <p:cond delay="indefinite"/>
-                      </p:stCondLst>
-                      <p:childTnLst>
-                        <p:par>
-                          <p:cTn id="4" fill="hold">
-                            <p:stCondLst>
-                              <p:cond delay="0"/>
-                            </p:stCondLst>
-                            <p:childTnLst>
-                              <p:par>
-                                <p:cTn id="5" presetID="10" presetClass="entr" presetSubtype="0" fill="hold" grpId="0" nodeType="clickEffect">
-                                  <p:stCondLst>
-                                    <p:cond delay="0"/>
-                                  </p:stCondLst>
-                                  <p:childTnLst>
-                                    <p:set>
-                                      <p:cBhvr>
-                                        <p:cTn id="6" dur="1" fill="hold">
-                                          <p:stCondLst>
-                                            <p:cond delay="0"/>
-                                          </p:stCondLst>
-                                        </p:cTn>
-                                        <p:tgtEl>
-                                          <p:spTgt spid="4"/>
-                                        </p:tgtEl>
-                                        <p:attrNameLst>
-                                          <p:attrName>style.visibility</p:attrName>
-                                        </p:attrNameLst>
-                                      </p:cBhvr>
-                                      <p:to>
-                                        <p:strVal val="visible"/>
-                                      </p:to>
-                                    </p:set>
-                                    <p:animEffect transition="in" filter="fade">
-                                      <p:cBhvr>
-                                        <p:cTn id="7" dur="500"/>
-                                        <p:tgtEl>
-                                          <p:spTgt spid="4"/>
-                                        </p:tgtEl>
-                                      </p:cBhvr>
-                                    </p:animEffect>
-                                  </p:childTnLst>
-                                </p:cTn>
-                              </p:par>
-                            </p:childTnLst>
-                          </p:cTn>
-                        </p:par>
-                      </p:childTnLst>
-                    </p:cTn>
-                  </p:par>
-                </p:childTnLst>
-              </p:cTn>
-              <p:prevCondLst>
-                <p:cond evt="onPrev" delay="0">
-                  <p:tgtEl>
-                    <p:sldTgt/>
-                  </p:tgtEl>
-                </p:cond>
-              </p:prevCondLst>
-              <p:nextCondLst>
-                <p:cond evt="onNext" delay="0">
-                  <p:tgtEl>
-                    <p:sldTgt/>
-                  </p:tgtEl>
-                </p:cond>
-              </p:nextCondLst>
-            </p:seq>
-          </p:childTnLst>
-        </p:cTn>
-      </p:par>
-    </p:tnLst>
-    <p:bldLst>
-      <p:bldGraphic spid="4" grpId="0">
-        <p:bldAsOne/>
-      </p:bldGraphic>
     </p:bldLst>
   </p:timing>
 </p:sld>

--- a/manipulation.pptx
+++ b/manipulation.pptx
@@ -5860,24 +5860,24 @@
     </dgm:pt>
   </dgm:ptLst>
   <dgm:cxnLst>
+    <dgm:cxn modelId="{0DA9B849-5A12-41AB-9B91-D0A3E102D5C8}" type="presOf" srcId="{A570B297-9267-4C0D-8C3A-D2A487833FC6}" destId="{BABD95CC-38EE-4FB4-AA2D-FB2FF04048CA}" srcOrd="0" destOrd="0" presId="urn:microsoft.com/office/officeart/2005/8/layout/hierarchy6"/>
+    <dgm:cxn modelId="{8B7EBB05-08AB-4100-AFB0-57089314C208}" srcId="{308EED72-B955-4909-9596-962A7B9E4BF0}" destId="{354ACCF7-210E-426B-B076-9F9FE5E8BFC2}" srcOrd="1" destOrd="0" parTransId="{E467250F-F059-407C-BAF8-17DBA3D55F2D}" sibTransId="{25872F95-77A8-4E24-B804-00142A0ECFEC}"/>
+    <dgm:cxn modelId="{46C306AC-76E2-424C-BA17-7D8056C26534}" type="presOf" srcId="{5927FEF3-1F2F-4B70-B910-913B48F2DE1F}" destId="{901F9022-E967-4255-9BBD-A4D9FD098E23}" srcOrd="0" destOrd="0" presId="urn:microsoft.com/office/officeart/2005/8/layout/hierarchy6"/>
+    <dgm:cxn modelId="{BE3E4E9B-C478-4E3C-A193-A0C53474618C}" type="presOf" srcId="{308EED72-B955-4909-9596-962A7B9E4BF0}" destId="{04D248C9-0B06-4B9B-A1E1-6EE653403F61}" srcOrd="0" destOrd="0" presId="urn:microsoft.com/office/officeart/2005/8/layout/hierarchy6"/>
+    <dgm:cxn modelId="{9B2A9731-2485-48C8-8B42-97DF45B818D3}" type="presOf" srcId="{431FD47C-21DF-4147-B72D-8202BFC981E3}" destId="{65456A9F-7391-450D-B61E-5311232CFD7B}" srcOrd="0" destOrd="0" presId="urn:microsoft.com/office/officeart/2005/8/layout/hierarchy6"/>
+    <dgm:cxn modelId="{C6B597A3-6500-4845-B80B-80905B1DD80D}" srcId="{431FD47C-21DF-4147-B72D-8202BFC981E3}" destId="{5452653C-363F-45FC-AFF7-959B58673B08}" srcOrd="1" destOrd="0" parTransId="{BFBE3122-0BDD-46A3-8931-81D356E8B201}" sibTransId="{E9BA1F5D-8E7E-4CB7-B6E6-EC98941C7002}"/>
+    <dgm:cxn modelId="{C5B7E2D7-4C4D-4332-9AF0-380AE87054A7}" srcId="{431FD47C-21DF-4147-B72D-8202BFC981E3}" destId="{308EED72-B955-4909-9596-962A7B9E4BF0}" srcOrd="0" destOrd="0" parTransId="{FCAFE860-7D0D-4B11-AE61-97609090E92E}" sibTransId="{11AD264B-7D7C-4B34-B6A0-73B2EB012A49}"/>
+    <dgm:cxn modelId="{D3280BC1-56D2-4A2F-A551-E9987550A119}" type="presOf" srcId="{54C69B59-D2E4-48E7-AE76-271AA9856726}" destId="{04E8B994-334C-4654-B5A5-924B5F8579EA}" srcOrd="0" destOrd="0" presId="urn:microsoft.com/office/officeart/2005/8/layout/hierarchy6"/>
+    <dgm:cxn modelId="{12DE6061-A9D2-49A5-9F95-5C935ABA2A82}" type="presOf" srcId="{98351B23-3F89-4F34-9A3B-208E3B1AD018}" destId="{1A05406C-8B0B-4968-990B-0DB4B544163E}" srcOrd="0" destOrd="0" presId="urn:microsoft.com/office/officeart/2005/8/layout/hierarchy6"/>
+    <dgm:cxn modelId="{F8BF9C11-0CF2-48E0-BCBA-F53443122BB6}" srcId="{431FD47C-21DF-4147-B72D-8202BFC981E3}" destId="{98351B23-3F89-4F34-9A3B-208E3B1AD018}" srcOrd="2" destOrd="0" parTransId="{16306997-46A9-4F51-9E51-38774671F07E}" sibTransId="{AA125E8B-B902-4C48-B9FC-847F6BDD3DC6}"/>
+    <dgm:cxn modelId="{A384BBB8-9D02-4E07-99A3-14D92000ABD4}" type="presOf" srcId="{354ACCF7-210E-426B-B076-9F9FE5E8BFC2}" destId="{A444287F-FB55-461E-8FFD-3E7B296DA7E0}" srcOrd="0" destOrd="0" presId="urn:microsoft.com/office/officeart/2005/8/layout/hierarchy6"/>
+    <dgm:cxn modelId="{E5DED8DE-CC04-440F-81FC-51AFC3B15C98}" type="presOf" srcId="{5452653C-363F-45FC-AFF7-959B58673B08}" destId="{A6E666FF-E70B-4540-855A-AFBB537B9327}" srcOrd="0" destOrd="0" presId="urn:microsoft.com/office/officeart/2005/8/layout/hierarchy6"/>
     <dgm:cxn modelId="{D26AFD39-CECA-4C6E-964D-E1B52394D8BE}" srcId="{308EED72-B955-4909-9596-962A7B9E4BF0}" destId="{54C69B59-D2E4-48E7-AE76-271AA9856726}" srcOrd="0" destOrd="0" parTransId="{4A792B34-B29F-4432-A207-0612E50F6A45}" sibTransId="{ED2D5B36-4487-481A-A54B-FD574AFB3A72}"/>
-    <dgm:cxn modelId="{C6B597A3-6500-4845-B80B-80905B1DD80D}" srcId="{431FD47C-21DF-4147-B72D-8202BFC981E3}" destId="{5452653C-363F-45FC-AFF7-959B58673B08}" srcOrd="1" destOrd="0" parTransId="{BFBE3122-0BDD-46A3-8931-81D356E8B201}" sibTransId="{E9BA1F5D-8E7E-4CB7-B6E6-EC98941C7002}"/>
     <dgm:cxn modelId="{21DCBC05-87D5-49A5-9DDC-45BDA0BA8BC0}" srcId="{308EED72-B955-4909-9596-962A7B9E4BF0}" destId="{5927FEF3-1F2F-4B70-B910-913B48F2DE1F}" srcOrd="2" destOrd="0" parTransId="{A570B297-9267-4C0D-8C3A-D2A487833FC6}" sibTransId="{A181990E-B622-4D39-908F-F91EC2A20A35}"/>
-    <dgm:cxn modelId="{8B7EBB05-08AB-4100-AFB0-57089314C208}" srcId="{308EED72-B955-4909-9596-962A7B9E4BF0}" destId="{354ACCF7-210E-426B-B076-9F9FE5E8BFC2}" srcOrd="1" destOrd="0" parTransId="{E467250F-F059-407C-BAF8-17DBA3D55F2D}" sibTransId="{25872F95-77A8-4E24-B804-00142A0ECFEC}"/>
+    <dgm:cxn modelId="{7E13AB0E-9720-49A7-ACF1-F0F0D4A3BB7E}" type="presOf" srcId="{4A792B34-B29F-4432-A207-0612E50F6A45}" destId="{D363D8BE-A8D0-43D2-88C9-6119156624E5}" srcOrd="0" destOrd="0" presId="urn:microsoft.com/office/officeart/2005/8/layout/hierarchy6"/>
+    <dgm:cxn modelId="{E47F9A45-53A8-4BDF-A188-76F21D7ADFC1}" type="presOf" srcId="{E467250F-F059-407C-BAF8-17DBA3D55F2D}" destId="{ACEF6C2C-FC93-48BA-A5EE-5CE669C46889}" srcOrd="0" destOrd="0" presId="urn:microsoft.com/office/officeart/2005/8/layout/hierarchy6"/>
+    <dgm:cxn modelId="{1F6DCD9B-802C-4715-85D3-2E8E7000E77B}" type="presOf" srcId="{5452653C-363F-45FC-AFF7-959B58673B08}" destId="{D15C4938-1ED4-4239-B5D7-F45053C3E9A3}" srcOrd="1" destOrd="0" presId="urn:microsoft.com/office/officeart/2005/8/layout/hierarchy6"/>
     <dgm:cxn modelId="{78B9CF00-2373-45BD-9F5E-A03736A0BA4D}" type="presOf" srcId="{98351B23-3F89-4F34-9A3B-208E3B1AD018}" destId="{846B3BA7-0096-42B1-AEF5-818B99AAF7F9}" srcOrd="1" destOrd="0" presId="urn:microsoft.com/office/officeart/2005/8/layout/hierarchy6"/>
-    <dgm:cxn modelId="{0DA9B849-5A12-41AB-9B91-D0A3E102D5C8}" type="presOf" srcId="{A570B297-9267-4C0D-8C3A-D2A487833FC6}" destId="{BABD95CC-38EE-4FB4-AA2D-FB2FF04048CA}" srcOrd="0" destOrd="0" presId="urn:microsoft.com/office/officeart/2005/8/layout/hierarchy6"/>
-    <dgm:cxn modelId="{BE3E4E9B-C478-4E3C-A193-A0C53474618C}" type="presOf" srcId="{308EED72-B955-4909-9596-962A7B9E4BF0}" destId="{04D248C9-0B06-4B9B-A1E1-6EE653403F61}" srcOrd="0" destOrd="0" presId="urn:microsoft.com/office/officeart/2005/8/layout/hierarchy6"/>
-    <dgm:cxn modelId="{1F6DCD9B-802C-4715-85D3-2E8E7000E77B}" type="presOf" srcId="{5452653C-363F-45FC-AFF7-959B58673B08}" destId="{D15C4938-1ED4-4239-B5D7-F45053C3E9A3}" srcOrd="1" destOrd="0" presId="urn:microsoft.com/office/officeart/2005/8/layout/hierarchy6"/>
-    <dgm:cxn modelId="{F8BF9C11-0CF2-48E0-BCBA-F53443122BB6}" srcId="{431FD47C-21DF-4147-B72D-8202BFC981E3}" destId="{98351B23-3F89-4F34-9A3B-208E3B1AD018}" srcOrd="2" destOrd="0" parTransId="{16306997-46A9-4F51-9E51-38774671F07E}" sibTransId="{AA125E8B-B902-4C48-B9FC-847F6BDD3DC6}"/>
-    <dgm:cxn modelId="{E5DED8DE-CC04-440F-81FC-51AFC3B15C98}" type="presOf" srcId="{5452653C-363F-45FC-AFF7-959B58673B08}" destId="{A6E666FF-E70B-4540-855A-AFBB537B9327}" srcOrd="0" destOrd="0" presId="urn:microsoft.com/office/officeart/2005/8/layout/hierarchy6"/>
-    <dgm:cxn modelId="{D3280BC1-56D2-4A2F-A551-E9987550A119}" type="presOf" srcId="{54C69B59-D2E4-48E7-AE76-271AA9856726}" destId="{04E8B994-334C-4654-B5A5-924B5F8579EA}" srcOrd="0" destOrd="0" presId="urn:microsoft.com/office/officeart/2005/8/layout/hierarchy6"/>
-    <dgm:cxn modelId="{46C306AC-76E2-424C-BA17-7D8056C26534}" type="presOf" srcId="{5927FEF3-1F2F-4B70-B910-913B48F2DE1F}" destId="{901F9022-E967-4255-9BBD-A4D9FD098E23}" srcOrd="0" destOrd="0" presId="urn:microsoft.com/office/officeart/2005/8/layout/hierarchy6"/>
-    <dgm:cxn modelId="{7E13AB0E-9720-49A7-ACF1-F0F0D4A3BB7E}" type="presOf" srcId="{4A792B34-B29F-4432-A207-0612E50F6A45}" destId="{D363D8BE-A8D0-43D2-88C9-6119156624E5}" srcOrd="0" destOrd="0" presId="urn:microsoft.com/office/officeart/2005/8/layout/hierarchy6"/>
-    <dgm:cxn modelId="{9B2A9731-2485-48C8-8B42-97DF45B818D3}" type="presOf" srcId="{431FD47C-21DF-4147-B72D-8202BFC981E3}" destId="{65456A9F-7391-450D-B61E-5311232CFD7B}" srcOrd="0" destOrd="0" presId="urn:microsoft.com/office/officeart/2005/8/layout/hierarchy6"/>
-    <dgm:cxn modelId="{C5B7E2D7-4C4D-4332-9AF0-380AE87054A7}" srcId="{431FD47C-21DF-4147-B72D-8202BFC981E3}" destId="{308EED72-B955-4909-9596-962A7B9E4BF0}" srcOrd="0" destOrd="0" parTransId="{FCAFE860-7D0D-4B11-AE61-97609090E92E}" sibTransId="{11AD264B-7D7C-4B34-B6A0-73B2EB012A49}"/>
-    <dgm:cxn modelId="{A384BBB8-9D02-4E07-99A3-14D92000ABD4}" type="presOf" srcId="{354ACCF7-210E-426B-B076-9F9FE5E8BFC2}" destId="{A444287F-FB55-461E-8FFD-3E7B296DA7E0}" srcOrd="0" destOrd="0" presId="urn:microsoft.com/office/officeart/2005/8/layout/hierarchy6"/>
-    <dgm:cxn modelId="{12DE6061-A9D2-49A5-9F95-5C935ABA2A82}" type="presOf" srcId="{98351B23-3F89-4F34-9A3B-208E3B1AD018}" destId="{1A05406C-8B0B-4968-990B-0DB4B544163E}" srcOrd="0" destOrd="0" presId="urn:microsoft.com/office/officeart/2005/8/layout/hierarchy6"/>
-    <dgm:cxn modelId="{E47F9A45-53A8-4BDF-A188-76F21D7ADFC1}" type="presOf" srcId="{E467250F-F059-407C-BAF8-17DBA3D55F2D}" destId="{ACEF6C2C-FC93-48BA-A5EE-5CE669C46889}" srcOrd="0" destOrd="0" presId="urn:microsoft.com/office/officeart/2005/8/layout/hierarchy6"/>
     <dgm:cxn modelId="{8F691FCA-E5CA-48B5-A233-077CC61993DB}" type="presParOf" srcId="{65456A9F-7391-450D-B61E-5311232CFD7B}" destId="{9C4444C7-5B4F-41FF-AD0C-27FD68682037}" srcOrd="0" destOrd="0" presId="urn:microsoft.com/office/officeart/2005/8/layout/hierarchy6"/>
     <dgm:cxn modelId="{5D28DBEE-56E6-4D57-A8F2-189951A76B27}" type="presParOf" srcId="{9C4444C7-5B4F-41FF-AD0C-27FD68682037}" destId="{17A9FB45-9CE1-46A0-806F-E44216830BB8}" srcOrd="0" destOrd="0" presId="urn:microsoft.com/office/officeart/2005/8/layout/hierarchy6"/>
     <dgm:cxn modelId="{07F69FDE-60E4-456E-8611-961D8439BD01}" type="presParOf" srcId="{9C4444C7-5B4F-41FF-AD0C-27FD68682037}" destId="{ADE0DA0C-44B5-40E7-A862-3E09E03BB0EB}" srcOrd="1" destOrd="0" presId="urn:microsoft.com/office/officeart/2005/8/layout/hierarchy6"/>
@@ -9887,6 +9887,317 @@
       <dsp:cNvGrpSpPr/>
     </dsp:nvGrpSpPr>
     <dsp:grpSpPr/>
+    <dsp:sp modelId="{CCC8D5FE-3789-418C-947C-91C6B8D6C121}">
+      <dsp:nvSpPr>
+        <dsp:cNvPr id="0" name=""/>
+        <dsp:cNvSpPr/>
+      </dsp:nvSpPr>
+      <dsp:spPr>
+        <a:xfrm>
+          <a:off x="1327" y="455168"/>
+          <a:ext cx="2975850" cy="1785510"/>
+        </a:xfrm>
+        <a:prstGeom prst="roundRect">
+          <a:avLst>
+            <a:gd name="adj" fmla="val 10000"/>
+          </a:avLst>
+        </a:prstGeom>
+        <a:solidFill>
+          <a:schemeClr val="accent1">
+            <a:hueOff val="0"/>
+            <a:satOff val="0"/>
+            <a:lumOff val="0"/>
+            <a:alphaOff val="0"/>
+          </a:schemeClr>
+        </a:solidFill>
+        <a:ln w="19050" cap="flat" cmpd="sng" algn="ctr">
+          <a:solidFill>
+            <a:schemeClr val="lt1">
+              <a:hueOff val="0"/>
+              <a:satOff val="0"/>
+              <a:lumOff val="0"/>
+              <a:alphaOff val="0"/>
+            </a:schemeClr>
+          </a:solidFill>
+          <a:prstDash val="solid"/>
+        </a:ln>
+        <a:effectLst/>
+      </dsp:spPr>
+      <dsp:style>
+        <a:lnRef idx="2">
+          <a:scrgbClr r="0" g="0" b="0"/>
+        </a:lnRef>
+        <a:fillRef idx="1">
+          <a:scrgbClr r="0" g="0" b="0"/>
+        </a:fillRef>
+        <a:effectRef idx="0">
+          <a:scrgbClr r="0" g="0" b="0"/>
+        </a:effectRef>
+        <a:fontRef idx="minor">
+          <a:schemeClr val="lt1"/>
+        </a:fontRef>
+      </dsp:style>
+      <dsp:txBody>
+        <a:bodyPr spcFirstLastPara="0" vert="horz" wrap="square" lIns="83820" tIns="83820" rIns="83820" bIns="83820" numCol="1" spcCol="1270" anchor="ctr" anchorCtr="0">
+          <a:noAutofit/>
+        </a:bodyPr>
+        <a:lstStyle/>
+        <a:p>
+          <a:pPr lvl="0" algn="l" defTabSz="977900">
+            <a:lnSpc>
+              <a:spcPct val="90000"/>
+            </a:lnSpc>
+            <a:spcBef>
+              <a:spcPct val="0"/>
+            </a:spcBef>
+            <a:spcAft>
+              <a:spcPct val="35000"/>
+            </a:spcAft>
+          </a:pPr>
+          <a:r>
+            <a:rPr lang="en-US" altLang="zh-CN" sz="2200" kern="1200" dirty="0" smtClean="0"/>
+            <a:t>Input (Selector) :</a:t>
+          </a:r>
+        </a:p>
+        <a:p>
+          <a:pPr lvl="0" algn="l" defTabSz="977900">
+            <a:lnSpc>
+              <a:spcPct val="90000"/>
+            </a:lnSpc>
+            <a:spcBef>
+              <a:spcPct val="0"/>
+            </a:spcBef>
+            <a:spcAft>
+              <a:spcPct val="35000"/>
+            </a:spcAft>
+          </a:pPr>
+          <a:r>
+            <a:rPr lang="en-US" altLang="zh-CN" sz="2200" kern="1200" dirty="0" smtClean="0"/>
+            <a:t>#id</a:t>
+          </a:r>
+        </a:p>
+        <a:p>
+          <a:pPr lvl="0" algn="l" defTabSz="977900">
+            <a:lnSpc>
+              <a:spcPct val="90000"/>
+            </a:lnSpc>
+            <a:spcBef>
+              <a:spcPct val="0"/>
+            </a:spcBef>
+            <a:spcAft>
+              <a:spcPct val="35000"/>
+            </a:spcAft>
+          </a:pPr>
+          <a:r>
+            <a:rPr lang="en-US" altLang="zh-CN" sz="2200" kern="1200" dirty="0" smtClean="0"/>
+            <a:t>.class</a:t>
+          </a:r>
+        </a:p>
+        <a:p>
+          <a:pPr lvl="0" algn="l" defTabSz="977900">
+            <a:lnSpc>
+              <a:spcPct val="90000"/>
+            </a:lnSpc>
+            <a:spcBef>
+              <a:spcPct val="0"/>
+            </a:spcBef>
+            <a:spcAft>
+              <a:spcPct val="35000"/>
+            </a:spcAft>
+          </a:pPr>
+          <a:r>
+            <a:rPr lang="en-US" altLang="zh-CN" sz="2200" kern="1200" dirty="0" smtClean="0"/>
+            <a:t>tag</a:t>
+          </a:r>
+        </a:p>
+      </dsp:txBody>
+      <dsp:txXfrm>
+        <a:off x="53623" y="507464"/>
+        <a:ext cx="2871258" cy="1680918"/>
+      </dsp:txXfrm>
+    </dsp:sp>
+    <dsp:sp modelId="{A8C3466D-9FDB-492A-82D5-D2EB066D1CA3}">
+      <dsp:nvSpPr>
+        <dsp:cNvPr id="0" name=""/>
+        <dsp:cNvSpPr/>
+      </dsp:nvSpPr>
+      <dsp:spPr>
+        <a:xfrm>
+          <a:off x="3274763" y="978918"/>
+          <a:ext cx="630880" cy="738010"/>
+        </a:xfrm>
+        <a:prstGeom prst="rightArrow">
+          <a:avLst>
+            <a:gd name="adj1" fmla="val 60000"/>
+            <a:gd name="adj2" fmla="val 50000"/>
+          </a:avLst>
+        </a:prstGeom>
+        <a:solidFill>
+          <a:schemeClr val="accent1">
+            <a:tint val="60000"/>
+            <a:hueOff val="0"/>
+            <a:satOff val="0"/>
+            <a:lumOff val="0"/>
+            <a:alphaOff val="0"/>
+          </a:schemeClr>
+        </a:solidFill>
+        <a:ln>
+          <a:noFill/>
+        </a:ln>
+        <a:effectLst/>
+      </dsp:spPr>
+      <dsp:style>
+        <a:lnRef idx="0">
+          <a:scrgbClr r="0" g="0" b="0"/>
+        </a:lnRef>
+        <a:fillRef idx="1">
+          <a:scrgbClr r="0" g="0" b="0"/>
+        </a:fillRef>
+        <a:effectRef idx="0">
+          <a:scrgbClr r="0" g="0" b="0"/>
+        </a:effectRef>
+        <a:fontRef idx="minor">
+          <a:schemeClr val="lt1"/>
+        </a:fontRef>
+      </dsp:style>
+      <dsp:txBody>
+        <a:bodyPr spcFirstLastPara="0" vert="horz" wrap="square" lIns="0" tIns="0" rIns="0" bIns="0" numCol="1" spcCol="1270" anchor="ctr" anchorCtr="0">
+          <a:noAutofit/>
+        </a:bodyPr>
+        <a:lstStyle/>
+        <a:p>
+          <a:pPr lvl="0" algn="ctr" defTabSz="800100">
+            <a:lnSpc>
+              <a:spcPct val="90000"/>
+            </a:lnSpc>
+            <a:spcBef>
+              <a:spcPct val="0"/>
+            </a:spcBef>
+            <a:spcAft>
+              <a:spcPct val="35000"/>
+            </a:spcAft>
+          </a:pPr>
+          <a:endParaRPr lang="zh-CN" altLang="en-US" sz="1800" kern="1200"/>
+        </a:p>
+      </dsp:txBody>
+      <dsp:txXfrm>
+        <a:off x="3274763" y="1126520"/>
+        <a:ext cx="441616" cy="442806"/>
+      </dsp:txXfrm>
+    </dsp:sp>
+    <dsp:sp modelId="{E50952FC-FE36-494B-AE43-799E1CB2A002}">
+      <dsp:nvSpPr>
+        <dsp:cNvPr id="0" name=""/>
+        <dsp:cNvSpPr/>
+      </dsp:nvSpPr>
+      <dsp:spPr>
+        <a:xfrm>
+          <a:off x="4167518" y="455168"/>
+          <a:ext cx="3968058" cy="1785510"/>
+        </a:xfrm>
+        <a:prstGeom prst="roundRect">
+          <a:avLst>
+            <a:gd name="adj" fmla="val 10000"/>
+          </a:avLst>
+        </a:prstGeom>
+        <a:solidFill>
+          <a:schemeClr val="accent1">
+            <a:hueOff val="0"/>
+            <a:satOff val="0"/>
+            <a:lumOff val="0"/>
+            <a:alphaOff val="0"/>
+          </a:schemeClr>
+        </a:solidFill>
+        <a:ln w="19050" cap="flat" cmpd="sng" algn="ctr">
+          <a:solidFill>
+            <a:schemeClr val="lt1">
+              <a:hueOff val="0"/>
+              <a:satOff val="0"/>
+              <a:lumOff val="0"/>
+              <a:alphaOff val="0"/>
+            </a:schemeClr>
+          </a:solidFill>
+          <a:prstDash val="solid"/>
+        </a:ln>
+        <a:effectLst/>
+      </dsp:spPr>
+      <dsp:style>
+        <a:lnRef idx="2">
+          <a:scrgbClr r="0" g="0" b="0"/>
+        </a:lnRef>
+        <a:fillRef idx="1">
+          <a:scrgbClr r="0" g="0" b="0"/>
+        </a:fillRef>
+        <a:effectRef idx="0">
+          <a:scrgbClr r="0" g="0" b="0"/>
+        </a:effectRef>
+        <a:fontRef idx="minor">
+          <a:schemeClr val="lt1"/>
+        </a:fontRef>
+      </dsp:style>
+      <dsp:txBody>
+        <a:bodyPr spcFirstLastPara="0" vert="horz" wrap="square" lIns="83820" tIns="83820" rIns="83820" bIns="83820" numCol="1" spcCol="1270" anchor="ctr" anchorCtr="0">
+          <a:noAutofit/>
+        </a:bodyPr>
+        <a:lstStyle/>
+        <a:p>
+          <a:pPr lvl="0" algn="l" defTabSz="977900">
+            <a:lnSpc>
+              <a:spcPct val="90000"/>
+            </a:lnSpc>
+            <a:spcBef>
+              <a:spcPct val="0"/>
+            </a:spcBef>
+            <a:spcAft>
+              <a:spcPct val="35000"/>
+            </a:spcAft>
+          </a:pPr>
+          <a:r>
+            <a:rPr lang="en-US" altLang="zh-CN" sz="2200" kern="1200" dirty="0" smtClean="0"/>
+            <a:t>Output(Node -&gt;Object)</a:t>
+          </a:r>
+        </a:p>
+        <a:p>
+          <a:pPr lvl="0" algn="l" defTabSz="977900">
+            <a:lnSpc>
+              <a:spcPct val="90000"/>
+            </a:lnSpc>
+            <a:spcBef>
+              <a:spcPct val="0"/>
+            </a:spcBef>
+            <a:spcAft>
+              <a:spcPct val="35000"/>
+            </a:spcAft>
+          </a:pPr>
+          <a:r>
+            <a:rPr lang="en-US" altLang="zh-CN" sz="2200" kern="1200" dirty="0" smtClean="0"/>
+            <a:t>Node</a:t>
+          </a:r>
+        </a:p>
+        <a:p>
+          <a:pPr lvl="0" algn="l" defTabSz="977900">
+            <a:lnSpc>
+              <a:spcPct val="90000"/>
+            </a:lnSpc>
+            <a:spcBef>
+              <a:spcPct val="0"/>
+            </a:spcBef>
+            <a:spcAft>
+              <a:spcPct val="35000"/>
+            </a:spcAft>
+          </a:pPr>
+          <a:r>
+            <a:rPr lang="en-US" altLang="zh-CN" sz="2200" kern="1200" dirty="0" smtClean="0"/>
+            <a:t>NodeList</a:t>
+          </a:r>
+          <a:endParaRPr lang="zh-CN" altLang="en-US" sz="2200" kern="1200" dirty="0"/>
+        </a:p>
+      </dsp:txBody>
+      <dsp:txXfrm>
+        <a:off x="4219814" y="507464"/>
+        <a:ext cx="3863466" cy="1680918"/>
+      </dsp:txXfrm>
+    </dsp:sp>
   </dsp:spTree>
 </dsp:drawing>
 </file>
@@ -18286,7 +18597,7 @@
           <a:p>
             <a:fld id="{5A06C713-31A1-4FFE-B62B-D9AF1053C39B}" type="datetimeFigureOut">
               <a:rPr lang="zh-CN" altLang="en-US" smtClean="0"/>
-              <a:t>2015/9/24</a:t>
+              <a:t>2015/9/25</a:t>
             </a:fld>
             <a:endParaRPr lang="zh-CN" altLang="en-US"/>
           </a:p>
@@ -18599,6 +18910,10 @@
           <a:lstStyle/>
           <a:p>
             <a:r>
+              <a:rPr lang="zh-CN" altLang="en-US" dirty="0" smtClean="0"/>
+              <a:t>官方概念、</a:t>
+            </a:r>
+            <a:r>
               <a:rPr lang="en-US" altLang="zh-CN" dirty="0" smtClean="0"/>
               <a:t>DOM</a:t>
             </a:r>
@@ -18774,6 +19089,90 @@
           <a:bodyPr/>
           <a:lstStyle/>
           <a:p>
+            <a:endParaRPr lang="zh-CN" altLang="en-US" dirty="0"/>
+          </a:p>
+        </p:txBody>
+      </p:sp>
+      <p:sp>
+        <p:nvSpPr>
+          <p:cNvPr id="4" name="灯片编号占位符 3"/>
+          <p:cNvSpPr>
+            <a:spLocks noGrp="1"/>
+          </p:cNvSpPr>
+          <p:nvPr>
+            <p:ph type="sldNum" sz="quarter" idx="10"/>
+          </p:nvPr>
+        </p:nvSpPr>
+        <p:spPr/>
+        <p:txBody>
+          <a:bodyPr/>
+          <a:lstStyle/>
+          <a:p>
+            <a:fld id="{C2605BAB-26FE-4D91-BC75-A3931684AB90}" type="slidenum">
+              <a:rPr lang="zh-CN" altLang="en-US" smtClean="0"/>
+              <a:t>8</a:t>
+            </a:fld>
+            <a:endParaRPr lang="zh-CN" altLang="en-US"/>
+          </a:p>
+        </p:txBody>
+      </p:sp>
+    </p:spTree>
+    <p:extLst>
+      <p:ext uri="{BB962C8B-B14F-4D97-AF65-F5344CB8AC3E}">
+        <p14:creationId xmlns:p14="http://schemas.microsoft.com/office/powerpoint/2010/main" val="1340266003"/>
+      </p:ext>
+    </p:extLst>
+  </p:cSld>
+  <p:clrMapOvr>
+    <a:masterClrMapping/>
+  </p:clrMapOvr>
+</p:notes>
+</file>
+
+<file path=ppt/notesSlides/notesSlide4.xml><?xml version="1.0" encoding="utf-8"?>
+<p:notes xmlns:a="http://schemas.openxmlformats.org/drawingml/2006/main" xmlns:r="http://schemas.openxmlformats.org/officeDocument/2006/relationships" xmlns:p="http://schemas.openxmlformats.org/presentationml/2006/main">
+  <p:cSld>
+    <p:spTree>
+      <p:nvGrpSpPr>
+        <p:cNvPr id="1" name=""/>
+        <p:cNvGrpSpPr/>
+        <p:nvPr/>
+      </p:nvGrpSpPr>
+      <p:grpSpPr>
+        <a:xfrm>
+          <a:off x="0" y="0"/>
+          <a:ext cx="0" cy="0"/>
+          <a:chOff x="0" y="0"/>
+          <a:chExt cx="0" cy="0"/>
+        </a:xfrm>
+      </p:grpSpPr>
+      <p:sp>
+        <p:nvSpPr>
+          <p:cNvPr id="2" name="幻灯片图像占位符 1"/>
+          <p:cNvSpPr>
+            <a:spLocks noGrp="1" noRot="1" noChangeAspect="1"/>
+          </p:cNvSpPr>
+          <p:nvPr>
+            <p:ph type="sldImg"/>
+          </p:nvPr>
+        </p:nvSpPr>
+        <p:spPr/>
+      </p:sp>
+      <p:sp>
+        <p:nvSpPr>
+          <p:cNvPr id="3" name="备注占位符 2"/>
+          <p:cNvSpPr>
+            <a:spLocks noGrp="1"/>
+          </p:cNvSpPr>
+          <p:nvPr>
+            <p:ph type="body" idx="1"/>
+          </p:nvPr>
+        </p:nvSpPr>
+        <p:spPr/>
+        <p:txBody>
+          <a:bodyPr/>
+          <a:lstStyle/>
+          <a:p>
             <a:r>
               <a:rPr lang="en-US" altLang="zh-CN" dirty="0" smtClean="0"/>
               <a:t>HTMLCollection </a:t>
@@ -18830,7 +19229,7 @@
 </p:notes>
 </file>
 
-<file path=ppt/notesSlides/notesSlide4.xml><?xml version="1.0" encoding="utf-8"?>
+<file path=ppt/notesSlides/notesSlide5.xml><?xml version="1.0" encoding="utf-8"?>
 <p:notes xmlns:a="http://schemas.openxmlformats.org/drawingml/2006/main" xmlns:r="http://schemas.openxmlformats.org/officeDocument/2006/relationships" xmlns:p="http://schemas.openxmlformats.org/presentationml/2006/main">
   <p:cSld>
     <p:spTree>
@@ -18914,7 +19313,7 @@
 </p:notes>
 </file>
 
-<file path=ppt/notesSlides/notesSlide5.xml><?xml version="1.0" encoding="utf-8"?>
+<file path=ppt/notesSlides/notesSlide6.xml><?xml version="1.0" encoding="utf-8"?>
 <p:notes xmlns:a="http://schemas.openxmlformats.org/drawingml/2006/main" xmlns:r="http://schemas.openxmlformats.org/officeDocument/2006/relationships" xmlns:p="http://schemas.openxmlformats.org/presentationml/2006/main">
   <p:cSld>
     <p:spTree>
@@ -19656,7 +20055,7 @@
           <a:p>
             <a:fld id="{0E7912FD-16D0-4754-B569-C79EBCED03E8}" type="datetimeFigureOut">
               <a:rPr lang="zh-CN" altLang="en-US" smtClean="0"/>
-              <a:t>2015/9/24</a:t>
+              <a:t>2015/9/25</a:t>
             </a:fld>
             <a:endParaRPr lang="zh-CN" altLang="en-US"/>
           </a:p>
@@ -19839,7 +20238,7 @@
           <a:p>
             <a:fld id="{0E7912FD-16D0-4754-B569-C79EBCED03E8}" type="datetimeFigureOut">
               <a:rPr lang="zh-CN" altLang="en-US" smtClean="0"/>
-              <a:t>2015/9/24</a:t>
+              <a:t>2015/9/25</a:t>
             </a:fld>
             <a:endParaRPr lang="zh-CN" altLang="en-US"/>
           </a:p>
@@ -20014,7 +20413,7 @@
           <a:p>
             <a:fld id="{0E7912FD-16D0-4754-B569-C79EBCED03E8}" type="datetimeFigureOut">
               <a:rPr lang="zh-CN" altLang="en-US" smtClean="0"/>
-              <a:t>2015/9/24</a:t>
+              <a:t>2015/9/25</a:t>
             </a:fld>
             <a:endParaRPr lang="zh-CN" altLang="en-US"/>
           </a:p>
@@ -20179,7 +20578,7 @@
           <a:p>
             <a:fld id="{0E7912FD-16D0-4754-B569-C79EBCED03E8}" type="datetimeFigureOut">
               <a:rPr lang="zh-CN" altLang="en-US" smtClean="0"/>
-              <a:t>2015/9/24</a:t>
+              <a:t>2015/9/25</a:t>
             </a:fld>
             <a:endParaRPr lang="zh-CN" altLang="en-US"/>
           </a:p>
@@ -20400,7 +20799,7 @@
           <a:p>
             <a:fld id="{0E7912FD-16D0-4754-B569-C79EBCED03E8}" type="datetimeFigureOut">
               <a:rPr lang="zh-CN" altLang="en-US" smtClean="0"/>
-              <a:t>2015/9/24</a:t>
+              <a:t>2015/9/25</a:t>
             </a:fld>
             <a:endParaRPr lang="zh-CN" altLang="en-US"/>
           </a:p>
@@ -20659,7 +21058,7 @@
           <a:p>
             <a:fld id="{0E7912FD-16D0-4754-B569-C79EBCED03E8}" type="datetimeFigureOut">
               <a:rPr lang="zh-CN" altLang="en-US" smtClean="0"/>
-              <a:t>2015/9/24</a:t>
+              <a:t>2015/9/25</a:t>
             </a:fld>
             <a:endParaRPr lang="zh-CN" altLang="en-US"/>
           </a:p>
@@ -21063,7 +21462,7 @@
           <a:p>
             <a:fld id="{0E7912FD-16D0-4754-B569-C79EBCED03E8}" type="datetimeFigureOut">
               <a:rPr lang="zh-CN" altLang="en-US" smtClean="0"/>
-              <a:t>2015/9/24</a:t>
+              <a:t>2015/9/25</a:t>
             </a:fld>
             <a:endParaRPr lang="zh-CN" altLang="en-US"/>
           </a:p>
@@ -21194,7 +21593,7 @@
           <a:p>
             <a:fld id="{0E7912FD-16D0-4754-B569-C79EBCED03E8}" type="datetimeFigureOut">
               <a:rPr lang="zh-CN" altLang="en-US" smtClean="0"/>
-              <a:t>2015/9/24</a:t>
+              <a:t>2015/9/25</a:t>
             </a:fld>
             <a:endParaRPr lang="zh-CN" altLang="en-US"/>
           </a:p>
@@ -21294,7 +21693,7 @@
           <a:p>
             <a:fld id="{0E7912FD-16D0-4754-B569-C79EBCED03E8}" type="datetimeFigureOut">
               <a:rPr lang="zh-CN" altLang="en-US" smtClean="0"/>
-              <a:t>2015/9/24</a:t>
+              <a:t>2015/9/25</a:t>
             </a:fld>
             <a:endParaRPr lang="zh-CN" altLang="en-US"/>
           </a:p>
@@ -21539,7 +21938,7 @@
           <a:p>
             <a:fld id="{0E7912FD-16D0-4754-B569-C79EBCED03E8}" type="datetimeFigureOut">
               <a:rPr lang="zh-CN" altLang="en-US" smtClean="0"/>
-              <a:t>2015/9/24</a:t>
+              <a:t>2015/9/25</a:t>
             </a:fld>
             <a:endParaRPr lang="zh-CN" altLang="en-US"/>
           </a:p>
@@ -21783,7 +22182,7 @@
           <a:p>
             <a:fld id="{0E7912FD-16D0-4754-B569-C79EBCED03E8}" type="datetimeFigureOut">
               <a:rPr lang="zh-CN" altLang="en-US" smtClean="0"/>
-              <a:t>2015/9/24</a:t>
+              <a:t>2015/9/25</a:t>
             </a:fld>
             <a:endParaRPr lang="zh-CN" altLang="en-US"/>
           </a:p>
@@ -22607,7 +23006,7 @@
           <a:p>
             <a:fld id="{0E7912FD-16D0-4754-B569-C79EBCED03E8}" type="datetimeFigureOut">
               <a:rPr lang="zh-CN" altLang="en-US" smtClean="0"/>
-              <a:t>2015/9/24</a:t>
+              <a:t>2015/9/25</a:t>
             </a:fld>
             <a:endParaRPr lang="zh-CN" altLang="en-US"/>
           </a:p>
@@ -24197,7 +24596,7 @@
         </p:nvSpPr>
         <p:spPr>
           <a:xfrm>
-            <a:off x="467544" y="764704"/>
+            <a:off x="467544" y="548680"/>
             <a:ext cx="8229600" cy="1066800"/>
           </a:xfrm>
         </p:spPr>
@@ -24225,7 +24624,7 @@
         </p:nvSpPr>
         <p:spPr>
           <a:xfrm>
-            <a:off x="457200" y="1844824"/>
+            <a:off x="467544" y="1484784"/>
             <a:ext cx="8229600" cy="4729712"/>
           </a:xfrm>
         </p:spPr>
@@ -24246,7 +24645,43 @@
             </a:r>
             <a:r>
               <a:rPr lang="zh-CN" altLang="en-US" dirty="0" smtClean="0"/>
-              <a:t>建文档碎片节点</a:t>
+              <a:t>建文档碎片节</a:t>
+            </a:r>
+            <a:r>
+              <a:rPr lang="zh-CN" altLang="en-US" dirty="0" smtClean="0"/>
+              <a:t>点</a:t>
+            </a:r>
+            <a:endParaRPr lang="en-US" altLang="zh-CN" dirty="0" smtClean="0"/>
+          </a:p>
+          <a:p>
+            <a:pPr lvl="1"/>
+            <a:r>
+              <a:rPr lang="en-US" altLang="zh-CN" dirty="0" smtClean="0"/>
+              <a:t>fragment </a:t>
+            </a:r>
+            <a:r>
+              <a:rPr lang="zh-CN" altLang="en-US" dirty="0"/>
+              <a:t>节点不属于文档树，继承的 </a:t>
+            </a:r>
+            <a:r>
+              <a:rPr lang="en-US" altLang="zh-CN" dirty="0" err="1"/>
+              <a:t>parentNode</a:t>
+            </a:r>
+            <a:r>
+              <a:rPr lang="en-US" altLang="zh-CN" dirty="0"/>
+              <a:t> </a:t>
+            </a:r>
+            <a:r>
+              <a:rPr lang="zh-CN" altLang="en-US" dirty="0"/>
+              <a:t>属性总是 </a:t>
+            </a:r>
+            <a:r>
+              <a:rPr lang="en-US" altLang="zh-CN" dirty="0"/>
+              <a:t>null</a:t>
+            </a:r>
+            <a:r>
+              <a:rPr lang="zh-CN" altLang="en-US" dirty="0"/>
+              <a:t>。</a:t>
             </a:r>
             <a:endParaRPr lang="zh-CN" altLang="en-US" dirty="0"/>
           </a:p>
@@ -24260,7 +24695,7 @@
         </p:nvSpPr>
         <p:spPr>
           <a:xfrm>
-            <a:off x="683568" y="2924944"/>
+            <a:off x="683568" y="3356992"/>
             <a:ext cx="7488832" cy="3168352"/>
           </a:xfrm>
           <a:prstGeom prst="rect">
@@ -24422,8 +24857,19 @@
                 <a:latin typeface="Adobe 黑体 Std R" pitchFamily="34" charset="-122"/>
                 <a:ea typeface="Adobe 黑体 Std R" pitchFamily="34" charset="-122"/>
               </a:rPr>
-              <a:t>还有利于实现文档的剪切、复制和粘贴操作</a:t>
-            </a:r>
+              <a:t>还有利于实现文档的剪切、复制和粘贴操</a:t>
+            </a:r>
+            <a:r>
+              <a:rPr lang="zh-CN" altLang="en-US" sz="2400" dirty="0" smtClean="0">
+                <a:latin typeface="Adobe 黑体 Std R" pitchFamily="34" charset="-122"/>
+                <a:ea typeface="Adobe 黑体 Std R" pitchFamily="34" charset="-122"/>
+              </a:rPr>
+              <a:t>作。</a:t>
+            </a:r>
+            <a:endParaRPr lang="zh-CN" altLang="en-US" sz="2400" dirty="0">
+              <a:latin typeface="Adobe 黑体 Std R" pitchFamily="34" charset="-122"/>
+              <a:ea typeface="Adobe 黑体 Std R" pitchFamily="34" charset="-122"/>
+            </a:endParaRPr>
           </a:p>
         </p:txBody>
       </p:sp>
@@ -26563,6 +27009,13 @@
   <p:clrMapOvr>
     <a:masterClrMapping/>
   </p:clrMapOvr>
+  <p:timing>
+    <p:tnLst>
+      <p:par>
+        <p:cTn id="1" dur="indefinite" restart="never" nodeType="tmRoot"/>
+      </p:par>
+    </p:tnLst>
+  </p:timing>
 </p:sld>
 </file>
 
@@ -30348,195 +30801,6 @@
           </a:p>
         </p:txBody>
       </p:sp>
-      <p:sp>
-        <p:nvSpPr>
-          <p:cNvPr id="4" name="矩形 3"/>
-          <p:cNvSpPr/>
-          <p:nvPr/>
-        </p:nvSpPr>
-        <p:spPr>
-          <a:xfrm>
-            <a:off x="611560" y="4221088"/>
-            <a:ext cx="7920880" cy="2376264"/>
-          </a:xfrm>
-          <a:prstGeom prst="rect">
-            <a:avLst/>
-          </a:prstGeom>
-        </p:spPr>
-        <p:style>
-          <a:lnRef idx="2">
-            <a:schemeClr val="accent6">
-              <a:shade val="50000"/>
-            </a:schemeClr>
-          </a:lnRef>
-          <a:fillRef idx="1">
-            <a:schemeClr val="accent6"/>
-          </a:fillRef>
-          <a:effectRef idx="0">
-            <a:schemeClr val="accent6"/>
-          </a:effectRef>
-          <a:fontRef idx="minor">
-            <a:schemeClr val="lt1"/>
-          </a:fontRef>
-        </p:style>
-        <p:txBody>
-          <a:bodyPr rtlCol="0" anchor="ctr"/>
-          <a:lstStyle/>
-          <a:p>
-            <a:r>
-              <a:rPr lang="en-US" altLang="zh-CN" dirty="0">
-                <a:latin typeface="Consolas" pitchFamily="49" charset="0"/>
-                <a:cs typeface="Consolas" pitchFamily="49" charset="0"/>
-              </a:rPr>
-              <a:t>&lt;html&gt;</a:t>
-            </a:r>
-          </a:p>
-          <a:p>
-            <a:r>
-              <a:rPr lang="en-US" altLang="zh-CN" dirty="0">
-                <a:latin typeface="Consolas" pitchFamily="49" charset="0"/>
-                <a:cs typeface="Consolas" pitchFamily="49" charset="0"/>
-              </a:rPr>
-              <a:t> </a:t>
-            </a:r>
-            <a:r>
-              <a:rPr lang="en-US" altLang="zh-CN" dirty="0" smtClean="0">
-                <a:latin typeface="Consolas" pitchFamily="49" charset="0"/>
-                <a:cs typeface="Consolas" pitchFamily="49" charset="0"/>
-              </a:rPr>
-              <a:t>   &lt;</a:t>
-            </a:r>
-            <a:r>
-              <a:rPr lang="en-US" altLang="zh-CN" dirty="0">
-                <a:latin typeface="Consolas" pitchFamily="49" charset="0"/>
-                <a:cs typeface="Consolas" pitchFamily="49" charset="0"/>
-              </a:rPr>
-              <a:t>head&gt;</a:t>
-            </a:r>
-          </a:p>
-          <a:p>
-            <a:r>
-              <a:rPr lang="en-US" altLang="zh-CN" dirty="0" smtClean="0">
-                <a:latin typeface="Consolas" pitchFamily="49" charset="0"/>
-                <a:cs typeface="Consolas" pitchFamily="49" charset="0"/>
-              </a:rPr>
-              <a:t>	&lt;</a:t>
-            </a:r>
-            <a:r>
-              <a:rPr lang="en-US" altLang="zh-CN" dirty="0">
-                <a:latin typeface="Consolas" pitchFamily="49" charset="0"/>
-                <a:cs typeface="Consolas" pitchFamily="49" charset="0"/>
-              </a:rPr>
-              <a:t>title&gt;Document&lt;/title&gt;</a:t>
-            </a:r>
-          </a:p>
-          <a:p>
-            <a:r>
-              <a:rPr lang="en-US" altLang="zh-CN" dirty="0">
-                <a:latin typeface="Consolas" pitchFamily="49" charset="0"/>
-                <a:cs typeface="Consolas" pitchFamily="49" charset="0"/>
-              </a:rPr>
-              <a:t> </a:t>
-            </a:r>
-            <a:r>
-              <a:rPr lang="en-US" altLang="zh-CN" dirty="0" smtClean="0">
-                <a:latin typeface="Consolas" pitchFamily="49" charset="0"/>
-                <a:cs typeface="Consolas" pitchFamily="49" charset="0"/>
-              </a:rPr>
-              <a:t>   &lt;/</a:t>
-            </a:r>
-            <a:r>
-              <a:rPr lang="en-US" altLang="zh-CN" dirty="0">
-                <a:latin typeface="Consolas" pitchFamily="49" charset="0"/>
-                <a:cs typeface="Consolas" pitchFamily="49" charset="0"/>
-              </a:rPr>
-              <a:t>head&gt;</a:t>
-            </a:r>
-          </a:p>
-          <a:p>
-            <a:r>
-              <a:rPr lang="en-US" altLang="zh-CN" dirty="0">
-                <a:latin typeface="Consolas" pitchFamily="49" charset="0"/>
-                <a:cs typeface="Consolas" pitchFamily="49" charset="0"/>
-              </a:rPr>
-              <a:t> </a:t>
-            </a:r>
-            <a:r>
-              <a:rPr lang="en-US" altLang="zh-CN" dirty="0" smtClean="0">
-                <a:latin typeface="Consolas" pitchFamily="49" charset="0"/>
-                <a:cs typeface="Consolas" pitchFamily="49" charset="0"/>
-              </a:rPr>
-              <a:t>   &lt;</a:t>
-            </a:r>
-            <a:r>
-              <a:rPr lang="en-US" altLang="zh-CN" dirty="0">
-                <a:latin typeface="Consolas" pitchFamily="49" charset="0"/>
-                <a:cs typeface="Consolas" pitchFamily="49" charset="0"/>
-              </a:rPr>
-              <a:t>body&gt;</a:t>
-            </a:r>
-          </a:p>
-          <a:p>
-            <a:r>
-              <a:rPr lang="en-US" altLang="zh-CN" dirty="0" smtClean="0">
-                <a:latin typeface="Consolas" pitchFamily="49" charset="0"/>
-                <a:cs typeface="Consolas" pitchFamily="49" charset="0"/>
-              </a:rPr>
-              <a:t>	&lt;</a:t>
-            </a:r>
-            <a:r>
-              <a:rPr lang="en-US" altLang="zh-CN" dirty="0">
-                <a:latin typeface="Consolas" pitchFamily="49" charset="0"/>
-                <a:cs typeface="Consolas" pitchFamily="49" charset="0"/>
-              </a:rPr>
-              <a:t>p&gt;Hello World&lt;/p</a:t>
-            </a:r>
-            <a:r>
-              <a:rPr lang="en-US" altLang="zh-CN" dirty="0" smtClean="0">
-                <a:latin typeface="Consolas" pitchFamily="49" charset="0"/>
-                <a:cs typeface="Consolas" pitchFamily="49" charset="0"/>
-              </a:rPr>
-              <a:t>&gt;</a:t>
-            </a:r>
-          </a:p>
-          <a:p>
-            <a:r>
-              <a:rPr lang="en-US" altLang="zh-CN" dirty="0">
-                <a:latin typeface="Consolas" pitchFamily="49" charset="0"/>
-                <a:cs typeface="Consolas" pitchFamily="49" charset="0"/>
-              </a:rPr>
-              <a:t> </a:t>
-            </a:r>
-            <a:r>
-              <a:rPr lang="en-US" altLang="zh-CN" dirty="0" smtClean="0">
-                <a:latin typeface="Consolas" pitchFamily="49" charset="0"/>
-                <a:cs typeface="Consolas" pitchFamily="49" charset="0"/>
-              </a:rPr>
-              <a:t>   &lt;/</a:t>
-            </a:r>
-            <a:r>
-              <a:rPr lang="en-US" altLang="zh-CN" dirty="0">
-                <a:latin typeface="Consolas" pitchFamily="49" charset="0"/>
-                <a:cs typeface="Consolas" pitchFamily="49" charset="0"/>
-              </a:rPr>
-              <a:t>body&gt;</a:t>
-            </a:r>
-          </a:p>
-          <a:p>
-            <a:r>
-              <a:rPr lang="en-US" altLang="zh-CN" dirty="0">
-                <a:latin typeface="Consolas" pitchFamily="49" charset="0"/>
-                <a:cs typeface="Consolas" pitchFamily="49" charset="0"/>
-              </a:rPr>
-              <a:t>&lt;/html&gt;</a:t>
-            </a:r>
-            <a:endParaRPr lang="zh-CN" altLang="en-US" dirty="0">
-              <a:latin typeface="Consolas" pitchFamily="49" charset="0"/>
-              <a:cs typeface="Consolas" pitchFamily="49" charset="0"/>
-            </a:endParaRPr>
-          </a:p>
-        </p:txBody>
-      </p:sp>
     </p:spTree>
     <p:extLst>
       <p:ext uri="{BB962C8B-B14F-4D97-AF65-F5344CB8AC3E}">
@@ -30738,59 +31002,6 @@
                       </p:childTnLst>
                     </p:cTn>
                   </p:par>
-                  <p:par>
-                    <p:cTn id="18" fill="hold">
-                      <p:stCondLst>
-                        <p:cond delay="indefinite"/>
-                      </p:stCondLst>
-                      <p:childTnLst>
-                        <p:par>
-                          <p:cTn id="19" fill="hold">
-                            <p:stCondLst>
-                              <p:cond delay="0"/>
-                            </p:stCondLst>
-                            <p:childTnLst>
-                              <p:par>
-                                <p:cTn id="20" presetID="10" presetClass="entr" presetSubtype="0" fill="hold" grpId="0" nodeType="clickEffect">
-                                  <p:stCondLst>
-                                    <p:cond delay="0"/>
-                                  </p:stCondLst>
-                                  <p:childTnLst>
-                                    <p:set>
-                                      <p:cBhvr>
-                                        <p:cTn id="21" dur="1" fill="hold">
-                                          <p:stCondLst>
-                                            <p:cond delay="0"/>
-                                          </p:stCondLst>
-                                        </p:cTn>
-                                        <p:tgtEl>
-                                          <p:spTgt spid="4"/>
-                                        </p:tgtEl>
-                                        <p:attrNameLst>
-                                          <p:attrName>style.visibility</p:attrName>
-                                        </p:attrNameLst>
-                                      </p:cBhvr>
-                                      <p:to>
-                                        <p:strVal val="visible"/>
-                                      </p:to>
-                                    </p:set>
-                                    <p:animEffect transition="in" filter="fade">
-                                      <p:cBhvr>
-                                        <p:cTn id="22" dur="500"/>
-                                        <p:tgtEl>
-                                          <p:spTgt spid="4"/>
-                                        </p:tgtEl>
-                                      </p:cBhvr>
-                                    </p:animEffect>
-                                  </p:childTnLst>
-                                </p:cTn>
-                              </p:par>
-                            </p:childTnLst>
-                          </p:cTn>
-                        </p:par>
-                      </p:childTnLst>
-                    </p:cTn>
-                  </p:par>
                 </p:childTnLst>
               </p:cTn>
               <p:prevCondLst>
@@ -30814,7 +31025,6 @@
     </p:tnLst>
     <p:bldLst>
       <p:bldP spid="3" grpId="0" build="p"/>
-      <p:bldP spid="4" grpId="0" animBg="1"/>
     </p:bldLst>
   </p:timing>
 </p:sld>
@@ -31151,6 +31361,195 @@
           </a:p>
         </p:txBody>
       </p:sp>
+      <p:sp>
+        <p:nvSpPr>
+          <p:cNvPr id="4" name="矩形 3"/>
+          <p:cNvSpPr/>
+          <p:nvPr/>
+        </p:nvSpPr>
+        <p:spPr>
+          <a:xfrm>
+            <a:off x="611560" y="4221088"/>
+            <a:ext cx="7920880" cy="2376264"/>
+          </a:xfrm>
+          <a:prstGeom prst="rect">
+            <a:avLst/>
+          </a:prstGeom>
+        </p:spPr>
+        <p:style>
+          <a:lnRef idx="2">
+            <a:schemeClr val="accent6">
+              <a:shade val="50000"/>
+            </a:schemeClr>
+          </a:lnRef>
+          <a:fillRef idx="1">
+            <a:schemeClr val="accent6"/>
+          </a:fillRef>
+          <a:effectRef idx="0">
+            <a:schemeClr val="accent6"/>
+          </a:effectRef>
+          <a:fontRef idx="minor">
+            <a:schemeClr val="lt1"/>
+          </a:fontRef>
+        </p:style>
+        <p:txBody>
+          <a:bodyPr rtlCol="0" anchor="ctr"/>
+          <a:lstStyle/>
+          <a:p>
+            <a:r>
+              <a:rPr lang="en-US" altLang="zh-CN" dirty="0">
+                <a:latin typeface="Consolas" pitchFamily="49" charset="0"/>
+                <a:cs typeface="Consolas" pitchFamily="49" charset="0"/>
+              </a:rPr>
+              <a:t>&lt;html&gt;</a:t>
+            </a:r>
+          </a:p>
+          <a:p>
+            <a:r>
+              <a:rPr lang="en-US" altLang="zh-CN" dirty="0">
+                <a:latin typeface="Consolas" pitchFamily="49" charset="0"/>
+                <a:cs typeface="Consolas" pitchFamily="49" charset="0"/>
+              </a:rPr>
+              <a:t> </a:t>
+            </a:r>
+            <a:r>
+              <a:rPr lang="en-US" altLang="zh-CN" dirty="0" smtClean="0">
+                <a:latin typeface="Consolas" pitchFamily="49" charset="0"/>
+                <a:cs typeface="Consolas" pitchFamily="49" charset="0"/>
+              </a:rPr>
+              <a:t>   &lt;</a:t>
+            </a:r>
+            <a:r>
+              <a:rPr lang="en-US" altLang="zh-CN" dirty="0">
+                <a:latin typeface="Consolas" pitchFamily="49" charset="0"/>
+                <a:cs typeface="Consolas" pitchFamily="49" charset="0"/>
+              </a:rPr>
+              <a:t>head&gt;</a:t>
+            </a:r>
+          </a:p>
+          <a:p>
+            <a:r>
+              <a:rPr lang="en-US" altLang="zh-CN" dirty="0" smtClean="0">
+                <a:latin typeface="Consolas" pitchFamily="49" charset="0"/>
+                <a:cs typeface="Consolas" pitchFamily="49" charset="0"/>
+              </a:rPr>
+              <a:t>	&lt;</a:t>
+            </a:r>
+            <a:r>
+              <a:rPr lang="en-US" altLang="zh-CN" dirty="0">
+                <a:latin typeface="Consolas" pitchFamily="49" charset="0"/>
+                <a:cs typeface="Consolas" pitchFamily="49" charset="0"/>
+              </a:rPr>
+              <a:t>title&gt;Document&lt;/title&gt;</a:t>
+            </a:r>
+          </a:p>
+          <a:p>
+            <a:r>
+              <a:rPr lang="en-US" altLang="zh-CN" dirty="0">
+                <a:latin typeface="Consolas" pitchFamily="49" charset="0"/>
+                <a:cs typeface="Consolas" pitchFamily="49" charset="0"/>
+              </a:rPr>
+              <a:t> </a:t>
+            </a:r>
+            <a:r>
+              <a:rPr lang="en-US" altLang="zh-CN" dirty="0" smtClean="0">
+                <a:latin typeface="Consolas" pitchFamily="49" charset="0"/>
+                <a:cs typeface="Consolas" pitchFamily="49" charset="0"/>
+              </a:rPr>
+              <a:t>   &lt;/</a:t>
+            </a:r>
+            <a:r>
+              <a:rPr lang="en-US" altLang="zh-CN" dirty="0">
+                <a:latin typeface="Consolas" pitchFamily="49" charset="0"/>
+                <a:cs typeface="Consolas" pitchFamily="49" charset="0"/>
+              </a:rPr>
+              <a:t>head&gt;</a:t>
+            </a:r>
+          </a:p>
+          <a:p>
+            <a:r>
+              <a:rPr lang="en-US" altLang="zh-CN" dirty="0">
+                <a:latin typeface="Consolas" pitchFamily="49" charset="0"/>
+                <a:cs typeface="Consolas" pitchFamily="49" charset="0"/>
+              </a:rPr>
+              <a:t> </a:t>
+            </a:r>
+            <a:r>
+              <a:rPr lang="en-US" altLang="zh-CN" dirty="0" smtClean="0">
+                <a:latin typeface="Consolas" pitchFamily="49" charset="0"/>
+                <a:cs typeface="Consolas" pitchFamily="49" charset="0"/>
+              </a:rPr>
+              <a:t>   &lt;</a:t>
+            </a:r>
+            <a:r>
+              <a:rPr lang="en-US" altLang="zh-CN" dirty="0">
+                <a:latin typeface="Consolas" pitchFamily="49" charset="0"/>
+                <a:cs typeface="Consolas" pitchFamily="49" charset="0"/>
+              </a:rPr>
+              <a:t>body&gt;</a:t>
+            </a:r>
+          </a:p>
+          <a:p>
+            <a:r>
+              <a:rPr lang="en-US" altLang="zh-CN" dirty="0" smtClean="0">
+                <a:latin typeface="Consolas" pitchFamily="49" charset="0"/>
+                <a:cs typeface="Consolas" pitchFamily="49" charset="0"/>
+              </a:rPr>
+              <a:t>	&lt;</a:t>
+            </a:r>
+            <a:r>
+              <a:rPr lang="en-US" altLang="zh-CN" dirty="0">
+                <a:latin typeface="Consolas" pitchFamily="49" charset="0"/>
+                <a:cs typeface="Consolas" pitchFamily="49" charset="0"/>
+              </a:rPr>
+              <a:t>p&gt;Hello World&lt;/p</a:t>
+            </a:r>
+            <a:r>
+              <a:rPr lang="en-US" altLang="zh-CN" dirty="0" smtClean="0">
+                <a:latin typeface="Consolas" pitchFamily="49" charset="0"/>
+                <a:cs typeface="Consolas" pitchFamily="49" charset="0"/>
+              </a:rPr>
+              <a:t>&gt;</a:t>
+            </a:r>
+          </a:p>
+          <a:p>
+            <a:r>
+              <a:rPr lang="en-US" altLang="zh-CN" dirty="0">
+                <a:latin typeface="Consolas" pitchFamily="49" charset="0"/>
+                <a:cs typeface="Consolas" pitchFamily="49" charset="0"/>
+              </a:rPr>
+              <a:t> </a:t>
+            </a:r>
+            <a:r>
+              <a:rPr lang="en-US" altLang="zh-CN" dirty="0" smtClean="0">
+                <a:latin typeface="Consolas" pitchFamily="49" charset="0"/>
+                <a:cs typeface="Consolas" pitchFamily="49" charset="0"/>
+              </a:rPr>
+              <a:t>   &lt;/</a:t>
+            </a:r>
+            <a:r>
+              <a:rPr lang="en-US" altLang="zh-CN" dirty="0">
+                <a:latin typeface="Consolas" pitchFamily="49" charset="0"/>
+                <a:cs typeface="Consolas" pitchFamily="49" charset="0"/>
+              </a:rPr>
+              <a:t>body&gt;</a:t>
+            </a:r>
+          </a:p>
+          <a:p>
+            <a:r>
+              <a:rPr lang="en-US" altLang="zh-CN" dirty="0">
+                <a:latin typeface="Consolas" pitchFamily="49" charset="0"/>
+                <a:cs typeface="Consolas" pitchFamily="49" charset="0"/>
+              </a:rPr>
+              <a:t>&lt;/html&gt;</a:t>
+            </a:r>
+            <a:endParaRPr lang="zh-CN" altLang="en-US" dirty="0">
+              <a:latin typeface="Consolas" pitchFamily="49" charset="0"/>
+              <a:cs typeface="Consolas" pitchFamily="49" charset="0"/>
+            </a:endParaRPr>
+          </a:p>
+        </p:txBody>
+      </p:sp>
     </p:spTree>
     <p:extLst>
       <p:ext uri="{BB962C8B-B14F-4D97-AF65-F5344CB8AC3E}">
@@ -31161,6 +31560,92 @@
   <p:clrMapOvr>
     <a:masterClrMapping/>
   </p:clrMapOvr>
+  <p:timing>
+    <p:tnLst>
+      <p:par>
+        <p:cTn id="1" dur="indefinite" restart="never" nodeType="tmRoot">
+          <p:childTnLst>
+            <p:seq concurrent="1" nextAc="seek">
+              <p:cTn id="2" dur="indefinite" nodeType="mainSeq">
+                <p:childTnLst>
+                  <p:par>
+                    <p:cTn id="3" fill="hold">
+                      <p:stCondLst>
+                        <p:cond delay="indefinite"/>
+                      </p:stCondLst>
+                      <p:childTnLst>
+                        <p:par>
+                          <p:cTn id="4" fill="hold">
+                            <p:stCondLst>
+                              <p:cond delay="0"/>
+                            </p:stCondLst>
+                            <p:childTnLst>
+                              <p:par>
+                                <p:cTn id="5" presetID="10" presetClass="entr" presetSubtype="0" fill="hold" grpId="0" nodeType="clickEffect">
+                                  <p:stCondLst>
+                                    <p:cond delay="0"/>
+                                  </p:stCondLst>
+                                  <p:childTnLst>
+                                    <p:set>
+                                      <p:cBhvr>
+                                        <p:cTn id="6" dur="1" fill="hold">
+                                          <p:stCondLst>
+                                            <p:cond delay="0"/>
+                                          </p:stCondLst>
+                                        </p:cTn>
+                                        <p:tgtEl>
+                                          <p:spTgt spid="4"/>
+                                        </p:tgtEl>
+                                        <p:attrNameLst>
+                                          <p:attrName>style.visibility</p:attrName>
+                                        </p:attrNameLst>
+                                      </p:cBhvr>
+                                      <p:to>
+                                        <p:strVal val="visible"/>
+                                      </p:to>
+                                    </p:set>
+                                    <p:animEffect transition="in" filter="fade">
+                                      <p:cBhvr>
+                                        <p:cTn id="7" dur="500"/>
+                                        <p:tgtEl>
+                                          <p:spTgt spid="4"/>
+                                        </p:tgtEl>
+                                      </p:cBhvr>
+                                    </p:animEffect>
+                                  </p:childTnLst>
+                                </p:cTn>
+                              </p:par>
+                            </p:childTnLst>
+                          </p:cTn>
+                        </p:par>
+                      </p:childTnLst>
+                    </p:cTn>
+                  </p:par>
+                </p:childTnLst>
+              </p:cTn>
+              <p:prevCondLst>
+                <p:cond evt="onPrev" delay="0">
+                  <p:tgtEl>
+                    <p:sldTgt/>
+                  </p:tgtEl>
+                </p:cond>
+              </p:prevCondLst>
+              <p:nextCondLst>
+                <p:cond evt="onNext" delay="0">
+                  <p:tgtEl>
+                    <p:sldTgt/>
+                  </p:tgtEl>
+                </p:cond>
+              </p:nextCondLst>
+            </p:seq>
+          </p:childTnLst>
+        </p:cTn>
+      </p:par>
+    </p:tnLst>
+    <p:bldLst>
+      <p:bldP spid="4" grpId="0" animBg="1"/>
+    </p:bldLst>
+  </p:timing>
 </p:sld>
 </file>
 
@@ -31433,7 +31918,7 @@
             <p:ph idx="1"/>
             <p:extLst>
               <p:ext uri="{D42A27DB-BD31-4B8C-83A1-F6EECF244321}">
-                <p14:modId xmlns:p14="http://schemas.microsoft.com/office/powerpoint/2010/main" val="1043800502"/>
+                <p14:modId xmlns:p14="http://schemas.microsoft.com/office/powerpoint/2010/main" val="2614974437"/>
               </p:ext>
             </p:extLst>
           </p:nvPr>
@@ -32146,7 +32631,12 @@
                     <a:p>
                       <a:pPr algn="ctr" fontAlgn="t"/>
                       <a:r>
-                        <a:rPr lang="en-US" altLang="zh-CN" sz="1100" dirty="0">
+                        <a:rPr lang="en-US" altLang="zh-CN" sz="1100" b="1" dirty="0">
+                          <a:solidFill>
+                            <a:schemeClr val="accent1">
+                              <a:lumMod val="75000"/>
+                            </a:schemeClr>
+                          </a:solidFill>
                           <a:effectLst/>
                           <a:latin typeface="Adobe 黑体 Std R" pitchFamily="34" charset="-122"/>
                           <a:ea typeface="Adobe 黑体 Std R" pitchFamily="34" charset="-122"/>
@@ -32193,7 +32683,10 @@
                       <a:tailEnd type="none" w="med" len="med"/>
                     </a:lnB>
                     <a:solidFill>
-                      <a:srgbClr val="EFEFEF"/>
+                      <a:schemeClr val="accent1">
+                        <a:lumMod val="40000"/>
+                        <a:lumOff val="60000"/>
+                      </a:schemeClr>
                     </a:solidFill>
                   </a:tcPr>
                 </a:tc>
@@ -32204,7 +32697,12 @@
                     <a:p>
                       <a:pPr fontAlgn="t"/>
                       <a:r>
-                        <a:rPr lang="en-US" sz="1100" dirty="0">
+                        <a:rPr lang="en-US" sz="1100" b="1" dirty="0">
+                          <a:solidFill>
+                            <a:schemeClr val="accent1">
+                              <a:lumMod val="75000"/>
+                            </a:schemeClr>
+                          </a:solidFill>
                           <a:effectLst/>
                           <a:latin typeface="Adobe 黑体 Std R" pitchFamily="34" charset="-122"/>
                           <a:ea typeface="Adobe 黑体 Std R" pitchFamily="34" charset="-122"/>
@@ -32251,7 +32749,10 @@
                       <a:tailEnd type="none" w="med" len="med"/>
                     </a:lnB>
                     <a:solidFill>
-                      <a:srgbClr val="EFEFEF"/>
+                      <a:schemeClr val="accent1">
+                        <a:lumMod val="40000"/>
+                        <a:lumOff val="60000"/>
+                      </a:schemeClr>
                     </a:solidFill>
                   </a:tcPr>
                 </a:tc>
@@ -32262,7 +32763,12 @@
                     <a:p>
                       <a:pPr fontAlgn="t"/>
                       <a:r>
-                        <a:rPr lang="zh-CN" altLang="en-US" sz="1100" dirty="0">
+                        <a:rPr lang="zh-CN" altLang="en-US" sz="1100" b="1" dirty="0">
+                          <a:solidFill>
+                            <a:schemeClr val="accent1">
+                              <a:lumMod val="75000"/>
+                            </a:schemeClr>
+                          </a:solidFill>
                           <a:effectLst/>
                           <a:latin typeface="Adobe 黑体 Std R" pitchFamily="34" charset="-122"/>
                           <a:ea typeface="Adobe 黑体 Std R" pitchFamily="34" charset="-122"/>
@@ -32309,7 +32815,10 @@
                       <a:tailEnd type="none" w="med" len="med"/>
                     </a:lnB>
                     <a:solidFill>
-                      <a:srgbClr val="EFEFEF"/>
+                      <a:schemeClr val="accent1">
+                        <a:lumMod val="40000"/>
+                        <a:lumOff val="60000"/>
+                      </a:schemeClr>
                     </a:solidFill>
                   </a:tcPr>
                 </a:tc>
@@ -32320,7 +32829,12 @@
                     <a:p>
                       <a:pPr fontAlgn="t"/>
                       <a:r>
-                        <a:rPr lang="en-US" sz="1100" dirty="0">
+                        <a:rPr lang="en-US" sz="1100" b="1" dirty="0">
+                          <a:solidFill>
+                            <a:schemeClr val="accent1">
+                              <a:lumMod val="75000"/>
+                            </a:schemeClr>
+                          </a:solidFill>
                           <a:effectLst/>
                           <a:latin typeface="Adobe 黑体 Std R" pitchFamily="34" charset="-122"/>
                           <a:ea typeface="Adobe 黑体 Std R" pitchFamily="34" charset="-122"/>
@@ -32367,7 +32881,10 @@
                       <a:tailEnd type="none" w="med" len="med"/>
                     </a:lnB>
                     <a:solidFill>
-                      <a:srgbClr val="EFEFEF"/>
+                      <a:schemeClr val="accent1">
+                        <a:lumMod val="40000"/>
+                        <a:lumOff val="60000"/>
+                      </a:schemeClr>
                     </a:solidFill>
                   </a:tcPr>
                 </a:tc>
@@ -34868,12 +35385,36 @@
           <a:lstStyle/>
           <a:p>
             <a:r>
+              <a:rPr lang="en-US" altLang="zh-CN" dirty="0" err="1" smtClean="0">
+                <a:latin typeface="Consolas" pitchFamily="49" charset="0"/>
+                <a:cs typeface="Consolas" pitchFamily="49" charset="0"/>
+              </a:rPr>
+              <a:t>innerHTML</a:t>
+            </a:r>
+            <a:r>
               <a:rPr lang="en-US" altLang="zh-CN" dirty="0" smtClean="0">
                 <a:latin typeface="Consolas" pitchFamily="49" charset="0"/>
                 <a:cs typeface="Consolas" pitchFamily="49" charset="0"/>
               </a:rPr>
-              <a:t>innerHTML </a:t>
-            </a:r>
+              <a:t> </a:t>
+            </a:r>
+            <a:endParaRPr lang="en-US" altLang="zh-CN" dirty="0" smtClean="0">
+              <a:latin typeface="Consolas" pitchFamily="49" charset="0"/>
+              <a:cs typeface="Consolas" pitchFamily="49" charset="0"/>
+            </a:endParaRPr>
+          </a:p>
+          <a:p>
+            <a:r>
+              <a:rPr lang="en-US" altLang="zh-CN" dirty="0" err="1" smtClean="0">
+                <a:latin typeface="Consolas" pitchFamily="49" charset="0"/>
+                <a:cs typeface="Consolas" pitchFamily="49" charset="0"/>
+              </a:rPr>
+              <a:t>textContent</a:t>
+            </a:r>
+            <a:endParaRPr lang="en-US" altLang="zh-CN" dirty="0" smtClean="0">
+              <a:latin typeface="Consolas" pitchFamily="49" charset="0"/>
+              <a:cs typeface="Consolas" pitchFamily="49" charset="0"/>
+            </a:endParaRPr>
           </a:p>
           <a:p>
             <a:r>
@@ -35037,12 +35578,20 @@
               <a:t>(</a:t>
             </a:r>
             <a:r>
+              <a:rPr lang="zh-CN" altLang="en-US" sz="2400" dirty="0">
+                <a:latin typeface="Adobe 黑体 Std R" pitchFamily="34" charset="-122"/>
+                <a:ea typeface="Adobe 黑体 Std R" pitchFamily="34" charset="-122"/>
+                <a:cs typeface="Consolas" pitchFamily="49" charset="0"/>
+              </a:rPr>
+              <a:t>可</a:t>
+            </a:r>
+            <a:r>
               <a:rPr lang="zh-CN" altLang="en-US" sz="2400" dirty="0" smtClean="0">
                 <a:latin typeface="Adobe 黑体 Std R" pitchFamily="34" charset="-122"/>
                 <a:ea typeface="Adobe 黑体 Std R" pitchFamily="34" charset="-122"/>
                 <a:cs typeface="Consolas" pitchFamily="49" charset="0"/>
               </a:rPr>
-              <a:t>仅读</a:t>
+              <a:t>读</a:t>
             </a:r>
             <a:r>
               <a:rPr lang="zh-CN" altLang="en-US" sz="2400" dirty="0">
@@ -35099,24 +35648,21 @@
                 <a:ea typeface="Adobe 黑体 Std R" pitchFamily="34" charset="-122"/>
                 <a:cs typeface="Consolas" pitchFamily="49" charset="0"/>
               </a:rPr>
-              <a:t>仅读</a:t>
-            </a:r>
-            <a:r>
-              <a:rPr lang="zh-CN" altLang="en-US" sz="2400" dirty="0">
-                <a:latin typeface="Adobe 黑体 Std R" pitchFamily="34" charset="-122"/>
-                <a:ea typeface="Adobe 黑体 Std R" pitchFamily="34" charset="-122"/>
-                <a:cs typeface="Consolas" pitchFamily="49" charset="0"/>
-              </a:rPr>
-              <a:t>写</a:t>
-            </a:r>
-            <a:r>
-              <a:rPr lang="en-US" altLang="zh-CN" sz="2400" dirty="0">
+              <a:t>仅可读</a:t>
+            </a:r>
+            <a:r>
+              <a:rPr lang="en-US" altLang="zh-CN" sz="2400" dirty="0" smtClean="0">
                 <a:latin typeface="Adobe 黑体 Std R" pitchFamily="34" charset="-122"/>
                 <a:ea typeface="Adobe 黑体 Std R" pitchFamily="34" charset="-122"/>
                 <a:cs typeface="Consolas" pitchFamily="49" charset="0"/>
               </a:rPr>
               <a:t>)</a:t>
             </a:r>
+            <a:endParaRPr lang="en-US" altLang="zh-CN" sz="2400" dirty="0">
+              <a:latin typeface="Adobe 黑体 Std R" pitchFamily="34" charset="-122"/>
+              <a:ea typeface="Adobe 黑体 Std R" pitchFamily="34" charset="-122"/>
+              <a:cs typeface="Consolas" pitchFamily="49" charset="0"/>
+            </a:endParaRPr>
           </a:p>
         </p:txBody>
       </p:sp>
@@ -35143,7 +35689,7 @@
           <a:lstStyle/>
           <a:p>
             <a:r>
-              <a:rPr lang="en-US" altLang="zh-CN" sz="2400" dirty="0" smtClean="0">
+              <a:rPr lang="en-US" altLang="zh-CN" sz="2400" dirty="0">
                 <a:latin typeface="Adobe 黑体 Std R" pitchFamily="34" charset="-122"/>
                 <a:ea typeface="Adobe 黑体 Std R" pitchFamily="34" charset="-122"/>
                 <a:cs typeface="Consolas" pitchFamily="49" charset="0"/>
@@ -35151,20 +35697,12 @@
               <a:t>(</a:t>
             </a:r>
             <a:r>
-              <a:rPr lang="zh-CN" altLang="en-US" sz="2400" dirty="0" smtClean="0">
-                <a:latin typeface="Adobe 黑体 Std R" pitchFamily="34" charset="-122"/>
-                <a:ea typeface="Adobe 黑体 Std R" pitchFamily="34" charset="-122"/>
-                <a:cs typeface="Consolas" pitchFamily="49" charset="0"/>
-              </a:rPr>
-              <a:t>仅读</a:t>
-            </a:r>
-            <a:r>
               <a:rPr lang="zh-CN" altLang="en-US" sz="2400" dirty="0">
                 <a:latin typeface="Adobe 黑体 Std R" pitchFamily="34" charset="-122"/>
                 <a:ea typeface="Adobe 黑体 Std R" pitchFamily="34" charset="-122"/>
                 <a:cs typeface="Consolas" pitchFamily="49" charset="0"/>
               </a:rPr>
-              <a:t>写</a:t>
+              <a:t>仅可读</a:t>
             </a:r>
             <a:r>
               <a:rPr lang="en-US" altLang="zh-CN" sz="2400" dirty="0">
@@ -35174,6 +35712,11 @@
               </a:rPr>
               <a:t>)</a:t>
             </a:r>
+            <a:endParaRPr lang="en-US" altLang="zh-CN" sz="2400" dirty="0">
+              <a:latin typeface="Adobe 黑体 Std R" pitchFamily="34" charset="-122"/>
+              <a:ea typeface="Adobe 黑体 Std R" pitchFamily="34" charset="-122"/>
+              <a:cs typeface="Consolas" pitchFamily="49" charset="0"/>
+            </a:endParaRPr>
           </a:p>
         </p:txBody>
       </p:sp>
@@ -35213,7 +35756,7 @@
                 <a:ea typeface="Adobe 黑体 Std R" pitchFamily="34" charset="-122"/>
                 <a:cs typeface="Consolas" pitchFamily="49" charset="0"/>
               </a:rPr>
-              <a:t>可读写</a:t>
+              <a:t>仅可读</a:t>
             </a:r>
             <a:r>
               <a:rPr lang="en-US" altLang="zh-CN" sz="2400" dirty="0">
@@ -35223,6 +35766,65 @@
               </a:rPr>
               <a:t>)</a:t>
             </a:r>
+            <a:endParaRPr lang="en-US" altLang="zh-CN" sz="2400" dirty="0">
+              <a:latin typeface="Adobe 黑体 Std R" pitchFamily="34" charset="-122"/>
+              <a:ea typeface="Adobe 黑体 Std R" pitchFamily="34" charset="-122"/>
+              <a:cs typeface="Consolas" pitchFamily="49" charset="0"/>
+            </a:endParaRPr>
+          </a:p>
+        </p:txBody>
+      </p:sp>
+      <p:sp>
+        <p:nvSpPr>
+          <p:cNvPr id="10" name="TextBox 9"/>
+          <p:cNvSpPr txBox="1"/>
+          <p:nvPr/>
+        </p:nvSpPr>
+        <p:spPr>
+          <a:xfrm>
+            <a:off x="3049208" y="4595172"/>
+            <a:ext cx="1306768" cy="461665"/>
+          </a:xfrm>
+          <a:prstGeom prst="rect">
+            <a:avLst/>
+          </a:prstGeom>
+          <a:noFill/>
+        </p:spPr>
+        <p:txBody>
+          <a:bodyPr wrap="none" rtlCol="0">
+            <a:spAutoFit/>
+          </a:bodyPr>
+          <a:lstStyle/>
+          <a:p>
+            <a:r>
+              <a:rPr lang="en-US" altLang="zh-CN" sz="2400" dirty="0">
+                <a:latin typeface="Adobe 黑体 Std R" pitchFamily="34" charset="-122"/>
+                <a:ea typeface="Adobe 黑体 Std R" pitchFamily="34" charset="-122"/>
+                <a:cs typeface="Consolas" pitchFamily="49" charset="0"/>
+              </a:rPr>
+              <a:t>(</a:t>
+            </a:r>
+            <a:r>
+              <a:rPr lang="zh-CN" altLang="en-US" sz="2400" dirty="0">
+                <a:latin typeface="Adobe 黑体 Std R" pitchFamily="34" charset="-122"/>
+                <a:ea typeface="Adobe 黑体 Std R" pitchFamily="34" charset="-122"/>
+                <a:cs typeface="Consolas" pitchFamily="49" charset="0"/>
+              </a:rPr>
+              <a:t>仅可读</a:t>
+            </a:r>
+            <a:r>
+              <a:rPr lang="en-US" altLang="zh-CN" sz="2400" dirty="0">
+                <a:latin typeface="Adobe 黑体 Std R" pitchFamily="34" charset="-122"/>
+                <a:ea typeface="Adobe 黑体 Std R" pitchFamily="34" charset="-122"/>
+                <a:cs typeface="Consolas" pitchFamily="49" charset="0"/>
+              </a:rPr>
+              <a:t>)</a:t>
+            </a:r>
+            <a:endParaRPr lang="en-US" altLang="zh-CN" sz="2400" dirty="0">
+              <a:latin typeface="Adobe 黑体 Std R" pitchFamily="34" charset="-122"/>
+              <a:ea typeface="Adobe 黑体 Std R" pitchFamily="34" charset="-122"/>
+              <a:cs typeface="Consolas" pitchFamily="49" charset="0"/>
+            </a:endParaRPr>
           </a:p>
         </p:txBody>
       </p:sp>
@@ -35431,6 +36033,41 @@
                                   </p:childTnLst>
                                 </p:cTn>
                               </p:par>
+                              <p:par>
+                                <p:cTn id="20" presetID="10" presetClass="entr" presetSubtype="0" fill="hold" grpId="0" nodeType="withEffect">
+                                  <p:stCondLst>
+                                    <p:cond delay="0"/>
+                                  </p:stCondLst>
+                                  <p:childTnLst>
+                                    <p:set>
+                                      <p:cBhvr>
+                                        <p:cTn id="21" dur="1" fill="hold">
+                                          <p:stCondLst>
+                                            <p:cond delay="0"/>
+                                          </p:stCondLst>
+                                        </p:cTn>
+                                        <p:tgtEl>
+                                          <p:spTgt spid="10"/>
+                                        </p:tgtEl>
+                                        <p:attrNameLst>
+                                          <p:attrName>style.visibility</p:attrName>
+                                        </p:attrNameLst>
+                                      </p:cBhvr>
+                                      <p:to>
+                                        <p:strVal val="visible"/>
+                                      </p:to>
+                                    </p:set>
+                                    <p:animEffect transition="in" filter="fade">
+                                      <p:cBhvr>
+                                        <p:cTn id="22" dur="500"/>
+                                        <p:tgtEl>
+                                          <p:spTgt spid="10"/>
+                                        </p:tgtEl>
+                                      </p:cBhvr>
+                                    </p:animEffect>
+                                  </p:childTnLst>
+                                </p:cTn>
+                              </p:par>
                             </p:childTnLst>
                           </p:cTn>
                         </p:par>
@@ -35464,6 +36101,7 @@
       <p:bldP spid="7" grpId="0"/>
       <p:bldP spid="8" grpId="0"/>
       <p:bldP spid="9" grpId="0"/>
+      <p:bldP spid="10" grpId="0"/>
     </p:bldLst>
   </p:timing>
 </p:sld>

--- a/manipulation.pptx
+++ b/manipulation.pptx
@@ -5860,24 +5860,24 @@
     </dgm:pt>
   </dgm:ptLst>
   <dgm:cxnLst>
+    <dgm:cxn modelId="{D26AFD39-CECA-4C6E-964D-E1B52394D8BE}" srcId="{308EED72-B955-4909-9596-962A7B9E4BF0}" destId="{54C69B59-D2E4-48E7-AE76-271AA9856726}" srcOrd="0" destOrd="0" parTransId="{4A792B34-B29F-4432-A207-0612E50F6A45}" sibTransId="{ED2D5B36-4487-481A-A54B-FD574AFB3A72}"/>
+    <dgm:cxn modelId="{C6B597A3-6500-4845-B80B-80905B1DD80D}" srcId="{431FD47C-21DF-4147-B72D-8202BFC981E3}" destId="{5452653C-363F-45FC-AFF7-959B58673B08}" srcOrd="1" destOrd="0" parTransId="{BFBE3122-0BDD-46A3-8931-81D356E8B201}" sibTransId="{E9BA1F5D-8E7E-4CB7-B6E6-EC98941C7002}"/>
+    <dgm:cxn modelId="{21DCBC05-87D5-49A5-9DDC-45BDA0BA8BC0}" srcId="{308EED72-B955-4909-9596-962A7B9E4BF0}" destId="{5927FEF3-1F2F-4B70-B910-913B48F2DE1F}" srcOrd="2" destOrd="0" parTransId="{A570B297-9267-4C0D-8C3A-D2A487833FC6}" sibTransId="{A181990E-B622-4D39-908F-F91EC2A20A35}"/>
+    <dgm:cxn modelId="{8B7EBB05-08AB-4100-AFB0-57089314C208}" srcId="{308EED72-B955-4909-9596-962A7B9E4BF0}" destId="{354ACCF7-210E-426B-B076-9F9FE5E8BFC2}" srcOrd="1" destOrd="0" parTransId="{E467250F-F059-407C-BAF8-17DBA3D55F2D}" sibTransId="{25872F95-77A8-4E24-B804-00142A0ECFEC}"/>
+    <dgm:cxn modelId="{78B9CF00-2373-45BD-9F5E-A03736A0BA4D}" type="presOf" srcId="{98351B23-3F89-4F34-9A3B-208E3B1AD018}" destId="{846B3BA7-0096-42B1-AEF5-818B99AAF7F9}" srcOrd="1" destOrd="0" presId="urn:microsoft.com/office/officeart/2005/8/layout/hierarchy6"/>
     <dgm:cxn modelId="{0DA9B849-5A12-41AB-9B91-D0A3E102D5C8}" type="presOf" srcId="{A570B297-9267-4C0D-8C3A-D2A487833FC6}" destId="{BABD95CC-38EE-4FB4-AA2D-FB2FF04048CA}" srcOrd="0" destOrd="0" presId="urn:microsoft.com/office/officeart/2005/8/layout/hierarchy6"/>
-    <dgm:cxn modelId="{8B7EBB05-08AB-4100-AFB0-57089314C208}" srcId="{308EED72-B955-4909-9596-962A7B9E4BF0}" destId="{354ACCF7-210E-426B-B076-9F9FE5E8BFC2}" srcOrd="1" destOrd="0" parTransId="{E467250F-F059-407C-BAF8-17DBA3D55F2D}" sibTransId="{25872F95-77A8-4E24-B804-00142A0ECFEC}"/>
+    <dgm:cxn modelId="{BE3E4E9B-C478-4E3C-A193-A0C53474618C}" type="presOf" srcId="{308EED72-B955-4909-9596-962A7B9E4BF0}" destId="{04D248C9-0B06-4B9B-A1E1-6EE653403F61}" srcOrd="0" destOrd="0" presId="urn:microsoft.com/office/officeart/2005/8/layout/hierarchy6"/>
+    <dgm:cxn modelId="{1F6DCD9B-802C-4715-85D3-2E8E7000E77B}" type="presOf" srcId="{5452653C-363F-45FC-AFF7-959B58673B08}" destId="{D15C4938-1ED4-4239-B5D7-F45053C3E9A3}" srcOrd="1" destOrd="0" presId="urn:microsoft.com/office/officeart/2005/8/layout/hierarchy6"/>
+    <dgm:cxn modelId="{F8BF9C11-0CF2-48E0-BCBA-F53443122BB6}" srcId="{431FD47C-21DF-4147-B72D-8202BFC981E3}" destId="{98351B23-3F89-4F34-9A3B-208E3B1AD018}" srcOrd="2" destOrd="0" parTransId="{16306997-46A9-4F51-9E51-38774671F07E}" sibTransId="{AA125E8B-B902-4C48-B9FC-847F6BDD3DC6}"/>
+    <dgm:cxn modelId="{E5DED8DE-CC04-440F-81FC-51AFC3B15C98}" type="presOf" srcId="{5452653C-363F-45FC-AFF7-959B58673B08}" destId="{A6E666FF-E70B-4540-855A-AFBB537B9327}" srcOrd="0" destOrd="0" presId="urn:microsoft.com/office/officeart/2005/8/layout/hierarchy6"/>
+    <dgm:cxn modelId="{D3280BC1-56D2-4A2F-A551-E9987550A119}" type="presOf" srcId="{54C69B59-D2E4-48E7-AE76-271AA9856726}" destId="{04E8B994-334C-4654-B5A5-924B5F8579EA}" srcOrd="0" destOrd="0" presId="urn:microsoft.com/office/officeart/2005/8/layout/hierarchy6"/>
     <dgm:cxn modelId="{46C306AC-76E2-424C-BA17-7D8056C26534}" type="presOf" srcId="{5927FEF3-1F2F-4B70-B910-913B48F2DE1F}" destId="{901F9022-E967-4255-9BBD-A4D9FD098E23}" srcOrd="0" destOrd="0" presId="urn:microsoft.com/office/officeart/2005/8/layout/hierarchy6"/>
-    <dgm:cxn modelId="{BE3E4E9B-C478-4E3C-A193-A0C53474618C}" type="presOf" srcId="{308EED72-B955-4909-9596-962A7B9E4BF0}" destId="{04D248C9-0B06-4B9B-A1E1-6EE653403F61}" srcOrd="0" destOrd="0" presId="urn:microsoft.com/office/officeart/2005/8/layout/hierarchy6"/>
+    <dgm:cxn modelId="{7E13AB0E-9720-49A7-ACF1-F0F0D4A3BB7E}" type="presOf" srcId="{4A792B34-B29F-4432-A207-0612E50F6A45}" destId="{D363D8BE-A8D0-43D2-88C9-6119156624E5}" srcOrd="0" destOrd="0" presId="urn:microsoft.com/office/officeart/2005/8/layout/hierarchy6"/>
     <dgm:cxn modelId="{9B2A9731-2485-48C8-8B42-97DF45B818D3}" type="presOf" srcId="{431FD47C-21DF-4147-B72D-8202BFC981E3}" destId="{65456A9F-7391-450D-B61E-5311232CFD7B}" srcOrd="0" destOrd="0" presId="urn:microsoft.com/office/officeart/2005/8/layout/hierarchy6"/>
-    <dgm:cxn modelId="{C6B597A3-6500-4845-B80B-80905B1DD80D}" srcId="{431FD47C-21DF-4147-B72D-8202BFC981E3}" destId="{5452653C-363F-45FC-AFF7-959B58673B08}" srcOrd="1" destOrd="0" parTransId="{BFBE3122-0BDD-46A3-8931-81D356E8B201}" sibTransId="{E9BA1F5D-8E7E-4CB7-B6E6-EC98941C7002}"/>
     <dgm:cxn modelId="{C5B7E2D7-4C4D-4332-9AF0-380AE87054A7}" srcId="{431FD47C-21DF-4147-B72D-8202BFC981E3}" destId="{308EED72-B955-4909-9596-962A7B9E4BF0}" srcOrd="0" destOrd="0" parTransId="{FCAFE860-7D0D-4B11-AE61-97609090E92E}" sibTransId="{11AD264B-7D7C-4B34-B6A0-73B2EB012A49}"/>
-    <dgm:cxn modelId="{D3280BC1-56D2-4A2F-A551-E9987550A119}" type="presOf" srcId="{54C69B59-D2E4-48E7-AE76-271AA9856726}" destId="{04E8B994-334C-4654-B5A5-924B5F8579EA}" srcOrd="0" destOrd="0" presId="urn:microsoft.com/office/officeart/2005/8/layout/hierarchy6"/>
+    <dgm:cxn modelId="{A384BBB8-9D02-4E07-99A3-14D92000ABD4}" type="presOf" srcId="{354ACCF7-210E-426B-B076-9F9FE5E8BFC2}" destId="{A444287F-FB55-461E-8FFD-3E7B296DA7E0}" srcOrd="0" destOrd="0" presId="urn:microsoft.com/office/officeart/2005/8/layout/hierarchy6"/>
     <dgm:cxn modelId="{12DE6061-A9D2-49A5-9F95-5C935ABA2A82}" type="presOf" srcId="{98351B23-3F89-4F34-9A3B-208E3B1AD018}" destId="{1A05406C-8B0B-4968-990B-0DB4B544163E}" srcOrd="0" destOrd="0" presId="urn:microsoft.com/office/officeart/2005/8/layout/hierarchy6"/>
-    <dgm:cxn modelId="{F8BF9C11-0CF2-48E0-BCBA-F53443122BB6}" srcId="{431FD47C-21DF-4147-B72D-8202BFC981E3}" destId="{98351B23-3F89-4F34-9A3B-208E3B1AD018}" srcOrd="2" destOrd="0" parTransId="{16306997-46A9-4F51-9E51-38774671F07E}" sibTransId="{AA125E8B-B902-4C48-B9FC-847F6BDD3DC6}"/>
-    <dgm:cxn modelId="{A384BBB8-9D02-4E07-99A3-14D92000ABD4}" type="presOf" srcId="{354ACCF7-210E-426B-B076-9F9FE5E8BFC2}" destId="{A444287F-FB55-461E-8FFD-3E7B296DA7E0}" srcOrd="0" destOrd="0" presId="urn:microsoft.com/office/officeart/2005/8/layout/hierarchy6"/>
-    <dgm:cxn modelId="{E5DED8DE-CC04-440F-81FC-51AFC3B15C98}" type="presOf" srcId="{5452653C-363F-45FC-AFF7-959B58673B08}" destId="{A6E666FF-E70B-4540-855A-AFBB537B9327}" srcOrd="0" destOrd="0" presId="urn:microsoft.com/office/officeart/2005/8/layout/hierarchy6"/>
-    <dgm:cxn modelId="{D26AFD39-CECA-4C6E-964D-E1B52394D8BE}" srcId="{308EED72-B955-4909-9596-962A7B9E4BF0}" destId="{54C69B59-D2E4-48E7-AE76-271AA9856726}" srcOrd="0" destOrd="0" parTransId="{4A792B34-B29F-4432-A207-0612E50F6A45}" sibTransId="{ED2D5B36-4487-481A-A54B-FD574AFB3A72}"/>
-    <dgm:cxn modelId="{21DCBC05-87D5-49A5-9DDC-45BDA0BA8BC0}" srcId="{308EED72-B955-4909-9596-962A7B9E4BF0}" destId="{5927FEF3-1F2F-4B70-B910-913B48F2DE1F}" srcOrd="2" destOrd="0" parTransId="{A570B297-9267-4C0D-8C3A-D2A487833FC6}" sibTransId="{A181990E-B622-4D39-908F-F91EC2A20A35}"/>
-    <dgm:cxn modelId="{7E13AB0E-9720-49A7-ACF1-F0F0D4A3BB7E}" type="presOf" srcId="{4A792B34-B29F-4432-A207-0612E50F6A45}" destId="{D363D8BE-A8D0-43D2-88C9-6119156624E5}" srcOrd="0" destOrd="0" presId="urn:microsoft.com/office/officeart/2005/8/layout/hierarchy6"/>
     <dgm:cxn modelId="{E47F9A45-53A8-4BDF-A188-76F21D7ADFC1}" type="presOf" srcId="{E467250F-F059-407C-BAF8-17DBA3D55F2D}" destId="{ACEF6C2C-FC93-48BA-A5EE-5CE669C46889}" srcOrd="0" destOrd="0" presId="urn:microsoft.com/office/officeart/2005/8/layout/hierarchy6"/>
-    <dgm:cxn modelId="{1F6DCD9B-802C-4715-85D3-2E8E7000E77B}" type="presOf" srcId="{5452653C-363F-45FC-AFF7-959B58673B08}" destId="{D15C4938-1ED4-4239-B5D7-F45053C3E9A3}" srcOrd="1" destOrd="0" presId="urn:microsoft.com/office/officeart/2005/8/layout/hierarchy6"/>
-    <dgm:cxn modelId="{78B9CF00-2373-45BD-9F5E-A03736A0BA4D}" type="presOf" srcId="{98351B23-3F89-4F34-9A3B-208E3B1AD018}" destId="{846B3BA7-0096-42B1-AEF5-818B99AAF7F9}" srcOrd="1" destOrd="0" presId="urn:microsoft.com/office/officeart/2005/8/layout/hierarchy6"/>
     <dgm:cxn modelId="{8F691FCA-E5CA-48B5-A233-077CC61993DB}" type="presParOf" srcId="{65456A9F-7391-450D-B61E-5311232CFD7B}" destId="{9C4444C7-5B4F-41FF-AD0C-27FD68682037}" srcOrd="0" destOrd="0" presId="urn:microsoft.com/office/officeart/2005/8/layout/hierarchy6"/>
     <dgm:cxn modelId="{5D28DBEE-56E6-4D57-A8F2-189951A76B27}" type="presParOf" srcId="{9C4444C7-5B4F-41FF-AD0C-27FD68682037}" destId="{17A9FB45-9CE1-46A0-806F-E44216830BB8}" srcOrd="0" destOrd="0" presId="urn:microsoft.com/office/officeart/2005/8/layout/hierarchy6"/>
     <dgm:cxn modelId="{07F69FDE-60E4-456E-8611-961D8439BD01}" type="presParOf" srcId="{9C4444C7-5B4F-41FF-AD0C-27FD68682037}" destId="{ADE0DA0C-44B5-40E7-A862-3E09E03BB0EB}" srcOrd="1" destOrd="0" presId="urn:microsoft.com/office/officeart/2005/8/layout/hierarchy6"/>
@@ -8969,12 +8969,12 @@
         </a:fontRef>
       </dsp:style>
       <dsp:txBody>
-        <a:bodyPr spcFirstLastPara="0" vert="horz" wrap="square" lIns="80010" tIns="80010" rIns="80010" bIns="80010" numCol="1" spcCol="1270" anchor="ctr" anchorCtr="0">
+        <a:bodyPr spcFirstLastPara="0" vert="horz" wrap="square" lIns="76200" tIns="76200" rIns="76200" bIns="76200" numCol="1" spcCol="1270" anchor="ctr" anchorCtr="0">
           <a:noAutofit/>
         </a:bodyPr>
         <a:lstStyle/>
         <a:p>
-          <a:pPr lvl="0" algn="l" defTabSz="933450">
+          <a:pPr lvl="0" algn="l" defTabSz="889000">
             <a:lnSpc>
               <a:spcPct val="90000"/>
             </a:lnSpc>
@@ -8986,12 +8986,12 @@
             </a:spcAft>
           </a:pPr>
           <a:r>
-            <a:rPr lang="en-US" altLang="zh-CN" sz="2100" kern="1200" dirty="0" smtClean="0"/>
+            <a:rPr lang="en-US" altLang="zh-CN" sz="2000" kern="1200" dirty="0" smtClean="0"/>
             <a:t>Input (String) :</a:t>
           </a:r>
         </a:p>
         <a:p>
-          <a:pPr lvl="0" algn="l" defTabSz="933450">
+          <a:pPr lvl="0" algn="l" defTabSz="889000">
             <a:lnSpc>
               <a:spcPct val="90000"/>
             </a:lnSpc>
@@ -9003,12 +9003,12 @@
             </a:spcAft>
           </a:pPr>
           <a:r>
-            <a:rPr lang="en-US" altLang="zh-CN" sz="2100" kern="1200" dirty="0" smtClean="0"/>
+            <a:rPr lang="en-US" altLang="zh-CN" sz="2000" kern="1200" dirty="0" smtClean="0"/>
             <a:t>TagName</a:t>
           </a:r>
         </a:p>
         <a:p>
-          <a:pPr lvl="0" algn="l" defTabSz="933450">
+          <a:pPr lvl="0" algn="l" defTabSz="889000">
             <a:lnSpc>
               <a:spcPct val="90000"/>
             </a:lnSpc>
@@ -9020,12 +9020,12 @@
             </a:spcAft>
           </a:pPr>
           <a:r>
-            <a:rPr lang="en-US" altLang="zh-CN" sz="2100" kern="1200" dirty="0" smtClean="0"/>
+            <a:rPr lang="en-US" altLang="zh-CN" sz="2000" kern="1200" dirty="0" smtClean="0"/>
             <a:t>Text </a:t>
           </a:r>
         </a:p>
         <a:p>
-          <a:pPr lvl="0" algn="l" defTabSz="933450">
+          <a:pPr lvl="0" algn="l" defTabSz="889000">
             <a:lnSpc>
               <a:spcPct val="90000"/>
             </a:lnSpc>
@@ -9037,7 +9037,7 @@
             </a:spcAft>
           </a:pPr>
           <a:r>
-            <a:rPr lang="en-US" altLang="zh-CN" sz="2100" kern="1200" dirty="0" smtClean="0"/>
+            <a:rPr lang="en-US" altLang="zh-CN" sz="2000" kern="1200" dirty="0" smtClean="0"/>
             <a:t>No arg</a:t>
           </a:r>
         </a:p>
@@ -9097,7 +9097,7 @@
         </a:bodyPr>
         <a:lstStyle/>
         <a:p>
-          <a:pPr lvl="0" algn="ctr" defTabSz="755650">
+          <a:pPr lvl="0" algn="ctr" defTabSz="711200">
             <a:lnSpc>
               <a:spcPct val="90000"/>
             </a:lnSpc>
@@ -9108,7 +9108,7 @@
               <a:spcPct val="35000"/>
             </a:spcAft>
           </a:pPr>
-          <a:endParaRPr lang="zh-CN" altLang="en-US" sz="1700" kern="1200"/>
+          <a:endParaRPr lang="zh-CN" altLang="en-US" sz="1600" kern="1200"/>
         </a:p>
       </dsp:txBody>
       <dsp:txXfrm>
@@ -9167,12 +9167,12 @@
         </a:fontRef>
       </dsp:style>
       <dsp:txBody>
-        <a:bodyPr spcFirstLastPara="0" vert="horz" wrap="square" lIns="80010" tIns="80010" rIns="80010" bIns="80010" numCol="1" spcCol="1270" anchor="ctr" anchorCtr="0">
+        <a:bodyPr spcFirstLastPara="0" vert="horz" wrap="square" lIns="76200" tIns="76200" rIns="76200" bIns="76200" numCol="1" spcCol="1270" anchor="ctr" anchorCtr="0">
           <a:noAutofit/>
         </a:bodyPr>
         <a:lstStyle/>
         <a:p>
-          <a:pPr lvl="0" algn="l" defTabSz="933450">
+          <a:pPr lvl="0" algn="l" defTabSz="889000">
             <a:lnSpc>
               <a:spcPct val="90000"/>
             </a:lnSpc>
@@ -9184,12 +9184,12 @@
             </a:spcAft>
           </a:pPr>
           <a:r>
-            <a:rPr lang="en-US" altLang="zh-CN" sz="2100" kern="1200" dirty="0" smtClean="0"/>
+            <a:rPr lang="en-US" altLang="zh-CN" sz="2000" kern="1200" dirty="0" smtClean="0"/>
             <a:t>Output(Node -&gt;Object)</a:t>
           </a:r>
         </a:p>
         <a:p>
-          <a:pPr lvl="0" algn="l" defTabSz="933450">
+          <a:pPr lvl="0" algn="l" defTabSz="889000">
             <a:lnSpc>
               <a:spcPct val="90000"/>
             </a:lnSpc>
@@ -9201,12 +9201,12 @@
             </a:spcAft>
           </a:pPr>
           <a:r>
-            <a:rPr lang="en-US" altLang="zh-CN" sz="2100" kern="1200" dirty="0" smtClean="0"/>
+            <a:rPr lang="en-US" altLang="zh-CN" sz="2000" kern="1200" dirty="0" smtClean="0"/>
             <a:t>HTMLElement</a:t>
           </a:r>
         </a:p>
         <a:p>
-          <a:pPr lvl="0" algn="l" defTabSz="933450">
+          <a:pPr lvl="0" algn="l" defTabSz="889000">
             <a:lnSpc>
               <a:spcPct val="90000"/>
             </a:lnSpc>
@@ -9218,12 +9218,12 @@
             </a:spcAft>
           </a:pPr>
           <a:r>
-            <a:rPr lang="en-US" altLang="zh-CN" sz="2100" kern="1200" dirty="0" smtClean="0"/>
+            <a:rPr lang="en-US" altLang="zh-CN" sz="2000" kern="1200" dirty="0" smtClean="0"/>
             <a:t>HTMLText</a:t>
           </a:r>
         </a:p>
         <a:p>
-          <a:pPr lvl="0" algn="l" defTabSz="933450">
+          <a:pPr lvl="0" algn="l" defTabSz="889000">
             <a:lnSpc>
               <a:spcPct val="90000"/>
             </a:lnSpc>
@@ -9235,10 +9235,10 @@
             </a:spcAft>
           </a:pPr>
           <a:r>
-            <a:rPr lang="en-US" altLang="zh-CN" sz="2100" kern="1200" dirty="0" smtClean="0"/>
+            <a:rPr lang="en-US" altLang="zh-CN" sz="2000" kern="1200" dirty="0" smtClean="0"/>
             <a:t>document-fragment</a:t>
           </a:r>
-          <a:endParaRPr lang="zh-CN" altLang="en-US" sz="2100" kern="1200" dirty="0"/>
+          <a:endParaRPr lang="zh-CN" altLang="en-US" sz="2000" kern="1200" dirty="0"/>
         </a:p>
       </dsp:txBody>
       <dsp:txXfrm>
@@ -9309,12 +9309,12 @@
         </a:fontRef>
       </dsp:style>
       <dsp:txBody>
-        <a:bodyPr spcFirstLastPara="0" vert="horz" wrap="square" lIns="83820" tIns="83820" rIns="83820" bIns="83820" numCol="1" spcCol="1270" anchor="ctr" anchorCtr="0">
+        <a:bodyPr spcFirstLastPara="0" vert="horz" wrap="square" lIns="80010" tIns="80010" rIns="80010" bIns="80010" numCol="1" spcCol="1270" anchor="ctr" anchorCtr="0">
           <a:noAutofit/>
         </a:bodyPr>
         <a:lstStyle/>
         <a:p>
-          <a:pPr lvl="0" algn="l" defTabSz="977900">
+          <a:pPr lvl="0" algn="l" defTabSz="933450">
             <a:lnSpc>
               <a:spcPct val="90000"/>
             </a:lnSpc>
@@ -9326,12 +9326,12 @@
             </a:spcAft>
           </a:pPr>
           <a:r>
-            <a:rPr lang="en-US" altLang="zh-CN" sz="2200" kern="1200" dirty="0" smtClean="0"/>
+            <a:rPr lang="en-US" altLang="zh-CN" sz="2100" kern="1200" dirty="0" smtClean="0"/>
             <a:t>Input (String) :</a:t>
           </a:r>
         </a:p>
         <a:p>
-          <a:pPr lvl="0" algn="l" defTabSz="977900">
+          <a:pPr lvl="0" algn="l" defTabSz="933450">
             <a:lnSpc>
               <a:spcPct val="90000"/>
             </a:lnSpc>
@@ -9343,12 +9343,12 @@
             </a:spcAft>
           </a:pPr>
           <a:r>
-            <a:rPr lang="en-US" altLang="zh-CN" sz="2200" kern="1200" dirty="0" smtClean="0"/>
+            <a:rPr lang="en-US" altLang="zh-CN" sz="2100" kern="1200" dirty="0" smtClean="0"/>
             <a:t>Id</a:t>
           </a:r>
         </a:p>
         <a:p>
-          <a:pPr lvl="0" algn="l" defTabSz="977900">
+          <a:pPr lvl="0" algn="l" defTabSz="933450">
             <a:lnSpc>
               <a:spcPct val="90000"/>
             </a:lnSpc>
@@ -9360,12 +9360,12 @@
             </a:spcAft>
           </a:pPr>
           <a:r>
-            <a:rPr lang="en-US" altLang="zh-CN" sz="2200" kern="1200" dirty="0" smtClean="0"/>
+            <a:rPr lang="en-US" altLang="zh-CN" sz="2100" kern="1200" dirty="0" smtClean="0"/>
             <a:t>TagName</a:t>
           </a:r>
         </a:p>
         <a:p>
-          <a:pPr lvl="0" algn="l" defTabSz="977900">
+          <a:pPr lvl="0" algn="l" defTabSz="933450">
             <a:lnSpc>
               <a:spcPct val="90000"/>
             </a:lnSpc>
@@ -9377,7 +9377,7 @@
             </a:spcAft>
           </a:pPr>
           <a:r>
-            <a:rPr lang="en-US" altLang="zh-CN" sz="2200" kern="1200" dirty="0" smtClean="0"/>
+            <a:rPr lang="en-US" altLang="zh-CN" sz="2100" kern="1200" dirty="0" smtClean="0"/>
             <a:t>ClassName</a:t>
           </a:r>
         </a:p>
@@ -9437,7 +9437,7 @@
         </a:bodyPr>
         <a:lstStyle/>
         <a:p>
-          <a:pPr lvl="0" algn="ctr" defTabSz="800100">
+          <a:pPr lvl="0" algn="ctr" defTabSz="755650">
             <a:lnSpc>
               <a:spcPct val="90000"/>
             </a:lnSpc>
@@ -9448,7 +9448,7 @@
               <a:spcPct val="35000"/>
             </a:spcAft>
           </a:pPr>
-          <a:endParaRPr lang="zh-CN" altLang="en-US" sz="1800" kern="1200"/>
+          <a:endParaRPr lang="zh-CN" altLang="en-US" sz="1700" kern="1200"/>
         </a:p>
       </dsp:txBody>
       <dsp:txXfrm>
@@ -9507,12 +9507,12 @@
         </a:fontRef>
       </dsp:style>
       <dsp:txBody>
-        <a:bodyPr spcFirstLastPara="0" vert="horz" wrap="square" lIns="83820" tIns="83820" rIns="83820" bIns="83820" numCol="1" spcCol="1270" anchor="ctr" anchorCtr="0">
+        <a:bodyPr spcFirstLastPara="0" vert="horz" wrap="square" lIns="80010" tIns="80010" rIns="80010" bIns="80010" numCol="1" spcCol="1270" anchor="ctr" anchorCtr="0">
           <a:noAutofit/>
         </a:bodyPr>
         <a:lstStyle/>
         <a:p>
-          <a:pPr lvl="0" algn="l" defTabSz="977900">
+          <a:pPr lvl="0" algn="l" defTabSz="933450">
             <a:lnSpc>
               <a:spcPct val="90000"/>
             </a:lnSpc>
@@ -9524,12 +9524,12 @@
             </a:spcAft>
           </a:pPr>
           <a:r>
-            <a:rPr lang="en-US" altLang="zh-CN" sz="2200" kern="1200" dirty="0" smtClean="0"/>
+            <a:rPr lang="en-US" altLang="zh-CN" sz="2100" kern="1200" dirty="0" smtClean="0"/>
             <a:t>Output(Element -&gt;Object)</a:t>
           </a:r>
         </a:p>
         <a:p>
-          <a:pPr lvl="0" algn="l" defTabSz="977900">
+          <a:pPr lvl="0" algn="l" defTabSz="933450">
             <a:lnSpc>
               <a:spcPct val="90000"/>
             </a:lnSpc>
@@ -9541,12 +9541,12 @@
             </a:spcAft>
           </a:pPr>
           <a:r>
-            <a:rPr lang="en-US" altLang="zh-CN" sz="2200" kern="1200" dirty="0" smtClean="0"/>
+            <a:rPr lang="en-US" altLang="zh-CN" sz="2100" kern="1200" dirty="0" smtClean="0"/>
             <a:t>HTMLElement</a:t>
           </a:r>
         </a:p>
         <a:p>
-          <a:pPr lvl="0" algn="l" defTabSz="977900">
+          <a:pPr lvl="0" algn="l" defTabSz="933450">
             <a:lnSpc>
               <a:spcPct val="90000"/>
             </a:lnSpc>
@@ -9558,10 +9558,10 @@
             </a:spcAft>
           </a:pPr>
           <a:r>
-            <a:rPr lang="en-US" altLang="zh-CN" sz="2200" kern="1200" dirty="0" smtClean="0"/>
+            <a:rPr lang="en-US" altLang="zh-CN" sz="2100" kern="1200" dirty="0" smtClean="0"/>
             <a:t>HTMLCollection</a:t>
           </a:r>
-          <a:endParaRPr lang="zh-CN" altLang="en-US" sz="2200" kern="1200" dirty="0"/>
+          <a:endParaRPr lang="zh-CN" altLang="en-US" sz="2100" kern="1200" dirty="0"/>
         </a:p>
       </dsp:txBody>
       <dsp:txXfrm>
@@ -9938,12 +9938,12 @@
         </a:fontRef>
       </dsp:style>
       <dsp:txBody>
-        <a:bodyPr spcFirstLastPara="0" vert="horz" wrap="square" lIns="83820" tIns="83820" rIns="83820" bIns="83820" numCol="1" spcCol="1270" anchor="ctr" anchorCtr="0">
+        <a:bodyPr spcFirstLastPara="0" vert="horz" wrap="square" lIns="80010" tIns="80010" rIns="80010" bIns="80010" numCol="1" spcCol="1270" anchor="ctr" anchorCtr="0">
           <a:noAutofit/>
         </a:bodyPr>
         <a:lstStyle/>
         <a:p>
-          <a:pPr lvl="0" algn="l" defTabSz="977900">
+          <a:pPr lvl="0" algn="l" defTabSz="933450">
             <a:lnSpc>
               <a:spcPct val="90000"/>
             </a:lnSpc>
@@ -9955,12 +9955,12 @@
             </a:spcAft>
           </a:pPr>
           <a:r>
-            <a:rPr lang="en-US" altLang="zh-CN" sz="2200" kern="1200" dirty="0" smtClean="0"/>
+            <a:rPr lang="en-US" altLang="zh-CN" sz="2100" kern="1200" dirty="0" smtClean="0"/>
             <a:t>Input (Selector) :</a:t>
           </a:r>
         </a:p>
         <a:p>
-          <a:pPr lvl="0" algn="l" defTabSz="977900">
+          <a:pPr lvl="0" algn="l" defTabSz="933450">
             <a:lnSpc>
               <a:spcPct val="90000"/>
             </a:lnSpc>
@@ -9972,12 +9972,12 @@
             </a:spcAft>
           </a:pPr>
           <a:r>
-            <a:rPr lang="en-US" altLang="zh-CN" sz="2200" kern="1200" dirty="0" smtClean="0"/>
+            <a:rPr lang="en-US" altLang="zh-CN" sz="2100" kern="1200" dirty="0" smtClean="0"/>
             <a:t>#id</a:t>
           </a:r>
         </a:p>
         <a:p>
-          <a:pPr lvl="0" algn="l" defTabSz="977900">
+          <a:pPr lvl="0" algn="l" defTabSz="933450">
             <a:lnSpc>
               <a:spcPct val="90000"/>
             </a:lnSpc>
@@ -9989,12 +9989,12 @@
             </a:spcAft>
           </a:pPr>
           <a:r>
-            <a:rPr lang="en-US" altLang="zh-CN" sz="2200" kern="1200" dirty="0" smtClean="0"/>
+            <a:rPr lang="en-US" altLang="zh-CN" sz="2100" kern="1200" dirty="0" smtClean="0"/>
             <a:t>.class</a:t>
           </a:r>
         </a:p>
         <a:p>
-          <a:pPr lvl="0" algn="l" defTabSz="977900">
+          <a:pPr lvl="0" algn="l" defTabSz="933450">
             <a:lnSpc>
               <a:spcPct val="90000"/>
             </a:lnSpc>
@@ -10006,7 +10006,7 @@
             </a:spcAft>
           </a:pPr>
           <a:r>
-            <a:rPr lang="en-US" altLang="zh-CN" sz="2200" kern="1200" dirty="0" smtClean="0"/>
+            <a:rPr lang="en-US" altLang="zh-CN" sz="2100" kern="1200" dirty="0" smtClean="0"/>
             <a:t>tag</a:t>
           </a:r>
         </a:p>
@@ -10066,7 +10066,7 @@
         </a:bodyPr>
         <a:lstStyle/>
         <a:p>
-          <a:pPr lvl="0" algn="ctr" defTabSz="800100">
+          <a:pPr lvl="0" algn="ctr" defTabSz="755650">
             <a:lnSpc>
               <a:spcPct val="90000"/>
             </a:lnSpc>
@@ -10077,7 +10077,7 @@
               <a:spcPct val="35000"/>
             </a:spcAft>
           </a:pPr>
-          <a:endParaRPr lang="zh-CN" altLang="en-US" sz="1800" kern="1200"/>
+          <a:endParaRPr lang="zh-CN" altLang="en-US" sz="1700" kern="1200"/>
         </a:p>
       </dsp:txBody>
       <dsp:txXfrm>
@@ -10136,12 +10136,12 @@
         </a:fontRef>
       </dsp:style>
       <dsp:txBody>
-        <a:bodyPr spcFirstLastPara="0" vert="horz" wrap="square" lIns="83820" tIns="83820" rIns="83820" bIns="83820" numCol="1" spcCol="1270" anchor="ctr" anchorCtr="0">
+        <a:bodyPr spcFirstLastPara="0" vert="horz" wrap="square" lIns="80010" tIns="80010" rIns="80010" bIns="80010" numCol="1" spcCol="1270" anchor="ctr" anchorCtr="0">
           <a:noAutofit/>
         </a:bodyPr>
         <a:lstStyle/>
         <a:p>
-          <a:pPr lvl="0" algn="l" defTabSz="977900">
+          <a:pPr lvl="0" algn="l" defTabSz="933450">
             <a:lnSpc>
               <a:spcPct val="90000"/>
             </a:lnSpc>
@@ -10153,12 +10153,12 @@
             </a:spcAft>
           </a:pPr>
           <a:r>
-            <a:rPr lang="en-US" altLang="zh-CN" sz="2200" kern="1200" dirty="0" smtClean="0"/>
+            <a:rPr lang="en-US" altLang="zh-CN" sz="2100" kern="1200" dirty="0" smtClean="0"/>
             <a:t>Output(Node -&gt;Object)</a:t>
           </a:r>
         </a:p>
         <a:p>
-          <a:pPr lvl="0" algn="l" defTabSz="977900">
+          <a:pPr lvl="0" algn="l" defTabSz="933450">
             <a:lnSpc>
               <a:spcPct val="90000"/>
             </a:lnSpc>
@@ -10170,12 +10170,12 @@
             </a:spcAft>
           </a:pPr>
           <a:r>
-            <a:rPr lang="en-US" altLang="zh-CN" sz="2200" kern="1200" dirty="0" smtClean="0"/>
+            <a:rPr lang="en-US" altLang="zh-CN" sz="2100" kern="1200" dirty="0" smtClean="0"/>
             <a:t>Node</a:t>
           </a:r>
         </a:p>
         <a:p>
-          <a:pPr lvl="0" algn="l" defTabSz="977900">
+          <a:pPr lvl="0" algn="l" defTabSz="933450">
             <a:lnSpc>
               <a:spcPct val="90000"/>
             </a:lnSpc>
@@ -10187,10 +10187,10 @@
             </a:spcAft>
           </a:pPr>
           <a:r>
-            <a:rPr lang="en-US" altLang="zh-CN" sz="2200" kern="1200" dirty="0" smtClean="0"/>
+            <a:rPr lang="en-US" altLang="zh-CN" sz="2100" kern="1200" dirty="0" smtClean="0"/>
             <a:t>NodeList</a:t>
           </a:r>
-          <a:endParaRPr lang="zh-CN" altLang="en-US" sz="2200" kern="1200" dirty="0"/>
+          <a:endParaRPr lang="zh-CN" altLang="en-US" sz="2100" kern="1200" dirty="0"/>
         </a:p>
       </dsp:txBody>
       <dsp:txXfrm>
@@ -18597,7 +18597,7 @@
           <a:p>
             <a:fld id="{5A06C713-31A1-4FFE-B62B-D9AF1053C39B}" type="datetimeFigureOut">
               <a:rPr lang="zh-CN" altLang="en-US" smtClean="0"/>
-              <a:t>2015/9/25</a:t>
+              <a:t>15/9/25</a:t>
             </a:fld>
             <a:endParaRPr lang="zh-CN" altLang="en-US"/>
           </a:p>
@@ -19314,6 +19314,90 @@
 </file>
 
 <file path=ppt/notesSlides/notesSlide6.xml><?xml version="1.0" encoding="utf-8"?>
+<p:notes xmlns:a="http://schemas.openxmlformats.org/drawingml/2006/main" xmlns:r="http://schemas.openxmlformats.org/officeDocument/2006/relationships" xmlns:p="http://schemas.openxmlformats.org/presentationml/2006/main">
+  <p:cSld>
+    <p:spTree>
+      <p:nvGrpSpPr>
+        <p:cNvPr id="1" name=""/>
+        <p:cNvGrpSpPr/>
+        <p:nvPr/>
+      </p:nvGrpSpPr>
+      <p:grpSpPr>
+        <a:xfrm>
+          <a:off x="0" y="0"/>
+          <a:ext cx="0" cy="0"/>
+          <a:chOff x="0" y="0"/>
+          <a:chExt cx="0" cy="0"/>
+        </a:xfrm>
+      </p:grpSpPr>
+      <p:sp>
+        <p:nvSpPr>
+          <p:cNvPr id="2" name="幻灯片图像占位符 1"/>
+          <p:cNvSpPr>
+            <a:spLocks noGrp="1" noRot="1" noChangeAspect="1"/>
+          </p:cNvSpPr>
+          <p:nvPr>
+            <p:ph type="sldImg"/>
+          </p:nvPr>
+        </p:nvSpPr>
+        <p:spPr/>
+      </p:sp>
+      <p:sp>
+        <p:nvSpPr>
+          <p:cNvPr id="3" name="备注占位符 2"/>
+          <p:cNvSpPr>
+            <a:spLocks noGrp="1"/>
+          </p:cNvSpPr>
+          <p:nvPr>
+            <p:ph type="body" idx="1"/>
+          </p:nvPr>
+        </p:nvSpPr>
+        <p:spPr/>
+        <p:txBody>
+          <a:bodyPr/>
+          <a:lstStyle/>
+          <a:p>
+            <a:endParaRPr kumimoji="1" lang="zh-CN" altLang="en-US" dirty="0"/>
+          </a:p>
+        </p:txBody>
+      </p:sp>
+      <p:sp>
+        <p:nvSpPr>
+          <p:cNvPr id="4" name="幻灯片编号占位符 3"/>
+          <p:cNvSpPr>
+            <a:spLocks noGrp="1"/>
+          </p:cNvSpPr>
+          <p:nvPr>
+            <p:ph type="sldNum" sz="quarter" idx="10"/>
+          </p:nvPr>
+        </p:nvSpPr>
+        <p:spPr/>
+        <p:txBody>
+          <a:bodyPr/>
+          <a:lstStyle/>
+          <a:p>
+            <a:fld id="{C2605BAB-26FE-4D91-BC75-A3931684AB90}" type="slidenum">
+              <a:rPr lang="zh-CN" altLang="en-US" smtClean="0"/>
+              <a:t>22</a:t>
+            </a:fld>
+            <a:endParaRPr lang="zh-CN" altLang="en-US"/>
+          </a:p>
+        </p:txBody>
+      </p:sp>
+    </p:spTree>
+    <p:extLst>
+      <p:ext uri="{BB962C8B-B14F-4D97-AF65-F5344CB8AC3E}">
+        <p14:creationId xmlns:p14="http://schemas.microsoft.com/office/powerpoint/2010/main" val="3898735151"/>
+      </p:ext>
+    </p:extLst>
+  </p:cSld>
+  <p:clrMapOvr>
+    <a:masterClrMapping/>
+  </p:clrMapOvr>
+</p:notes>
+</file>
+
+<file path=ppt/notesSlides/notesSlide7.xml><?xml version="1.0" encoding="utf-8"?>
 <p:notes xmlns:a="http://schemas.openxmlformats.org/drawingml/2006/main" xmlns:r="http://schemas.openxmlformats.org/officeDocument/2006/relationships" xmlns:p="http://schemas.openxmlformats.org/presentationml/2006/main">
   <p:cSld>
     <p:spTree>
@@ -20055,7 +20139,7 @@
           <a:p>
             <a:fld id="{0E7912FD-16D0-4754-B569-C79EBCED03E8}" type="datetimeFigureOut">
               <a:rPr lang="zh-CN" altLang="en-US" smtClean="0"/>
-              <a:t>2015/9/25</a:t>
+              <a:t>15/9/25</a:t>
             </a:fld>
             <a:endParaRPr lang="zh-CN" altLang="en-US"/>
           </a:p>
@@ -20238,7 +20322,7 @@
           <a:p>
             <a:fld id="{0E7912FD-16D0-4754-B569-C79EBCED03E8}" type="datetimeFigureOut">
               <a:rPr lang="zh-CN" altLang="en-US" smtClean="0"/>
-              <a:t>2015/9/25</a:t>
+              <a:t>15/9/25</a:t>
             </a:fld>
             <a:endParaRPr lang="zh-CN" altLang="en-US"/>
           </a:p>
@@ -20413,7 +20497,7 @@
           <a:p>
             <a:fld id="{0E7912FD-16D0-4754-B569-C79EBCED03E8}" type="datetimeFigureOut">
               <a:rPr lang="zh-CN" altLang="en-US" smtClean="0"/>
-              <a:t>2015/9/25</a:t>
+              <a:t>15/9/25</a:t>
             </a:fld>
             <a:endParaRPr lang="zh-CN" altLang="en-US"/>
           </a:p>
@@ -20578,7 +20662,7 @@
           <a:p>
             <a:fld id="{0E7912FD-16D0-4754-B569-C79EBCED03E8}" type="datetimeFigureOut">
               <a:rPr lang="zh-CN" altLang="en-US" smtClean="0"/>
-              <a:t>2015/9/25</a:t>
+              <a:t>15/9/25</a:t>
             </a:fld>
             <a:endParaRPr lang="zh-CN" altLang="en-US"/>
           </a:p>
@@ -20799,7 +20883,7 @@
           <a:p>
             <a:fld id="{0E7912FD-16D0-4754-B569-C79EBCED03E8}" type="datetimeFigureOut">
               <a:rPr lang="zh-CN" altLang="en-US" smtClean="0"/>
-              <a:t>2015/9/25</a:t>
+              <a:t>15/9/25</a:t>
             </a:fld>
             <a:endParaRPr lang="zh-CN" altLang="en-US"/>
           </a:p>
@@ -21058,7 +21142,7 @@
           <a:p>
             <a:fld id="{0E7912FD-16D0-4754-B569-C79EBCED03E8}" type="datetimeFigureOut">
               <a:rPr lang="zh-CN" altLang="en-US" smtClean="0"/>
-              <a:t>2015/9/25</a:t>
+              <a:t>15/9/25</a:t>
             </a:fld>
             <a:endParaRPr lang="zh-CN" altLang="en-US"/>
           </a:p>
@@ -21462,7 +21546,7 @@
           <a:p>
             <a:fld id="{0E7912FD-16D0-4754-B569-C79EBCED03E8}" type="datetimeFigureOut">
               <a:rPr lang="zh-CN" altLang="en-US" smtClean="0"/>
-              <a:t>2015/9/25</a:t>
+              <a:t>15/9/25</a:t>
             </a:fld>
             <a:endParaRPr lang="zh-CN" altLang="en-US"/>
           </a:p>
@@ -21593,7 +21677,7 @@
           <a:p>
             <a:fld id="{0E7912FD-16D0-4754-B569-C79EBCED03E8}" type="datetimeFigureOut">
               <a:rPr lang="zh-CN" altLang="en-US" smtClean="0"/>
-              <a:t>2015/9/25</a:t>
+              <a:t>15/9/25</a:t>
             </a:fld>
             <a:endParaRPr lang="zh-CN" altLang="en-US"/>
           </a:p>
@@ -21693,7 +21777,7 @@
           <a:p>
             <a:fld id="{0E7912FD-16D0-4754-B569-C79EBCED03E8}" type="datetimeFigureOut">
               <a:rPr lang="zh-CN" altLang="en-US" smtClean="0"/>
-              <a:t>2015/9/25</a:t>
+              <a:t>15/9/25</a:t>
             </a:fld>
             <a:endParaRPr lang="zh-CN" altLang="en-US"/>
           </a:p>
@@ -21938,7 +22022,7 @@
           <a:p>
             <a:fld id="{0E7912FD-16D0-4754-B569-C79EBCED03E8}" type="datetimeFigureOut">
               <a:rPr lang="zh-CN" altLang="en-US" smtClean="0"/>
-              <a:t>2015/9/25</a:t>
+              <a:t>15/9/25</a:t>
             </a:fld>
             <a:endParaRPr lang="zh-CN" altLang="en-US"/>
           </a:p>
@@ -22182,7 +22266,7 @@
           <a:p>
             <a:fld id="{0E7912FD-16D0-4754-B569-C79EBCED03E8}" type="datetimeFigureOut">
               <a:rPr lang="zh-CN" altLang="en-US" smtClean="0"/>
-              <a:t>2015/9/25</a:t>
+              <a:t>15/9/25</a:t>
             </a:fld>
             <a:endParaRPr lang="zh-CN" altLang="en-US"/>
           </a:p>
@@ -23006,7 +23090,7 @@
           <a:p>
             <a:fld id="{0E7912FD-16D0-4754-B569-C79EBCED03E8}" type="datetimeFigureOut">
               <a:rPr lang="zh-CN" altLang="en-US" smtClean="0"/>
-              <a:t>2015/9/25</a:t>
+              <a:t>15/9/25</a:t>
             </a:fld>
             <a:endParaRPr lang="zh-CN" altLang="en-US"/>
           </a:p>
@@ -23423,7 +23507,7 @@
                 <a:latin typeface="Adobe 黑体 Std R" pitchFamily="34" charset="-122"/>
                 <a:ea typeface="Adobe 黑体 Std R" pitchFamily="34" charset="-122"/>
               </a:rPr>
-              <a:t>分享</a:t>
+              <a:t>的那些事儿</a:t>
             </a:r>
             <a:endParaRPr lang="zh-CN" altLang="en-US" dirty="0">
               <a:latin typeface="Adobe 黑体 Std R" pitchFamily="34" charset="-122"/>
@@ -23464,7 +23548,7 @@
   <p:timing>
     <p:tnLst>
       <p:par>
-        <p:cTn id="1" dur="indefinite" restart="never" nodeType="tmRoot"/>
+        <p:cTn xmlns:p14="http://schemas.microsoft.com/office/powerpoint/2010/main" id="1" dur="indefinite" restart="never" nodeType="tmRoot"/>
       </p:par>
     </p:tnLst>
   </p:timing>
@@ -23687,7 +23771,7 @@
   <p:timing>
     <p:tnLst>
       <p:par>
-        <p:cTn id="1" dur="indefinite" restart="never" nodeType="tmRoot"/>
+        <p:cTn xmlns:p14="http://schemas.microsoft.com/office/powerpoint/2010/main" id="1" dur="indefinite" restart="never" nodeType="tmRoot"/>
       </p:par>
     </p:tnLst>
   </p:timing>
@@ -23900,7 +23984,7 @@
   <p:timing>
     <p:tnLst>
       <p:par>
-        <p:cTn id="1" dur="indefinite" restart="never" nodeType="tmRoot">
+        <p:cTn xmlns:p14="http://schemas.microsoft.com/office/powerpoint/2010/main" id="1" dur="indefinite" restart="never" nodeType="tmRoot">
           <p:childTnLst>
             <p:seq concurrent="1" nextAc="seek">
               <p:cTn id="2" dur="indefinite" nodeType="mainSeq">
@@ -24164,7 +24248,7 @@
   <p:timing>
     <p:tnLst>
       <p:par>
-        <p:cTn id="1" dur="indefinite" restart="never" nodeType="tmRoot"/>
+        <p:cTn xmlns:p14="http://schemas.microsoft.com/office/powerpoint/2010/main" id="1" dur="indefinite" restart="never" nodeType="tmRoot"/>
       </p:par>
     </p:tnLst>
   </p:timing>
@@ -24560,7 +24644,7 @@
   <p:timing>
     <p:tnLst>
       <p:par>
-        <p:cTn id="1" dur="indefinite" restart="never" nodeType="tmRoot"/>
+        <p:cTn xmlns:p14="http://schemas.microsoft.com/office/powerpoint/2010/main" id="1" dur="indefinite" restart="never" nodeType="tmRoot"/>
       </p:par>
     </p:tnLst>
   </p:timing>
@@ -24645,11 +24729,7 @@
             </a:r>
             <a:r>
               <a:rPr lang="zh-CN" altLang="en-US" dirty="0" smtClean="0"/>
-              <a:t>建文档碎片节</a:t>
-            </a:r>
-            <a:r>
-              <a:rPr lang="zh-CN" altLang="en-US" dirty="0" smtClean="0"/>
-              <a:t>点</a:t>
+              <a:t>建文档碎片节点</a:t>
             </a:r>
             <a:endParaRPr lang="en-US" altLang="zh-CN" dirty="0" smtClean="0"/>
           </a:p>
@@ -24683,7 +24763,6 @@
               <a:rPr lang="zh-CN" altLang="en-US" dirty="0"/>
               <a:t>。</a:t>
             </a:r>
-            <a:endParaRPr lang="zh-CN" altLang="en-US" dirty="0"/>
           </a:p>
         </p:txBody>
       </p:sp>
@@ -24886,7 +24965,7 @@
   <p:timing>
     <p:tnLst>
       <p:par>
-        <p:cTn id="1" dur="indefinite" restart="never" nodeType="tmRoot"/>
+        <p:cTn xmlns:p14="http://schemas.microsoft.com/office/powerpoint/2010/main" id="1" dur="indefinite" restart="never" nodeType="tmRoot"/>
       </p:par>
     </p:tnLst>
   </p:timing>
@@ -25058,7 +25137,7 @@
   <p:timing>
     <p:tnLst>
       <p:par>
-        <p:cTn id="1" dur="indefinite" restart="never" nodeType="tmRoot">
+        <p:cTn xmlns:p14="http://schemas.microsoft.com/office/powerpoint/2010/main" id="1" dur="indefinite" restart="never" nodeType="tmRoot">
           <p:childTnLst>
             <p:seq concurrent="1" nextAc="seek">
               <p:cTn id="2" dur="indefinite" nodeType="mainSeq">
@@ -25400,7 +25479,7 @@
   <p:timing>
     <p:tnLst>
       <p:par>
-        <p:cTn id="1" dur="indefinite" restart="never" nodeType="tmRoot">
+        <p:cTn xmlns:p14="http://schemas.microsoft.com/office/powerpoint/2010/main" id="1" dur="indefinite" restart="never" nodeType="tmRoot">
           <p:childTnLst>
             <p:seq concurrent="1" nextAc="seek">
               <p:cTn id="2" dur="indefinite" nodeType="mainSeq">
@@ -25890,7 +25969,7 @@
   <p:timing>
     <p:tnLst>
       <p:par>
-        <p:cTn id="1" dur="indefinite" restart="never" nodeType="tmRoot">
+        <p:cTn xmlns:p14="http://schemas.microsoft.com/office/powerpoint/2010/main" id="1" dur="indefinite" restart="never" nodeType="tmRoot">
           <p:childTnLst>
             <p:seq concurrent="1" nextAc="seek">
               <p:cTn id="2" dur="indefinite" nodeType="mainSeq">
@@ -26268,7 +26347,7 @@
   <p:timing>
     <p:tnLst>
       <p:par>
-        <p:cTn id="1" dur="indefinite" restart="never" nodeType="tmRoot"/>
+        <p:cTn xmlns:p14="http://schemas.microsoft.com/office/powerpoint/2010/main" id="1" dur="indefinite" restart="never" nodeType="tmRoot"/>
       </p:par>
     </p:tnLst>
   </p:timing>
@@ -26528,7 +26607,7 @@
   <p:timing>
     <p:tnLst>
       <p:par>
-        <p:cTn id="1" dur="indefinite" restart="never" nodeType="tmRoot">
+        <p:cTn xmlns:p14="http://schemas.microsoft.com/office/powerpoint/2010/main" id="1" dur="indefinite" restart="never" nodeType="tmRoot">
           <p:childTnLst>
             <p:seq concurrent="1" nextAc="seek">
               <p:cTn id="2" dur="indefinite" nodeType="mainSeq">
@@ -27012,7 +27091,7 @@
   <p:timing>
     <p:tnLst>
       <p:par>
-        <p:cTn id="1" dur="indefinite" restart="never" nodeType="tmRoot"/>
+        <p:cTn xmlns:p14="http://schemas.microsoft.com/office/powerpoint/2010/main" id="1" dur="indefinite" restart="never" nodeType="tmRoot"/>
       </p:par>
     </p:tnLst>
   </p:timing>
@@ -27362,7 +27441,7 @@
   <p:timing>
     <p:tnLst>
       <p:par>
-        <p:cTn id="1" dur="indefinite" restart="never" nodeType="tmRoot">
+        <p:cTn xmlns:p14="http://schemas.microsoft.com/office/powerpoint/2010/main" id="1" dur="indefinite" restart="never" nodeType="tmRoot">
           <p:childTnLst>
             <p:seq concurrent="1" nextAc="seek">
               <p:cTn id="2" dur="indefinite" nodeType="mainSeq">
@@ -27825,7 +27904,7 @@
   <p:timing>
     <p:tnLst>
       <p:par>
-        <p:cTn id="1" dur="indefinite" restart="never" nodeType="tmRoot">
+        <p:cTn xmlns:p14="http://schemas.microsoft.com/office/powerpoint/2010/main" id="1" dur="indefinite" restart="never" nodeType="tmRoot">
           <p:childTnLst>
             <p:seq concurrent="1" nextAc="seek">
               <p:cTn id="2" dur="indefinite" nodeType="mainSeq">
@@ -28721,7 +28800,7 @@
   <p:timing>
     <p:tnLst>
       <p:par>
-        <p:cTn id="1" dur="indefinite" restart="never" nodeType="tmRoot"/>
+        <p:cTn xmlns:p14="http://schemas.microsoft.com/office/powerpoint/2010/main" id="1" dur="indefinite" restart="never" nodeType="tmRoot"/>
       </p:par>
     </p:tnLst>
   </p:timing>
@@ -29073,7 +29152,7 @@
   <p:timing>
     <p:tnLst>
       <p:par>
-        <p:cTn id="1" dur="indefinite" restart="never" nodeType="tmRoot">
+        <p:cTn xmlns:p14="http://schemas.microsoft.com/office/powerpoint/2010/main" id="1" dur="indefinite" restart="never" nodeType="tmRoot">
           <p:childTnLst>
             <p:seq concurrent="1" nextAc="seek">
               <p:cTn id="2" dur="indefinite" nodeType="mainSeq">
@@ -29681,7 +29760,7 @@
   <p:timing>
     <p:tnLst>
       <p:par>
-        <p:cTn id="1" dur="indefinite" restart="never" nodeType="tmRoot"/>
+        <p:cTn xmlns:p14="http://schemas.microsoft.com/office/powerpoint/2010/main" id="1" dur="indefinite" restart="never" nodeType="tmRoot"/>
       </p:par>
     </p:tnLst>
   </p:timing>
@@ -29780,8 +29859,13 @@
             <a:pPr lvl="1"/>
             <a:r>
               <a:rPr lang="en-US" altLang="zh-CN" dirty="0" smtClean="0"/>
-              <a:t>$(‘#id’) $(‘.class’) $(‘tag’)</a:t>
-            </a:r>
+              <a:t>$(‘#id’) $(‘.class’) $(‘tag’</a:t>
+            </a:r>
+            <a:r>
+              <a:rPr lang="en-US" altLang="zh-CN" dirty="0" smtClean="0"/>
+              <a:t>).parent()</a:t>
+            </a:r>
+            <a:endParaRPr lang="en-US" altLang="zh-CN" dirty="0" smtClean="0"/>
           </a:p>
           <a:p>
             <a:pPr marL="411480" lvl="1" indent="0">
@@ -29864,7 +29948,7 @@
   <p:timing>
     <p:tnLst>
       <p:par>
-        <p:cTn id="1" dur="indefinite" restart="never" nodeType="tmRoot"/>
+        <p:cTn xmlns:p14="http://schemas.microsoft.com/office/powerpoint/2010/main" id="1" dur="indefinite" restart="never" nodeType="tmRoot"/>
       </p:par>
     </p:tnLst>
   </p:timing>
@@ -30115,7 +30199,7 @@
   <p:timing>
     <p:tnLst>
       <p:par>
-        <p:cTn id="1" dur="indefinite" restart="never" nodeType="tmRoot"/>
+        <p:cTn xmlns:p14="http://schemas.microsoft.com/office/powerpoint/2010/main" id="1" dur="indefinite" restart="never" nodeType="tmRoot"/>
       </p:par>
     </p:tnLst>
   </p:timing>
@@ -30300,7 +30384,7 @@
   <p:timing>
     <p:tnLst>
       <p:par>
-        <p:cTn id="1" dur="indefinite" restart="never" nodeType="tmRoot"/>
+        <p:cTn xmlns:p14="http://schemas.microsoft.com/office/powerpoint/2010/main" id="1" dur="indefinite" restart="never" nodeType="tmRoot"/>
       </p:par>
     </p:tnLst>
   </p:timing>
@@ -30540,7 +30624,7 @@
   <p:timing>
     <p:tnLst>
       <p:par>
-        <p:cTn id="1" dur="indefinite" restart="never" nodeType="tmRoot"/>
+        <p:cTn xmlns:p14="http://schemas.microsoft.com/office/powerpoint/2010/main" id="1" dur="indefinite" restart="never" nodeType="tmRoot"/>
       </p:par>
     </p:tnLst>
   </p:timing>
@@ -30610,7 +30694,7 @@
   <p:timing>
     <p:tnLst>
       <p:par>
-        <p:cTn id="1" dur="indefinite" restart="never" nodeType="tmRoot"/>
+        <p:cTn xmlns:p14="http://schemas.microsoft.com/office/powerpoint/2010/main" id="1" dur="indefinite" restart="never" nodeType="tmRoot"/>
       </p:par>
     </p:tnLst>
   </p:timing>
@@ -30814,7 +30898,7 @@
   <p:timing>
     <p:tnLst>
       <p:par>
-        <p:cTn id="1" dur="indefinite" restart="never" nodeType="tmRoot">
+        <p:cTn xmlns:p14="http://schemas.microsoft.com/office/powerpoint/2010/main" id="1" dur="indefinite" restart="never" nodeType="tmRoot">
           <p:childTnLst>
             <p:seq concurrent="1" nextAc="seek">
               <p:cTn id="2" dur="indefinite" nodeType="mainSeq">
@@ -31300,7 +31384,7 @@
   <p:timing>
     <p:tnLst>
       <p:par>
-        <p:cTn id="1" dur="indefinite" restart="never" nodeType="tmRoot"/>
+        <p:cTn xmlns:p14="http://schemas.microsoft.com/office/powerpoint/2010/main" id="1" dur="indefinite" restart="never" nodeType="tmRoot"/>
       </p:par>
     </p:tnLst>
   </p:timing>
@@ -31563,7 +31647,7 @@
   <p:timing>
     <p:tnLst>
       <p:par>
-        <p:cTn id="1" dur="indefinite" restart="never" nodeType="tmRoot">
+        <p:cTn xmlns:p14="http://schemas.microsoft.com/office/powerpoint/2010/main" id="1" dur="indefinite" restart="never" nodeType="tmRoot">
           <p:childTnLst>
             <p:seq concurrent="1" nextAc="seek">
               <p:cTn id="2" dur="indefinite" nodeType="mainSeq">
@@ -31856,7 +31940,7 @@
   <p:timing>
     <p:tnLst>
       <p:par>
-        <p:cTn id="1" dur="indefinite" restart="never" nodeType="tmRoot"/>
+        <p:cTn xmlns:p14="http://schemas.microsoft.com/office/powerpoint/2010/main" id="1" dur="indefinite" restart="never" nodeType="tmRoot"/>
       </p:par>
     </p:tnLst>
   </p:timing>
@@ -35304,7 +35388,7 @@
   <p:timing>
     <p:tnLst>
       <p:par>
-        <p:cTn id="1" dur="indefinite" restart="never" nodeType="tmRoot"/>
+        <p:cTn xmlns:p14="http://schemas.microsoft.com/office/powerpoint/2010/main" id="1" dur="indefinite" restart="never" nodeType="tmRoot"/>
       </p:par>
     </p:tnLst>
   </p:timing>
@@ -35398,10 +35482,6 @@
               </a:rPr>
               <a:t> </a:t>
             </a:r>
-            <a:endParaRPr lang="en-US" altLang="zh-CN" dirty="0" smtClean="0">
-              <a:latin typeface="Consolas" pitchFamily="49" charset="0"/>
-              <a:cs typeface="Consolas" pitchFamily="49" charset="0"/>
-            </a:endParaRPr>
           </a:p>
           <a:p>
             <a:r>
@@ -35712,11 +35792,6 @@
               </a:rPr>
               <a:t>)</a:t>
             </a:r>
-            <a:endParaRPr lang="en-US" altLang="zh-CN" sz="2400" dirty="0">
-              <a:latin typeface="Adobe 黑体 Std R" pitchFamily="34" charset="-122"/>
-              <a:ea typeface="Adobe 黑体 Std R" pitchFamily="34" charset="-122"/>
-              <a:cs typeface="Consolas" pitchFamily="49" charset="0"/>
-            </a:endParaRPr>
           </a:p>
         </p:txBody>
       </p:sp>
@@ -35766,11 +35841,6 @@
               </a:rPr>
               <a:t>)</a:t>
             </a:r>
-            <a:endParaRPr lang="en-US" altLang="zh-CN" sz="2400" dirty="0">
-              <a:latin typeface="Adobe 黑体 Std R" pitchFamily="34" charset="-122"/>
-              <a:ea typeface="Adobe 黑体 Std R" pitchFamily="34" charset="-122"/>
-              <a:cs typeface="Consolas" pitchFamily="49" charset="0"/>
-            </a:endParaRPr>
           </a:p>
         </p:txBody>
       </p:sp>
@@ -35820,11 +35890,6 @@
               </a:rPr>
               <a:t>)</a:t>
             </a:r>
-            <a:endParaRPr lang="en-US" altLang="zh-CN" sz="2400" dirty="0">
-              <a:latin typeface="Adobe 黑体 Std R" pitchFamily="34" charset="-122"/>
-              <a:ea typeface="Adobe 黑体 Std R" pitchFamily="34" charset="-122"/>
-              <a:cs typeface="Consolas" pitchFamily="49" charset="0"/>
-            </a:endParaRPr>
           </a:p>
         </p:txBody>
       </p:sp>
@@ -35841,7 +35906,7 @@
   <p:timing>
     <p:tnLst>
       <p:par>
-        <p:cTn id="1" dur="indefinite" restart="never" nodeType="tmRoot">
+        <p:cTn xmlns:p14="http://schemas.microsoft.com/office/powerpoint/2010/main" id="1" dur="indefinite" restart="never" nodeType="tmRoot">
           <p:childTnLst>
             <p:seq concurrent="1" nextAc="seek">
               <p:cTn id="2" dur="indefinite" nodeType="mainSeq">
@@ -36544,7 +36609,7 @@
   <p:timing>
     <p:tnLst>
       <p:par>
-        <p:cTn id="1" dur="indefinite" restart="never" nodeType="tmRoot">
+        <p:cTn xmlns:p14="http://schemas.microsoft.com/office/powerpoint/2010/main" id="1" dur="indefinite" restart="never" nodeType="tmRoot">
           <p:childTnLst>
             <p:seq concurrent="1" nextAc="seek">
               <p:cTn id="2" dur="indefinite" nodeType="mainSeq">
